--- a/Reports/Hiwi Meeting 4.pptx
+++ b/Reports/Hiwi Meeting 4.pptx
@@ -1264,7 +1264,7 @@
           <a:p>
             <a:fld id="{14B9FE85-2513-4447-ACC4-7B6DEAE6A03C}" type="datetimeFigureOut">
               <a:rPr lang="en-GB" smtClean="0"/>
-              <a:t>20/06/2020</a:t>
+              <a:t>02/07/2020</a:t>
             </a:fld>
             <a:endParaRPr lang="en-GB"/>
           </a:p>
@@ -1434,7 +1434,7 @@
           <a:p>
             <a:fld id="{14B9FE85-2513-4447-ACC4-7B6DEAE6A03C}" type="datetimeFigureOut">
               <a:rPr lang="en-GB" smtClean="0"/>
-              <a:t>20/06/2020</a:t>
+              <a:t>02/07/2020</a:t>
             </a:fld>
             <a:endParaRPr lang="en-GB"/>
           </a:p>
@@ -1614,7 +1614,7 @@
           <a:p>
             <a:fld id="{14B9FE85-2513-4447-ACC4-7B6DEAE6A03C}" type="datetimeFigureOut">
               <a:rPr lang="en-GB" smtClean="0"/>
-              <a:t>20/06/2020</a:t>
+              <a:t>02/07/2020</a:t>
             </a:fld>
             <a:endParaRPr lang="en-GB"/>
           </a:p>
@@ -1784,7 +1784,7 @@
           <a:p>
             <a:fld id="{14B9FE85-2513-4447-ACC4-7B6DEAE6A03C}" type="datetimeFigureOut">
               <a:rPr lang="en-GB" smtClean="0"/>
-              <a:t>20/06/2020</a:t>
+              <a:t>02/07/2020</a:t>
             </a:fld>
             <a:endParaRPr lang="en-GB"/>
           </a:p>
@@ -2030,7 +2030,7 @@
           <a:p>
             <a:fld id="{14B9FE85-2513-4447-ACC4-7B6DEAE6A03C}" type="datetimeFigureOut">
               <a:rPr lang="en-GB" smtClean="0"/>
-              <a:t>20/06/2020</a:t>
+              <a:t>02/07/2020</a:t>
             </a:fld>
             <a:endParaRPr lang="en-GB"/>
           </a:p>
@@ -2262,7 +2262,7 @@
           <a:p>
             <a:fld id="{14B9FE85-2513-4447-ACC4-7B6DEAE6A03C}" type="datetimeFigureOut">
               <a:rPr lang="en-GB" smtClean="0"/>
-              <a:t>20/06/2020</a:t>
+              <a:t>02/07/2020</a:t>
             </a:fld>
             <a:endParaRPr lang="en-GB"/>
           </a:p>
@@ -2629,7 +2629,7 @@
           <a:p>
             <a:fld id="{14B9FE85-2513-4447-ACC4-7B6DEAE6A03C}" type="datetimeFigureOut">
               <a:rPr lang="en-GB" smtClean="0"/>
-              <a:t>20/06/2020</a:t>
+              <a:t>02/07/2020</a:t>
             </a:fld>
             <a:endParaRPr lang="en-GB"/>
           </a:p>
@@ -2747,7 +2747,7 @@
           <a:p>
             <a:fld id="{14B9FE85-2513-4447-ACC4-7B6DEAE6A03C}" type="datetimeFigureOut">
               <a:rPr lang="en-GB" smtClean="0"/>
-              <a:t>20/06/2020</a:t>
+              <a:t>02/07/2020</a:t>
             </a:fld>
             <a:endParaRPr lang="en-GB"/>
           </a:p>
@@ -2842,7 +2842,7 @@
           <a:p>
             <a:fld id="{14B9FE85-2513-4447-ACC4-7B6DEAE6A03C}" type="datetimeFigureOut">
               <a:rPr lang="en-GB" smtClean="0"/>
-              <a:t>20/06/2020</a:t>
+              <a:t>02/07/2020</a:t>
             </a:fld>
             <a:endParaRPr lang="en-GB"/>
           </a:p>
@@ -3119,7 +3119,7 @@
           <a:p>
             <a:fld id="{14B9FE85-2513-4447-ACC4-7B6DEAE6A03C}" type="datetimeFigureOut">
               <a:rPr lang="en-GB" smtClean="0"/>
-              <a:t>20/06/2020</a:t>
+              <a:t>02/07/2020</a:t>
             </a:fld>
             <a:endParaRPr lang="en-GB"/>
           </a:p>
@@ -3372,7 +3372,7 @@
           <a:p>
             <a:fld id="{14B9FE85-2513-4447-ACC4-7B6DEAE6A03C}" type="datetimeFigureOut">
               <a:rPr lang="en-GB" smtClean="0"/>
-              <a:t>20/06/2020</a:t>
+              <a:t>02/07/2020</a:t>
             </a:fld>
             <a:endParaRPr lang="en-GB"/>
           </a:p>
@@ -3585,7 +3585,7 @@
           <a:p>
             <a:fld id="{14B9FE85-2513-4447-ACC4-7B6DEAE6A03C}" type="datetimeFigureOut">
               <a:rPr lang="en-GB" smtClean="0"/>
-              <a:t>20/06/2020</a:t>
+              <a:t>02/07/2020</a:t>
             </a:fld>
             <a:endParaRPr lang="en-GB"/>
           </a:p>
@@ -4108,7 +4108,7 @@
           <p:nvPr>
             <p:extLst>
               <p:ext uri="{D42A27DB-BD31-4B8C-83A1-F6EECF244321}">
-                <p14:modId xmlns:p14="http://schemas.microsoft.com/office/powerpoint/2010/main" val="3219117376"/>
+                <p14:modId xmlns:p14="http://schemas.microsoft.com/office/powerpoint/2010/main" val="3385750224"/>
               </p:ext>
             </p:extLst>
           </p:nvPr>
@@ -4127,42 +4127,42 @@
                 <a:gridCol w="1074501">
                   <a:extLst>
                     <a:ext uri="{9D8B030D-6E8A-4147-A177-3AD203B41FA5}">
-                      <a16:colId xmlns:a16="http://schemas.microsoft.com/office/drawing/2014/main" xmlns="" val="20000"/>
+                      <a16:colId xmlns="" xmlns:a16="http://schemas.microsoft.com/office/drawing/2014/main" val="20000"/>
                     </a:ext>
                   </a:extLst>
                 </a:gridCol>
                 <a:gridCol w="1094563">
                   <a:extLst>
                     <a:ext uri="{9D8B030D-6E8A-4147-A177-3AD203B41FA5}">
-                      <a16:colId xmlns:a16="http://schemas.microsoft.com/office/drawing/2014/main" xmlns="" val="20001"/>
+                      <a16:colId xmlns="" xmlns:a16="http://schemas.microsoft.com/office/drawing/2014/main" val="20001"/>
                     </a:ext>
                   </a:extLst>
                 </a:gridCol>
                 <a:gridCol w="1112808">
                   <a:extLst>
                     <a:ext uri="{9D8B030D-6E8A-4147-A177-3AD203B41FA5}">
-                      <a16:colId xmlns:a16="http://schemas.microsoft.com/office/drawing/2014/main" xmlns="" val="20002"/>
+                      <a16:colId xmlns="" xmlns:a16="http://schemas.microsoft.com/office/drawing/2014/main" val="20002"/>
                     </a:ext>
                   </a:extLst>
                 </a:gridCol>
                 <a:gridCol w="785901">
                   <a:extLst>
                     <a:ext uri="{9D8B030D-6E8A-4147-A177-3AD203B41FA5}">
-                      <a16:colId xmlns:a16="http://schemas.microsoft.com/office/drawing/2014/main" xmlns="" val="20003"/>
+                      <a16:colId xmlns="" xmlns:a16="http://schemas.microsoft.com/office/drawing/2014/main" val="20003"/>
                     </a:ext>
                   </a:extLst>
                 </a:gridCol>
                 <a:gridCol w="823172">
                   <a:extLst>
                     <a:ext uri="{9D8B030D-6E8A-4147-A177-3AD203B41FA5}">
-                      <a16:colId xmlns:a16="http://schemas.microsoft.com/office/drawing/2014/main" xmlns="" val="20004"/>
+                      <a16:colId xmlns="" xmlns:a16="http://schemas.microsoft.com/office/drawing/2014/main" val="20004"/>
                     </a:ext>
                   </a:extLst>
                 </a:gridCol>
                 <a:gridCol w="1226019">
                   <a:extLst>
                     <a:ext uri="{9D8B030D-6E8A-4147-A177-3AD203B41FA5}">
-                      <a16:colId xmlns:a16="http://schemas.microsoft.com/office/drawing/2014/main" xmlns="" val="20005"/>
+                      <a16:colId xmlns="" xmlns:a16="http://schemas.microsoft.com/office/drawing/2014/main" val="20005"/>
                     </a:ext>
                   </a:extLst>
                 </a:gridCol>
@@ -4254,7 +4254,7 @@
                 </a:tc>
                 <a:extLst>
                   <a:ext uri="{0D108BD9-81ED-4DB2-BD59-A6C34878D82A}">
-                    <a16:rowId xmlns:a16="http://schemas.microsoft.com/office/drawing/2014/main" xmlns="" val="10000"/>
+                    <a16:rowId xmlns="" xmlns:a16="http://schemas.microsoft.com/office/drawing/2014/main" val="10000"/>
                   </a:ext>
                 </a:extLst>
               </a:tr>
@@ -4279,10 +4279,10 @@
                     <a:lstStyle/>
                     <a:p>
                       <a:r>
-                        <a:rPr lang="x-none" dirty="0">
-                          <a:effectLst/>
-                        </a:rPr>
-                        <a:t>50</a:t>
+                        <a:rPr lang="en-IN" dirty="0" smtClean="0">
+                          <a:effectLst/>
+                        </a:rPr>
+                        <a:t>48</a:t>
                       </a:r>
                       <a:endParaRPr lang="en-GB" dirty="0"/>
                     </a:p>
@@ -4351,7 +4351,7 @@
                 </a:tc>
                 <a:extLst>
                   <a:ext uri="{0D108BD9-81ED-4DB2-BD59-A6C34878D82A}">
-                    <a16:rowId xmlns:a16="http://schemas.microsoft.com/office/drawing/2014/main" xmlns="" val="10001"/>
+                    <a16:rowId xmlns="" xmlns:a16="http://schemas.microsoft.com/office/drawing/2014/main" val="10001"/>
                   </a:ext>
                 </a:extLst>
               </a:tr>
@@ -4509,7 +4509,7 @@
                 </a:tc>
                 <a:extLst>
                   <a:ext uri="{0D108BD9-81ED-4DB2-BD59-A6C34878D82A}">
-                    <a16:rowId xmlns:a16="http://schemas.microsoft.com/office/drawing/2014/main" xmlns="" val="10002"/>
+                    <a16:rowId xmlns="" xmlns:a16="http://schemas.microsoft.com/office/drawing/2014/main" val="10002"/>
                   </a:ext>
                 </a:extLst>
               </a:tr>
@@ -4541,10 +4541,10 @@
                     <a:lstStyle/>
                     <a:p>
                       <a:r>
-                        <a:rPr lang="en-IN" dirty="0">
-                          <a:effectLst/>
-                        </a:rPr>
-                        <a:t>46</a:t>
+                        <a:rPr lang="en-IN" smtClean="0">
+                          <a:effectLst/>
+                        </a:rPr>
+                        <a:t>43</a:t>
                       </a:r>
                       <a:endParaRPr lang="en-GB" dirty="0"/>
                     </a:p>
@@ -4652,7 +4652,7 @@
                 </a:tc>
                 <a:extLst>
                   <a:ext uri="{0D108BD9-81ED-4DB2-BD59-A6C34878D82A}">
-                    <a16:rowId xmlns:a16="http://schemas.microsoft.com/office/drawing/2014/main" xmlns="" val="10003"/>
+                    <a16:rowId xmlns="" xmlns:a16="http://schemas.microsoft.com/office/drawing/2014/main" val="10003"/>
                   </a:ext>
                 </a:extLst>
               </a:tr>
@@ -4677,10 +4677,10 @@
                     <a:lstStyle/>
                     <a:p>
                       <a:r>
-                        <a:rPr lang="x-none" dirty="0">
-                          <a:effectLst/>
-                        </a:rPr>
-                        <a:t>48</a:t>
+                        <a:rPr lang="en-IN" dirty="0" smtClean="0">
+                          <a:effectLst/>
+                        </a:rPr>
+                        <a:t>46</a:t>
                       </a:r>
                       <a:endParaRPr lang="en-GB" dirty="0"/>
                     </a:p>
@@ -4753,7 +4753,7 @@
                 </a:tc>
                 <a:extLst>
                   <a:ext uri="{0D108BD9-81ED-4DB2-BD59-A6C34878D82A}">
-                    <a16:rowId xmlns:a16="http://schemas.microsoft.com/office/drawing/2014/main" xmlns="" val="10004"/>
+                    <a16:rowId xmlns="" xmlns:a16="http://schemas.microsoft.com/office/drawing/2014/main" val="10004"/>
                   </a:ext>
                 </a:extLst>
               </a:tr>
@@ -4854,7 +4854,7 @@
                 </a:tc>
                 <a:extLst>
                   <a:ext uri="{0D108BD9-81ED-4DB2-BD59-A6C34878D82A}">
-                    <a16:rowId xmlns:a16="http://schemas.microsoft.com/office/drawing/2014/main" xmlns="" val="10005"/>
+                    <a16:rowId xmlns="" xmlns:a16="http://schemas.microsoft.com/office/drawing/2014/main" val="10005"/>
                   </a:ext>
                 </a:extLst>
               </a:tr>
@@ -4945,42 +4945,42 @@
                 <a:gridCol w="1074501">
                   <a:extLst>
                     <a:ext uri="{9D8B030D-6E8A-4147-A177-3AD203B41FA5}">
-                      <a16:colId xmlns:a16="http://schemas.microsoft.com/office/drawing/2014/main" xmlns="" val="20000"/>
+                      <a16:colId xmlns="" xmlns:a16="http://schemas.microsoft.com/office/drawing/2014/main" val="20000"/>
                     </a:ext>
                   </a:extLst>
                 </a:gridCol>
                 <a:gridCol w="1042804">
                   <a:extLst>
                     <a:ext uri="{9D8B030D-6E8A-4147-A177-3AD203B41FA5}">
-                      <a16:colId xmlns:a16="http://schemas.microsoft.com/office/drawing/2014/main" xmlns="" val="20001"/>
+                      <a16:colId xmlns="" xmlns:a16="http://schemas.microsoft.com/office/drawing/2014/main" val="20001"/>
                     </a:ext>
                   </a:extLst>
                 </a:gridCol>
                 <a:gridCol w="1086929">
                   <a:extLst>
                     <a:ext uri="{9D8B030D-6E8A-4147-A177-3AD203B41FA5}">
-                      <a16:colId xmlns:a16="http://schemas.microsoft.com/office/drawing/2014/main" xmlns="" val="20002"/>
+                      <a16:colId xmlns="" xmlns:a16="http://schemas.microsoft.com/office/drawing/2014/main" val="20002"/>
                     </a:ext>
                   </a:extLst>
                 </a:gridCol>
                 <a:gridCol w="777436">
                   <a:extLst>
                     <a:ext uri="{9D8B030D-6E8A-4147-A177-3AD203B41FA5}">
-                      <a16:colId xmlns:a16="http://schemas.microsoft.com/office/drawing/2014/main" xmlns="" val="20003"/>
+                      <a16:colId xmlns="" xmlns:a16="http://schemas.microsoft.com/office/drawing/2014/main" val="20003"/>
                     </a:ext>
                   </a:extLst>
                 </a:gridCol>
                 <a:gridCol w="909275">
                   <a:extLst>
                     <a:ext uri="{9D8B030D-6E8A-4147-A177-3AD203B41FA5}">
-                      <a16:colId xmlns:a16="http://schemas.microsoft.com/office/drawing/2014/main" xmlns="" val="20004"/>
+                      <a16:colId xmlns="" xmlns:a16="http://schemas.microsoft.com/office/drawing/2014/main" val="20004"/>
                     </a:ext>
                   </a:extLst>
                 </a:gridCol>
                 <a:gridCol w="1226019">
                   <a:extLst>
                     <a:ext uri="{9D8B030D-6E8A-4147-A177-3AD203B41FA5}">
-                      <a16:colId xmlns:a16="http://schemas.microsoft.com/office/drawing/2014/main" xmlns="" val="20005"/>
+                      <a16:colId xmlns="" xmlns:a16="http://schemas.microsoft.com/office/drawing/2014/main" val="20005"/>
                     </a:ext>
                   </a:extLst>
                 </a:gridCol>
@@ -5072,7 +5072,7 @@
                 </a:tc>
                 <a:extLst>
                   <a:ext uri="{0D108BD9-81ED-4DB2-BD59-A6C34878D82A}">
-                    <a16:rowId xmlns:a16="http://schemas.microsoft.com/office/drawing/2014/main" xmlns="" val="10000"/>
+                    <a16:rowId xmlns="" xmlns:a16="http://schemas.microsoft.com/office/drawing/2014/main" val="10000"/>
                   </a:ext>
                 </a:extLst>
               </a:tr>
@@ -5169,7 +5169,7 @@
                 </a:tc>
                 <a:extLst>
                   <a:ext uri="{0D108BD9-81ED-4DB2-BD59-A6C34878D82A}">
-                    <a16:rowId xmlns:a16="http://schemas.microsoft.com/office/drawing/2014/main" xmlns="" val="10001"/>
+                    <a16:rowId xmlns="" xmlns:a16="http://schemas.microsoft.com/office/drawing/2014/main" val="10001"/>
                   </a:ext>
                 </a:extLst>
               </a:tr>
@@ -5329,7 +5329,7 @@
                 </a:tc>
                 <a:extLst>
                   <a:ext uri="{0D108BD9-81ED-4DB2-BD59-A6C34878D82A}">
-                    <a16:rowId xmlns:a16="http://schemas.microsoft.com/office/drawing/2014/main" xmlns="" val="10002"/>
+                    <a16:rowId xmlns="" xmlns:a16="http://schemas.microsoft.com/office/drawing/2014/main" val="10002"/>
                   </a:ext>
                 </a:extLst>
               </a:tr>
@@ -5489,7 +5489,7 @@
                 </a:tc>
                 <a:extLst>
                   <a:ext uri="{0D108BD9-81ED-4DB2-BD59-A6C34878D82A}">
-                    <a16:rowId xmlns:a16="http://schemas.microsoft.com/office/drawing/2014/main" xmlns="" val="10003"/>
+                    <a16:rowId xmlns="" xmlns:a16="http://schemas.microsoft.com/office/drawing/2014/main" val="10003"/>
                   </a:ext>
                 </a:extLst>
               </a:tr>
@@ -5632,7 +5632,7 @@
                 </a:tc>
                 <a:extLst>
                   <a:ext uri="{0D108BD9-81ED-4DB2-BD59-A6C34878D82A}">
-                    <a16:rowId xmlns:a16="http://schemas.microsoft.com/office/drawing/2014/main" xmlns="" val="10004"/>
+                    <a16:rowId xmlns="" xmlns:a16="http://schemas.microsoft.com/office/drawing/2014/main" val="10004"/>
                   </a:ext>
                 </a:extLst>
               </a:tr>
@@ -5733,7 +5733,7 @@
                 </a:tc>
                 <a:extLst>
                   <a:ext uri="{0D108BD9-81ED-4DB2-BD59-A6C34878D82A}">
-                    <a16:rowId xmlns:a16="http://schemas.microsoft.com/office/drawing/2014/main" xmlns="" val="10005"/>
+                    <a16:rowId xmlns="" xmlns:a16="http://schemas.microsoft.com/office/drawing/2014/main" val="10005"/>
                   </a:ext>
                 </a:extLst>
               </a:tr>
@@ -5824,42 +5824,42 @@
                 <a:gridCol w="1074501">
                   <a:extLst>
                     <a:ext uri="{9D8B030D-6E8A-4147-A177-3AD203B41FA5}">
-                      <a16:colId xmlns:a16="http://schemas.microsoft.com/office/drawing/2014/main" xmlns="" val="20000"/>
+                      <a16:colId xmlns="" xmlns:a16="http://schemas.microsoft.com/office/drawing/2014/main" val="20000"/>
                     </a:ext>
                   </a:extLst>
                 </a:gridCol>
                 <a:gridCol w="1051431">
                   <a:extLst>
                     <a:ext uri="{9D8B030D-6E8A-4147-A177-3AD203B41FA5}">
-                      <a16:colId xmlns:a16="http://schemas.microsoft.com/office/drawing/2014/main" xmlns="" val="20001"/>
+                      <a16:colId xmlns="" xmlns:a16="http://schemas.microsoft.com/office/drawing/2014/main" val="20001"/>
                     </a:ext>
                   </a:extLst>
                 </a:gridCol>
                 <a:gridCol w="1104181">
                   <a:extLst>
                     <a:ext uri="{9D8B030D-6E8A-4147-A177-3AD203B41FA5}">
-                      <a16:colId xmlns:a16="http://schemas.microsoft.com/office/drawing/2014/main" xmlns="" val="20002"/>
+                      <a16:colId xmlns="" xmlns:a16="http://schemas.microsoft.com/office/drawing/2014/main" val="20002"/>
                     </a:ext>
                   </a:extLst>
                 </a:gridCol>
                 <a:gridCol w="751557">
                   <a:extLst>
                     <a:ext uri="{9D8B030D-6E8A-4147-A177-3AD203B41FA5}">
-                      <a16:colId xmlns:a16="http://schemas.microsoft.com/office/drawing/2014/main" xmlns="" val="20003"/>
+                      <a16:colId xmlns="" xmlns:a16="http://schemas.microsoft.com/office/drawing/2014/main" val="20003"/>
                     </a:ext>
                   </a:extLst>
                 </a:gridCol>
                 <a:gridCol w="909275">
                   <a:extLst>
                     <a:ext uri="{9D8B030D-6E8A-4147-A177-3AD203B41FA5}">
-                      <a16:colId xmlns:a16="http://schemas.microsoft.com/office/drawing/2014/main" xmlns="" val="20004"/>
+                      <a16:colId xmlns="" xmlns:a16="http://schemas.microsoft.com/office/drawing/2014/main" val="20004"/>
                     </a:ext>
                   </a:extLst>
                 </a:gridCol>
                 <a:gridCol w="1226019">
                   <a:extLst>
                     <a:ext uri="{9D8B030D-6E8A-4147-A177-3AD203B41FA5}">
-                      <a16:colId xmlns:a16="http://schemas.microsoft.com/office/drawing/2014/main" xmlns="" val="20005"/>
+                      <a16:colId xmlns="" xmlns:a16="http://schemas.microsoft.com/office/drawing/2014/main" val="20005"/>
                     </a:ext>
                   </a:extLst>
                 </a:gridCol>
@@ -5951,7 +5951,7 @@
                 </a:tc>
                 <a:extLst>
                   <a:ext uri="{0D108BD9-81ED-4DB2-BD59-A6C34878D82A}">
-                    <a16:rowId xmlns:a16="http://schemas.microsoft.com/office/drawing/2014/main" xmlns="" val="10000"/>
+                    <a16:rowId xmlns="" xmlns:a16="http://schemas.microsoft.com/office/drawing/2014/main" val="10000"/>
                   </a:ext>
                 </a:extLst>
               </a:tr>
@@ -6046,7 +6046,7 @@
                 </a:tc>
                 <a:extLst>
                   <a:ext uri="{0D108BD9-81ED-4DB2-BD59-A6C34878D82A}">
-                    <a16:rowId xmlns:a16="http://schemas.microsoft.com/office/drawing/2014/main" xmlns="" val="10001"/>
+                    <a16:rowId xmlns="" xmlns:a16="http://schemas.microsoft.com/office/drawing/2014/main" val="10001"/>
                   </a:ext>
                 </a:extLst>
               </a:tr>
@@ -6202,7 +6202,7 @@
                 </a:tc>
                 <a:extLst>
                   <a:ext uri="{0D108BD9-81ED-4DB2-BD59-A6C34878D82A}">
-                    <a16:rowId xmlns:a16="http://schemas.microsoft.com/office/drawing/2014/main" xmlns="" val="10002"/>
+                    <a16:rowId xmlns="" xmlns:a16="http://schemas.microsoft.com/office/drawing/2014/main" val="10002"/>
                   </a:ext>
                 </a:extLst>
               </a:tr>
@@ -6358,7 +6358,7 @@
                 </a:tc>
                 <a:extLst>
                   <a:ext uri="{0D108BD9-81ED-4DB2-BD59-A6C34878D82A}">
-                    <a16:rowId xmlns:a16="http://schemas.microsoft.com/office/drawing/2014/main" xmlns="" val="10003"/>
+                    <a16:rowId xmlns="" xmlns:a16="http://schemas.microsoft.com/office/drawing/2014/main" val="10003"/>
                   </a:ext>
                 </a:extLst>
               </a:tr>
@@ -6491,7 +6491,7 @@
                 </a:tc>
                 <a:extLst>
                   <a:ext uri="{0D108BD9-81ED-4DB2-BD59-A6C34878D82A}">
-                    <a16:rowId xmlns:a16="http://schemas.microsoft.com/office/drawing/2014/main" xmlns="" val="10004"/>
+                    <a16:rowId xmlns="" xmlns:a16="http://schemas.microsoft.com/office/drawing/2014/main" val="10004"/>
                   </a:ext>
                 </a:extLst>
               </a:tr>
@@ -6582,7 +6582,7 @@
                 </a:tc>
                 <a:extLst>
                   <a:ext uri="{0D108BD9-81ED-4DB2-BD59-A6C34878D82A}">
-                    <a16:rowId xmlns:a16="http://schemas.microsoft.com/office/drawing/2014/main" xmlns="" val="10005"/>
+                    <a16:rowId xmlns="" xmlns:a16="http://schemas.microsoft.com/office/drawing/2014/main" val="10005"/>
                   </a:ext>
                 </a:extLst>
               </a:tr>
@@ -9110,42 +9110,42 @@
                 <a:gridCol w="1024621">
                   <a:extLst>
                     <a:ext uri="{9D8B030D-6E8A-4147-A177-3AD203B41FA5}">
-                      <a16:colId xmlns:a16="http://schemas.microsoft.com/office/drawing/2014/main" xmlns="" val="20000"/>
+                      <a16:colId xmlns="" xmlns:a16="http://schemas.microsoft.com/office/drawing/2014/main" val="20000"/>
                     </a:ext>
                   </a:extLst>
                 </a:gridCol>
                 <a:gridCol w="1232949">
                   <a:extLst>
                     <a:ext uri="{9D8B030D-6E8A-4147-A177-3AD203B41FA5}">
-                      <a16:colId xmlns:a16="http://schemas.microsoft.com/office/drawing/2014/main" xmlns="" val="20001"/>
+                      <a16:colId xmlns="" xmlns:a16="http://schemas.microsoft.com/office/drawing/2014/main" val="20001"/>
                     </a:ext>
                   </a:extLst>
                 </a:gridCol>
                 <a:gridCol w="1069375">
                   <a:extLst>
                     <a:ext uri="{9D8B030D-6E8A-4147-A177-3AD203B41FA5}">
-                      <a16:colId xmlns:a16="http://schemas.microsoft.com/office/drawing/2014/main" xmlns="" val="20002"/>
+                      <a16:colId xmlns="" xmlns:a16="http://schemas.microsoft.com/office/drawing/2014/main" val="20002"/>
                     </a:ext>
                   </a:extLst>
                 </a:gridCol>
                 <a:gridCol w="765014">
                   <a:extLst>
                     <a:ext uri="{9D8B030D-6E8A-4147-A177-3AD203B41FA5}">
-                      <a16:colId xmlns:a16="http://schemas.microsoft.com/office/drawing/2014/main" xmlns="" val="20003"/>
+                      <a16:colId xmlns="" xmlns:a16="http://schemas.microsoft.com/office/drawing/2014/main" val="20003"/>
                     </a:ext>
                   </a:extLst>
                 </a:gridCol>
                 <a:gridCol w="847274">
                   <a:extLst>
                     <a:ext uri="{9D8B030D-6E8A-4147-A177-3AD203B41FA5}">
-                      <a16:colId xmlns:a16="http://schemas.microsoft.com/office/drawing/2014/main" xmlns="" val="20004"/>
+                      <a16:colId xmlns="" xmlns:a16="http://schemas.microsoft.com/office/drawing/2014/main" val="20004"/>
                     </a:ext>
                   </a:extLst>
                 </a:gridCol>
                 <a:gridCol w="987114">
                   <a:extLst>
                     <a:ext uri="{9D8B030D-6E8A-4147-A177-3AD203B41FA5}">
-                      <a16:colId xmlns:a16="http://schemas.microsoft.com/office/drawing/2014/main" xmlns="" val="20005"/>
+                      <a16:colId xmlns="" xmlns:a16="http://schemas.microsoft.com/office/drawing/2014/main" val="20005"/>
                     </a:ext>
                   </a:extLst>
                 </a:gridCol>
@@ -9237,7 +9237,7 @@
                 </a:tc>
                 <a:extLst>
                   <a:ext uri="{0D108BD9-81ED-4DB2-BD59-A6C34878D82A}">
-                    <a16:rowId xmlns:a16="http://schemas.microsoft.com/office/drawing/2014/main" xmlns="" val="10000"/>
+                    <a16:rowId xmlns="" xmlns:a16="http://schemas.microsoft.com/office/drawing/2014/main" val="10000"/>
                   </a:ext>
                 </a:extLst>
               </a:tr>
@@ -9334,7 +9334,7 @@
                 </a:tc>
                 <a:extLst>
                   <a:ext uri="{0D108BD9-81ED-4DB2-BD59-A6C34878D82A}">
-                    <a16:rowId xmlns:a16="http://schemas.microsoft.com/office/drawing/2014/main" xmlns="" val="10001"/>
+                    <a16:rowId xmlns="" xmlns:a16="http://schemas.microsoft.com/office/drawing/2014/main" val="10001"/>
                   </a:ext>
                 </a:extLst>
               </a:tr>
@@ -9502,7 +9502,7 @@
                 </a:tc>
                 <a:extLst>
                   <a:ext uri="{0D108BD9-81ED-4DB2-BD59-A6C34878D82A}">
-                    <a16:rowId xmlns:a16="http://schemas.microsoft.com/office/drawing/2014/main" xmlns="" val="10002"/>
+                    <a16:rowId xmlns="" xmlns:a16="http://schemas.microsoft.com/office/drawing/2014/main" val="10002"/>
                   </a:ext>
                 </a:extLst>
               </a:tr>
@@ -9643,7 +9643,7 @@
                 </a:tc>
                 <a:extLst>
                   <a:ext uri="{0D108BD9-81ED-4DB2-BD59-A6C34878D82A}">
-                    <a16:rowId xmlns:a16="http://schemas.microsoft.com/office/drawing/2014/main" xmlns="" val="10003"/>
+                    <a16:rowId xmlns="" xmlns:a16="http://schemas.microsoft.com/office/drawing/2014/main" val="10003"/>
                   </a:ext>
                 </a:extLst>
               </a:tr>
@@ -9798,7 +9798,7 @@
                 </a:tc>
                 <a:extLst>
                   <a:ext uri="{0D108BD9-81ED-4DB2-BD59-A6C34878D82A}">
-                    <a16:rowId xmlns:a16="http://schemas.microsoft.com/office/drawing/2014/main" xmlns="" val="10004"/>
+                    <a16:rowId xmlns="" xmlns:a16="http://schemas.microsoft.com/office/drawing/2014/main" val="10004"/>
                   </a:ext>
                 </a:extLst>
               </a:tr>
@@ -9939,7 +9939,7 @@
                 </a:tc>
                 <a:extLst>
                   <a:ext uri="{0D108BD9-81ED-4DB2-BD59-A6C34878D82A}">
-                    <a16:rowId xmlns:a16="http://schemas.microsoft.com/office/drawing/2014/main" xmlns="" val="10005"/>
+                    <a16:rowId xmlns="" xmlns:a16="http://schemas.microsoft.com/office/drawing/2014/main" val="10005"/>
                   </a:ext>
                 </a:extLst>
               </a:tr>
@@ -10030,42 +10030,42 @@
                 <a:gridCol w="1031399">
                   <a:extLst>
                     <a:ext uri="{9D8B030D-6E8A-4147-A177-3AD203B41FA5}">
-                      <a16:colId xmlns:a16="http://schemas.microsoft.com/office/drawing/2014/main" xmlns="" val="20000"/>
+                      <a16:colId xmlns="" xmlns:a16="http://schemas.microsoft.com/office/drawing/2014/main" val="20000"/>
                     </a:ext>
                   </a:extLst>
                 </a:gridCol>
                 <a:gridCol w="1092058">
                   <a:extLst>
                     <a:ext uri="{9D8B030D-6E8A-4147-A177-3AD203B41FA5}">
-                      <a16:colId xmlns:a16="http://schemas.microsoft.com/office/drawing/2014/main" xmlns="" val="20001"/>
+                      <a16:colId xmlns="" xmlns:a16="http://schemas.microsoft.com/office/drawing/2014/main" val="20001"/>
                     </a:ext>
                   </a:extLst>
                 </a:gridCol>
                 <a:gridCol w="1043327">
                   <a:extLst>
                     <a:ext uri="{9D8B030D-6E8A-4147-A177-3AD203B41FA5}">
-                      <a16:colId xmlns:a16="http://schemas.microsoft.com/office/drawing/2014/main" xmlns="" val="20002"/>
+                      <a16:colId xmlns="" xmlns:a16="http://schemas.microsoft.com/office/drawing/2014/main" val="20002"/>
                     </a:ext>
                   </a:extLst>
                 </a:gridCol>
                 <a:gridCol w="852879">
                   <a:extLst>
                     <a:ext uri="{9D8B030D-6E8A-4147-A177-3AD203B41FA5}">
-                      <a16:colId xmlns:a16="http://schemas.microsoft.com/office/drawing/2014/main" xmlns="" val="20003"/>
+                      <a16:colId xmlns="" xmlns:a16="http://schemas.microsoft.com/office/drawing/2014/main" val="20003"/>
                     </a:ext>
                   </a:extLst>
                 </a:gridCol>
                 <a:gridCol w="778356">
                   <a:extLst>
                     <a:ext uri="{9D8B030D-6E8A-4147-A177-3AD203B41FA5}">
-                      <a16:colId xmlns:a16="http://schemas.microsoft.com/office/drawing/2014/main" xmlns="" val="20004"/>
+                      <a16:colId xmlns="" xmlns:a16="http://schemas.microsoft.com/office/drawing/2014/main" val="20004"/>
                     </a:ext>
                   </a:extLst>
                 </a:gridCol>
                 <a:gridCol w="1073572">
                   <a:extLst>
                     <a:ext uri="{9D8B030D-6E8A-4147-A177-3AD203B41FA5}">
-                      <a16:colId xmlns:a16="http://schemas.microsoft.com/office/drawing/2014/main" xmlns="" val="20005"/>
+                      <a16:colId xmlns="" xmlns:a16="http://schemas.microsoft.com/office/drawing/2014/main" val="20005"/>
                     </a:ext>
                   </a:extLst>
                 </a:gridCol>
@@ -10157,7 +10157,7 @@
                 </a:tc>
                 <a:extLst>
                   <a:ext uri="{0D108BD9-81ED-4DB2-BD59-A6C34878D82A}">
-                    <a16:rowId xmlns:a16="http://schemas.microsoft.com/office/drawing/2014/main" xmlns="" val="10000"/>
+                    <a16:rowId xmlns="" xmlns:a16="http://schemas.microsoft.com/office/drawing/2014/main" val="10000"/>
                   </a:ext>
                 </a:extLst>
               </a:tr>
@@ -10256,7 +10256,7 @@
                 </a:tc>
                 <a:extLst>
                   <a:ext uri="{0D108BD9-81ED-4DB2-BD59-A6C34878D82A}">
-                    <a16:rowId xmlns:a16="http://schemas.microsoft.com/office/drawing/2014/main" xmlns="" val="10001"/>
+                    <a16:rowId xmlns="" xmlns:a16="http://schemas.microsoft.com/office/drawing/2014/main" val="10001"/>
                   </a:ext>
                 </a:extLst>
               </a:tr>
@@ -10416,7 +10416,7 @@
                 </a:tc>
                 <a:extLst>
                   <a:ext uri="{0D108BD9-81ED-4DB2-BD59-A6C34878D82A}">
-                    <a16:rowId xmlns:a16="http://schemas.microsoft.com/office/drawing/2014/main" xmlns="" val="10002"/>
+                    <a16:rowId xmlns="" xmlns:a16="http://schemas.microsoft.com/office/drawing/2014/main" val="10002"/>
                   </a:ext>
                 </a:extLst>
               </a:tr>
@@ -10557,7 +10557,7 @@
                 </a:tc>
                 <a:extLst>
                   <a:ext uri="{0D108BD9-81ED-4DB2-BD59-A6C34878D82A}">
-                    <a16:rowId xmlns:a16="http://schemas.microsoft.com/office/drawing/2014/main" xmlns="" val="10003"/>
+                    <a16:rowId xmlns="" xmlns:a16="http://schemas.microsoft.com/office/drawing/2014/main" val="10003"/>
                   </a:ext>
                 </a:extLst>
               </a:tr>
@@ -10698,7 +10698,7 @@
                 </a:tc>
                 <a:extLst>
                   <a:ext uri="{0D108BD9-81ED-4DB2-BD59-A6C34878D82A}">
-                    <a16:rowId xmlns:a16="http://schemas.microsoft.com/office/drawing/2014/main" xmlns="" val="10004"/>
+                    <a16:rowId xmlns="" xmlns:a16="http://schemas.microsoft.com/office/drawing/2014/main" val="10004"/>
                   </a:ext>
                 </a:extLst>
               </a:tr>
@@ -10799,7 +10799,7 @@
                 </a:tc>
                 <a:extLst>
                   <a:ext uri="{0D108BD9-81ED-4DB2-BD59-A6C34878D82A}">
-                    <a16:rowId xmlns:a16="http://schemas.microsoft.com/office/drawing/2014/main" xmlns="" val="10005"/>
+                    <a16:rowId xmlns="" xmlns:a16="http://schemas.microsoft.com/office/drawing/2014/main" val="10005"/>
                   </a:ext>
                 </a:extLst>
               </a:tr>
@@ -10890,42 +10890,42 @@
                 <a:gridCol w="1074501">
                   <a:extLst>
                     <a:ext uri="{9D8B030D-6E8A-4147-A177-3AD203B41FA5}">
-                      <a16:colId xmlns:a16="http://schemas.microsoft.com/office/drawing/2014/main" xmlns="" val="20000"/>
+                      <a16:colId xmlns="" xmlns:a16="http://schemas.microsoft.com/office/drawing/2014/main" val="20000"/>
                     </a:ext>
                   </a:extLst>
                 </a:gridCol>
                 <a:gridCol w="1361982">
                   <a:extLst>
                     <a:ext uri="{9D8B030D-6E8A-4147-A177-3AD203B41FA5}">
-                      <a16:colId xmlns:a16="http://schemas.microsoft.com/office/drawing/2014/main" xmlns="" val="20001"/>
+                      <a16:colId xmlns="" xmlns:a16="http://schemas.microsoft.com/office/drawing/2014/main" val="20001"/>
                     </a:ext>
                   </a:extLst>
                 </a:gridCol>
                 <a:gridCol w="1069675">
                   <a:extLst>
                     <a:ext uri="{9D8B030D-6E8A-4147-A177-3AD203B41FA5}">
-                      <a16:colId xmlns:a16="http://schemas.microsoft.com/office/drawing/2014/main" xmlns="" val="20002"/>
+                      <a16:colId xmlns="" xmlns:a16="http://schemas.microsoft.com/office/drawing/2014/main" val="20002"/>
                     </a:ext>
                   </a:extLst>
                 </a:gridCol>
                 <a:gridCol w="776378">
                   <a:extLst>
                     <a:ext uri="{9D8B030D-6E8A-4147-A177-3AD203B41FA5}">
-                      <a16:colId xmlns:a16="http://schemas.microsoft.com/office/drawing/2014/main" xmlns="" val="20003"/>
+                      <a16:colId xmlns="" xmlns:a16="http://schemas.microsoft.com/office/drawing/2014/main" val="20003"/>
                     </a:ext>
                   </a:extLst>
                 </a:gridCol>
                 <a:gridCol w="785004">
                   <a:extLst>
                     <a:ext uri="{9D8B030D-6E8A-4147-A177-3AD203B41FA5}">
-                      <a16:colId xmlns:a16="http://schemas.microsoft.com/office/drawing/2014/main" xmlns="" val="20004"/>
+                      <a16:colId xmlns="" xmlns:a16="http://schemas.microsoft.com/office/drawing/2014/main" val="20004"/>
                     </a:ext>
                   </a:extLst>
                 </a:gridCol>
                 <a:gridCol w="1049424">
                   <a:extLst>
                     <a:ext uri="{9D8B030D-6E8A-4147-A177-3AD203B41FA5}">
-                      <a16:colId xmlns:a16="http://schemas.microsoft.com/office/drawing/2014/main" xmlns="" val="20005"/>
+                      <a16:colId xmlns="" xmlns:a16="http://schemas.microsoft.com/office/drawing/2014/main" val="20005"/>
                     </a:ext>
                   </a:extLst>
                 </a:gridCol>
@@ -11017,7 +11017,7 @@
                 </a:tc>
                 <a:extLst>
                   <a:ext uri="{0D108BD9-81ED-4DB2-BD59-A6C34878D82A}">
-                    <a16:rowId xmlns:a16="http://schemas.microsoft.com/office/drawing/2014/main" xmlns="" val="10000"/>
+                    <a16:rowId xmlns="" xmlns:a16="http://schemas.microsoft.com/office/drawing/2014/main" val="10000"/>
                   </a:ext>
                 </a:extLst>
               </a:tr>
@@ -11116,7 +11116,7 @@
                 </a:tc>
                 <a:extLst>
                   <a:ext uri="{0D108BD9-81ED-4DB2-BD59-A6C34878D82A}">
-                    <a16:rowId xmlns:a16="http://schemas.microsoft.com/office/drawing/2014/main" xmlns="" val="10001"/>
+                    <a16:rowId xmlns="" xmlns:a16="http://schemas.microsoft.com/office/drawing/2014/main" val="10001"/>
                   </a:ext>
                 </a:extLst>
               </a:tr>
@@ -11272,7 +11272,7 @@
                 </a:tc>
                 <a:extLst>
                   <a:ext uri="{0D108BD9-81ED-4DB2-BD59-A6C34878D82A}">
-                    <a16:rowId xmlns:a16="http://schemas.microsoft.com/office/drawing/2014/main" xmlns="" val="10002"/>
+                    <a16:rowId xmlns="" xmlns:a16="http://schemas.microsoft.com/office/drawing/2014/main" val="10002"/>
                   </a:ext>
                 </a:extLst>
               </a:tr>
@@ -11413,7 +11413,7 @@
                 </a:tc>
                 <a:extLst>
                   <a:ext uri="{0D108BD9-81ED-4DB2-BD59-A6C34878D82A}">
-                    <a16:rowId xmlns:a16="http://schemas.microsoft.com/office/drawing/2014/main" xmlns="" val="10003"/>
+                    <a16:rowId xmlns="" xmlns:a16="http://schemas.microsoft.com/office/drawing/2014/main" val="10003"/>
                   </a:ext>
                 </a:extLst>
               </a:tr>
@@ -11552,7 +11552,7 @@
                 </a:tc>
                 <a:extLst>
                   <a:ext uri="{0D108BD9-81ED-4DB2-BD59-A6C34878D82A}">
-                    <a16:rowId xmlns:a16="http://schemas.microsoft.com/office/drawing/2014/main" xmlns="" val="10004"/>
+                    <a16:rowId xmlns="" xmlns:a16="http://schemas.microsoft.com/office/drawing/2014/main" val="10004"/>
                   </a:ext>
                 </a:extLst>
               </a:tr>
@@ -11651,7 +11651,7 @@
                 </a:tc>
                 <a:extLst>
                   <a:ext uri="{0D108BD9-81ED-4DB2-BD59-A6C34878D82A}">
-                    <a16:rowId xmlns:a16="http://schemas.microsoft.com/office/drawing/2014/main" xmlns="" val="10005"/>
+                    <a16:rowId xmlns="" xmlns:a16="http://schemas.microsoft.com/office/drawing/2014/main" val="10005"/>
                   </a:ext>
                 </a:extLst>
               </a:tr>
@@ -11742,42 +11742,42 @@
                 <a:gridCol w="1074501">
                   <a:extLst>
                     <a:ext uri="{9D8B030D-6E8A-4147-A177-3AD203B41FA5}">
-                      <a16:colId xmlns:a16="http://schemas.microsoft.com/office/drawing/2014/main" xmlns="" val="20000"/>
+                      <a16:colId xmlns="" xmlns:a16="http://schemas.microsoft.com/office/drawing/2014/main" val="20000"/>
                     </a:ext>
                   </a:extLst>
                 </a:gridCol>
                 <a:gridCol w="1094563">
                   <a:extLst>
                     <a:ext uri="{9D8B030D-6E8A-4147-A177-3AD203B41FA5}">
-                      <a16:colId xmlns:a16="http://schemas.microsoft.com/office/drawing/2014/main" xmlns="" val="20001"/>
+                      <a16:colId xmlns="" xmlns:a16="http://schemas.microsoft.com/office/drawing/2014/main" val="20001"/>
                     </a:ext>
                   </a:extLst>
                 </a:gridCol>
                 <a:gridCol w="1112808">
                   <a:extLst>
                     <a:ext uri="{9D8B030D-6E8A-4147-A177-3AD203B41FA5}">
-                      <a16:colId xmlns:a16="http://schemas.microsoft.com/office/drawing/2014/main" xmlns="" val="20002"/>
+                      <a16:colId xmlns="" xmlns:a16="http://schemas.microsoft.com/office/drawing/2014/main" val="20002"/>
                     </a:ext>
                   </a:extLst>
                 </a:gridCol>
                 <a:gridCol w="755968">
                   <a:extLst>
                     <a:ext uri="{9D8B030D-6E8A-4147-A177-3AD203B41FA5}">
-                      <a16:colId xmlns:a16="http://schemas.microsoft.com/office/drawing/2014/main" xmlns="" val="20003"/>
+                      <a16:colId xmlns="" xmlns:a16="http://schemas.microsoft.com/office/drawing/2014/main" val="20003"/>
                     </a:ext>
                   </a:extLst>
                 </a:gridCol>
                 <a:gridCol w="909275">
                   <a:extLst>
                     <a:ext uri="{9D8B030D-6E8A-4147-A177-3AD203B41FA5}">
-                      <a16:colId xmlns:a16="http://schemas.microsoft.com/office/drawing/2014/main" xmlns="" val="20004"/>
+                      <a16:colId xmlns="" xmlns:a16="http://schemas.microsoft.com/office/drawing/2014/main" val="20004"/>
                     </a:ext>
                   </a:extLst>
                 </a:gridCol>
                 <a:gridCol w="1226019">
                   <a:extLst>
                     <a:ext uri="{9D8B030D-6E8A-4147-A177-3AD203B41FA5}">
-                      <a16:colId xmlns:a16="http://schemas.microsoft.com/office/drawing/2014/main" xmlns="" val="20005"/>
+                      <a16:colId xmlns="" xmlns:a16="http://schemas.microsoft.com/office/drawing/2014/main" val="20005"/>
                     </a:ext>
                   </a:extLst>
                 </a:gridCol>
@@ -11869,7 +11869,7 @@
                 </a:tc>
                 <a:extLst>
                   <a:ext uri="{0D108BD9-81ED-4DB2-BD59-A6C34878D82A}">
-                    <a16:rowId xmlns:a16="http://schemas.microsoft.com/office/drawing/2014/main" xmlns="" val="10000"/>
+                    <a16:rowId xmlns="" xmlns:a16="http://schemas.microsoft.com/office/drawing/2014/main" val="10000"/>
                   </a:ext>
                 </a:extLst>
               </a:tr>
@@ -11968,7 +11968,7 @@
                 </a:tc>
                 <a:extLst>
                   <a:ext uri="{0D108BD9-81ED-4DB2-BD59-A6C34878D82A}">
-                    <a16:rowId xmlns:a16="http://schemas.microsoft.com/office/drawing/2014/main" xmlns="" val="10001"/>
+                    <a16:rowId xmlns="" xmlns:a16="http://schemas.microsoft.com/office/drawing/2014/main" val="10001"/>
                   </a:ext>
                 </a:extLst>
               </a:tr>
@@ -12126,7 +12126,7 @@
                 </a:tc>
                 <a:extLst>
                   <a:ext uri="{0D108BD9-81ED-4DB2-BD59-A6C34878D82A}">
-                    <a16:rowId xmlns:a16="http://schemas.microsoft.com/office/drawing/2014/main" xmlns="" val="10002"/>
+                    <a16:rowId xmlns="" xmlns:a16="http://schemas.microsoft.com/office/drawing/2014/main" val="10002"/>
                   </a:ext>
                 </a:extLst>
               </a:tr>
@@ -12286,7 +12286,7 @@
                 </a:tc>
                 <a:extLst>
                   <a:ext uri="{0D108BD9-81ED-4DB2-BD59-A6C34878D82A}">
-                    <a16:rowId xmlns:a16="http://schemas.microsoft.com/office/drawing/2014/main" xmlns="" val="10003"/>
+                    <a16:rowId xmlns="" xmlns:a16="http://schemas.microsoft.com/office/drawing/2014/main" val="10003"/>
                   </a:ext>
                 </a:extLst>
               </a:tr>
@@ -12427,7 +12427,7 @@
                 </a:tc>
                 <a:extLst>
                   <a:ext uri="{0D108BD9-81ED-4DB2-BD59-A6C34878D82A}">
-                    <a16:rowId xmlns:a16="http://schemas.microsoft.com/office/drawing/2014/main" xmlns="" val="10004"/>
+                    <a16:rowId xmlns="" xmlns:a16="http://schemas.microsoft.com/office/drawing/2014/main" val="10004"/>
                   </a:ext>
                 </a:extLst>
               </a:tr>
@@ -12540,7 +12540,7 @@
                 </a:tc>
                 <a:extLst>
                   <a:ext uri="{0D108BD9-81ED-4DB2-BD59-A6C34878D82A}">
-                    <a16:rowId xmlns:a16="http://schemas.microsoft.com/office/drawing/2014/main" xmlns="" val="10005"/>
+                    <a16:rowId xmlns="" xmlns:a16="http://schemas.microsoft.com/office/drawing/2014/main" val="10005"/>
                   </a:ext>
                 </a:extLst>
               </a:tr>
@@ -12631,42 +12631,42 @@
                 <a:gridCol w="1108522">
                   <a:extLst>
                     <a:ext uri="{9D8B030D-6E8A-4147-A177-3AD203B41FA5}">
-                      <a16:colId xmlns:a16="http://schemas.microsoft.com/office/drawing/2014/main" xmlns="" val="20000"/>
+                      <a16:colId xmlns="" xmlns:a16="http://schemas.microsoft.com/office/drawing/2014/main" val="20000"/>
                     </a:ext>
                   </a:extLst>
                 </a:gridCol>
                 <a:gridCol w="1129219">
                   <a:extLst>
                     <a:ext uri="{9D8B030D-6E8A-4147-A177-3AD203B41FA5}">
-                      <a16:colId xmlns:a16="http://schemas.microsoft.com/office/drawing/2014/main" xmlns="" val="20001"/>
+                      <a16:colId xmlns="" xmlns:a16="http://schemas.microsoft.com/office/drawing/2014/main" val="20001"/>
                     </a:ext>
                   </a:extLst>
                 </a:gridCol>
                 <a:gridCol w="1148042">
                   <a:extLst>
                     <a:ext uri="{9D8B030D-6E8A-4147-A177-3AD203B41FA5}">
-                      <a16:colId xmlns:a16="http://schemas.microsoft.com/office/drawing/2014/main" xmlns="" val="20002"/>
+                      <a16:colId xmlns="" xmlns:a16="http://schemas.microsoft.com/office/drawing/2014/main" val="20002"/>
                     </a:ext>
                   </a:extLst>
                 </a:gridCol>
                 <a:gridCol w="802761">
                   <a:extLst>
                     <a:ext uri="{9D8B030D-6E8A-4147-A177-3AD203B41FA5}">
-                      <a16:colId xmlns:a16="http://schemas.microsoft.com/office/drawing/2014/main" xmlns="" val="20003"/>
+                      <a16:colId xmlns="" xmlns:a16="http://schemas.microsoft.com/office/drawing/2014/main" val="20003"/>
                     </a:ext>
                   </a:extLst>
                 </a:gridCol>
                 <a:gridCol w="857259">
                   <a:extLst>
                     <a:ext uri="{9D8B030D-6E8A-4147-A177-3AD203B41FA5}">
-                      <a16:colId xmlns:a16="http://schemas.microsoft.com/office/drawing/2014/main" xmlns="" val="20004"/>
+                      <a16:colId xmlns="" xmlns:a16="http://schemas.microsoft.com/office/drawing/2014/main" val="20004"/>
                     </a:ext>
                   </a:extLst>
                 </a:gridCol>
                 <a:gridCol w="1264838">
                   <a:extLst>
                     <a:ext uri="{9D8B030D-6E8A-4147-A177-3AD203B41FA5}">
-                      <a16:colId xmlns:a16="http://schemas.microsoft.com/office/drawing/2014/main" xmlns="" val="20005"/>
+                      <a16:colId xmlns="" xmlns:a16="http://schemas.microsoft.com/office/drawing/2014/main" val="20005"/>
                     </a:ext>
                   </a:extLst>
                 </a:gridCol>
@@ -12758,7 +12758,7 @@
                 </a:tc>
                 <a:extLst>
                   <a:ext uri="{0D108BD9-81ED-4DB2-BD59-A6C34878D82A}">
-                    <a16:rowId xmlns:a16="http://schemas.microsoft.com/office/drawing/2014/main" xmlns="" val="10000"/>
+                    <a16:rowId xmlns="" xmlns:a16="http://schemas.microsoft.com/office/drawing/2014/main" val="10000"/>
                   </a:ext>
                 </a:extLst>
               </a:tr>
@@ -12899,7 +12899,7 @@
                 </a:tc>
                 <a:extLst>
                   <a:ext uri="{0D108BD9-81ED-4DB2-BD59-A6C34878D82A}">
-                    <a16:rowId xmlns:a16="http://schemas.microsoft.com/office/drawing/2014/main" xmlns="" val="10001"/>
+                    <a16:rowId xmlns="" xmlns:a16="http://schemas.microsoft.com/office/drawing/2014/main" val="10001"/>
                   </a:ext>
                 </a:extLst>
               </a:tr>
@@ -13057,7 +13057,7 @@
                 </a:tc>
                 <a:extLst>
                   <a:ext uri="{0D108BD9-81ED-4DB2-BD59-A6C34878D82A}">
-                    <a16:rowId xmlns:a16="http://schemas.microsoft.com/office/drawing/2014/main" xmlns="" val="10002"/>
+                    <a16:rowId xmlns="" xmlns:a16="http://schemas.microsoft.com/office/drawing/2014/main" val="10002"/>
                   </a:ext>
                 </a:extLst>
               </a:tr>
@@ -13198,7 +13198,7 @@
                 </a:tc>
                 <a:extLst>
                   <a:ext uri="{0D108BD9-81ED-4DB2-BD59-A6C34878D82A}">
-                    <a16:rowId xmlns:a16="http://schemas.microsoft.com/office/drawing/2014/main" xmlns="" val="10003"/>
+                    <a16:rowId xmlns="" xmlns:a16="http://schemas.microsoft.com/office/drawing/2014/main" val="10003"/>
                   </a:ext>
                 </a:extLst>
               </a:tr>
@@ -13373,7 +13373,7 @@
                 </a:tc>
                 <a:extLst>
                   <a:ext uri="{0D108BD9-81ED-4DB2-BD59-A6C34878D82A}">
-                    <a16:rowId xmlns:a16="http://schemas.microsoft.com/office/drawing/2014/main" xmlns="" val="10004"/>
+                    <a16:rowId xmlns="" xmlns:a16="http://schemas.microsoft.com/office/drawing/2014/main" val="10004"/>
                   </a:ext>
                 </a:extLst>
               </a:tr>
@@ -13514,7 +13514,7 @@
                 </a:tc>
                 <a:extLst>
                   <a:ext uri="{0D108BD9-81ED-4DB2-BD59-A6C34878D82A}">
-                    <a16:rowId xmlns:a16="http://schemas.microsoft.com/office/drawing/2014/main" xmlns="" val="10005"/>
+                    <a16:rowId xmlns="" xmlns:a16="http://schemas.microsoft.com/office/drawing/2014/main" val="10005"/>
                   </a:ext>
                 </a:extLst>
               </a:tr>
@@ -13605,42 +13605,42 @@
                 <a:gridCol w="1074501">
                   <a:extLst>
                     <a:ext uri="{9D8B030D-6E8A-4147-A177-3AD203B41FA5}">
-                      <a16:colId xmlns:a16="http://schemas.microsoft.com/office/drawing/2014/main" xmlns="" val="20000"/>
+                      <a16:colId xmlns="" xmlns:a16="http://schemas.microsoft.com/office/drawing/2014/main" val="20000"/>
                     </a:ext>
                   </a:extLst>
                 </a:gridCol>
                 <a:gridCol w="1094563">
                   <a:extLst>
                     <a:ext uri="{9D8B030D-6E8A-4147-A177-3AD203B41FA5}">
-                      <a16:colId xmlns:a16="http://schemas.microsoft.com/office/drawing/2014/main" xmlns="" val="20001"/>
+                      <a16:colId xmlns="" xmlns:a16="http://schemas.microsoft.com/office/drawing/2014/main" val="20001"/>
                     </a:ext>
                   </a:extLst>
                 </a:gridCol>
                 <a:gridCol w="1112808">
                   <a:extLst>
                     <a:ext uri="{9D8B030D-6E8A-4147-A177-3AD203B41FA5}">
-                      <a16:colId xmlns:a16="http://schemas.microsoft.com/office/drawing/2014/main" xmlns="" val="20002"/>
+                      <a16:colId xmlns="" xmlns:a16="http://schemas.microsoft.com/office/drawing/2014/main" val="20002"/>
                     </a:ext>
                   </a:extLst>
                 </a:gridCol>
                 <a:gridCol w="785901">
                   <a:extLst>
                     <a:ext uri="{9D8B030D-6E8A-4147-A177-3AD203B41FA5}">
-                      <a16:colId xmlns:a16="http://schemas.microsoft.com/office/drawing/2014/main" xmlns="" val="20003"/>
+                      <a16:colId xmlns="" xmlns:a16="http://schemas.microsoft.com/office/drawing/2014/main" val="20003"/>
                     </a:ext>
                   </a:extLst>
                 </a:gridCol>
                 <a:gridCol w="823172">
                   <a:extLst>
                     <a:ext uri="{9D8B030D-6E8A-4147-A177-3AD203B41FA5}">
-                      <a16:colId xmlns:a16="http://schemas.microsoft.com/office/drawing/2014/main" xmlns="" val="20004"/>
+                      <a16:colId xmlns="" xmlns:a16="http://schemas.microsoft.com/office/drawing/2014/main" val="20004"/>
                     </a:ext>
                   </a:extLst>
                 </a:gridCol>
                 <a:gridCol w="1226019">
                   <a:extLst>
                     <a:ext uri="{9D8B030D-6E8A-4147-A177-3AD203B41FA5}">
-                      <a16:colId xmlns:a16="http://schemas.microsoft.com/office/drawing/2014/main" xmlns="" val="20005"/>
+                      <a16:colId xmlns="" xmlns:a16="http://schemas.microsoft.com/office/drawing/2014/main" val="20005"/>
                     </a:ext>
                   </a:extLst>
                 </a:gridCol>
@@ -13732,7 +13732,7 @@
                 </a:tc>
                 <a:extLst>
                   <a:ext uri="{0D108BD9-81ED-4DB2-BD59-A6C34878D82A}">
-                    <a16:rowId xmlns:a16="http://schemas.microsoft.com/office/drawing/2014/main" xmlns="" val="10000"/>
+                    <a16:rowId xmlns="" xmlns:a16="http://schemas.microsoft.com/office/drawing/2014/main" val="10000"/>
                   </a:ext>
                 </a:extLst>
               </a:tr>
@@ -13873,7 +13873,7 @@
                 </a:tc>
                 <a:extLst>
                   <a:ext uri="{0D108BD9-81ED-4DB2-BD59-A6C34878D82A}">
-                    <a16:rowId xmlns:a16="http://schemas.microsoft.com/office/drawing/2014/main" xmlns="" val="10001"/>
+                    <a16:rowId xmlns="" xmlns:a16="http://schemas.microsoft.com/office/drawing/2014/main" val="10001"/>
                   </a:ext>
                 </a:extLst>
               </a:tr>
@@ -14029,7 +14029,7 @@
                 </a:tc>
                 <a:extLst>
                   <a:ext uri="{0D108BD9-81ED-4DB2-BD59-A6C34878D82A}">
-                    <a16:rowId xmlns:a16="http://schemas.microsoft.com/office/drawing/2014/main" xmlns="" val="10002"/>
+                    <a16:rowId xmlns="" xmlns:a16="http://schemas.microsoft.com/office/drawing/2014/main" val="10002"/>
                   </a:ext>
                 </a:extLst>
               </a:tr>
@@ -14168,7 +14168,7 @@
                 </a:tc>
                 <a:extLst>
                   <a:ext uri="{0D108BD9-81ED-4DB2-BD59-A6C34878D82A}">
-                    <a16:rowId xmlns:a16="http://schemas.microsoft.com/office/drawing/2014/main" xmlns="" val="10003"/>
+                    <a16:rowId xmlns="" xmlns:a16="http://schemas.microsoft.com/office/drawing/2014/main" val="10003"/>
                   </a:ext>
                 </a:extLst>
               </a:tr>
@@ -14324,7 +14324,7 @@
                 </a:tc>
                 <a:extLst>
                   <a:ext uri="{0D108BD9-81ED-4DB2-BD59-A6C34878D82A}">
-                    <a16:rowId xmlns:a16="http://schemas.microsoft.com/office/drawing/2014/main" xmlns="" val="10004"/>
+                    <a16:rowId xmlns="" xmlns:a16="http://schemas.microsoft.com/office/drawing/2014/main" val="10004"/>
                   </a:ext>
                 </a:extLst>
               </a:tr>
@@ -14467,7 +14467,7 @@
                 </a:tc>
                 <a:extLst>
                   <a:ext uri="{0D108BD9-81ED-4DB2-BD59-A6C34878D82A}">
-                    <a16:rowId xmlns:a16="http://schemas.microsoft.com/office/drawing/2014/main" xmlns="" val="10005"/>
+                    <a16:rowId xmlns="" xmlns:a16="http://schemas.microsoft.com/office/drawing/2014/main" val="10005"/>
                   </a:ext>
                 </a:extLst>
               </a:tr>
@@ -14650,42 +14650,42 @@
                 <a:gridCol w="1074501">
                   <a:extLst>
                     <a:ext uri="{9D8B030D-6E8A-4147-A177-3AD203B41FA5}">
-                      <a16:colId xmlns:a16="http://schemas.microsoft.com/office/drawing/2014/main" xmlns="" val="20000"/>
+                      <a16:colId xmlns="" xmlns:a16="http://schemas.microsoft.com/office/drawing/2014/main" val="20000"/>
                     </a:ext>
                   </a:extLst>
                 </a:gridCol>
                 <a:gridCol w="1042804">
                   <a:extLst>
                     <a:ext uri="{9D8B030D-6E8A-4147-A177-3AD203B41FA5}">
-                      <a16:colId xmlns:a16="http://schemas.microsoft.com/office/drawing/2014/main" xmlns="" val="20001"/>
+                      <a16:colId xmlns="" xmlns:a16="http://schemas.microsoft.com/office/drawing/2014/main" val="20001"/>
                     </a:ext>
                   </a:extLst>
                 </a:gridCol>
                 <a:gridCol w="1086929">
                   <a:extLst>
                     <a:ext uri="{9D8B030D-6E8A-4147-A177-3AD203B41FA5}">
-                      <a16:colId xmlns:a16="http://schemas.microsoft.com/office/drawing/2014/main" xmlns="" val="20002"/>
+                      <a16:colId xmlns="" xmlns:a16="http://schemas.microsoft.com/office/drawing/2014/main" val="20002"/>
                     </a:ext>
                   </a:extLst>
                 </a:gridCol>
                 <a:gridCol w="777436">
                   <a:extLst>
                     <a:ext uri="{9D8B030D-6E8A-4147-A177-3AD203B41FA5}">
-                      <a16:colId xmlns:a16="http://schemas.microsoft.com/office/drawing/2014/main" xmlns="" val="20003"/>
+                      <a16:colId xmlns="" xmlns:a16="http://schemas.microsoft.com/office/drawing/2014/main" val="20003"/>
                     </a:ext>
                   </a:extLst>
                 </a:gridCol>
                 <a:gridCol w="909275">
                   <a:extLst>
                     <a:ext uri="{9D8B030D-6E8A-4147-A177-3AD203B41FA5}">
-                      <a16:colId xmlns:a16="http://schemas.microsoft.com/office/drawing/2014/main" xmlns="" val="20004"/>
+                      <a16:colId xmlns="" xmlns:a16="http://schemas.microsoft.com/office/drawing/2014/main" val="20004"/>
                     </a:ext>
                   </a:extLst>
                 </a:gridCol>
                 <a:gridCol w="1226019">
                   <a:extLst>
                     <a:ext uri="{9D8B030D-6E8A-4147-A177-3AD203B41FA5}">
-                      <a16:colId xmlns:a16="http://schemas.microsoft.com/office/drawing/2014/main" xmlns="" val="20005"/>
+                      <a16:colId xmlns="" xmlns:a16="http://schemas.microsoft.com/office/drawing/2014/main" val="20005"/>
                     </a:ext>
                   </a:extLst>
                 </a:gridCol>
@@ -14777,7 +14777,7 @@
                 </a:tc>
                 <a:extLst>
                   <a:ext uri="{0D108BD9-81ED-4DB2-BD59-A6C34878D82A}">
-                    <a16:rowId xmlns:a16="http://schemas.microsoft.com/office/drawing/2014/main" xmlns="" val="10000"/>
+                    <a16:rowId xmlns="" xmlns:a16="http://schemas.microsoft.com/office/drawing/2014/main" val="10000"/>
                   </a:ext>
                 </a:extLst>
               </a:tr>
@@ -14878,7 +14878,7 @@
                 </a:tc>
                 <a:extLst>
                   <a:ext uri="{0D108BD9-81ED-4DB2-BD59-A6C34878D82A}">
-                    <a16:rowId xmlns:a16="http://schemas.microsoft.com/office/drawing/2014/main" xmlns="" val="10001"/>
+                    <a16:rowId xmlns="" xmlns:a16="http://schemas.microsoft.com/office/drawing/2014/main" val="10001"/>
                   </a:ext>
                 </a:extLst>
               </a:tr>
@@ -15068,7 +15068,7 @@
                 </a:tc>
                 <a:extLst>
                   <a:ext uri="{0D108BD9-81ED-4DB2-BD59-A6C34878D82A}">
-                    <a16:rowId xmlns:a16="http://schemas.microsoft.com/office/drawing/2014/main" xmlns="" val="10002"/>
+                    <a16:rowId xmlns="" xmlns:a16="http://schemas.microsoft.com/office/drawing/2014/main" val="10002"/>
                   </a:ext>
                 </a:extLst>
               </a:tr>
@@ -15207,7 +15207,7 @@
                 </a:tc>
                 <a:extLst>
                   <a:ext uri="{0D108BD9-81ED-4DB2-BD59-A6C34878D82A}">
-                    <a16:rowId xmlns:a16="http://schemas.microsoft.com/office/drawing/2014/main" xmlns="" val="10003"/>
+                    <a16:rowId xmlns="" xmlns:a16="http://schemas.microsoft.com/office/drawing/2014/main" val="10003"/>
                   </a:ext>
                 </a:extLst>
               </a:tr>
@@ -15340,7 +15340,7 @@
                 </a:tc>
                 <a:extLst>
                   <a:ext uri="{0D108BD9-81ED-4DB2-BD59-A6C34878D82A}">
-                    <a16:rowId xmlns:a16="http://schemas.microsoft.com/office/drawing/2014/main" xmlns="" val="10004"/>
+                    <a16:rowId xmlns="" xmlns:a16="http://schemas.microsoft.com/office/drawing/2014/main" val="10004"/>
                   </a:ext>
                 </a:extLst>
               </a:tr>
@@ -15481,7 +15481,7 @@
                 </a:tc>
                 <a:extLst>
                   <a:ext uri="{0D108BD9-81ED-4DB2-BD59-A6C34878D82A}">
-                    <a16:rowId xmlns:a16="http://schemas.microsoft.com/office/drawing/2014/main" xmlns="" val="10005"/>
+                    <a16:rowId xmlns="" xmlns:a16="http://schemas.microsoft.com/office/drawing/2014/main" val="10005"/>
                   </a:ext>
                 </a:extLst>
               </a:tr>
@@ -15572,42 +15572,42 @@
                 <a:gridCol w="1074501">
                   <a:extLst>
                     <a:ext uri="{9D8B030D-6E8A-4147-A177-3AD203B41FA5}">
-                      <a16:colId xmlns:a16="http://schemas.microsoft.com/office/drawing/2014/main" xmlns="" val="20000"/>
+                      <a16:colId xmlns="" xmlns:a16="http://schemas.microsoft.com/office/drawing/2014/main" val="20000"/>
                     </a:ext>
                   </a:extLst>
                 </a:gridCol>
                 <a:gridCol w="1051431">
                   <a:extLst>
                     <a:ext uri="{9D8B030D-6E8A-4147-A177-3AD203B41FA5}">
-                      <a16:colId xmlns:a16="http://schemas.microsoft.com/office/drawing/2014/main" xmlns="" val="20001"/>
+                      <a16:colId xmlns="" xmlns:a16="http://schemas.microsoft.com/office/drawing/2014/main" val="20001"/>
                     </a:ext>
                   </a:extLst>
                 </a:gridCol>
                 <a:gridCol w="1104181">
                   <a:extLst>
                     <a:ext uri="{9D8B030D-6E8A-4147-A177-3AD203B41FA5}">
-                      <a16:colId xmlns:a16="http://schemas.microsoft.com/office/drawing/2014/main" xmlns="" val="20002"/>
+                      <a16:colId xmlns="" xmlns:a16="http://schemas.microsoft.com/office/drawing/2014/main" val="20002"/>
                     </a:ext>
                   </a:extLst>
                 </a:gridCol>
                 <a:gridCol w="751557">
                   <a:extLst>
                     <a:ext uri="{9D8B030D-6E8A-4147-A177-3AD203B41FA5}">
-                      <a16:colId xmlns:a16="http://schemas.microsoft.com/office/drawing/2014/main" xmlns="" val="20003"/>
+                      <a16:colId xmlns="" xmlns:a16="http://schemas.microsoft.com/office/drawing/2014/main" val="20003"/>
                     </a:ext>
                   </a:extLst>
                 </a:gridCol>
                 <a:gridCol w="909275">
                   <a:extLst>
                     <a:ext uri="{9D8B030D-6E8A-4147-A177-3AD203B41FA5}">
-                      <a16:colId xmlns:a16="http://schemas.microsoft.com/office/drawing/2014/main" xmlns="" val="20004"/>
+                      <a16:colId xmlns="" xmlns:a16="http://schemas.microsoft.com/office/drawing/2014/main" val="20004"/>
                     </a:ext>
                   </a:extLst>
                 </a:gridCol>
                 <a:gridCol w="1226019">
                   <a:extLst>
                     <a:ext uri="{9D8B030D-6E8A-4147-A177-3AD203B41FA5}">
-                      <a16:colId xmlns:a16="http://schemas.microsoft.com/office/drawing/2014/main" xmlns="" val="20005"/>
+                      <a16:colId xmlns="" xmlns:a16="http://schemas.microsoft.com/office/drawing/2014/main" val="20005"/>
                     </a:ext>
                   </a:extLst>
                 </a:gridCol>
@@ -15699,7 +15699,7 @@
                 </a:tc>
                 <a:extLst>
                   <a:ext uri="{0D108BD9-81ED-4DB2-BD59-A6C34878D82A}">
-                    <a16:rowId xmlns:a16="http://schemas.microsoft.com/office/drawing/2014/main" xmlns="" val="10000"/>
+                    <a16:rowId xmlns="" xmlns:a16="http://schemas.microsoft.com/office/drawing/2014/main" val="10000"/>
                   </a:ext>
                 </a:extLst>
               </a:tr>
@@ -15838,7 +15838,7 @@
                 </a:tc>
                 <a:extLst>
                   <a:ext uri="{0D108BD9-81ED-4DB2-BD59-A6C34878D82A}">
-                    <a16:rowId xmlns:a16="http://schemas.microsoft.com/office/drawing/2014/main" xmlns="" val="10001"/>
+                    <a16:rowId xmlns="" xmlns:a16="http://schemas.microsoft.com/office/drawing/2014/main" val="10001"/>
                   </a:ext>
                 </a:extLst>
               </a:tr>
@@ -15994,7 +15994,7 @@
                 </a:tc>
                 <a:extLst>
                   <a:ext uri="{0D108BD9-81ED-4DB2-BD59-A6C34878D82A}">
-                    <a16:rowId xmlns:a16="http://schemas.microsoft.com/office/drawing/2014/main" xmlns="" val="10002"/>
+                    <a16:rowId xmlns="" xmlns:a16="http://schemas.microsoft.com/office/drawing/2014/main" val="10002"/>
                   </a:ext>
                 </a:extLst>
               </a:tr>
@@ -16133,7 +16133,7 @@
                 </a:tc>
                 <a:extLst>
                   <a:ext uri="{0D108BD9-81ED-4DB2-BD59-A6C34878D82A}">
-                    <a16:rowId xmlns:a16="http://schemas.microsoft.com/office/drawing/2014/main" xmlns="" val="10003"/>
+                    <a16:rowId xmlns="" xmlns:a16="http://schemas.microsoft.com/office/drawing/2014/main" val="10003"/>
                   </a:ext>
                 </a:extLst>
               </a:tr>
@@ -16289,7 +16289,7 @@
                 </a:tc>
                 <a:extLst>
                   <a:ext uri="{0D108BD9-81ED-4DB2-BD59-A6C34878D82A}">
-                    <a16:rowId xmlns:a16="http://schemas.microsoft.com/office/drawing/2014/main" xmlns="" val="10004"/>
+                    <a16:rowId xmlns="" xmlns:a16="http://schemas.microsoft.com/office/drawing/2014/main" val="10004"/>
                   </a:ext>
                 </a:extLst>
               </a:tr>
@@ -16428,7 +16428,7 @@
                 </a:tc>
                 <a:extLst>
                   <a:ext uri="{0D108BD9-81ED-4DB2-BD59-A6C34878D82A}">
-                    <a16:rowId xmlns:a16="http://schemas.microsoft.com/office/drawing/2014/main" xmlns="" val="10005"/>
+                    <a16:rowId xmlns="" xmlns:a16="http://schemas.microsoft.com/office/drawing/2014/main" val="10005"/>
                   </a:ext>
                 </a:extLst>
               </a:tr>
@@ -18205,42 +18205,42 @@
                 <a:gridCol w="1024621">
                   <a:extLst>
                     <a:ext uri="{9D8B030D-6E8A-4147-A177-3AD203B41FA5}">
-                      <a16:colId xmlns:a16="http://schemas.microsoft.com/office/drawing/2014/main" xmlns="" val="20000"/>
+                      <a16:colId xmlns="" xmlns:a16="http://schemas.microsoft.com/office/drawing/2014/main" val="20000"/>
                     </a:ext>
                   </a:extLst>
                 </a:gridCol>
                 <a:gridCol w="1232949">
                   <a:extLst>
                     <a:ext uri="{9D8B030D-6E8A-4147-A177-3AD203B41FA5}">
-                      <a16:colId xmlns:a16="http://schemas.microsoft.com/office/drawing/2014/main" xmlns="" val="20001"/>
+                      <a16:colId xmlns="" xmlns:a16="http://schemas.microsoft.com/office/drawing/2014/main" val="20001"/>
                     </a:ext>
                   </a:extLst>
                 </a:gridCol>
                 <a:gridCol w="1069375">
                   <a:extLst>
                     <a:ext uri="{9D8B030D-6E8A-4147-A177-3AD203B41FA5}">
-                      <a16:colId xmlns:a16="http://schemas.microsoft.com/office/drawing/2014/main" xmlns="" val="20002"/>
+                      <a16:colId xmlns="" xmlns:a16="http://schemas.microsoft.com/office/drawing/2014/main" val="20002"/>
                     </a:ext>
                   </a:extLst>
                 </a:gridCol>
                 <a:gridCol w="765014">
                   <a:extLst>
                     <a:ext uri="{9D8B030D-6E8A-4147-A177-3AD203B41FA5}">
-                      <a16:colId xmlns:a16="http://schemas.microsoft.com/office/drawing/2014/main" xmlns="" val="20003"/>
+                      <a16:colId xmlns="" xmlns:a16="http://schemas.microsoft.com/office/drawing/2014/main" val="20003"/>
                     </a:ext>
                   </a:extLst>
                 </a:gridCol>
                 <a:gridCol w="847274">
                   <a:extLst>
                     <a:ext uri="{9D8B030D-6E8A-4147-A177-3AD203B41FA5}">
-                      <a16:colId xmlns:a16="http://schemas.microsoft.com/office/drawing/2014/main" xmlns="" val="20004"/>
+                      <a16:colId xmlns="" xmlns:a16="http://schemas.microsoft.com/office/drawing/2014/main" val="20004"/>
                     </a:ext>
                   </a:extLst>
                 </a:gridCol>
                 <a:gridCol w="987114">
                   <a:extLst>
                     <a:ext uri="{9D8B030D-6E8A-4147-A177-3AD203B41FA5}">
-                      <a16:colId xmlns:a16="http://schemas.microsoft.com/office/drawing/2014/main" xmlns="" val="20005"/>
+                      <a16:colId xmlns="" xmlns:a16="http://schemas.microsoft.com/office/drawing/2014/main" val="20005"/>
                     </a:ext>
                   </a:extLst>
                 </a:gridCol>
@@ -18332,7 +18332,7 @@
                 </a:tc>
                 <a:extLst>
                   <a:ext uri="{0D108BD9-81ED-4DB2-BD59-A6C34878D82A}">
-                    <a16:rowId xmlns:a16="http://schemas.microsoft.com/office/drawing/2014/main" xmlns="" val="10000"/>
+                    <a16:rowId xmlns="" xmlns:a16="http://schemas.microsoft.com/office/drawing/2014/main" val="10000"/>
                   </a:ext>
                 </a:extLst>
               </a:tr>
@@ -18429,7 +18429,7 @@
                 </a:tc>
                 <a:extLst>
                   <a:ext uri="{0D108BD9-81ED-4DB2-BD59-A6C34878D82A}">
-                    <a16:rowId xmlns:a16="http://schemas.microsoft.com/office/drawing/2014/main" xmlns="" val="10001"/>
+                    <a16:rowId xmlns="" xmlns:a16="http://schemas.microsoft.com/office/drawing/2014/main" val="10001"/>
                   </a:ext>
                 </a:extLst>
               </a:tr>
@@ -18587,7 +18587,7 @@
                 </a:tc>
                 <a:extLst>
                   <a:ext uri="{0D108BD9-81ED-4DB2-BD59-A6C34878D82A}">
-                    <a16:rowId xmlns:a16="http://schemas.microsoft.com/office/drawing/2014/main" xmlns="" val="10002"/>
+                    <a16:rowId xmlns="" xmlns:a16="http://schemas.microsoft.com/office/drawing/2014/main" val="10002"/>
                   </a:ext>
                 </a:extLst>
               </a:tr>
@@ -18732,7 +18732,7 @@
                 </a:tc>
                 <a:extLst>
                   <a:ext uri="{0D108BD9-81ED-4DB2-BD59-A6C34878D82A}">
-                    <a16:rowId xmlns:a16="http://schemas.microsoft.com/office/drawing/2014/main" xmlns="" val="10003"/>
+                    <a16:rowId xmlns="" xmlns:a16="http://schemas.microsoft.com/office/drawing/2014/main" val="10003"/>
                   </a:ext>
                 </a:extLst>
               </a:tr>
@@ -18890,7 +18890,7 @@
                 </a:tc>
                 <a:extLst>
                   <a:ext uri="{0D108BD9-81ED-4DB2-BD59-A6C34878D82A}">
-                    <a16:rowId xmlns:a16="http://schemas.microsoft.com/office/drawing/2014/main" xmlns="" val="10004"/>
+                    <a16:rowId xmlns="" xmlns:a16="http://schemas.microsoft.com/office/drawing/2014/main" val="10004"/>
                   </a:ext>
                 </a:extLst>
               </a:tr>
@@ -19029,7 +19029,7 @@
                 </a:tc>
                 <a:extLst>
                   <a:ext uri="{0D108BD9-81ED-4DB2-BD59-A6C34878D82A}">
-                    <a16:rowId xmlns:a16="http://schemas.microsoft.com/office/drawing/2014/main" xmlns="" val="10005"/>
+                    <a16:rowId xmlns="" xmlns:a16="http://schemas.microsoft.com/office/drawing/2014/main" val="10005"/>
                   </a:ext>
                 </a:extLst>
               </a:tr>
@@ -19187,42 +19187,42 @@
                 <a:gridCol w="1126267">
                   <a:extLst>
                     <a:ext uri="{9D8B030D-6E8A-4147-A177-3AD203B41FA5}">
-                      <a16:colId xmlns:a16="http://schemas.microsoft.com/office/drawing/2014/main" xmlns="" val="20000"/>
+                      <a16:colId xmlns="" xmlns:a16="http://schemas.microsoft.com/office/drawing/2014/main" val="20000"/>
                     </a:ext>
                   </a:extLst>
                 </a:gridCol>
                 <a:gridCol w="1192506">
                   <a:extLst>
                     <a:ext uri="{9D8B030D-6E8A-4147-A177-3AD203B41FA5}">
-                      <a16:colId xmlns:a16="http://schemas.microsoft.com/office/drawing/2014/main" xmlns="" val="20001"/>
+                      <a16:colId xmlns="" xmlns:a16="http://schemas.microsoft.com/office/drawing/2014/main" val="20001"/>
                     </a:ext>
                   </a:extLst>
                 </a:gridCol>
                 <a:gridCol w="1139292">
                   <a:extLst>
                     <a:ext uri="{9D8B030D-6E8A-4147-A177-3AD203B41FA5}">
-                      <a16:colId xmlns:a16="http://schemas.microsoft.com/office/drawing/2014/main" xmlns="" val="20002"/>
+                      <a16:colId xmlns="" xmlns:a16="http://schemas.microsoft.com/office/drawing/2014/main" val="20002"/>
                     </a:ext>
                   </a:extLst>
                 </a:gridCol>
                 <a:gridCol w="931327">
                   <a:extLst>
                     <a:ext uri="{9D8B030D-6E8A-4147-A177-3AD203B41FA5}">
-                      <a16:colId xmlns:a16="http://schemas.microsoft.com/office/drawing/2014/main" xmlns="" val="20003"/>
+                      <a16:colId xmlns="" xmlns:a16="http://schemas.microsoft.com/office/drawing/2014/main" val="20003"/>
                     </a:ext>
                   </a:extLst>
                 </a:gridCol>
                 <a:gridCol w="849949">
                   <a:extLst>
                     <a:ext uri="{9D8B030D-6E8A-4147-A177-3AD203B41FA5}">
-                      <a16:colId xmlns:a16="http://schemas.microsoft.com/office/drawing/2014/main" xmlns="" val="20004"/>
+                      <a16:colId xmlns="" xmlns:a16="http://schemas.microsoft.com/office/drawing/2014/main" val="20004"/>
                     </a:ext>
                   </a:extLst>
                 </a:gridCol>
                 <a:gridCol w="1172319">
                   <a:extLst>
                     <a:ext uri="{9D8B030D-6E8A-4147-A177-3AD203B41FA5}">
-                      <a16:colId xmlns:a16="http://schemas.microsoft.com/office/drawing/2014/main" xmlns="" val="20005"/>
+                      <a16:colId xmlns="" xmlns:a16="http://schemas.microsoft.com/office/drawing/2014/main" val="20005"/>
                     </a:ext>
                   </a:extLst>
                 </a:gridCol>
@@ -19314,7 +19314,7 @@
                 </a:tc>
                 <a:extLst>
                   <a:ext uri="{0D108BD9-81ED-4DB2-BD59-A6C34878D82A}">
-                    <a16:rowId xmlns:a16="http://schemas.microsoft.com/office/drawing/2014/main" xmlns="" val="10000"/>
+                    <a16:rowId xmlns="" xmlns:a16="http://schemas.microsoft.com/office/drawing/2014/main" val="10000"/>
                   </a:ext>
                 </a:extLst>
               </a:tr>
@@ -19411,7 +19411,7 @@
                 </a:tc>
                 <a:extLst>
                   <a:ext uri="{0D108BD9-81ED-4DB2-BD59-A6C34878D82A}">
-                    <a16:rowId xmlns:a16="http://schemas.microsoft.com/office/drawing/2014/main" xmlns="" val="10001"/>
+                    <a16:rowId xmlns="" xmlns:a16="http://schemas.microsoft.com/office/drawing/2014/main" val="10001"/>
                   </a:ext>
                 </a:extLst>
               </a:tr>
@@ -19571,7 +19571,7 @@
                 </a:tc>
                 <a:extLst>
                   <a:ext uri="{0D108BD9-81ED-4DB2-BD59-A6C34878D82A}">
-                    <a16:rowId xmlns:a16="http://schemas.microsoft.com/office/drawing/2014/main" xmlns="" val="10002"/>
+                    <a16:rowId xmlns="" xmlns:a16="http://schemas.microsoft.com/office/drawing/2014/main" val="10002"/>
                   </a:ext>
                 </a:extLst>
               </a:tr>
@@ -19712,7 +19712,7 @@
                 </a:tc>
                 <a:extLst>
                   <a:ext uri="{0D108BD9-81ED-4DB2-BD59-A6C34878D82A}">
-                    <a16:rowId xmlns:a16="http://schemas.microsoft.com/office/drawing/2014/main" xmlns="" val="10003"/>
+                    <a16:rowId xmlns="" xmlns:a16="http://schemas.microsoft.com/office/drawing/2014/main" val="10003"/>
                   </a:ext>
                 </a:extLst>
               </a:tr>
@@ -19853,7 +19853,7 @@
                 </a:tc>
                 <a:extLst>
                   <a:ext uri="{0D108BD9-81ED-4DB2-BD59-A6C34878D82A}">
-                    <a16:rowId xmlns:a16="http://schemas.microsoft.com/office/drawing/2014/main" xmlns="" val="10004"/>
+                    <a16:rowId xmlns="" xmlns:a16="http://schemas.microsoft.com/office/drawing/2014/main" val="10004"/>
                   </a:ext>
                 </a:extLst>
               </a:tr>
@@ -19996,7 +19996,7 @@
                 </a:tc>
                 <a:extLst>
                   <a:ext uri="{0D108BD9-81ED-4DB2-BD59-A6C34878D82A}">
-                    <a16:rowId xmlns:a16="http://schemas.microsoft.com/office/drawing/2014/main" xmlns="" val="10005"/>
+                    <a16:rowId xmlns="" xmlns:a16="http://schemas.microsoft.com/office/drawing/2014/main" val="10005"/>
                   </a:ext>
                 </a:extLst>
               </a:tr>
@@ -20086,28 +20086,28 @@
                 <a:gridCol w="2628900">
                   <a:extLst>
                     <a:ext uri="{9D8B030D-6E8A-4147-A177-3AD203B41FA5}">
-                      <a16:colId xmlns:a16="http://schemas.microsoft.com/office/drawing/2014/main" xmlns="" val="20000"/>
+                      <a16:colId xmlns="" xmlns:a16="http://schemas.microsoft.com/office/drawing/2014/main" val="20000"/>
                     </a:ext>
                   </a:extLst>
                 </a:gridCol>
                 <a:gridCol w="2628900">
                   <a:extLst>
                     <a:ext uri="{9D8B030D-6E8A-4147-A177-3AD203B41FA5}">
-                      <a16:colId xmlns:a16="http://schemas.microsoft.com/office/drawing/2014/main" xmlns="" val="20001"/>
+                      <a16:colId xmlns="" xmlns:a16="http://schemas.microsoft.com/office/drawing/2014/main" val="20001"/>
                     </a:ext>
                   </a:extLst>
                 </a:gridCol>
                 <a:gridCol w="2628900">
                   <a:extLst>
                     <a:ext uri="{9D8B030D-6E8A-4147-A177-3AD203B41FA5}">
-                      <a16:colId xmlns:a16="http://schemas.microsoft.com/office/drawing/2014/main" xmlns="" val="20002"/>
+                      <a16:colId xmlns="" xmlns:a16="http://schemas.microsoft.com/office/drawing/2014/main" val="20002"/>
                     </a:ext>
                   </a:extLst>
                 </a:gridCol>
                 <a:gridCol w="2628900">
                   <a:extLst>
                     <a:ext uri="{9D8B030D-6E8A-4147-A177-3AD203B41FA5}">
-                      <a16:colId xmlns:a16="http://schemas.microsoft.com/office/drawing/2014/main" xmlns="" val="20003"/>
+                      <a16:colId xmlns="" xmlns:a16="http://schemas.microsoft.com/office/drawing/2014/main" val="20003"/>
                     </a:ext>
                   </a:extLst>
                 </a:gridCol>
@@ -20171,7 +20171,7 @@
                 </a:tc>
                 <a:extLst>
                   <a:ext uri="{0D108BD9-81ED-4DB2-BD59-A6C34878D82A}">
-                    <a16:rowId xmlns:a16="http://schemas.microsoft.com/office/drawing/2014/main" xmlns="" val="10000"/>
+                    <a16:rowId xmlns="" xmlns:a16="http://schemas.microsoft.com/office/drawing/2014/main" val="10000"/>
                   </a:ext>
                 </a:extLst>
               </a:tr>
@@ -20234,7 +20234,7 @@
                 </a:tc>
                 <a:extLst>
                   <a:ext uri="{0D108BD9-81ED-4DB2-BD59-A6C34878D82A}">
-                    <a16:rowId xmlns:a16="http://schemas.microsoft.com/office/drawing/2014/main" xmlns="" val="10001"/>
+                    <a16:rowId xmlns="" xmlns:a16="http://schemas.microsoft.com/office/drawing/2014/main" val="10001"/>
                   </a:ext>
                 </a:extLst>
               </a:tr>
@@ -20327,7 +20327,7 @@
                 </a:tc>
                 <a:extLst>
                   <a:ext uri="{0D108BD9-81ED-4DB2-BD59-A6C34878D82A}">
-                    <a16:rowId xmlns:a16="http://schemas.microsoft.com/office/drawing/2014/main" xmlns="" val="10002"/>
+                    <a16:rowId xmlns="" xmlns:a16="http://schemas.microsoft.com/office/drawing/2014/main" val="10002"/>
                   </a:ext>
                 </a:extLst>
               </a:tr>
@@ -20416,7 +20416,7 @@
                 </a:tc>
                 <a:extLst>
                   <a:ext uri="{0D108BD9-81ED-4DB2-BD59-A6C34878D82A}">
-                    <a16:rowId xmlns:a16="http://schemas.microsoft.com/office/drawing/2014/main" xmlns="" val="10003"/>
+                    <a16:rowId xmlns="" xmlns:a16="http://schemas.microsoft.com/office/drawing/2014/main" val="10003"/>
                   </a:ext>
                 </a:extLst>
               </a:tr>
@@ -20537,42 +20537,42 @@
                 <a:gridCol w="1074501">
                   <a:extLst>
                     <a:ext uri="{9D8B030D-6E8A-4147-A177-3AD203B41FA5}">
-                      <a16:colId xmlns:a16="http://schemas.microsoft.com/office/drawing/2014/main" xmlns="" val="20000"/>
+                      <a16:colId xmlns="" xmlns:a16="http://schemas.microsoft.com/office/drawing/2014/main" val="20000"/>
                     </a:ext>
                   </a:extLst>
                 </a:gridCol>
                 <a:gridCol w="1361982">
                   <a:extLst>
                     <a:ext uri="{9D8B030D-6E8A-4147-A177-3AD203B41FA5}">
-                      <a16:colId xmlns:a16="http://schemas.microsoft.com/office/drawing/2014/main" xmlns="" val="20001"/>
+                      <a16:colId xmlns="" xmlns:a16="http://schemas.microsoft.com/office/drawing/2014/main" val="20001"/>
                     </a:ext>
                   </a:extLst>
                 </a:gridCol>
                 <a:gridCol w="1069675">
                   <a:extLst>
                     <a:ext uri="{9D8B030D-6E8A-4147-A177-3AD203B41FA5}">
-                      <a16:colId xmlns:a16="http://schemas.microsoft.com/office/drawing/2014/main" xmlns="" val="20002"/>
+                      <a16:colId xmlns="" xmlns:a16="http://schemas.microsoft.com/office/drawing/2014/main" val="20002"/>
                     </a:ext>
                   </a:extLst>
                 </a:gridCol>
                 <a:gridCol w="776378">
                   <a:extLst>
                     <a:ext uri="{9D8B030D-6E8A-4147-A177-3AD203B41FA5}">
-                      <a16:colId xmlns:a16="http://schemas.microsoft.com/office/drawing/2014/main" xmlns="" val="20003"/>
+                      <a16:colId xmlns="" xmlns:a16="http://schemas.microsoft.com/office/drawing/2014/main" val="20003"/>
                     </a:ext>
                   </a:extLst>
                 </a:gridCol>
                 <a:gridCol w="785004">
                   <a:extLst>
                     <a:ext uri="{9D8B030D-6E8A-4147-A177-3AD203B41FA5}">
-                      <a16:colId xmlns:a16="http://schemas.microsoft.com/office/drawing/2014/main" xmlns="" val="20004"/>
+                      <a16:colId xmlns="" xmlns:a16="http://schemas.microsoft.com/office/drawing/2014/main" val="20004"/>
                     </a:ext>
                   </a:extLst>
                 </a:gridCol>
                 <a:gridCol w="1049424">
                   <a:extLst>
                     <a:ext uri="{9D8B030D-6E8A-4147-A177-3AD203B41FA5}">
-                      <a16:colId xmlns:a16="http://schemas.microsoft.com/office/drawing/2014/main" xmlns="" val="20005"/>
+                      <a16:colId xmlns="" xmlns:a16="http://schemas.microsoft.com/office/drawing/2014/main" val="20005"/>
                     </a:ext>
                   </a:extLst>
                 </a:gridCol>
@@ -20664,7 +20664,7 @@
                 </a:tc>
                 <a:extLst>
                   <a:ext uri="{0D108BD9-81ED-4DB2-BD59-A6C34878D82A}">
-                    <a16:rowId xmlns:a16="http://schemas.microsoft.com/office/drawing/2014/main" xmlns="" val="10000"/>
+                    <a16:rowId xmlns="" xmlns:a16="http://schemas.microsoft.com/office/drawing/2014/main" val="10000"/>
                   </a:ext>
                 </a:extLst>
               </a:tr>
@@ -20761,7 +20761,7 @@
                 </a:tc>
                 <a:extLst>
                   <a:ext uri="{0D108BD9-81ED-4DB2-BD59-A6C34878D82A}">
-                    <a16:rowId xmlns:a16="http://schemas.microsoft.com/office/drawing/2014/main" xmlns="" val="10001"/>
+                    <a16:rowId xmlns="" xmlns:a16="http://schemas.microsoft.com/office/drawing/2014/main" val="10001"/>
                   </a:ext>
                 </a:extLst>
               </a:tr>
@@ -20919,7 +20919,7 @@
                 </a:tc>
                 <a:extLst>
                   <a:ext uri="{0D108BD9-81ED-4DB2-BD59-A6C34878D82A}">
-                    <a16:rowId xmlns:a16="http://schemas.microsoft.com/office/drawing/2014/main" xmlns="" val="10002"/>
+                    <a16:rowId xmlns="" xmlns:a16="http://schemas.microsoft.com/office/drawing/2014/main" val="10002"/>
                   </a:ext>
                 </a:extLst>
               </a:tr>
@@ -21060,7 +21060,7 @@
                 </a:tc>
                 <a:extLst>
                   <a:ext uri="{0D108BD9-81ED-4DB2-BD59-A6C34878D82A}">
-                    <a16:rowId xmlns:a16="http://schemas.microsoft.com/office/drawing/2014/main" xmlns="" val="10003"/>
+                    <a16:rowId xmlns="" xmlns:a16="http://schemas.microsoft.com/office/drawing/2014/main" val="10003"/>
                   </a:ext>
                 </a:extLst>
               </a:tr>
@@ -21201,7 +21201,7 @@
                 </a:tc>
                 <a:extLst>
                   <a:ext uri="{0D108BD9-81ED-4DB2-BD59-A6C34878D82A}">
-                    <a16:rowId xmlns:a16="http://schemas.microsoft.com/office/drawing/2014/main" xmlns="" val="10004"/>
+                    <a16:rowId xmlns="" xmlns:a16="http://schemas.microsoft.com/office/drawing/2014/main" val="10004"/>
                   </a:ext>
                 </a:extLst>
               </a:tr>
@@ -21340,7 +21340,7 @@
                 </a:tc>
                 <a:extLst>
                   <a:ext uri="{0D108BD9-81ED-4DB2-BD59-A6C34878D82A}">
-                    <a16:rowId xmlns:a16="http://schemas.microsoft.com/office/drawing/2014/main" xmlns="" val="10005"/>
+                    <a16:rowId xmlns="" xmlns:a16="http://schemas.microsoft.com/office/drawing/2014/main" val="10005"/>
                   </a:ext>
                 </a:extLst>
               </a:tr>
@@ -21431,42 +21431,42 @@
                 <a:gridCol w="1074501">
                   <a:extLst>
                     <a:ext uri="{9D8B030D-6E8A-4147-A177-3AD203B41FA5}">
-                      <a16:colId xmlns:a16="http://schemas.microsoft.com/office/drawing/2014/main" xmlns="" val="20000"/>
+                      <a16:colId xmlns="" xmlns:a16="http://schemas.microsoft.com/office/drawing/2014/main" val="20000"/>
                     </a:ext>
                   </a:extLst>
                 </a:gridCol>
                 <a:gridCol w="1094563">
                   <a:extLst>
                     <a:ext uri="{9D8B030D-6E8A-4147-A177-3AD203B41FA5}">
-                      <a16:colId xmlns:a16="http://schemas.microsoft.com/office/drawing/2014/main" xmlns="" val="20001"/>
+                      <a16:colId xmlns="" xmlns:a16="http://schemas.microsoft.com/office/drawing/2014/main" val="20001"/>
                     </a:ext>
                   </a:extLst>
                 </a:gridCol>
                 <a:gridCol w="1112808">
                   <a:extLst>
                     <a:ext uri="{9D8B030D-6E8A-4147-A177-3AD203B41FA5}">
-                      <a16:colId xmlns:a16="http://schemas.microsoft.com/office/drawing/2014/main" xmlns="" val="20002"/>
+                      <a16:colId xmlns="" xmlns:a16="http://schemas.microsoft.com/office/drawing/2014/main" val="20002"/>
                     </a:ext>
                   </a:extLst>
                 </a:gridCol>
                 <a:gridCol w="755968">
                   <a:extLst>
                     <a:ext uri="{9D8B030D-6E8A-4147-A177-3AD203B41FA5}">
-                      <a16:colId xmlns:a16="http://schemas.microsoft.com/office/drawing/2014/main" xmlns="" val="20003"/>
+                      <a16:colId xmlns="" xmlns:a16="http://schemas.microsoft.com/office/drawing/2014/main" val="20003"/>
                     </a:ext>
                   </a:extLst>
                 </a:gridCol>
                 <a:gridCol w="909275">
                   <a:extLst>
                     <a:ext uri="{9D8B030D-6E8A-4147-A177-3AD203B41FA5}">
-                      <a16:colId xmlns:a16="http://schemas.microsoft.com/office/drawing/2014/main" xmlns="" val="20004"/>
+                      <a16:colId xmlns="" xmlns:a16="http://schemas.microsoft.com/office/drawing/2014/main" val="20004"/>
                     </a:ext>
                   </a:extLst>
                 </a:gridCol>
                 <a:gridCol w="1226019">
                   <a:extLst>
                     <a:ext uri="{9D8B030D-6E8A-4147-A177-3AD203B41FA5}">
-                      <a16:colId xmlns:a16="http://schemas.microsoft.com/office/drawing/2014/main" xmlns="" val="20005"/>
+                      <a16:colId xmlns="" xmlns:a16="http://schemas.microsoft.com/office/drawing/2014/main" val="20005"/>
                     </a:ext>
                   </a:extLst>
                 </a:gridCol>
@@ -21558,7 +21558,7 @@
                 </a:tc>
                 <a:extLst>
                   <a:ext uri="{0D108BD9-81ED-4DB2-BD59-A6C34878D82A}">
-                    <a16:rowId xmlns:a16="http://schemas.microsoft.com/office/drawing/2014/main" xmlns="" val="10000"/>
+                    <a16:rowId xmlns="" xmlns:a16="http://schemas.microsoft.com/office/drawing/2014/main" val="10000"/>
                   </a:ext>
                 </a:extLst>
               </a:tr>
@@ -21657,7 +21657,7 @@
                 </a:tc>
                 <a:extLst>
                   <a:ext uri="{0D108BD9-81ED-4DB2-BD59-A6C34878D82A}">
-                    <a16:rowId xmlns:a16="http://schemas.microsoft.com/office/drawing/2014/main" xmlns="" val="10001"/>
+                    <a16:rowId xmlns="" xmlns:a16="http://schemas.microsoft.com/office/drawing/2014/main" val="10001"/>
                   </a:ext>
                 </a:extLst>
               </a:tr>
@@ -21775,7 +21775,7 @@
                 </a:tc>
                 <a:extLst>
                   <a:ext uri="{0D108BD9-81ED-4DB2-BD59-A6C34878D82A}">
-                    <a16:rowId xmlns:a16="http://schemas.microsoft.com/office/drawing/2014/main" xmlns="" val="10002"/>
+                    <a16:rowId xmlns="" xmlns:a16="http://schemas.microsoft.com/office/drawing/2014/main" val="10002"/>
                   </a:ext>
                 </a:extLst>
               </a:tr>
@@ -21916,7 +21916,7 @@
                 </a:tc>
                 <a:extLst>
                   <a:ext uri="{0D108BD9-81ED-4DB2-BD59-A6C34878D82A}">
-                    <a16:rowId xmlns:a16="http://schemas.microsoft.com/office/drawing/2014/main" xmlns="" val="10003"/>
+                    <a16:rowId xmlns="" xmlns:a16="http://schemas.microsoft.com/office/drawing/2014/main" val="10003"/>
                   </a:ext>
                 </a:extLst>
               </a:tr>
@@ -22059,7 +22059,7 @@
                 </a:tc>
                 <a:extLst>
                   <a:ext uri="{0D108BD9-81ED-4DB2-BD59-A6C34878D82A}">
-                    <a16:rowId xmlns:a16="http://schemas.microsoft.com/office/drawing/2014/main" xmlns="" val="10004"/>
+                    <a16:rowId xmlns="" xmlns:a16="http://schemas.microsoft.com/office/drawing/2014/main" val="10004"/>
                   </a:ext>
                 </a:extLst>
               </a:tr>
@@ -22172,7 +22172,7 @@
                 </a:tc>
                 <a:extLst>
                   <a:ext uri="{0D108BD9-81ED-4DB2-BD59-A6C34878D82A}">
-                    <a16:rowId xmlns:a16="http://schemas.microsoft.com/office/drawing/2014/main" xmlns="" val="10005"/>
+                    <a16:rowId xmlns="" xmlns:a16="http://schemas.microsoft.com/office/drawing/2014/main" val="10005"/>
                   </a:ext>
                 </a:extLst>
               </a:tr>
@@ -22263,42 +22263,42 @@
                 <a:gridCol w="1108522">
                   <a:extLst>
                     <a:ext uri="{9D8B030D-6E8A-4147-A177-3AD203B41FA5}">
-                      <a16:colId xmlns:a16="http://schemas.microsoft.com/office/drawing/2014/main" xmlns="" val="20000"/>
+                      <a16:colId xmlns="" xmlns:a16="http://schemas.microsoft.com/office/drawing/2014/main" val="20000"/>
                     </a:ext>
                   </a:extLst>
                 </a:gridCol>
                 <a:gridCol w="1129219">
                   <a:extLst>
                     <a:ext uri="{9D8B030D-6E8A-4147-A177-3AD203B41FA5}">
-                      <a16:colId xmlns:a16="http://schemas.microsoft.com/office/drawing/2014/main" xmlns="" val="20001"/>
+                      <a16:colId xmlns="" xmlns:a16="http://schemas.microsoft.com/office/drawing/2014/main" val="20001"/>
                     </a:ext>
                   </a:extLst>
                 </a:gridCol>
                 <a:gridCol w="1148042">
                   <a:extLst>
                     <a:ext uri="{9D8B030D-6E8A-4147-A177-3AD203B41FA5}">
-                      <a16:colId xmlns:a16="http://schemas.microsoft.com/office/drawing/2014/main" xmlns="" val="20002"/>
+                      <a16:colId xmlns="" xmlns:a16="http://schemas.microsoft.com/office/drawing/2014/main" val="20002"/>
                     </a:ext>
                   </a:extLst>
                 </a:gridCol>
                 <a:gridCol w="802761">
                   <a:extLst>
                     <a:ext uri="{9D8B030D-6E8A-4147-A177-3AD203B41FA5}">
-                      <a16:colId xmlns:a16="http://schemas.microsoft.com/office/drawing/2014/main" xmlns="" val="20003"/>
+                      <a16:colId xmlns="" xmlns:a16="http://schemas.microsoft.com/office/drawing/2014/main" val="20003"/>
                     </a:ext>
                   </a:extLst>
                 </a:gridCol>
                 <a:gridCol w="857259">
                   <a:extLst>
                     <a:ext uri="{9D8B030D-6E8A-4147-A177-3AD203B41FA5}">
-                      <a16:colId xmlns:a16="http://schemas.microsoft.com/office/drawing/2014/main" xmlns="" val="20004"/>
+                      <a16:colId xmlns="" xmlns:a16="http://schemas.microsoft.com/office/drawing/2014/main" val="20004"/>
                     </a:ext>
                   </a:extLst>
                 </a:gridCol>
                 <a:gridCol w="1264838">
                   <a:extLst>
                     <a:ext uri="{9D8B030D-6E8A-4147-A177-3AD203B41FA5}">
-                      <a16:colId xmlns:a16="http://schemas.microsoft.com/office/drawing/2014/main" xmlns="" val="20005"/>
+                      <a16:colId xmlns="" xmlns:a16="http://schemas.microsoft.com/office/drawing/2014/main" val="20005"/>
                     </a:ext>
                   </a:extLst>
                 </a:gridCol>
@@ -22390,7 +22390,7 @@
                 </a:tc>
                 <a:extLst>
                   <a:ext uri="{0D108BD9-81ED-4DB2-BD59-A6C34878D82A}">
-                    <a16:rowId xmlns:a16="http://schemas.microsoft.com/office/drawing/2014/main" xmlns="" val="10000"/>
+                    <a16:rowId xmlns="" xmlns:a16="http://schemas.microsoft.com/office/drawing/2014/main" val="10000"/>
                   </a:ext>
                 </a:extLst>
               </a:tr>
@@ -22531,7 +22531,7 @@
                 </a:tc>
                 <a:extLst>
                   <a:ext uri="{0D108BD9-81ED-4DB2-BD59-A6C34878D82A}">
-                    <a16:rowId xmlns:a16="http://schemas.microsoft.com/office/drawing/2014/main" xmlns="" val="10001"/>
+                    <a16:rowId xmlns="" xmlns:a16="http://schemas.microsoft.com/office/drawing/2014/main" val="10001"/>
                   </a:ext>
                 </a:extLst>
               </a:tr>
@@ -22691,7 +22691,7 @@
                 </a:tc>
                 <a:extLst>
                   <a:ext uri="{0D108BD9-81ED-4DB2-BD59-A6C34878D82A}">
-                    <a16:rowId xmlns:a16="http://schemas.microsoft.com/office/drawing/2014/main" xmlns="" val="10002"/>
+                    <a16:rowId xmlns="" xmlns:a16="http://schemas.microsoft.com/office/drawing/2014/main" val="10002"/>
                   </a:ext>
                 </a:extLst>
               </a:tr>
@@ -22838,7 +22838,7 @@
                 </a:tc>
                 <a:extLst>
                   <a:ext uri="{0D108BD9-81ED-4DB2-BD59-A6C34878D82A}">
-                    <a16:rowId xmlns:a16="http://schemas.microsoft.com/office/drawing/2014/main" xmlns="" val="10003"/>
+                    <a16:rowId xmlns="" xmlns:a16="http://schemas.microsoft.com/office/drawing/2014/main" val="10003"/>
                   </a:ext>
                 </a:extLst>
               </a:tr>
@@ -22981,7 +22981,7 @@
                 </a:tc>
                 <a:extLst>
                   <a:ext uri="{0D108BD9-81ED-4DB2-BD59-A6C34878D82A}">
-                    <a16:rowId xmlns:a16="http://schemas.microsoft.com/office/drawing/2014/main" xmlns="" val="10004"/>
+                    <a16:rowId xmlns="" xmlns:a16="http://schemas.microsoft.com/office/drawing/2014/main" val="10004"/>
                   </a:ext>
                 </a:extLst>
               </a:tr>
@@ -23120,7 +23120,7 @@
                 </a:tc>
                 <a:extLst>
                   <a:ext uri="{0D108BD9-81ED-4DB2-BD59-A6C34878D82A}">
-                    <a16:rowId xmlns:a16="http://schemas.microsoft.com/office/drawing/2014/main" xmlns="" val="10005"/>
+                    <a16:rowId xmlns="" xmlns:a16="http://schemas.microsoft.com/office/drawing/2014/main" val="10005"/>
                   </a:ext>
                 </a:extLst>
               </a:tr>
@@ -23211,42 +23211,42 @@
                 <a:gridCol w="1074501">
                   <a:extLst>
                     <a:ext uri="{9D8B030D-6E8A-4147-A177-3AD203B41FA5}">
-                      <a16:colId xmlns:a16="http://schemas.microsoft.com/office/drawing/2014/main" xmlns="" val="20000"/>
+                      <a16:colId xmlns="" xmlns:a16="http://schemas.microsoft.com/office/drawing/2014/main" val="20000"/>
                     </a:ext>
                   </a:extLst>
                 </a:gridCol>
                 <a:gridCol w="1094563">
                   <a:extLst>
                     <a:ext uri="{9D8B030D-6E8A-4147-A177-3AD203B41FA5}">
-                      <a16:colId xmlns:a16="http://schemas.microsoft.com/office/drawing/2014/main" xmlns="" val="20001"/>
+                      <a16:colId xmlns="" xmlns:a16="http://schemas.microsoft.com/office/drawing/2014/main" val="20001"/>
                     </a:ext>
                   </a:extLst>
                 </a:gridCol>
                 <a:gridCol w="1112808">
                   <a:extLst>
                     <a:ext uri="{9D8B030D-6E8A-4147-A177-3AD203B41FA5}">
-                      <a16:colId xmlns:a16="http://schemas.microsoft.com/office/drawing/2014/main" xmlns="" val="20002"/>
+                      <a16:colId xmlns="" xmlns:a16="http://schemas.microsoft.com/office/drawing/2014/main" val="20002"/>
                     </a:ext>
                   </a:extLst>
                 </a:gridCol>
                 <a:gridCol w="785901">
                   <a:extLst>
                     <a:ext uri="{9D8B030D-6E8A-4147-A177-3AD203B41FA5}">
-                      <a16:colId xmlns:a16="http://schemas.microsoft.com/office/drawing/2014/main" xmlns="" val="20003"/>
+                      <a16:colId xmlns="" xmlns:a16="http://schemas.microsoft.com/office/drawing/2014/main" val="20003"/>
                     </a:ext>
                   </a:extLst>
                 </a:gridCol>
                 <a:gridCol w="823172">
                   <a:extLst>
                     <a:ext uri="{9D8B030D-6E8A-4147-A177-3AD203B41FA5}">
-                      <a16:colId xmlns:a16="http://schemas.microsoft.com/office/drawing/2014/main" xmlns="" val="20004"/>
+                      <a16:colId xmlns="" xmlns:a16="http://schemas.microsoft.com/office/drawing/2014/main" val="20004"/>
                     </a:ext>
                   </a:extLst>
                 </a:gridCol>
                 <a:gridCol w="1226019">
                   <a:extLst>
                     <a:ext uri="{9D8B030D-6E8A-4147-A177-3AD203B41FA5}">
-                      <a16:colId xmlns:a16="http://schemas.microsoft.com/office/drawing/2014/main" xmlns="" val="20005"/>
+                      <a16:colId xmlns="" xmlns:a16="http://schemas.microsoft.com/office/drawing/2014/main" val="20005"/>
                     </a:ext>
                   </a:extLst>
                 </a:gridCol>
@@ -23338,7 +23338,7 @@
                 </a:tc>
                 <a:extLst>
                   <a:ext uri="{0D108BD9-81ED-4DB2-BD59-A6C34878D82A}">
-                    <a16:rowId xmlns:a16="http://schemas.microsoft.com/office/drawing/2014/main" xmlns="" val="10000"/>
+                    <a16:rowId xmlns="" xmlns:a16="http://schemas.microsoft.com/office/drawing/2014/main" val="10000"/>
                   </a:ext>
                 </a:extLst>
               </a:tr>
@@ -23481,7 +23481,7 @@
                 </a:tc>
                 <a:extLst>
                   <a:ext uri="{0D108BD9-81ED-4DB2-BD59-A6C34878D82A}">
-                    <a16:rowId xmlns:a16="http://schemas.microsoft.com/office/drawing/2014/main" xmlns="" val="10001"/>
+                    <a16:rowId xmlns="" xmlns:a16="http://schemas.microsoft.com/office/drawing/2014/main" val="10001"/>
                   </a:ext>
                 </a:extLst>
               </a:tr>
@@ -23641,7 +23641,7 @@
                 </a:tc>
                 <a:extLst>
                   <a:ext uri="{0D108BD9-81ED-4DB2-BD59-A6C34878D82A}">
-                    <a16:rowId xmlns:a16="http://schemas.microsoft.com/office/drawing/2014/main" xmlns="" val="10002"/>
+                    <a16:rowId xmlns="" xmlns:a16="http://schemas.microsoft.com/office/drawing/2014/main" val="10002"/>
                   </a:ext>
                 </a:extLst>
               </a:tr>
@@ -23784,7 +23784,7 @@
                 </a:tc>
                 <a:extLst>
                   <a:ext uri="{0D108BD9-81ED-4DB2-BD59-A6C34878D82A}">
-                    <a16:rowId xmlns:a16="http://schemas.microsoft.com/office/drawing/2014/main" xmlns="" val="10003"/>
+                    <a16:rowId xmlns="" xmlns:a16="http://schemas.microsoft.com/office/drawing/2014/main" val="10003"/>
                   </a:ext>
                 </a:extLst>
               </a:tr>
@@ -23927,7 +23927,7 @@
                 </a:tc>
                 <a:extLst>
                   <a:ext uri="{0D108BD9-81ED-4DB2-BD59-A6C34878D82A}">
-                    <a16:rowId xmlns:a16="http://schemas.microsoft.com/office/drawing/2014/main" xmlns="" val="10004"/>
+                    <a16:rowId xmlns="" xmlns:a16="http://schemas.microsoft.com/office/drawing/2014/main" val="10004"/>
                   </a:ext>
                 </a:extLst>
               </a:tr>
@@ -24068,7 +24068,7 @@
                 </a:tc>
                 <a:extLst>
                   <a:ext uri="{0D108BD9-81ED-4DB2-BD59-A6C34878D82A}">
-                    <a16:rowId xmlns:a16="http://schemas.microsoft.com/office/drawing/2014/main" xmlns="" val="10005"/>
+                    <a16:rowId xmlns="" xmlns:a16="http://schemas.microsoft.com/office/drawing/2014/main" val="10005"/>
                   </a:ext>
                 </a:extLst>
               </a:tr>
@@ -24159,42 +24159,42 @@
                 <a:gridCol w="1074501">
                   <a:extLst>
                     <a:ext uri="{9D8B030D-6E8A-4147-A177-3AD203B41FA5}">
-                      <a16:colId xmlns:a16="http://schemas.microsoft.com/office/drawing/2014/main" xmlns="" val="20000"/>
+                      <a16:colId xmlns="" xmlns:a16="http://schemas.microsoft.com/office/drawing/2014/main" val="20000"/>
                     </a:ext>
                   </a:extLst>
                 </a:gridCol>
                 <a:gridCol w="1042804">
                   <a:extLst>
                     <a:ext uri="{9D8B030D-6E8A-4147-A177-3AD203B41FA5}">
-                      <a16:colId xmlns:a16="http://schemas.microsoft.com/office/drawing/2014/main" xmlns="" val="20001"/>
+                      <a16:colId xmlns="" xmlns:a16="http://schemas.microsoft.com/office/drawing/2014/main" val="20001"/>
                     </a:ext>
                   </a:extLst>
                 </a:gridCol>
                 <a:gridCol w="1086929">
                   <a:extLst>
                     <a:ext uri="{9D8B030D-6E8A-4147-A177-3AD203B41FA5}">
-                      <a16:colId xmlns:a16="http://schemas.microsoft.com/office/drawing/2014/main" xmlns="" val="20002"/>
+                      <a16:colId xmlns="" xmlns:a16="http://schemas.microsoft.com/office/drawing/2014/main" val="20002"/>
                     </a:ext>
                   </a:extLst>
                 </a:gridCol>
                 <a:gridCol w="777436">
                   <a:extLst>
                     <a:ext uri="{9D8B030D-6E8A-4147-A177-3AD203B41FA5}">
-                      <a16:colId xmlns:a16="http://schemas.microsoft.com/office/drawing/2014/main" xmlns="" val="20003"/>
+                      <a16:colId xmlns="" xmlns:a16="http://schemas.microsoft.com/office/drawing/2014/main" val="20003"/>
                     </a:ext>
                   </a:extLst>
                 </a:gridCol>
                 <a:gridCol w="909275">
                   <a:extLst>
                     <a:ext uri="{9D8B030D-6E8A-4147-A177-3AD203B41FA5}">
-                      <a16:colId xmlns:a16="http://schemas.microsoft.com/office/drawing/2014/main" xmlns="" val="20004"/>
+                      <a16:colId xmlns="" xmlns:a16="http://schemas.microsoft.com/office/drawing/2014/main" val="20004"/>
                     </a:ext>
                   </a:extLst>
                 </a:gridCol>
                 <a:gridCol w="1226019">
                   <a:extLst>
                     <a:ext uri="{9D8B030D-6E8A-4147-A177-3AD203B41FA5}">
-                      <a16:colId xmlns:a16="http://schemas.microsoft.com/office/drawing/2014/main" xmlns="" val="20005"/>
+                      <a16:colId xmlns="" xmlns:a16="http://schemas.microsoft.com/office/drawing/2014/main" val="20005"/>
                     </a:ext>
                   </a:extLst>
                 </a:gridCol>
@@ -24286,7 +24286,7 @@
                 </a:tc>
                 <a:extLst>
                   <a:ext uri="{0D108BD9-81ED-4DB2-BD59-A6C34878D82A}">
-                    <a16:rowId xmlns:a16="http://schemas.microsoft.com/office/drawing/2014/main" xmlns="" val="10000"/>
+                    <a16:rowId xmlns="" xmlns:a16="http://schemas.microsoft.com/office/drawing/2014/main" val="10000"/>
                   </a:ext>
                 </a:extLst>
               </a:tr>
@@ -24387,7 +24387,7 @@
                 </a:tc>
                 <a:extLst>
                   <a:ext uri="{0D108BD9-81ED-4DB2-BD59-A6C34878D82A}">
-                    <a16:rowId xmlns:a16="http://schemas.microsoft.com/office/drawing/2014/main" xmlns="" val="10001"/>
+                    <a16:rowId xmlns="" xmlns:a16="http://schemas.microsoft.com/office/drawing/2014/main" val="10001"/>
                   </a:ext>
                 </a:extLst>
               </a:tr>
@@ -24547,7 +24547,7 @@
                 </a:tc>
                 <a:extLst>
                   <a:ext uri="{0D108BD9-81ED-4DB2-BD59-A6C34878D82A}">
-                    <a16:rowId xmlns:a16="http://schemas.microsoft.com/office/drawing/2014/main" xmlns="" val="10002"/>
+                    <a16:rowId xmlns="" xmlns:a16="http://schemas.microsoft.com/office/drawing/2014/main" val="10002"/>
                   </a:ext>
                 </a:extLst>
               </a:tr>
@@ -24690,7 +24690,7 @@
                 </a:tc>
                 <a:extLst>
                   <a:ext uri="{0D108BD9-81ED-4DB2-BD59-A6C34878D82A}">
-                    <a16:rowId xmlns:a16="http://schemas.microsoft.com/office/drawing/2014/main" xmlns="" val="10003"/>
+                    <a16:rowId xmlns="" xmlns:a16="http://schemas.microsoft.com/office/drawing/2014/main" val="10003"/>
                   </a:ext>
                 </a:extLst>
               </a:tr>
@@ -24833,7 +24833,7 @@
                 </a:tc>
                 <a:extLst>
                   <a:ext uri="{0D108BD9-81ED-4DB2-BD59-A6C34878D82A}">
-                    <a16:rowId xmlns:a16="http://schemas.microsoft.com/office/drawing/2014/main" xmlns="" val="10004"/>
+                    <a16:rowId xmlns="" xmlns:a16="http://schemas.microsoft.com/office/drawing/2014/main" val="10004"/>
                   </a:ext>
                 </a:extLst>
               </a:tr>
@@ -24976,7 +24976,7 @@
                 </a:tc>
                 <a:extLst>
                   <a:ext uri="{0D108BD9-81ED-4DB2-BD59-A6C34878D82A}">
-                    <a16:rowId xmlns:a16="http://schemas.microsoft.com/office/drawing/2014/main" xmlns="" val="10005"/>
+                    <a16:rowId xmlns="" xmlns:a16="http://schemas.microsoft.com/office/drawing/2014/main" val="10005"/>
                   </a:ext>
                 </a:extLst>
               </a:tr>
@@ -25067,42 +25067,42 @@
                 <a:gridCol w="1074501">
                   <a:extLst>
                     <a:ext uri="{9D8B030D-6E8A-4147-A177-3AD203B41FA5}">
-                      <a16:colId xmlns:a16="http://schemas.microsoft.com/office/drawing/2014/main" xmlns="" val="20000"/>
+                      <a16:colId xmlns="" xmlns:a16="http://schemas.microsoft.com/office/drawing/2014/main" val="20000"/>
                     </a:ext>
                   </a:extLst>
                 </a:gridCol>
                 <a:gridCol w="1051431">
                   <a:extLst>
                     <a:ext uri="{9D8B030D-6E8A-4147-A177-3AD203B41FA5}">
-                      <a16:colId xmlns:a16="http://schemas.microsoft.com/office/drawing/2014/main" xmlns="" val="20001"/>
+                      <a16:colId xmlns="" xmlns:a16="http://schemas.microsoft.com/office/drawing/2014/main" val="20001"/>
                     </a:ext>
                   </a:extLst>
                 </a:gridCol>
                 <a:gridCol w="1104181">
                   <a:extLst>
                     <a:ext uri="{9D8B030D-6E8A-4147-A177-3AD203B41FA5}">
-                      <a16:colId xmlns:a16="http://schemas.microsoft.com/office/drawing/2014/main" xmlns="" val="20002"/>
+                      <a16:colId xmlns="" xmlns:a16="http://schemas.microsoft.com/office/drawing/2014/main" val="20002"/>
                     </a:ext>
                   </a:extLst>
                 </a:gridCol>
                 <a:gridCol w="751557">
                   <a:extLst>
                     <a:ext uri="{9D8B030D-6E8A-4147-A177-3AD203B41FA5}">
-                      <a16:colId xmlns:a16="http://schemas.microsoft.com/office/drawing/2014/main" xmlns="" val="20003"/>
+                      <a16:colId xmlns="" xmlns:a16="http://schemas.microsoft.com/office/drawing/2014/main" val="20003"/>
                     </a:ext>
                   </a:extLst>
                 </a:gridCol>
                 <a:gridCol w="909275">
                   <a:extLst>
                     <a:ext uri="{9D8B030D-6E8A-4147-A177-3AD203B41FA5}">
-                      <a16:colId xmlns:a16="http://schemas.microsoft.com/office/drawing/2014/main" xmlns="" val="20004"/>
+                      <a16:colId xmlns="" xmlns:a16="http://schemas.microsoft.com/office/drawing/2014/main" val="20004"/>
                     </a:ext>
                   </a:extLst>
                 </a:gridCol>
                 <a:gridCol w="1226019">
                   <a:extLst>
                     <a:ext uri="{9D8B030D-6E8A-4147-A177-3AD203B41FA5}">
-                      <a16:colId xmlns:a16="http://schemas.microsoft.com/office/drawing/2014/main" xmlns="" val="20005"/>
+                      <a16:colId xmlns="" xmlns:a16="http://schemas.microsoft.com/office/drawing/2014/main" val="20005"/>
                     </a:ext>
                   </a:extLst>
                 </a:gridCol>
@@ -25194,7 +25194,7 @@
                 </a:tc>
                 <a:extLst>
                   <a:ext uri="{0D108BD9-81ED-4DB2-BD59-A6C34878D82A}">
-                    <a16:rowId xmlns:a16="http://schemas.microsoft.com/office/drawing/2014/main" xmlns="" val="10000"/>
+                    <a16:rowId xmlns="" xmlns:a16="http://schemas.microsoft.com/office/drawing/2014/main" val="10000"/>
                   </a:ext>
                 </a:extLst>
               </a:tr>
@@ -25333,7 +25333,7 @@
                 </a:tc>
                 <a:extLst>
                   <a:ext uri="{0D108BD9-81ED-4DB2-BD59-A6C34878D82A}">
-                    <a16:rowId xmlns:a16="http://schemas.microsoft.com/office/drawing/2014/main" xmlns="" val="10001"/>
+                    <a16:rowId xmlns="" xmlns:a16="http://schemas.microsoft.com/office/drawing/2014/main" val="10001"/>
                   </a:ext>
                 </a:extLst>
               </a:tr>
@@ -25489,7 +25489,7 @@
                 </a:tc>
                 <a:extLst>
                   <a:ext uri="{0D108BD9-81ED-4DB2-BD59-A6C34878D82A}">
-                    <a16:rowId xmlns:a16="http://schemas.microsoft.com/office/drawing/2014/main" xmlns="" val="10002"/>
+                    <a16:rowId xmlns="" xmlns:a16="http://schemas.microsoft.com/office/drawing/2014/main" val="10002"/>
                   </a:ext>
                 </a:extLst>
               </a:tr>
@@ -25628,7 +25628,7 @@
                 </a:tc>
                 <a:extLst>
                   <a:ext uri="{0D108BD9-81ED-4DB2-BD59-A6C34878D82A}">
-                    <a16:rowId xmlns:a16="http://schemas.microsoft.com/office/drawing/2014/main" xmlns="" val="10003"/>
+                    <a16:rowId xmlns="" xmlns:a16="http://schemas.microsoft.com/office/drawing/2014/main" val="10003"/>
                   </a:ext>
                 </a:extLst>
               </a:tr>
@@ -25767,7 +25767,7 @@
                 </a:tc>
                 <a:extLst>
                   <a:ext uri="{0D108BD9-81ED-4DB2-BD59-A6C34878D82A}">
-                    <a16:rowId xmlns:a16="http://schemas.microsoft.com/office/drawing/2014/main" xmlns="" val="10004"/>
+                    <a16:rowId xmlns="" xmlns:a16="http://schemas.microsoft.com/office/drawing/2014/main" val="10004"/>
                   </a:ext>
                 </a:extLst>
               </a:tr>
@@ -25906,7 +25906,7 @@
                 </a:tc>
                 <a:extLst>
                   <a:ext uri="{0D108BD9-81ED-4DB2-BD59-A6C34878D82A}">
-                    <a16:rowId xmlns:a16="http://schemas.microsoft.com/office/drawing/2014/main" xmlns="" val="10005"/>
+                    <a16:rowId xmlns="" xmlns:a16="http://schemas.microsoft.com/office/drawing/2014/main" val="10005"/>
                   </a:ext>
                 </a:extLst>
               </a:tr>
@@ -27590,42 +27590,42 @@
                 <a:gridCol w="1074501">
                   <a:extLst>
                     <a:ext uri="{9D8B030D-6E8A-4147-A177-3AD203B41FA5}">
-                      <a16:colId xmlns:a16="http://schemas.microsoft.com/office/drawing/2014/main" xmlns="" val="20000"/>
+                      <a16:colId xmlns="" xmlns:a16="http://schemas.microsoft.com/office/drawing/2014/main" val="20000"/>
                     </a:ext>
                   </a:extLst>
                 </a:gridCol>
                 <a:gridCol w="1292971">
                   <a:extLst>
                     <a:ext uri="{9D8B030D-6E8A-4147-A177-3AD203B41FA5}">
-                      <a16:colId xmlns:a16="http://schemas.microsoft.com/office/drawing/2014/main" xmlns="" val="20001"/>
+                      <a16:colId xmlns="" xmlns:a16="http://schemas.microsoft.com/office/drawing/2014/main" val="20001"/>
                     </a:ext>
                   </a:extLst>
                 </a:gridCol>
                 <a:gridCol w="1121434">
                   <a:extLst>
                     <a:ext uri="{9D8B030D-6E8A-4147-A177-3AD203B41FA5}">
-                      <a16:colId xmlns:a16="http://schemas.microsoft.com/office/drawing/2014/main" xmlns="" val="20002"/>
+                      <a16:colId xmlns="" xmlns:a16="http://schemas.microsoft.com/office/drawing/2014/main" val="20002"/>
                     </a:ext>
                   </a:extLst>
                 </a:gridCol>
                 <a:gridCol w="802256">
                   <a:extLst>
                     <a:ext uri="{9D8B030D-6E8A-4147-A177-3AD203B41FA5}">
-                      <a16:colId xmlns:a16="http://schemas.microsoft.com/office/drawing/2014/main" xmlns="" val="20003"/>
+                      <a16:colId xmlns="" xmlns:a16="http://schemas.microsoft.com/office/drawing/2014/main" val="20003"/>
                     </a:ext>
                   </a:extLst>
                 </a:gridCol>
                 <a:gridCol w="888521">
                   <a:extLst>
                     <a:ext uri="{9D8B030D-6E8A-4147-A177-3AD203B41FA5}">
-                      <a16:colId xmlns:a16="http://schemas.microsoft.com/office/drawing/2014/main" xmlns="" val="20004"/>
+                      <a16:colId xmlns="" xmlns:a16="http://schemas.microsoft.com/office/drawing/2014/main" val="20004"/>
                     </a:ext>
                   </a:extLst>
                 </a:gridCol>
                 <a:gridCol w="1035170">
                   <a:extLst>
                     <a:ext uri="{9D8B030D-6E8A-4147-A177-3AD203B41FA5}">
-                      <a16:colId xmlns:a16="http://schemas.microsoft.com/office/drawing/2014/main" xmlns="" val="20005"/>
+                      <a16:colId xmlns="" xmlns:a16="http://schemas.microsoft.com/office/drawing/2014/main" val="20005"/>
                     </a:ext>
                   </a:extLst>
                 </a:gridCol>
@@ -27717,7 +27717,7 @@
                 </a:tc>
                 <a:extLst>
                   <a:ext uri="{0D108BD9-81ED-4DB2-BD59-A6C34878D82A}">
-                    <a16:rowId xmlns:a16="http://schemas.microsoft.com/office/drawing/2014/main" xmlns="" val="10000"/>
+                    <a16:rowId xmlns="" xmlns:a16="http://schemas.microsoft.com/office/drawing/2014/main" val="10000"/>
                   </a:ext>
                 </a:extLst>
               </a:tr>
@@ -27814,7 +27814,7 @@
                 </a:tc>
                 <a:extLst>
                   <a:ext uri="{0D108BD9-81ED-4DB2-BD59-A6C34878D82A}">
-                    <a16:rowId xmlns:a16="http://schemas.microsoft.com/office/drawing/2014/main" xmlns="" val="10001"/>
+                    <a16:rowId xmlns="" xmlns:a16="http://schemas.microsoft.com/office/drawing/2014/main" val="10001"/>
                   </a:ext>
                 </a:extLst>
               </a:tr>
@@ -27972,7 +27972,7 @@
                 </a:tc>
                 <a:extLst>
                   <a:ext uri="{0D108BD9-81ED-4DB2-BD59-A6C34878D82A}">
-                    <a16:rowId xmlns:a16="http://schemas.microsoft.com/office/drawing/2014/main" xmlns="" val="10002"/>
+                    <a16:rowId xmlns="" xmlns:a16="http://schemas.microsoft.com/office/drawing/2014/main" val="10002"/>
                   </a:ext>
                 </a:extLst>
               </a:tr>
@@ -28113,7 +28113,7 @@
                 </a:tc>
                 <a:extLst>
                   <a:ext uri="{0D108BD9-81ED-4DB2-BD59-A6C34878D82A}">
-                    <a16:rowId xmlns:a16="http://schemas.microsoft.com/office/drawing/2014/main" xmlns="" val="10003"/>
+                    <a16:rowId xmlns="" xmlns:a16="http://schemas.microsoft.com/office/drawing/2014/main" val="10003"/>
                   </a:ext>
                 </a:extLst>
               </a:tr>
@@ -28252,7 +28252,7 @@
                 </a:tc>
                 <a:extLst>
                   <a:ext uri="{0D108BD9-81ED-4DB2-BD59-A6C34878D82A}">
-                    <a16:rowId xmlns:a16="http://schemas.microsoft.com/office/drawing/2014/main" xmlns="" val="10004"/>
+                    <a16:rowId xmlns="" xmlns:a16="http://schemas.microsoft.com/office/drawing/2014/main" val="10004"/>
                   </a:ext>
                 </a:extLst>
               </a:tr>
@@ -28393,7 +28393,7 @@
                 </a:tc>
                 <a:extLst>
                   <a:ext uri="{0D108BD9-81ED-4DB2-BD59-A6C34878D82A}">
-                    <a16:rowId xmlns:a16="http://schemas.microsoft.com/office/drawing/2014/main" xmlns="" val="10005"/>
+                    <a16:rowId xmlns="" xmlns:a16="http://schemas.microsoft.com/office/drawing/2014/main" val="10005"/>
                   </a:ext>
                 </a:extLst>
               </a:tr>
@@ -28840,42 +28840,42 @@
                 <a:gridCol w="1074501">
                   <a:extLst>
                     <a:ext uri="{9D8B030D-6E8A-4147-A177-3AD203B41FA5}">
-                      <a16:colId xmlns:a16="http://schemas.microsoft.com/office/drawing/2014/main" xmlns="" val="20000"/>
+                      <a16:colId xmlns="" xmlns:a16="http://schemas.microsoft.com/office/drawing/2014/main" val="20000"/>
                     </a:ext>
                   </a:extLst>
                 </a:gridCol>
                 <a:gridCol w="1137695">
                   <a:extLst>
                     <a:ext uri="{9D8B030D-6E8A-4147-A177-3AD203B41FA5}">
-                      <a16:colId xmlns:a16="http://schemas.microsoft.com/office/drawing/2014/main" xmlns="" val="20001"/>
+                      <a16:colId xmlns="" xmlns:a16="http://schemas.microsoft.com/office/drawing/2014/main" val="20001"/>
                     </a:ext>
                   </a:extLst>
                 </a:gridCol>
                 <a:gridCol w="1086928">
                   <a:extLst>
                     <a:ext uri="{9D8B030D-6E8A-4147-A177-3AD203B41FA5}">
-                      <a16:colId xmlns:a16="http://schemas.microsoft.com/office/drawing/2014/main" xmlns="" val="20002"/>
+                      <a16:colId xmlns="" xmlns:a16="http://schemas.microsoft.com/office/drawing/2014/main" val="20002"/>
                     </a:ext>
                   </a:extLst>
                 </a:gridCol>
                 <a:gridCol w="888521">
                   <a:extLst>
                     <a:ext uri="{9D8B030D-6E8A-4147-A177-3AD203B41FA5}">
-                      <a16:colId xmlns:a16="http://schemas.microsoft.com/office/drawing/2014/main" xmlns="" val="20003"/>
+                      <a16:colId xmlns="" xmlns:a16="http://schemas.microsoft.com/office/drawing/2014/main" val="20003"/>
                     </a:ext>
                   </a:extLst>
                 </a:gridCol>
                 <a:gridCol w="810883">
                   <a:extLst>
                     <a:ext uri="{9D8B030D-6E8A-4147-A177-3AD203B41FA5}">
-                      <a16:colId xmlns:a16="http://schemas.microsoft.com/office/drawing/2014/main" xmlns="" val="20004"/>
+                      <a16:colId xmlns="" xmlns:a16="http://schemas.microsoft.com/office/drawing/2014/main" val="20004"/>
                     </a:ext>
                   </a:extLst>
                 </a:gridCol>
                 <a:gridCol w="1118436">
                   <a:extLst>
                     <a:ext uri="{9D8B030D-6E8A-4147-A177-3AD203B41FA5}">
-                      <a16:colId xmlns:a16="http://schemas.microsoft.com/office/drawing/2014/main" xmlns="" val="20005"/>
+                      <a16:colId xmlns="" xmlns:a16="http://schemas.microsoft.com/office/drawing/2014/main" val="20005"/>
                     </a:ext>
                   </a:extLst>
                 </a:gridCol>
@@ -28967,7 +28967,7 @@
                 </a:tc>
                 <a:extLst>
                   <a:ext uri="{0D108BD9-81ED-4DB2-BD59-A6C34878D82A}">
-                    <a16:rowId xmlns:a16="http://schemas.microsoft.com/office/drawing/2014/main" xmlns="" val="10000"/>
+                    <a16:rowId xmlns="" xmlns:a16="http://schemas.microsoft.com/office/drawing/2014/main" val="10000"/>
                   </a:ext>
                 </a:extLst>
               </a:tr>
@@ -29066,7 +29066,7 @@
                 </a:tc>
                 <a:extLst>
                   <a:ext uri="{0D108BD9-81ED-4DB2-BD59-A6C34878D82A}">
-                    <a16:rowId xmlns:a16="http://schemas.microsoft.com/office/drawing/2014/main" xmlns="" val="10001"/>
+                    <a16:rowId xmlns="" xmlns:a16="http://schemas.microsoft.com/office/drawing/2014/main" val="10001"/>
                   </a:ext>
                 </a:extLst>
               </a:tr>
@@ -29224,7 +29224,7 @@
                 </a:tc>
                 <a:extLst>
                   <a:ext uri="{0D108BD9-81ED-4DB2-BD59-A6C34878D82A}">
-                    <a16:rowId xmlns:a16="http://schemas.microsoft.com/office/drawing/2014/main" xmlns="" val="10002"/>
+                    <a16:rowId xmlns="" xmlns:a16="http://schemas.microsoft.com/office/drawing/2014/main" val="10002"/>
                   </a:ext>
                 </a:extLst>
               </a:tr>
@@ -29363,7 +29363,7 @@
                 </a:tc>
                 <a:extLst>
                   <a:ext uri="{0D108BD9-81ED-4DB2-BD59-A6C34878D82A}">
-                    <a16:rowId xmlns:a16="http://schemas.microsoft.com/office/drawing/2014/main" xmlns="" val="10003"/>
+                    <a16:rowId xmlns="" xmlns:a16="http://schemas.microsoft.com/office/drawing/2014/main" val="10003"/>
                   </a:ext>
                 </a:extLst>
               </a:tr>
@@ -29462,7 +29462,7 @@
                 </a:tc>
                 <a:extLst>
                   <a:ext uri="{0D108BD9-81ED-4DB2-BD59-A6C34878D82A}">
-                    <a16:rowId xmlns:a16="http://schemas.microsoft.com/office/drawing/2014/main" xmlns="" val="10004"/>
+                    <a16:rowId xmlns="" xmlns:a16="http://schemas.microsoft.com/office/drawing/2014/main" val="10004"/>
                   </a:ext>
                 </a:extLst>
               </a:tr>
@@ -29563,7 +29563,7 @@
                 </a:tc>
                 <a:extLst>
                   <a:ext uri="{0D108BD9-81ED-4DB2-BD59-A6C34878D82A}">
-                    <a16:rowId xmlns:a16="http://schemas.microsoft.com/office/drawing/2014/main" xmlns="" val="10005"/>
+                    <a16:rowId xmlns="" xmlns:a16="http://schemas.microsoft.com/office/drawing/2014/main" val="10005"/>
                   </a:ext>
                 </a:extLst>
               </a:tr>
@@ -29654,42 +29654,42 @@
                 <a:gridCol w="1074501">
                   <a:extLst>
                     <a:ext uri="{9D8B030D-6E8A-4147-A177-3AD203B41FA5}">
-                      <a16:colId xmlns:a16="http://schemas.microsoft.com/office/drawing/2014/main" xmlns="" val="20000"/>
+                      <a16:colId xmlns="" xmlns:a16="http://schemas.microsoft.com/office/drawing/2014/main" val="20000"/>
                     </a:ext>
                   </a:extLst>
                 </a:gridCol>
                 <a:gridCol w="1361982">
                   <a:extLst>
                     <a:ext uri="{9D8B030D-6E8A-4147-A177-3AD203B41FA5}">
-                      <a16:colId xmlns:a16="http://schemas.microsoft.com/office/drawing/2014/main" xmlns="" val="20001"/>
+                      <a16:colId xmlns="" xmlns:a16="http://schemas.microsoft.com/office/drawing/2014/main" val="20001"/>
                     </a:ext>
                   </a:extLst>
                 </a:gridCol>
                 <a:gridCol w="1069675">
                   <a:extLst>
                     <a:ext uri="{9D8B030D-6E8A-4147-A177-3AD203B41FA5}">
-                      <a16:colId xmlns:a16="http://schemas.microsoft.com/office/drawing/2014/main" xmlns="" val="20002"/>
+                      <a16:colId xmlns="" xmlns:a16="http://schemas.microsoft.com/office/drawing/2014/main" val="20002"/>
                     </a:ext>
                   </a:extLst>
                 </a:gridCol>
                 <a:gridCol w="776378">
                   <a:extLst>
                     <a:ext uri="{9D8B030D-6E8A-4147-A177-3AD203B41FA5}">
-                      <a16:colId xmlns:a16="http://schemas.microsoft.com/office/drawing/2014/main" xmlns="" val="20003"/>
+                      <a16:colId xmlns="" xmlns:a16="http://schemas.microsoft.com/office/drawing/2014/main" val="20003"/>
                     </a:ext>
                   </a:extLst>
                 </a:gridCol>
                 <a:gridCol w="785004">
                   <a:extLst>
                     <a:ext uri="{9D8B030D-6E8A-4147-A177-3AD203B41FA5}">
-                      <a16:colId xmlns:a16="http://schemas.microsoft.com/office/drawing/2014/main" xmlns="" val="20004"/>
+                      <a16:colId xmlns="" xmlns:a16="http://schemas.microsoft.com/office/drawing/2014/main" val="20004"/>
                     </a:ext>
                   </a:extLst>
                 </a:gridCol>
                 <a:gridCol w="1049424">
                   <a:extLst>
                     <a:ext uri="{9D8B030D-6E8A-4147-A177-3AD203B41FA5}">
-                      <a16:colId xmlns:a16="http://schemas.microsoft.com/office/drawing/2014/main" xmlns="" val="20005"/>
+                      <a16:colId xmlns="" xmlns:a16="http://schemas.microsoft.com/office/drawing/2014/main" val="20005"/>
                     </a:ext>
                   </a:extLst>
                 </a:gridCol>
@@ -29781,7 +29781,7 @@
                 </a:tc>
                 <a:extLst>
                   <a:ext uri="{0D108BD9-81ED-4DB2-BD59-A6C34878D82A}">
-                    <a16:rowId xmlns:a16="http://schemas.microsoft.com/office/drawing/2014/main" xmlns="" val="10000"/>
+                    <a16:rowId xmlns="" xmlns:a16="http://schemas.microsoft.com/office/drawing/2014/main" val="10000"/>
                   </a:ext>
                 </a:extLst>
               </a:tr>
@@ -29878,7 +29878,7 @@
                 </a:tc>
                 <a:extLst>
                   <a:ext uri="{0D108BD9-81ED-4DB2-BD59-A6C34878D82A}">
-                    <a16:rowId xmlns:a16="http://schemas.microsoft.com/office/drawing/2014/main" xmlns="" val="10001"/>
+                    <a16:rowId xmlns="" xmlns:a16="http://schemas.microsoft.com/office/drawing/2014/main" val="10001"/>
                   </a:ext>
                 </a:extLst>
               </a:tr>
@@ -30038,7 +30038,7 @@
                 </a:tc>
                 <a:extLst>
                   <a:ext uri="{0D108BD9-81ED-4DB2-BD59-A6C34878D82A}">
-                    <a16:rowId xmlns:a16="http://schemas.microsoft.com/office/drawing/2014/main" xmlns="" val="10002"/>
+                    <a16:rowId xmlns="" xmlns:a16="http://schemas.microsoft.com/office/drawing/2014/main" val="10002"/>
                   </a:ext>
                 </a:extLst>
               </a:tr>
@@ -30179,7 +30179,7 @@
                 </a:tc>
                 <a:extLst>
                   <a:ext uri="{0D108BD9-81ED-4DB2-BD59-A6C34878D82A}">
-                    <a16:rowId xmlns:a16="http://schemas.microsoft.com/office/drawing/2014/main" xmlns="" val="10003"/>
+                    <a16:rowId xmlns="" xmlns:a16="http://schemas.microsoft.com/office/drawing/2014/main" val="10003"/>
                   </a:ext>
                 </a:extLst>
               </a:tr>
@@ -30320,7 +30320,7 @@
                 </a:tc>
                 <a:extLst>
                   <a:ext uri="{0D108BD9-81ED-4DB2-BD59-A6C34878D82A}">
-                    <a16:rowId xmlns:a16="http://schemas.microsoft.com/office/drawing/2014/main" xmlns="" val="10004"/>
+                    <a16:rowId xmlns="" xmlns:a16="http://schemas.microsoft.com/office/drawing/2014/main" val="10004"/>
                   </a:ext>
                 </a:extLst>
               </a:tr>
@@ -30419,7 +30419,7 @@
                 </a:tc>
                 <a:extLst>
                   <a:ext uri="{0D108BD9-81ED-4DB2-BD59-A6C34878D82A}">
-                    <a16:rowId xmlns:a16="http://schemas.microsoft.com/office/drawing/2014/main" xmlns="" val="10005"/>
+                    <a16:rowId xmlns="" xmlns:a16="http://schemas.microsoft.com/office/drawing/2014/main" val="10005"/>
                   </a:ext>
                 </a:extLst>
               </a:tr>
@@ -30510,42 +30510,42 @@
                 <a:gridCol w="1074501">
                   <a:extLst>
                     <a:ext uri="{9D8B030D-6E8A-4147-A177-3AD203B41FA5}">
-                      <a16:colId xmlns:a16="http://schemas.microsoft.com/office/drawing/2014/main" xmlns="" val="20000"/>
+                      <a16:colId xmlns="" xmlns:a16="http://schemas.microsoft.com/office/drawing/2014/main" val="20000"/>
                     </a:ext>
                   </a:extLst>
                 </a:gridCol>
                 <a:gridCol w="1094563">
                   <a:extLst>
                     <a:ext uri="{9D8B030D-6E8A-4147-A177-3AD203B41FA5}">
-                      <a16:colId xmlns:a16="http://schemas.microsoft.com/office/drawing/2014/main" xmlns="" val="20001"/>
+                      <a16:colId xmlns="" xmlns:a16="http://schemas.microsoft.com/office/drawing/2014/main" val="20001"/>
                     </a:ext>
                   </a:extLst>
                 </a:gridCol>
                 <a:gridCol w="1112808">
                   <a:extLst>
                     <a:ext uri="{9D8B030D-6E8A-4147-A177-3AD203B41FA5}">
-                      <a16:colId xmlns:a16="http://schemas.microsoft.com/office/drawing/2014/main" xmlns="" val="20002"/>
+                      <a16:colId xmlns="" xmlns:a16="http://schemas.microsoft.com/office/drawing/2014/main" val="20002"/>
                     </a:ext>
                   </a:extLst>
                 </a:gridCol>
                 <a:gridCol w="755968">
                   <a:extLst>
                     <a:ext uri="{9D8B030D-6E8A-4147-A177-3AD203B41FA5}">
-                      <a16:colId xmlns:a16="http://schemas.microsoft.com/office/drawing/2014/main" xmlns="" val="20003"/>
+                      <a16:colId xmlns="" xmlns:a16="http://schemas.microsoft.com/office/drawing/2014/main" val="20003"/>
                     </a:ext>
                   </a:extLst>
                 </a:gridCol>
                 <a:gridCol w="909275">
                   <a:extLst>
                     <a:ext uri="{9D8B030D-6E8A-4147-A177-3AD203B41FA5}">
-                      <a16:colId xmlns:a16="http://schemas.microsoft.com/office/drawing/2014/main" xmlns="" val="20004"/>
+                      <a16:colId xmlns="" xmlns:a16="http://schemas.microsoft.com/office/drawing/2014/main" val="20004"/>
                     </a:ext>
                   </a:extLst>
                 </a:gridCol>
                 <a:gridCol w="1226019">
                   <a:extLst>
                     <a:ext uri="{9D8B030D-6E8A-4147-A177-3AD203B41FA5}">
-                      <a16:colId xmlns:a16="http://schemas.microsoft.com/office/drawing/2014/main" xmlns="" val="20005"/>
+                      <a16:colId xmlns="" xmlns:a16="http://schemas.microsoft.com/office/drawing/2014/main" val="20005"/>
                     </a:ext>
                   </a:extLst>
                 </a:gridCol>
@@ -30637,7 +30637,7 @@
                 </a:tc>
                 <a:extLst>
                   <a:ext uri="{0D108BD9-81ED-4DB2-BD59-A6C34878D82A}">
-                    <a16:rowId xmlns:a16="http://schemas.microsoft.com/office/drawing/2014/main" xmlns="" val="10000"/>
+                    <a16:rowId xmlns="" xmlns:a16="http://schemas.microsoft.com/office/drawing/2014/main" val="10000"/>
                   </a:ext>
                 </a:extLst>
               </a:tr>
@@ -30736,7 +30736,7 @@
                 </a:tc>
                 <a:extLst>
                   <a:ext uri="{0D108BD9-81ED-4DB2-BD59-A6C34878D82A}">
-                    <a16:rowId xmlns:a16="http://schemas.microsoft.com/office/drawing/2014/main" xmlns="" val="10001"/>
+                    <a16:rowId xmlns="" xmlns:a16="http://schemas.microsoft.com/office/drawing/2014/main" val="10001"/>
                   </a:ext>
                 </a:extLst>
               </a:tr>
@@ -30854,7 +30854,7 @@
                 </a:tc>
                 <a:extLst>
                   <a:ext uri="{0D108BD9-81ED-4DB2-BD59-A6C34878D82A}">
-                    <a16:rowId xmlns:a16="http://schemas.microsoft.com/office/drawing/2014/main" xmlns="" val="10002"/>
+                    <a16:rowId xmlns="" xmlns:a16="http://schemas.microsoft.com/office/drawing/2014/main" val="10002"/>
                   </a:ext>
                 </a:extLst>
               </a:tr>
@@ -30995,7 +30995,7 @@
                 </a:tc>
                 <a:extLst>
                   <a:ext uri="{0D108BD9-81ED-4DB2-BD59-A6C34878D82A}">
-                    <a16:rowId xmlns:a16="http://schemas.microsoft.com/office/drawing/2014/main" xmlns="" val="10003"/>
+                    <a16:rowId xmlns="" xmlns:a16="http://schemas.microsoft.com/office/drawing/2014/main" val="10003"/>
                   </a:ext>
                 </a:extLst>
               </a:tr>
@@ -31136,7 +31136,7 @@
                 </a:tc>
                 <a:extLst>
                   <a:ext uri="{0D108BD9-81ED-4DB2-BD59-A6C34878D82A}">
-                    <a16:rowId xmlns:a16="http://schemas.microsoft.com/office/drawing/2014/main" xmlns="" val="10004"/>
+                    <a16:rowId xmlns="" xmlns:a16="http://schemas.microsoft.com/office/drawing/2014/main" val="10004"/>
                   </a:ext>
                 </a:extLst>
               </a:tr>
@@ -31249,7 +31249,7 @@
                 </a:tc>
                 <a:extLst>
                   <a:ext uri="{0D108BD9-81ED-4DB2-BD59-A6C34878D82A}">
-                    <a16:rowId xmlns:a16="http://schemas.microsoft.com/office/drawing/2014/main" xmlns="" val="10005"/>
+                    <a16:rowId xmlns="" xmlns:a16="http://schemas.microsoft.com/office/drawing/2014/main" val="10005"/>
                   </a:ext>
                 </a:extLst>
               </a:tr>
@@ -31340,42 +31340,42 @@
                 <a:gridCol w="1108522">
                   <a:extLst>
                     <a:ext uri="{9D8B030D-6E8A-4147-A177-3AD203B41FA5}">
-                      <a16:colId xmlns:a16="http://schemas.microsoft.com/office/drawing/2014/main" xmlns="" val="20000"/>
+                      <a16:colId xmlns="" xmlns:a16="http://schemas.microsoft.com/office/drawing/2014/main" val="20000"/>
                     </a:ext>
                   </a:extLst>
                 </a:gridCol>
                 <a:gridCol w="1129219">
                   <a:extLst>
                     <a:ext uri="{9D8B030D-6E8A-4147-A177-3AD203B41FA5}">
-                      <a16:colId xmlns:a16="http://schemas.microsoft.com/office/drawing/2014/main" xmlns="" val="20001"/>
+                      <a16:colId xmlns="" xmlns:a16="http://schemas.microsoft.com/office/drawing/2014/main" val="20001"/>
                     </a:ext>
                   </a:extLst>
                 </a:gridCol>
                 <a:gridCol w="1148042">
                   <a:extLst>
                     <a:ext uri="{9D8B030D-6E8A-4147-A177-3AD203B41FA5}">
-                      <a16:colId xmlns:a16="http://schemas.microsoft.com/office/drawing/2014/main" xmlns="" val="20002"/>
+                      <a16:colId xmlns="" xmlns:a16="http://schemas.microsoft.com/office/drawing/2014/main" val="20002"/>
                     </a:ext>
                   </a:extLst>
                 </a:gridCol>
                 <a:gridCol w="802761">
                   <a:extLst>
                     <a:ext uri="{9D8B030D-6E8A-4147-A177-3AD203B41FA5}">
-                      <a16:colId xmlns:a16="http://schemas.microsoft.com/office/drawing/2014/main" xmlns="" val="20003"/>
+                      <a16:colId xmlns="" xmlns:a16="http://schemas.microsoft.com/office/drawing/2014/main" val="20003"/>
                     </a:ext>
                   </a:extLst>
                 </a:gridCol>
                 <a:gridCol w="857259">
                   <a:extLst>
                     <a:ext uri="{9D8B030D-6E8A-4147-A177-3AD203B41FA5}">
-                      <a16:colId xmlns:a16="http://schemas.microsoft.com/office/drawing/2014/main" xmlns="" val="20004"/>
+                      <a16:colId xmlns="" xmlns:a16="http://schemas.microsoft.com/office/drawing/2014/main" val="20004"/>
                     </a:ext>
                   </a:extLst>
                 </a:gridCol>
                 <a:gridCol w="1264838">
                   <a:extLst>
                     <a:ext uri="{9D8B030D-6E8A-4147-A177-3AD203B41FA5}">
-                      <a16:colId xmlns:a16="http://schemas.microsoft.com/office/drawing/2014/main" xmlns="" val="20005"/>
+                      <a16:colId xmlns="" xmlns:a16="http://schemas.microsoft.com/office/drawing/2014/main" val="20005"/>
                     </a:ext>
                   </a:extLst>
                 </a:gridCol>
@@ -31467,7 +31467,7 @@
                 </a:tc>
                 <a:extLst>
                   <a:ext uri="{0D108BD9-81ED-4DB2-BD59-A6C34878D82A}">
-                    <a16:rowId xmlns:a16="http://schemas.microsoft.com/office/drawing/2014/main" xmlns="" val="10000"/>
+                    <a16:rowId xmlns="" xmlns:a16="http://schemas.microsoft.com/office/drawing/2014/main" val="10000"/>
                   </a:ext>
                 </a:extLst>
               </a:tr>
@@ -31565,7 +31565,7 @@
                 </a:tc>
                 <a:extLst>
                   <a:ext uri="{0D108BD9-81ED-4DB2-BD59-A6C34878D82A}">
-                    <a16:rowId xmlns:a16="http://schemas.microsoft.com/office/drawing/2014/main" xmlns="" val="10001"/>
+                    <a16:rowId xmlns="" xmlns:a16="http://schemas.microsoft.com/office/drawing/2014/main" val="10001"/>
                   </a:ext>
                 </a:extLst>
               </a:tr>
@@ -31725,7 +31725,7 @@
                 </a:tc>
                 <a:extLst>
                   <a:ext uri="{0D108BD9-81ED-4DB2-BD59-A6C34878D82A}">
-                    <a16:rowId xmlns:a16="http://schemas.microsoft.com/office/drawing/2014/main" xmlns="" val="10002"/>
+                    <a16:rowId xmlns="" xmlns:a16="http://schemas.microsoft.com/office/drawing/2014/main" val="10002"/>
                   </a:ext>
                 </a:extLst>
               </a:tr>
@@ -31866,7 +31866,7 @@
                 </a:tc>
                 <a:extLst>
                   <a:ext uri="{0D108BD9-81ED-4DB2-BD59-A6C34878D82A}">
-                    <a16:rowId xmlns:a16="http://schemas.microsoft.com/office/drawing/2014/main" xmlns="" val="10003"/>
+                    <a16:rowId xmlns="" xmlns:a16="http://schemas.microsoft.com/office/drawing/2014/main" val="10003"/>
                   </a:ext>
                 </a:extLst>
               </a:tr>
@@ -32009,7 +32009,7 @@
                 </a:tc>
                 <a:extLst>
                   <a:ext uri="{0D108BD9-81ED-4DB2-BD59-A6C34878D82A}">
-                    <a16:rowId xmlns:a16="http://schemas.microsoft.com/office/drawing/2014/main" xmlns="" val="10004"/>
+                    <a16:rowId xmlns="" xmlns:a16="http://schemas.microsoft.com/office/drawing/2014/main" val="10004"/>
                   </a:ext>
                 </a:extLst>
               </a:tr>
@@ -32108,7 +32108,7 @@
                 </a:tc>
                 <a:extLst>
                   <a:ext uri="{0D108BD9-81ED-4DB2-BD59-A6C34878D82A}">
-                    <a16:rowId xmlns:a16="http://schemas.microsoft.com/office/drawing/2014/main" xmlns="" val="10005"/>
+                    <a16:rowId xmlns="" xmlns:a16="http://schemas.microsoft.com/office/drawing/2014/main" val="10005"/>
                   </a:ext>
                 </a:extLst>
               </a:tr>

--- a/Reports/Hiwi Meeting 4.pptx
+++ b/Reports/Hiwi Meeting 4.pptx
@@ -4127,42 +4127,42 @@
                 <a:gridCol w="1074501">
                   <a:extLst>
                     <a:ext uri="{9D8B030D-6E8A-4147-A177-3AD203B41FA5}">
-                      <a16:colId xmlns="" xmlns:a16="http://schemas.microsoft.com/office/drawing/2014/main" val="20000"/>
+                      <a16:colId xmlns:a16="http://schemas.microsoft.com/office/drawing/2014/main" xmlns="" val="20000"/>
                     </a:ext>
                   </a:extLst>
                 </a:gridCol>
                 <a:gridCol w="1094563">
                   <a:extLst>
                     <a:ext uri="{9D8B030D-6E8A-4147-A177-3AD203B41FA5}">
-                      <a16:colId xmlns="" xmlns:a16="http://schemas.microsoft.com/office/drawing/2014/main" val="20001"/>
+                      <a16:colId xmlns:a16="http://schemas.microsoft.com/office/drawing/2014/main" xmlns="" val="20001"/>
                     </a:ext>
                   </a:extLst>
                 </a:gridCol>
                 <a:gridCol w="1112808">
                   <a:extLst>
                     <a:ext uri="{9D8B030D-6E8A-4147-A177-3AD203B41FA5}">
-                      <a16:colId xmlns="" xmlns:a16="http://schemas.microsoft.com/office/drawing/2014/main" val="20002"/>
+                      <a16:colId xmlns:a16="http://schemas.microsoft.com/office/drawing/2014/main" xmlns="" val="20002"/>
                     </a:ext>
                   </a:extLst>
                 </a:gridCol>
                 <a:gridCol w="785901">
                   <a:extLst>
                     <a:ext uri="{9D8B030D-6E8A-4147-A177-3AD203B41FA5}">
-                      <a16:colId xmlns="" xmlns:a16="http://schemas.microsoft.com/office/drawing/2014/main" val="20003"/>
+                      <a16:colId xmlns:a16="http://schemas.microsoft.com/office/drawing/2014/main" xmlns="" val="20003"/>
                     </a:ext>
                   </a:extLst>
                 </a:gridCol>
                 <a:gridCol w="823172">
                   <a:extLst>
                     <a:ext uri="{9D8B030D-6E8A-4147-A177-3AD203B41FA5}">
-                      <a16:colId xmlns="" xmlns:a16="http://schemas.microsoft.com/office/drawing/2014/main" val="20004"/>
+                      <a16:colId xmlns:a16="http://schemas.microsoft.com/office/drawing/2014/main" xmlns="" val="20004"/>
                     </a:ext>
                   </a:extLst>
                 </a:gridCol>
                 <a:gridCol w="1226019">
                   <a:extLst>
                     <a:ext uri="{9D8B030D-6E8A-4147-A177-3AD203B41FA5}">
-                      <a16:colId xmlns="" xmlns:a16="http://schemas.microsoft.com/office/drawing/2014/main" val="20005"/>
+                      <a16:colId xmlns:a16="http://schemas.microsoft.com/office/drawing/2014/main" xmlns="" val="20005"/>
                     </a:ext>
                   </a:extLst>
                 </a:gridCol>
@@ -4254,7 +4254,7 @@
                 </a:tc>
                 <a:extLst>
                   <a:ext uri="{0D108BD9-81ED-4DB2-BD59-A6C34878D82A}">
-                    <a16:rowId xmlns="" xmlns:a16="http://schemas.microsoft.com/office/drawing/2014/main" val="10000"/>
+                    <a16:rowId xmlns:a16="http://schemas.microsoft.com/office/drawing/2014/main" xmlns="" val="10000"/>
                   </a:ext>
                 </a:extLst>
               </a:tr>
@@ -4351,7 +4351,7 @@
                 </a:tc>
                 <a:extLst>
                   <a:ext uri="{0D108BD9-81ED-4DB2-BD59-A6C34878D82A}">
-                    <a16:rowId xmlns="" xmlns:a16="http://schemas.microsoft.com/office/drawing/2014/main" val="10001"/>
+                    <a16:rowId xmlns:a16="http://schemas.microsoft.com/office/drawing/2014/main" xmlns="" val="10001"/>
                   </a:ext>
                 </a:extLst>
               </a:tr>
@@ -4509,7 +4509,7 @@
                 </a:tc>
                 <a:extLst>
                   <a:ext uri="{0D108BD9-81ED-4DB2-BD59-A6C34878D82A}">
-                    <a16:rowId xmlns="" xmlns:a16="http://schemas.microsoft.com/office/drawing/2014/main" val="10002"/>
+                    <a16:rowId xmlns:a16="http://schemas.microsoft.com/office/drawing/2014/main" xmlns="" val="10002"/>
                   </a:ext>
                 </a:extLst>
               </a:tr>
@@ -4652,7 +4652,7 @@
                 </a:tc>
                 <a:extLst>
                   <a:ext uri="{0D108BD9-81ED-4DB2-BD59-A6C34878D82A}">
-                    <a16:rowId xmlns="" xmlns:a16="http://schemas.microsoft.com/office/drawing/2014/main" val="10003"/>
+                    <a16:rowId xmlns:a16="http://schemas.microsoft.com/office/drawing/2014/main" xmlns="" val="10003"/>
                   </a:ext>
                 </a:extLst>
               </a:tr>
@@ -4753,7 +4753,7 @@
                 </a:tc>
                 <a:extLst>
                   <a:ext uri="{0D108BD9-81ED-4DB2-BD59-A6C34878D82A}">
-                    <a16:rowId xmlns="" xmlns:a16="http://schemas.microsoft.com/office/drawing/2014/main" val="10004"/>
+                    <a16:rowId xmlns:a16="http://schemas.microsoft.com/office/drawing/2014/main" xmlns="" val="10004"/>
                   </a:ext>
                 </a:extLst>
               </a:tr>
@@ -4854,7 +4854,7 @@
                 </a:tc>
                 <a:extLst>
                   <a:ext uri="{0D108BD9-81ED-4DB2-BD59-A6C34878D82A}">
-                    <a16:rowId xmlns="" xmlns:a16="http://schemas.microsoft.com/office/drawing/2014/main" val="10005"/>
+                    <a16:rowId xmlns:a16="http://schemas.microsoft.com/office/drawing/2014/main" xmlns="" val="10005"/>
                   </a:ext>
                 </a:extLst>
               </a:tr>
@@ -4945,42 +4945,42 @@
                 <a:gridCol w="1074501">
                   <a:extLst>
                     <a:ext uri="{9D8B030D-6E8A-4147-A177-3AD203B41FA5}">
-                      <a16:colId xmlns="" xmlns:a16="http://schemas.microsoft.com/office/drawing/2014/main" val="20000"/>
+                      <a16:colId xmlns:a16="http://schemas.microsoft.com/office/drawing/2014/main" xmlns="" val="20000"/>
                     </a:ext>
                   </a:extLst>
                 </a:gridCol>
                 <a:gridCol w="1042804">
                   <a:extLst>
                     <a:ext uri="{9D8B030D-6E8A-4147-A177-3AD203B41FA5}">
-                      <a16:colId xmlns="" xmlns:a16="http://schemas.microsoft.com/office/drawing/2014/main" val="20001"/>
+                      <a16:colId xmlns:a16="http://schemas.microsoft.com/office/drawing/2014/main" xmlns="" val="20001"/>
                     </a:ext>
                   </a:extLst>
                 </a:gridCol>
                 <a:gridCol w="1086929">
                   <a:extLst>
                     <a:ext uri="{9D8B030D-6E8A-4147-A177-3AD203B41FA5}">
-                      <a16:colId xmlns="" xmlns:a16="http://schemas.microsoft.com/office/drawing/2014/main" val="20002"/>
+                      <a16:colId xmlns:a16="http://schemas.microsoft.com/office/drawing/2014/main" xmlns="" val="20002"/>
                     </a:ext>
                   </a:extLst>
                 </a:gridCol>
                 <a:gridCol w="777436">
                   <a:extLst>
                     <a:ext uri="{9D8B030D-6E8A-4147-A177-3AD203B41FA5}">
-                      <a16:colId xmlns="" xmlns:a16="http://schemas.microsoft.com/office/drawing/2014/main" val="20003"/>
+                      <a16:colId xmlns:a16="http://schemas.microsoft.com/office/drawing/2014/main" xmlns="" val="20003"/>
                     </a:ext>
                   </a:extLst>
                 </a:gridCol>
                 <a:gridCol w="909275">
                   <a:extLst>
                     <a:ext uri="{9D8B030D-6E8A-4147-A177-3AD203B41FA5}">
-                      <a16:colId xmlns="" xmlns:a16="http://schemas.microsoft.com/office/drawing/2014/main" val="20004"/>
+                      <a16:colId xmlns:a16="http://schemas.microsoft.com/office/drawing/2014/main" xmlns="" val="20004"/>
                     </a:ext>
                   </a:extLst>
                 </a:gridCol>
                 <a:gridCol w="1226019">
                   <a:extLst>
                     <a:ext uri="{9D8B030D-6E8A-4147-A177-3AD203B41FA5}">
-                      <a16:colId xmlns="" xmlns:a16="http://schemas.microsoft.com/office/drawing/2014/main" val="20005"/>
+                      <a16:colId xmlns:a16="http://schemas.microsoft.com/office/drawing/2014/main" xmlns="" val="20005"/>
                     </a:ext>
                   </a:extLst>
                 </a:gridCol>
@@ -5072,7 +5072,7 @@
                 </a:tc>
                 <a:extLst>
                   <a:ext uri="{0D108BD9-81ED-4DB2-BD59-A6C34878D82A}">
-                    <a16:rowId xmlns="" xmlns:a16="http://schemas.microsoft.com/office/drawing/2014/main" val="10000"/>
+                    <a16:rowId xmlns:a16="http://schemas.microsoft.com/office/drawing/2014/main" xmlns="" val="10000"/>
                   </a:ext>
                 </a:extLst>
               </a:tr>
@@ -5169,7 +5169,7 @@
                 </a:tc>
                 <a:extLst>
                   <a:ext uri="{0D108BD9-81ED-4DB2-BD59-A6C34878D82A}">
-                    <a16:rowId xmlns="" xmlns:a16="http://schemas.microsoft.com/office/drawing/2014/main" val="10001"/>
+                    <a16:rowId xmlns:a16="http://schemas.microsoft.com/office/drawing/2014/main" xmlns="" val="10001"/>
                   </a:ext>
                 </a:extLst>
               </a:tr>
@@ -5329,7 +5329,7 @@
                 </a:tc>
                 <a:extLst>
                   <a:ext uri="{0D108BD9-81ED-4DB2-BD59-A6C34878D82A}">
-                    <a16:rowId xmlns="" xmlns:a16="http://schemas.microsoft.com/office/drawing/2014/main" val="10002"/>
+                    <a16:rowId xmlns:a16="http://schemas.microsoft.com/office/drawing/2014/main" xmlns="" val="10002"/>
                   </a:ext>
                 </a:extLst>
               </a:tr>
@@ -5489,7 +5489,7 @@
                 </a:tc>
                 <a:extLst>
                   <a:ext uri="{0D108BD9-81ED-4DB2-BD59-A6C34878D82A}">
-                    <a16:rowId xmlns="" xmlns:a16="http://schemas.microsoft.com/office/drawing/2014/main" val="10003"/>
+                    <a16:rowId xmlns:a16="http://schemas.microsoft.com/office/drawing/2014/main" xmlns="" val="10003"/>
                   </a:ext>
                 </a:extLst>
               </a:tr>
@@ -5632,7 +5632,7 @@
                 </a:tc>
                 <a:extLst>
                   <a:ext uri="{0D108BD9-81ED-4DB2-BD59-A6C34878D82A}">
-                    <a16:rowId xmlns="" xmlns:a16="http://schemas.microsoft.com/office/drawing/2014/main" val="10004"/>
+                    <a16:rowId xmlns:a16="http://schemas.microsoft.com/office/drawing/2014/main" xmlns="" val="10004"/>
                   </a:ext>
                 </a:extLst>
               </a:tr>
@@ -5733,7 +5733,7 @@
                 </a:tc>
                 <a:extLst>
                   <a:ext uri="{0D108BD9-81ED-4DB2-BD59-A6C34878D82A}">
-                    <a16:rowId xmlns="" xmlns:a16="http://schemas.microsoft.com/office/drawing/2014/main" val="10005"/>
+                    <a16:rowId xmlns:a16="http://schemas.microsoft.com/office/drawing/2014/main" xmlns="" val="10005"/>
                   </a:ext>
                 </a:extLst>
               </a:tr>
@@ -5824,42 +5824,42 @@
                 <a:gridCol w="1074501">
                   <a:extLst>
                     <a:ext uri="{9D8B030D-6E8A-4147-A177-3AD203B41FA5}">
-                      <a16:colId xmlns="" xmlns:a16="http://schemas.microsoft.com/office/drawing/2014/main" val="20000"/>
+                      <a16:colId xmlns:a16="http://schemas.microsoft.com/office/drawing/2014/main" xmlns="" val="20000"/>
                     </a:ext>
                   </a:extLst>
                 </a:gridCol>
                 <a:gridCol w="1051431">
                   <a:extLst>
                     <a:ext uri="{9D8B030D-6E8A-4147-A177-3AD203B41FA5}">
-                      <a16:colId xmlns="" xmlns:a16="http://schemas.microsoft.com/office/drawing/2014/main" val="20001"/>
+                      <a16:colId xmlns:a16="http://schemas.microsoft.com/office/drawing/2014/main" xmlns="" val="20001"/>
                     </a:ext>
                   </a:extLst>
                 </a:gridCol>
                 <a:gridCol w="1104181">
                   <a:extLst>
                     <a:ext uri="{9D8B030D-6E8A-4147-A177-3AD203B41FA5}">
-                      <a16:colId xmlns="" xmlns:a16="http://schemas.microsoft.com/office/drawing/2014/main" val="20002"/>
+                      <a16:colId xmlns:a16="http://schemas.microsoft.com/office/drawing/2014/main" xmlns="" val="20002"/>
                     </a:ext>
                   </a:extLst>
                 </a:gridCol>
                 <a:gridCol w="751557">
                   <a:extLst>
                     <a:ext uri="{9D8B030D-6E8A-4147-A177-3AD203B41FA5}">
-                      <a16:colId xmlns="" xmlns:a16="http://schemas.microsoft.com/office/drawing/2014/main" val="20003"/>
+                      <a16:colId xmlns:a16="http://schemas.microsoft.com/office/drawing/2014/main" xmlns="" val="20003"/>
                     </a:ext>
                   </a:extLst>
                 </a:gridCol>
                 <a:gridCol w="909275">
                   <a:extLst>
                     <a:ext uri="{9D8B030D-6E8A-4147-A177-3AD203B41FA5}">
-                      <a16:colId xmlns="" xmlns:a16="http://schemas.microsoft.com/office/drawing/2014/main" val="20004"/>
+                      <a16:colId xmlns:a16="http://schemas.microsoft.com/office/drawing/2014/main" xmlns="" val="20004"/>
                     </a:ext>
                   </a:extLst>
                 </a:gridCol>
                 <a:gridCol w="1226019">
                   <a:extLst>
                     <a:ext uri="{9D8B030D-6E8A-4147-A177-3AD203B41FA5}">
-                      <a16:colId xmlns="" xmlns:a16="http://schemas.microsoft.com/office/drawing/2014/main" val="20005"/>
+                      <a16:colId xmlns:a16="http://schemas.microsoft.com/office/drawing/2014/main" xmlns="" val="20005"/>
                     </a:ext>
                   </a:extLst>
                 </a:gridCol>
@@ -5951,7 +5951,7 @@
                 </a:tc>
                 <a:extLst>
                   <a:ext uri="{0D108BD9-81ED-4DB2-BD59-A6C34878D82A}">
-                    <a16:rowId xmlns="" xmlns:a16="http://schemas.microsoft.com/office/drawing/2014/main" val="10000"/>
+                    <a16:rowId xmlns:a16="http://schemas.microsoft.com/office/drawing/2014/main" xmlns="" val="10000"/>
                   </a:ext>
                 </a:extLst>
               </a:tr>
@@ -6046,7 +6046,7 @@
                 </a:tc>
                 <a:extLst>
                   <a:ext uri="{0D108BD9-81ED-4DB2-BD59-A6C34878D82A}">
-                    <a16:rowId xmlns="" xmlns:a16="http://schemas.microsoft.com/office/drawing/2014/main" val="10001"/>
+                    <a16:rowId xmlns:a16="http://schemas.microsoft.com/office/drawing/2014/main" xmlns="" val="10001"/>
                   </a:ext>
                 </a:extLst>
               </a:tr>
@@ -6202,7 +6202,7 @@
                 </a:tc>
                 <a:extLst>
                   <a:ext uri="{0D108BD9-81ED-4DB2-BD59-A6C34878D82A}">
-                    <a16:rowId xmlns="" xmlns:a16="http://schemas.microsoft.com/office/drawing/2014/main" val="10002"/>
+                    <a16:rowId xmlns:a16="http://schemas.microsoft.com/office/drawing/2014/main" xmlns="" val="10002"/>
                   </a:ext>
                 </a:extLst>
               </a:tr>
@@ -6358,7 +6358,7 @@
                 </a:tc>
                 <a:extLst>
                   <a:ext uri="{0D108BD9-81ED-4DB2-BD59-A6C34878D82A}">
-                    <a16:rowId xmlns="" xmlns:a16="http://schemas.microsoft.com/office/drawing/2014/main" val="10003"/>
+                    <a16:rowId xmlns:a16="http://schemas.microsoft.com/office/drawing/2014/main" xmlns="" val="10003"/>
                   </a:ext>
                 </a:extLst>
               </a:tr>
@@ -6491,7 +6491,7 @@
                 </a:tc>
                 <a:extLst>
                   <a:ext uri="{0D108BD9-81ED-4DB2-BD59-A6C34878D82A}">
-                    <a16:rowId xmlns="" xmlns:a16="http://schemas.microsoft.com/office/drawing/2014/main" val="10004"/>
+                    <a16:rowId xmlns:a16="http://schemas.microsoft.com/office/drawing/2014/main" xmlns="" val="10004"/>
                   </a:ext>
                 </a:extLst>
               </a:tr>
@@ -6582,7 +6582,7 @@
                 </a:tc>
                 <a:extLst>
                   <a:ext uri="{0D108BD9-81ED-4DB2-BD59-A6C34878D82A}">
-                    <a16:rowId xmlns="" xmlns:a16="http://schemas.microsoft.com/office/drawing/2014/main" val="10005"/>
+                    <a16:rowId xmlns:a16="http://schemas.microsoft.com/office/drawing/2014/main" xmlns="" val="10005"/>
                   </a:ext>
                 </a:extLst>
               </a:tr>
@@ -9110,42 +9110,42 @@
                 <a:gridCol w="1024621">
                   <a:extLst>
                     <a:ext uri="{9D8B030D-6E8A-4147-A177-3AD203B41FA5}">
-                      <a16:colId xmlns="" xmlns:a16="http://schemas.microsoft.com/office/drawing/2014/main" val="20000"/>
+                      <a16:colId xmlns:a16="http://schemas.microsoft.com/office/drawing/2014/main" xmlns="" val="20000"/>
                     </a:ext>
                   </a:extLst>
                 </a:gridCol>
                 <a:gridCol w="1232949">
                   <a:extLst>
                     <a:ext uri="{9D8B030D-6E8A-4147-A177-3AD203B41FA5}">
-                      <a16:colId xmlns="" xmlns:a16="http://schemas.microsoft.com/office/drawing/2014/main" val="20001"/>
+                      <a16:colId xmlns:a16="http://schemas.microsoft.com/office/drawing/2014/main" xmlns="" val="20001"/>
                     </a:ext>
                   </a:extLst>
                 </a:gridCol>
                 <a:gridCol w="1069375">
                   <a:extLst>
                     <a:ext uri="{9D8B030D-6E8A-4147-A177-3AD203B41FA5}">
-                      <a16:colId xmlns="" xmlns:a16="http://schemas.microsoft.com/office/drawing/2014/main" val="20002"/>
+                      <a16:colId xmlns:a16="http://schemas.microsoft.com/office/drawing/2014/main" xmlns="" val="20002"/>
                     </a:ext>
                   </a:extLst>
                 </a:gridCol>
                 <a:gridCol w="765014">
                   <a:extLst>
                     <a:ext uri="{9D8B030D-6E8A-4147-A177-3AD203B41FA5}">
-                      <a16:colId xmlns="" xmlns:a16="http://schemas.microsoft.com/office/drawing/2014/main" val="20003"/>
+                      <a16:colId xmlns:a16="http://schemas.microsoft.com/office/drawing/2014/main" xmlns="" val="20003"/>
                     </a:ext>
                   </a:extLst>
                 </a:gridCol>
                 <a:gridCol w="847274">
                   <a:extLst>
                     <a:ext uri="{9D8B030D-6E8A-4147-A177-3AD203B41FA5}">
-                      <a16:colId xmlns="" xmlns:a16="http://schemas.microsoft.com/office/drawing/2014/main" val="20004"/>
+                      <a16:colId xmlns:a16="http://schemas.microsoft.com/office/drawing/2014/main" xmlns="" val="20004"/>
                     </a:ext>
                   </a:extLst>
                 </a:gridCol>
                 <a:gridCol w="987114">
                   <a:extLst>
                     <a:ext uri="{9D8B030D-6E8A-4147-A177-3AD203B41FA5}">
-                      <a16:colId xmlns="" xmlns:a16="http://schemas.microsoft.com/office/drawing/2014/main" val="20005"/>
+                      <a16:colId xmlns:a16="http://schemas.microsoft.com/office/drawing/2014/main" xmlns="" val="20005"/>
                     </a:ext>
                   </a:extLst>
                 </a:gridCol>
@@ -9237,7 +9237,7 @@
                 </a:tc>
                 <a:extLst>
                   <a:ext uri="{0D108BD9-81ED-4DB2-BD59-A6C34878D82A}">
-                    <a16:rowId xmlns="" xmlns:a16="http://schemas.microsoft.com/office/drawing/2014/main" val="10000"/>
+                    <a16:rowId xmlns:a16="http://schemas.microsoft.com/office/drawing/2014/main" xmlns="" val="10000"/>
                   </a:ext>
                 </a:extLst>
               </a:tr>
@@ -9334,7 +9334,7 @@
                 </a:tc>
                 <a:extLst>
                   <a:ext uri="{0D108BD9-81ED-4DB2-BD59-A6C34878D82A}">
-                    <a16:rowId xmlns="" xmlns:a16="http://schemas.microsoft.com/office/drawing/2014/main" val="10001"/>
+                    <a16:rowId xmlns:a16="http://schemas.microsoft.com/office/drawing/2014/main" xmlns="" val="10001"/>
                   </a:ext>
                 </a:extLst>
               </a:tr>
@@ -9502,7 +9502,7 @@
                 </a:tc>
                 <a:extLst>
                   <a:ext uri="{0D108BD9-81ED-4DB2-BD59-A6C34878D82A}">
-                    <a16:rowId xmlns="" xmlns:a16="http://schemas.microsoft.com/office/drawing/2014/main" val="10002"/>
+                    <a16:rowId xmlns:a16="http://schemas.microsoft.com/office/drawing/2014/main" xmlns="" val="10002"/>
                   </a:ext>
                 </a:extLst>
               </a:tr>
@@ -9643,7 +9643,7 @@
                 </a:tc>
                 <a:extLst>
                   <a:ext uri="{0D108BD9-81ED-4DB2-BD59-A6C34878D82A}">
-                    <a16:rowId xmlns="" xmlns:a16="http://schemas.microsoft.com/office/drawing/2014/main" val="10003"/>
+                    <a16:rowId xmlns:a16="http://schemas.microsoft.com/office/drawing/2014/main" xmlns="" val="10003"/>
                   </a:ext>
                 </a:extLst>
               </a:tr>
@@ -9798,7 +9798,7 @@
                 </a:tc>
                 <a:extLst>
                   <a:ext uri="{0D108BD9-81ED-4DB2-BD59-A6C34878D82A}">
-                    <a16:rowId xmlns="" xmlns:a16="http://schemas.microsoft.com/office/drawing/2014/main" val="10004"/>
+                    <a16:rowId xmlns:a16="http://schemas.microsoft.com/office/drawing/2014/main" xmlns="" val="10004"/>
                   </a:ext>
                 </a:extLst>
               </a:tr>
@@ -9939,7 +9939,7 @@
                 </a:tc>
                 <a:extLst>
                   <a:ext uri="{0D108BD9-81ED-4DB2-BD59-A6C34878D82A}">
-                    <a16:rowId xmlns="" xmlns:a16="http://schemas.microsoft.com/office/drawing/2014/main" val="10005"/>
+                    <a16:rowId xmlns:a16="http://schemas.microsoft.com/office/drawing/2014/main" xmlns="" val="10005"/>
                   </a:ext>
                 </a:extLst>
               </a:tr>
@@ -10030,42 +10030,42 @@
                 <a:gridCol w="1031399">
                   <a:extLst>
                     <a:ext uri="{9D8B030D-6E8A-4147-A177-3AD203B41FA5}">
-                      <a16:colId xmlns="" xmlns:a16="http://schemas.microsoft.com/office/drawing/2014/main" val="20000"/>
+                      <a16:colId xmlns:a16="http://schemas.microsoft.com/office/drawing/2014/main" xmlns="" val="20000"/>
                     </a:ext>
                   </a:extLst>
                 </a:gridCol>
                 <a:gridCol w="1092058">
                   <a:extLst>
                     <a:ext uri="{9D8B030D-6E8A-4147-A177-3AD203B41FA5}">
-                      <a16:colId xmlns="" xmlns:a16="http://schemas.microsoft.com/office/drawing/2014/main" val="20001"/>
+                      <a16:colId xmlns:a16="http://schemas.microsoft.com/office/drawing/2014/main" xmlns="" val="20001"/>
                     </a:ext>
                   </a:extLst>
                 </a:gridCol>
                 <a:gridCol w="1043327">
                   <a:extLst>
                     <a:ext uri="{9D8B030D-6E8A-4147-A177-3AD203B41FA5}">
-                      <a16:colId xmlns="" xmlns:a16="http://schemas.microsoft.com/office/drawing/2014/main" val="20002"/>
+                      <a16:colId xmlns:a16="http://schemas.microsoft.com/office/drawing/2014/main" xmlns="" val="20002"/>
                     </a:ext>
                   </a:extLst>
                 </a:gridCol>
                 <a:gridCol w="852879">
                   <a:extLst>
                     <a:ext uri="{9D8B030D-6E8A-4147-A177-3AD203B41FA5}">
-                      <a16:colId xmlns="" xmlns:a16="http://schemas.microsoft.com/office/drawing/2014/main" val="20003"/>
+                      <a16:colId xmlns:a16="http://schemas.microsoft.com/office/drawing/2014/main" xmlns="" val="20003"/>
                     </a:ext>
                   </a:extLst>
                 </a:gridCol>
                 <a:gridCol w="778356">
                   <a:extLst>
                     <a:ext uri="{9D8B030D-6E8A-4147-A177-3AD203B41FA5}">
-                      <a16:colId xmlns="" xmlns:a16="http://schemas.microsoft.com/office/drawing/2014/main" val="20004"/>
+                      <a16:colId xmlns:a16="http://schemas.microsoft.com/office/drawing/2014/main" xmlns="" val="20004"/>
                     </a:ext>
                   </a:extLst>
                 </a:gridCol>
                 <a:gridCol w="1073572">
                   <a:extLst>
                     <a:ext uri="{9D8B030D-6E8A-4147-A177-3AD203B41FA5}">
-                      <a16:colId xmlns="" xmlns:a16="http://schemas.microsoft.com/office/drawing/2014/main" val="20005"/>
+                      <a16:colId xmlns:a16="http://schemas.microsoft.com/office/drawing/2014/main" xmlns="" val="20005"/>
                     </a:ext>
                   </a:extLst>
                 </a:gridCol>
@@ -10157,7 +10157,7 @@
                 </a:tc>
                 <a:extLst>
                   <a:ext uri="{0D108BD9-81ED-4DB2-BD59-A6C34878D82A}">
-                    <a16:rowId xmlns="" xmlns:a16="http://schemas.microsoft.com/office/drawing/2014/main" val="10000"/>
+                    <a16:rowId xmlns:a16="http://schemas.microsoft.com/office/drawing/2014/main" xmlns="" val="10000"/>
                   </a:ext>
                 </a:extLst>
               </a:tr>
@@ -10256,7 +10256,7 @@
                 </a:tc>
                 <a:extLst>
                   <a:ext uri="{0D108BD9-81ED-4DB2-BD59-A6C34878D82A}">
-                    <a16:rowId xmlns="" xmlns:a16="http://schemas.microsoft.com/office/drawing/2014/main" val="10001"/>
+                    <a16:rowId xmlns:a16="http://schemas.microsoft.com/office/drawing/2014/main" xmlns="" val="10001"/>
                   </a:ext>
                 </a:extLst>
               </a:tr>
@@ -10416,7 +10416,7 @@
                 </a:tc>
                 <a:extLst>
                   <a:ext uri="{0D108BD9-81ED-4DB2-BD59-A6C34878D82A}">
-                    <a16:rowId xmlns="" xmlns:a16="http://schemas.microsoft.com/office/drawing/2014/main" val="10002"/>
+                    <a16:rowId xmlns:a16="http://schemas.microsoft.com/office/drawing/2014/main" xmlns="" val="10002"/>
                   </a:ext>
                 </a:extLst>
               </a:tr>
@@ -10557,7 +10557,7 @@
                 </a:tc>
                 <a:extLst>
                   <a:ext uri="{0D108BD9-81ED-4DB2-BD59-A6C34878D82A}">
-                    <a16:rowId xmlns="" xmlns:a16="http://schemas.microsoft.com/office/drawing/2014/main" val="10003"/>
+                    <a16:rowId xmlns:a16="http://schemas.microsoft.com/office/drawing/2014/main" xmlns="" val="10003"/>
                   </a:ext>
                 </a:extLst>
               </a:tr>
@@ -10698,7 +10698,7 @@
                 </a:tc>
                 <a:extLst>
                   <a:ext uri="{0D108BD9-81ED-4DB2-BD59-A6C34878D82A}">
-                    <a16:rowId xmlns="" xmlns:a16="http://schemas.microsoft.com/office/drawing/2014/main" val="10004"/>
+                    <a16:rowId xmlns:a16="http://schemas.microsoft.com/office/drawing/2014/main" xmlns="" val="10004"/>
                   </a:ext>
                 </a:extLst>
               </a:tr>
@@ -10799,7 +10799,7 @@
                 </a:tc>
                 <a:extLst>
                   <a:ext uri="{0D108BD9-81ED-4DB2-BD59-A6C34878D82A}">
-                    <a16:rowId xmlns="" xmlns:a16="http://schemas.microsoft.com/office/drawing/2014/main" val="10005"/>
+                    <a16:rowId xmlns:a16="http://schemas.microsoft.com/office/drawing/2014/main" xmlns="" val="10005"/>
                   </a:ext>
                 </a:extLst>
               </a:tr>
@@ -10890,42 +10890,42 @@
                 <a:gridCol w="1074501">
                   <a:extLst>
                     <a:ext uri="{9D8B030D-6E8A-4147-A177-3AD203B41FA5}">
-                      <a16:colId xmlns="" xmlns:a16="http://schemas.microsoft.com/office/drawing/2014/main" val="20000"/>
+                      <a16:colId xmlns:a16="http://schemas.microsoft.com/office/drawing/2014/main" xmlns="" val="20000"/>
                     </a:ext>
                   </a:extLst>
                 </a:gridCol>
                 <a:gridCol w="1361982">
                   <a:extLst>
                     <a:ext uri="{9D8B030D-6E8A-4147-A177-3AD203B41FA5}">
-                      <a16:colId xmlns="" xmlns:a16="http://schemas.microsoft.com/office/drawing/2014/main" val="20001"/>
+                      <a16:colId xmlns:a16="http://schemas.microsoft.com/office/drawing/2014/main" xmlns="" val="20001"/>
                     </a:ext>
                   </a:extLst>
                 </a:gridCol>
                 <a:gridCol w="1069675">
                   <a:extLst>
                     <a:ext uri="{9D8B030D-6E8A-4147-A177-3AD203B41FA5}">
-                      <a16:colId xmlns="" xmlns:a16="http://schemas.microsoft.com/office/drawing/2014/main" val="20002"/>
+                      <a16:colId xmlns:a16="http://schemas.microsoft.com/office/drawing/2014/main" xmlns="" val="20002"/>
                     </a:ext>
                   </a:extLst>
                 </a:gridCol>
                 <a:gridCol w="776378">
                   <a:extLst>
                     <a:ext uri="{9D8B030D-6E8A-4147-A177-3AD203B41FA5}">
-                      <a16:colId xmlns="" xmlns:a16="http://schemas.microsoft.com/office/drawing/2014/main" val="20003"/>
+                      <a16:colId xmlns:a16="http://schemas.microsoft.com/office/drawing/2014/main" xmlns="" val="20003"/>
                     </a:ext>
                   </a:extLst>
                 </a:gridCol>
                 <a:gridCol w="785004">
                   <a:extLst>
                     <a:ext uri="{9D8B030D-6E8A-4147-A177-3AD203B41FA5}">
-                      <a16:colId xmlns="" xmlns:a16="http://schemas.microsoft.com/office/drawing/2014/main" val="20004"/>
+                      <a16:colId xmlns:a16="http://schemas.microsoft.com/office/drawing/2014/main" xmlns="" val="20004"/>
                     </a:ext>
                   </a:extLst>
                 </a:gridCol>
                 <a:gridCol w="1049424">
                   <a:extLst>
                     <a:ext uri="{9D8B030D-6E8A-4147-A177-3AD203B41FA5}">
-                      <a16:colId xmlns="" xmlns:a16="http://schemas.microsoft.com/office/drawing/2014/main" val="20005"/>
+                      <a16:colId xmlns:a16="http://schemas.microsoft.com/office/drawing/2014/main" xmlns="" val="20005"/>
                     </a:ext>
                   </a:extLst>
                 </a:gridCol>
@@ -11017,7 +11017,7 @@
                 </a:tc>
                 <a:extLst>
                   <a:ext uri="{0D108BD9-81ED-4DB2-BD59-A6C34878D82A}">
-                    <a16:rowId xmlns="" xmlns:a16="http://schemas.microsoft.com/office/drawing/2014/main" val="10000"/>
+                    <a16:rowId xmlns:a16="http://schemas.microsoft.com/office/drawing/2014/main" xmlns="" val="10000"/>
                   </a:ext>
                 </a:extLst>
               </a:tr>
@@ -11116,7 +11116,7 @@
                 </a:tc>
                 <a:extLst>
                   <a:ext uri="{0D108BD9-81ED-4DB2-BD59-A6C34878D82A}">
-                    <a16:rowId xmlns="" xmlns:a16="http://schemas.microsoft.com/office/drawing/2014/main" val="10001"/>
+                    <a16:rowId xmlns:a16="http://schemas.microsoft.com/office/drawing/2014/main" xmlns="" val="10001"/>
                   </a:ext>
                 </a:extLst>
               </a:tr>
@@ -11272,7 +11272,7 @@
                 </a:tc>
                 <a:extLst>
                   <a:ext uri="{0D108BD9-81ED-4DB2-BD59-A6C34878D82A}">
-                    <a16:rowId xmlns="" xmlns:a16="http://schemas.microsoft.com/office/drawing/2014/main" val="10002"/>
+                    <a16:rowId xmlns:a16="http://schemas.microsoft.com/office/drawing/2014/main" xmlns="" val="10002"/>
                   </a:ext>
                 </a:extLst>
               </a:tr>
@@ -11413,7 +11413,7 @@
                 </a:tc>
                 <a:extLst>
                   <a:ext uri="{0D108BD9-81ED-4DB2-BD59-A6C34878D82A}">
-                    <a16:rowId xmlns="" xmlns:a16="http://schemas.microsoft.com/office/drawing/2014/main" val="10003"/>
+                    <a16:rowId xmlns:a16="http://schemas.microsoft.com/office/drawing/2014/main" xmlns="" val="10003"/>
                   </a:ext>
                 </a:extLst>
               </a:tr>
@@ -11552,7 +11552,7 @@
                 </a:tc>
                 <a:extLst>
                   <a:ext uri="{0D108BD9-81ED-4DB2-BD59-A6C34878D82A}">
-                    <a16:rowId xmlns="" xmlns:a16="http://schemas.microsoft.com/office/drawing/2014/main" val="10004"/>
+                    <a16:rowId xmlns:a16="http://schemas.microsoft.com/office/drawing/2014/main" xmlns="" val="10004"/>
                   </a:ext>
                 </a:extLst>
               </a:tr>
@@ -11651,7 +11651,7 @@
                 </a:tc>
                 <a:extLst>
                   <a:ext uri="{0D108BD9-81ED-4DB2-BD59-A6C34878D82A}">
-                    <a16:rowId xmlns="" xmlns:a16="http://schemas.microsoft.com/office/drawing/2014/main" val="10005"/>
+                    <a16:rowId xmlns:a16="http://schemas.microsoft.com/office/drawing/2014/main" xmlns="" val="10005"/>
                   </a:ext>
                 </a:extLst>
               </a:tr>
@@ -11742,42 +11742,42 @@
                 <a:gridCol w="1074501">
                   <a:extLst>
                     <a:ext uri="{9D8B030D-6E8A-4147-A177-3AD203B41FA5}">
-                      <a16:colId xmlns="" xmlns:a16="http://schemas.microsoft.com/office/drawing/2014/main" val="20000"/>
+                      <a16:colId xmlns:a16="http://schemas.microsoft.com/office/drawing/2014/main" xmlns="" val="20000"/>
                     </a:ext>
                   </a:extLst>
                 </a:gridCol>
                 <a:gridCol w="1094563">
                   <a:extLst>
                     <a:ext uri="{9D8B030D-6E8A-4147-A177-3AD203B41FA5}">
-                      <a16:colId xmlns="" xmlns:a16="http://schemas.microsoft.com/office/drawing/2014/main" val="20001"/>
+                      <a16:colId xmlns:a16="http://schemas.microsoft.com/office/drawing/2014/main" xmlns="" val="20001"/>
                     </a:ext>
                   </a:extLst>
                 </a:gridCol>
                 <a:gridCol w="1112808">
                   <a:extLst>
                     <a:ext uri="{9D8B030D-6E8A-4147-A177-3AD203B41FA5}">
-                      <a16:colId xmlns="" xmlns:a16="http://schemas.microsoft.com/office/drawing/2014/main" val="20002"/>
+                      <a16:colId xmlns:a16="http://schemas.microsoft.com/office/drawing/2014/main" xmlns="" val="20002"/>
                     </a:ext>
                   </a:extLst>
                 </a:gridCol>
                 <a:gridCol w="755968">
                   <a:extLst>
                     <a:ext uri="{9D8B030D-6E8A-4147-A177-3AD203B41FA5}">
-                      <a16:colId xmlns="" xmlns:a16="http://schemas.microsoft.com/office/drawing/2014/main" val="20003"/>
+                      <a16:colId xmlns:a16="http://schemas.microsoft.com/office/drawing/2014/main" xmlns="" val="20003"/>
                     </a:ext>
                   </a:extLst>
                 </a:gridCol>
                 <a:gridCol w="909275">
                   <a:extLst>
                     <a:ext uri="{9D8B030D-6E8A-4147-A177-3AD203B41FA5}">
-                      <a16:colId xmlns="" xmlns:a16="http://schemas.microsoft.com/office/drawing/2014/main" val="20004"/>
+                      <a16:colId xmlns:a16="http://schemas.microsoft.com/office/drawing/2014/main" xmlns="" val="20004"/>
                     </a:ext>
                   </a:extLst>
                 </a:gridCol>
                 <a:gridCol w="1226019">
                   <a:extLst>
                     <a:ext uri="{9D8B030D-6E8A-4147-A177-3AD203B41FA5}">
-                      <a16:colId xmlns="" xmlns:a16="http://schemas.microsoft.com/office/drawing/2014/main" val="20005"/>
+                      <a16:colId xmlns:a16="http://schemas.microsoft.com/office/drawing/2014/main" xmlns="" val="20005"/>
                     </a:ext>
                   </a:extLst>
                 </a:gridCol>
@@ -11869,7 +11869,7 @@
                 </a:tc>
                 <a:extLst>
                   <a:ext uri="{0D108BD9-81ED-4DB2-BD59-A6C34878D82A}">
-                    <a16:rowId xmlns="" xmlns:a16="http://schemas.microsoft.com/office/drawing/2014/main" val="10000"/>
+                    <a16:rowId xmlns:a16="http://schemas.microsoft.com/office/drawing/2014/main" xmlns="" val="10000"/>
                   </a:ext>
                 </a:extLst>
               </a:tr>
@@ -11968,7 +11968,7 @@
                 </a:tc>
                 <a:extLst>
                   <a:ext uri="{0D108BD9-81ED-4DB2-BD59-A6C34878D82A}">
-                    <a16:rowId xmlns="" xmlns:a16="http://schemas.microsoft.com/office/drawing/2014/main" val="10001"/>
+                    <a16:rowId xmlns:a16="http://schemas.microsoft.com/office/drawing/2014/main" xmlns="" val="10001"/>
                   </a:ext>
                 </a:extLst>
               </a:tr>
@@ -12126,7 +12126,7 @@
                 </a:tc>
                 <a:extLst>
                   <a:ext uri="{0D108BD9-81ED-4DB2-BD59-A6C34878D82A}">
-                    <a16:rowId xmlns="" xmlns:a16="http://schemas.microsoft.com/office/drawing/2014/main" val="10002"/>
+                    <a16:rowId xmlns:a16="http://schemas.microsoft.com/office/drawing/2014/main" xmlns="" val="10002"/>
                   </a:ext>
                 </a:extLst>
               </a:tr>
@@ -12286,7 +12286,7 @@
                 </a:tc>
                 <a:extLst>
                   <a:ext uri="{0D108BD9-81ED-4DB2-BD59-A6C34878D82A}">
-                    <a16:rowId xmlns="" xmlns:a16="http://schemas.microsoft.com/office/drawing/2014/main" val="10003"/>
+                    <a16:rowId xmlns:a16="http://schemas.microsoft.com/office/drawing/2014/main" xmlns="" val="10003"/>
                   </a:ext>
                 </a:extLst>
               </a:tr>
@@ -12427,7 +12427,7 @@
                 </a:tc>
                 <a:extLst>
                   <a:ext uri="{0D108BD9-81ED-4DB2-BD59-A6C34878D82A}">
-                    <a16:rowId xmlns="" xmlns:a16="http://schemas.microsoft.com/office/drawing/2014/main" val="10004"/>
+                    <a16:rowId xmlns:a16="http://schemas.microsoft.com/office/drawing/2014/main" xmlns="" val="10004"/>
                   </a:ext>
                 </a:extLst>
               </a:tr>
@@ -12540,7 +12540,7 @@
                 </a:tc>
                 <a:extLst>
                   <a:ext uri="{0D108BD9-81ED-4DB2-BD59-A6C34878D82A}">
-                    <a16:rowId xmlns="" xmlns:a16="http://schemas.microsoft.com/office/drawing/2014/main" val="10005"/>
+                    <a16:rowId xmlns:a16="http://schemas.microsoft.com/office/drawing/2014/main" xmlns="" val="10005"/>
                   </a:ext>
                 </a:extLst>
               </a:tr>
@@ -12631,42 +12631,42 @@
                 <a:gridCol w="1108522">
                   <a:extLst>
                     <a:ext uri="{9D8B030D-6E8A-4147-A177-3AD203B41FA5}">
-                      <a16:colId xmlns="" xmlns:a16="http://schemas.microsoft.com/office/drawing/2014/main" val="20000"/>
+                      <a16:colId xmlns:a16="http://schemas.microsoft.com/office/drawing/2014/main" xmlns="" val="20000"/>
                     </a:ext>
                   </a:extLst>
                 </a:gridCol>
                 <a:gridCol w="1129219">
                   <a:extLst>
                     <a:ext uri="{9D8B030D-6E8A-4147-A177-3AD203B41FA5}">
-                      <a16:colId xmlns="" xmlns:a16="http://schemas.microsoft.com/office/drawing/2014/main" val="20001"/>
+                      <a16:colId xmlns:a16="http://schemas.microsoft.com/office/drawing/2014/main" xmlns="" val="20001"/>
                     </a:ext>
                   </a:extLst>
                 </a:gridCol>
                 <a:gridCol w="1148042">
                   <a:extLst>
                     <a:ext uri="{9D8B030D-6E8A-4147-A177-3AD203B41FA5}">
-                      <a16:colId xmlns="" xmlns:a16="http://schemas.microsoft.com/office/drawing/2014/main" val="20002"/>
+                      <a16:colId xmlns:a16="http://schemas.microsoft.com/office/drawing/2014/main" xmlns="" val="20002"/>
                     </a:ext>
                   </a:extLst>
                 </a:gridCol>
                 <a:gridCol w="802761">
                   <a:extLst>
                     <a:ext uri="{9D8B030D-6E8A-4147-A177-3AD203B41FA5}">
-                      <a16:colId xmlns="" xmlns:a16="http://schemas.microsoft.com/office/drawing/2014/main" val="20003"/>
+                      <a16:colId xmlns:a16="http://schemas.microsoft.com/office/drawing/2014/main" xmlns="" val="20003"/>
                     </a:ext>
                   </a:extLst>
                 </a:gridCol>
                 <a:gridCol w="857259">
                   <a:extLst>
                     <a:ext uri="{9D8B030D-6E8A-4147-A177-3AD203B41FA5}">
-                      <a16:colId xmlns="" xmlns:a16="http://schemas.microsoft.com/office/drawing/2014/main" val="20004"/>
+                      <a16:colId xmlns:a16="http://schemas.microsoft.com/office/drawing/2014/main" xmlns="" val="20004"/>
                     </a:ext>
                   </a:extLst>
                 </a:gridCol>
                 <a:gridCol w="1264838">
                   <a:extLst>
                     <a:ext uri="{9D8B030D-6E8A-4147-A177-3AD203B41FA5}">
-                      <a16:colId xmlns="" xmlns:a16="http://schemas.microsoft.com/office/drawing/2014/main" val="20005"/>
+                      <a16:colId xmlns:a16="http://schemas.microsoft.com/office/drawing/2014/main" xmlns="" val="20005"/>
                     </a:ext>
                   </a:extLst>
                 </a:gridCol>
@@ -12758,7 +12758,7 @@
                 </a:tc>
                 <a:extLst>
                   <a:ext uri="{0D108BD9-81ED-4DB2-BD59-A6C34878D82A}">
-                    <a16:rowId xmlns="" xmlns:a16="http://schemas.microsoft.com/office/drawing/2014/main" val="10000"/>
+                    <a16:rowId xmlns:a16="http://schemas.microsoft.com/office/drawing/2014/main" xmlns="" val="10000"/>
                   </a:ext>
                 </a:extLst>
               </a:tr>
@@ -12899,7 +12899,7 @@
                 </a:tc>
                 <a:extLst>
                   <a:ext uri="{0D108BD9-81ED-4DB2-BD59-A6C34878D82A}">
-                    <a16:rowId xmlns="" xmlns:a16="http://schemas.microsoft.com/office/drawing/2014/main" val="10001"/>
+                    <a16:rowId xmlns:a16="http://schemas.microsoft.com/office/drawing/2014/main" xmlns="" val="10001"/>
                   </a:ext>
                 </a:extLst>
               </a:tr>
@@ -13057,7 +13057,7 @@
                 </a:tc>
                 <a:extLst>
                   <a:ext uri="{0D108BD9-81ED-4DB2-BD59-A6C34878D82A}">
-                    <a16:rowId xmlns="" xmlns:a16="http://schemas.microsoft.com/office/drawing/2014/main" val="10002"/>
+                    <a16:rowId xmlns:a16="http://schemas.microsoft.com/office/drawing/2014/main" xmlns="" val="10002"/>
                   </a:ext>
                 </a:extLst>
               </a:tr>
@@ -13198,7 +13198,7 @@
                 </a:tc>
                 <a:extLst>
                   <a:ext uri="{0D108BD9-81ED-4DB2-BD59-A6C34878D82A}">
-                    <a16:rowId xmlns="" xmlns:a16="http://schemas.microsoft.com/office/drawing/2014/main" val="10003"/>
+                    <a16:rowId xmlns:a16="http://schemas.microsoft.com/office/drawing/2014/main" xmlns="" val="10003"/>
                   </a:ext>
                 </a:extLst>
               </a:tr>
@@ -13373,7 +13373,7 @@
                 </a:tc>
                 <a:extLst>
                   <a:ext uri="{0D108BD9-81ED-4DB2-BD59-A6C34878D82A}">
-                    <a16:rowId xmlns="" xmlns:a16="http://schemas.microsoft.com/office/drawing/2014/main" val="10004"/>
+                    <a16:rowId xmlns:a16="http://schemas.microsoft.com/office/drawing/2014/main" xmlns="" val="10004"/>
                   </a:ext>
                 </a:extLst>
               </a:tr>
@@ -13514,7 +13514,7 @@
                 </a:tc>
                 <a:extLst>
                   <a:ext uri="{0D108BD9-81ED-4DB2-BD59-A6C34878D82A}">
-                    <a16:rowId xmlns="" xmlns:a16="http://schemas.microsoft.com/office/drawing/2014/main" val="10005"/>
+                    <a16:rowId xmlns:a16="http://schemas.microsoft.com/office/drawing/2014/main" xmlns="" val="10005"/>
                   </a:ext>
                 </a:extLst>
               </a:tr>
@@ -13605,42 +13605,42 @@
                 <a:gridCol w="1074501">
                   <a:extLst>
                     <a:ext uri="{9D8B030D-6E8A-4147-A177-3AD203B41FA5}">
-                      <a16:colId xmlns="" xmlns:a16="http://schemas.microsoft.com/office/drawing/2014/main" val="20000"/>
+                      <a16:colId xmlns:a16="http://schemas.microsoft.com/office/drawing/2014/main" xmlns="" val="20000"/>
                     </a:ext>
                   </a:extLst>
                 </a:gridCol>
                 <a:gridCol w="1094563">
                   <a:extLst>
                     <a:ext uri="{9D8B030D-6E8A-4147-A177-3AD203B41FA5}">
-                      <a16:colId xmlns="" xmlns:a16="http://schemas.microsoft.com/office/drawing/2014/main" val="20001"/>
+                      <a16:colId xmlns:a16="http://schemas.microsoft.com/office/drawing/2014/main" xmlns="" val="20001"/>
                     </a:ext>
                   </a:extLst>
                 </a:gridCol>
                 <a:gridCol w="1112808">
                   <a:extLst>
                     <a:ext uri="{9D8B030D-6E8A-4147-A177-3AD203B41FA5}">
-                      <a16:colId xmlns="" xmlns:a16="http://schemas.microsoft.com/office/drawing/2014/main" val="20002"/>
+                      <a16:colId xmlns:a16="http://schemas.microsoft.com/office/drawing/2014/main" xmlns="" val="20002"/>
                     </a:ext>
                   </a:extLst>
                 </a:gridCol>
                 <a:gridCol w="785901">
                   <a:extLst>
                     <a:ext uri="{9D8B030D-6E8A-4147-A177-3AD203B41FA5}">
-                      <a16:colId xmlns="" xmlns:a16="http://schemas.microsoft.com/office/drawing/2014/main" val="20003"/>
+                      <a16:colId xmlns:a16="http://schemas.microsoft.com/office/drawing/2014/main" xmlns="" val="20003"/>
                     </a:ext>
                   </a:extLst>
                 </a:gridCol>
                 <a:gridCol w="823172">
                   <a:extLst>
                     <a:ext uri="{9D8B030D-6E8A-4147-A177-3AD203B41FA5}">
-                      <a16:colId xmlns="" xmlns:a16="http://schemas.microsoft.com/office/drawing/2014/main" val="20004"/>
+                      <a16:colId xmlns:a16="http://schemas.microsoft.com/office/drawing/2014/main" xmlns="" val="20004"/>
                     </a:ext>
                   </a:extLst>
                 </a:gridCol>
                 <a:gridCol w="1226019">
                   <a:extLst>
                     <a:ext uri="{9D8B030D-6E8A-4147-A177-3AD203B41FA5}">
-                      <a16:colId xmlns="" xmlns:a16="http://schemas.microsoft.com/office/drawing/2014/main" val="20005"/>
+                      <a16:colId xmlns:a16="http://schemas.microsoft.com/office/drawing/2014/main" xmlns="" val="20005"/>
                     </a:ext>
                   </a:extLst>
                 </a:gridCol>
@@ -13732,7 +13732,7 @@
                 </a:tc>
                 <a:extLst>
                   <a:ext uri="{0D108BD9-81ED-4DB2-BD59-A6C34878D82A}">
-                    <a16:rowId xmlns="" xmlns:a16="http://schemas.microsoft.com/office/drawing/2014/main" val="10000"/>
+                    <a16:rowId xmlns:a16="http://schemas.microsoft.com/office/drawing/2014/main" xmlns="" val="10000"/>
                   </a:ext>
                 </a:extLst>
               </a:tr>
@@ -13873,7 +13873,7 @@
                 </a:tc>
                 <a:extLst>
                   <a:ext uri="{0D108BD9-81ED-4DB2-BD59-A6C34878D82A}">
-                    <a16:rowId xmlns="" xmlns:a16="http://schemas.microsoft.com/office/drawing/2014/main" val="10001"/>
+                    <a16:rowId xmlns:a16="http://schemas.microsoft.com/office/drawing/2014/main" xmlns="" val="10001"/>
                   </a:ext>
                 </a:extLst>
               </a:tr>
@@ -14029,7 +14029,7 @@
                 </a:tc>
                 <a:extLst>
                   <a:ext uri="{0D108BD9-81ED-4DB2-BD59-A6C34878D82A}">
-                    <a16:rowId xmlns="" xmlns:a16="http://schemas.microsoft.com/office/drawing/2014/main" val="10002"/>
+                    <a16:rowId xmlns:a16="http://schemas.microsoft.com/office/drawing/2014/main" xmlns="" val="10002"/>
                   </a:ext>
                 </a:extLst>
               </a:tr>
@@ -14168,7 +14168,7 @@
                 </a:tc>
                 <a:extLst>
                   <a:ext uri="{0D108BD9-81ED-4DB2-BD59-A6C34878D82A}">
-                    <a16:rowId xmlns="" xmlns:a16="http://schemas.microsoft.com/office/drawing/2014/main" val="10003"/>
+                    <a16:rowId xmlns:a16="http://schemas.microsoft.com/office/drawing/2014/main" xmlns="" val="10003"/>
                   </a:ext>
                 </a:extLst>
               </a:tr>
@@ -14324,7 +14324,7 @@
                 </a:tc>
                 <a:extLst>
                   <a:ext uri="{0D108BD9-81ED-4DB2-BD59-A6C34878D82A}">
-                    <a16:rowId xmlns="" xmlns:a16="http://schemas.microsoft.com/office/drawing/2014/main" val="10004"/>
+                    <a16:rowId xmlns:a16="http://schemas.microsoft.com/office/drawing/2014/main" xmlns="" val="10004"/>
                   </a:ext>
                 </a:extLst>
               </a:tr>
@@ -14467,7 +14467,7 @@
                 </a:tc>
                 <a:extLst>
                   <a:ext uri="{0D108BD9-81ED-4DB2-BD59-A6C34878D82A}">
-                    <a16:rowId xmlns="" xmlns:a16="http://schemas.microsoft.com/office/drawing/2014/main" val="10005"/>
+                    <a16:rowId xmlns:a16="http://schemas.microsoft.com/office/drawing/2014/main" xmlns="" val="10005"/>
                   </a:ext>
                 </a:extLst>
               </a:tr>
@@ -14650,42 +14650,42 @@
                 <a:gridCol w="1074501">
                   <a:extLst>
                     <a:ext uri="{9D8B030D-6E8A-4147-A177-3AD203B41FA5}">
-                      <a16:colId xmlns="" xmlns:a16="http://schemas.microsoft.com/office/drawing/2014/main" val="20000"/>
+                      <a16:colId xmlns:a16="http://schemas.microsoft.com/office/drawing/2014/main" xmlns="" val="20000"/>
                     </a:ext>
                   </a:extLst>
                 </a:gridCol>
                 <a:gridCol w="1042804">
                   <a:extLst>
                     <a:ext uri="{9D8B030D-6E8A-4147-A177-3AD203B41FA5}">
-                      <a16:colId xmlns="" xmlns:a16="http://schemas.microsoft.com/office/drawing/2014/main" val="20001"/>
+                      <a16:colId xmlns:a16="http://schemas.microsoft.com/office/drawing/2014/main" xmlns="" val="20001"/>
                     </a:ext>
                   </a:extLst>
                 </a:gridCol>
                 <a:gridCol w="1086929">
                   <a:extLst>
                     <a:ext uri="{9D8B030D-6E8A-4147-A177-3AD203B41FA5}">
-                      <a16:colId xmlns="" xmlns:a16="http://schemas.microsoft.com/office/drawing/2014/main" val="20002"/>
+                      <a16:colId xmlns:a16="http://schemas.microsoft.com/office/drawing/2014/main" xmlns="" val="20002"/>
                     </a:ext>
                   </a:extLst>
                 </a:gridCol>
                 <a:gridCol w="777436">
                   <a:extLst>
                     <a:ext uri="{9D8B030D-6E8A-4147-A177-3AD203B41FA5}">
-                      <a16:colId xmlns="" xmlns:a16="http://schemas.microsoft.com/office/drawing/2014/main" val="20003"/>
+                      <a16:colId xmlns:a16="http://schemas.microsoft.com/office/drawing/2014/main" xmlns="" val="20003"/>
                     </a:ext>
                   </a:extLst>
                 </a:gridCol>
                 <a:gridCol w="909275">
                   <a:extLst>
                     <a:ext uri="{9D8B030D-6E8A-4147-A177-3AD203B41FA5}">
-                      <a16:colId xmlns="" xmlns:a16="http://schemas.microsoft.com/office/drawing/2014/main" val="20004"/>
+                      <a16:colId xmlns:a16="http://schemas.microsoft.com/office/drawing/2014/main" xmlns="" val="20004"/>
                     </a:ext>
                   </a:extLst>
                 </a:gridCol>
                 <a:gridCol w="1226019">
                   <a:extLst>
                     <a:ext uri="{9D8B030D-6E8A-4147-A177-3AD203B41FA5}">
-                      <a16:colId xmlns="" xmlns:a16="http://schemas.microsoft.com/office/drawing/2014/main" val="20005"/>
+                      <a16:colId xmlns:a16="http://schemas.microsoft.com/office/drawing/2014/main" xmlns="" val="20005"/>
                     </a:ext>
                   </a:extLst>
                 </a:gridCol>
@@ -14777,7 +14777,7 @@
                 </a:tc>
                 <a:extLst>
                   <a:ext uri="{0D108BD9-81ED-4DB2-BD59-A6C34878D82A}">
-                    <a16:rowId xmlns="" xmlns:a16="http://schemas.microsoft.com/office/drawing/2014/main" val="10000"/>
+                    <a16:rowId xmlns:a16="http://schemas.microsoft.com/office/drawing/2014/main" xmlns="" val="10000"/>
                   </a:ext>
                 </a:extLst>
               </a:tr>
@@ -14878,7 +14878,7 @@
                 </a:tc>
                 <a:extLst>
                   <a:ext uri="{0D108BD9-81ED-4DB2-BD59-A6C34878D82A}">
-                    <a16:rowId xmlns="" xmlns:a16="http://schemas.microsoft.com/office/drawing/2014/main" val="10001"/>
+                    <a16:rowId xmlns:a16="http://schemas.microsoft.com/office/drawing/2014/main" xmlns="" val="10001"/>
                   </a:ext>
                 </a:extLst>
               </a:tr>
@@ -15068,7 +15068,7 @@
                 </a:tc>
                 <a:extLst>
                   <a:ext uri="{0D108BD9-81ED-4DB2-BD59-A6C34878D82A}">
-                    <a16:rowId xmlns="" xmlns:a16="http://schemas.microsoft.com/office/drawing/2014/main" val="10002"/>
+                    <a16:rowId xmlns:a16="http://schemas.microsoft.com/office/drawing/2014/main" xmlns="" val="10002"/>
                   </a:ext>
                 </a:extLst>
               </a:tr>
@@ -15207,7 +15207,7 @@
                 </a:tc>
                 <a:extLst>
                   <a:ext uri="{0D108BD9-81ED-4DB2-BD59-A6C34878D82A}">
-                    <a16:rowId xmlns="" xmlns:a16="http://schemas.microsoft.com/office/drawing/2014/main" val="10003"/>
+                    <a16:rowId xmlns:a16="http://schemas.microsoft.com/office/drawing/2014/main" xmlns="" val="10003"/>
                   </a:ext>
                 </a:extLst>
               </a:tr>
@@ -15340,7 +15340,7 @@
                 </a:tc>
                 <a:extLst>
                   <a:ext uri="{0D108BD9-81ED-4DB2-BD59-A6C34878D82A}">
-                    <a16:rowId xmlns="" xmlns:a16="http://schemas.microsoft.com/office/drawing/2014/main" val="10004"/>
+                    <a16:rowId xmlns:a16="http://schemas.microsoft.com/office/drawing/2014/main" xmlns="" val="10004"/>
                   </a:ext>
                 </a:extLst>
               </a:tr>
@@ -15481,7 +15481,7 @@
                 </a:tc>
                 <a:extLst>
                   <a:ext uri="{0D108BD9-81ED-4DB2-BD59-A6C34878D82A}">
-                    <a16:rowId xmlns="" xmlns:a16="http://schemas.microsoft.com/office/drawing/2014/main" val="10005"/>
+                    <a16:rowId xmlns:a16="http://schemas.microsoft.com/office/drawing/2014/main" xmlns="" val="10005"/>
                   </a:ext>
                 </a:extLst>
               </a:tr>
@@ -15572,42 +15572,42 @@
                 <a:gridCol w="1074501">
                   <a:extLst>
                     <a:ext uri="{9D8B030D-6E8A-4147-A177-3AD203B41FA5}">
-                      <a16:colId xmlns="" xmlns:a16="http://schemas.microsoft.com/office/drawing/2014/main" val="20000"/>
+                      <a16:colId xmlns:a16="http://schemas.microsoft.com/office/drawing/2014/main" xmlns="" val="20000"/>
                     </a:ext>
                   </a:extLst>
                 </a:gridCol>
                 <a:gridCol w="1051431">
                   <a:extLst>
                     <a:ext uri="{9D8B030D-6E8A-4147-A177-3AD203B41FA5}">
-                      <a16:colId xmlns="" xmlns:a16="http://schemas.microsoft.com/office/drawing/2014/main" val="20001"/>
+                      <a16:colId xmlns:a16="http://schemas.microsoft.com/office/drawing/2014/main" xmlns="" val="20001"/>
                     </a:ext>
                   </a:extLst>
                 </a:gridCol>
                 <a:gridCol w="1104181">
                   <a:extLst>
                     <a:ext uri="{9D8B030D-6E8A-4147-A177-3AD203B41FA5}">
-                      <a16:colId xmlns="" xmlns:a16="http://schemas.microsoft.com/office/drawing/2014/main" val="20002"/>
+                      <a16:colId xmlns:a16="http://schemas.microsoft.com/office/drawing/2014/main" xmlns="" val="20002"/>
                     </a:ext>
                   </a:extLst>
                 </a:gridCol>
                 <a:gridCol w="751557">
                   <a:extLst>
                     <a:ext uri="{9D8B030D-6E8A-4147-A177-3AD203B41FA5}">
-                      <a16:colId xmlns="" xmlns:a16="http://schemas.microsoft.com/office/drawing/2014/main" val="20003"/>
+                      <a16:colId xmlns:a16="http://schemas.microsoft.com/office/drawing/2014/main" xmlns="" val="20003"/>
                     </a:ext>
                   </a:extLst>
                 </a:gridCol>
                 <a:gridCol w="909275">
                   <a:extLst>
                     <a:ext uri="{9D8B030D-6E8A-4147-A177-3AD203B41FA5}">
-                      <a16:colId xmlns="" xmlns:a16="http://schemas.microsoft.com/office/drawing/2014/main" val="20004"/>
+                      <a16:colId xmlns:a16="http://schemas.microsoft.com/office/drawing/2014/main" xmlns="" val="20004"/>
                     </a:ext>
                   </a:extLst>
                 </a:gridCol>
                 <a:gridCol w="1226019">
                   <a:extLst>
                     <a:ext uri="{9D8B030D-6E8A-4147-A177-3AD203B41FA5}">
-                      <a16:colId xmlns="" xmlns:a16="http://schemas.microsoft.com/office/drawing/2014/main" val="20005"/>
+                      <a16:colId xmlns:a16="http://schemas.microsoft.com/office/drawing/2014/main" xmlns="" val="20005"/>
                     </a:ext>
                   </a:extLst>
                 </a:gridCol>
@@ -15699,7 +15699,7 @@
                 </a:tc>
                 <a:extLst>
                   <a:ext uri="{0D108BD9-81ED-4DB2-BD59-A6C34878D82A}">
-                    <a16:rowId xmlns="" xmlns:a16="http://schemas.microsoft.com/office/drawing/2014/main" val="10000"/>
+                    <a16:rowId xmlns:a16="http://schemas.microsoft.com/office/drawing/2014/main" xmlns="" val="10000"/>
                   </a:ext>
                 </a:extLst>
               </a:tr>
@@ -15838,7 +15838,7 @@
                 </a:tc>
                 <a:extLst>
                   <a:ext uri="{0D108BD9-81ED-4DB2-BD59-A6C34878D82A}">
-                    <a16:rowId xmlns="" xmlns:a16="http://schemas.microsoft.com/office/drawing/2014/main" val="10001"/>
+                    <a16:rowId xmlns:a16="http://schemas.microsoft.com/office/drawing/2014/main" xmlns="" val="10001"/>
                   </a:ext>
                 </a:extLst>
               </a:tr>
@@ -15994,7 +15994,7 @@
                 </a:tc>
                 <a:extLst>
                   <a:ext uri="{0D108BD9-81ED-4DB2-BD59-A6C34878D82A}">
-                    <a16:rowId xmlns="" xmlns:a16="http://schemas.microsoft.com/office/drawing/2014/main" val="10002"/>
+                    <a16:rowId xmlns:a16="http://schemas.microsoft.com/office/drawing/2014/main" xmlns="" val="10002"/>
                   </a:ext>
                 </a:extLst>
               </a:tr>
@@ -16133,7 +16133,7 @@
                 </a:tc>
                 <a:extLst>
                   <a:ext uri="{0D108BD9-81ED-4DB2-BD59-A6C34878D82A}">
-                    <a16:rowId xmlns="" xmlns:a16="http://schemas.microsoft.com/office/drawing/2014/main" val="10003"/>
+                    <a16:rowId xmlns:a16="http://schemas.microsoft.com/office/drawing/2014/main" xmlns="" val="10003"/>
                   </a:ext>
                 </a:extLst>
               </a:tr>
@@ -16289,7 +16289,7 @@
                 </a:tc>
                 <a:extLst>
                   <a:ext uri="{0D108BD9-81ED-4DB2-BD59-A6C34878D82A}">
-                    <a16:rowId xmlns="" xmlns:a16="http://schemas.microsoft.com/office/drawing/2014/main" val="10004"/>
+                    <a16:rowId xmlns:a16="http://schemas.microsoft.com/office/drawing/2014/main" xmlns="" val="10004"/>
                   </a:ext>
                 </a:extLst>
               </a:tr>
@@ -16428,7 +16428,7 @@
                 </a:tc>
                 <a:extLst>
                   <a:ext uri="{0D108BD9-81ED-4DB2-BD59-A6C34878D82A}">
-                    <a16:rowId xmlns="" xmlns:a16="http://schemas.microsoft.com/office/drawing/2014/main" val="10005"/>
+                    <a16:rowId xmlns:a16="http://schemas.microsoft.com/office/drawing/2014/main" xmlns="" val="10005"/>
                   </a:ext>
                 </a:extLst>
               </a:tr>
@@ -18186,7 +18186,7 @@
           <p:nvPr>
             <p:extLst>
               <p:ext uri="{D42A27DB-BD31-4B8C-83A1-F6EECF244321}">
-                <p14:modId xmlns:p14="http://schemas.microsoft.com/office/powerpoint/2010/main" val="2749693778"/>
+                <p14:modId xmlns:p14="http://schemas.microsoft.com/office/powerpoint/2010/main" val="2673376899"/>
               </p:ext>
             </p:extLst>
           </p:nvPr>
@@ -18205,42 +18205,42 @@
                 <a:gridCol w="1024621">
                   <a:extLst>
                     <a:ext uri="{9D8B030D-6E8A-4147-A177-3AD203B41FA5}">
-                      <a16:colId xmlns="" xmlns:a16="http://schemas.microsoft.com/office/drawing/2014/main" val="20000"/>
+                      <a16:colId xmlns:a16="http://schemas.microsoft.com/office/drawing/2014/main" xmlns="" val="20000"/>
                     </a:ext>
                   </a:extLst>
                 </a:gridCol>
                 <a:gridCol w="1232949">
                   <a:extLst>
                     <a:ext uri="{9D8B030D-6E8A-4147-A177-3AD203B41FA5}">
-                      <a16:colId xmlns="" xmlns:a16="http://schemas.microsoft.com/office/drawing/2014/main" val="20001"/>
+                      <a16:colId xmlns:a16="http://schemas.microsoft.com/office/drawing/2014/main" xmlns="" val="20001"/>
                     </a:ext>
                   </a:extLst>
                 </a:gridCol>
                 <a:gridCol w="1069375">
                   <a:extLst>
                     <a:ext uri="{9D8B030D-6E8A-4147-A177-3AD203B41FA5}">
-                      <a16:colId xmlns="" xmlns:a16="http://schemas.microsoft.com/office/drawing/2014/main" val="20002"/>
+                      <a16:colId xmlns:a16="http://schemas.microsoft.com/office/drawing/2014/main" xmlns="" val="20002"/>
                     </a:ext>
                   </a:extLst>
                 </a:gridCol>
                 <a:gridCol w="765014">
                   <a:extLst>
                     <a:ext uri="{9D8B030D-6E8A-4147-A177-3AD203B41FA5}">
-                      <a16:colId xmlns="" xmlns:a16="http://schemas.microsoft.com/office/drawing/2014/main" val="20003"/>
+                      <a16:colId xmlns:a16="http://schemas.microsoft.com/office/drawing/2014/main" xmlns="" val="20003"/>
                     </a:ext>
                   </a:extLst>
                 </a:gridCol>
                 <a:gridCol w="847274">
                   <a:extLst>
                     <a:ext uri="{9D8B030D-6E8A-4147-A177-3AD203B41FA5}">
-                      <a16:colId xmlns="" xmlns:a16="http://schemas.microsoft.com/office/drawing/2014/main" val="20004"/>
+                      <a16:colId xmlns:a16="http://schemas.microsoft.com/office/drawing/2014/main" xmlns="" val="20004"/>
                     </a:ext>
                   </a:extLst>
                 </a:gridCol>
                 <a:gridCol w="987114">
                   <a:extLst>
                     <a:ext uri="{9D8B030D-6E8A-4147-A177-3AD203B41FA5}">
-                      <a16:colId xmlns="" xmlns:a16="http://schemas.microsoft.com/office/drawing/2014/main" val="20005"/>
+                      <a16:colId xmlns:a16="http://schemas.microsoft.com/office/drawing/2014/main" xmlns="" val="20005"/>
                     </a:ext>
                   </a:extLst>
                 </a:gridCol>
@@ -18332,7 +18332,7 @@
                 </a:tc>
                 <a:extLst>
                   <a:ext uri="{0D108BD9-81ED-4DB2-BD59-A6C34878D82A}">
-                    <a16:rowId xmlns="" xmlns:a16="http://schemas.microsoft.com/office/drawing/2014/main" val="10000"/>
+                    <a16:rowId xmlns:a16="http://schemas.microsoft.com/office/drawing/2014/main" xmlns="" val="10000"/>
                   </a:ext>
                 </a:extLst>
               </a:tr>
@@ -18357,56 +18357,56 @@
                     <a:lstStyle/>
                     <a:p>
                       <a:r>
-                        <a:rPr lang="en-IN" dirty="0"/>
-                        <a:t>3</a:t>
-                      </a:r>
-                      <a:endParaRPr lang="en-GB" dirty="0"/>
-                    </a:p>
-                  </a:txBody>
-                  <a:tcPr/>
-                </a:tc>
-                <a:tc>
-                  <a:txBody>
-                    <a:bodyPr/>
-                    <a:lstStyle/>
-                    <a:p>
-                      <a:r>
-                        <a:rPr lang="en-GB" dirty="0">
-                          <a:effectLst/>
-                        </a:rPr>
-                        <a:t>0.500</a:t>
-                      </a:r>
-                      <a:endParaRPr lang="en-GB" dirty="0"/>
-                    </a:p>
-                  </a:txBody>
-                  <a:tcPr/>
-                </a:tc>
-                <a:tc>
-                  <a:txBody>
-                    <a:bodyPr/>
-                    <a:lstStyle/>
-                    <a:p>
-                      <a:r>
-                        <a:rPr lang="en-GB" dirty="0">
-                          <a:effectLst/>
-                        </a:rPr>
-                        <a:t>0.500</a:t>
-                      </a:r>
-                      <a:endParaRPr lang="en-GB" dirty="0"/>
-                    </a:p>
-                  </a:txBody>
-                  <a:tcPr/>
-                </a:tc>
-                <a:tc>
-                  <a:txBody>
-                    <a:bodyPr/>
-                    <a:lstStyle/>
-                    <a:p>
-                      <a:r>
-                        <a:rPr lang="en-GB" dirty="0">
-                          <a:effectLst/>
-                        </a:rPr>
-                        <a:t>0.000</a:t>
+                        <a:rPr lang="en-IN" dirty="0" smtClean="0"/>
+                        <a:t>8</a:t>
+                      </a:r>
+                      <a:endParaRPr lang="en-GB" dirty="0"/>
+                    </a:p>
+                  </a:txBody>
+                  <a:tcPr/>
+                </a:tc>
+                <a:tc>
+                  <a:txBody>
+                    <a:bodyPr/>
+                    <a:lstStyle/>
+                    <a:p>
+                      <a:r>
+                        <a:rPr lang="en-GB" dirty="0" smtClean="0">
+                          <a:effectLst/>
+                        </a:rPr>
+                        <a:t>0.307</a:t>
+                      </a:r>
+                      <a:endParaRPr lang="en-GB" dirty="0"/>
+                    </a:p>
+                  </a:txBody>
+                  <a:tcPr/>
+                </a:tc>
+                <a:tc>
+                  <a:txBody>
+                    <a:bodyPr/>
+                    <a:lstStyle/>
+                    <a:p>
+                      <a:r>
+                        <a:rPr lang="en-GB" dirty="0" smtClean="0">
+                          <a:effectLst/>
+                        </a:rPr>
+                        <a:t>0.308</a:t>
+                      </a:r>
+                      <a:endParaRPr lang="en-GB" dirty="0"/>
+                    </a:p>
+                  </a:txBody>
+                  <a:tcPr/>
+                </a:tc>
+                <a:tc>
+                  <a:txBody>
+                    <a:bodyPr/>
+                    <a:lstStyle/>
+                    <a:p>
+                      <a:r>
+                        <a:rPr lang="en-GB" dirty="0" smtClean="0">
+                          <a:effectLst/>
+                        </a:rPr>
+                        <a:t>-0.384</a:t>
                       </a:r>
                       <a:endParaRPr lang="en-GB" dirty="0"/>
                     </a:p>
@@ -18429,7 +18429,7 @@
                 </a:tc>
                 <a:extLst>
                   <a:ext uri="{0D108BD9-81ED-4DB2-BD59-A6C34878D82A}">
-                    <a16:rowId xmlns="" xmlns:a16="http://schemas.microsoft.com/office/drawing/2014/main" val="10001"/>
+                    <a16:rowId xmlns:a16="http://schemas.microsoft.com/office/drawing/2014/main" xmlns="" val="10001"/>
                   </a:ext>
                 </a:extLst>
               </a:tr>
@@ -18587,7 +18587,7 @@
                 </a:tc>
                 <a:extLst>
                   <a:ext uri="{0D108BD9-81ED-4DB2-BD59-A6C34878D82A}">
-                    <a16:rowId xmlns="" xmlns:a16="http://schemas.microsoft.com/office/drawing/2014/main" val="10002"/>
+                    <a16:rowId xmlns:a16="http://schemas.microsoft.com/office/drawing/2014/main" xmlns="" val="10002"/>
                   </a:ext>
                 </a:extLst>
               </a:tr>
@@ -18732,7 +18732,7 @@
                 </a:tc>
                 <a:extLst>
                   <a:ext uri="{0D108BD9-81ED-4DB2-BD59-A6C34878D82A}">
-                    <a16:rowId xmlns="" xmlns:a16="http://schemas.microsoft.com/office/drawing/2014/main" val="10003"/>
+                    <a16:rowId xmlns:a16="http://schemas.microsoft.com/office/drawing/2014/main" xmlns="" val="10003"/>
                   </a:ext>
                 </a:extLst>
               </a:tr>
@@ -18890,7 +18890,7 @@
                 </a:tc>
                 <a:extLst>
                   <a:ext uri="{0D108BD9-81ED-4DB2-BD59-A6C34878D82A}">
-                    <a16:rowId xmlns="" xmlns:a16="http://schemas.microsoft.com/office/drawing/2014/main" val="10004"/>
+                    <a16:rowId xmlns:a16="http://schemas.microsoft.com/office/drawing/2014/main" xmlns="" val="10004"/>
                   </a:ext>
                 </a:extLst>
               </a:tr>
@@ -19029,7 +19029,7 @@
                 </a:tc>
                 <a:extLst>
                   <a:ext uri="{0D108BD9-81ED-4DB2-BD59-A6C34878D82A}">
-                    <a16:rowId xmlns="" xmlns:a16="http://schemas.microsoft.com/office/drawing/2014/main" val="10005"/>
+                    <a16:rowId xmlns:a16="http://schemas.microsoft.com/office/drawing/2014/main" xmlns="" val="10005"/>
                   </a:ext>
                 </a:extLst>
               </a:tr>
@@ -19168,7 +19168,7 @@
           <p:nvPr>
             <p:extLst>
               <p:ext uri="{D42A27DB-BD31-4B8C-83A1-F6EECF244321}">
-                <p14:modId xmlns:p14="http://schemas.microsoft.com/office/powerpoint/2010/main" val="3652360527"/>
+                <p14:modId xmlns:p14="http://schemas.microsoft.com/office/powerpoint/2010/main" val="2444716220"/>
               </p:ext>
             </p:extLst>
           </p:nvPr>
@@ -19187,42 +19187,42 @@
                 <a:gridCol w="1126267">
                   <a:extLst>
                     <a:ext uri="{9D8B030D-6E8A-4147-A177-3AD203B41FA5}">
-                      <a16:colId xmlns="" xmlns:a16="http://schemas.microsoft.com/office/drawing/2014/main" val="20000"/>
+                      <a16:colId xmlns:a16="http://schemas.microsoft.com/office/drawing/2014/main" xmlns="" val="20000"/>
                     </a:ext>
                   </a:extLst>
                 </a:gridCol>
                 <a:gridCol w="1192506">
                   <a:extLst>
                     <a:ext uri="{9D8B030D-6E8A-4147-A177-3AD203B41FA5}">
-                      <a16:colId xmlns="" xmlns:a16="http://schemas.microsoft.com/office/drawing/2014/main" val="20001"/>
+                      <a16:colId xmlns:a16="http://schemas.microsoft.com/office/drawing/2014/main" xmlns="" val="20001"/>
                     </a:ext>
                   </a:extLst>
                 </a:gridCol>
                 <a:gridCol w="1139292">
                   <a:extLst>
                     <a:ext uri="{9D8B030D-6E8A-4147-A177-3AD203B41FA5}">
-                      <a16:colId xmlns="" xmlns:a16="http://schemas.microsoft.com/office/drawing/2014/main" val="20002"/>
+                      <a16:colId xmlns:a16="http://schemas.microsoft.com/office/drawing/2014/main" xmlns="" val="20002"/>
                     </a:ext>
                   </a:extLst>
                 </a:gridCol>
                 <a:gridCol w="931327">
                   <a:extLst>
                     <a:ext uri="{9D8B030D-6E8A-4147-A177-3AD203B41FA5}">
-                      <a16:colId xmlns="" xmlns:a16="http://schemas.microsoft.com/office/drawing/2014/main" val="20003"/>
+                      <a16:colId xmlns:a16="http://schemas.microsoft.com/office/drawing/2014/main" xmlns="" val="20003"/>
                     </a:ext>
                   </a:extLst>
                 </a:gridCol>
                 <a:gridCol w="849949">
                   <a:extLst>
                     <a:ext uri="{9D8B030D-6E8A-4147-A177-3AD203B41FA5}">
-                      <a16:colId xmlns="" xmlns:a16="http://schemas.microsoft.com/office/drawing/2014/main" val="20004"/>
+                      <a16:colId xmlns:a16="http://schemas.microsoft.com/office/drawing/2014/main" xmlns="" val="20004"/>
                     </a:ext>
                   </a:extLst>
                 </a:gridCol>
                 <a:gridCol w="1172319">
                   <a:extLst>
                     <a:ext uri="{9D8B030D-6E8A-4147-A177-3AD203B41FA5}">
-                      <a16:colId xmlns="" xmlns:a16="http://schemas.microsoft.com/office/drawing/2014/main" val="20005"/>
+                      <a16:colId xmlns:a16="http://schemas.microsoft.com/office/drawing/2014/main" xmlns="" val="20005"/>
                     </a:ext>
                   </a:extLst>
                 </a:gridCol>
@@ -19314,7 +19314,7 @@
                 </a:tc>
                 <a:extLst>
                   <a:ext uri="{0D108BD9-81ED-4DB2-BD59-A6C34878D82A}">
-                    <a16:rowId xmlns="" xmlns:a16="http://schemas.microsoft.com/office/drawing/2014/main" val="10000"/>
+                    <a16:rowId xmlns:a16="http://schemas.microsoft.com/office/drawing/2014/main" xmlns="" val="10000"/>
                   </a:ext>
                 </a:extLst>
               </a:tr>
@@ -19339,56 +19339,56 @@
                     <a:lstStyle/>
                     <a:p>
                       <a:r>
-                        <a:rPr lang="en-IN" dirty="0"/>
-                        <a:t>35</a:t>
-                      </a:r>
-                      <a:endParaRPr lang="en-GB" dirty="0"/>
-                    </a:p>
-                  </a:txBody>
-                  <a:tcPr/>
-                </a:tc>
-                <a:tc>
-                  <a:txBody>
-                    <a:bodyPr/>
-                    <a:lstStyle/>
-                    <a:p>
-                      <a:r>
-                        <a:rPr lang="x-none">
-                          <a:effectLst/>
-                        </a:rPr>
-                        <a:t>0.846</a:t>
-                      </a:r>
-                      <a:endParaRPr lang="en-GB" dirty="0"/>
-                    </a:p>
-                  </a:txBody>
-                  <a:tcPr/>
-                </a:tc>
-                <a:tc>
-                  <a:txBody>
-                    <a:bodyPr/>
-                    <a:lstStyle/>
-                    <a:p>
-                      <a:r>
-                        <a:rPr lang="x-none">
-                          <a:effectLst/>
-                        </a:rPr>
-                        <a:t>0.846</a:t>
-                      </a:r>
-                      <a:endParaRPr lang="en-GB" dirty="0"/>
-                    </a:p>
-                  </a:txBody>
-                  <a:tcPr/>
-                </a:tc>
-                <a:tc>
-                  <a:txBody>
-                    <a:bodyPr/>
-                    <a:lstStyle/>
-                    <a:p>
-                      <a:r>
-                        <a:rPr lang="x-none" dirty="0">
-                          <a:effectLst/>
-                        </a:rPr>
-                        <a:t>0.692</a:t>
+                        <a:rPr lang="en-IN" dirty="0" smtClean="0"/>
+                        <a:t>82</a:t>
+                      </a:r>
+                      <a:endParaRPr lang="en-GB" dirty="0"/>
+                    </a:p>
+                  </a:txBody>
+                  <a:tcPr/>
+                </a:tc>
+                <a:tc>
+                  <a:txBody>
+                    <a:bodyPr/>
+                    <a:lstStyle/>
+                    <a:p>
+                      <a:r>
+                        <a:rPr lang="en-GB" dirty="0" smtClean="0">
+                          <a:effectLst/>
+                        </a:rPr>
+                        <a:t>0.576</a:t>
+                      </a:r>
+                      <a:endParaRPr lang="en-GB" dirty="0"/>
+                    </a:p>
+                  </a:txBody>
+                  <a:tcPr/>
+                </a:tc>
+                <a:tc>
+                  <a:txBody>
+                    <a:bodyPr/>
+                    <a:lstStyle/>
+                    <a:p>
+                      <a:r>
+                        <a:rPr lang="en-GB" dirty="0" smtClean="0">
+                          <a:effectLst/>
+                        </a:rPr>
+                        <a:t>0.565</a:t>
+                      </a:r>
+                      <a:endParaRPr lang="en-GB" dirty="0"/>
+                    </a:p>
+                  </a:txBody>
+                  <a:tcPr/>
+                </a:tc>
+                <a:tc>
+                  <a:txBody>
+                    <a:bodyPr/>
+                    <a:lstStyle/>
+                    <a:p>
+                      <a:r>
+                        <a:rPr lang="en-GB" dirty="0" smtClean="0">
+                          <a:effectLst/>
+                        </a:rPr>
+                        <a:t>0.153</a:t>
                       </a:r>
                       <a:endParaRPr lang="en-GB" dirty="0"/>
                     </a:p>
@@ -19411,7 +19411,7 @@
                 </a:tc>
                 <a:extLst>
                   <a:ext uri="{0D108BD9-81ED-4DB2-BD59-A6C34878D82A}">
-                    <a16:rowId xmlns="" xmlns:a16="http://schemas.microsoft.com/office/drawing/2014/main" val="10001"/>
+                    <a16:rowId xmlns:a16="http://schemas.microsoft.com/office/drawing/2014/main" xmlns="" val="10001"/>
                   </a:ext>
                 </a:extLst>
               </a:tr>
@@ -19571,7 +19571,7 @@
                 </a:tc>
                 <a:extLst>
                   <a:ext uri="{0D108BD9-81ED-4DB2-BD59-A6C34878D82A}">
-                    <a16:rowId xmlns="" xmlns:a16="http://schemas.microsoft.com/office/drawing/2014/main" val="10002"/>
+                    <a16:rowId xmlns:a16="http://schemas.microsoft.com/office/drawing/2014/main" xmlns="" val="10002"/>
                   </a:ext>
                 </a:extLst>
               </a:tr>
@@ -19712,7 +19712,7 @@
                 </a:tc>
                 <a:extLst>
                   <a:ext uri="{0D108BD9-81ED-4DB2-BD59-A6C34878D82A}">
-                    <a16:rowId xmlns="" xmlns:a16="http://schemas.microsoft.com/office/drawing/2014/main" val="10003"/>
+                    <a16:rowId xmlns:a16="http://schemas.microsoft.com/office/drawing/2014/main" xmlns="" val="10003"/>
                   </a:ext>
                 </a:extLst>
               </a:tr>
@@ -19853,7 +19853,7 @@
                 </a:tc>
                 <a:extLst>
                   <a:ext uri="{0D108BD9-81ED-4DB2-BD59-A6C34878D82A}">
-                    <a16:rowId xmlns="" xmlns:a16="http://schemas.microsoft.com/office/drawing/2014/main" val="10004"/>
+                    <a16:rowId xmlns:a16="http://schemas.microsoft.com/office/drawing/2014/main" xmlns="" val="10004"/>
                   </a:ext>
                 </a:extLst>
               </a:tr>
@@ -19996,7 +19996,7 @@
                 </a:tc>
                 <a:extLst>
                   <a:ext uri="{0D108BD9-81ED-4DB2-BD59-A6C34878D82A}">
-                    <a16:rowId xmlns="" xmlns:a16="http://schemas.microsoft.com/office/drawing/2014/main" val="10005"/>
+                    <a16:rowId xmlns:a16="http://schemas.microsoft.com/office/drawing/2014/main" xmlns="" val="10005"/>
                   </a:ext>
                 </a:extLst>
               </a:tr>
@@ -20086,28 +20086,28 @@
                 <a:gridCol w="2628900">
                   <a:extLst>
                     <a:ext uri="{9D8B030D-6E8A-4147-A177-3AD203B41FA5}">
-                      <a16:colId xmlns="" xmlns:a16="http://schemas.microsoft.com/office/drawing/2014/main" val="20000"/>
+                      <a16:colId xmlns:a16="http://schemas.microsoft.com/office/drawing/2014/main" xmlns="" val="20000"/>
                     </a:ext>
                   </a:extLst>
                 </a:gridCol>
                 <a:gridCol w="2628900">
                   <a:extLst>
                     <a:ext uri="{9D8B030D-6E8A-4147-A177-3AD203B41FA5}">
-                      <a16:colId xmlns="" xmlns:a16="http://schemas.microsoft.com/office/drawing/2014/main" val="20001"/>
+                      <a16:colId xmlns:a16="http://schemas.microsoft.com/office/drawing/2014/main" xmlns="" val="20001"/>
                     </a:ext>
                   </a:extLst>
                 </a:gridCol>
                 <a:gridCol w="2628900">
                   <a:extLst>
                     <a:ext uri="{9D8B030D-6E8A-4147-A177-3AD203B41FA5}">
-                      <a16:colId xmlns="" xmlns:a16="http://schemas.microsoft.com/office/drawing/2014/main" val="20002"/>
+                      <a16:colId xmlns:a16="http://schemas.microsoft.com/office/drawing/2014/main" xmlns="" val="20002"/>
                     </a:ext>
                   </a:extLst>
                 </a:gridCol>
                 <a:gridCol w="2628900">
                   <a:extLst>
                     <a:ext uri="{9D8B030D-6E8A-4147-A177-3AD203B41FA5}">
-                      <a16:colId xmlns="" xmlns:a16="http://schemas.microsoft.com/office/drawing/2014/main" val="20003"/>
+                      <a16:colId xmlns:a16="http://schemas.microsoft.com/office/drawing/2014/main" xmlns="" val="20003"/>
                     </a:ext>
                   </a:extLst>
                 </a:gridCol>
@@ -20171,7 +20171,7 @@
                 </a:tc>
                 <a:extLst>
                   <a:ext uri="{0D108BD9-81ED-4DB2-BD59-A6C34878D82A}">
-                    <a16:rowId xmlns="" xmlns:a16="http://schemas.microsoft.com/office/drawing/2014/main" val="10000"/>
+                    <a16:rowId xmlns:a16="http://schemas.microsoft.com/office/drawing/2014/main" xmlns="" val="10000"/>
                   </a:ext>
                 </a:extLst>
               </a:tr>
@@ -20234,7 +20234,7 @@
                 </a:tc>
                 <a:extLst>
                   <a:ext uri="{0D108BD9-81ED-4DB2-BD59-A6C34878D82A}">
-                    <a16:rowId xmlns="" xmlns:a16="http://schemas.microsoft.com/office/drawing/2014/main" val="10001"/>
+                    <a16:rowId xmlns:a16="http://schemas.microsoft.com/office/drawing/2014/main" xmlns="" val="10001"/>
                   </a:ext>
                 </a:extLst>
               </a:tr>
@@ -20327,7 +20327,7 @@
                 </a:tc>
                 <a:extLst>
                   <a:ext uri="{0D108BD9-81ED-4DB2-BD59-A6C34878D82A}">
-                    <a16:rowId xmlns="" xmlns:a16="http://schemas.microsoft.com/office/drawing/2014/main" val="10002"/>
+                    <a16:rowId xmlns:a16="http://schemas.microsoft.com/office/drawing/2014/main" xmlns="" val="10002"/>
                   </a:ext>
                 </a:extLst>
               </a:tr>
@@ -20416,7 +20416,7 @@
                 </a:tc>
                 <a:extLst>
                   <a:ext uri="{0D108BD9-81ED-4DB2-BD59-A6C34878D82A}">
-                    <a16:rowId xmlns="" xmlns:a16="http://schemas.microsoft.com/office/drawing/2014/main" val="10003"/>
+                    <a16:rowId xmlns:a16="http://schemas.microsoft.com/office/drawing/2014/main" xmlns="" val="10003"/>
                   </a:ext>
                 </a:extLst>
               </a:tr>
@@ -20518,7 +20518,7 @@
           <p:nvPr>
             <p:extLst>
               <p:ext uri="{D42A27DB-BD31-4B8C-83A1-F6EECF244321}">
-                <p14:modId xmlns:p14="http://schemas.microsoft.com/office/powerpoint/2010/main" val="665787467"/>
+                <p14:modId xmlns:p14="http://schemas.microsoft.com/office/powerpoint/2010/main" val="3091801806"/>
               </p:ext>
             </p:extLst>
           </p:nvPr>
@@ -20537,42 +20537,42 @@
                 <a:gridCol w="1074501">
                   <a:extLst>
                     <a:ext uri="{9D8B030D-6E8A-4147-A177-3AD203B41FA5}">
-                      <a16:colId xmlns="" xmlns:a16="http://schemas.microsoft.com/office/drawing/2014/main" val="20000"/>
+                      <a16:colId xmlns:a16="http://schemas.microsoft.com/office/drawing/2014/main" xmlns="" val="20000"/>
                     </a:ext>
                   </a:extLst>
                 </a:gridCol>
                 <a:gridCol w="1361982">
                   <a:extLst>
                     <a:ext uri="{9D8B030D-6E8A-4147-A177-3AD203B41FA5}">
-                      <a16:colId xmlns="" xmlns:a16="http://schemas.microsoft.com/office/drawing/2014/main" val="20001"/>
+                      <a16:colId xmlns:a16="http://schemas.microsoft.com/office/drawing/2014/main" xmlns="" val="20001"/>
                     </a:ext>
                   </a:extLst>
                 </a:gridCol>
                 <a:gridCol w="1069675">
                   <a:extLst>
                     <a:ext uri="{9D8B030D-6E8A-4147-A177-3AD203B41FA5}">
-                      <a16:colId xmlns="" xmlns:a16="http://schemas.microsoft.com/office/drawing/2014/main" val="20002"/>
+                      <a16:colId xmlns:a16="http://schemas.microsoft.com/office/drawing/2014/main" xmlns="" val="20002"/>
                     </a:ext>
                   </a:extLst>
                 </a:gridCol>
                 <a:gridCol w="776378">
                   <a:extLst>
                     <a:ext uri="{9D8B030D-6E8A-4147-A177-3AD203B41FA5}">
-                      <a16:colId xmlns="" xmlns:a16="http://schemas.microsoft.com/office/drawing/2014/main" val="20003"/>
+                      <a16:colId xmlns:a16="http://schemas.microsoft.com/office/drawing/2014/main" xmlns="" val="20003"/>
                     </a:ext>
                   </a:extLst>
                 </a:gridCol>
                 <a:gridCol w="785004">
                   <a:extLst>
                     <a:ext uri="{9D8B030D-6E8A-4147-A177-3AD203B41FA5}">
-                      <a16:colId xmlns="" xmlns:a16="http://schemas.microsoft.com/office/drawing/2014/main" val="20004"/>
+                      <a16:colId xmlns:a16="http://schemas.microsoft.com/office/drawing/2014/main" xmlns="" val="20004"/>
                     </a:ext>
                   </a:extLst>
                 </a:gridCol>
                 <a:gridCol w="1049424">
                   <a:extLst>
                     <a:ext uri="{9D8B030D-6E8A-4147-A177-3AD203B41FA5}">
-                      <a16:colId xmlns="" xmlns:a16="http://schemas.microsoft.com/office/drawing/2014/main" val="20005"/>
+                      <a16:colId xmlns:a16="http://schemas.microsoft.com/office/drawing/2014/main" xmlns="" val="20005"/>
                     </a:ext>
                   </a:extLst>
                 </a:gridCol>
@@ -20664,7 +20664,7 @@
                 </a:tc>
                 <a:extLst>
                   <a:ext uri="{0D108BD9-81ED-4DB2-BD59-A6C34878D82A}">
-                    <a16:rowId xmlns="" xmlns:a16="http://schemas.microsoft.com/office/drawing/2014/main" val="10000"/>
+                    <a16:rowId xmlns:a16="http://schemas.microsoft.com/office/drawing/2014/main" xmlns="" val="10000"/>
                   </a:ext>
                 </a:extLst>
               </a:tr>
@@ -20703,42 +20703,42 @@
                     <a:lstStyle/>
                     <a:p>
                       <a:r>
-                        <a:rPr lang="x-none">
-                          <a:effectLst/>
-                        </a:rPr>
-                        <a:t>0.846</a:t>
-                      </a:r>
-                      <a:endParaRPr lang="en-GB" dirty="0"/>
-                    </a:p>
-                  </a:txBody>
-                  <a:tcPr/>
-                </a:tc>
-                <a:tc>
-                  <a:txBody>
-                    <a:bodyPr/>
-                    <a:lstStyle/>
-                    <a:p>
-                      <a:r>
-                        <a:rPr lang="x-none">
-                          <a:effectLst/>
-                        </a:rPr>
-                        <a:t>0.846</a:t>
-                      </a:r>
-                      <a:endParaRPr lang="en-GB" dirty="0"/>
-                    </a:p>
-                  </a:txBody>
-                  <a:tcPr/>
-                </a:tc>
-                <a:tc>
-                  <a:txBody>
-                    <a:bodyPr/>
-                    <a:lstStyle/>
-                    <a:p>
-                      <a:r>
-                        <a:rPr lang="x-none" dirty="0">
-                          <a:effectLst/>
-                        </a:rPr>
-                        <a:t>0.692</a:t>
+                        <a:rPr lang="en-GB" dirty="0" smtClean="0">
+                          <a:effectLst/>
+                        </a:rPr>
+                        <a:t>0.576</a:t>
+                      </a:r>
+                      <a:endParaRPr lang="en-GB" dirty="0"/>
+                    </a:p>
+                  </a:txBody>
+                  <a:tcPr/>
+                </a:tc>
+                <a:tc>
+                  <a:txBody>
+                    <a:bodyPr/>
+                    <a:lstStyle/>
+                    <a:p>
+                      <a:r>
+                        <a:rPr lang="en-GB" dirty="0" smtClean="0">
+                          <a:effectLst/>
+                        </a:rPr>
+                        <a:t>0.565</a:t>
+                      </a:r>
+                      <a:endParaRPr lang="en-GB" dirty="0"/>
+                    </a:p>
+                  </a:txBody>
+                  <a:tcPr/>
+                </a:tc>
+                <a:tc>
+                  <a:txBody>
+                    <a:bodyPr/>
+                    <a:lstStyle/>
+                    <a:p>
+                      <a:r>
+                        <a:rPr lang="en-GB" dirty="0" smtClean="0">
+                          <a:effectLst/>
+                        </a:rPr>
+                        <a:t>0.153</a:t>
                       </a:r>
                       <a:endParaRPr lang="en-GB" dirty="0"/>
                     </a:p>
@@ -20761,7 +20761,7 @@
                 </a:tc>
                 <a:extLst>
                   <a:ext uri="{0D108BD9-81ED-4DB2-BD59-A6C34878D82A}">
-                    <a16:rowId xmlns="" xmlns:a16="http://schemas.microsoft.com/office/drawing/2014/main" val="10001"/>
+                    <a16:rowId xmlns:a16="http://schemas.microsoft.com/office/drawing/2014/main" xmlns="" val="10001"/>
                   </a:ext>
                 </a:extLst>
               </a:tr>
@@ -20919,7 +20919,7 @@
                 </a:tc>
                 <a:extLst>
                   <a:ext uri="{0D108BD9-81ED-4DB2-BD59-A6C34878D82A}">
-                    <a16:rowId xmlns="" xmlns:a16="http://schemas.microsoft.com/office/drawing/2014/main" val="10002"/>
+                    <a16:rowId xmlns:a16="http://schemas.microsoft.com/office/drawing/2014/main" xmlns="" val="10002"/>
                   </a:ext>
                 </a:extLst>
               </a:tr>
@@ -21060,7 +21060,7 @@
                 </a:tc>
                 <a:extLst>
                   <a:ext uri="{0D108BD9-81ED-4DB2-BD59-A6C34878D82A}">
-                    <a16:rowId xmlns="" xmlns:a16="http://schemas.microsoft.com/office/drawing/2014/main" val="10003"/>
+                    <a16:rowId xmlns:a16="http://schemas.microsoft.com/office/drawing/2014/main" xmlns="" val="10003"/>
                   </a:ext>
                 </a:extLst>
               </a:tr>
@@ -21201,7 +21201,7 @@
                 </a:tc>
                 <a:extLst>
                   <a:ext uri="{0D108BD9-81ED-4DB2-BD59-A6C34878D82A}">
-                    <a16:rowId xmlns="" xmlns:a16="http://schemas.microsoft.com/office/drawing/2014/main" val="10004"/>
+                    <a16:rowId xmlns:a16="http://schemas.microsoft.com/office/drawing/2014/main" xmlns="" val="10004"/>
                   </a:ext>
                 </a:extLst>
               </a:tr>
@@ -21340,7 +21340,7 @@
                 </a:tc>
                 <a:extLst>
                   <a:ext uri="{0D108BD9-81ED-4DB2-BD59-A6C34878D82A}">
-                    <a16:rowId xmlns="" xmlns:a16="http://schemas.microsoft.com/office/drawing/2014/main" val="10005"/>
+                    <a16:rowId xmlns:a16="http://schemas.microsoft.com/office/drawing/2014/main" xmlns="" val="10005"/>
                   </a:ext>
                 </a:extLst>
               </a:tr>
@@ -21412,7 +21412,7 @@
           <p:nvPr>
             <p:extLst>
               <p:ext uri="{D42A27DB-BD31-4B8C-83A1-F6EECF244321}">
-                <p14:modId xmlns:p14="http://schemas.microsoft.com/office/powerpoint/2010/main" val="594764952"/>
+                <p14:modId xmlns:p14="http://schemas.microsoft.com/office/powerpoint/2010/main" val="3635421367"/>
               </p:ext>
             </p:extLst>
           </p:nvPr>
@@ -21431,42 +21431,42 @@
                 <a:gridCol w="1074501">
                   <a:extLst>
                     <a:ext uri="{9D8B030D-6E8A-4147-A177-3AD203B41FA5}">
-                      <a16:colId xmlns="" xmlns:a16="http://schemas.microsoft.com/office/drawing/2014/main" val="20000"/>
+                      <a16:colId xmlns:a16="http://schemas.microsoft.com/office/drawing/2014/main" xmlns="" val="20000"/>
                     </a:ext>
                   </a:extLst>
                 </a:gridCol>
                 <a:gridCol w="1094563">
                   <a:extLst>
                     <a:ext uri="{9D8B030D-6E8A-4147-A177-3AD203B41FA5}">
-                      <a16:colId xmlns="" xmlns:a16="http://schemas.microsoft.com/office/drawing/2014/main" val="20001"/>
+                      <a16:colId xmlns:a16="http://schemas.microsoft.com/office/drawing/2014/main" xmlns="" val="20001"/>
                     </a:ext>
                   </a:extLst>
                 </a:gridCol>
                 <a:gridCol w="1112808">
                   <a:extLst>
                     <a:ext uri="{9D8B030D-6E8A-4147-A177-3AD203B41FA5}">
-                      <a16:colId xmlns="" xmlns:a16="http://schemas.microsoft.com/office/drawing/2014/main" val="20002"/>
+                      <a16:colId xmlns:a16="http://schemas.microsoft.com/office/drawing/2014/main" xmlns="" val="20002"/>
                     </a:ext>
                   </a:extLst>
                 </a:gridCol>
                 <a:gridCol w="755968">
                   <a:extLst>
                     <a:ext uri="{9D8B030D-6E8A-4147-A177-3AD203B41FA5}">
-                      <a16:colId xmlns="" xmlns:a16="http://schemas.microsoft.com/office/drawing/2014/main" val="20003"/>
+                      <a16:colId xmlns:a16="http://schemas.microsoft.com/office/drawing/2014/main" xmlns="" val="20003"/>
                     </a:ext>
                   </a:extLst>
                 </a:gridCol>
                 <a:gridCol w="909275">
                   <a:extLst>
                     <a:ext uri="{9D8B030D-6E8A-4147-A177-3AD203B41FA5}">
-                      <a16:colId xmlns="" xmlns:a16="http://schemas.microsoft.com/office/drawing/2014/main" val="20004"/>
+                      <a16:colId xmlns:a16="http://schemas.microsoft.com/office/drawing/2014/main" xmlns="" val="20004"/>
                     </a:ext>
                   </a:extLst>
                 </a:gridCol>
                 <a:gridCol w="1226019">
                   <a:extLst>
                     <a:ext uri="{9D8B030D-6E8A-4147-A177-3AD203B41FA5}">
-                      <a16:colId xmlns="" xmlns:a16="http://schemas.microsoft.com/office/drawing/2014/main" val="20005"/>
+                      <a16:colId xmlns:a16="http://schemas.microsoft.com/office/drawing/2014/main" xmlns="" val="20005"/>
                     </a:ext>
                   </a:extLst>
                 </a:gridCol>
@@ -21558,7 +21558,7 @@
                 </a:tc>
                 <a:extLst>
                   <a:ext uri="{0D108BD9-81ED-4DB2-BD59-A6C34878D82A}">
-                    <a16:rowId xmlns="" xmlns:a16="http://schemas.microsoft.com/office/drawing/2014/main" val="10000"/>
+                    <a16:rowId xmlns:a16="http://schemas.microsoft.com/office/drawing/2014/main" xmlns="" val="10000"/>
                   </a:ext>
                 </a:extLst>
               </a:tr>
@@ -21586,7 +21586,7 @@
                         <a:rPr lang="en-IN" dirty="0" smtClean="0">
                           <a:effectLst/>
                         </a:rPr>
-                        <a:t>1</a:t>
+                        <a:t>2</a:t>
                       </a:r>
                       <a:endParaRPr lang="en-GB" dirty="0"/>
                     </a:p>
@@ -21602,7 +21602,7 @@
                         <a:rPr lang="en-GB" dirty="0" smtClean="0">
                           <a:effectLst/>
                         </a:rPr>
-                        <a:t>0.615</a:t>
+                        <a:t>0.538</a:t>
                       </a:r>
                       <a:endParaRPr lang="en-GB" dirty="0"/>
                     </a:p>
@@ -21618,7 +21618,7 @@
                         <a:rPr lang="en-GB" dirty="0" smtClean="0">
                           <a:effectLst/>
                         </a:rPr>
-                        <a:t>0.615</a:t>
+                        <a:t>0.553</a:t>
                       </a:r>
                       <a:endParaRPr lang="en-GB" dirty="0"/>
                     </a:p>
@@ -21634,7 +21634,7 @@
                         <a:rPr lang="en-GB" dirty="0" smtClean="0">
                           <a:effectLst/>
                         </a:rPr>
-                        <a:t>0.230</a:t>
+                        <a:t>0.076</a:t>
                       </a:r>
                       <a:endParaRPr lang="en-GB" dirty="0"/>
                     </a:p>
@@ -21657,7 +21657,7 @@
                 </a:tc>
                 <a:extLst>
                   <a:ext uri="{0D108BD9-81ED-4DB2-BD59-A6C34878D82A}">
-                    <a16:rowId xmlns="" xmlns:a16="http://schemas.microsoft.com/office/drawing/2014/main" val="10001"/>
+                    <a16:rowId xmlns:a16="http://schemas.microsoft.com/office/drawing/2014/main" xmlns="" val="10001"/>
                   </a:ext>
                 </a:extLst>
               </a:tr>
@@ -21775,7 +21775,7 @@
                 </a:tc>
                 <a:extLst>
                   <a:ext uri="{0D108BD9-81ED-4DB2-BD59-A6C34878D82A}">
-                    <a16:rowId xmlns="" xmlns:a16="http://schemas.microsoft.com/office/drawing/2014/main" val="10002"/>
+                    <a16:rowId xmlns:a16="http://schemas.microsoft.com/office/drawing/2014/main" xmlns="" val="10002"/>
                   </a:ext>
                 </a:extLst>
               </a:tr>
@@ -21916,7 +21916,7 @@
                 </a:tc>
                 <a:extLst>
                   <a:ext uri="{0D108BD9-81ED-4DB2-BD59-A6C34878D82A}">
-                    <a16:rowId xmlns="" xmlns:a16="http://schemas.microsoft.com/office/drawing/2014/main" val="10003"/>
+                    <a16:rowId xmlns:a16="http://schemas.microsoft.com/office/drawing/2014/main" xmlns="" val="10003"/>
                   </a:ext>
                 </a:extLst>
               </a:tr>
@@ -22059,7 +22059,7 @@
                 </a:tc>
                 <a:extLst>
                   <a:ext uri="{0D108BD9-81ED-4DB2-BD59-A6C34878D82A}">
-                    <a16:rowId xmlns="" xmlns:a16="http://schemas.microsoft.com/office/drawing/2014/main" val="10004"/>
+                    <a16:rowId xmlns:a16="http://schemas.microsoft.com/office/drawing/2014/main" xmlns="" val="10004"/>
                   </a:ext>
                 </a:extLst>
               </a:tr>
@@ -22172,7 +22172,7 @@
                 </a:tc>
                 <a:extLst>
                   <a:ext uri="{0D108BD9-81ED-4DB2-BD59-A6C34878D82A}">
-                    <a16:rowId xmlns="" xmlns:a16="http://schemas.microsoft.com/office/drawing/2014/main" val="10005"/>
+                    <a16:rowId xmlns:a16="http://schemas.microsoft.com/office/drawing/2014/main" xmlns="" val="10005"/>
                   </a:ext>
                 </a:extLst>
               </a:tr>
@@ -22263,42 +22263,42 @@
                 <a:gridCol w="1108522">
                   <a:extLst>
                     <a:ext uri="{9D8B030D-6E8A-4147-A177-3AD203B41FA5}">
-                      <a16:colId xmlns="" xmlns:a16="http://schemas.microsoft.com/office/drawing/2014/main" val="20000"/>
+                      <a16:colId xmlns:a16="http://schemas.microsoft.com/office/drawing/2014/main" xmlns="" val="20000"/>
                     </a:ext>
                   </a:extLst>
                 </a:gridCol>
                 <a:gridCol w="1129219">
                   <a:extLst>
                     <a:ext uri="{9D8B030D-6E8A-4147-A177-3AD203B41FA5}">
-                      <a16:colId xmlns="" xmlns:a16="http://schemas.microsoft.com/office/drawing/2014/main" val="20001"/>
+                      <a16:colId xmlns:a16="http://schemas.microsoft.com/office/drawing/2014/main" xmlns="" val="20001"/>
                     </a:ext>
                   </a:extLst>
                 </a:gridCol>
                 <a:gridCol w="1148042">
                   <a:extLst>
                     <a:ext uri="{9D8B030D-6E8A-4147-A177-3AD203B41FA5}">
-                      <a16:colId xmlns="" xmlns:a16="http://schemas.microsoft.com/office/drawing/2014/main" val="20002"/>
+                      <a16:colId xmlns:a16="http://schemas.microsoft.com/office/drawing/2014/main" xmlns="" val="20002"/>
                     </a:ext>
                   </a:extLst>
                 </a:gridCol>
                 <a:gridCol w="802761">
                   <a:extLst>
                     <a:ext uri="{9D8B030D-6E8A-4147-A177-3AD203B41FA5}">
-                      <a16:colId xmlns="" xmlns:a16="http://schemas.microsoft.com/office/drawing/2014/main" val="20003"/>
+                      <a16:colId xmlns:a16="http://schemas.microsoft.com/office/drawing/2014/main" xmlns="" val="20003"/>
                     </a:ext>
                   </a:extLst>
                 </a:gridCol>
                 <a:gridCol w="857259">
                   <a:extLst>
                     <a:ext uri="{9D8B030D-6E8A-4147-A177-3AD203B41FA5}">
-                      <a16:colId xmlns="" xmlns:a16="http://schemas.microsoft.com/office/drawing/2014/main" val="20004"/>
+                      <a16:colId xmlns:a16="http://schemas.microsoft.com/office/drawing/2014/main" xmlns="" val="20004"/>
                     </a:ext>
                   </a:extLst>
                 </a:gridCol>
                 <a:gridCol w="1264838">
                   <a:extLst>
                     <a:ext uri="{9D8B030D-6E8A-4147-A177-3AD203B41FA5}">
-                      <a16:colId xmlns="" xmlns:a16="http://schemas.microsoft.com/office/drawing/2014/main" val="20005"/>
+                      <a16:colId xmlns:a16="http://schemas.microsoft.com/office/drawing/2014/main" xmlns="" val="20005"/>
                     </a:ext>
                   </a:extLst>
                 </a:gridCol>
@@ -22390,7 +22390,7 @@
                 </a:tc>
                 <a:extLst>
                   <a:ext uri="{0D108BD9-81ED-4DB2-BD59-A6C34878D82A}">
-                    <a16:rowId xmlns="" xmlns:a16="http://schemas.microsoft.com/office/drawing/2014/main" val="10000"/>
+                    <a16:rowId xmlns:a16="http://schemas.microsoft.com/office/drawing/2014/main" xmlns="" val="10000"/>
                   </a:ext>
                 </a:extLst>
               </a:tr>
@@ -22531,7 +22531,7 @@
                 </a:tc>
                 <a:extLst>
                   <a:ext uri="{0D108BD9-81ED-4DB2-BD59-A6C34878D82A}">
-                    <a16:rowId xmlns="" xmlns:a16="http://schemas.microsoft.com/office/drawing/2014/main" val="10001"/>
+                    <a16:rowId xmlns:a16="http://schemas.microsoft.com/office/drawing/2014/main" xmlns="" val="10001"/>
                   </a:ext>
                 </a:extLst>
               </a:tr>
@@ -22691,7 +22691,7 @@
                 </a:tc>
                 <a:extLst>
                   <a:ext uri="{0D108BD9-81ED-4DB2-BD59-A6C34878D82A}">
-                    <a16:rowId xmlns="" xmlns:a16="http://schemas.microsoft.com/office/drawing/2014/main" val="10002"/>
+                    <a16:rowId xmlns:a16="http://schemas.microsoft.com/office/drawing/2014/main" xmlns="" val="10002"/>
                   </a:ext>
                 </a:extLst>
               </a:tr>
@@ -22838,7 +22838,7 @@
                 </a:tc>
                 <a:extLst>
                   <a:ext uri="{0D108BD9-81ED-4DB2-BD59-A6C34878D82A}">
-                    <a16:rowId xmlns="" xmlns:a16="http://schemas.microsoft.com/office/drawing/2014/main" val="10003"/>
+                    <a16:rowId xmlns:a16="http://schemas.microsoft.com/office/drawing/2014/main" xmlns="" val="10003"/>
                   </a:ext>
                 </a:extLst>
               </a:tr>
@@ -22981,7 +22981,7 @@
                 </a:tc>
                 <a:extLst>
                   <a:ext uri="{0D108BD9-81ED-4DB2-BD59-A6C34878D82A}">
-                    <a16:rowId xmlns="" xmlns:a16="http://schemas.microsoft.com/office/drawing/2014/main" val="10004"/>
+                    <a16:rowId xmlns:a16="http://schemas.microsoft.com/office/drawing/2014/main" xmlns="" val="10004"/>
                   </a:ext>
                 </a:extLst>
               </a:tr>
@@ -23120,7 +23120,7 @@
                 </a:tc>
                 <a:extLst>
                   <a:ext uri="{0D108BD9-81ED-4DB2-BD59-A6C34878D82A}">
-                    <a16:rowId xmlns="" xmlns:a16="http://schemas.microsoft.com/office/drawing/2014/main" val="10005"/>
+                    <a16:rowId xmlns:a16="http://schemas.microsoft.com/office/drawing/2014/main" xmlns="" val="10005"/>
                   </a:ext>
                 </a:extLst>
               </a:tr>
@@ -23211,42 +23211,42 @@
                 <a:gridCol w="1074501">
                   <a:extLst>
                     <a:ext uri="{9D8B030D-6E8A-4147-A177-3AD203B41FA5}">
-                      <a16:colId xmlns="" xmlns:a16="http://schemas.microsoft.com/office/drawing/2014/main" val="20000"/>
+                      <a16:colId xmlns:a16="http://schemas.microsoft.com/office/drawing/2014/main" xmlns="" val="20000"/>
                     </a:ext>
                   </a:extLst>
                 </a:gridCol>
                 <a:gridCol w="1094563">
                   <a:extLst>
                     <a:ext uri="{9D8B030D-6E8A-4147-A177-3AD203B41FA5}">
-                      <a16:colId xmlns="" xmlns:a16="http://schemas.microsoft.com/office/drawing/2014/main" val="20001"/>
+                      <a16:colId xmlns:a16="http://schemas.microsoft.com/office/drawing/2014/main" xmlns="" val="20001"/>
                     </a:ext>
                   </a:extLst>
                 </a:gridCol>
                 <a:gridCol w="1112808">
                   <a:extLst>
                     <a:ext uri="{9D8B030D-6E8A-4147-A177-3AD203B41FA5}">
-                      <a16:colId xmlns="" xmlns:a16="http://schemas.microsoft.com/office/drawing/2014/main" val="20002"/>
+                      <a16:colId xmlns:a16="http://schemas.microsoft.com/office/drawing/2014/main" xmlns="" val="20002"/>
                     </a:ext>
                   </a:extLst>
                 </a:gridCol>
                 <a:gridCol w="785901">
                   <a:extLst>
                     <a:ext uri="{9D8B030D-6E8A-4147-A177-3AD203B41FA5}">
-                      <a16:colId xmlns="" xmlns:a16="http://schemas.microsoft.com/office/drawing/2014/main" val="20003"/>
+                      <a16:colId xmlns:a16="http://schemas.microsoft.com/office/drawing/2014/main" xmlns="" val="20003"/>
                     </a:ext>
                   </a:extLst>
                 </a:gridCol>
                 <a:gridCol w="823172">
                   <a:extLst>
                     <a:ext uri="{9D8B030D-6E8A-4147-A177-3AD203B41FA5}">
-                      <a16:colId xmlns="" xmlns:a16="http://schemas.microsoft.com/office/drawing/2014/main" val="20004"/>
+                      <a16:colId xmlns:a16="http://schemas.microsoft.com/office/drawing/2014/main" xmlns="" val="20004"/>
                     </a:ext>
                   </a:extLst>
                 </a:gridCol>
                 <a:gridCol w="1226019">
                   <a:extLst>
                     <a:ext uri="{9D8B030D-6E8A-4147-A177-3AD203B41FA5}">
-                      <a16:colId xmlns="" xmlns:a16="http://schemas.microsoft.com/office/drawing/2014/main" val="20005"/>
+                      <a16:colId xmlns:a16="http://schemas.microsoft.com/office/drawing/2014/main" xmlns="" val="20005"/>
                     </a:ext>
                   </a:extLst>
                 </a:gridCol>
@@ -23338,7 +23338,7 @@
                 </a:tc>
                 <a:extLst>
                   <a:ext uri="{0D108BD9-81ED-4DB2-BD59-A6C34878D82A}">
-                    <a16:rowId xmlns="" xmlns:a16="http://schemas.microsoft.com/office/drawing/2014/main" val="10000"/>
+                    <a16:rowId xmlns:a16="http://schemas.microsoft.com/office/drawing/2014/main" xmlns="" val="10000"/>
                   </a:ext>
                 </a:extLst>
               </a:tr>
@@ -23481,7 +23481,7 @@
                 </a:tc>
                 <a:extLst>
                   <a:ext uri="{0D108BD9-81ED-4DB2-BD59-A6C34878D82A}">
-                    <a16:rowId xmlns="" xmlns:a16="http://schemas.microsoft.com/office/drawing/2014/main" val="10001"/>
+                    <a16:rowId xmlns:a16="http://schemas.microsoft.com/office/drawing/2014/main" xmlns="" val="10001"/>
                   </a:ext>
                 </a:extLst>
               </a:tr>
@@ -23641,7 +23641,7 @@
                 </a:tc>
                 <a:extLst>
                   <a:ext uri="{0D108BD9-81ED-4DB2-BD59-A6C34878D82A}">
-                    <a16:rowId xmlns="" xmlns:a16="http://schemas.microsoft.com/office/drawing/2014/main" val="10002"/>
+                    <a16:rowId xmlns:a16="http://schemas.microsoft.com/office/drawing/2014/main" xmlns="" val="10002"/>
                   </a:ext>
                 </a:extLst>
               </a:tr>
@@ -23784,7 +23784,7 @@
                 </a:tc>
                 <a:extLst>
                   <a:ext uri="{0D108BD9-81ED-4DB2-BD59-A6C34878D82A}">
-                    <a16:rowId xmlns="" xmlns:a16="http://schemas.microsoft.com/office/drawing/2014/main" val="10003"/>
+                    <a16:rowId xmlns:a16="http://schemas.microsoft.com/office/drawing/2014/main" xmlns="" val="10003"/>
                   </a:ext>
                 </a:extLst>
               </a:tr>
@@ -23927,7 +23927,7 @@
                 </a:tc>
                 <a:extLst>
                   <a:ext uri="{0D108BD9-81ED-4DB2-BD59-A6C34878D82A}">
-                    <a16:rowId xmlns="" xmlns:a16="http://schemas.microsoft.com/office/drawing/2014/main" val="10004"/>
+                    <a16:rowId xmlns:a16="http://schemas.microsoft.com/office/drawing/2014/main" xmlns="" val="10004"/>
                   </a:ext>
                 </a:extLst>
               </a:tr>
@@ -24068,7 +24068,7 @@
                 </a:tc>
                 <a:extLst>
                   <a:ext uri="{0D108BD9-81ED-4DB2-BD59-A6C34878D82A}">
-                    <a16:rowId xmlns="" xmlns:a16="http://schemas.microsoft.com/office/drawing/2014/main" val="10005"/>
+                    <a16:rowId xmlns:a16="http://schemas.microsoft.com/office/drawing/2014/main" xmlns="" val="10005"/>
                   </a:ext>
                 </a:extLst>
               </a:tr>
@@ -24159,42 +24159,42 @@
                 <a:gridCol w="1074501">
                   <a:extLst>
                     <a:ext uri="{9D8B030D-6E8A-4147-A177-3AD203B41FA5}">
-                      <a16:colId xmlns="" xmlns:a16="http://schemas.microsoft.com/office/drawing/2014/main" val="20000"/>
+                      <a16:colId xmlns:a16="http://schemas.microsoft.com/office/drawing/2014/main" xmlns="" val="20000"/>
                     </a:ext>
                   </a:extLst>
                 </a:gridCol>
                 <a:gridCol w="1042804">
                   <a:extLst>
                     <a:ext uri="{9D8B030D-6E8A-4147-A177-3AD203B41FA5}">
-                      <a16:colId xmlns="" xmlns:a16="http://schemas.microsoft.com/office/drawing/2014/main" val="20001"/>
+                      <a16:colId xmlns:a16="http://schemas.microsoft.com/office/drawing/2014/main" xmlns="" val="20001"/>
                     </a:ext>
                   </a:extLst>
                 </a:gridCol>
                 <a:gridCol w="1086929">
                   <a:extLst>
                     <a:ext uri="{9D8B030D-6E8A-4147-A177-3AD203B41FA5}">
-                      <a16:colId xmlns="" xmlns:a16="http://schemas.microsoft.com/office/drawing/2014/main" val="20002"/>
+                      <a16:colId xmlns:a16="http://schemas.microsoft.com/office/drawing/2014/main" xmlns="" val="20002"/>
                     </a:ext>
                   </a:extLst>
                 </a:gridCol>
                 <a:gridCol w="777436">
                   <a:extLst>
                     <a:ext uri="{9D8B030D-6E8A-4147-A177-3AD203B41FA5}">
-                      <a16:colId xmlns="" xmlns:a16="http://schemas.microsoft.com/office/drawing/2014/main" val="20003"/>
+                      <a16:colId xmlns:a16="http://schemas.microsoft.com/office/drawing/2014/main" xmlns="" val="20003"/>
                     </a:ext>
                   </a:extLst>
                 </a:gridCol>
                 <a:gridCol w="909275">
                   <a:extLst>
                     <a:ext uri="{9D8B030D-6E8A-4147-A177-3AD203B41FA5}">
-                      <a16:colId xmlns="" xmlns:a16="http://schemas.microsoft.com/office/drawing/2014/main" val="20004"/>
+                      <a16:colId xmlns:a16="http://schemas.microsoft.com/office/drawing/2014/main" xmlns="" val="20004"/>
                     </a:ext>
                   </a:extLst>
                 </a:gridCol>
                 <a:gridCol w="1226019">
                   <a:extLst>
                     <a:ext uri="{9D8B030D-6E8A-4147-A177-3AD203B41FA5}">
-                      <a16:colId xmlns="" xmlns:a16="http://schemas.microsoft.com/office/drawing/2014/main" val="20005"/>
+                      <a16:colId xmlns:a16="http://schemas.microsoft.com/office/drawing/2014/main" xmlns="" val="20005"/>
                     </a:ext>
                   </a:extLst>
                 </a:gridCol>
@@ -24286,7 +24286,7 @@
                 </a:tc>
                 <a:extLst>
                   <a:ext uri="{0D108BD9-81ED-4DB2-BD59-A6C34878D82A}">
-                    <a16:rowId xmlns="" xmlns:a16="http://schemas.microsoft.com/office/drawing/2014/main" val="10000"/>
+                    <a16:rowId xmlns:a16="http://schemas.microsoft.com/office/drawing/2014/main" xmlns="" val="10000"/>
                   </a:ext>
                 </a:extLst>
               </a:tr>
@@ -24387,7 +24387,7 @@
                 </a:tc>
                 <a:extLst>
                   <a:ext uri="{0D108BD9-81ED-4DB2-BD59-A6C34878D82A}">
-                    <a16:rowId xmlns="" xmlns:a16="http://schemas.microsoft.com/office/drawing/2014/main" val="10001"/>
+                    <a16:rowId xmlns:a16="http://schemas.microsoft.com/office/drawing/2014/main" xmlns="" val="10001"/>
                   </a:ext>
                 </a:extLst>
               </a:tr>
@@ -24547,7 +24547,7 @@
                 </a:tc>
                 <a:extLst>
                   <a:ext uri="{0D108BD9-81ED-4DB2-BD59-A6C34878D82A}">
-                    <a16:rowId xmlns="" xmlns:a16="http://schemas.microsoft.com/office/drawing/2014/main" val="10002"/>
+                    <a16:rowId xmlns:a16="http://schemas.microsoft.com/office/drawing/2014/main" xmlns="" val="10002"/>
                   </a:ext>
                 </a:extLst>
               </a:tr>
@@ -24690,7 +24690,7 @@
                 </a:tc>
                 <a:extLst>
                   <a:ext uri="{0D108BD9-81ED-4DB2-BD59-A6C34878D82A}">
-                    <a16:rowId xmlns="" xmlns:a16="http://schemas.microsoft.com/office/drawing/2014/main" val="10003"/>
+                    <a16:rowId xmlns:a16="http://schemas.microsoft.com/office/drawing/2014/main" xmlns="" val="10003"/>
                   </a:ext>
                 </a:extLst>
               </a:tr>
@@ -24833,7 +24833,7 @@
                 </a:tc>
                 <a:extLst>
                   <a:ext uri="{0D108BD9-81ED-4DB2-BD59-A6C34878D82A}">
-                    <a16:rowId xmlns="" xmlns:a16="http://schemas.microsoft.com/office/drawing/2014/main" val="10004"/>
+                    <a16:rowId xmlns:a16="http://schemas.microsoft.com/office/drawing/2014/main" xmlns="" val="10004"/>
                   </a:ext>
                 </a:extLst>
               </a:tr>
@@ -24976,7 +24976,7 @@
                 </a:tc>
                 <a:extLst>
                   <a:ext uri="{0D108BD9-81ED-4DB2-BD59-A6C34878D82A}">
-                    <a16:rowId xmlns="" xmlns:a16="http://schemas.microsoft.com/office/drawing/2014/main" val="10005"/>
+                    <a16:rowId xmlns:a16="http://schemas.microsoft.com/office/drawing/2014/main" xmlns="" val="10005"/>
                   </a:ext>
                 </a:extLst>
               </a:tr>
@@ -25067,42 +25067,42 @@
                 <a:gridCol w="1074501">
                   <a:extLst>
                     <a:ext uri="{9D8B030D-6E8A-4147-A177-3AD203B41FA5}">
-                      <a16:colId xmlns="" xmlns:a16="http://schemas.microsoft.com/office/drawing/2014/main" val="20000"/>
+                      <a16:colId xmlns:a16="http://schemas.microsoft.com/office/drawing/2014/main" xmlns="" val="20000"/>
                     </a:ext>
                   </a:extLst>
                 </a:gridCol>
                 <a:gridCol w="1051431">
                   <a:extLst>
                     <a:ext uri="{9D8B030D-6E8A-4147-A177-3AD203B41FA5}">
-                      <a16:colId xmlns="" xmlns:a16="http://schemas.microsoft.com/office/drawing/2014/main" val="20001"/>
+                      <a16:colId xmlns:a16="http://schemas.microsoft.com/office/drawing/2014/main" xmlns="" val="20001"/>
                     </a:ext>
                   </a:extLst>
                 </a:gridCol>
                 <a:gridCol w="1104181">
                   <a:extLst>
                     <a:ext uri="{9D8B030D-6E8A-4147-A177-3AD203B41FA5}">
-                      <a16:colId xmlns="" xmlns:a16="http://schemas.microsoft.com/office/drawing/2014/main" val="20002"/>
+                      <a16:colId xmlns:a16="http://schemas.microsoft.com/office/drawing/2014/main" xmlns="" val="20002"/>
                     </a:ext>
                   </a:extLst>
                 </a:gridCol>
                 <a:gridCol w="751557">
                   <a:extLst>
                     <a:ext uri="{9D8B030D-6E8A-4147-A177-3AD203B41FA5}">
-                      <a16:colId xmlns="" xmlns:a16="http://schemas.microsoft.com/office/drawing/2014/main" val="20003"/>
+                      <a16:colId xmlns:a16="http://schemas.microsoft.com/office/drawing/2014/main" xmlns="" val="20003"/>
                     </a:ext>
                   </a:extLst>
                 </a:gridCol>
                 <a:gridCol w="909275">
                   <a:extLst>
                     <a:ext uri="{9D8B030D-6E8A-4147-A177-3AD203B41FA5}">
-                      <a16:colId xmlns="" xmlns:a16="http://schemas.microsoft.com/office/drawing/2014/main" val="20004"/>
+                      <a16:colId xmlns:a16="http://schemas.microsoft.com/office/drawing/2014/main" xmlns="" val="20004"/>
                     </a:ext>
                   </a:extLst>
                 </a:gridCol>
                 <a:gridCol w="1226019">
                   <a:extLst>
                     <a:ext uri="{9D8B030D-6E8A-4147-A177-3AD203B41FA5}">
-                      <a16:colId xmlns="" xmlns:a16="http://schemas.microsoft.com/office/drawing/2014/main" val="20005"/>
+                      <a16:colId xmlns:a16="http://schemas.microsoft.com/office/drawing/2014/main" xmlns="" val="20005"/>
                     </a:ext>
                   </a:extLst>
                 </a:gridCol>
@@ -25194,7 +25194,7 @@
                 </a:tc>
                 <a:extLst>
                   <a:ext uri="{0D108BD9-81ED-4DB2-BD59-A6C34878D82A}">
-                    <a16:rowId xmlns="" xmlns:a16="http://schemas.microsoft.com/office/drawing/2014/main" val="10000"/>
+                    <a16:rowId xmlns:a16="http://schemas.microsoft.com/office/drawing/2014/main" xmlns="" val="10000"/>
                   </a:ext>
                 </a:extLst>
               </a:tr>
@@ -25333,7 +25333,7 @@
                 </a:tc>
                 <a:extLst>
                   <a:ext uri="{0D108BD9-81ED-4DB2-BD59-A6C34878D82A}">
-                    <a16:rowId xmlns="" xmlns:a16="http://schemas.microsoft.com/office/drawing/2014/main" val="10001"/>
+                    <a16:rowId xmlns:a16="http://schemas.microsoft.com/office/drawing/2014/main" xmlns="" val="10001"/>
                   </a:ext>
                 </a:extLst>
               </a:tr>
@@ -25489,7 +25489,7 @@
                 </a:tc>
                 <a:extLst>
                   <a:ext uri="{0D108BD9-81ED-4DB2-BD59-A6C34878D82A}">
-                    <a16:rowId xmlns="" xmlns:a16="http://schemas.microsoft.com/office/drawing/2014/main" val="10002"/>
+                    <a16:rowId xmlns:a16="http://schemas.microsoft.com/office/drawing/2014/main" xmlns="" val="10002"/>
                   </a:ext>
                 </a:extLst>
               </a:tr>
@@ -25628,7 +25628,7 @@
                 </a:tc>
                 <a:extLst>
                   <a:ext uri="{0D108BD9-81ED-4DB2-BD59-A6C34878D82A}">
-                    <a16:rowId xmlns="" xmlns:a16="http://schemas.microsoft.com/office/drawing/2014/main" val="10003"/>
+                    <a16:rowId xmlns:a16="http://schemas.microsoft.com/office/drawing/2014/main" xmlns="" val="10003"/>
                   </a:ext>
                 </a:extLst>
               </a:tr>
@@ -25767,7 +25767,7 @@
                 </a:tc>
                 <a:extLst>
                   <a:ext uri="{0D108BD9-81ED-4DB2-BD59-A6C34878D82A}">
-                    <a16:rowId xmlns="" xmlns:a16="http://schemas.microsoft.com/office/drawing/2014/main" val="10004"/>
+                    <a16:rowId xmlns:a16="http://schemas.microsoft.com/office/drawing/2014/main" xmlns="" val="10004"/>
                   </a:ext>
                 </a:extLst>
               </a:tr>
@@ -25906,7 +25906,7 @@
                 </a:tc>
                 <a:extLst>
                   <a:ext uri="{0D108BD9-81ED-4DB2-BD59-A6C34878D82A}">
-                    <a16:rowId xmlns="" xmlns:a16="http://schemas.microsoft.com/office/drawing/2014/main" val="10005"/>
+                    <a16:rowId xmlns:a16="http://schemas.microsoft.com/office/drawing/2014/main" xmlns="" val="10005"/>
                   </a:ext>
                 </a:extLst>
               </a:tr>
@@ -26812,7 +26812,7 @@
           <p:nvPr>
             <p:extLst>
               <p:ext uri="{D42A27DB-BD31-4B8C-83A1-F6EECF244321}">
-                <p14:modId xmlns:p14="http://schemas.microsoft.com/office/powerpoint/2010/main" val="2328162914"/>
+                <p14:modId xmlns:p14="http://schemas.microsoft.com/office/powerpoint/2010/main" val="2100039267"/>
               </p:ext>
             </p:extLst>
           </p:nvPr>
@@ -26868,7 +26868,7 @@
                         <a:rPr lang="en-IN" dirty="0" smtClean="0">
                           <a:effectLst/>
                         </a:rPr>
-                        <a:t>1</a:t>
+                        <a:t>2</a:t>
                       </a:r>
                       <a:endParaRPr lang="en-GB" dirty="0"/>
                     </a:p>
@@ -27043,8 +27043,8 @@
         </p:nvSpPr>
         <p:spPr>
           <a:xfrm>
-            <a:off x="6409426" y="4264560"/>
-            <a:ext cx="4416725" cy="646331"/>
+            <a:off x="6392173" y="4156397"/>
+            <a:ext cx="4416725" cy="923330"/>
           </a:xfrm>
           <a:prstGeom prst="rect">
             <a:avLst/>
@@ -27073,8 +27073,17 @@
             </a:r>
             <a:r>
               <a:rPr lang="en-GB" dirty="0"/>
+              <a:t>"                "</a:t>
+            </a:r>
+            <a:r>
+              <a:rPr lang="en-GB" dirty="0" err="1"/>
+              <a:t>diastolicMaxMeanAxialVelocity</a:t>
+            </a:r>
+            <a:r>
+              <a:rPr lang="en-GB" dirty="0"/>
               <a:t>"</a:t>
             </a:r>
+            <a:endParaRPr lang="en-GB" dirty="0"/>
           </a:p>
         </p:txBody>
       </p:sp>
@@ -27590,42 +27599,42 @@
                 <a:gridCol w="1074501">
                   <a:extLst>
                     <a:ext uri="{9D8B030D-6E8A-4147-A177-3AD203B41FA5}">
-                      <a16:colId xmlns="" xmlns:a16="http://schemas.microsoft.com/office/drawing/2014/main" val="20000"/>
+                      <a16:colId xmlns:a16="http://schemas.microsoft.com/office/drawing/2014/main" xmlns="" val="20000"/>
                     </a:ext>
                   </a:extLst>
                 </a:gridCol>
                 <a:gridCol w="1292971">
                   <a:extLst>
                     <a:ext uri="{9D8B030D-6E8A-4147-A177-3AD203B41FA5}">
-                      <a16:colId xmlns="" xmlns:a16="http://schemas.microsoft.com/office/drawing/2014/main" val="20001"/>
+                      <a16:colId xmlns:a16="http://schemas.microsoft.com/office/drawing/2014/main" xmlns="" val="20001"/>
                     </a:ext>
                   </a:extLst>
                 </a:gridCol>
                 <a:gridCol w="1121434">
                   <a:extLst>
                     <a:ext uri="{9D8B030D-6E8A-4147-A177-3AD203B41FA5}">
-                      <a16:colId xmlns="" xmlns:a16="http://schemas.microsoft.com/office/drawing/2014/main" val="20002"/>
+                      <a16:colId xmlns:a16="http://schemas.microsoft.com/office/drawing/2014/main" xmlns="" val="20002"/>
                     </a:ext>
                   </a:extLst>
                 </a:gridCol>
                 <a:gridCol w="802256">
                   <a:extLst>
                     <a:ext uri="{9D8B030D-6E8A-4147-A177-3AD203B41FA5}">
-                      <a16:colId xmlns="" xmlns:a16="http://schemas.microsoft.com/office/drawing/2014/main" val="20003"/>
+                      <a16:colId xmlns:a16="http://schemas.microsoft.com/office/drawing/2014/main" xmlns="" val="20003"/>
                     </a:ext>
                   </a:extLst>
                 </a:gridCol>
                 <a:gridCol w="888521">
                   <a:extLst>
                     <a:ext uri="{9D8B030D-6E8A-4147-A177-3AD203B41FA5}">
-                      <a16:colId xmlns="" xmlns:a16="http://schemas.microsoft.com/office/drawing/2014/main" val="20004"/>
+                      <a16:colId xmlns:a16="http://schemas.microsoft.com/office/drawing/2014/main" xmlns="" val="20004"/>
                     </a:ext>
                   </a:extLst>
                 </a:gridCol>
                 <a:gridCol w="1035170">
                   <a:extLst>
                     <a:ext uri="{9D8B030D-6E8A-4147-A177-3AD203B41FA5}">
-                      <a16:colId xmlns="" xmlns:a16="http://schemas.microsoft.com/office/drawing/2014/main" val="20005"/>
+                      <a16:colId xmlns:a16="http://schemas.microsoft.com/office/drawing/2014/main" xmlns="" val="20005"/>
                     </a:ext>
                   </a:extLst>
                 </a:gridCol>
@@ -27717,7 +27726,7 @@
                 </a:tc>
                 <a:extLst>
                   <a:ext uri="{0D108BD9-81ED-4DB2-BD59-A6C34878D82A}">
-                    <a16:rowId xmlns="" xmlns:a16="http://schemas.microsoft.com/office/drawing/2014/main" val="10000"/>
+                    <a16:rowId xmlns:a16="http://schemas.microsoft.com/office/drawing/2014/main" xmlns="" val="10000"/>
                   </a:ext>
                 </a:extLst>
               </a:tr>
@@ -27814,7 +27823,7 @@
                 </a:tc>
                 <a:extLst>
                   <a:ext uri="{0D108BD9-81ED-4DB2-BD59-A6C34878D82A}">
-                    <a16:rowId xmlns="" xmlns:a16="http://schemas.microsoft.com/office/drawing/2014/main" val="10001"/>
+                    <a16:rowId xmlns:a16="http://schemas.microsoft.com/office/drawing/2014/main" xmlns="" val="10001"/>
                   </a:ext>
                 </a:extLst>
               </a:tr>
@@ -27972,7 +27981,7 @@
                 </a:tc>
                 <a:extLst>
                   <a:ext uri="{0D108BD9-81ED-4DB2-BD59-A6C34878D82A}">
-                    <a16:rowId xmlns="" xmlns:a16="http://schemas.microsoft.com/office/drawing/2014/main" val="10002"/>
+                    <a16:rowId xmlns:a16="http://schemas.microsoft.com/office/drawing/2014/main" xmlns="" val="10002"/>
                   </a:ext>
                 </a:extLst>
               </a:tr>
@@ -28113,7 +28122,7 @@
                 </a:tc>
                 <a:extLst>
                   <a:ext uri="{0D108BD9-81ED-4DB2-BD59-A6C34878D82A}">
-                    <a16:rowId xmlns="" xmlns:a16="http://schemas.microsoft.com/office/drawing/2014/main" val="10003"/>
+                    <a16:rowId xmlns:a16="http://schemas.microsoft.com/office/drawing/2014/main" xmlns="" val="10003"/>
                   </a:ext>
                 </a:extLst>
               </a:tr>
@@ -28252,7 +28261,7 @@
                 </a:tc>
                 <a:extLst>
                   <a:ext uri="{0D108BD9-81ED-4DB2-BD59-A6C34878D82A}">
-                    <a16:rowId xmlns="" xmlns:a16="http://schemas.microsoft.com/office/drawing/2014/main" val="10004"/>
+                    <a16:rowId xmlns:a16="http://schemas.microsoft.com/office/drawing/2014/main" xmlns="" val="10004"/>
                   </a:ext>
                 </a:extLst>
               </a:tr>
@@ -28393,7 +28402,7 @@
                 </a:tc>
                 <a:extLst>
                   <a:ext uri="{0D108BD9-81ED-4DB2-BD59-A6C34878D82A}">
-                    <a16:rowId xmlns="" xmlns:a16="http://schemas.microsoft.com/office/drawing/2014/main" val="10005"/>
+                    <a16:rowId xmlns:a16="http://schemas.microsoft.com/office/drawing/2014/main" xmlns="" val="10005"/>
                   </a:ext>
                 </a:extLst>
               </a:tr>
@@ -28840,42 +28849,42 @@
                 <a:gridCol w="1074501">
                   <a:extLst>
                     <a:ext uri="{9D8B030D-6E8A-4147-A177-3AD203B41FA5}">
-                      <a16:colId xmlns="" xmlns:a16="http://schemas.microsoft.com/office/drawing/2014/main" val="20000"/>
+                      <a16:colId xmlns:a16="http://schemas.microsoft.com/office/drawing/2014/main" xmlns="" val="20000"/>
                     </a:ext>
                   </a:extLst>
                 </a:gridCol>
                 <a:gridCol w="1137695">
                   <a:extLst>
                     <a:ext uri="{9D8B030D-6E8A-4147-A177-3AD203B41FA5}">
-                      <a16:colId xmlns="" xmlns:a16="http://schemas.microsoft.com/office/drawing/2014/main" val="20001"/>
+                      <a16:colId xmlns:a16="http://schemas.microsoft.com/office/drawing/2014/main" xmlns="" val="20001"/>
                     </a:ext>
                   </a:extLst>
                 </a:gridCol>
                 <a:gridCol w="1086928">
                   <a:extLst>
                     <a:ext uri="{9D8B030D-6E8A-4147-A177-3AD203B41FA5}">
-                      <a16:colId xmlns="" xmlns:a16="http://schemas.microsoft.com/office/drawing/2014/main" val="20002"/>
+                      <a16:colId xmlns:a16="http://schemas.microsoft.com/office/drawing/2014/main" xmlns="" val="20002"/>
                     </a:ext>
                   </a:extLst>
                 </a:gridCol>
                 <a:gridCol w="888521">
                   <a:extLst>
                     <a:ext uri="{9D8B030D-6E8A-4147-A177-3AD203B41FA5}">
-                      <a16:colId xmlns="" xmlns:a16="http://schemas.microsoft.com/office/drawing/2014/main" val="20003"/>
+                      <a16:colId xmlns:a16="http://schemas.microsoft.com/office/drawing/2014/main" xmlns="" val="20003"/>
                     </a:ext>
                   </a:extLst>
                 </a:gridCol>
                 <a:gridCol w="810883">
                   <a:extLst>
                     <a:ext uri="{9D8B030D-6E8A-4147-A177-3AD203B41FA5}">
-                      <a16:colId xmlns="" xmlns:a16="http://schemas.microsoft.com/office/drawing/2014/main" val="20004"/>
+                      <a16:colId xmlns:a16="http://schemas.microsoft.com/office/drawing/2014/main" xmlns="" val="20004"/>
                     </a:ext>
                   </a:extLst>
                 </a:gridCol>
                 <a:gridCol w="1118436">
                   <a:extLst>
                     <a:ext uri="{9D8B030D-6E8A-4147-A177-3AD203B41FA5}">
-                      <a16:colId xmlns="" xmlns:a16="http://schemas.microsoft.com/office/drawing/2014/main" val="20005"/>
+                      <a16:colId xmlns:a16="http://schemas.microsoft.com/office/drawing/2014/main" xmlns="" val="20005"/>
                     </a:ext>
                   </a:extLst>
                 </a:gridCol>
@@ -28967,7 +28976,7 @@
                 </a:tc>
                 <a:extLst>
                   <a:ext uri="{0D108BD9-81ED-4DB2-BD59-A6C34878D82A}">
-                    <a16:rowId xmlns="" xmlns:a16="http://schemas.microsoft.com/office/drawing/2014/main" val="10000"/>
+                    <a16:rowId xmlns:a16="http://schemas.microsoft.com/office/drawing/2014/main" xmlns="" val="10000"/>
                   </a:ext>
                 </a:extLst>
               </a:tr>
@@ -29066,7 +29075,7 @@
                 </a:tc>
                 <a:extLst>
                   <a:ext uri="{0D108BD9-81ED-4DB2-BD59-A6C34878D82A}">
-                    <a16:rowId xmlns="" xmlns:a16="http://schemas.microsoft.com/office/drawing/2014/main" val="10001"/>
+                    <a16:rowId xmlns:a16="http://schemas.microsoft.com/office/drawing/2014/main" xmlns="" val="10001"/>
                   </a:ext>
                 </a:extLst>
               </a:tr>
@@ -29224,7 +29233,7 @@
                 </a:tc>
                 <a:extLst>
                   <a:ext uri="{0D108BD9-81ED-4DB2-BD59-A6C34878D82A}">
-                    <a16:rowId xmlns="" xmlns:a16="http://schemas.microsoft.com/office/drawing/2014/main" val="10002"/>
+                    <a16:rowId xmlns:a16="http://schemas.microsoft.com/office/drawing/2014/main" xmlns="" val="10002"/>
                   </a:ext>
                 </a:extLst>
               </a:tr>
@@ -29363,7 +29372,7 @@
                 </a:tc>
                 <a:extLst>
                   <a:ext uri="{0D108BD9-81ED-4DB2-BD59-A6C34878D82A}">
-                    <a16:rowId xmlns="" xmlns:a16="http://schemas.microsoft.com/office/drawing/2014/main" val="10003"/>
+                    <a16:rowId xmlns:a16="http://schemas.microsoft.com/office/drawing/2014/main" xmlns="" val="10003"/>
                   </a:ext>
                 </a:extLst>
               </a:tr>
@@ -29462,7 +29471,7 @@
                 </a:tc>
                 <a:extLst>
                   <a:ext uri="{0D108BD9-81ED-4DB2-BD59-A6C34878D82A}">
-                    <a16:rowId xmlns="" xmlns:a16="http://schemas.microsoft.com/office/drawing/2014/main" val="10004"/>
+                    <a16:rowId xmlns:a16="http://schemas.microsoft.com/office/drawing/2014/main" xmlns="" val="10004"/>
                   </a:ext>
                 </a:extLst>
               </a:tr>
@@ -29563,7 +29572,7 @@
                 </a:tc>
                 <a:extLst>
                   <a:ext uri="{0D108BD9-81ED-4DB2-BD59-A6C34878D82A}">
-                    <a16:rowId xmlns="" xmlns:a16="http://schemas.microsoft.com/office/drawing/2014/main" val="10005"/>
+                    <a16:rowId xmlns:a16="http://schemas.microsoft.com/office/drawing/2014/main" xmlns="" val="10005"/>
                   </a:ext>
                 </a:extLst>
               </a:tr>
@@ -29654,42 +29663,42 @@
                 <a:gridCol w="1074501">
                   <a:extLst>
                     <a:ext uri="{9D8B030D-6E8A-4147-A177-3AD203B41FA5}">
-                      <a16:colId xmlns="" xmlns:a16="http://schemas.microsoft.com/office/drawing/2014/main" val="20000"/>
+                      <a16:colId xmlns:a16="http://schemas.microsoft.com/office/drawing/2014/main" xmlns="" val="20000"/>
                     </a:ext>
                   </a:extLst>
                 </a:gridCol>
                 <a:gridCol w="1361982">
                   <a:extLst>
                     <a:ext uri="{9D8B030D-6E8A-4147-A177-3AD203B41FA5}">
-                      <a16:colId xmlns="" xmlns:a16="http://schemas.microsoft.com/office/drawing/2014/main" val="20001"/>
+                      <a16:colId xmlns:a16="http://schemas.microsoft.com/office/drawing/2014/main" xmlns="" val="20001"/>
                     </a:ext>
                   </a:extLst>
                 </a:gridCol>
                 <a:gridCol w="1069675">
                   <a:extLst>
                     <a:ext uri="{9D8B030D-6E8A-4147-A177-3AD203B41FA5}">
-                      <a16:colId xmlns="" xmlns:a16="http://schemas.microsoft.com/office/drawing/2014/main" val="20002"/>
+                      <a16:colId xmlns:a16="http://schemas.microsoft.com/office/drawing/2014/main" xmlns="" val="20002"/>
                     </a:ext>
                   </a:extLst>
                 </a:gridCol>
                 <a:gridCol w="776378">
                   <a:extLst>
                     <a:ext uri="{9D8B030D-6E8A-4147-A177-3AD203B41FA5}">
-                      <a16:colId xmlns="" xmlns:a16="http://schemas.microsoft.com/office/drawing/2014/main" val="20003"/>
+                      <a16:colId xmlns:a16="http://schemas.microsoft.com/office/drawing/2014/main" xmlns="" val="20003"/>
                     </a:ext>
                   </a:extLst>
                 </a:gridCol>
                 <a:gridCol w="785004">
                   <a:extLst>
                     <a:ext uri="{9D8B030D-6E8A-4147-A177-3AD203B41FA5}">
-                      <a16:colId xmlns="" xmlns:a16="http://schemas.microsoft.com/office/drawing/2014/main" val="20004"/>
+                      <a16:colId xmlns:a16="http://schemas.microsoft.com/office/drawing/2014/main" xmlns="" val="20004"/>
                     </a:ext>
                   </a:extLst>
                 </a:gridCol>
                 <a:gridCol w="1049424">
                   <a:extLst>
                     <a:ext uri="{9D8B030D-6E8A-4147-A177-3AD203B41FA5}">
-                      <a16:colId xmlns="" xmlns:a16="http://schemas.microsoft.com/office/drawing/2014/main" val="20005"/>
+                      <a16:colId xmlns:a16="http://schemas.microsoft.com/office/drawing/2014/main" xmlns="" val="20005"/>
                     </a:ext>
                   </a:extLst>
                 </a:gridCol>
@@ -29781,7 +29790,7 @@
                 </a:tc>
                 <a:extLst>
                   <a:ext uri="{0D108BD9-81ED-4DB2-BD59-A6C34878D82A}">
-                    <a16:rowId xmlns="" xmlns:a16="http://schemas.microsoft.com/office/drawing/2014/main" val="10000"/>
+                    <a16:rowId xmlns:a16="http://schemas.microsoft.com/office/drawing/2014/main" xmlns="" val="10000"/>
                   </a:ext>
                 </a:extLst>
               </a:tr>
@@ -29878,7 +29887,7 @@
                 </a:tc>
                 <a:extLst>
                   <a:ext uri="{0D108BD9-81ED-4DB2-BD59-A6C34878D82A}">
-                    <a16:rowId xmlns="" xmlns:a16="http://schemas.microsoft.com/office/drawing/2014/main" val="10001"/>
+                    <a16:rowId xmlns:a16="http://schemas.microsoft.com/office/drawing/2014/main" xmlns="" val="10001"/>
                   </a:ext>
                 </a:extLst>
               </a:tr>
@@ -30038,7 +30047,7 @@
                 </a:tc>
                 <a:extLst>
                   <a:ext uri="{0D108BD9-81ED-4DB2-BD59-A6C34878D82A}">
-                    <a16:rowId xmlns="" xmlns:a16="http://schemas.microsoft.com/office/drawing/2014/main" val="10002"/>
+                    <a16:rowId xmlns:a16="http://schemas.microsoft.com/office/drawing/2014/main" xmlns="" val="10002"/>
                   </a:ext>
                 </a:extLst>
               </a:tr>
@@ -30179,7 +30188,7 @@
                 </a:tc>
                 <a:extLst>
                   <a:ext uri="{0D108BD9-81ED-4DB2-BD59-A6C34878D82A}">
-                    <a16:rowId xmlns="" xmlns:a16="http://schemas.microsoft.com/office/drawing/2014/main" val="10003"/>
+                    <a16:rowId xmlns:a16="http://schemas.microsoft.com/office/drawing/2014/main" xmlns="" val="10003"/>
                   </a:ext>
                 </a:extLst>
               </a:tr>
@@ -30320,7 +30329,7 @@
                 </a:tc>
                 <a:extLst>
                   <a:ext uri="{0D108BD9-81ED-4DB2-BD59-A6C34878D82A}">
-                    <a16:rowId xmlns="" xmlns:a16="http://schemas.microsoft.com/office/drawing/2014/main" val="10004"/>
+                    <a16:rowId xmlns:a16="http://schemas.microsoft.com/office/drawing/2014/main" xmlns="" val="10004"/>
                   </a:ext>
                 </a:extLst>
               </a:tr>
@@ -30419,7 +30428,7 @@
                 </a:tc>
                 <a:extLst>
                   <a:ext uri="{0D108BD9-81ED-4DB2-BD59-A6C34878D82A}">
-                    <a16:rowId xmlns="" xmlns:a16="http://schemas.microsoft.com/office/drawing/2014/main" val="10005"/>
+                    <a16:rowId xmlns:a16="http://schemas.microsoft.com/office/drawing/2014/main" xmlns="" val="10005"/>
                   </a:ext>
                 </a:extLst>
               </a:tr>
@@ -30510,42 +30519,42 @@
                 <a:gridCol w="1074501">
                   <a:extLst>
                     <a:ext uri="{9D8B030D-6E8A-4147-A177-3AD203B41FA5}">
-                      <a16:colId xmlns="" xmlns:a16="http://schemas.microsoft.com/office/drawing/2014/main" val="20000"/>
+                      <a16:colId xmlns:a16="http://schemas.microsoft.com/office/drawing/2014/main" xmlns="" val="20000"/>
                     </a:ext>
                   </a:extLst>
                 </a:gridCol>
                 <a:gridCol w="1094563">
                   <a:extLst>
                     <a:ext uri="{9D8B030D-6E8A-4147-A177-3AD203B41FA5}">
-                      <a16:colId xmlns="" xmlns:a16="http://schemas.microsoft.com/office/drawing/2014/main" val="20001"/>
+                      <a16:colId xmlns:a16="http://schemas.microsoft.com/office/drawing/2014/main" xmlns="" val="20001"/>
                     </a:ext>
                   </a:extLst>
                 </a:gridCol>
                 <a:gridCol w="1112808">
                   <a:extLst>
                     <a:ext uri="{9D8B030D-6E8A-4147-A177-3AD203B41FA5}">
-                      <a16:colId xmlns="" xmlns:a16="http://schemas.microsoft.com/office/drawing/2014/main" val="20002"/>
+                      <a16:colId xmlns:a16="http://schemas.microsoft.com/office/drawing/2014/main" xmlns="" val="20002"/>
                     </a:ext>
                   </a:extLst>
                 </a:gridCol>
                 <a:gridCol w="755968">
                   <a:extLst>
                     <a:ext uri="{9D8B030D-6E8A-4147-A177-3AD203B41FA5}">
-                      <a16:colId xmlns="" xmlns:a16="http://schemas.microsoft.com/office/drawing/2014/main" val="20003"/>
+                      <a16:colId xmlns:a16="http://schemas.microsoft.com/office/drawing/2014/main" xmlns="" val="20003"/>
                     </a:ext>
                   </a:extLst>
                 </a:gridCol>
                 <a:gridCol w="909275">
                   <a:extLst>
                     <a:ext uri="{9D8B030D-6E8A-4147-A177-3AD203B41FA5}">
-                      <a16:colId xmlns="" xmlns:a16="http://schemas.microsoft.com/office/drawing/2014/main" val="20004"/>
+                      <a16:colId xmlns:a16="http://schemas.microsoft.com/office/drawing/2014/main" xmlns="" val="20004"/>
                     </a:ext>
                   </a:extLst>
                 </a:gridCol>
                 <a:gridCol w="1226019">
                   <a:extLst>
                     <a:ext uri="{9D8B030D-6E8A-4147-A177-3AD203B41FA5}">
-                      <a16:colId xmlns="" xmlns:a16="http://schemas.microsoft.com/office/drawing/2014/main" val="20005"/>
+                      <a16:colId xmlns:a16="http://schemas.microsoft.com/office/drawing/2014/main" xmlns="" val="20005"/>
                     </a:ext>
                   </a:extLst>
                 </a:gridCol>
@@ -30637,7 +30646,7 @@
                 </a:tc>
                 <a:extLst>
                   <a:ext uri="{0D108BD9-81ED-4DB2-BD59-A6C34878D82A}">
-                    <a16:rowId xmlns="" xmlns:a16="http://schemas.microsoft.com/office/drawing/2014/main" val="10000"/>
+                    <a16:rowId xmlns:a16="http://schemas.microsoft.com/office/drawing/2014/main" xmlns="" val="10000"/>
                   </a:ext>
                 </a:extLst>
               </a:tr>
@@ -30736,7 +30745,7 @@
                 </a:tc>
                 <a:extLst>
                   <a:ext uri="{0D108BD9-81ED-4DB2-BD59-A6C34878D82A}">
-                    <a16:rowId xmlns="" xmlns:a16="http://schemas.microsoft.com/office/drawing/2014/main" val="10001"/>
+                    <a16:rowId xmlns:a16="http://schemas.microsoft.com/office/drawing/2014/main" xmlns="" val="10001"/>
                   </a:ext>
                 </a:extLst>
               </a:tr>
@@ -30854,7 +30863,7 @@
                 </a:tc>
                 <a:extLst>
                   <a:ext uri="{0D108BD9-81ED-4DB2-BD59-A6C34878D82A}">
-                    <a16:rowId xmlns="" xmlns:a16="http://schemas.microsoft.com/office/drawing/2014/main" val="10002"/>
+                    <a16:rowId xmlns:a16="http://schemas.microsoft.com/office/drawing/2014/main" xmlns="" val="10002"/>
                   </a:ext>
                 </a:extLst>
               </a:tr>
@@ -30995,7 +31004,7 @@
                 </a:tc>
                 <a:extLst>
                   <a:ext uri="{0D108BD9-81ED-4DB2-BD59-A6C34878D82A}">
-                    <a16:rowId xmlns="" xmlns:a16="http://schemas.microsoft.com/office/drawing/2014/main" val="10003"/>
+                    <a16:rowId xmlns:a16="http://schemas.microsoft.com/office/drawing/2014/main" xmlns="" val="10003"/>
                   </a:ext>
                 </a:extLst>
               </a:tr>
@@ -31136,7 +31145,7 @@
                 </a:tc>
                 <a:extLst>
                   <a:ext uri="{0D108BD9-81ED-4DB2-BD59-A6C34878D82A}">
-                    <a16:rowId xmlns="" xmlns:a16="http://schemas.microsoft.com/office/drawing/2014/main" val="10004"/>
+                    <a16:rowId xmlns:a16="http://schemas.microsoft.com/office/drawing/2014/main" xmlns="" val="10004"/>
                   </a:ext>
                 </a:extLst>
               </a:tr>
@@ -31249,7 +31258,7 @@
                 </a:tc>
                 <a:extLst>
                   <a:ext uri="{0D108BD9-81ED-4DB2-BD59-A6C34878D82A}">
-                    <a16:rowId xmlns="" xmlns:a16="http://schemas.microsoft.com/office/drawing/2014/main" val="10005"/>
+                    <a16:rowId xmlns:a16="http://schemas.microsoft.com/office/drawing/2014/main" xmlns="" val="10005"/>
                   </a:ext>
                 </a:extLst>
               </a:tr>
@@ -31340,42 +31349,42 @@
                 <a:gridCol w="1108522">
                   <a:extLst>
                     <a:ext uri="{9D8B030D-6E8A-4147-A177-3AD203B41FA5}">
-                      <a16:colId xmlns="" xmlns:a16="http://schemas.microsoft.com/office/drawing/2014/main" val="20000"/>
+                      <a16:colId xmlns:a16="http://schemas.microsoft.com/office/drawing/2014/main" xmlns="" val="20000"/>
                     </a:ext>
                   </a:extLst>
                 </a:gridCol>
                 <a:gridCol w="1129219">
                   <a:extLst>
                     <a:ext uri="{9D8B030D-6E8A-4147-A177-3AD203B41FA5}">
-                      <a16:colId xmlns="" xmlns:a16="http://schemas.microsoft.com/office/drawing/2014/main" val="20001"/>
+                      <a16:colId xmlns:a16="http://schemas.microsoft.com/office/drawing/2014/main" xmlns="" val="20001"/>
                     </a:ext>
                   </a:extLst>
                 </a:gridCol>
                 <a:gridCol w="1148042">
                   <a:extLst>
                     <a:ext uri="{9D8B030D-6E8A-4147-A177-3AD203B41FA5}">
-                      <a16:colId xmlns="" xmlns:a16="http://schemas.microsoft.com/office/drawing/2014/main" val="20002"/>
+                      <a16:colId xmlns:a16="http://schemas.microsoft.com/office/drawing/2014/main" xmlns="" val="20002"/>
                     </a:ext>
                   </a:extLst>
                 </a:gridCol>
                 <a:gridCol w="802761">
                   <a:extLst>
                     <a:ext uri="{9D8B030D-6E8A-4147-A177-3AD203B41FA5}">
-                      <a16:colId xmlns="" xmlns:a16="http://schemas.microsoft.com/office/drawing/2014/main" val="20003"/>
+                      <a16:colId xmlns:a16="http://schemas.microsoft.com/office/drawing/2014/main" xmlns="" val="20003"/>
                     </a:ext>
                   </a:extLst>
                 </a:gridCol>
                 <a:gridCol w="857259">
                   <a:extLst>
                     <a:ext uri="{9D8B030D-6E8A-4147-A177-3AD203B41FA5}">
-                      <a16:colId xmlns="" xmlns:a16="http://schemas.microsoft.com/office/drawing/2014/main" val="20004"/>
+                      <a16:colId xmlns:a16="http://schemas.microsoft.com/office/drawing/2014/main" xmlns="" val="20004"/>
                     </a:ext>
                   </a:extLst>
                 </a:gridCol>
                 <a:gridCol w="1264838">
                   <a:extLst>
                     <a:ext uri="{9D8B030D-6E8A-4147-A177-3AD203B41FA5}">
-                      <a16:colId xmlns="" xmlns:a16="http://schemas.microsoft.com/office/drawing/2014/main" val="20005"/>
+                      <a16:colId xmlns:a16="http://schemas.microsoft.com/office/drawing/2014/main" xmlns="" val="20005"/>
                     </a:ext>
                   </a:extLst>
                 </a:gridCol>
@@ -31467,7 +31476,7 @@
                 </a:tc>
                 <a:extLst>
                   <a:ext uri="{0D108BD9-81ED-4DB2-BD59-A6C34878D82A}">
-                    <a16:rowId xmlns="" xmlns:a16="http://schemas.microsoft.com/office/drawing/2014/main" val="10000"/>
+                    <a16:rowId xmlns:a16="http://schemas.microsoft.com/office/drawing/2014/main" xmlns="" val="10000"/>
                   </a:ext>
                 </a:extLst>
               </a:tr>
@@ -31565,7 +31574,7 @@
                 </a:tc>
                 <a:extLst>
                   <a:ext uri="{0D108BD9-81ED-4DB2-BD59-A6C34878D82A}">
-                    <a16:rowId xmlns="" xmlns:a16="http://schemas.microsoft.com/office/drawing/2014/main" val="10001"/>
+                    <a16:rowId xmlns:a16="http://schemas.microsoft.com/office/drawing/2014/main" xmlns="" val="10001"/>
                   </a:ext>
                 </a:extLst>
               </a:tr>
@@ -31725,7 +31734,7 @@
                 </a:tc>
                 <a:extLst>
                   <a:ext uri="{0D108BD9-81ED-4DB2-BD59-A6C34878D82A}">
-                    <a16:rowId xmlns="" xmlns:a16="http://schemas.microsoft.com/office/drawing/2014/main" val="10002"/>
+                    <a16:rowId xmlns:a16="http://schemas.microsoft.com/office/drawing/2014/main" xmlns="" val="10002"/>
                   </a:ext>
                 </a:extLst>
               </a:tr>
@@ -31866,7 +31875,7 @@
                 </a:tc>
                 <a:extLst>
                   <a:ext uri="{0D108BD9-81ED-4DB2-BD59-A6C34878D82A}">
-                    <a16:rowId xmlns="" xmlns:a16="http://schemas.microsoft.com/office/drawing/2014/main" val="10003"/>
+                    <a16:rowId xmlns:a16="http://schemas.microsoft.com/office/drawing/2014/main" xmlns="" val="10003"/>
                   </a:ext>
                 </a:extLst>
               </a:tr>
@@ -32009,7 +32018,7 @@
                 </a:tc>
                 <a:extLst>
                   <a:ext uri="{0D108BD9-81ED-4DB2-BD59-A6C34878D82A}">
-                    <a16:rowId xmlns="" xmlns:a16="http://schemas.microsoft.com/office/drawing/2014/main" val="10004"/>
+                    <a16:rowId xmlns:a16="http://schemas.microsoft.com/office/drawing/2014/main" xmlns="" val="10004"/>
                   </a:ext>
                 </a:extLst>
               </a:tr>
@@ -32108,7 +32117,7 @@
                 </a:tc>
                 <a:extLst>
                   <a:ext uri="{0D108BD9-81ED-4DB2-BD59-A6C34878D82A}">
-                    <a16:rowId xmlns="" xmlns:a16="http://schemas.microsoft.com/office/drawing/2014/main" val="10005"/>
+                    <a16:rowId xmlns:a16="http://schemas.microsoft.com/office/drawing/2014/main" xmlns="" val="10005"/>
                   </a:ext>
                 </a:extLst>
               </a:tr>

--- a/Reports/Hiwi Meeting 4.pptx
+++ b/Reports/Hiwi Meeting 4.pptx
@@ -4127,42 +4127,42 @@
                 <a:gridCol w="1074501">
                   <a:extLst>
                     <a:ext uri="{9D8B030D-6E8A-4147-A177-3AD203B41FA5}">
-                      <a16:colId xmlns:a16="http://schemas.microsoft.com/office/drawing/2014/main" xmlns="" val="20000"/>
+                      <a16:colId xmlns="" xmlns:a16="http://schemas.microsoft.com/office/drawing/2014/main" val="20000"/>
                     </a:ext>
                   </a:extLst>
                 </a:gridCol>
                 <a:gridCol w="1094563">
                   <a:extLst>
                     <a:ext uri="{9D8B030D-6E8A-4147-A177-3AD203B41FA5}">
-                      <a16:colId xmlns:a16="http://schemas.microsoft.com/office/drawing/2014/main" xmlns="" val="20001"/>
+                      <a16:colId xmlns="" xmlns:a16="http://schemas.microsoft.com/office/drawing/2014/main" val="20001"/>
                     </a:ext>
                   </a:extLst>
                 </a:gridCol>
                 <a:gridCol w="1112808">
                   <a:extLst>
                     <a:ext uri="{9D8B030D-6E8A-4147-A177-3AD203B41FA5}">
-                      <a16:colId xmlns:a16="http://schemas.microsoft.com/office/drawing/2014/main" xmlns="" val="20002"/>
+                      <a16:colId xmlns="" xmlns:a16="http://schemas.microsoft.com/office/drawing/2014/main" val="20002"/>
                     </a:ext>
                   </a:extLst>
                 </a:gridCol>
                 <a:gridCol w="785901">
                   <a:extLst>
                     <a:ext uri="{9D8B030D-6E8A-4147-A177-3AD203B41FA5}">
-                      <a16:colId xmlns:a16="http://schemas.microsoft.com/office/drawing/2014/main" xmlns="" val="20003"/>
+                      <a16:colId xmlns="" xmlns:a16="http://schemas.microsoft.com/office/drawing/2014/main" val="20003"/>
                     </a:ext>
                   </a:extLst>
                 </a:gridCol>
                 <a:gridCol w="823172">
                   <a:extLst>
                     <a:ext uri="{9D8B030D-6E8A-4147-A177-3AD203B41FA5}">
-                      <a16:colId xmlns:a16="http://schemas.microsoft.com/office/drawing/2014/main" xmlns="" val="20004"/>
+                      <a16:colId xmlns="" xmlns:a16="http://schemas.microsoft.com/office/drawing/2014/main" val="20004"/>
                     </a:ext>
                   </a:extLst>
                 </a:gridCol>
                 <a:gridCol w="1226019">
                   <a:extLst>
                     <a:ext uri="{9D8B030D-6E8A-4147-A177-3AD203B41FA5}">
-                      <a16:colId xmlns:a16="http://schemas.microsoft.com/office/drawing/2014/main" xmlns="" val="20005"/>
+                      <a16:colId xmlns="" xmlns:a16="http://schemas.microsoft.com/office/drawing/2014/main" val="20005"/>
                     </a:ext>
                   </a:extLst>
                 </a:gridCol>
@@ -4254,7 +4254,7 @@
                 </a:tc>
                 <a:extLst>
                   <a:ext uri="{0D108BD9-81ED-4DB2-BD59-A6C34878D82A}">
-                    <a16:rowId xmlns:a16="http://schemas.microsoft.com/office/drawing/2014/main" xmlns="" val="10000"/>
+                    <a16:rowId xmlns="" xmlns:a16="http://schemas.microsoft.com/office/drawing/2014/main" val="10000"/>
                   </a:ext>
                 </a:extLst>
               </a:tr>
@@ -4351,7 +4351,7 @@
                 </a:tc>
                 <a:extLst>
                   <a:ext uri="{0D108BD9-81ED-4DB2-BD59-A6C34878D82A}">
-                    <a16:rowId xmlns:a16="http://schemas.microsoft.com/office/drawing/2014/main" xmlns="" val="10001"/>
+                    <a16:rowId xmlns="" xmlns:a16="http://schemas.microsoft.com/office/drawing/2014/main" val="10001"/>
                   </a:ext>
                 </a:extLst>
               </a:tr>
@@ -4509,7 +4509,7 @@
                 </a:tc>
                 <a:extLst>
                   <a:ext uri="{0D108BD9-81ED-4DB2-BD59-A6C34878D82A}">
-                    <a16:rowId xmlns:a16="http://schemas.microsoft.com/office/drawing/2014/main" xmlns="" val="10002"/>
+                    <a16:rowId xmlns="" xmlns:a16="http://schemas.microsoft.com/office/drawing/2014/main" val="10002"/>
                   </a:ext>
                 </a:extLst>
               </a:tr>
@@ -4652,7 +4652,7 @@
                 </a:tc>
                 <a:extLst>
                   <a:ext uri="{0D108BD9-81ED-4DB2-BD59-A6C34878D82A}">
-                    <a16:rowId xmlns:a16="http://schemas.microsoft.com/office/drawing/2014/main" xmlns="" val="10003"/>
+                    <a16:rowId xmlns="" xmlns:a16="http://schemas.microsoft.com/office/drawing/2014/main" val="10003"/>
                   </a:ext>
                 </a:extLst>
               </a:tr>
@@ -4753,7 +4753,7 @@
                 </a:tc>
                 <a:extLst>
                   <a:ext uri="{0D108BD9-81ED-4DB2-BD59-A6C34878D82A}">
-                    <a16:rowId xmlns:a16="http://schemas.microsoft.com/office/drawing/2014/main" xmlns="" val="10004"/>
+                    <a16:rowId xmlns="" xmlns:a16="http://schemas.microsoft.com/office/drawing/2014/main" val="10004"/>
                   </a:ext>
                 </a:extLst>
               </a:tr>
@@ -4854,7 +4854,7 @@
                 </a:tc>
                 <a:extLst>
                   <a:ext uri="{0D108BD9-81ED-4DB2-BD59-A6C34878D82A}">
-                    <a16:rowId xmlns:a16="http://schemas.microsoft.com/office/drawing/2014/main" xmlns="" val="10005"/>
+                    <a16:rowId xmlns="" xmlns:a16="http://schemas.microsoft.com/office/drawing/2014/main" val="10005"/>
                   </a:ext>
                 </a:extLst>
               </a:tr>
@@ -4945,42 +4945,42 @@
                 <a:gridCol w="1074501">
                   <a:extLst>
                     <a:ext uri="{9D8B030D-6E8A-4147-A177-3AD203B41FA5}">
-                      <a16:colId xmlns:a16="http://schemas.microsoft.com/office/drawing/2014/main" xmlns="" val="20000"/>
+                      <a16:colId xmlns="" xmlns:a16="http://schemas.microsoft.com/office/drawing/2014/main" val="20000"/>
                     </a:ext>
                   </a:extLst>
                 </a:gridCol>
                 <a:gridCol w="1042804">
                   <a:extLst>
                     <a:ext uri="{9D8B030D-6E8A-4147-A177-3AD203B41FA5}">
-                      <a16:colId xmlns:a16="http://schemas.microsoft.com/office/drawing/2014/main" xmlns="" val="20001"/>
+                      <a16:colId xmlns="" xmlns:a16="http://schemas.microsoft.com/office/drawing/2014/main" val="20001"/>
                     </a:ext>
                   </a:extLst>
                 </a:gridCol>
                 <a:gridCol w="1086929">
                   <a:extLst>
                     <a:ext uri="{9D8B030D-6E8A-4147-A177-3AD203B41FA5}">
-                      <a16:colId xmlns:a16="http://schemas.microsoft.com/office/drawing/2014/main" xmlns="" val="20002"/>
+                      <a16:colId xmlns="" xmlns:a16="http://schemas.microsoft.com/office/drawing/2014/main" val="20002"/>
                     </a:ext>
                   </a:extLst>
                 </a:gridCol>
                 <a:gridCol w="777436">
                   <a:extLst>
                     <a:ext uri="{9D8B030D-6E8A-4147-A177-3AD203B41FA5}">
-                      <a16:colId xmlns:a16="http://schemas.microsoft.com/office/drawing/2014/main" xmlns="" val="20003"/>
+                      <a16:colId xmlns="" xmlns:a16="http://schemas.microsoft.com/office/drawing/2014/main" val="20003"/>
                     </a:ext>
                   </a:extLst>
                 </a:gridCol>
                 <a:gridCol w="909275">
                   <a:extLst>
                     <a:ext uri="{9D8B030D-6E8A-4147-A177-3AD203B41FA5}">
-                      <a16:colId xmlns:a16="http://schemas.microsoft.com/office/drawing/2014/main" xmlns="" val="20004"/>
+                      <a16:colId xmlns="" xmlns:a16="http://schemas.microsoft.com/office/drawing/2014/main" val="20004"/>
                     </a:ext>
                   </a:extLst>
                 </a:gridCol>
                 <a:gridCol w="1226019">
                   <a:extLst>
                     <a:ext uri="{9D8B030D-6E8A-4147-A177-3AD203B41FA5}">
-                      <a16:colId xmlns:a16="http://schemas.microsoft.com/office/drawing/2014/main" xmlns="" val="20005"/>
+                      <a16:colId xmlns="" xmlns:a16="http://schemas.microsoft.com/office/drawing/2014/main" val="20005"/>
                     </a:ext>
                   </a:extLst>
                 </a:gridCol>
@@ -5072,7 +5072,7 @@
                 </a:tc>
                 <a:extLst>
                   <a:ext uri="{0D108BD9-81ED-4DB2-BD59-A6C34878D82A}">
-                    <a16:rowId xmlns:a16="http://schemas.microsoft.com/office/drawing/2014/main" xmlns="" val="10000"/>
+                    <a16:rowId xmlns="" xmlns:a16="http://schemas.microsoft.com/office/drawing/2014/main" val="10000"/>
                   </a:ext>
                 </a:extLst>
               </a:tr>
@@ -5169,7 +5169,7 @@
                 </a:tc>
                 <a:extLst>
                   <a:ext uri="{0D108BD9-81ED-4DB2-BD59-A6C34878D82A}">
-                    <a16:rowId xmlns:a16="http://schemas.microsoft.com/office/drawing/2014/main" xmlns="" val="10001"/>
+                    <a16:rowId xmlns="" xmlns:a16="http://schemas.microsoft.com/office/drawing/2014/main" val="10001"/>
                   </a:ext>
                 </a:extLst>
               </a:tr>
@@ -5329,7 +5329,7 @@
                 </a:tc>
                 <a:extLst>
                   <a:ext uri="{0D108BD9-81ED-4DB2-BD59-A6C34878D82A}">
-                    <a16:rowId xmlns:a16="http://schemas.microsoft.com/office/drawing/2014/main" xmlns="" val="10002"/>
+                    <a16:rowId xmlns="" xmlns:a16="http://schemas.microsoft.com/office/drawing/2014/main" val="10002"/>
                   </a:ext>
                 </a:extLst>
               </a:tr>
@@ -5489,7 +5489,7 @@
                 </a:tc>
                 <a:extLst>
                   <a:ext uri="{0D108BD9-81ED-4DB2-BD59-A6C34878D82A}">
-                    <a16:rowId xmlns:a16="http://schemas.microsoft.com/office/drawing/2014/main" xmlns="" val="10003"/>
+                    <a16:rowId xmlns="" xmlns:a16="http://schemas.microsoft.com/office/drawing/2014/main" val="10003"/>
                   </a:ext>
                 </a:extLst>
               </a:tr>
@@ -5632,7 +5632,7 @@
                 </a:tc>
                 <a:extLst>
                   <a:ext uri="{0D108BD9-81ED-4DB2-BD59-A6C34878D82A}">
-                    <a16:rowId xmlns:a16="http://schemas.microsoft.com/office/drawing/2014/main" xmlns="" val="10004"/>
+                    <a16:rowId xmlns="" xmlns:a16="http://schemas.microsoft.com/office/drawing/2014/main" val="10004"/>
                   </a:ext>
                 </a:extLst>
               </a:tr>
@@ -5733,7 +5733,7 @@
                 </a:tc>
                 <a:extLst>
                   <a:ext uri="{0D108BD9-81ED-4DB2-BD59-A6C34878D82A}">
-                    <a16:rowId xmlns:a16="http://schemas.microsoft.com/office/drawing/2014/main" xmlns="" val="10005"/>
+                    <a16:rowId xmlns="" xmlns:a16="http://schemas.microsoft.com/office/drawing/2014/main" val="10005"/>
                   </a:ext>
                 </a:extLst>
               </a:tr>
@@ -5824,42 +5824,42 @@
                 <a:gridCol w="1074501">
                   <a:extLst>
                     <a:ext uri="{9D8B030D-6E8A-4147-A177-3AD203B41FA5}">
-                      <a16:colId xmlns:a16="http://schemas.microsoft.com/office/drawing/2014/main" xmlns="" val="20000"/>
+                      <a16:colId xmlns="" xmlns:a16="http://schemas.microsoft.com/office/drawing/2014/main" val="20000"/>
                     </a:ext>
                   </a:extLst>
                 </a:gridCol>
                 <a:gridCol w="1051431">
                   <a:extLst>
                     <a:ext uri="{9D8B030D-6E8A-4147-A177-3AD203B41FA5}">
-                      <a16:colId xmlns:a16="http://schemas.microsoft.com/office/drawing/2014/main" xmlns="" val="20001"/>
+                      <a16:colId xmlns="" xmlns:a16="http://schemas.microsoft.com/office/drawing/2014/main" val="20001"/>
                     </a:ext>
                   </a:extLst>
                 </a:gridCol>
                 <a:gridCol w="1104181">
                   <a:extLst>
                     <a:ext uri="{9D8B030D-6E8A-4147-A177-3AD203B41FA5}">
-                      <a16:colId xmlns:a16="http://schemas.microsoft.com/office/drawing/2014/main" xmlns="" val="20002"/>
+                      <a16:colId xmlns="" xmlns:a16="http://schemas.microsoft.com/office/drawing/2014/main" val="20002"/>
                     </a:ext>
                   </a:extLst>
                 </a:gridCol>
                 <a:gridCol w="751557">
                   <a:extLst>
                     <a:ext uri="{9D8B030D-6E8A-4147-A177-3AD203B41FA5}">
-                      <a16:colId xmlns:a16="http://schemas.microsoft.com/office/drawing/2014/main" xmlns="" val="20003"/>
+                      <a16:colId xmlns="" xmlns:a16="http://schemas.microsoft.com/office/drawing/2014/main" val="20003"/>
                     </a:ext>
                   </a:extLst>
                 </a:gridCol>
                 <a:gridCol w="909275">
                   <a:extLst>
                     <a:ext uri="{9D8B030D-6E8A-4147-A177-3AD203B41FA5}">
-                      <a16:colId xmlns:a16="http://schemas.microsoft.com/office/drawing/2014/main" xmlns="" val="20004"/>
+                      <a16:colId xmlns="" xmlns:a16="http://schemas.microsoft.com/office/drawing/2014/main" val="20004"/>
                     </a:ext>
                   </a:extLst>
                 </a:gridCol>
                 <a:gridCol w="1226019">
                   <a:extLst>
                     <a:ext uri="{9D8B030D-6E8A-4147-A177-3AD203B41FA5}">
-                      <a16:colId xmlns:a16="http://schemas.microsoft.com/office/drawing/2014/main" xmlns="" val="20005"/>
+                      <a16:colId xmlns="" xmlns:a16="http://schemas.microsoft.com/office/drawing/2014/main" val="20005"/>
                     </a:ext>
                   </a:extLst>
                 </a:gridCol>
@@ -5951,7 +5951,7 @@
                 </a:tc>
                 <a:extLst>
                   <a:ext uri="{0D108BD9-81ED-4DB2-BD59-A6C34878D82A}">
-                    <a16:rowId xmlns:a16="http://schemas.microsoft.com/office/drawing/2014/main" xmlns="" val="10000"/>
+                    <a16:rowId xmlns="" xmlns:a16="http://schemas.microsoft.com/office/drawing/2014/main" val="10000"/>
                   </a:ext>
                 </a:extLst>
               </a:tr>
@@ -6046,7 +6046,7 @@
                 </a:tc>
                 <a:extLst>
                   <a:ext uri="{0D108BD9-81ED-4DB2-BD59-A6C34878D82A}">
-                    <a16:rowId xmlns:a16="http://schemas.microsoft.com/office/drawing/2014/main" xmlns="" val="10001"/>
+                    <a16:rowId xmlns="" xmlns:a16="http://schemas.microsoft.com/office/drawing/2014/main" val="10001"/>
                   </a:ext>
                 </a:extLst>
               </a:tr>
@@ -6202,7 +6202,7 @@
                 </a:tc>
                 <a:extLst>
                   <a:ext uri="{0D108BD9-81ED-4DB2-BD59-A6C34878D82A}">
-                    <a16:rowId xmlns:a16="http://schemas.microsoft.com/office/drawing/2014/main" xmlns="" val="10002"/>
+                    <a16:rowId xmlns="" xmlns:a16="http://schemas.microsoft.com/office/drawing/2014/main" val="10002"/>
                   </a:ext>
                 </a:extLst>
               </a:tr>
@@ -6358,7 +6358,7 @@
                 </a:tc>
                 <a:extLst>
                   <a:ext uri="{0D108BD9-81ED-4DB2-BD59-A6C34878D82A}">
-                    <a16:rowId xmlns:a16="http://schemas.microsoft.com/office/drawing/2014/main" xmlns="" val="10003"/>
+                    <a16:rowId xmlns="" xmlns:a16="http://schemas.microsoft.com/office/drawing/2014/main" val="10003"/>
                   </a:ext>
                 </a:extLst>
               </a:tr>
@@ -6491,7 +6491,7 @@
                 </a:tc>
                 <a:extLst>
                   <a:ext uri="{0D108BD9-81ED-4DB2-BD59-A6C34878D82A}">
-                    <a16:rowId xmlns:a16="http://schemas.microsoft.com/office/drawing/2014/main" xmlns="" val="10004"/>
+                    <a16:rowId xmlns="" xmlns:a16="http://schemas.microsoft.com/office/drawing/2014/main" val="10004"/>
                   </a:ext>
                 </a:extLst>
               </a:tr>
@@ -6582,7 +6582,7 @@
                 </a:tc>
                 <a:extLst>
                   <a:ext uri="{0D108BD9-81ED-4DB2-BD59-A6C34878D82A}">
-                    <a16:rowId xmlns:a16="http://schemas.microsoft.com/office/drawing/2014/main" xmlns="" val="10005"/>
+                    <a16:rowId xmlns="" xmlns:a16="http://schemas.microsoft.com/office/drawing/2014/main" val="10005"/>
                   </a:ext>
                 </a:extLst>
               </a:tr>
@@ -9110,42 +9110,42 @@
                 <a:gridCol w="1024621">
                   <a:extLst>
                     <a:ext uri="{9D8B030D-6E8A-4147-A177-3AD203B41FA5}">
-                      <a16:colId xmlns:a16="http://schemas.microsoft.com/office/drawing/2014/main" xmlns="" val="20000"/>
+                      <a16:colId xmlns="" xmlns:a16="http://schemas.microsoft.com/office/drawing/2014/main" val="20000"/>
                     </a:ext>
                   </a:extLst>
                 </a:gridCol>
                 <a:gridCol w="1232949">
                   <a:extLst>
                     <a:ext uri="{9D8B030D-6E8A-4147-A177-3AD203B41FA5}">
-                      <a16:colId xmlns:a16="http://schemas.microsoft.com/office/drawing/2014/main" xmlns="" val="20001"/>
+                      <a16:colId xmlns="" xmlns:a16="http://schemas.microsoft.com/office/drawing/2014/main" val="20001"/>
                     </a:ext>
                   </a:extLst>
                 </a:gridCol>
                 <a:gridCol w="1069375">
                   <a:extLst>
                     <a:ext uri="{9D8B030D-6E8A-4147-A177-3AD203B41FA5}">
-                      <a16:colId xmlns:a16="http://schemas.microsoft.com/office/drawing/2014/main" xmlns="" val="20002"/>
+                      <a16:colId xmlns="" xmlns:a16="http://schemas.microsoft.com/office/drawing/2014/main" val="20002"/>
                     </a:ext>
                   </a:extLst>
                 </a:gridCol>
                 <a:gridCol w="765014">
                   <a:extLst>
                     <a:ext uri="{9D8B030D-6E8A-4147-A177-3AD203B41FA5}">
-                      <a16:colId xmlns:a16="http://schemas.microsoft.com/office/drawing/2014/main" xmlns="" val="20003"/>
+                      <a16:colId xmlns="" xmlns:a16="http://schemas.microsoft.com/office/drawing/2014/main" val="20003"/>
                     </a:ext>
                   </a:extLst>
                 </a:gridCol>
                 <a:gridCol w="847274">
                   <a:extLst>
                     <a:ext uri="{9D8B030D-6E8A-4147-A177-3AD203B41FA5}">
-                      <a16:colId xmlns:a16="http://schemas.microsoft.com/office/drawing/2014/main" xmlns="" val="20004"/>
+                      <a16:colId xmlns="" xmlns:a16="http://schemas.microsoft.com/office/drawing/2014/main" val="20004"/>
                     </a:ext>
                   </a:extLst>
                 </a:gridCol>
                 <a:gridCol w="987114">
                   <a:extLst>
                     <a:ext uri="{9D8B030D-6E8A-4147-A177-3AD203B41FA5}">
-                      <a16:colId xmlns:a16="http://schemas.microsoft.com/office/drawing/2014/main" xmlns="" val="20005"/>
+                      <a16:colId xmlns="" xmlns:a16="http://schemas.microsoft.com/office/drawing/2014/main" val="20005"/>
                     </a:ext>
                   </a:extLst>
                 </a:gridCol>
@@ -9237,7 +9237,7 @@
                 </a:tc>
                 <a:extLst>
                   <a:ext uri="{0D108BD9-81ED-4DB2-BD59-A6C34878D82A}">
-                    <a16:rowId xmlns:a16="http://schemas.microsoft.com/office/drawing/2014/main" xmlns="" val="10000"/>
+                    <a16:rowId xmlns="" xmlns:a16="http://schemas.microsoft.com/office/drawing/2014/main" val="10000"/>
                   </a:ext>
                 </a:extLst>
               </a:tr>
@@ -9334,7 +9334,7 @@
                 </a:tc>
                 <a:extLst>
                   <a:ext uri="{0D108BD9-81ED-4DB2-BD59-A6C34878D82A}">
-                    <a16:rowId xmlns:a16="http://schemas.microsoft.com/office/drawing/2014/main" xmlns="" val="10001"/>
+                    <a16:rowId xmlns="" xmlns:a16="http://schemas.microsoft.com/office/drawing/2014/main" val="10001"/>
                   </a:ext>
                 </a:extLst>
               </a:tr>
@@ -9502,7 +9502,7 @@
                 </a:tc>
                 <a:extLst>
                   <a:ext uri="{0D108BD9-81ED-4DB2-BD59-A6C34878D82A}">
-                    <a16:rowId xmlns:a16="http://schemas.microsoft.com/office/drawing/2014/main" xmlns="" val="10002"/>
+                    <a16:rowId xmlns="" xmlns:a16="http://schemas.microsoft.com/office/drawing/2014/main" val="10002"/>
                   </a:ext>
                 </a:extLst>
               </a:tr>
@@ -9643,7 +9643,7 @@
                 </a:tc>
                 <a:extLst>
                   <a:ext uri="{0D108BD9-81ED-4DB2-BD59-A6C34878D82A}">
-                    <a16:rowId xmlns:a16="http://schemas.microsoft.com/office/drawing/2014/main" xmlns="" val="10003"/>
+                    <a16:rowId xmlns="" xmlns:a16="http://schemas.microsoft.com/office/drawing/2014/main" val="10003"/>
                   </a:ext>
                 </a:extLst>
               </a:tr>
@@ -9798,7 +9798,7 @@
                 </a:tc>
                 <a:extLst>
                   <a:ext uri="{0D108BD9-81ED-4DB2-BD59-A6C34878D82A}">
-                    <a16:rowId xmlns:a16="http://schemas.microsoft.com/office/drawing/2014/main" xmlns="" val="10004"/>
+                    <a16:rowId xmlns="" xmlns:a16="http://schemas.microsoft.com/office/drawing/2014/main" val="10004"/>
                   </a:ext>
                 </a:extLst>
               </a:tr>
@@ -9939,7 +9939,7 @@
                 </a:tc>
                 <a:extLst>
                   <a:ext uri="{0D108BD9-81ED-4DB2-BD59-A6C34878D82A}">
-                    <a16:rowId xmlns:a16="http://schemas.microsoft.com/office/drawing/2014/main" xmlns="" val="10005"/>
+                    <a16:rowId xmlns="" xmlns:a16="http://schemas.microsoft.com/office/drawing/2014/main" val="10005"/>
                   </a:ext>
                 </a:extLst>
               </a:tr>
@@ -10030,42 +10030,42 @@
                 <a:gridCol w="1031399">
                   <a:extLst>
                     <a:ext uri="{9D8B030D-6E8A-4147-A177-3AD203B41FA5}">
-                      <a16:colId xmlns:a16="http://schemas.microsoft.com/office/drawing/2014/main" xmlns="" val="20000"/>
+                      <a16:colId xmlns="" xmlns:a16="http://schemas.microsoft.com/office/drawing/2014/main" val="20000"/>
                     </a:ext>
                   </a:extLst>
                 </a:gridCol>
                 <a:gridCol w="1092058">
                   <a:extLst>
                     <a:ext uri="{9D8B030D-6E8A-4147-A177-3AD203B41FA5}">
-                      <a16:colId xmlns:a16="http://schemas.microsoft.com/office/drawing/2014/main" xmlns="" val="20001"/>
+                      <a16:colId xmlns="" xmlns:a16="http://schemas.microsoft.com/office/drawing/2014/main" val="20001"/>
                     </a:ext>
                   </a:extLst>
                 </a:gridCol>
                 <a:gridCol w="1043327">
                   <a:extLst>
                     <a:ext uri="{9D8B030D-6E8A-4147-A177-3AD203B41FA5}">
-                      <a16:colId xmlns:a16="http://schemas.microsoft.com/office/drawing/2014/main" xmlns="" val="20002"/>
+                      <a16:colId xmlns="" xmlns:a16="http://schemas.microsoft.com/office/drawing/2014/main" val="20002"/>
                     </a:ext>
                   </a:extLst>
                 </a:gridCol>
                 <a:gridCol w="852879">
                   <a:extLst>
                     <a:ext uri="{9D8B030D-6E8A-4147-A177-3AD203B41FA5}">
-                      <a16:colId xmlns:a16="http://schemas.microsoft.com/office/drawing/2014/main" xmlns="" val="20003"/>
+                      <a16:colId xmlns="" xmlns:a16="http://schemas.microsoft.com/office/drawing/2014/main" val="20003"/>
                     </a:ext>
                   </a:extLst>
                 </a:gridCol>
                 <a:gridCol w="778356">
                   <a:extLst>
                     <a:ext uri="{9D8B030D-6E8A-4147-A177-3AD203B41FA5}">
-                      <a16:colId xmlns:a16="http://schemas.microsoft.com/office/drawing/2014/main" xmlns="" val="20004"/>
+                      <a16:colId xmlns="" xmlns:a16="http://schemas.microsoft.com/office/drawing/2014/main" val="20004"/>
                     </a:ext>
                   </a:extLst>
                 </a:gridCol>
                 <a:gridCol w="1073572">
                   <a:extLst>
                     <a:ext uri="{9D8B030D-6E8A-4147-A177-3AD203B41FA5}">
-                      <a16:colId xmlns:a16="http://schemas.microsoft.com/office/drawing/2014/main" xmlns="" val="20005"/>
+                      <a16:colId xmlns="" xmlns:a16="http://schemas.microsoft.com/office/drawing/2014/main" val="20005"/>
                     </a:ext>
                   </a:extLst>
                 </a:gridCol>
@@ -10157,7 +10157,7 @@
                 </a:tc>
                 <a:extLst>
                   <a:ext uri="{0D108BD9-81ED-4DB2-BD59-A6C34878D82A}">
-                    <a16:rowId xmlns:a16="http://schemas.microsoft.com/office/drawing/2014/main" xmlns="" val="10000"/>
+                    <a16:rowId xmlns="" xmlns:a16="http://schemas.microsoft.com/office/drawing/2014/main" val="10000"/>
                   </a:ext>
                 </a:extLst>
               </a:tr>
@@ -10256,7 +10256,7 @@
                 </a:tc>
                 <a:extLst>
                   <a:ext uri="{0D108BD9-81ED-4DB2-BD59-A6C34878D82A}">
-                    <a16:rowId xmlns:a16="http://schemas.microsoft.com/office/drawing/2014/main" xmlns="" val="10001"/>
+                    <a16:rowId xmlns="" xmlns:a16="http://schemas.microsoft.com/office/drawing/2014/main" val="10001"/>
                   </a:ext>
                 </a:extLst>
               </a:tr>
@@ -10416,7 +10416,7 @@
                 </a:tc>
                 <a:extLst>
                   <a:ext uri="{0D108BD9-81ED-4DB2-BD59-A6C34878D82A}">
-                    <a16:rowId xmlns:a16="http://schemas.microsoft.com/office/drawing/2014/main" xmlns="" val="10002"/>
+                    <a16:rowId xmlns="" xmlns:a16="http://schemas.microsoft.com/office/drawing/2014/main" val="10002"/>
                   </a:ext>
                 </a:extLst>
               </a:tr>
@@ -10557,7 +10557,7 @@
                 </a:tc>
                 <a:extLst>
                   <a:ext uri="{0D108BD9-81ED-4DB2-BD59-A6C34878D82A}">
-                    <a16:rowId xmlns:a16="http://schemas.microsoft.com/office/drawing/2014/main" xmlns="" val="10003"/>
+                    <a16:rowId xmlns="" xmlns:a16="http://schemas.microsoft.com/office/drawing/2014/main" val="10003"/>
                   </a:ext>
                 </a:extLst>
               </a:tr>
@@ -10698,7 +10698,7 @@
                 </a:tc>
                 <a:extLst>
                   <a:ext uri="{0D108BD9-81ED-4DB2-BD59-A6C34878D82A}">
-                    <a16:rowId xmlns:a16="http://schemas.microsoft.com/office/drawing/2014/main" xmlns="" val="10004"/>
+                    <a16:rowId xmlns="" xmlns:a16="http://schemas.microsoft.com/office/drawing/2014/main" val="10004"/>
                   </a:ext>
                 </a:extLst>
               </a:tr>
@@ -10799,7 +10799,7 @@
                 </a:tc>
                 <a:extLst>
                   <a:ext uri="{0D108BD9-81ED-4DB2-BD59-A6C34878D82A}">
-                    <a16:rowId xmlns:a16="http://schemas.microsoft.com/office/drawing/2014/main" xmlns="" val="10005"/>
+                    <a16:rowId xmlns="" xmlns:a16="http://schemas.microsoft.com/office/drawing/2014/main" val="10005"/>
                   </a:ext>
                 </a:extLst>
               </a:tr>
@@ -10890,42 +10890,42 @@
                 <a:gridCol w="1074501">
                   <a:extLst>
                     <a:ext uri="{9D8B030D-6E8A-4147-A177-3AD203B41FA5}">
-                      <a16:colId xmlns:a16="http://schemas.microsoft.com/office/drawing/2014/main" xmlns="" val="20000"/>
+                      <a16:colId xmlns="" xmlns:a16="http://schemas.microsoft.com/office/drawing/2014/main" val="20000"/>
                     </a:ext>
                   </a:extLst>
                 </a:gridCol>
                 <a:gridCol w="1361982">
                   <a:extLst>
                     <a:ext uri="{9D8B030D-6E8A-4147-A177-3AD203B41FA5}">
-                      <a16:colId xmlns:a16="http://schemas.microsoft.com/office/drawing/2014/main" xmlns="" val="20001"/>
+                      <a16:colId xmlns="" xmlns:a16="http://schemas.microsoft.com/office/drawing/2014/main" val="20001"/>
                     </a:ext>
                   </a:extLst>
                 </a:gridCol>
                 <a:gridCol w="1069675">
                   <a:extLst>
                     <a:ext uri="{9D8B030D-6E8A-4147-A177-3AD203B41FA5}">
-                      <a16:colId xmlns:a16="http://schemas.microsoft.com/office/drawing/2014/main" xmlns="" val="20002"/>
+                      <a16:colId xmlns="" xmlns:a16="http://schemas.microsoft.com/office/drawing/2014/main" val="20002"/>
                     </a:ext>
                   </a:extLst>
                 </a:gridCol>
                 <a:gridCol w="776378">
                   <a:extLst>
                     <a:ext uri="{9D8B030D-6E8A-4147-A177-3AD203B41FA5}">
-                      <a16:colId xmlns:a16="http://schemas.microsoft.com/office/drawing/2014/main" xmlns="" val="20003"/>
+                      <a16:colId xmlns="" xmlns:a16="http://schemas.microsoft.com/office/drawing/2014/main" val="20003"/>
                     </a:ext>
                   </a:extLst>
                 </a:gridCol>
                 <a:gridCol w="785004">
                   <a:extLst>
                     <a:ext uri="{9D8B030D-6E8A-4147-A177-3AD203B41FA5}">
-                      <a16:colId xmlns:a16="http://schemas.microsoft.com/office/drawing/2014/main" xmlns="" val="20004"/>
+                      <a16:colId xmlns="" xmlns:a16="http://schemas.microsoft.com/office/drawing/2014/main" val="20004"/>
                     </a:ext>
                   </a:extLst>
                 </a:gridCol>
                 <a:gridCol w="1049424">
                   <a:extLst>
                     <a:ext uri="{9D8B030D-6E8A-4147-A177-3AD203B41FA5}">
-                      <a16:colId xmlns:a16="http://schemas.microsoft.com/office/drawing/2014/main" xmlns="" val="20005"/>
+                      <a16:colId xmlns="" xmlns:a16="http://schemas.microsoft.com/office/drawing/2014/main" val="20005"/>
                     </a:ext>
                   </a:extLst>
                 </a:gridCol>
@@ -11017,7 +11017,7 @@
                 </a:tc>
                 <a:extLst>
                   <a:ext uri="{0D108BD9-81ED-4DB2-BD59-A6C34878D82A}">
-                    <a16:rowId xmlns:a16="http://schemas.microsoft.com/office/drawing/2014/main" xmlns="" val="10000"/>
+                    <a16:rowId xmlns="" xmlns:a16="http://schemas.microsoft.com/office/drawing/2014/main" val="10000"/>
                   </a:ext>
                 </a:extLst>
               </a:tr>
@@ -11116,7 +11116,7 @@
                 </a:tc>
                 <a:extLst>
                   <a:ext uri="{0D108BD9-81ED-4DB2-BD59-A6C34878D82A}">
-                    <a16:rowId xmlns:a16="http://schemas.microsoft.com/office/drawing/2014/main" xmlns="" val="10001"/>
+                    <a16:rowId xmlns="" xmlns:a16="http://schemas.microsoft.com/office/drawing/2014/main" val="10001"/>
                   </a:ext>
                 </a:extLst>
               </a:tr>
@@ -11272,7 +11272,7 @@
                 </a:tc>
                 <a:extLst>
                   <a:ext uri="{0D108BD9-81ED-4DB2-BD59-A6C34878D82A}">
-                    <a16:rowId xmlns:a16="http://schemas.microsoft.com/office/drawing/2014/main" xmlns="" val="10002"/>
+                    <a16:rowId xmlns="" xmlns:a16="http://schemas.microsoft.com/office/drawing/2014/main" val="10002"/>
                   </a:ext>
                 </a:extLst>
               </a:tr>
@@ -11413,7 +11413,7 @@
                 </a:tc>
                 <a:extLst>
                   <a:ext uri="{0D108BD9-81ED-4DB2-BD59-A6C34878D82A}">
-                    <a16:rowId xmlns:a16="http://schemas.microsoft.com/office/drawing/2014/main" xmlns="" val="10003"/>
+                    <a16:rowId xmlns="" xmlns:a16="http://schemas.microsoft.com/office/drawing/2014/main" val="10003"/>
                   </a:ext>
                 </a:extLst>
               </a:tr>
@@ -11552,7 +11552,7 @@
                 </a:tc>
                 <a:extLst>
                   <a:ext uri="{0D108BD9-81ED-4DB2-BD59-A6C34878D82A}">
-                    <a16:rowId xmlns:a16="http://schemas.microsoft.com/office/drawing/2014/main" xmlns="" val="10004"/>
+                    <a16:rowId xmlns="" xmlns:a16="http://schemas.microsoft.com/office/drawing/2014/main" val="10004"/>
                   </a:ext>
                 </a:extLst>
               </a:tr>
@@ -11651,7 +11651,7 @@
                 </a:tc>
                 <a:extLst>
                   <a:ext uri="{0D108BD9-81ED-4DB2-BD59-A6C34878D82A}">
-                    <a16:rowId xmlns:a16="http://schemas.microsoft.com/office/drawing/2014/main" xmlns="" val="10005"/>
+                    <a16:rowId xmlns="" xmlns:a16="http://schemas.microsoft.com/office/drawing/2014/main" val="10005"/>
                   </a:ext>
                 </a:extLst>
               </a:tr>
@@ -11742,42 +11742,42 @@
                 <a:gridCol w="1074501">
                   <a:extLst>
                     <a:ext uri="{9D8B030D-6E8A-4147-A177-3AD203B41FA5}">
-                      <a16:colId xmlns:a16="http://schemas.microsoft.com/office/drawing/2014/main" xmlns="" val="20000"/>
+                      <a16:colId xmlns="" xmlns:a16="http://schemas.microsoft.com/office/drawing/2014/main" val="20000"/>
                     </a:ext>
                   </a:extLst>
                 </a:gridCol>
                 <a:gridCol w="1094563">
                   <a:extLst>
                     <a:ext uri="{9D8B030D-6E8A-4147-A177-3AD203B41FA5}">
-                      <a16:colId xmlns:a16="http://schemas.microsoft.com/office/drawing/2014/main" xmlns="" val="20001"/>
+                      <a16:colId xmlns="" xmlns:a16="http://schemas.microsoft.com/office/drawing/2014/main" val="20001"/>
                     </a:ext>
                   </a:extLst>
                 </a:gridCol>
                 <a:gridCol w="1112808">
                   <a:extLst>
                     <a:ext uri="{9D8B030D-6E8A-4147-A177-3AD203B41FA5}">
-                      <a16:colId xmlns:a16="http://schemas.microsoft.com/office/drawing/2014/main" xmlns="" val="20002"/>
+                      <a16:colId xmlns="" xmlns:a16="http://schemas.microsoft.com/office/drawing/2014/main" val="20002"/>
                     </a:ext>
                   </a:extLst>
                 </a:gridCol>
                 <a:gridCol w="755968">
                   <a:extLst>
                     <a:ext uri="{9D8B030D-6E8A-4147-A177-3AD203B41FA5}">
-                      <a16:colId xmlns:a16="http://schemas.microsoft.com/office/drawing/2014/main" xmlns="" val="20003"/>
+                      <a16:colId xmlns="" xmlns:a16="http://schemas.microsoft.com/office/drawing/2014/main" val="20003"/>
                     </a:ext>
                   </a:extLst>
                 </a:gridCol>
                 <a:gridCol w="909275">
                   <a:extLst>
                     <a:ext uri="{9D8B030D-6E8A-4147-A177-3AD203B41FA5}">
-                      <a16:colId xmlns:a16="http://schemas.microsoft.com/office/drawing/2014/main" xmlns="" val="20004"/>
+                      <a16:colId xmlns="" xmlns:a16="http://schemas.microsoft.com/office/drawing/2014/main" val="20004"/>
                     </a:ext>
                   </a:extLst>
                 </a:gridCol>
                 <a:gridCol w="1226019">
                   <a:extLst>
                     <a:ext uri="{9D8B030D-6E8A-4147-A177-3AD203B41FA5}">
-                      <a16:colId xmlns:a16="http://schemas.microsoft.com/office/drawing/2014/main" xmlns="" val="20005"/>
+                      <a16:colId xmlns="" xmlns:a16="http://schemas.microsoft.com/office/drawing/2014/main" val="20005"/>
                     </a:ext>
                   </a:extLst>
                 </a:gridCol>
@@ -11869,7 +11869,7 @@
                 </a:tc>
                 <a:extLst>
                   <a:ext uri="{0D108BD9-81ED-4DB2-BD59-A6C34878D82A}">
-                    <a16:rowId xmlns:a16="http://schemas.microsoft.com/office/drawing/2014/main" xmlns="" val="10000"/>
+                    <a16:rowId xmlns="" xmlns:a16="http://schemas.microsoft.com/office/drawing/2014/main" val="10000"/>
                   </a:ext>
                 </a:extLst>
               </a:tr>
@@ -11968,7 +11968,7 @@
                 </a:tc>
                 <a:extLst>
                   <a:ext uri="{0D108BD9-81ED-4DB2-BD59-A6C34878D82A}">
-                    <a16:rowId xmlns:a16="http://schemas.microsoft.com/office/drawing/2014/main" xmlns="" val="10001"/>
+                    <a16:rowId xmlns="" xmlns:a16="http://schemas.microsoft.com/office/drawing/2014/main" val="10001"/>
                   </a:ext>
                 </a:extLst>
               </a:tr>
@@ -12126,7 +12126,7 @@
                 </a:tc>
                 <a:extLst>
                   <a:ext uri="{0D108BD9-81ED-4DB2-BD59-A6C34878D82A}">
-                    <a16:rowId xmlns:a16="http://schemas.microsoft.com/office/drawing/2014/main" xmlns="" val="10002"/>
+                    <a16:rowId xmlns="" xmlns:a16="http://schemas.microsoft.com/office/drawing/2014/main" val="10002"/>
                   </a:ext>
                 </a:extLst>
               </a:tr>
@@ -12286,7 +12286,7 @@
                 </a:tc>
                 <a:extLst>
                   <a:ext uri="{0D108BD9-81ED-4DB2-BD59-A6C34878D82A}">
-                    <a16:rowId xmlns:a16="http://schemas.microsoft.com/office/drawing/2014/main" xmlns="" val="10003"/>
+                    <a16:rowId xmlns="" xmlns:a16="http://schemas.microsoft.com/office/drawing/2014/main" val="10003"/>
                   </a:ext>
                 </a:extLst>
               </a:tr>
@@ -12427,7 +12427,7 @@
                 </a:tc>
                 <a:extLst>
                   <a:ext uri="{0D108BD9-81ED-4DB2-BD59-A6C34878D82A}">
-                    <a16:rowId xmlns:a16="http://schemas.microsoft.com/office/drawing/2014/main" xmlns="" val="10004"/>
+                    <a16:rowId xmlns="" xmlns:a16="http://schemas.microsoft.com/office/drawing/2014/main" val="10004"/>
                   </a:ext>
                 </a:extLst>
               </a:tr>
@@ -12540,7 +12540,7 @@
                 </a:tc>
                 <a:extLst>
                   <a:ext uri="{0D108BD9-81ED-4DB2-BD59-A6C34878D82A}">
-                    <a16:rowId xmlns:a16="http://schemas.microsoft.com/office/drawing/2014/main" xmlns="" val="10005"/>
+                    <a16:rowId xmlns="" xmlns:a16="http://schemas.microsoft.com/office/drawing/2014/main" val="10005"/>
                   </a:ext>
                 </a:extLst>
               </a:tr>
@@ -12631,42 +12631,42 @@
                 <a:gridCol w="1108522">
                   <a:extLst>
                     <a:ext uri="{9D8B030D-6E8A-4147-A177-3AD203B41FA5}">
-                      <a16:colId xmlns:a16="http://schemas.microsoft.com/office/drawing/2014/main" xmlns="" val="20000"/>
+                      <a16:colId xmlns="" xmlns:a16="http://schemas.microsoft.com/office/drawing/2014/main" val="20000"/>
                     </a:ext>
                   </a:extLst>
                 </a:gridCol>
                 <a:gridCol w="1129219">
                   <a:extLst>
                     <a:ext uri="{9D8B030D-6E8A-4147-A177-3AD203B41FA5}">
-                      <a16:colId xmlns:a16="http://schemas.microsoft.com/office/drawing/2014/main" xmlns="" val="20001"/>
+                      <a16:colId xmlns="" xmlns:a16="http://schemas.microsoft.com/office/drawing/2014/main" val="20001"/>
                     </a:ext>
                   </a:extLst>
                 </a:gridCol>
                 <a:gridCol w="1148042">
                   <a:extLst>
                     <a:ext uri="{9D8B030D-6E8A-4147-A177-3AD203B41FA5}">
-                      <a16:colId xmlns:a16="http://schemas.microsoft.com/office/drawing/2014/main" xmlns="" val="20002"/>
+                      <a16:colId xmlns="" xmlns:a16="http://schemas.microsoft.com/office/drawing/2014/main" val="20002"/>
                     </a:ext>
                   </a:extLst>
                 </a:gridCol>
                 <a:gridCol w="802761">
                   <a:extLst>
                     <a:ext uri="{9D8B030D-6E8A-4147-A177-3AD203B41FA5}">
-                      <a16:colId xmlns:a16="http://schemas.microsoft.com/office/drawing/2014/main" xmlns="" val="20003"/>
+                      <a16:colId xmlns="" xmlns:a16="http://schemas.microsoft.com/office/drawing/2014/main" val="20003"/>
                     </a:ext>
                   </a:extLst>
                 </a:gridCol>
                 <a:gridCol w="857259">
                   <a:extLst>
                     <a:ext uri="{9D8B030D-6E8A-4147-A177-3AD203B41FA5}">
-                      <a16:colId xmlns:a16="http://schemas.microsoft.com/office/drawing/2014/main" xmlns="" val="20004"/>
+                      <a16:colId xmlns="" xmlns:a16="http://schemas.microsoft.com/office/drawing/2014/main" val="20004"/>
                     </a:ext>
                   </a:extLst>
                 </a:gridCol>
                 <a:gridCol w="1264838">
                   <a:extLst>
                     <a:ext uri="{9D8B030D-6E8A-4147-A177-3AD203B41FA5}">
-                      <a16:colId xmlns:a16="http://schemas.microsoft.com/office/drawing/2014/main" xmlns="" val="20005"/>
+                      <a16:colId xmlns="" xmlns:a16="http://schemas.microsoft.com/office/drawing/2014/main" val="20005"/>
                     </a:ext>
                   </a:extLst>
                 </a:gridCol>
@@ -12758,7 +12758,7 @@
                 </a:tc>
                 <a:extLst>
                   <a:ext uri="{0D108BD9-81ED-4DB2-BD59-A6C34878D82A}">
-                    <a16:rowId xmlns:a16="http://schemas.microsoft.com/office/drawing/2014/main" xmlns="" val="10000"/>
+                    <a16:rowId xmlns="" xmlns:a16="http://schemas.microsoft.com/office/drawing/2014/main" val="10000"/>
                   </a:ext>
                 </a:extLst>
               </a:tr>
@@ -12899,7 +12899,7 @@
                 </a:tc>
                 <a:extLst>
                   <a:ext uri="{0D108BD9-81ED-4DB2-BD59-A6C34878D82A}">
-                    <a16:rowId xmlns:a16="http://schemas.microsoft.com/office/drawing/2014/main" xmlns="" val="10001"/>
+                    <a16:rowId xmlns="" xmlns:a16="http://schemas.microsoft.com/office/drawing/2014/main" val="10001"/>
                   </a:ext>
                 </a:extLst>
               </a:tr>
@@ -13057,7 +13057,7 @@
                 </a:tc>
                 <a:extLst>
                   <a:ext uri="{0D108BD9-81ED-4DB2-BD59-A6C34878D82A}">
-                    <a16:rowId xmlns:a16="http://schemas.microsoft.com/office/drawing/2014/main" xmlns="" val="10002"/>
+                    <a16:rowId xmlns="" xmlns:a16="http://schemas.microsoft.com/office/drawing/2014/main" val="10002"/>
                   </a:ext>
                 </a:extLst>
               </a:tr>
@@ -13198,7 +13198,7 @@
                 </a:tc>
                 <a:extLst>
                   <a:ext uri="{0D108BD9-81ED-4DB2-BD59-A6C34878D82A}">
-                    <a16:rowId xmlns:a16="http://schemas.microsoft.com/office/drawing/2014/main" xmlns="" val="10003"/>
+                    <a16:rowId xmlns="" xmlns:a16="http://schemas.microsoft.com/office/drawing/2014/main" val="10003"/>
                   </a:ext>
                 </a:extLst>
               </a:tr>
@@ -13373,7 +13373,7 @@
                 </a:tc>
                 <a:extLst>
                   <a:ext uri="{0D108BD9-81ED-4DB2-BD59-A6C34878D82A}">
-                    <a16:rowId xmlns:a16="http://schemas.microsoft.com/office/drawing/2014/main" xmlns="" val="10004"/>
+                    <a16:rowId xmlns="" xmlns:a16="http://schemas.microsoft.com/office/drawing/2014/main" val="10004"/>
                   </a:ext>
                 </a:extLst>
               </a:tr>
@@ -13514,7 +13514,7 @@
                 </a:tc>
                 <a:extLst>
                   <a:ext uri="{0D108BD9-81ED-4DB2-BD59-A6C34878D82A}">
-                    <a16:rowId xmlns:a16="http://schemas.microsoft.com/office/drawing/2014/main" xmlns="" val="10005"/>
+                    <a16:rowId xmlns="" xmlns:a16="http://schemas.microsoft.com/office/drawing/2014/main" val="10005"/>
                   </a:ext>
                 </a:extLst>
               </a:tr>
@@ -13605,42 +13605,42 @@
                 <a:gridCol w="1074501">
                   <a:extLst>
                     <a:ext uri="{9D8B030D-6E8A-4147-A177-3AD203B41FA5}">
-                      <a16:colId xmlns:a16="http://schemas.microsoft.com/office/drawing/2014/main" xmlns="" val="20000"/>
+                      <a16:colId xmlns="" xmlns:a16="http://schemas.microsoft.com/office/drawing/2014/main" val="20000"/>
                     </a:ext>
                   </a:extLst>
                 </a:gridCol>
                 <a:gridCol w="1094563">
                   <a:extLst>
                     <a:ext uri="{9D8B030D-6E8A-4147-A177-3AD203B41FA5}">
-                      <a16:colId xmlns:a16="http://schemas.microsoft.com/office/drawing/2014/main" xmlns="" val="20001"/>
+                      <a16:colId xmlns="" xmlns:a16="http://schemas.microsoft.com/office/drawing/2014/main" val="20001"/>
                     </a:ext>
                   </a:extLst>
                 </a:gridCol>
                 <a:gridCol w="1112808">
                   <a:extLst>
                     <a:ext uri="{9D8B030D-6E8A-4147-A177-3AD203B41FA5}">
-                      <a16:colId xmlns:a16="http://schemas.microsoft.com/office/drawing/2014/main" xmlns="" val="20002"/>
+                      <a16:colId xmlns="" xmlns:a16="http://schemas.microsoft.com/office/drawing/2014/main" val="20002"/>
                     </a:ext>
                   </a:extLst>
                 </a:gridCol>
                 <a:gridCol w="785901">
                   <a:extLst>
                     <a:ext uri="{9D8B030D-6E8A-4147-A177-3AD203B41FA5}">
-                      <a16:colId xmlns:a16="http://schemas.microsoft.com/office/drawing/2014/main" xmlns="" val="20003"/>
+                      <a16:colId xmlns="" xmlns:a16="http://schemas.microsoft.com/office/drawing/2014/main" val="20003"/>
                     </a:ext>
                   </a:extLst>
                 </a:gridCol>
                 <a:gridCol w="823172">
                   <a:extLst>
                     <a:ext uri="{9D8B030D-6E8A-4147-A177-3AD203B41FA5}">
-                      <a16:colId xmlns:a16="http://schemas.microsoft.com/office/drawing/2014/main" xmlns="" val="20004"/>
+                      <a16:colId xmlns="" xmlns:a16="http://schemas.microsoft.com/office/drawing/2014/main" val="20004"/>
                     </a:ext>
                   </a:extLst>
                 </a:gridCol>
                 <a:gridCol w="1226019">
                   <a:extLst>
                     <a:ext uri="{9D8B030D-6E8A-4147-A177-3AD203B41FA5}">
-                      <a16:colId xmlns:a16="http://schemas.microsoft.com/office/drawing/2014/main" xmlns="" val="20005"/>
+                      <a16:colId xmlns="" xmlns:a16="http://schemas.microsoft.com/office/drawing/2014/main" val="20005"/>
                     </a:ext>
                   </a:extLst>
                 </a:gridCol>
@@ -13732,7 +13732,7 @@
                 </a:tc>
                 <a:extLst>
                   <a:ext uri="{0D108BD9-81ED-4DB2-BD59-A6C34878D82A}">
-                    <a16:rowId xmlns:a16="http://schemas.microsoft.com/office/drawing/2014/main" xmlns="" val="10000"/>
+                    <a16:rowId xmlns="" xmlns:a16="http://schemas.microsoft.com/office/drawing/2014/main" val="10000"/>
                   </a:ext>
                 </a:extLst>
               </a:tr>
@@ -13873,7 +13873,7 @@
                 </a:tc>
                 <a:extLst>
                   <a:ext uri="{0D108BD9-81ED-4DB2-BD59-A6C34878D82A}">
-                    <a16:rowId xmlns:a16="http://schemas.microsoft.com/office/drawing/2014/main" xmlns="" val="10001"/>
+                    <a16:rowId xmlns="" xmlns:a16="http://schemas.microsoft.com/office/drawing/2014/main" val="10001"/>
                   </a:ext>
                 </a:extLst>
               </a:tr>
@@ -14029,7 +14029,7 @@
                 </a:tc>
                 <a:extLst>
                   <a:ext uri="{0D108BD9-81ED-4DB2-BD59-A6C34878D82A}">
-                    <a16:rowId xmlns:a16="http://schemas.microsoft.com/office/drawing/2014/main" xmlns="" val="10002"/>
+                    <a16:rowId xmlns="" xmlns:a16="http://schemas.microsoft.com/office/drawing/2014/main" val="10002"/>
                   </a:ext>
                 </a:extLst>
               </a:tr>
@@ -14168,7 +14168,7 @@
                 </a:tc>
                 <a:extLst>
                   <a:ext uri="{0D108BD9-81ED-4DB2-BD59-A6C34878D82A}">
-                    <a16:rowId xmlns:a16="http://schemas.microsoft.com/office/drawing/2014/main" xmlns="" val="10003"/>
+                    <a16:rowId xmlns="" xmlns:a16="http://schemas.microsoft.com/office/drawing/2014/main" val="10003"/>
                   </a:ext>
                 </a:extLst>
               </a:tr>
@@ -14324,7 +14324,7 @@
                 </a:tc>
                 <a:extLst>
                   <a:ext uri="{0D108BD9-81ED-4DB2-BD59-A6C34878D82A}">
-                    <a16:rowId xmlns:a16="http://schemas.microsoft.com/office/drawing/2014/main" xmlns="" val="10004"/>
+                    <a16:rowId xmlns="" xmlns:a16="http://schemas.microsoft.com/office/drawing/2014/main" val="10004"/>
                   </a:ext>
                 </a:extLst>
               </a:tr>
@@ -14467,7 +14467,7 @@
                 </a:tc>
                 <a:extLst>
                   <a:ext uri="{0D108BD9-81ED-4DB2-BD59-A6C34878D82A}">
-                    <a16:rowId xmlns:a16="http://schemas.microsoft.com/office/drawing/2014/main" xmlns="" val="10005"/>
+                    <a16:rowId xmlns="" xmlns:a16="http://schemas.microsoft.com/office/drawing/2014/main" val="10005"/>
                   </a:ext>
                 </a:extLst>
               </a:tr>
@@ -14650,42 +14650,42 @@
                 <a:gridCol w="1074501">
                   <a:extLst>
                     <a:ext uri="{9D8B030D-6E8A-4147-A177-3AD203B41FA5}">
-                      <a16:colId xmlns:a16="http://schemas.microsoft.com/office/drawing/2014/main" xmlns="" val="20000"/>
+                      <a16:colId xmlns="" xmlns:a16="http://schemas.microsoft.com/office/drawing/2014/main" val="20000"/>
                     </a:ext>
                   </a:extLst>
                 </a:gridCol>
                 <a:gridCol w="1042804">
                   <a:extLst>
                     <a:ext uri="{9D8B030D-6E8A-4147-A177-3AD203B41FA5}">
-                      <a16:colId xmlns:a16="http://schemas.microsoft.com/office/drawing/2014/main" xmlns="" val="20001"/>
+                      <a16:colId xmlns="" xmlns:a16="http://schemas.microsoft.com/office/drawing/2014/main" val="20001"/>
                     </a:ext>
                   </a:extLst>
                 </a:gridCol>
                 <a:gridCol w="1086929">
                   <a:extLst>
                     <a:ext uri="{9D8B030D-6E8A-4147-A177-3AD203B41FA5}">
-                      <a16:colId xmlns:a16="http://schemas.microsoft.com/office/drawing/2014/main" xmlns="" val="20002"/>
+                      <a16:colId xmlns="" xmlns:a16="http://schemas.microsoft.com/office/drawing/2014/main" val="20002"/>
                     </a:ext>
                   </a:extLst>
                 </a:gridCol>
                 <a:gridCol w="777436">
                   <a:extLst>
                     <a:ext uri="{9D8B030D-6E8A-4147-A177-3AD203B41FA5}">
-                      <a16:colId xmlns:a16="http://schemas.microsoft.com/office/drawing/2014/main" xmlns="" val="20003"/>
+                      <a16:colId xmlns="" xmlns:a16="http://schemas.microsoft.com/office/drawing/2014/main" val="20003"/>
                     </a:ext>
                   </a:extLst>
                 </a:gridCol>
                 <a:gridCol w="909275">
                   <a:extLst>
                     <a:ext uri="{9D8B030D-6E8A-4147-A177-3AD203B41FA5}">
-                      <a16:colId xmlns:a16="http://schemas.microsoft.com/office/drawing/2014/main" xmlns="" val="20004"/>
+                      <a16:colId xmlns="" xmlns:a16="http://schemas.microsoft.com/office/drawing/2014/main" val="20004"/>
                     </a:ext>
                   </a:extLst>
                 </a:gridCol>
                 <a:gridCol w="1226019">
                   <a:extLst>
                     <a:ext uri="{9D8B030D-6E8A-4147-A177-3AD203B41FA5}">
-                      <a16:colId xmlns:a16="http://schemas.microsoft.com/office/drawing/2014/main" xmlns="" val="20005"/>
+                      <a16:colId xmlns="" xmlns:a16="http://schemas.microsoft.com/office/drawing/2014/main" val="20005"/>
                     </a:ext>
                   </a:extLst>
                 </a:gridCol>
@@ -14777,7 +14777,7 @@
                 </a:tc>
                 <a:extLst>
                   <a:ext uri="{0D108BD9-81ED-4DB2-BD59-A6C34878D82A}">
-                    <a16:rowId xmlns:a16="http://schemas.microsoft.com/office/drawing/2014/main" xmlns="" val="10000"/>
+                    <a16:rowId xmlns="" xmlns:a16="http://schemas.microsoft.com/office/drawing/2014/main" val="10000"/>
                   </a:ext>
                 </a:extLst>
               </a:tr>
@@ -14878,7 +14878,7 @@
                 </a:tc>
                 <a:extLst>
                   <a:ext uri="{0D108BD9-81ED-4DB2-BD59-A6C34878D82A}">
-                    <a16:rowId xmlns:a16="http://schemas.microsoft.com/office/drawing/2014/main" xmlns="" val="10001"/>
+                    <a16:rowId xmlns="" xmlns:a16="http://schemas.microsoft.com/office/drawing/2014/main" val="10001"/>
                   </a:ext>
                 </a:extLst>
               </a:tr>
@@ -15068,7 +15068,7 @@
                 </a:tc>
                 <a:extLst>
                   <a:ext uri="{0D108BD9-81ED-4DB2-BD59-A6C34878D82A}">
-                    <a16:rowId xmlns:a16="http://schemas.microsoft.com/office/drawing/2014/main" xmlns="" val="10002"/>
+                    <a16:rowId xmlns="" xmlns:a16="http://schemas.microsoft.com/office/drawing/2014/main" val="10002"/>
                   </a:ext>
                 </a:extLst>
               </a:tr>
@@ -15207,7 +15207,7 @@
                 </a:tc>
                 <a:extLst>
                   <a:ext uri="{0D108BD9-81ED-4DB2-BD59-A6C34878D82A}">
-                    <a16:rowId xmlns:a16="http://schemas.microsoft.com/office/drawing/2014/main" xmlns="" val="10003"/>
+                    <a16:rowId xmlns="" xmlns:a16="http://schemas.microsoft.com/office/drawing/2014/main" val="10003"/>
                   </a:ext>
                 </a:extLst>
               </a:tr>
@@ -15340,7 +15340,7 @@
                 </a:tc>
                 <a:extLst>
                   <a:ext uri="{0D108BD9-81ED-4DB2-BD59-A6C34878D82A}">
-                    <a16:rowId xmlns:a16="http://schemas.microsoft.com/office/drawing/2014/main" xmlns="" val="10004"/>
+                    <a16:rowId xmlns="" xmlns:a16="http://schemas.microsoft.com/office/drawing/2014/main" val="10004"/>
                   </a:ext>
                 </a:extLst>
               </a:tr>
@@ -15481,7 +15481,7 @@
                 </a:tc>
                 <a:extLst>
                   <a:ext uri="{0D108BD9-81ED-4DB2-BD59-A6C34878D82A}">
-                    <a16:rowId xmlns:a16="http://schemas.microsoft.com/office/drawing/2014/main" xmlns="" val="10005"/>
+                    <a16:rowId xmlns="" xmlns:a16="http://schemas.microsoft.com/office/drawing/2014/main" val="10005"/>
                   </a:ext>
                 </a:extLst>
               </a:tr>
@@ -15572,42 +15572,42 @@
                 <a:gridCol w="1074501">
                   <a:extLst>
                     <a:ext uri="{9D8B030D-6E8A-4147-A177-3AD203B41FA5}">
-                      <a16:colId xmlns:a16="http://schemas.microsoft.com/office/drawing/2014/main" xmlns="" val="20000"/>
+                      <a16:colId xmlns="" xmlns:a16="http://schemas.microsoft.com/office/drawing/2014/main" val="20000"/>
                     </a:ext>
                   </a:extLst>
                 </a:gridCol>
                 <a:gridCol w="1051431">
                   <a:extLst>
                     <a:ext uri="{9D8B030D-6E8A-4147-A177-3AD203B41FA5}">
-                      <a16:colId xmlns:a16="http://schemas.microsoft.com/office/drawing/2014/main" xmlns="" val="20001"/>
+                      <a16:colId xmlns="" xmlns:a16="http://schemas.microsoft.com/office/drawing/2014/main" val="20001"/>
                     </a:ext>
                   </a:extLst>
                 </a:gridCol>
                 <a:gridCol w="1104181">
                   <a:extLst>
                     <a:ext uri="{9D8B030D-6E8A-4147-A177-3AD203B41FA5}">
-                      <a16:colId xmlns:a16="http://schemas.microsoft.com/office/drawing/2014/main" xmlns="" val="20002"/>
+                      <a16:colId xmlns="" xmlns:a16="http://schemas.microsoft.com/office/drawing/2014/main" val="20002"/>
                     </a:ext>
                   </a:extLst>
                 </a:gridCol>
                 <a:gridCol w="751557">
                   <a:extLst>
                     <a:ext uri="{9D8B030D-6E8A-4147-A177-3AD203B41FA5}">
-                      <a16:colId xmlns:a16="http://schemas.microsoft.com/office/drawing/2014/main" xmlns="" val="20003"/>
+                      <a16:colId xmlns="" xmlns:a16="http://schemas.microsoft.com/office/drawing/2014/main" val="20003"/>
                     </a:ext>
                   </a:extLst>
                 </a:gridCol>
                 <a:gridCol w="909275">
                   <a:extLst>
                     <a:ext uri="{9D8B030D-6E8A-4147-A177-3AD203B41FA5}">
-                      <a16:colId xmlns:a16="http://schemas.microsoft.com/office/drawing/2014/main" xmlns="" val="20004"/>
+                      <a16:colId xmlns="" xmlns:a16="http://schemas.microsoft.com/office/drawing/2014/main" val="20004"/>
                     </a:ext>
                   </a:extLst>
                 </a:gridCol>
                 <a:gridCol w="1226019">
                   <a:extLst>
                     <a:ext uri="{9D8B030D-6E8A-4147-A177-3AD203B41FA5}">
-                      <a16:colId xmlns:a16="http://schemas.microsoft.com/office/drawing/2014/main" xmlns="" val="20005"/>
+                      <a16:colId xmlns="" xmlns:a16="http://schemas.microsoft.com/office/drawing/2014/main" val="20005"/>
                     </a:ext>
                   </a:extLst>
                 </a:gridCol>
@@ -15699,7 +15699,7 @@
                 </a:tc>
                 <a:extLst>
                   <a:ext uri="{0D108BD9-81ED-4DB2-BD59-A6C34878D82A}">
-                    <a16:rowId xmlns:a16="http://schemas.microsoft.com/office/drawing/2014/main" xmlns="" val="10000"/>
+                    <a16:rowId xmlns="" xmlns:a16="http://schemas.microsoft.com/office/drawing/2014/main" val="10000"/>
                   </a:ext>
                 </a:extLst>
               </a:tr>
@@ -15838,7 +15838,7 @@
                 </a:tc>
                 <a:extLst>
                   <a:ext uri="{0D108BD9-81ED-4DB2-BD59-A6C34878D82A}">
-                    <a16:rowId xmlns:a16="http://schemas.microsoft.com/office/drawing/2014/main" xmlns="" val="10001"/>
+                    <a16:rowId xmlns="" xmlns:a16="http://schemas.microsoft.com/office/drawing/2014/main" val="10001"/>
                   </a:ext>
                 </a:extLst>
               </a:tr>
@@ -15994,7 +15994,7 @@
                 </a:tc>
                 <a:extLst>
                   <a:ext uri="{0D108BD9-81ED-4DB2-BD59-A6C34878D82A}">
-                    <a16:rowId xmlns:a16="http://schemas.microsoft.com/office/drawing/2014/main" xmlns="" val="10002"/>
+                    <a16:rowId xmlns="" xmlns:a16="http://schemas.microsoft.com/office/drawing/2014/main" val="10002"/>
                   </a:ext>
                 </a:extLst>
               </a:tr>
@@ -16133,7 +16133,7 @@
                 </a:tc>
                 <a:extLst>
                   <a:ext uri="{0D108BD9-81ED-4DB2-BD59-A6C34878D82A}">
-                    <a16:rowId xmlns:a16="http://schemas.microsoft.com/office/drawing/2014/main" xmlns="" val="10003"/>
+                    <a16:rowId xmlns="" xmlns:a16="http://schemas.microsoft.com/office/drawing/2014/main" val="10003"/>
                   </a:ext>
                 </a:extLst>
               </a:tr>
@@ -16289,7 +16289,7 @@
                 </a:tc>
                 <a:extLst>
                   <a:ext uri="{0D108BD9-81ED-4DB2-BD59-A6C34878D82A}">
-                    <a16:rowId xmlns:a16="http://schemas.microsoft.com/office/drawing/2014/main" xmlns="" val="10004"/>
+                    <a16:rowId xmlns="" xmlns:a16="http://schemas.microsoft.com/office/drawing/2014/main" val="10004"/>
                   </a:ext>
                 </a:extLst>
               </a:tr>
@@ -16428,7 +16428,7 @@
                 </a:tc>
                 <a:extLst>
                   <a:ext uri="{0D108BD9-81ED-4DB2-BD59-A6C34878D82A}">
-                    <a16:rowId xmlns:a16="http://schemas.microsoft.com/office/drawing/2014/main" xmlns="" val="10005"/>
+                    <a16:rowId xmlns="" xmlns:a16="http://schemas.microsoft.com/office/drawing/2014/main" val="10005"/>
                   </a:ext>
                 </a:extLst>
               </a:tr>
@@ -18205,42 +18205,42 @@
                 <a:gridCol w="1024621">
                   <a:extLst>
                     <a:ext uri="{9D8B030D-6E8A-4147-A177-3AD203B41FA5}">
-                      <a16:colId xmlns:a16="http://schemas.microsoft.com/office/drawing/2014/main" xmlns="" val="20000"/>
+                      <a16:colId xmlns="" xmlns:a16="http://schemas.microsoft.com/office/drawing/2014/main" val="20000"/>
                     </a:ext>
                   </a:extLst>
                 </a:gridCol>
                 <a:gridCol w="1232949">
                   <a:extLst>
                     <a:ext uri="{9D8B030D-6E8A-4147-A177-3AD203B41FA5}">
-                      <a16:colId xmlns:a16="http://schemas.microsoft.com/office/drawing/2014/main" xmlns="" val="20001"/>
+                      <a16:colId xmlns="" xmlns:a16="http://schemas.microsoft.com/office/drawing/2014/main" val="20001"/>
                     </a:ext>
                   </a:extLst>
                 </a:gridCol>
                 <a:gridCol w="1069375">
                   <a:extLst>
                     <a:ext uri="{9D8B030D-6E8A-4147-A177-3AD203B41FA5}">
-                      <a16:colId xmlns:a16="http://schemas.microsoft.com/office/drawing/2014/main" xmlns="" val="20002"/>
+                      <a16:colId xmlns="" xmlns:a16="http://schemas.microsoft.com/office/drawing/2014/main" val="20002"/>
                     </a:ext>
                   </a:extLst>
                 </a:gridCol>
                 <a:gridCol w="765014">
                   <a:extLst>
                     <a:ext uri="{9D8B030D-6E8A-4147-A177-3AD203B41FA5}">
-                      <a16:colId xmlns:a16="http://schemas.microsoft.com/office/drawing/2014/main" xmlns="" val="20003"/>
+                      <a16:colId xmlns="" xmlns:a16="http://schemas.microsoft.com/office/drawing/2014/main" val="20003"/>
                     </a:ext>
                   </a:extLst>
                 </a:gridCol>
                 <a:gridCol w="847274">
                   <a:extLst>
                     <a:ext uri="{9D8B030D-6E8A-4147-A177-3AD203B41FA5}">
-                      <a16:colId xmlns:a16="http://schemas.microsoft.com/office/drawing/2014/main" xmlns="" val="20004"/>
+                      <a16:colId xmlns="" xmlns:a16="http://schemas.microsoft.com/office/drawing/2014/main" val="20004"/>
                     </a:ext>
                   </a:extLst>
                 </a:gridCol>
                 <a:gridCol w="987114">
                   <a:extLst>
                     <a:ext uri="{9D8B030D-6E8A-4147-A177-3AD203B41FA5}">
-                      <a16:colId xmlns:a16="http://schemas.microsoft.com/office/drawing/2014/main" xmlns="" val="20005"/>
+                      <a16:colId xmlns="" xmlns:a16="http://schemas.microsoft.com/office/drawing/2014/main" val="20005"/>
                     </a:ext>
                   </a:extLst>
                 </a:gridCol>
@@ -18332,7 +18332,7 @@
                 </a:tc>
                 <a:extLst>
                   <a:ext uri="{0D108BD9-81ED-4DB2-BD59-A6C34878D82A}">
-                    <a16:rowId xmlns:a16="http://schemas.microsoft.com/office/drawing/2014/main" xmlns="" val="10000"/>
+                    <a16:rowId xmlns="" xmlns:a16="http://schemas.microsoft.com/office/drawing/2014/main" val="10000"/>
                   </a:ext>
                 </a:extLst>
               </a:tr>
@@ -18429,7 +18429,7 @@
                 </a:tc>
                 <a:extLst>
                   <a:ext uri="{0D108BD9-81ED-4DB2-BD59-A6C34878D82A}">
-                    <a16:rowId xmlns:a16="http://schemas.microsoft.com/office/drawing/2014/main" xmlns="" val="10001"/>
+                    <a16:rowId xmlns="" xmlns:a16="http://schemas.microsoft.com/office/drawing/2014/main" val="10001"/>
                   </a:ext>
                 </a:extLst>
               </a:tr>
@@ -18587,7 +18587,7 @@
                 </a:tc>
                 <a:extLst>
                   <a:ext uri="{0D108BD9-81ED-4DB2-BD59-A6C34878D82A}">
-                    <a16:rowId xmlns:a16="http://schemas.microsoft.com/office/drawing/2014/main" xmlns="" val="10002"/>
+                    <a16:rowId xmlns="" xmlns:a16="http://schemas.microsoft.com/office/drawing/2014/main" val="10002"/>
                   </a:ext>
                 </a:extLst>
               </a:tr>
@@ -18732,7 +18732,7 @@
                 </a:tc>
                 <a:extLst>
                   <a:ext uri="{0D108BD9-81ED-4DB2-BD59-A6C34878D82A}">
-                    <a16:rowId xmlns:a16="http://schemas.microsoft.com/office/drawing/2014/main" xmlns="" val="10003"/>
+                    <a16:rowId xmlns="" xmlns:a16="http://schemas.microsoft.com/office/drawing/2014/main" val="10003"/>
                   </a:ext>
                 </a:extLst>
               </a:tr>
@@ -18890,7 +18890,7 @@
                 </a:tc>
                 <a:extLst>
                   <a:ext uri="{0D108BD9-81ED-4DB2-BD59-A6C34878D82A}">
-                    <a16:rowId xmlns:a16="http://schemas.microsoft.com/office/drawing/2014/main" xmlns="" val="10004"/>
+                    <a16:rowId xmlns="" xmlns:a16="http://schemas.microsoft.com/office/drawing/2014/main" val="10004"/>
                   </a:ext>
                 </a:extLst>
               </a:tr>
@@ -19029,7 +19029,7 @@
                 </a:tc>
                 <a:extLst>
                   <a:ext uri="{0D108BD9-81ED-4DB2-BD59-A6C34878D82A}">
-                    <a16:rowId xmlns:a16="http://schemas.microsoft.com/office/drawing/2014/main" xmlns="" val="10005"/>
+                    <a16:rowId xmlns="" xmlns:a16="http://schemas.microsoft.com/office/drawing/2014/main" val="10005"/>
                   </a:ext>
                 </a:extLst>
               </a:tr>
@@ -19187,42 +19187,42 @@
                 <a:gridCol w="1126267">
                   <a:extLst>
                     <a:ext uri="{9D8B030D-6E8A-4147-A177-3AD203B41FA5}">
-                      <a16:colId xmlns:a16="http://schemas.microsoft.com/office/drawing/2014/main" xmlns="" val="20000"/>
+                      <a16:colId xmlns="" xmlns:a16="http://schemas.microsoft.com/office/drawing/2014/main" val="20000"/>
                     </a:ext>
                   </a:extLst>
                 </a:gridCol>
                 <a:gridCol w="1192506">
                   <a:extLst>
                     <a:ext uri="{9D8B030D-6E8A-4147-A177-3AD203B41FA5}">
-                      <a16:colId xmlns:a16="http://schemas.microsoft.com/office/drawing/2014/main" xmlns="" val="20001"/>
+                      <a16:colId xmlns="" xmlns:a16="http://schemas.microsoft.com/office/drawing/2014/main" val="20001"/>
                     </a:ext>
                   </a:extLst>
                 </a:gridCol>
                 <a:gridCol w="1139292">
                   <a:extLst>
                     <a:ext uri="{9D8B030D-6E8A-4147-A177-3AD203B41FA5}">
-                      <a16:colId xmlns:a16="http://schemas.microsoft.com/office/drawing/2014/main" xmlns="" val="20002"/>
+                      <a16:colId xmlns="" xmlns:a16="http://schemas.microsoft.com/office/drawing/2014/main" val="20002"/>
                     </a:ext>
                   </a:extLst>
                 </a:gridCol>
                 <a:gridCol w="931327">
                   <a:extLst>
                     <a:ext uri="{9D8B030D-6E8A-4147-A177-3AD203B41FA5}">
-                      <a16:colId xmlns:a16="http://schemas.microsoft.com/office/drawing/2014/main" xmlns="" val="20003"/>
+                      <a16:colId xmlns="" xmlns:a16="http://schemas.microsoft.com/office/drawing/2014/main" val="20003"/>
                     </a:ext>
                   </a:extLst>
                 </a:gridCol>
                 <a:gridCol w="849949">
                   <a:extLst>
                     <a:ext uri="{9D8B030D-6E8A-4147-A177-3AD203B41FA5}">
-                      <a16:colId xmlns:a16="http://schemas.microsoft.com/office/drawing/2014/main" xmlns="" val="20004"/>
+                      <a16:colId xmlns="" xmlns:a16="http://schemas.microsoft.com/office/drawing/2014/main" val="20004"/>
                     </a:ext>
                   </a:extLst>
                 </a:gridCol>
                 <a:gridCol w="1172319">
                   <a:extLst>
                     <a:ext uri="{9D8B030D-6E8A-4147-A177-3AD203B41FA5}">
-                      <a16:colId xmlns:a16="http://schemas.microsoft.com/office/drawing/2014/main" xmlns="" val="20005"/>
+                      <a16:colId xmlns="" xmlns:a16="http://schemas.microsoft.com/office/drawing/2014/main" val="20005"/>
                     </a:ext>
                   </a:extLst>
                 </a:gridCol>
@@ -19314,7 +19314,7 @@
                 </a:tc>
                 <a:extLst>
                   <a:ext uri="{0D108BD9-81ED-4DB2-BD59-A6C34878D82A}">
-                    <a16:rowId xmlns:a16="http://schemas.microsoft.com/office/drawing/2014/main" xmlns="" val="10000"/>
+                    <a16:rowId xmlns="" xmlns:a16="http://schemas.microsoft.com/office/drawing/2014/main" val="10000"/>
                   </a:ext>
                 </a:extLst>
               </a:tr>
@@ -19411,7 +19411,7 @@
                 </a:tc>
                 <a:extLst>
                   <a:ext uri="{0D108BD9-81ED-4DB2-BD59-A6C34878D82A}">
-                    <a16:rowId xmlns:a16="http://schemas.microsoft.com/office/drawing/2014/main" xmlns="" val="10001"/>
+                    <a16:rowId xmlns="" xmlns:a16="http://schemas.microsoft.com/office/drawing/2014/main" val="10001"/>
                   </a:ext>
                 </a:extLst>
               </a:tr>
@@ -19571,7 +19571,7 @@
                 </a:tc>
                 <a:extLst>
                   <a:ext uri="{0D108BD9-81ED-4DB2-BD59-A6C34878D82A}">
-                    <a16:rowId xmlns:a16="http://schemas.microsoft.com/office/drawing/2014/main" xmlns="" val="10002"/>
+                    <a16:rowId xmlns="" xmlns:a16="http://schemas.microsoft.com/office/drawing/2014/main" val="10002"/>
                   </a:ext>
                 </a:extLst>
               </a:tr>
@@ -19712,7 +19712,7 @@
                 </a:tc>
                 <a:extLst>
                   <a:ext uri="{0D108BD9-81ED-4DB2-BD59-A6C34878D82A}">
-                    <a16:rowId xmlns:a16="http://schemas.microsoft.com/office/drawing/2014/main" xmlns="" val="10003"/>
+                    <a16:rowId xmlns="" xmlns:a16="http://schemas.microsoft.com/office/drawing/2014/main" val="10003"/>
                   </a:ext>
                 </a:extLst>
               </a:tr>
@@ -19853,7 +19853,7 @@
                 </a:tc>
                 <a:extLst>
                   <a:ext uri="{0D108BD9-81ED-4DB2-BD59-A6C34878D82A}">
-                    <a16:rowId xmlns:a16="http://schemas.microsoft.com/office/drawing/2014/main" xmlns="" val="10004"/>
+                    <a16:rowId xmlns="" xmlns:a16="http://schemas.microsoft.com/office/drawing/2014/main" val="10004"/>
                   </a:ext>
                 </a:extLst>
               </a:tr>
@@ -19996,7 +19996,7 @@
                 </a:tc>
                 <a:extLst>
                   <a:ext uri="{0D108BD9-81ED-4DB2-BD59-A6C34878D82A}">
-                    <a16:rowId xmlns:a16="http://schemas.microsoft.com/office/drawing/2014/main" xmlns="" val="10005"/>
+                    <a16:rowId xmlns="" xmlns:a16="http://schemas.microsoft.com/office/drawing/2014/main" val="10005"/>
                   </a:ext>
                 </a:extLst>
               </a:tr>
@@ -20086,28 +20086,28 @@
                 <a:gridCol w="2628900">
                   <a:extLst>
                     <a:ext uri="{9D8B030D-6E8A-4147-A177-3AD203B41FA5}">
-                      <a16:colId xmlns:a16="http://schemas.microsoft.com/office/drawing/2014/main" xmlns="" val="20000"/>
+                      <a16:colId xmlns="" xmlns:a16="http://schemas.microsoft.com/office/drawing/2014/main" val="20000"/>
                     </a:ext>
                   </a:extLst>
                 </a:gridCol>
                 <a:gridCol w="2628900">
                   <a:extLst>
                     <a:ext uri="{9D8B030D-6E8A-4147-A177-3AD203B41FA5}">
-                      <a16:colId xmlns:a16="http://schemas.microsoft.com/office/drawing/2014/main" xmlns="" val="20001"/>
+                      <a16:colId xmlns="" xmlns:a16="http://schemas.microsoft.com/office/drawing/2014/main" val="20001"/>
                     </a:ext>
                   </a:extLst>
                 </a:gridCol>
                 <a:gridCol w="2628900">
                   <a:extLst>
                     <a:ext uri="{9D8B030D-6E8A-4147-A177-3AD203B41FA5}">
-                      <a16:colId xmlns:a16="http://schemas.microsoft.com/office/drawing/2014/main" xmlns="" val="20002"/>
+                      <a16:colId xmlns="" xmlns:a16="http://schemas.microsoft.com/office/drawing/2014/main" val="20002"/>
                     </a:ext>
                   </a:extLst>
                 </a:gridCol>
                 <a:gridCol w="2628900">
                   <a:extLst>
                     <a:ext uri="{9D8B030D-6E8A-4147-A177-3AD203B41FA5}">
-                      <a16:colId xmlns:a16="http://schemas.microsoft.com/office/drawing/2014/main" xmlns="" val="20003"/>
+                      <a16:colId xmlns="" xmlns:a16="http://schemas.microsoft.com/office/drawing/2014/main" val="20003"/>
                     </a:ext>
                   </a:extLst>
                 </a:gridCol>
@@ -20171,7 +20171,7 @@
                 </a:tc>
                 <a:extLst>
                   <a:ext uri="{0D108BD9-81ED-4DB2-BD59-A6C34878D82A}">
-                    <a16:rowId xmlns:a16="http://schemas.microsoft.com/office/drawing/2014/main" xmlns="" val="10000"/>
+                    <a16:rowId xmlns="" xmlns:a16="http://schemas.microsoft.com/office/drawing/2014/main" val="10000"/>
                   </a:ext>
                 </a:extLst>
               </a:tr>
@@ -20234,7 +20234,7 @@
                 </a:tc>
                 <a:extLst>
                   <a:ext uri="{0D108BD9-81ED-4DB2-BD59-A6C34878D82A}">
-                    <a16:rowId xmlns:a16="http://schemas.microsoft.com/office/drawing/2014/main" xmlns="" val="10001"/>
+                    <a16:rowId xmlns="" xmlns:a16="http://schemas.microsoft.com/office/drawing/2014/main" val="10001"/>
                   </a:ext>
                 </a:extLst>
               </a:tr>
@@ -20327,7 +20327,7 @@
                 </a:tc>
                 <a:extLst>
                   <a:ext uri="{0D108BD9-81ED-4DB2-BD59-A6C34878D82A}">
-                    <a16:rowId xmlns:a16="http://schemas.microsoft.com/office/drawing/2014/main" xmlns="" val="10002"/>
+                    <a16:rowId xmlns="" xmlns:a16="http://schemas.microsoft.com/office/drawing/2014/main" val="10002"/>
                   </a:ext>
                 </a:extLst>
               </a:tr>
@@ -20416,7 +20416,7 @@
                 </a:tc>
                 <a:extLst>
                   <a:ext uri="{0D108BD9-81ED-4DB2-BD59-A6C34878D82A}">
-                    <a16:rowId xmlns:a16="http://schemas.microsoft.com/office/drawing/2014/main" xmlns="" val="10003"/>
+                    <a16:rowId xmlns="" xmlns:a16="http://schemas.microsoft.com/office/drawing/2014/main" val="10003"/>
                   </a:ext>
                 </a:extLst>
               </a:tr>
@@ -20537,42 +20537,42 @@
                 <a:gridCol w="1074501">
                   <a:extLst>
                     <a:ext uri="{9D8B030D-6E8A-4147-A177-3AD203B41FA5}">
-                      <a16:colId xmlns:a16="http://schemas.microsoft.com/office/drawing/2014/main" xmlns="" val="20000"/>
+                      <a16:colId xmlns="" xmlns:a16="http://schemas.microsoft.com/office/drawing/2014/main" val="20000"/>
                     </a:ext>
                   </a:extLst>
                 </a:gridCol>
                 <a:gridCol w="1361982">
                   <a:extLst>
                     <a:ext uri="{9D8B030D-6E8A-4147-A177-3AD203B41FA5}">
-                      <a16:colId xmlns:a16="http://schemas.microsoft.com/office/drawing/2014/main" xmlns="" val="20001"/>
+                      <a16:colId xmlns="" xmlns:a16="http://schemas.microsoft.com/office/drawing/2014/main" val="20001"/>
                     </a:ext>
                   </a:extLst>
                 </a:gridCol>
                 <a:gridCol w="1069675">
                   <a:extLst>
                     <a:ext uri="{9D8B030D-6E8A-4147-A177-3AD203B41FA5}">
-                      <a16:colId xmlns:a16="http://schemas.microsoft.com/office/drawing/2014/main" xmlns="" val="20002"/>
+                      <a16:colId xmlns="" xmlns:a16="http://schemas.microsoft.com/office/drawing/2014/main" val="20002"/>
                     </a:ext>
                   </a:extLst>
                 </a:gridCol>
                 <a:gridCol w="776378">
                   <a:extLst>
                     <a:ext uri="{9D8B030D-6E8A-4147-A177-3AD203B41FA5}">
-                      <a16:colId xmlns:a16="http://schemas.microsoft.com/office/drawing/2014/main" xmlns="" val="20003"/>
+                      <a16:colId xmlns="" xmlns:a16="http://schemas.microsoft.com/office/drawing/2014/main" val="20003"/>
                     </a:ext>
                   </a:extLst>
                 </a:gridCol>
                 <a:gridCol w="785004">
                   <a:extLst>
                     <a:ext uri="{9D8B030D-6E8A-4147-A177-3AD203B41FA5}">
-                      <a16:colId xmlns:a16="http://schemas.microsoft.com/office/drawing/2014/main" xmlns="" val="20004"/>
+                      <a16:colId xmlns="" xmlns:a16="http://schemas.microsoft.com/office/drawing/2014/main" val="20004"/>
                     </a:ext>
                   </a:extLst>
                 </a:gridCol>
                 <a:gridCol w="1049424">
                   <a:extLst>
                     <a:ext uri="{9D8B030D-6E8A-4147-A177-3AD203B41FA5}">
-                      <a16:colId xmlns:a16="http://schemas.microsoft.com/office/drawing/2014/main" xmlns="" val="20005"/>
+                      <a16:colId xmlns="" xmlns:a16="http://schemas.microsoft.com/office/drawing/2014/main" val="20005"/>
                     </a:ext>
                   </a:extLst>
                 </a:gridCol>
@@ -20664,7 +20664,7 @@
                 </a:tc>
                 <a:extLst>
                   <a:ext uri="{0D108BD9-81ED-4DB2-BD59-A6C34878D82A}">
-                    <a16:rowId xmlns:a16="http://schemas.microsoft.com/office/drawing/2014/main" xmlns="" val="10000"/>
+                    <a16:rowId xmlns="" xmlns:a16="http://schemas.microsoft.com/office/drawing/2014/main" val="10000"/>
                   </a:ext>
                 </a:extLst>
               </a:tr>
@@ -20761,7 +20761,7 @@
                 </a:tc>
                 <a:extLst>
                   <a:ext uri="{0D108BD9-81ED-4DB2-BD59-A6C34878D82A}">
-                    <a16:rowId xmlns:a16="http://schemas.microsoft.com/office/drawing/2014/main" xmlns="" val="10001"/>
+                    <a16:rowId xmlns="" xmlns:a16="http://schemas.microsoft.com/office/drawing/2014/main" val="10001"/>
                   </a:ext>
                 </a:extLst>
               </a:tr>
@@ -20919,7 +20919,7 @@
                 </a:tc>
                 <a:extLst>
                   <a:ext uri="{0D108BD9-81ED-4DB2-BD59-A6C34878D82A}">
-                    <a16:rowId xmlns:a16="http://schemas.microsoft.com/office/drawing/2014/main" xmlns="" val="10002"/>
+                    <a16:rowId xmlns="" xmlns:a16="http://schemas.microsoft.com/office/drawing/2014/main" val="10002"/>
                   </a:ext>
                 </a:extLst>
               </a:tr>
@@ -21060,7 +21060,7 @@
                 </a:tc>
                 <a:extLst>
                   <a:ext uri="{0D108BD9-81ED-4DB2-BD59-A6C34878D82A}">
-                    <a16:rowId xmlns:a16="http://schemas.microsoft.com/office/drawing/2014/main" xmlns="" val="10003"/>
+                    <a16:rowId xmlns="" xmlns:a16="http://schemas.microsoft.com/office/drawing/2014/main" val="10003"/>
                   </a:ext>
                 </a:extLst>
               </a:tr>
@@ -21201,7 +21201,7 @@
                 </a:tc>
                 <a:extLst>
                   <a:ext uri="{0D108BD9-81ED-4DB2-BD59-A6C34878D82A}">
-                    <a16:rowId xmlns:a16="http://schemas.microsoft.com/office/drawing/2014/main" xmlns="" val="10004"/>
+                    <a16:rowId xmlns="" xmlns:a16="http://schemas.microsoft.com/office/drawing/2014/main" val="10004"/>
                   </a:ext>
                 </a:extLst>
               </a:tr>
@@ -21340,7 +21340,7 @@
                 </a:tc>
                 <a:extLst>
                   <a:ext uri="{0D108BD9-81ED-4DB2-BD59-A6C34878D82A}">
-                    <a16:rowId xmlns:a16="http://schemas.microsoft.com/office/drawing/2014/main" xmlns="" val="10005"/>
+                    <a16:rowId xmlns="" xmlns:a16="http://schemas.microsoft.com/office/drawing/2014/main" val="10005"/>
                   </a:ext>
                 </a:extLst>
               </a:tr>
@@ -21412,7 +21412,7 @@
           <p:nvPr>
             <p:extLst>
               <p:ext uri="{D42A27DB-BD31-4B8C-83A1-F6EECF244321}">
-                <p14:modId xmlns:p14="http://schemas.microsoft.com/office/powerpoint/2010/main" val="3635421367"/>
+                <p14:modId xmlns:p14="http://schemas.microsoft.com/office/powerpoint/2010/main" val="636495019"/>
               </p:ext>
             </p:extLst>
           </p:nvPr>
@@ -21431,42 +21431,42 @@
                 <a:gridCol w="1074501">
                   <a:extLst>
                     <a:ext uri="{9D8B030D-6E8A-4147-A177-3AD203B41FA5}">
-                      <a16:colId xmlns:a16="http://schemas.microsoft.com/office/drawing/2014/main" xmlns="" val="20000"/>
+                      <a16:colId xmlns="" xmlns:a16="http://schemas.microsoft.com/office/drawing/2014/main" val="20000"/>
                     </a:ext>
                   </a:extLst>
                 </a:gridCol>
                 <a:gridCol w="1094563">
                   <a:extLst>
                     <a:ext uri="{9D8B030D-6E8A-4147-A177-3AD203B41FA5}">
-                      <a16:colId xmlns:a16="http://schemas.microsoft.com/office/drawing/2014/main" xmlns="" val="20001"/>
+                      <a16:colId xmlns="" xmlns:a16="http://schemas.microsoft.com/office/drawing/2014/main" val="20001"/>
                     </a:ext>
                   </a:extLst>
                 </a:gridCol>
                 <a:gridCol w="1112808">
                   <a:extLst>
                     <a:ext uri="{9D8B030D-6E8A-4147-A177-3AD203B41FA5}">
-                      <a16:colId xmlns:a16="http://schemas.microsoft.com/office/drawing/2014/main" xmlns="" val="20002"/>
+                      <a16:colId xmlns="" xmlns:a16="http://schemas.microsoft.com/office/drawing/2014/main" val="20002"/>
                     </a:ext>
                   </a:extLst>
                 </a:gridCol>
                 <a:gridCol w="755968">
                   <a:extLst>
                     <a:ext uri="{9D8B030D-6E8A-4147-A177-3AD203B41FA5}">
-                      <a16:colId xmlns:a16="http://schemas.microsoft.com/office/drawing/2014/main" xmlns="" val="20003"/>
+                      <a16:colId xmlns="" xmlns:a16="http://schemas.microsoft.com/office/drawing/2014/main" val="20003"/>
                     </a:ext>
                   </a:extLst>
                 </a:gridCol>
                 <a:gridCol w="909275">
                   <a:extLst>
                     <a:ext uri="{9D8B030D-6E8A-4147-A177-3AD203B41FA5}">
-                      <a16:colId xmlns:a16="http://schemas.microsoft.com/office/drawing/2014/main" xmlns="" val="20004"/>
+                      <a16:colId xmlns="" xmlns:a16="http://schemas.microsoft.com/office/drawing/2014/main" val="20004"/>
                     </a:ext>
                   </a:extLst>
                 </a:gridCol>
                 <a:gridCol w="1226019">
                   <a:extLst>
                     <a:ext uri="{9D8B030D-6E8A-4147-A177-3AD203B41FA5}">
-                      <a16:colId xmlns:a16="http://schemas.microsoft.com/office/drawing/2014/main" xmlns="" val="20005"/>
+                      <a16:colId xmlns="" xmlns:a16="http://schemas.microsoft.com/office/drawing/2014/main" val="20005"/>
                     </a:ext>
                   </a:extLst>
                 </a:gridCol>
@@ -21558,7 +21558,7 @@
                 </a:tc>
                 <a:extLst>
                   <a:ext uri="{0D108BD9-81ED-4DB2-BD59-A6C34878D82A}">
-                    <a16:rowId xmlns:a16="http://schemas.microsoft.com/office/drawing/2014/main" xmlns="" val="10000"/>
+                    <a16:rowId xmlns="" xmlns:a16="http://schemas.microsoft.com/office/drawing/2014/main" val="10000"/>
                   </a:ext>
                 </a:extLst>
               </a:tr>
@@ -21657,7 +21657,7 @@
                 </a:tc>
                 <a:extLst>
                   <a:ext uri="{0D108BD9-81ED-4DB2-BD59-A6C34878D82A}">
-                    <a16:rowId xmlns:a16="http://schemas.microsoft.com/office/drawing/2014/main" xmlns="" val="10001"/>
+                    <a16:rowId xmlns="" xmlns:a16="http://schemas.microsoft.com/office/drawing/2014/main" val="10001"/>
                   </a:ext>
                 </a:extLst>
               </a:tr>
@@ -21682,10 +21682,10 @@
                     <a:lstStyle/>
                     <a:p>
                       <a:r>
-                        <a:rPr lang="x-none" dirty="0">
-                          <a:effectLst/>
-                        </a:rPr>
-                        <a:t>3</a:t>
+                        <a:rPr lang="en-IN" dirty="0" smtClean="0">
+                          <a:effectLst/>
+                        </a:rPr>
+                        <a:t>1</a:t>
                       </a:r>
                       <a:endParaRPr lang="en-GB" dirty="0"/>
                     </a:p>
@@ -21718,7 +21718,7 @@
                         <a:rPr lang="en-GB" dirty="0" smtClean="0">
                           <a:effectLst/>
                         </a:rPr>
-                        <a:t>0.653</a:t>
+                        <a:t>0.538</a:t>
                       </a:r>
                       <a:endParaRPr lang="en-GB" dirty="0"/>
                     </a:p>
@@ -21734,7 +21734,7 @@
                         <a:rPr lang="en-GB" dirty="0" smtClean="0">
                           <a:effectLst/>
                         </a:rPr>
-                        <a:t>0.615</a:t>
+                        <a:t>0.529</a:t>
                       </a:r>
                       <a:endParaRPr lang="en-GB" dirty="0"/>
                     </a:p>
@@ -21750,7 +21750,7 @@
                         <a:rPr lang="en-GB" dirty="0" smtClean="0">
                           <a:effectLst/>
                         </a:rPr>
-                        <a:t>0.307</a:t>
+                        <a:t>0.076</a:t>
                       </a:r>
                       <a:endParaRPr lang="en-GB" dirty="0"/>
                     </a:p>
@@ -21775,7 +21775,7 @@
                 </a:tc>
                 <a:extLst>
                   <a:ext uri="{0D108BD9-81ED-4DB2-BD59-A6C34878D82A}">
-                    <a16:rowId xmlns:a16="http://schemas.microsoft.com/office/drawing/2014/main" xmlns="" val="10002"/>
+                    <a16:rowId xmlns="" xmlns:a16="http://schemas.microsoft.com/office/drawing/2014/main" val="10002"/>
                   </a:ext>
                 </a:extLst>
               </a:tr>
@@ -21808,7 +21808,7 @@
                     <a:p>
                       <a:r>
                         <a:rPr lang="en-IN" dirty="0" smtClean="0"/>
-                        <a:t>5</a:t>
+                        <a:t>3</a:t>
                       </a:r>
                       <a:endParaRPr lang="en-GB" dirty="0"/>
                     </a:p>
@@ -21831,7 +21831,7 @@
                         <a:rPr lang="en-GB" dirty="0" smtClean="0">
                           <a:effectLst/>
                         </a:rPr>
-                        <a:t>0.538</a:t>
+                        <a:t>0.692</a:t>
                       </a:r>
                       <a:endParaRPr lang="en-GB" dirty="0"/>
                     </a:p>
@@ -21854,7 +21854,7 @@
                         <a:rPr lang="en-GB" dirty="0" smtClean="0">
                           <a:effectLst/>
                         </a:rPr>
-                        <a:t>0.491</a:t>
+                        <a:t>0.562</a:t>
                       </a:r>
                       <a:endParaRPr lang="en-GB" dirty="0"/>
                     </a:p>
@@ -21877,7 +21877,7 @@
                         <a:rPr lang="en-GB" dirty="0" smtClean="0">
                           <a:effectLst/>
                         </a:rPr>
-                        <a:t>0.076</a:t>
+                        <a:t>0.384</a:t>
                       </a:r>
                       <a:endParaRPr lang="en-GB" dirty="0"/>
                     </a:p>
@@ -21916,7 +21916,7 @@
                 </a:tc>
                 <a:extLst>
                   <a:ext uri="{0D108BD9-81ED-4DB2-BD59-A6C34878D82A}">
-                    <a16:rowId xmlns:a16="http://schemas.microsoft.com/office/drawing/2014/main" xmlns="" val="10003"/>
+                    <a16:rowId xmlns="" xmlns:a16="http://schemas.microsoft.com/office/drawing/2014/main" val="10003"/>
                   </a:ext>
                 </a:extLst>
               </a:tr>
@@ -21951,7 +21951,7 @@
                         <a:rPr lang="en-GB" dirty="0" smtClean="0">
                           <a:effectLst/>
                         </a:rPr>
-                        <a:t>4</a:t>
+                        <a:t>3</a:t>
                       </a:r>
                       <a:endParaRPr lang="en-GB" dirty="0"/>
                     </a:p>
@@ -21974,7 +21974,7 @@
                         <a:rPr lang="en-GB" dirty="0" smtClean="0">
                           <a:effectLst/>
                         </a:rPr>
-                        <a:t>0.538</a:t>
+                        <a:t>0.692</a:t>
                       </a:r>
                       <a:endParaRPr lang="en-GB" dirty="0"/>
                     </a:p>
@@ -21997,7 +21997,7 @@
                         <a:rPr lang="en-GB" dirty="0" smtClean="0">
                           <a:effectLst/>
                         </a:rPr>
-                        <a:t>0.535</a:t>
+                        <a:t>0.562</a:t>
                       </a:r>
                       <a:endParaRPr lang="en-GB" dirty="0"/>
                     </a:p>
@@ -22020,7 +22020,7 @@
                         <a:rPr lang="en-GB" dirty="0" smtClean="0">
                           <a:effectLst/>
                         </a:rPr>
-                        <a:t>0.076</a:t>
+                        <a:t>0.384</a:t>
                       </a:r>
                       <a:endParaRPr lang="en-GB" dirty="0"/>
                     </a:p>
@@ -22059,7 +22059,7 @@
                 </a:tc>
                 <a:extLst>
                   <a:ext uri="{0D108BD9-81ED-4DB2-BD59-A6C34878D82A}">
-                    <a16:rowId xmlns:a16="http://schemas.microsoft.com/office/drawing/2014/main" xmlns="" val="10004"/>
+                    <a16:rowId xmlns="" xmlns:a16="http://schemas.microsoft.com/office/drawing/2014/main" val="10004"/>
                   </a:ext>
                 </a:extLst>
               </a:tr>
@@ -22172,7 +22172,7 @@
                 </a:tc>
                 <a:extLst>
                   <a:ext uri="{0D108BD9-81ED-4DB2-BD59-A6C34878D82A}">
-                    <a16:rowId xmlns:a16="http://schemas.microsoft.com/office/drawing/2014/main" xmlns="" val="10005"/>
+                    <a16:rowId xmlns="" xmlns:a16="http://schemas.microsoft.com/office/drawing/2014/main" val="10005"/>
                   </a:ext>
                 </a:extLst>
               </a:tr>
@@ -22263,42 +22263,42 @@
                 <a:gridCol w="1108522">
                   <a:extLst>
                     <a:ext uri="{9D8B030D-6E8A-4147-A177-3AD203B41FA5}">
-                      <a16:colId xmlns:a16="http://schemas.microsoft.com/office/drawing/2014/main" xmlns="" val="20000"/>
+                      <a16:colId xmlns="" xmlns:a16="http://schemas.microsoft.com/office/drawing/2014/main" val="20000"/>
                     </a:ext>
                   </a:extLst>
                 </a:gridCol>
                 <a:gridCol w="1129219">
                   <a:extLst>
                     <a:ext uri="{9D8B030D-6E8A-4147-A177-3AD203B41FA5}">
-                      <a16:colId xmlns:a16="http://schemas.microsoft.com/office/drawing/2014/main" xmlns="" val="20001"/>
+                      <a16:colId xmlns="" xmlns:a16="http://schemas.microsoft.com/office/drawing/2014/main" val="20001"/>
                     </a:ext>
                   </a:extLst>
                 </a:gridCol>
                 <a:gridCol w="1148042">
                   <a:extLst>
                     <a:ext uri="{9D8B030D-6E8A-4147-A177-3AD203B41FA5}">
-                      <a16:colId xmlns:a16="http://schemas.microsoft.com/office/drawing/2014/main" xmlns="" val="20002"/>
+                      <a16:colId xmlns="" xmlns:a16="http://schemas.microsoft.com/office/drawing/2014/main" val="20002"/>
                     </a:ext>
                   </a:extLst>
                 </a:gridCol>
                 <a:gridCol w="802761">
                   <a:extLst>
                     <a:ext uri="{9D8B030D-6E8A-4147-A177-3AD203B41FA5}">
-                      <a16:colId xmlns:a16="http://schemas.microsoft.com/office/drawing/2014/main" xmlns="" val="20003"/>
+                      <a16:colId xmlns="" xmlns:a16="http://schemas.microsoft.com/office/drawing/2014/main" val="20003"/>
                     </a:ext>
                   </a:extLst>
                 </a:gridCol>
                 <a:gridCol w="857259">
                   <a:extLst>
                     <a:ext uri="{9D8B030D-6E8A-4147-A177-3AD203B41FA5}">
-                      <a16:colId xmlns:a16="http://schemas.microsoft.com/office/drawing/2014/main" xmlns="" val="20004"/>
+                      <a16:colId xmlns="" xmlns:a16="http://schemas.microsoft.com/office/drawing/2014/main" val="20004"/>
                     </a:ext>
                   </a:extLst>
                 </a:gridCol>
                 <a:gridCol w="1264838">
                   <a:extLst>
                     <a:ext uri="{9D8B030D-6E8A-4147-A177-3AD203B41FA5}">
-                      <a16:colId xmlns:a16="http://schemas.microsoft.com/office/drawing/2014/main" xmlns="" val="20005"/>
+                      <a16:colId xmlns="" xmlns:a16="http://schemas.microsoft.com/office/drawing/2014/main" val="20005"/>
                     </a:ext>
                   </a:extLst>
                 </a:gridCol>
@@ -22390,7 +22390,7 @@
                 </a:tc>
                 <a:extLst>
                   <a:ext uri="{0D108BD9-81ED-4DB2-BD59-A6C34878D82A}">
-                    <a16:rowId xmlns:a16="http://schemas.microsoft.com/office/drawing/2014/main" xmlns="" val="10000"/>
+                    <a16:rowId xmlns="" xmlns:a16="http://schemas.microsoft.com/office/drawing/2014/main" val="10000"/>
                   </a:ext>
                 </a:extLst>
               </a:tr>
@@ -22531,7 +22531,7 @@
                 </a:tc>
                 <a:extLst>
                   <a:ext uri="{0D108BD9-81ED-4DB2-BD59-A6C34878D82A}">
-                    <a16:rowId xmlns:a16="http://schemas.microsoft.com/office/drawing/2014/main" xmlns="" val="10001"/>
+                    <a16:rowId xmlns="" xmlns:a16="http://schemas.microsoft.com/office/drawing/2014/main" val="10001"/>
                   </a:ext>
                 </a:extLst>
               </a:tr>
@@ -22691,7 +22691,7 @@
                 </a:tc>
                 <a:extLst>
                   <a:ext uri="{0D108BD9-81ED-4DB2-BD59-A6C34878D82A}">
-                    <a16:rowId xmlns:a16="http://schemas.microsoft.com/office/drawing/2014/main" xmlns="" val="10002"/>
+                    <a16:rowId xmlns="" xmlns:a16="http://schemas.microsoft.com/office/drawing/2014/main" val="10002"/>
                   </a:ext>
                 </a:extLst>
               </a:tr>
@@ -22838,7 +22838,7 @@
                 </a:tc>
                 <a:extLst>
                   <a:ext uri="{0D108BD9-81ED-4DB2-BD59-A6C34878D82A}">
-                    <a16:rowId xmlns:a16="http://schemas.microsoft.com/office/drawing/2014/main" xmlns="" val="10003"/>
+                    <a16:rowId xmlns="" xmlns:a16="http://schemas.microsoft.com/office/drawing/2014/main" val="10003"/>
                   </a:ext>
                 </a:extLst>
               </a:tr>
@@ -22981,7 +22981,7 @@
                 </a:tc>
                 <a:extLst>
                   <a:ext uri="{0D108BD9-81ED-4DB2-BD59-A6C34878D82A}">
-                    <a16:rowId xmlns:a16="http://schemas.microsoft.com/office/drawing/2014/main" xmlns="" val="10004"/>
+                    <a16:rowId xmlns="" xmlns:a16="http://schemas.microsoft.com/office/drawing/2014/main" val="10004"/>
                   </a:ext>
                 </a:extLst>
               </a:tr>
@@ -23120,7 +23120,7 @@
                 </a:tc>
                 <a:extLst>
                   <a:ext uri="{0D108BD9-81ED-4DB2-BD59-A6C34878D82A}">
-                    <a16:rowId xmlns:a16="http://schemas.microsoft.com/office/drawing/2014/main" xmlns="" val="10005"/>
+                    <a16:rowId xmlns="" xmlns:a16="http://schemas.microsoft.com/office/drawing/2014/main" val="10005"/>
                   </a:ext>
                 </a:extLst>
               </a:tr>
@@ -23211,42 +23211,42 @@
                 <a:gridCol w="1074501">
                   <a:extLst>
                     <a:ext uri="{9D8B030D-6E8A-4147-A177-3AD203B41FA5}">
-                      <a16:colId xmlns:a16="http://schemas.microsoft.com/office/drawing/2014/main" xmlns="" val="20000"/>
+                      <a16:colId xmlns="" xmlns:a16="http://schemas.microsoft.com/office/drawing/2014/main" val="20000"/>
                     </a:ext>
                   </a:extLst>
                 </a:gridCol>
                 <a:gridCol w="1094563">
                   <a:extLst>
                     <a:ext uri="{9D8B030D-6E8A-4147-A177-3AD203B41FA5}">
-                      <a16:colId xmlns:a16="http://schemas.microsoft.com/office/drawing/2014/main" xmlns="" val="20001"/>
+                      <a16:colId xmlns="" xmlns:a16="http://schemas.microsoft.com/office/drawing/2014/main" val="20001"/>
                     </a:ext>
                   </a:extLst>
                 </a:gridCol>
                 <a:gridCol w="1112808">
                   <a:extLst>
                     <a:ext uri="{9D8B030D-6E8A-4147-A177-3AD203B41FA5}">
-                      <a16:colId xmlns:a16="http://schemas.microsoft.com/office/drawing/2014/main" xmlns="" val="20002"/>
+                      <a16:colId xmlns="" xmlns:a16="http://schemas.microsoft.com/office/drawing/2014/main" val="20002"/>
                     </a:ext>
                   </a:extLst>
                 </a:gridCol>
                 <a:gridCol w="785901">
                   <a:extLst>
                     <a:ext uri="{9D8B030D-6E8A-4147-A177-3AD203B41FA5}">
-                      <a16:colId xmlns:a16="http://schemas.microsoft.com/office/drawing/2014/main" xmlns="" val="20003"/>
+                      <a16:colId xmlns="" xmlns:a16="http://schemas.microsoft.com/office/drawing/2014/main" val="20003"/>
                     </a:ext>
                   </a:extLst>
                 </a:gridCol>
                 <a:gridCol w="823172">
                   <a:extLst>
                     <a:ext uri="{9D8B030D-6E8A-4147-A177-3AD203B41FA5}">
-                      <a16:colId xmlns:a16="http://schemas.microsoft.com/office/drawing/2014/main" xmlns="" val="20004"/>
+                      <a16:colId xmlns="" xmlns:a16="http://schemas.microsoft.com/office/drawing/2014/main" val="20004"/>
                     </a:ext>
                   </a:extLst>
                 </a:gridCol>
                 <a:gridCol w="1226019">
                   <a:extLst>
                     <a:ext uri="{9D8B030D-6E8A-4147-A177-3AD203B41FA5}">
-                      <a16:colId xmlns:a16="http://schemas.microsoft.com/office/drawing/2014/main" xmlns="" val="20005"/>
+                      <a16:colId xmlns="" xmlns:a16="http://schemas.microsoft.com/office/drawing/2014/main" val="20005"/>
                     </a:ext>
                   </a:extLst>
                 </a:gridCol>
@@ -23338,7 +23338,7 @@
                 </a:tc>
                 <a:extLst>
                   <a:ext uri="{0D108BD9-81ED-4DB2-BD59-A6C34878D82A}">
-                    <a16:rowId xmlns:a16="http://schemas.microsoft.com/office/drawing/2014/main" xmlns="" val="10000"/>
+                    <a16:rowId xmlns="" xmlns:a16="http://schemas.microsoft.com/office/drawing/2014/main" val="10000"/>
                   </a:ext>
                 </a:extLst>
               </a:tr>
@@ -23481,7 +23481,7 @@
                 </a:tc>
                 <a:extLst>
                   <a:ext uri="{0D108BD9-81ED-4DB2-BD59-A6C34878D82A}">
-                    <a16:rowId xmlns:a16="http://schemas.microsoft.com/office/drawing/2014/main" xmlns="" val="10001"/>
+                    <a16:rowId xmlns="" xmlns:a16="http://schemas.microsoft.com/office/drawing/2014/main" val="10001"/>
                   </a:ext>
                 </a:extLst>
               </a:tr>
@@ -23641,7 +23641,7 @@
                 </a:tc>
                 <a:extLst>
                   <a:ext uri="{0D108BD9-81ED-4DB2-BD59-A6C34878D82A}">
-                    <a16:rowId xmlns:a16="http://schemas.microsoft.com/office/drawing/2014/main" xmlns="" val="10002"/>
+                    <a16:rowId xmlns="" xmlns:a16="http://schemas.microsoft.com/office/drawing/2014/main" val="10002"/>
                   </a:ext>
                 </a:extLst>
               </a:tr>
@@ -23784,7 +23784,7 @@
                 </a:tc>
                 <a:extLst>
                   <a:ext uri="{0D108BD9-81ED-4DB2-BD59-A6C34878D82A}">
-                    <a16:rowId xmlns:a16="http://schemas.microsoft.com/office/drawing/2014/main" xmlns="" val="10003"/>
+                    <a16:rowId xmlns="" xmlns:a16="http://schemas.microsoft.com/office/drawing/2014/main" val="10003"/>
                   </a:ext>
                 </a:extLst>
               </a:tr>
@@ -23927,7 +23927,7 @@
                 </a:tc>
                 <a:extLst>
                   <a:ext uri="{0D108BD9-81ED-4DB2-BD59-A6C34878D82A}">
-                    <a16:rowId xmlns:a16="http://schemas.microsoft.com/office/drawing/2014/main" xmlns="" val="10004"/>
+                    <a16:rowId xmlns="" xmlns:a16="http://schemas.microsoft.com/office/drawing/2014/main" val="10004"/>
                   </a:ext>
                 </a:extLst>
               </a:tr>
@@ -24068,7 +24068,7 @@
                 </a:tc>
                 <a:extLst>
                   <a:ext uri="{0D108BD9-81ED-4DB2-BD59-A6C34878D82A}">
-                    <a16:rowId xmlns:a16="http://schemas.microsoft.com/office/drawing/2014/main" xmlns="" val="10005"/>
+                    <a16:rowId xmlns="" xmlns:a16="http://schemas.microsoft.com/office/drawing/2014/main" val="10005"/>
                   </a:ext>
                 </a:extLst>
               </a:tr>
@@ -24159,42 +24159,42 @@
                 <a:gridCol w="1074501">
                   <a:extLst>
                     <a:ext uri="{9D8B030D-6E8A-4147-A177-3AD203B41FA5}">
-                      <a16:colId xmlns:a16="http://schemas.microsoft.com/office/drawing/2014/main" xmlns="" val="20000"/>
+                      <a16:colId xmlns="" xmlns:a16="http://schemas.microsoft.com/office/drawing/2014/main" val="20000"/>
                     </a:ext>
                   </a:extLst>
                 </a:gridCol>
                 <a:gridCol w="1042804">
                   <a:extLst>
                     <a:ext uri="{9D8B030D-6E8A-4147-A177-3AD203B41FA5}">
-                      <a16:colId xmlns:a16="http://schemas.microsoft.com/office/drawing/2014/main" xmlns="" val="20001"/>
+                      <a16:colId xmlns="" xmlns:a16="http://schemas.microsoft.com/office/drawing/2014/main" val="20001"/>
                     </a:ext>
                   </a:extLst>
                 </a:gridCol>
                 <a:gridCol w="1086929">
                   <a:extLst>
                     <a:ext uri="{9D8B030D-6E8A-4147-A177-3AD203B41FA5}">
-                      <a16:colId xmlns:a16="http://schemas.microsoft.com/office/drawing/2014/main" xmlns="" val="20002"/>
+                      <a16:colId xmlns="" xmlns:a16="http://schemas.microsoft.com/office/drawing/2014/main" val="20002"/>
                     </a:ext>
                   </a:extLst>
                 </a:gridCol>
                 <a:gridCol w="777436">
                   <a:extLst>
                     <a:ext uri="{9D8B030D-6E8A-4147-A177-3AD203B41FA5}">
-                      <a16:colId xmlns:a16="http://schemas.microsoft.com/office/drawing/2014/main" xmlns="" val="20003"/>
+                      <a16:colId xmlns="" xmlns:a16="http://schemas.microsoft.com/office/drawing/2014/main" val="20003"/>
                     </a:ext>
                   </a:extLst>
                 </a:gridCol>
                 <a:gridCol w="909275">
                   <a:extLst>
                     <a:ext uri="{9D8B030D-6E8A-4147-A177-3AD203B41FA5}">
-                      <a16:colId xmlns:a16="http://schemas.microsoft.com/office/drawing/2014/main" xmlns="" val="20004"/>
+                      <a16:colId xmlns="" xmlns:a16="http://schemas.microsoft.com/office/drawing/2014/main" val="20004"/>
                     </a:ext>
                   </a:extLst>
                 </a:gridCol>
                 <a:gridCol w="1226019">
                   <a:extLst>
                     <a:ext uri="{9D8B030D-6E8A-4147-A177-3AD203B41FA5}">
-                      <a16:colId xmlns:a16="http://schemas.microsoft.com/office/drawing/2014/main" xmlns="" val="20005"/>
+                      <a16:colId xmlns="" xmlns:a16="http://schemas.microsoft.com/office/drawing/2014/main" val="20005"/>
                     </a:ext>
                   </a:extLst>
                 </a:gridCol>
@@ -24286,7 +24286,7 @@
                 </a:tc>
                 <a:extLst>
                   <a:ext uri="{0D108BD9-81ED-4DB2-BD59-A6C34878D82A}">
-                    <a16:rowId xmlns:a16="http://schemas.microsoft.com/office/drawing/2014/main" xmlns="" val="10000"/>
+                    <a16:rowId xmlns="" xmlns:a16="http://schemas.microsoft.com/office/drawing/2014/main" val="10000"/>
                   </a:ext>
                 </a:extLst>
               </a:tr>
@@ -24387,7 +24387,7 @@
                 </a:tc>
                 <a:extLst>
                   <a:ext uri="{0D108BD9-81ED-4DB2-BD59-A6C34878D82A}">
-                    <a16:rowId xmlns:a16="http://schemas.microsoft.com/office/drawing/2014/main" xmlns="" val="10001"/>
+                    <a16:rowId xmlns="" xmlns:a16="http://schemas.microsoft.com/office/drawing/2014/main" val="10001"/>
                   </a:ext>
                 </a:extLst>
               </a:tr>
@@ -24547,7 +24547,7 @@
                 </a:tc>
                 <a:extLst>
                   <a:ext uri="{0D108BD9-81ED-4DB2-BD59-A6C34878D82A}">
-                    <a16:rowId xmlns:a16="http://schemas.microsoft.com/office/drawing/2014/main" xmlns="" val="10002"/>
+                    <a16:rowId xmlns="" xmlns:a16="http://schemas.microsoft.com/office/drawing/2014/main" val="10002"/>
                   </a:ext>
                 </a:extLst>
               </a:tr>
@@ -24690,7 +24690,7 @@
                 </a:tc>
                 <a:extLst>
                   <a:ext uri="{0D108BD9-81ED-4DB2-BD59-A6C34878D82A}">
-                    <a16:rowId xmlns:a16="http://schemas.microsoft.com/office/drawing/2014/main" xmlns="" val="10003"/>
+                    <a16:rowId xmlns="" xmlns:a16="http://schemas.microsoft.com/office/drawing/2014/main" val="10003"/>
                   </a:ext>
                 </a:extLst>
               </a:tr>
@@ -24833,7 +24833,7 @@
                 </a:tc>
                 <a:extLst>
                   <a:ext uri="{0D108BD9-81ED-4DB2-BD59-A6C34878D82A}">
-                    <a16:rowId xmlns:a16="http://schemas.microsoft.com/office/drawing/2014/main" xmlns="" val="10004"/>
+                    <a16:rowId xmlns="" xmlns:a16="http://schemas.microsoft.com/office/drawing/2014/main" val="10004"/>
                   </a:ext>
                 </a:extLst>
               </a:tr>
@@ -24976,7 +24976,7 @@
                 </a:tc>
                 <a:extLst>
                   <a:ext uri="{0D108BD9-81ED-4DB2-BD59-A6C34878D82A}">
-                    <a16:rowId xmlns:a16="http://schemas.microsoft.com/office/drawing/2014/main" xmlns="" val="10005"/>
+                    <a16:rowId xmlns="" xmlns:a16="http://schemas.microsoft.com/office/drawing/2014/main" val="10005"/>
                   </a:ext>
                 </a:extLst>
               </a:tr>
@@ -25067,42 +25067,42 @@
                 <a:gridCol w="1074501">
                   <a:extLst>
                     <a:ext uri="{9D8B030D-6E8A-4147-A177-3AD203B41FA5}">
-                      <a16:colId xmlns:a16="http://schemas.microsoft.com/office/drawing/2014/main" xmlns="" val="20000"/>
+                      <a16:colId xmlns="" xmlns:a16="http://schemas.microsoft.com/office/drawing/2014/main" val="20000"/>
                     </a:ext>
                   </a:extLst>
                 </a:gridCol>
                 <a:gridCol w="1051431">
                   <a:extLst>
                     <a:ext uri="{9D8B030D-6E8A-4147-A177-3AD203B41FA5}">
-                      <a16:colId xmlns:a16="http://schemas.microsoft.com/office/drawing/2014/main" xmlns="" val="20001"/>
+                      <a16:colId xmlns="" xmlns:a16="http://schemas.microsoft.com/office/drawing/2014/main" val="20001"/>
                     </a:ext>
                   </a:extLst>
                 </a:gridCol>
                 <a:gridCol w="1104181">
                   <a:extLst>
                     <a:ext uri="{9D8B030D-6E8A-4147-A177-3AD203B41FA5}">
-                      <a16:colId xmlns:a16="http://schemas.microsoft.com/office/drawing/2014/main" xmlns="" val="20002"/>
+                      <a16:colId xmlns="" xmlns:a16="http://schemas.microsoft.com/office/drawing/2014/main" val="20002"/>
                     </a:ext>
                   </a:extLst>
                 </a:gridCol>
                 <a:gridCol w="751557">
                   <a:extLst>
                     <a:ext uri="{9D8B030D-6E8A-4147-A177-3AD203B41FA5}">
-                      <a16:colId xmlns:a16="http://schemas.microsoft.com/office/drawing/2014/main" xmlns="" val="20003"/>
+                      <a16:colId xmlns="" xmlns:a16="http://schemas.microsoft.com/office/drawing/2014/main" val="20003"/>
                     </a:ext>
                   </a:extLst>
                 </a:gridCol>
                 <a:gridCol w="909275">
                   <a:extLst>
                     <a:ext uri="{9D8B030D-6E8A-4147-A177-3AD203B41FA5}">
-                      <a16:colId xmlns:a16="http://schemas.microsoft.com/office/drawing/2014/main" xmlns="" val="20004"/>
+                      <a16:colId xmlns="" xmlns:a16="http://schemas.microsoft.com/office/drawing/2014/main" val="20004"/>
                     </a:ext>
                   </a:extLst>
                 </a:gridCol>
                 <a:gridCol w="1226019">
                   <a:extLst>
                     <a:ext uri="{9D8B030D-6E8A-4147-A177-3AD203B41FA5}">
-                      <a16:colId xmlns:a16="http://schemas.microsoft.com/office/drawing/2014/main" xmlns="" val="20005"/>
+                      <a16:colId xmlns="" xmlns:a16="http://schemas.microsoft.com/office/drawing/2014/main" val="20005"/>
                     </a:ext>
                   </a:extLst>
                 </a:gridCol>
@@ -25194,7 +25194,7 @@
                 </a:tc>
                 <a:extLst>
                   <a:ext uri="{0D108BD9-81ED-4DB2-BD59-A6C34878D82A}">
-                    <a16:rowId xmlns:a16="http://schemas.microsoft.com/office/drawing/2014/main" xmlns="" val="10000"/>
+                    <a16:rowId xmlns="" xmlns:a16="http://schemas.microsoft.com/office/drawing/2014/main" val="10000"/>
                   </a:ext>
                 </a:extLst>
               </a:tr>
@@ -25333,7 +25333,7 @@
                 </a:tc>
                 <a:extLst>
                   <a:ext uri="{0D108BD9-81ED-4DB2-BD59-A6C34878D82A}">
-                    <a16:rowId xmlns:a16="http://schemas.microsoft.com/office/drawing/2014/main" xmlns="" val="10001"/>
+                    <a16:rowId xmlns="" xmlns:a16="http://schemas.microsoft.com/office/drawing/2014/main" val="10001"/>
                   </a:ext>
                 </a:extLst>
               </a:tr>
@@ -25489,7 +25489,7 @@
                 </a:tc>
                 <a:extLst>
                   <a:ext uri="{0D108BD9-81ED-4DB2-BD59-A6C34878D82A}">
-                    <a16:rowId xmlns:a16="http://schemas.microsoft.com/office/drawing/2014/main" xmlns="" val="10002"/>
+                    <a16:rowId xmlns="" xmlns:a16="http://schemas.microsoft.com/office/drawing/2014/main" val="10002"/>
                   </a:ext>
                 </a:extLst>
               </a:tr>
@@ -25628,7 +25628,7 @@
                 </a:tc>
                 <a:extLst>
                   <a:ext uri="{0D108BD9-81ED-4DB2-BD59-A6C34878D82A}">
-                    <a16:rowId xmlns:a16="http://schemas.microsoft.com/office/drawing/2014/main" xmlns="" val="10003"/>
+                    <a16:rowId xmlns="" xmlns:a16="http://schemas.microsoft.com/office/drawing/2014/main" val="10003"/>
                   </a:ext>
                 </a:extLst>
               </a:tr>
@@ -25767,7 +25767,7 @@
                 </a:tc>
                 <a:extLst>
                   <a:ext uri="{0D108BD9-81ED-4DB2-BD59-A6C34878D82A}">
-                    <a16:rowId xmlns:a16="http://schemas.microsoft.com/office/drawing/2014/main" xmlns="" val="10004"/>
+                    <a16:rowId xmlns="" xmlns:a16="http://schemas.microsoft.com/office/drawing/2014/main" val="10004"/>
                   </a:ext>
                 </a:extLst>
               </a:tr>
@@ -25906,7 +25906,7 @@
                 </a:tc>
                 <a:extLst>
                   <a:ext uri="{0D108BD9-81ED-4DB2-BD59-A6C34878D82A}">
-                    <a16:rowId xmlns:a16="http://schemas.microsoft.com/office/drawing/2014/main" xmlns="" val="10005"/>
+                    <a16:rowId xmlns="" xmlns:a16="http://schemas.microsoft.com/office/drawing/2014/main" val="10005"/>
                   </a:ext>
                 </a:extLst>
               </a:tr>
@@ -25983,12 +25983,16 @@
             <a:graphicFrameLocks noGrp="1"/>
           </p:cNvGraphicFramePr>
           <p:nvPr>
-            <p:extLst/>
+            <p:extLst>
+              <p:ext uri="{D42A27DB-BD31-4B8C-83A1-F6EECF244321}">
+                <p14:modId xmlns:p14="http://schemas.microsoft.com/office/powerpoint/2010/main" val="973055546"/>
+              </p:ext>
+            </p:extLst>
           </p:nvPr>
         </p:nvGraphicFramePr>
         <p:xfrm>
-          <a:off x="1968260" y="2110626"/>
-          <a:ext cx="7341272" cy="370840"/>
+          <a:off x="1968258" y="2110626"/>
+          <a:ext cx="6173134" cy="370840"/>
         </p:xfrm>
         <a:graphic>
           <a:graphicData uri="http://schemas.openxmlformats.org/drawingml/2006/table">
@@ -25997,14 +26001,12 @@
                 <a:tableStyleId>{5C22544A-7EE6-4342-B048-85BDC9FD1C3A}</a:tableStyleId>
               </a:tblPr>
               <a:tblGrid>
-                <a:gridCol w="849630"/>
-                <a:gridCol w="1046417"/>
-                <a:gridCol w="796450"/>
-                <a:gridCol w="827659"/>
-                <a:gridCol w="802257"/>
-                <a:gridCol w="810883"/>
-                <a:gridCol w="1422972"/>
-                <a:gridCol w="785004"/>
+                <a:gridCol w="1021737"/>
+                <a:gridCol w="1258387"/>
+                <a:gridCol w="957785"/>
+                <a:gridCol w="995316"/>
+                <a:gridCol w="964768"/>
+                <a:gridCol w="975141"/>
               </a:tblGrid>
               <a:tr h="370840">
                 <a:tc>
@@ -26120,537 +26122,6 @@
                       <a:r>
                         <a:rPr lang="en-IN" dirty="0" smtClean="0"/>
                         <a:t>Time</a:t>
-                      </a:r>
-                      <a:endParaRPr lang="en-GB" dirty="0"/>
-                    </a:p>
-                  </a:txBody>
-                  <a:tcPr>
-                    <a:solidFill>
-                      <a:schemeClr val="accent6">
-                        <a:lumMod val="60000"/>
-                        <a:lumOff val="40000"/>
-                      </a:schemeClr>
-                    </a:solidFill>
-                  </a:tcPr>
-                </a:tc>
-                <a:tc>
-                  <a:txBody>
-                    <a:bodyPr/>
-                    <a:lstStyle/>
-                    <a:p>
-                      <a:r>
-                        <a:rPr lang="en-IN" dirty="0" err="1" smtClean="0"/>
-                        <a:t>Kappa.mean</a:t>
-                      </a:r>
-                      <a:endParaRPr lang="en-GB" dirty="0"/>
-                    </a:p>
-                  </a:txBody>
-                  <a:tcPr>
-                    <a:solidFill>
-                      <a:schemeClr val="accent6">
-                        <a:lumMod val="60000"/>
-                        <a:lumOff val="40000"/>
-                      </a:schemeClr>
-                    </a:solidFill>
-                  </a:tcPr>
-                </a:tc>
-                <a:tc>
-                  <a:txBody>
-                    <a:bodyPr/>
-                    <a:lstStyle/>
-                    <a:p>
-                      <a:r>
-                        <a:rPr lang="en-IN" dirty="0" smtClean="0"/>
-                        <a:t>S.D.</a:t>
-                      </a:r>
-                      <a:endParaRPr lang="en-GB" dirty="0"/>
-                    </a:p>
-                  </a:txBody>
-                  <a:tcPr>
-                    <a:solidFill>
-                      <a:schemeClr val="accent6">
-                        <a:lumMod val="60000"/>
-                        <a:lumOff val="40000"/>
-                      </a:schemeClr>
-                    </a:solidFill>
-                  </a:tcPr>
-                </a:tc>
-              </a:tr>
-            </a:tbl>
-          </a:graphicData>
-        </a:graphic>
-      </p:graphicFrame>
-      <p:graphicFrame>
-        <p:nvGraphicFramePr>
-          <p:cNvPr id="3" name="Table 2"/>
-          <p:cNvGraphicFramePr>
-            <a:graphicFrameLocks noGrp="1"/>
-          </p:cNvGraphicFramePr>
-          <p:nvPr>
-            <p:extLst>
-              <p:ext uri="{D42A27DB-BD31-4B8C-83A1-F6EECF244321}">
-                <p14:modId xmlns:p14="http://schemas.microsoft.com/office/powerpoint/2010/main" val="1091686191"/>
-              </p:ext>
-            </p:extLst>
-          </p:nvPr>
-        </p:nvGraphicFramePr>
-        <p:xfrm>
-          <a:off x="1968261" y="2514474"/>
-          <a:ext cx="7341271" cy="370840"/>
-        </p:xfrm>
-        <a:graphic>
-          <a:graphicData uri="http://schemas.openxmlformats.org/drawingml/2006/table">
-            <a:tbl>
-              <a:tblPr firstRow="1" bandRow="1">
-                <a:tableStyleId>{5C22544A-7EE6-4342-B048-85BDC9FD1C3A}</a:tableStyleId>
-              </a:tblPr>
-              <a:tblGrid>
-                <a:gridCol w="843951"/>
-                <a:gridCol w="1086929"/>
-                <a:gridCol w="776377"/>
-                <a:gridCol w="819509"/>
-                <a:gridCol w="819510"/>
-                <a:gridCol w="810883"/>
-                <a:gridCol w="1406106"/>
-                <a:gridCol w="778006"/>
-              </a:tblGrid>
-              <a:tr h="370840">
-                <a:tc>
-                  <a:txBody>
-                    <a:bodyPr/>
-                    <a:lstStyle/>
-                    <a:p>
-                      <a:r>
-                        <a:rPr lang="en-IN" dirty="0" smtClean="0"/>
-                        <a:t>RF</a:t>
-                      </a:r>
-                      <a:endParaRPr lang="en-GB" dirty="0"/>
-                    </a:p>
-                  </a:txBody>
-                  <a:tcPr>
-                    <a:solidFill>
-                      <a:schemeClr val="accent6">
-                        <a:lumMod val="60000"/>
-                        <a:lumOff val="40000"/>
-                      </a:schemeClr>
-                    </a:solidFill>
-                  </a:tcPr>
-                </a:tc>
-                <a:tc>
-                  <a:txBody>
-                    <a:bodyPr/>
-                    <a:lstStyle/>
-                    <a:p>
-                      <a:r>
-                        <a:rPr lang="x-none" dirty="0">
-                          <a:effectLst/>
-                        </a:rPr>
-                        <a:t>3</a:t>
-                      </a:r>
-                      <a:endParaRPr lang="en-GB" dirty="0"/>
-                    </a:p>
-                  </a:txBody>
-                  <a:tcPr>
-                    <a:solidFill>
-                      <a:schemeClr val="accent6">
-                        <a:lumMod val="60000"/>
-                        <a:lumOff val="40000"/>
-                      </a:schemeClr>
-                    </a:solidFill>
-                  </a:tcPr>
-                </a:tc>
-                <a:tc>
-                  <a:txBody>
-                    <a:bodyPr/>
-                    <a:lstStyle/>
-                    <a:p>
-                      <a:pPr marL="0" marR="0" lvl="0" indent="0" algn="l" defTabSz="914400" rtl="0" eaLnBrk="1" fontAlgn="auto" latinLnBrk="0" hangingPunct="1">
-                        <a:lnSpc>
-                          <a:spcPct val="100000"/>
-                        </a:lnSpc>
-                        <a:spcBef>
-                          <a:spcPts val="0"/>
-                        </a:spcBef>
-                        <a:spcAft>
-                          <a:spcPts val="0"/>
-                        </a:spcAft>
-                        <a:buClrTx/>
-                        <a:buSzTx/>
-                        <a:buFontTx/>
-                        <a:buNone/>
-                        <a:tabLst/>
-                        <a:defRPr/>
-                      </a:pPr>
-                      <a:r>
-                        <a:rPr lang="en-GB" dirty="0" smtClean="0">
-                          <a:effectLst/>
-                        </a:rPr>
-                        <a:t>0.653</a:t>
-                      </a:r>
-                      <a:endParaRPr lang="en-GB" dirty="0"/>
-                    </a:p>
-                  </a:txBody>
-                  <a:tcPr>
-                    <a:solidFill>
-                      <a:schemeClr val="accent6">
-                        <a:lumMod val="60000"/>
-                        <a:lumOff val="40000"/>
-                      </a:schemeClr>
-                    </a:solidFill>
-                  </a:tcPr>
-                </a:tc>
-                <a:tc>
-                  <a:txBody>
-                    <a:bodyPr/>
-                    <a:lstStyle/>
-                    <a:p>
-                      <a:r>
-                        <a:rPr lang="en-GB" dirty="0" smtClean="0">
-                          <a:effectLst/>
-                        </a:rPr>
-                        <a:t>0.615</a:t>
-                      </a:r>
-                      <a:endParaRPr lang="en-GB" dirty="0"/>
-                    </a:p>
-                  </a:txBody>
-                  <a:tcPr>
-                    <a:solidFill>
-                      <a:schemeClr val="accent6">
-                        <a:lumMod val="60000"/>
-                        <a:lumOff val="40000"/>
-                      </a:schemeClr>
-                    </a:solidFill>
-                  </a:tcPr>
-                </a:tc>
-                <a:tc>
-                  <a:txBody>
-                    <a:bodyPr/>
-                    <a:lstStyle/>
-                    <a:p>
-                      <a:r>
-                        <a:rPr lang="en-GB" dirty="0" smtClean="0">
-                          <a:effectLst/>
-                        </a:rPr>
-                        <a:t>0.307</a:t>
-                      </a:r>
-                      <a:endParaRPr lang="en-GB" dirty="0"/>
-                    </a:p>
-                  </a:txBody>
-                  <a:tcPr>
-                    <a:solidFill>
-                      <a:schemeClr val="accent6">
-                        <a:lumMod val="60000"/>
-                        <a:lumOff val="40000"/>
-                      </a:schemeClr>
-                    </a:solidFill>
-                  </a:tcPr>
-                </a:tc>
-                <a:tc>
-                  <a:txBody>
-                    <a:bodyPr/>
-                    <a:lstStyle/>
-                    <a:p>
-                      <a:r>
-                        <a:rPr lang="x-none" dirty="0">
-                          <a:effectLst/>
-                        </a:rPr>
-                        <a:t>85.42</a:t>
-                      </a:r>
-                      <a:endParaRPr lang="en-GB" dirty="0"/>
-                    </a:p>
-                  </a:txBody>
-                  <a:tcPr>
-                    <a:solidFill>
-                      <a:schemeClr val="accent6">
-                        <a:lumMod val="60000"/>
-                        <a:lumOff val="40000"/>
-                      </a:schemeClr>
-                    </a:solidFill>
-                  </a:tcPr>
-                </a:tc>
-                <a:tc>
-                  <a:txBody>
-                    <a:bodyPr/>
-                    <a:lstStyle/>
-                    <a:p>
-                      <a:r>
-                        <a:rPr lang="en-GB" sz="1800" b="1" kern="1200" dirty="0" smtClean="0">
-                          <a:solidFill>
-                            <a:schemeClr val="lt1"/>
-                          </a:solidFill>
-                          <a:effectLst/>
-                          <a:latin typeface="+mn-lt"/>
-                          <a:ea typeface="+mn-ea"/>
-                          <a:cs typeface="+mn-cs"/>
-                        </a:rPr>
-                        <a:t>0.211</a:t>
-                      </a:r>
-                      <a:endParaRPr lang="en-GB" dirty="0"/>
-                    </a:p>
-                  </a:txBody>
-                  <a:tcPr>
-                    <a:solidFill>
-                      <a:schemeClr val="accent6">
-                        <a:lumMod val="60000"/>
-                        <a:lumOff val="40000"/>
-                      </a:schemeClr>
-                    </a:solidFill>
-                  </a:tcPr>
-                </a:tc>
-                <a:tc>
-                  <a:txBody>
-                    <a:bodyPr/>
-                    <a:lstStyle/>
-                    <a:p>
-                      <a:r>
-                        <a:rPr lang="en-GB" sz="1800" b="1" kern="1200" dirty="0" smtClean="0">
-                          <a:solidFill>
-                            <a:schemeClr val="lt1"/>
-                          </a:solidFill>
-                          <a:effectLst/>
-                          <a:latin typeface="+mn-lt"/>
-                          <a:ea typeface="+mn-ea"/>
-                          <a:cs typeface="+mn-cs"/>
-                        </a:rPr>
-                        <a:t>0.170</a:t>
-                      </a:r>
-                      <a:endParaRPr lang="en-GB" dirty="0"/>
-                    </a:p>
-                  </a:txBody>
-                  <a:tcPr>
-                    <a:solidFill>
-                      <a:schemeClr val="accent6">
-                        <a:lumMod val="60000"/>
-                        <a:lumOff val="40000"/>
-                      </a:schemeClr>
-                    </a:solidFill>
-                  </a:tcPr>
-                </a:tc>
-              </a:tr>
-            </a:tbl>
-          </a:graphicData>
-        </a:graphic>
-      </p:graphicFrame>
-      <p:graphicFrame>
-        <p:nvGraphicFramePr>
-          <p:cNvPr id="4" name="Table 3"/>
-          <p:cNvGraphicFramePr>
-            <a:graphicFrameLocks noGrp="1"/>
-          </p:cNvGraphicFramePr>
-          <p:nvPr>
-            <p:extLst>
-              <p:ext uri="{D42A27DB-BD31-4B8C-83A1-F6EECF244321}">
-                <p14:modId xmlns:p14="http://schemas.microsoft.com/office/powerpoint/2010/main" val="153064515"/>
-              </p:ext>
-            </p:extLst>
-          </p:nvPr>
-        </p:nvGraphicFramePr>
-        <p:xfrm>
-          <a:off x="1968259" y="3322526"/>
-          <a:ext cx="7341273" cy="370840"/>
-        </p:xfrm>
-        <a:graphic>
-          <a:graphicData uri="http://schemas.openxmlformats.org/drawingml/2006/table">
-            <a:tbl>
-              <a:tblPr firstRow="1" bandRow="1">
-                <a:tableStyleId>{5C22544A-7EE6-4342-B048-85BDC9FD1C3A}</a:tableStyleId>
-              </a:tblPr>
-              <a:tblGrid>
-                <a:gridCol w="843951"/>
-                <a:gridCol w="1069676"/>
-                <a:gridCol w="785004"/>
-                <a:gridCol w="828135"/>
-                <a:gridCol w="810883"/>
-                <a:gridCol w="810883"/>
-                <a:gridCol w="1414733"/>
-                <a:gridCol w="778008"/>
-              </a:tblGrid>
-              <a:tr h="370840">
-                <a:tc>
-                  <a:txBody>
-                    <a:bodyPr/>
-                    <a:lstStyle/>
-                    <a:p>
-                      <a:r>
-                        <a:rPr lang="en-IN" dirty="0" smtClean="0"/>
-                        <a:t>GBM</a:t>
-                      </a:r>
-                      <a:endParaRPr lang="en-GB" dirty="0"/>
-                    </a:p>
-                  </a:txBody>
-                  <a:tcPr>
-                    <a:solidFill>
-                      <a:schemeClr val="accent6">
-                        <a:lumMod val="60000"/>
-                        <a:lumOff val="40000"/>
-                      </a:schemeClr>
-                    </a:solidFill>
-                  </a:tcPr>
-                </a:tc>
-                <a:tc>
-                  <a:txBody>
-                    <a:bodyPr/>
-                    <a:lstStyle/>
-                    <a:p>
-                      <a:r>
-                        <a:rPr lang="en-GB" dirty="0" smtClean="0">
-                          <a:effectLst/>
-                        </a:rPr>
-                        <a:t>4</a:t>
-                      </a:r>
-                      <a:endParaRPr lang="en-GB" dirty="0"/>
-                    </a:p>
-                  </a:txBody>
-                  <a:tcPr>
-                    <a:solidFill>
-                      <a:schemeClr val="accent6">
-                        <a:lumMod val="60000"/>
-                        <a:lumOff val="40000"/>
-                      </a:schemeClr>
-                    </a:solidFill>
-                  </a:tcPr>
-                </a:tc>
-                <a:tc>
-                  <a:txBody>
-                    <a:bodyPr/>
-                    <a:lstStyle/>
-                    <a:p>
-                      <a:r>
-                        <a:rPr lang="en-GB" dirty="0" smtClean="0">
-                          <a:effectLst/>
-                        </a:rPr>
-                        <a:t>0.538</a:t>
-                      </a:r>
-                      <a:endParaRPr lang="en-GB" dirty="0"/>
-                    </a:p>
-                  </a:txBody>
-                  <a:tcPr>
-                    <a:solidFill>
-                      <a:schemeClr val="accent6">
-                        <a:lumMod val="60000"/>
-                        <a:lumOff val="40000"/>
-                      </a:schemeClr>
-                    </a:solidFill>
-                  </a:tcPr>
-                </a:tc>
-                <a:tc>
-                  <a:txBody>
-                    <a:bodyPr/>
-                    <a:lstStyle/>
-                    <a:p>
-                      <a:r>
-                        <a:rPr lang="en-GB" dirty="0" smtClean="0">
-                          <a:effectLst/>
-                        </a:rPr>
-                        <a:t>0.535</a:t>
-                      </a:r>
-                      <a:endParaRPr lang="en-GB" dirty="0"/>
-                    </a:p>
-                  </a:txBody>
-                  <a:tcPr>
-                    <a:solidFill>
-                      <a:schemeClr val="accent6">
-                        <a:lumMod val="60000"/>
-                        <a:lumOff val="40000"/>
-                      </a:schemeClr>
-                    </a:solidFill>
-                  </a:tcPr>
-                </a:tc>
-                <a:tc>
-                  <a:txBody>
-                    <a:bodyPr/>
-                    <a:lstStyle/>
-                    <a:p>
-                      <a:r>
-                        <a:rPr lang="en-GB" dirty="0" smtClean="0">
-                          <a:effectLst/>
-                        </a:rPr>
-                        <a:t>0.076</a:t>
-                      </a:r>
-                      <a:endParaRPr lang="en-GB" dirty="0"/>
-                    </a:p>
-                  </a:txBody>
-                  <a:tcPr>
-                    <a:solidFill>
-                      <a:schemeClr val="accent6">
-                        <a:lumMod val="60000"/>
-                        <a:lumOff val="40000"/>
-                      </a:schemeClr>
-                    </a:solidFill>
-                  </a:tcPr>
-                </a:tc>
-                <a:tc>
-                  <a:txBody>
-                    <a:bodyPr/>
-                    <a:lstStyle/>
-                    <a:p>
-                      <a:r>
-                        <a:rPr lang="x-none" dirty="0">
-                          <a:effectLst/>
-                        </a:rPr>
-                        <a:t>35.54</a:t>
-                      </a:r>
-                      <a:endParaRPr lang="en-GB" dirty="0"/>
-                    </a:p>
-                  </a:txBody>
-                  <a:tcPr>
-                    <a:solidFill>
-                      <a:schemeClr val="accent6">
-                        <a:lumMod val="60000"/>
-                        <a:lumOff val="40000"/>
-                      </a:schemeClr>
-                    </a:solidFill>
-                  </a:tcPr>
-                </a:tc>
-                <a:tc>
-                  <a:txBody>
-                    <a:bodyPr/>
-                    <a:lstStyle/>
-                    <a:p>
-                      <a:r>
-                        <a:rPr lang="en-GB" sz="1800" b="1" kern="1200" dirty="0" smtClean="0">
-                          <a:solidFill>
-                            <a:schemeClr val="lt1"/>
-                          </a:solidFill>
-                          <a:effectLst/>
-                          <a:latin typeface="+mn-lt"/>
-                          <a:ea typeface="+mn-ea"/>
-                          <a:cs typeface="+mn-cs"/>
-                        </a:rPr>
-                        <a:t>0.502</a:t>
-                      </a:r>
-                      <a:endParaRPr lang="en-GB" dirty="0">
-                        <a:solidFill>
-                          <a:schemeClr val="bg1"/>
-                        </a:solidFill>
-                      </a:endParaRPr>
-                    </a:p>
-                  </a:txBody>
-                  <a:tcPr>
-                    <a:solidFill>
-                      <a:schemeClr val="accent6">
-                        <a:lumMod val="60000"/>
-                        <a:lumOff val="40000"/>
-                      </a:schemeClr>
-                    </a:solidFill>
-                  </a:tcPr>
-                </a:tc>
-                <a:tc>
-                  <a:txBody>
-                    <a:bodyPr/>
-                    <a:lstStyle/>
-                    <a:p>
-                      <a:r>
-                        <a:rPr lang="en-GB" sz="1800" b="1" kern="1200" dirty="0" smtClean="0">
-                          <a:solidFill>
-                            <a:schemeClr val="lt1"/>
-                          </a:solidFill>
-                          <a:effectLst/>
-                          <a:latin typeface="+mn-lt"/>
-                          <a:ea typeface="+mn-ea"/>
-                          <a:cs typeface="+mn-cs"/>
-                        </a:rPr>
-                        <a:t>0.358</a:t>
                       </a:r>
                       <a:endParaRPr lang="en-GB" dirty="0"/>
                     </a:p>
@@ -26693,8 +26164,9 @@
           <a:p>
             <a:r>
               <a:rPr lang="en-IN" dirty="0" smtClean="0"/>
-              <a:t>RF:</a:t>
+              <a:t>SVM:</a:t>
             </a:r>
+            <a:endParaRPr lang="en-IN" dirty="0" smtClean="0"/>
           </a:p>
           <a:p>
             <a:r>
@@ -26703,27 +26175,19 @@
             </a:r>
             <a:r>
               <a:rPr lang="en-IN" dirty="0" err="1"/>
-              <a:t>medianDiameter</a:t>
+              <a:t>maxOverallVelocity</a:t>
             </a:r>
             <a:r>
               <a:rPr lang="en-IN" dirty="0"/>
-              <a:t>"               "</a:t>
+              <a:t>"                   "systolicMaxOverallVelocityQ99"        "</a:t>
             </a:r>
             <a:r>
               <a:rPr lang="en-IN" dirty="0" err="1"/>
-              <a:t>diastolicMinMeanPressureTime</a:t>
+              <a:t>diastolicMaxOverallAxialVelocityTime</a:t>
             </a:r>
             <a:r>
               <a:rPr lang="en-IN" dirty="0"/>
-              <a:t>" "</a:t>
-            </a:r>
-            <a:r>
-              <a:rPr lang="en-IN" dirty="0" err="1"/>
-              <a:t>diastolicMeanMeanPressure</a:t>
-            </a:r>
-            <a:r>
-              <a:rPr lang="en-IN" dirty="0"/>
-              <a:t>" </a:t>
+              <a:t>"</a:t>
             </a:r>
             <a:endParaRPr lang="en-GB" dirty="0"/>
           </a:p>
@@ -26738,7 +26202,7 @@
         <p:spPr>
           <a:xfrm>
             <a:off x="3818626" y="5216657"/>
-            <a:ext cx="4201061" cy="1477328"/>
+            <a:ext cx="4201061" cy="1200329"/>
           </a:xfrm>
           <a:prstGeom prst="rect">
             <a:avLst/>
@@ -26758,16 +26222,8 @@
           </a:p>
           <a:p>
             <a:r>
-              <a:rPr lang="en-IN" dirty="0"/>
+              <a:rPr lang="en-IN" dirty="0" smtClean="0"/>
               <a:t>"</a:t>
-            </a:r>
-            <a:r>
-              <a:rPr lang="en-IN" dirty="0" err="1"/>
-              <a:t>systolicMaxVortexVolumeRel</a:t>
-            </a:r>
-            <a:r>
-              <a:rPr lang="en-IN" dirty="0"/>
-              <a:t>"         "</a:t>
             </a:r>
             <a:r>
               <a:rPr lang="en-IN" dirty="0" err="1"/>
@@ -26775,266 +26231,20 @@
             </a:r>
             <a:r>
               <a:rPr lang="en-IN" dirty="0"/>
-              <a:t>"                 "</a:t>
+              <a:t>"                   "systolicMaxOverallVelocityQ99"        "</a:t>
             </a:r>
             <a:r>
               <a:rPr lang="en-IN" dirty="0" err="1"/>
-              <a:t>diastolicMaxLeftRotationVolumeTime</a:t>
+              <a:t>diastolicMaxOverallAxialVelocityTime</a:t>
             </a:r>
             <a:r>
               <a:rPr lang="en-IN" dirty="0"/>
-              <a:t>"</a:t>
-            </a:r>
-          </a:p>
-          <a:p>
-            <a:r>
-              <a:rPr lang="en-IN" dirty="0" smtClean="0"/>
-              <a:t>"</a:t>
-            </a:r>
-            <a:r>
-              <a:rPr lang="en-IN" dirty="0" err="1" smtClean="0"/>
-              <a:t>maxFlowJetAngleVelocityWeighted</a:t>
-            </a:r>
-            <a:r>
-              <a:rPr lang="en-IN" dirty="0"/>
-              <a:t>" </a:t>
+              <a:t>"" </a:t>
             </a:r>
             <a:endParaRPr lang="en-GB" dirty="0"/>
           </a:p>
         </p:txBody>
       </p:sp>
-      <p:graphicFrame>
-        <p:nvGraphicFramePr>
-          <p:cNvPr id="18" name="Table 17"/>
-          <p:cNvGraphicFramePr>
-            <a:graphicFrameLocks noGrp="1"/>
-          </p:cNvGraphicFramePr>
-          <p:nvPr>
-            <p:extLst>
-              <p:ext uri="{D42A27DB-BD31-4B8C-83A1-F6EECF244321}">
-                <p14:modId xmlns:p14="http://schemas.microsoft.com/office/powerpoint/2010/main" val="2100039267"/>
-              </p:ext>
-            </p:extLst>
-          </p:nvPr>
-        </p:nvGraphicFramePr>
-        <p:xfrm>
-          <a:off x="1968259" y="2905074"/>
-          <a:ext cx="7341272" cy="370840"/>
-        </p:xfrm>
-        <a:graphic>
-          <a:graphicData uri="http://schemas.openxmlformats.org/drawingml/2006/table">
-            <a:tbl>
-              <a:tblPr firstRow="1" bandRow="1">
-                <a:tableStyleId>{5C22544A-7EE6-4342-B048-85BDC9FD1C3A}</a:tableStyleId>
-              </a:tblPr>
-              <a:tblGrid>
-                <a:gridCol w="849630"/>
-                <a:gridCol w="1046417"/>
-                <a:gridCol w="796450"/>
-                <a:gridCol w="827659"/>
-                <a:gridCol w="802257"/>
-                <a:gridCol w="810883"/>
-                <a:gridCol w="1422972"/>
-                <a:gridCol w="785004"/>
-              </a:tblGrid>
-              <a:tr h="370840">
-                <a:tc>
-                  <a:txBody>
-                    <a:bodyPr/>
-                    <a:lstStyle/>
-                    <a:p>
-                      <a:r>
-                        <a:rPr lang="en-IN" dirty="0" smtClean="0"/>
-                        <a:t>DT</a:t>
-                      </a:r>
-                      <a:endParaRPr lang="en-GB" dirty="0"/>
-                    </a:p>
-                  </a:txBody>
-                  <a:tcPr>
-                    <a:solidFill>
-                      <a:schemeClr val="accent6">
-                        <a:lumMod val="60000"/>
-                        <a:lumOff val="40000"/>
-                      </a:schemeClr>
-                    </a:solidFill>
-                  </a:tcPr>
-                </a:tc>
-                <a:tc>
-                  <a:txBody>
-                    <a:bodyPr/>
-                    <a:lstStyle/>
-                    <a:p>
-                      <a:r>
-                        <a:rPr lang="en-IN" dirty="0" smtClean="0">
-                          <a:effectLst/>
-                        </a:rPr>
-                        <a:t>2</a:t>
-                      </a:r>
-                      <a:endParaRPr lang="en-GB" dirty="0"/>
-                    </a:p>
-                  </a:txBody>
-                  <a:tcPr>
-                    <a:solidFill>
-                      <a:schemeClr val="accent6">
-                        <a:lumMod val="60000"/>
-                        <a:lumOff val="40000"/>
-                      </a:schemeClr>
-                    </a:solidFill>
-                  </a:tcPr>
-                </a:tc>
-                <a:tc>
-                  <a:txBody>
-                    <a:bodyPr/>
-                    <a:lstStyle/>
-                    <a:p>
-                      <a:r>
-                        <a:rPr lang="en-GB" dirty="0" smtClean="0">
-                          <a:effectLst/>
-                        </a:rPr>
-                        <a:t>0.615</a:t>
-                      </a:r>
-                      <a:endParaRPr lang="en-GB" dirty="0"/>
-                    </a:p>
-                  </a:txBody>
-                  <a:tcPr>
-                    <a:solidFill>
-                      <a:schemeClr val="accent6">
-                        <a:lumMod val="60000"/>
-                        <a:lumOff val="40000"/>
-                      </a:schemeClr>
-                    </a:solidFill>
-                  </a:tcPr>
-                </a:tc>
-                <a:tc>
-                  <a:txBody>
-                    <a:bodyPr/>
-                    <a:lstStyle/>
-                    <a:p>
-                      <a:r>
-                        <a:rPr lang="en-GB" dirty="0" smtClean="0">
-                          <a:effectLst/>
-                        </a:rPr>
-                        <a:t>0.615</a:t>
-                      </a:r>
-                      <a:endParaRPr lang="en-GB" dirty="0"/>
-                    </a:p>
-                  </a:txBody>
-                  <a:tcPr>
-                    <a:solidFill>
-                      <a:schemeClr val="accent6">
-                        <a:lumMod val="60000"/>
-                        <a:lumOff val="40000"/>
-                      </a:schemeClr>
-                    </a:solidFill>
-                  </a:tcPr>
-                </a:tc>
-                <a:tc>
-                  <a:txBody>
-                    <a:bodyPr/>
-                    <a:lstStyle/>
-                    <a:p>
-                      <a:r>
-                        <a:rPr lang="en-GB" dirty="0" smtClean="0">
-                          <a:effectLst/>
-                        </a:rPr>
-                        <a:t>0.230</a:t>
-                      </a:r>
-                      <a:endParaRPr lang="en-GB" dirty="0"/>
-                    </a:p>
-                  </a:txBody>
-                  <a:tcPr>
-                    <a:solidFill>
-                      <a:schemeClr val="accent6">
-                        <a:lumMod val="60000"/>
-                        <a:lumOff val="40000"/>
-                      </a:schemeClr>
-                    </a:solidFill>
-                  </a:tcPr>
-                </a:tc>
-                <a:tc>
-                  <a:txBody>
-                    <a:bodyPr/>
-                    <a:lstStyle/>
-                    <a:p>
-                      <a:r>
-                        <a:rPr lang="en-IN" dirty="0"/>
-                        <a:t>23.05</a:t>
-                      </a:r>
-                      <a:endParaRPr lang="en-GB" dirty="0"/>
-                    </a:p>
-                  </a:txBody>
-                  <a:tcPr>
-                    <a:solidFill>
-                      <a:schemeClr val="accent6">
-                        <a:lumMod val="60000"/>
-                        <a:lumOff val="40000"/>
-                      </a:schemeClr>
-                    </a:solidFill>
-                  </a:tcPr>
-                </a:tc>
-                <a:tc>
-                  <a:txBody>
-                    <a:bodyPr/>
-                    <a:lstStyle/>
-                    <a:p>
-                      <a:r>
-                        <a:rPr lang="en-GB" sz="1800" b="1" kern="1200" dirty="0" smtClean="0">
-                          <a:solidFill>
-                            <a:schemeClr val="lt1"/>
-                          </a:solidFill>
-                          <a:effectLst/>
-                          <a:latin typeface="+mn-lt"/>
-                          <a:ea typeface="+mn-ea"/>
-                          <a:cs typeface="+mn-cs"/>
-                        </a:rPr>
-                        <a:t>0.324</a:t>
-                      </a:r>
-                      <a:endParaRPr lang="en-GB" dirty="0"/>
-                    </a:p>
-                  </a:txBody>
-                  <a:tcPr>
-                    <a:solidFill>
-                      <a:schemeClr val="accent6">
-                        <a:lumMod val="60000"/>
-                        <a:lumOff val="40000"/>
-                      </a:schemeClr>
-                    </a:solidFill>
-                  </a:tcPr>
-                </a:tc>
-                <a:tc>
-                  <a:txBody>
-                    <a:bodyPr/>
-                    <a:lstStyle/>
-                    <a:p>
-                      <a:r>
-                        <a:rPr lang="en-GB" sz="1800" b="1" kern="1200" dirty="0" smtClean="0">
-                          <a:solidFill>
-                            <a:schemeClr val="lt1"/>
-                          </a:solidFill>
-                          <a:effectLst/>
-                          <a:latin typeface="+mn-lt"/>
-                          <a:ea typeface="+mn-ea"/>
-                          <a:cs typeface="+mn-cs"/>
-                        </a:rPr>
-                        <a:t>0.365</a:t>
-                      </a:r>
-                      <a:endParaRPr lang="en-GB" dirty="0"/>
-                    </a:p>
-                  </a:txBody>
-                  <a:tcPr>
-                    <a:solidFill>
-                      <a:schemeClr val="accent6">
-                        <a:lumMod val="60000"/>
-                        <a:lumOff val="40000"/>
-                      </a:schemeClr>
-                    </a:solidFill>
-                  </a:tcPr>
-                </a:tc>
-              </a:tr>
-            </a:tbl>
-          </a:graphicData>
-        </a:graphic>
-      </p:graphicFrame>
       <p:sp>
         <p:nvSpPr>
           <p:cNvPr id="7" name="TextBox 6"/>
@@ -27083,10 +26293,491 @@
               <a:rPr lang="en-GB" dirty="0"/>
               <a:t>"</a:t>
             </a:r>
-            <a:endParaRPr lang="en-GB" dirty="0"/>
           </a:p>
         </p:txBody>
       </p:sp>
+      <p:graphicFrame>
+        <p:nvGraphicFramePr>
+          <p:cNvPr id="9" name="Table 8"/>
+          <p:cNvGraphicFramePr>
+            <a:graphicFrameLocks noGrp="1"/>
+          </p:cNvGraphicFramePr>
+          <p:nvPr>
+            <p:extLst>
+              <p:ext uri="{D42A27DB-BD31-4B8C-83A1-F6EECF244321}">
+                <p14:modId xmlns:p14="http://schemas.microsoft.com/office/powerpoint/2010/main" val="1879914045"/>
+              </p:ext>
+            </p:extLst>
+          </p:nvPr>
+        </p:nvGraphicFramePr>
+        <p:xfrm>
+          <a:off x="1968259" y="2497765"/>
+          <a:ext cx="6173134" cy="741680"/>
+        </p:xfrm>
+        <a:graphic>
+          <a:graphicData uri="http://schemas.openxmlformats.org/drawingml/2006/table">
+            <a:tbl>
+              <a:tblPr firstRow="1" bandRow="1">
+                <a:tableStyleId>{5C22544A-7EE6-4342-B048-85BDC9FD1C3A}</a:tableStyleId>
+              </a:tblPr>
+              <a:tblGrid>
+                <a:gridCol w="1074501"/>
+                <a:gridCol w="1094563"/>
+                <a:gridCol w="1112808"/>
+                <a:gridCol w="755968"/>
+                <a:gridCol w="909275"/>
+                <a:gridCol w="1226019"/>
+              </a:tblGrid>
+              <a:tr h="370840">
+                <a:tc>
+                  <a:txBody>
+                    <a:bodyPr/>
+                    <a:lstStyle/>
+                    <a:p>
+                      <a:r>
+                        <a:rPr lang="en-IN" dirty="0"/>
+                        <a:t>SVM</a:t>
+                      </a:r>
+                      <a:endParaRPr lang="en-GB" dirty="0"/>
+                    </a:p>
+                  </a:txBody>
+                  <a:tcPr>
+                    <a:solidFill>
+                      <a:schemeClr val="accent6">
+                        <a:lumMod val="60000"/>
+                        <a:lumOff val="40000"/>
+                      </a:schemeClr>
+                    </a:solidFill>
+                  </a:tcPr>
+                </a:tc>
+                <a:tc>
+                  <a:txBody>
+                    <a:bodyPr/>
+                    <a:lstStyle/>
+                    <a:p>
+                      <a:r>
+                        <a:rPr lang="en-IN" dirty="0" smtClean="0"/>
+                        <a:t>3</a:t>
+                      </a:r>
+                      <a:endParaRPr lang="en-GB" dirty="0"/>
+                    </a:p>
+                  </a:txBody>
+                  <a:tcPr>
+                    <a:solidFill>
+                      <a:schemeClr val="accent6">
+                        <a:lumMod val="60000"/>
+                        <a:lumOff val="40000"/>
+                      </a:schemeClr>
+                    </a:solidFill>
+                  </a:tcPr>
+                </a:tc>
+                <a:tc>
+                  <a:txBody>
+                    <a:bodyPr/>
+                    <a:lstStyle/>
+                    <a:p>
+                      <a:r>
+                        <a:rPr lang="en-GB" dirty="0" smtClean="0">
+                          <a:effectLst/>
+                        </a:rPr>
+                        <a:t>0.692</a:t>
+                      </a:r>
+                      <a:endParaRPr lang="en-GB" dirty="0"/>
+                    </a:p>
+                  </a:txBody>
+                  <a:tcPr>
+                    <a:solidFill>
+                      <a:schemeClr val="accent6">
+                        <a:lumMod val="60000"/>
+                        <a:lumOff val="40000"/>
+                      </a:schemeClr>
+                    </a:solidFill>
+                  </a:tcPr>
+                </a:tc>
+                <a:tc>
+                  <a:txBody>
+                    <a:bodyPr/>
+                    <a:lstStyle/>
+                    <a:p>
+                      <a:r>
+                        <a:rPr lang="en-GB" dirty="0" smtClean="0">
+                          <a:effectLst/>
+                        </a:rPr>
+                        <a:t>0.562</a:t>
+                      </a:r>
+                      <a:endParaRPr lang="en-GB" dirty="0"/>
+                    </a:p>
+                  </a:txBody>
+                  <a:tcPr>
+                    <a:solidFill>
+                      <a:schemeClr val="accent6">
+                        <a:lumMod val="60000"/>
+                        <a:lumOff val="40000"/>
+                      </a:schemeClr>
+                    </a:solidFill>
+                  </a:tcPr>
+                </a:tc>
+                <a:tc>
+                  <a:txBody>
+                    <a:bodyPr/>
+                    <a:lstStyle/>
+                    <a:p>
+                      <a:r>
+                        <a:rPr lang="en-GB" dirty="0" smtClean="0">
+                          <a:effectLst/>
+                        </a:rPr>
+                        <a:t>0.384</a:t>
+                      </a:r>
+                      <a:endParaRPr lang="en-GB" dirty="0"/>
+                    </a:p>
+                  </a:txBody>
+                  <a:tcPr>
+                    <a:solidFill>
+                      <a:schemeClr val="accent6">
+                        <a:lumMod val="60000"/>
+                        <a:lumOff val="40000"/>
+                      </a:schemeClr>
+                    </a:solidFill>
+                  </a:tcPr>
+                </a:tc>
+                <a:tc>
+                  <a:txBody>
+                    <a:bodyPr/>
+                    <a:lstStyle/>
+                    <a:p>
+                      <a:r>
+                        <a:rPr lang="x-none" dirty="0">
+                          <a:effectLst/>
+                        </a:rPr>
+                        <a:t>34.65</a:t>
+                      </a:r>
+                      <a:endParaRPr lang="en-GB" dirty="0"/>
+                    </a:p>
+                  </a:txBody>
+                  <a:tcPr>
+                    <a:solidFill>
+                      <a:schemeClr val="accent6">
+                        <a:lumMod val="60000"/>
+                        <a:lumOff val="40000"/>
+                      </a:schemeClr>
+                    </a:solidFill>
+                  </a:tcPr>
+                </a:tc>
+              </a:tr>
+              <a:tr h="370840">
+                <a:tc>
+                  <a:txBody>
+                    <a:bodyPr/>
+                    <a:lstStyle/>
+                    <a:p>
+                      <a:r>
+                        <a:rPr lang="en-IN" dirty="0"/>
+                        <a:t>GBM</a:t>
+                      </a:r>
+                      <a:endParaRPr lang="en-GB" dirty="0"/>
+                    </a:p>
+                  </a:txBody>
+                  <a:tcPr>
+                    <a:solidFill>
+                      <a:schemeClr val="accent6">
+                        <a:lumMod val="60000"/>
+                        <a:lumOff val="40000"/>
+                      </a:schemeClr>
+                    </a:solidFill>
+                  </a:tcPr>
+                </a:tc>
+                <a:tc>
+                  <a:txBody>
+                    <a:bodyPr/>
+                    <a:lstStyle/>
+                    <a:p>
+                      <a:r>
+                        <a:rPr lang="en-GB" dirty="0" smtClean="0">
+                          <a:effectLst/>
+                        </a:rPr>
+                        <a:t>3</a:t>
+                      </a:r>
+                      <a:endParaRPr lang="en-GB" dirty="0"/>
+                    </a:p>
+                  </a:txBody>
+                  <a:tcPr>
+                    <a:solidFill>
+                      <a:schemeClr val="accent6">
+                        <a:lumMod val="60000"/>
+                        <a:lumOff val="40000"/>
+                      </a:schemeClr>
+                    </a:solidFill>
+                  </a:tcPr>
+                </a:tc>
+                <a:tc>
+                  <a:txBody>
+                    <a:bodyPr/>
+                    <a:lstStyle/>
+                    <a:p>
+                      <a:r>
+                        <a:rPr lang="en-GB" dirty="0" smtClean="0">
+                          <a:effectLst/>
+                        </a:rPr>
+                        <a:t>0.692</a:t>
+                      </a:r>
+                      <a:endParaRPr lang="en-GB" dirty="0"/>
+                    </a:p>
+                  </a:txBody>
+                  <a:tcPr>
+                    <a:solidFill>
+                      <a:schemeClr val="accent6">
+                        <a:lumMod val="60000"/>
+                        <a:lumOff val="40000"/>
+                      </a:schemeClr>
+                    </a:solidFill>
+                  </a:tcPr>
+                </a:tc>
+                <a:tc>
+                  <a:txBody>
+                    <a:bodyPr/>
+                    <a:lstStyle/>
+                    <a:p>
+                      <a:r>
+                        <a:rPr lang="en-GB" dirty="0" smtClean="0">
+                          <a:effectLst/>
+                        </a:rPr>
+                        <a:t>0.562</a:t>
+                      </a:r>
+                      <a:endParaRPr lang="en-GB" dirty="0"/>
+                    </a:p>
+                  </a:txBody>
+                  <a:tcPr>
+                    <a:solidFill>
+                      <a:schemeClr val="accent6">
+                        <a:lumMod val="60000"/>
+                        <a:lumOff val="40000"/>
+                      </a:schemeClr>
+                    </a:solidFill>
+                  </a:tcPr>
+                </a:tc>
+                <a:tc>
+                  <a:txBody>
+                    <a:bodyPr/>
+                    <a:lstStyle/>
+                    <a:p>
+                      <a:r>
+                        <a:rPr lang="en-GB" dirty="0" smtClean="0">
+                          <a:effectLst/>
+                        </a:rPr>
+                        <a:t>0.384</a:t>
+                      </a:r>
+                      <a:endParaRPr lang="en-GB" dirty="0"/>
+                    </a:p>
+                  </a:txBody>
+                  <a:tcPr>
+                    <a:solidFill>
+                      <a:schemeClr val="accent6">
+                        <a:lumMod val="60000"/>
+                        <a:lumOff val="40000"/>
+                      </a:schemeClr>
+                    </a:solidFill>
+                  </a:tcPr>
+                </a:tc>
+                <a:tc>
+                  <a:txBody>
+                    <a:bodyPr/>
+                    <a:lstStyle/>
+                    <a:p>
+                      <a:r>
+                        <a:rPr lang="x-none" dirty="0">
+                          <a:effectLst/>
+                        </a:rPr>
+                        <a:t>35.54</a:t>
+                      </a:r>
+                      <a:endParaRPr lang="en-GB" dirty="0"/>
+                    </a:p>
+                  </a:txBody>
+                  <a:tcPr>
+                    <a:solidFill>
+                      <a:schemeClr val="accent6">
+                        <a:lumMod val="60000"/>
+                        <a:lumOff val="40000"/>
+                      </a:schemeClr>
+                    </a:solidFill>
+                  </a:tcPr>
+                </a:tc>
+              </a:tr>
+            </a:tbl>
+          </a:graphicData>
+        </a:graphic>
+      </p:graphicFrame>
+      <p:graphicFrame>
+        <p:nvGraphicFramePr>
+          <p:cNvPr id="10" name="Table 9"/>
+          <p:cNvGraphicFramePr>
+            <a:graphicFrameLocks noGrp="1"/>
+          </p:cNvGraphicFramePr>
+          <p:nvPr>
+            <p:extLst>
+              <p:ext uri="{D42A27DB-BD31-4B8C-83A1-F6EECF244321}">
+                <p14:modId xmlns:p14="http://schemas.microsoft.com/office/powerpoint/2010/main" val="4129161316"/>
+              </p:ext>
+            </p:extLst>
+          </p:nvPr>
+        </p:nvGraphicFramePr>
+        <p:xfrm>
+          <a:off x="1968259" y="3255744"/>
+          <a:ext cx="6173134" cy="370840"/>
+        </p:xfrm>
+        <a:graphic>
+          <a:graphicData uri="http://schemas.openxmlformats.org/drawingml/2006/table">
+            <a:tbl>
+              <a:tblPr firstRow="1" bandRow="1">
+                <a:tableStyleId>{5C22544A-7EE6-4342-B048-85BDC9FD1C3A}</a:tableStyleId>
+              </a:tblPr>
+              <a:tblGrid>
+                <a:gridCol w="1074501"/>
+                <a:gridCol w="1094563"/>
+                <a:gridCol w="1112808"/>
+                <a:gridCol w="755968"/>
+                <a:gridCol w="909275"/>
+                <a:gridCol w="1226019"/>
+              </a:tblGrid>
+              <a:tr h="370840">
+                <a:tc>
+                  <a:txBody>
+                    <a:bodyPr/>
+                    <a:lstStyle/>
+                    <a:p>
+                      <a:r>
+                        <a:rPr lang="en-IN" dirty="0" smtClean="0"/>
+                        <a:t>DT</a:t>
+                      </a:r>
+                      <a:endParaRPr lang="en-GB" dirty="0"/>
+                    </a:p>
+                  </a:txBody>
+                  <a:tcPr>
+                    <a:solidFill>
+                      <a:schemeClr val="accent6">
+                        <a:lumMod val="60000"/>
+                        <a:lumOff val="40000"/>
+                      </a:schemeClr>
+                    </a:solidFill>
+                  </a:tcPr>
+                </a:tc>
+                <a:tc>
+                  <a:txBody>
+                    <a:bodyPr/>
+                    <a:lstStyle/>
+                    <a:p>
+                      <a:r>
+                        <a:rPr lang="en-IN" dirty="0" smtClean="0">
+                          <a:effectLst/>
+                        </a:rPr>
+                        <a:t>2</a:t>
+                      </a:r>
+                      <a:endParaRPr lang="en-GB" dirty="0"/>
+                    </a:p>
+                  </a:txBody>
+                  <a:tcPr>
+                    <a:solidFill>
+                      <a:schemeClr val="accent6">
+                        <a:lumMod val="60000"/>
+                        <a:lumOff val="40000"/>
+                      </a:schemeClr>
+                    </a:solidFill>
+                  </a:tcPr>
+                </a:tc>
+                <a:tc>
+                  <a:txBody>
+                    <a:bodyPr/>
+                    <a:lstStyle/>
+                    <a:p>
+                      <a:r>
+                        <a:rPr lang="en-GB" dirty="0" smtClean="0">
+                          <a:effectLst/>
+                        </a:rPr>
+                        <a:t>0.538</a:t>
+                      </a:r>
+                      <a:endParaRPr lang="en-GB" dirty="0"/>
+                    </a:p>
+                  </a:txBody>
+                  <a:tcPr>
+                    <a:solidFill>
+                      <a:schemeClr val="accent6">
+                        <a:lumMod val="60000"/>
+                        <a:lumOff val="40000"/>
+                      </a:schemeClr>
+                    </a:solidFill>
+                  </a:tcPr>
+                </a:tc>
+                <a:tc>
+                  <a:txBody>
+                    <a:bodyPr/>
+                    <a:lstStyle/>
+                    <a:p>
+                      <a:r>
+                        <a:rPr lang="en-GB" dirty="0" smtClean="0">
+                          <a:effectLst/>
+                        </a:rPr>
+                        <a:t>0.553</a:t>
+                      </a:r>
+                      <a:endParaRPr lang="en-GB" dirty="0"/>
+                    </a:p>
+                  </a:txBody>
+                  <a:tcPr>
+                    <a:solidFill>
+                      <a:schemeClr val="accent6">
+                        <a:lumMod val="60000"/>
+                        <a:lumOff val="40000"/>
+                      </a:schemeClr>
+                    </a:solidFill>
+                  </a:tcPr>
+                </a:tc>
+                <a:tc>
+                  <a:txBody>
+                    <a:bodyPr/>
+                    <a:lstStyle/>
+                    <a:p>
+                      <a:r>
+                        <a:rPr lang="en-GB" dirty="0" smtClean="0">
+                          <a:effectLst/>
+                        </a:rPr>
+                        <a:t>0.076</a:t>
+                      </a:r>
+                      <a:endParaRPr lang="en-GB" dirty="0"/>
+                    </a:p>
+                  </a:txBody>
+                  <a:tcPr>
+                    <a:solidFill>
+                      <a:schemeClr val="accent6">
+                        <a:lumMod val="60000"/>
+                        <a:lumOff val="40000"/>
+                      </a:schemeClr>
+                    </a:solidFill>
+                  </a:tcPr>
+                </a:tc>
+                <a:tc>
+                  <a:txBody>
+                    <a:bodyPr/>
+                    <a:lstStyle/>
+                    <a:p>
+                      <a:r>
+                        <a:rPr lang="en-IN" dirty="0"/>
+                        <a:t>23.05</a:t>
+                      </a:r>
+                      <a:endParaRPr lang="en-GB" dirty="0"/>
+                    </a:p>
+                  </a:txBody>
+                  <a:tcPr>
+                    <a:solidFill>
+                      <a:schemeClr val="accent6">
+                        <a:lumMod val="60000"/>
+                        <a:lumOff val="40000"/>
+                      </a:schemeClr>
+                    </a:solidFill>
+                  </a:tcPr>
+                </a:tc>
+              </a:tr>
+            </a:tbl>
+          </a:graphicData>
+        </a:graphic>
+      </p:graphicFrame>
     </p:spTree>
     <p:extLst>
       <p:ext uri="{BB962C8B-B14F-4D97-AF65-F5344CB8AC3E}">
@@ -27599,42 +27290,42 @@
                 <a:gridCol w="1074501">
                   <a:extLst>
                     <a:ext uri="{9D8B030D-6E8A-4147-A177-3AD203B41FA5}">
-                      <a16:colId xmlns:a16="http://schemas.microsoft.com/office/drawing/2014/main" xmlns="" val="20000"/>
+                      <a16:colId xmlns="" xmlns:a16="http://schemas.microsoft.com/office/drawing/2014/main" val="20000"/>
                     </a:ext>
                   </a:extLst>
                 </a:gridCol>
                 <a:gridCol w="1292971">
                   <a:extLst>
                     <a:ext uri="{9D8B030D-6E8A-4147-A177-3AD203B41FA5}">
-                      <a16:colId xmlns:a16="http://schemas.microsoft.com/office/drawing/2014/main" xmlns="" val="20001"/>
+                      <a16:colId xmlns="" xmlns:a16="http://schemas.microsoft.com/office/drawing/2014/main" val="20001"/>
                     </a:ext>
                   </a:extLst>
                 </a:gridCol>
                 <a:gridCol w="1121434">
                   <a:extLst>
                     <a:ext uri="{9D8B030D-6E8A-4147-A177-3AD203B41FA5}">
-                      <a16:colId xmlns:a16="http://schemas.microsoft.com/office/drawing/2014/main" xmlns="" val="20002"/>
+                      <a16:colId xmlns="" xmlns:a16="http://schemas.microsoft.com/office/drawing/2014/main" val="20002"/>
                     </a:ext>
                   </a:extLst>
                 </a:gridCol>
                 <a:gridCol w="802256">
                   <a:extLst>
                     <a:ext uri="{9D8B030D-6E8A-4147-A177-3AD203B41FA5}">
-                      <a16:colId xmlns:a16="http://schemas.microsoft.com/office/drawing/2014/main" xmlns="" val="20003"/>
+                      <a16:colId xmlns="" xmlns:a16="http://schemas.microsoft.com/office/drawing/2014/main" val="20003"/>
                     </a:ext>
                   </a:extLst>
                 </a:gridCol>
                 <a:gridCol w="888521">
                   <a:extLst>
                     <a:ext uri="{9D8B030D-6E8A-4147-A177-3AD203B41FA5}">
-                      <a16:colId xmlns:a16="http://schemas.microsoft.com/office/drawing/2014/main" xmlns="" val="20004"/>
+                      <a16:colId xmlns="" xmlns:a16="http://schemas.microsoft.com/office/drawing/2014/main" val="20004"/>
                     </a:ext>
                   </a:extLst>
                 </a:gridCol>
                 <a:gridCol w="1035170">
                   <a:extLst>
                     <a:ext uri="{9D8B030D-6E8A-4147-A177-3AD203B41FA5}">
-                      <a16:colId xmlns:a16="http://schemas.microsoft.com/office/drawing/2014/main" xmlns="" val="20005"/>
+                      <a16:colId xmlns="" xmlns:a16="http://schemas.microsoft.com/office/drawing/2014/main" val="20005"/>
                     </a:ext>
                   </a:extLst>
                 </a:gridCol>
@@ -27726,7 +27417,7 @@
                 </a:tc>
                 <a:extLst>
                   <a:ext uri="{0D108BD9-81ED-4DB2-BD59-A6C34878D82A}">
-                    <a16:rowId xmlns:a16="http://schemas.microsoft.com/office/drawing/2014/main" xmlns="" val="10000"/>
+                    <a16:rowId xmlns="" xmlns:a16="http://schemas.microsoft.com/office/drawing/2014/main" val="10000"/>
                   </a:ext>
                 </a:extLst>
               </a:tr>
@@ -27823,7 +27514,7 @@
                 </a:tc>
                 <a:extLst>
                   <a:ext uri="{0D108BD9-81ED-4DB2-BD59-A6C34878D82A}">
-                    <a16:rowId xmlns:a16="http://schemas.microsoft.com/office/drawing/2014/main" xmlns="" val="10001"/>
+                    <a16:rowId xmlns="" xmlns:a16="http://schemas.microsoft.com/office/drawing/2014/main" val="10001"/>
                   </a:ext>
                 </a:extLst>
               </a:tr>
@@ -27981,7 +27672,7 @@
                 </a:tc>
                 <a:extLst>
                   <a:ext uri="{0D108BD9-81ED-4DB2-BD59-A6C34878D82A}">
-                    <a16:rowId xmlns:a16="http://schemas.microsoft.com/office/drawing/2014/main" xmlns="" val="10002"/>
+                    <a16:rowId xmlns="" xmlns:a16="http://schemas.microsoft.com/office/drawing/2014/main" val="10002"/>
                   </a:ext>
                 </a:extLst>
               </a:tr>
@@ -28122,7 +27813,7 @@
                 </a:tc>
                 <a:extLst>
                   <a:ext uri="{0D108BD9-81ED-4DB2-BD59-A6C34878D82A}">
-                    <a16:rowId xmlns:a16="http://schemas.microsoft.com/office/drawing/2014/main" xmlns="" val="10003"/>
+                    <a16:rowId xmlns="" xmlns:a16="http://schemas.microsoft.com/office/drawing/2014/main" val="10003"/>
                   </a:ext>
                 </a:extLst>
               </a:tr>
@@ -28261,7 +27952,7 @@
                 </a:tc>
                 <a:extLst>
                   <a:ext uri="{0D108BD9-81ED-4DB2-BD59-A6C34878D82A}">
-                    <a16:rowId xmlns:a16="http://schemas.microsoft.com/office/drawing/2014/main" xmlns="" val="10004"/>
+                    <a16:rowId xmlns="" xmlns:a16="http://schemas.microsoft.com/office/drawing/2014/main" val="10004"/>
                   </a:ext>
                 </a:extLst>
               </a:tr>
@@ -28402,7 +28093,7 @@
                 </a:tc>
                 <a:extLst>
                   <a:ext uri="{0D108BD9-81ED-4DB2-BD59-A6C34878D82A}">
-                    <a16:rowId xmlns:a16="http://schemas.microsoft.com/office/drawing/2014/main" xmlns="" val="10005"/>
+                    <a16:rowId xmlns="" xmlns:a16="http://schemas.microsoft.com/office/drawing/2014/main" val="10005"/>
                   </a:ext>
                 </a:extLst>
               </a:tr>
@@ -28591,30 +28282,6 @@
           </a:p>
         </p:txBody>
       </p:sp>
-      <p:pic>
-        <p:nvPicPr>
-          <p:cNvPr id="5" name="Picture 4"/>
-          <p:cNvPicPr>
-            <a:picLocks noChangeAspect="1"/>
-          </p:cNvPicPr>
-          <p:nvPr/>
-        </p:nvPicPr>
-        <p:blipFill>
-          <a:blip r:embed="rId2"/>
-          <a:stretch>
-            <a:fillRect/>
-          </a:stretch>
-        </p:blipFill>
-        <p:spPr>
-          <a:xfrm>
-            <a:off x="3571334" y="1921424"/>
-            <a:ext cx="4753155" cy="4053077"/>
-          </a:xfrm>
-          <a:prstGeom prst="rect">
-            <a:avLst/>
-          </a:prstGeom>
-        </p:spPr>
-      </p:pic>
     </p:spTree>
     <p:extLst>
       <p:ext uri="{BB962C8B-B14F-4D97-AF65-F5344CB8AC3E}">
@@ -28849,42 +28516,42 @@
                 <a:gridCol w="1074501">
                   <a:extLst>
                     <a:ext uri="{9D8B030D-6E8A-4147-A177-3AD203B41FA5}">
-                      <a16:colId xmlns:a16="http://schemas.microsoft.com/office/drawing/2014/main" xmlns="" val="20000"/>
+                      <a16:colId xmlns="" xmlns:a16="http://schemas.microsoft.com/office/drawing/2014/main" val="20000"/>
                     </a:ext>
                   </a:extLst>
                 </a:gridCol>
                 <a:gridCol w="1137695">
                   <a:extLst>
                     <a:ext uri="{9D8B030D-6E8A-4147-A177-3AD203B41FA5}">
-                      <a16:colId xmlns:a16="http://schemas.microsoft.com/office/drawing/2014/main" xmlns="" val="20001"/>
+                      <a16:colId xmlns="" xmlns:a16="http://schemas.microsoft.com/office/drawing/2014/main" val="20001"/>
                     </a:ext>
                   </a:extLst>
                 </a:gridCol>
                 <a:gridCol w="1086928">
                   <a:extLst>
                     <a:ext uri="{9D8B030D-6E8A-4147-A177-3AD203B41FA5}">
-                      <a16:colId xmlns:a16="http://schemas.microsoft.com/office/drawing/2014/main" xmlns="" val="20002"/>
+                      <a16:colId xmlns="" xmlns:a16="http://schemas.microsoft.com/office/drawing/2014/main" val="20002"/>
                     </a:ext>
                   </a:extLst>
                 </a:gridCol>
                 <a:gridCol w="888521">
                   <a:extLst>
                     <a:ext uri="{9D8B030D-6E8A-4147-A177-3AD203B41FA5}">
-                      <a16:colId xmlns:a16="http://schemas.microsoft.com/office/drawing/2014/main" xmlns="" val="20003"/>
+                      <a16:colId xmlns="" xmlns:a16="http://schemas.microsoft.com/office/drawing/2014/main" val="20003"/>
                     </a:ext>
                   </a:extLst>
                 </a:gridCol>
                 <a:gridCol w="810883">
                   <a:extLst>
                     <a:ext uri="{9D8B030D-6E8A-4147-A177-3AD203B41FA5}">
-                      <a16:colId xmlns:a16="http://schemas.microsoft.com/office/drawing/2014/main" xmlns="" val="20004"/>
+                      <a16:colId xmlns="" xmlns:a16="http://schemas.microsoft.com/office/drawing/2014/main" val="20004"/>
                     </a:ext>
                   </a:extLst>
                 </a:gridCol>
                 <a:gridCol w="1118436">
                   <a:extLst>
                     <a:ext uri="{9D8B030D-6E8A-4147-A177-3AD203B41FA5}">
-                      <a16:colId xmlns:a16="http://schemas.microsoft.com/office/drawing/2014/main" xmlns="" val="20005"/>
+                      <a16:colId xmlns="" xmlns:a16="http://schemas.microsoft.com/office/drawing/2014/main" val="20005"/>
                     </a:ext>
                   </a:extLst>
                 </a:gridCol>
@@ -28976,7 +28643,7 @@
                 </a:tc>
                 <a:extLst>
                   <a:ext uri="{0D108BD9-81ED-4DB2-BD59-A6C34878D82A}">
-                    <a16:rowId xmlns:a16="http://schemas.microsoft.com/office/drawing/2014/main" xmlns="" val="10000"/>
+                    <a16:rowId xmlns="" xmlns:a16="http://schemas.microsoft.com/office/drawing/2014/main" val="10000"/>
                   </a:ext>
                 </a:extLst>
               </a:tr>
@@ -29075,7 +28742,7 @@
                 </a:tc>
                 <a:extLst>
                   <a:ext uri="{0D108BD9-81ED-4DB2-BD59-A6C34878D82A}">
-                    <a16:rowId xmlns:a16="http://schemas.microsoft.com/office/drawing/2014/main" xmlns="" val="10001"/>
+                    <a16:rowId xmlns="" xmlns:a16="http://schemas.microsoft.com/office/drawing/2014/main" val="10001"/>
                   </a:ext>
                 </a:extLst>
               </a:tr>
@@ -29233,7 +28900,7 @@
                 </a:tc>
                 <a:extLst>
                   <a:ext uri="{0D108BD9-81ED-4DB2-BD59-A6C34878D82A}">
-                    <a16:rowId xmlns:a16="http://schemas.microsoft.com/office/drawing/2014/main" xmlns="" val="10002"/>
+                    <a16:rowId xmlns="" xmlns:a16="http://schemas.microsoft.com/office/drawing/2014/main" val="10002"/>
                   </a:ext>
                 </a:extLst>
               </a:tr>
@@ -29372,7 +29039,7 @@
                 </a:tc>
                 <a:extLst>
                   <a:ext uri="{0D108BD9-81ED-4DB2-BD59-A6C34878D82A}">
-                    <a16:rowId xmlns:a16="http://schemas.microsoft.com/office/drawing/2014/main" xmlns="" val="10003"/>
+                    <a16:rowId xmlns="" xmlns:a16="http://schemas.microsoft.com/office/drawing/2014/main" val="10003"/>
                   </a:ext>
                 </a:extLst>
               </a:tr>
@@ -29471,7 +29138,7 @@
                 </a:tc>
                 <a:extLst>
                   <a:ext uri="{0D108BD9-81ED-4DB2-BD59-A6C34878D82A}">
-                    <a16:rowId xmlns:a16="http://schemas.microsoft.com/office/drawing/2014/main" xmlns="" val="10004"/>
+                    <a16:rowId xmlns="" xmlns:a16="http://schemas.microsoft.com/office/drawing/2014/main" val="10004"/>
                   </a:ext>
                 </a:extLst>
               </a:tr>
@@ -29572,7 +29239,7 @@
                 </a:tc>
                 <a:extLst>
                   <a:ext uri="{0D108BD9-81ED-4DB2-BD59-A6C34878D82A}">
-                    <a16:rowId xmlns:a16="http://schemas.microsoft.com/office/drawing/2014/main" xmlns="" val="10005"/>
+                    <a16:rowId xmlns="" xmlns:a16="http://schemas.microsoft.com/office/drawing/2014/main" val="10005"/>
                   </a:ext>
                 </a:extLst>
               </a:tr>
@@ -29663,42 +29330,42 @@
                 <a:gridCol w="1074501">
                   <a:extLst>
                     <a:ext uri="{9D8B030D-6E8A-4147-A177-3AD203B41FA5}">
-                      <a16:colId xmlns:a16="http://schemas.microsoft.com/office/drawing/2014/main" xmlns="" val="20000"/>
+                      <a16:colId xmlns="" xmlns:a16="http://schemas.microsoft.com/office/drawing/2014/main" val="20000"/>
                     </a:ext>
                   </a:extLst>
                 </a:gridCol>
                 <a:gridCol w="1361982">
                   <a:extLst>
                     <a:ext uri="{9D8B030D-6E8A-4147-A177-3AD203B41FA5}">
-                      <a16:colId xmlns:a16="http://schemas.microsoft.com/office/drawing/2014/main" xmlns="" val="20001"/>
+                      <a16:colId xmlns="" xmlns:a16="http://schemas.microsoft.com/office/drawing/2014/main" val="20001"/>
                     </a:ext>
                   </a:extLst>
                 </a:gridCol>
                 <a:gridCol w="1069675">
                   <a:extLst>
                     <a:ext uri="{9D8B030D-6E8A-4147-A177-3AD203B41FA5}">
-                      <a16:colId xmlns:a16="http://schemas.microsoft.com/office/drawing/2014/main" xmlns="" val="20002"/>
+                      <a16:colId xmlns="" xmlns:a16="http://schemas.microsoft.com/office/drawing/2014/main" val="20002"/>
                     </a:ext>
                   </a:extLst>
                 </a:gridCol>
                 <a:gridCol w="776378">
                   <a:extLst>
                     <a:ext uri="{9D8B030D-6E8A-4147-A177-3AD203B41FA5}">
-                      <a16:colId xmlns:a16="http://schemas.microsoft.com/office/drawing/2014/main" xmlns="" val="20003"/>
+                      <a16:colId xmlns="" xmlns:a16="http://schemas.microsoft.com/office/drawing/2014/main" val="20003"/>
                     </a:ext>
                   </a:extLst>
                 </a:gridCol>
                 <a:gridCol w="785004">
                   <a:extLst>
                     <a:ext uri="{9D8B030D-6E8A-4147-A177-3AD203B41FA5}">
-                      <a16:colId xmlns:a16="http://schemas.microsoft.com/office/drawing/2014/main" xmlns="" val="20004"/>
+                      <a16:colId xmlns="" xmlns:a16="http://schemas.microsoft.com/office/drawing/2014/main" val="20004"/>
                     </a:ext>
                   </a:extLst>
                 </a:gridCol>
                 <a:gridCol w="1049424">
                   <a:extLst>
                     <a:ext uri="{9D8B030D-6E8A-4147-A177-3AD203B41FA5}">
-                      <a16:colId xmlns:a16="http://schemas.microsoft.com/office/drawing/2014/main" xmlns="" val="20005"/>
+                      <a16:colId xmlns="" xmlns:a16="http://schemas.microsoft.com/office/drawing/2014/main" val="20005"/>
                     </a:ext>
                   </a:extLst>
                 </a:gridCol>
@@ -29790,7 +29457,7 @@
                 </a:tc>
                 <a:extLst>
                   <a:ext uri="{0D108BD9-81ED-4DB2-BD59-A6C34878D82A}">
-                    <a16:rowId xmlns:a16="http://schemas.microsoft.com/office/drawing/2014/main" xmlns="" val="10000"/>
+                    <a16:rowId xmlns="" xmlns:a16="http://schemas.microsoft.com/office/drawing/2014/main" val="10000"/>
                   </a:ext>
                 </a:extLst>
               </a:tr>
@@ -29887,7 +29554,7 @@
                 </a:tc>
                 <a:extLst>
                   <a:ext uri="{0D108BD9-81ED-4DB2-BD59-A6C34878D82A}">
-                    <a16:rowId xmlns:a16="http://schemas.microsoft.com/office/drawing/2014/main" xmlns="" val="10001"/>
+                    <a16:rowId xmlns="" xmlns:a16="http://schemas.microsoft.com/office/drawing/2014/main" val="10001"/>
                   </a:ext>
                 </a:extLst>
               </a:tr>
@@ -30047,7 +29714,7 @@
                 </a:tc>
                 <a:extLst>
                   <a:ext uri="{0D108BD9-81ED-4DB2-BD59-A6C34878D82A}">
-                    <a16:rowId xmlns:a16="http://schemas.microsoft.com/office/drawing/2014/main" xmlns="" val="10002"/>
+                    <a16:rowId xmlns="" xmlns:a16="http://schemas.microsoft.com/office/drawing/2014/main" val="10002"/>
                   </a:ext>
                 </a:extLst>
               </a:tr>
@@ -30188,7 +29855,7 @@
                 </a:tc>
                 <a:extLst>
                   <a:ext uri="{0D108BD9-81ED-4DB2-BD59-A6C34878D82A}">
-                    <a16:rowId xmlns:a16="http://schemas.microsoft.com/office/drawing/2014/main" xmlns="" val="10003"/>
+                    <a16:rowId xmlns="" xmlns:a16="http://schemas.microsoft.com/office/drawing/2014/main" val="10003"/>
                   </a:ext>
                 </a:extLst>
               </a:tr>
@@ -30329,7 +29996,7 @@
                 </a:tc>
                 <a:extLst>
                   <a:ext uri="{0D108BD9-81ED-4DB2-BD59-A6C34878D82A}">
-                    <a16:rowId xmlns:a16="http://schemas.microsoft.com/office/drawing/2014/main" xmlns="" val="10004"/>
+                    <a16:rowId xmlns="" xmlns:a16="http://schemas.microsoft.com/office/drawing/2014/main" val="10004"/>
                   </a:ext>
                 </a:extLst>
               </a:tr>
@@ -30428,7 +30095,7 @@
                 </a:tc>
                 <a:extLst>
                   <a:ext uri="{0D108BD9-81ED-4DB2-BD59-A6C34878D82A}">
-                    <a16:rowId xmlns:a16="http://schemas.microsoft.com/office/drawing/2014/main" xmlns="" val="10005"/>
+                    <a16:rowId xmlns="" xmlns:a16="http://schemas.microsoft.com/office/drawing/2014/main" val="10005"/>
                   </a:ext>
                 </a:extLst>
               </a:tr>
@@ -30519,42 +30186,42 @@
                 <a:gridCol w="1074501">
                   <a:extLst>
                     <a:ext uri="{9D8B030D-6E8A-4147-A177-3AD203B41FA5}">
-                      <a16:colId xmlns:a16="http://schemas.microsoft.com/office/drawing/2014/main" xmlns="" val="20000"/>
+                      <a16:colId xmlns="" xmlns:a16="http://schemas.microsoft.com/office/drawing/2014/main" val="20000"/>
                     </a:ext>
                   </a:extLst>
                 </a:gridCol>
                 <a:gridCol w="1094563">
                   <a:extLst>
                     <a:ext uri="{9D8B030D-6E8A-4147-A177-3AD203B41FA5}">
-                      <a16:colId xmlns:a16="http://schemas.microsoft.com/office/drawing/2014/main" xmlns="" val="20001"/>
+                      <a16:colId xmlns="" xmlns:a16="http://schemas.microsoft.com/office/drawing/2014/main" val="20001"/>
                     </a:ext>
                   </a:extLst>
                 </a:gridCol>
                 <a:gridCol w="1112808">
                   <a:extLst>
                     <a:ext uri="{9D8B030D-6E8A-4147-A177-3AD203B41FA5}">
-                      <a16:colId xmlns:a16="http://schemas.microsoft.com/office/drawing/2014/main" xmlns="" val="20002"/>
+                      <a16:colId xmlns="" xmlns:a16="http://schemas.microsoft.com/office/drawing/2014/main" val="20002"/>
                     </a:ext>
                   </a:extLst>
                 </a:gridCol>
                 <a:gridCol w="755968">
                   <a:extLst>
                     <a:ext uri="{9D8B030D-6E8A-4147-A177-3AD203B41FA5}">
-                      <a16:colId xmlns:a16="http://schemas.microsoft.com/office/drawing/2014/main" xmlns="" val="20003"/>
+                      <a16:colId xmlns="" xmlns:a16="http://schemas.microsoft.com/office/drawing/2014/main" val="20003"/>
                     </a:ext>
                   </a:extLst>
                 </a:gridCol>
                 <a:gridCol w="909275">
                   <a:extLst>
                     <a:ext uri="{9D8B030D-6E8A-4147-A177-3AD203B41FA5}">
-                      <a16:colId xmlns:a16="http://schemas.microsoft.com/office/drawing/2014/main" xmlns="" val="20004"/>
+                      <a16:colId xmlns="" xmlns:a16="http://schemas.microsoft.com/office/drawing/2014/main" val="20004"/>
                     </a:ext>
                   </a:extLst>
                 </a:gridCol>
                 <a:gridCol w="1226019">
                   <a:extLst>
                     <a:ext uri="{9D8B030D-6E8A-4147-A177-3AD203B41FA5}">
-                      <a16:colId xmlns:a16="http://schemas.microsoft.com/office/drawing/2014/main" xmlns="" val="20005"/>
+                      <a16:colId xmlns="" xmlns:a16="http://schemas.microsoft.com/office/drawing/2014/main" val="20005"/>
                     </a:ext>
                   </a:extLst>
                 </a:gridCol>
@@ -30646,7 +30313,7 @@
                 </a:tc>
                 <a:extLst>
                   <a:ext uri="{0D108BD9-81ED-4DB2-BD59-A6C34878D82A}">
-                    <a16:rowId xmlns:a16="http://schemas.microsoft.com/office/drawing/2014/main" xmlns="" val="10000"/>
+                    <a16:rowId xmlns="" xmlns:a16="http://schemas.microsoft.com/office/drawing/2014/main" val="10000"/>
                   </a:ext>
                 </a:extLst>
               </a:tr>
@@ -30745,7 +30412,7 @@
                 </a:tc>
                 <a:extLst>
                   <a:ext uri="{0D108BD9-81ED-4DB2-BD59-A6C34878D82A}">
-                    <a16:rowId xmlns:a16="http://schemas.microsoft.com/office/drawing/2014/main" xmlns="" val="10001"/>
+                    <a16:rowId xmlns="" xmlns:a16="http://schemas.microsoft.com/office/drawing/2014/main" val="10001"/>
                   </a:ext>
                 </a:extLst>
               </a:tr>
@@ -30863,7 +30530,7 @@
                 </a:tc>
                 <a:extLst>
                   <a:ext uri="{0D108BD9-81ED-4DB2-BD59-A6C34878D82A}">
-                    <a16:rowId xmlns:a16="http://schemas.microsoft.com/office/drawing/2014/main" xmlns="" val="10002"/>
+                    <a16:rowId xmlns="" xmlns:a16="http://schemas.microsoft.com/office/drawing/2014/main" val="10002"/>
                   </a:ext>
                 </a:extLst>
               </a:tr>
@@ -31004,7 +30671,7 @@
                 </a:tc>
                 <a:extLst>
                   <a:ext uri="{0D108BD9-81ED-4DB2-BD59-A6C34878D82A}">
-                    <a16:rowId xmlns:a16="http://schemas.microsoft.com/office/drawing/2014/main" xmlns="" val="10003"/>
+                    <a16:rowId xmlns="" xmlns:a16="http://schemas.microsoft.com/office/drawing/2014/main" val="10003"/>
                   </a:ext>
                 </a:extLst>
               </a:tr>
@@ -31145,7 +30812,7 @@
                 </a:tc>
                 <a:extLst>
                   <a:ext uri="{0D108BD9-81ED-4DB2-BD59-A6C34878D82A}">
-                    <a16:rowId xmlns:a16="http://schemas.microsoft.com/office/drawing/2014/main" xmlns="" val="10004"/>
+                    <a16:rowId xmlns="" xmlns:a16="http://schemas.microsoft.com/office/drawing/2014/main" val="10004"/>
                   </a:ext>
                 </a:extLst>
               </a:tr>
@@ -31258,7 +30925,7 @@
                 </a:tc>
                 <a:extLst>
                   <a:ext uri="{0D108BD9-81ED-4DB2-BD59-A6C34878D82A}">
-                    <a16:rowId xmlns:a16="http://schemas.microsoft.com/office/drawing/2014/main" xmlns="" val="10005"/>
+                    <a16:rowId xmlns="" xmlns:a16="http://schemas.microsoft.com/office/drawing/2014/main" val="10005"/>
                   </a:ext>
                 </a:extLst>
               </a:tr>
@@ -31349,42 +31016,42 @@
                 <a:gridCol w="1108522">
                   <a:extLst>
                     <a:ext uri="{9D8B030D-6E8A-4147-A177-3AD203B41FA5}">
-                      <a16:colId xmlns:a16="http://schemas.microsoft.com/office/drawing/2014/main" xmlns="" val="20000"/>
+                      <a16:colId xmlns="" xmlns:a16="http://schemas.microsoft.com/office/drawing/2014/main" val="20000"/>
                     </a:ext>
                   </a:extLst>
                 </a:gridCol>
                 <a:gridCol w="1129219">
                   <a:extLst>
                     <a:ext uri="{9D8B030D-6E8A-4147-A177-3AD203B41FA5}">
-                      <a16:colId xmlns:a16="http://schemas.microsoft.com/office/drawing/2014/main" xmlns="" val="20001"/>
+                      <a16:colId xmlns="" xmlns:a16="http://schemas.microsoft.com/office/drawing/2014/main" val="20001"/>
                     </a:ext>
                   </a:extLst>
                 </a:gridCol>
                 <a:gridCol w="1148042">
                   <a:extLst>
                     <a:ext uri="{9D8B030D-6E8A-4147-A177-3AD203B41FA5}">
-                      <a16:colId xmlns:a16="http://schemas.microsoft.com/office/drawing/2014/main" xmlns="" val="20002"/>
+                      <a16:colId xmlns="" xmlns:a16="http://schemas.microsoft.com/office/drawing/2014/main" val="20002"/>
                     </a:ext>
                   </a:extLst>
                 </a:gridCol>
                 <a:gridCol w="802761">
                   <a:extLst>
                     <a:ext uri="{9D8B030D-6E8A-4147-A177-3AD203B41FA5}">
-                      <a16:colId xmlns:a16="http://schemas.microsoft.com/office/drawing/2014/main" xmlns="" val="20003"/>
+                      <a16:colId xmlns="" xmlns:a16="http://schemas.microsoft.com/office/drawing/2014/main" val="20003"/>
                     </a:ext>
                   </a:extLst>
                 </a:gridCol>
                 <a:gridCol w="857259">
                   <a:extLst>
                     <a:ext uri="{9D8B030D-6E8A-4147-A177-3AD203B41FA5}">
-                      <a16:colId xmlns:a16="http://schemas.microsoft.com/office/drawing/2014/main" xmlns="" val="20004"/>
+                      <a16:colId xmlns="" xmlns:a16="http://schemas.microsoft.com/office/drawing/2014/main" val="20004"/>
                     </a:ext>
                   </a:extLst>
                 </a:gridCol>
                 <a:gridCol w="1264838">
                   <a:extLst>
                     <a:ext uri="{9D8B030D-6E8A-4147-A177-3AD203B41FA5}">
-                      <a16:colId xmlns:a16="http://schemas.microsoft.com/office/drawing/2014/main" xmlns="" val="20005"/>
+                      <a16:colId xmlns="" xmlns:a16="http://schemas.microsoft.com/office/drawing/2014/main" val="20005"/>
                     </a:ext>
                   </a:extLst>
                 </a:gridCol>
@@ -31476,7 +31143,7 @@
                 </a:tc>
                 <a:extLst>
                   <a:ext uri="{0D108BD9-81ED-4DB2-BD59-A6C34878D82A}">
-                    <a16:rowId xmlns:a16="http://schemas.microsoft.com/office/drawing/2014/main" xmlns="" val="10000"/>
+                    <a16:rowId xmlns="" xmlns:a16="http://schemas.microsoft.com/office/drawing/2014/main" val="10000"/>
                   </a:ext>
                 </a:extLst>
               </a:tr>
@@ -31574,7 +31241,7 @@
                 </a:tc>
                 <a:extLst>
                   <a:ext uri="{0D108BD9-81ED-4DB2-BD59-A6C34878D82A}">
-                    <a16:rowId xmlns:a16="http://schemas.microsoft.com/office/drawing/2014/main" xmlns="" val="10001"/>
+                    <a16:rowId xmlns="" xmlns:a16="http://schemas.microsoft.com/office/drawing/2014/main" val="10001"/>
                   </a:ext>
                 </a:extLst>
               </a:tr>
@@ -31734,7 +31401,7 @@
                 </a:tc>
                 <a:extLst>
                   <a:ext uri="{0D108BD9-81ED-4DB2-BD59-A6C34878D82A}">
-                    <a16:rowId xmlns:a16="http://schemas.microsoft.com/office/drawing/2014/main" xmlns="" val="10002"/>
+                    <a16:rowId xmlns="" xmlns:a16="http://schemas.microsoft.com/office/drawing/2014/main" val="10002"/>
                   </a:ext>
                 </a:extLst>
               </a:tr>
@@ -31875,7 +31542,7 @@
                 </a:tc>
                 <a:extLst>
                   <a:ext uri="{0D108BD9-81ED-4DB2-BD59-A6C34878D82A}">
-                    <a16:rowId xmlns:a16="http://schemas.microsoft.com/office/drawing/2014/main" xmlns="" val="10003"/>
+                    <a16:rowId xmlns="" xmlns:a16="http://schemas.microsoft.com/office/drawing/2014/main" val="10003"/>
                   </a:ext>
                 </a:extLst>
               </a:tr>
@@ -32018,7 +31685,7 @@
                 </a:tc>
                 <a:extLst>
                   <a:ext uri="{0D108BD9-81ED-4DB2-BD59-A6C34878D82A}">
-                    <a16:rowId xmlns:a16="http://schemas.microsoft.com/office/drawing/2014/main" xmlns="" val="10004"/>
+                    <a16:rowId xmlns="" xmlns:a16="http://schemas.microsoft.com/office/drawing/2014/main" val="10004"/>
                   </a:ext>
                 </a:extLst>
               </a:tr>
@@ -32117,7 +31784,7 @@
                 </a:tc>
                 <a:extLst>
                   <a:ext uri="{0D108BD9-81ED-4DB2-BD59-A6C34878D82A}">
-                    <a16:rowId xmlns:a16="http://schemas.microsoft.com/office/drawing/2014/main" xmlns="" val="10005"/>
+                    <a16:rowId xmlns="" xmlns:a16="http://schemas.microsoft.com/office/drawing/2014/main" val="10005"/>
                   </a:ext>
                 </a:extLst>
               </a:tr>

--- a/Reports/Hiwi Meeting 4.pptx
+++ b/Reports/Hiwi Meeting 4.pptx
@@ -4127,42 +4127,42 @@
                 <a:gridCol w="1074501">
                   <a:extLst>
                     <a:ext uri="{9D8B030D-6E8A-4147-A177-3AD203B41FA5}">
-                      <a16:colId xmlns="" xmlns:a16="http://schemas.microsoft.com/office/drawing/2014/main" val="20000"/>
+                      <a16:colId xmlns:a16="http://schemas.microsoft.com/office/drawing/2014/main" xmlns="" val="20000"/>
                     </a:ext>
                   </a:extLst>
                 </a:gridCol>
                 <a:gridCol w="1094563">
                   <a:extLst>
                     <a:ext uri="{9D8B030D-6E8A-4147-A177-3AD203B41FA5}">
-                      <a16:colId xmlns="" xmlns:a16="http://schemas.microsoft.com/office/drawing/2014/main" val="20001"/>
+                      <a16:colId xmlns:a16="http://schemas.microsoft.com/office/drawing/2014/main" xmlns="" val="20001"/>
                     </a:ext>
                   </a:extLst>
                 </a:gridCol>
                 <a:gridCol w="1112808">
                   <a:extLst>
                     <a:ext uri="{9D8B030D-6E8A-4147-A177-3AD203B41FA5}">
-                      <a16:colId xmlns="" xmlns:a16="http://schemas.microsoft.com/office/drawing/2014/main" val="20002"/>
+                      <a16:colId xmlns:a16="http://schemas.microsoft.com/office/drawing/2014/main" xmlns="" val="20002"/>
                     </a:ext>
                   </a:extLst>
                 </a:gridCol>
                 <a:gridCol w="785901">
                   <a:extLst>
                     <a:ext uri="{9D8B030D-6E8A-4147-A177-3AD203B41FA5}">
-                      <a16:colId xmlns="" xmlns:a16="http://schemas.microsoft.com/office/drawing/2014/main" val="20003"/>
+                      <a16:colId xmlns:a16="http://schemas.microsoft.com/office/drawing/2014/main" xmlns="" val="20003"/>
                     </a:ext>
                   </a:extLst>
                 </a:gridCol>
                 <a:gridCol w="823172">
                   <a:extLst>
                     <a:ext uri="{9D8B030D-6E8A-4147-A177-3AD203B41FA5}">
-                      <a16:colId xmlns="" xmlns:a16="http://schemas.microsoft.com/office/drawing/2014/main" val="20004"/>
+                      <a16:colId xmlns:a16="http://schemas.microsoft.com/office/drawing/2014/main" xmlns="" val="20004"/>
                     </a:ext>
                   </a:extLst>
                 </a:gridCol>
                 <a:gridCol w="1226019">
                   <a:extLst>
                     <a:ext uri="{9D8B030D-6E8A-4147-A177-3AD203B41FA5}">
-                      <a16:colId xmlns="" xmlns:a16="http://schemas.microsoft.com/office/drawing/2014/main" val="20005"/>
+                      <a16:colId xmlns:a16="http://schemas.microsoft.com/office/drawing/2014/main" xmlns="" val="20005"/>
                     </a:ext>
                   </a:extLst>
                 </a:gridCol>
@@ -4254,7 +4254,7 @@
                 </a:tc>
                 <a:extLst>
                   <a:ext uri="{0D108BD9-81ED-4DB2-BD59-A6C34878D82A}">
-                    <a16:rowId xmlns="" xmlns:a16="http://schemas.microsoft.com/office/drawing/2014/main" val="10000"/>
+                    <a16:rowId xmlns:a16="http://schemas.microsoft.com/office/drawing/2014/main" xmlns="" val="10000"/>
                   </a:ext>
                 </a:extLst>
               </a:tr>
@@ -4351,7 +4351,7 @@
                 </a:tc>
                 <a:extLst>
                   <a:ext uri="{0D108BD9-81ED-4DB2-BD59-A6C34878D82A}">
-                    <a16:rowId xmlns="" xmlns:a16="http://schemas.microsoft.com/office/drawing/2014/main" val="10001"/>
+                    <a16:rowId xmlns:a16="http://schemas.microsoft.com/office/drawing/2014/main" xmlns="" val="10001"/>
                   </a:ext>
                 </a:extLst>
               </a:tr>
@@ -4509,7 +4509,7 @@
                 </a:tc>
                 <a:extLst>
                   <a:ext uri="{0D108BD9-81ED-4DB2-BD59-A6C34878D82A}">
-                    <a16:rowId xmlns="" xmlns:a16="http://schemas.microsoft.com/office/drawing/2014/main" val="10002"/>
+                    <a16:rowId xmlns:a16="http://schemas.microsoft.com/office/drawing/2014/main" xmlns="" val="10002"/>
                   </a:ext>
                 </a:extLst>
               </a:tr>
@@ -4652,7 +4652,7 @@
                 </a:tc>
                 <a:extLst>
                   <a:ext uri="{0D108BD9-81ED-4DB2-BD59-A6C34878D82A}">
-                    <a16:rowId xmlns="" xmlns:a16="http://schemas.microsoft.com/office/drawing/2014/main" val="10003"/>
+                    <a16:rowId xmlns:a16="http://schemas.microsoft.com/office/drawing/2014/main" xmlns="" val="10003"/>
                   </a:ext>
                 </a:extLst>
               </a:tr>
@@ -4753,7 +4753,7 @@
                 </a:tc>
                 <a:extLst>
                   <a:ext uri="{0D108BD9-81ED-4DB2-BD59-A6C34878D82A}">
-                    <a16:rowId xmlns="" xmlns:a16="http://schemas.microsoft.com/office/drawing/2014/main" val="10004"/>
+                    <a16:rowId xmlns:a16="http://schemas.microsoft.com/office/drawing/2014/main" xmlns="" val="10004"/>
                   </a:ext>
                 </a:extLst>
               </a:tr>
@@ -4854,7 +4854,7 @@
                 </a:tc>
                 <a:extLst>
                   <a:ext uri="{0D108BD9-81ED-4DB2-BD59-A6C34878D82A}">
-                    <a16:rowId xmlns="" xmlns:a16="http://schemas.microsoft.com/office/drawing/2014/main" val="10005"/>
+                    <a16:rowId xmlns:a16="http://schemas.microsoft.com/office/drawing/2014/main" xmlns="" val="10005"/>
                   </a:ext>
                 </a:extLst>
               </a:tr>
@@ -4945,42 +4945,42 @@
                 <a:gridCol w="1074501">
                   <a:extLst>
                     <a:ext uri="{9D8B030D-6E8A-4147-A177-3AD203B41FA5}">
-                      <a16:colId xmlns="" xmlns:a16="http://schemas.microsoft.com/office/drawing/2014/main" val="20000"/>
+                      <a16:colId xmlns:a16="http://schemas.microsoft.com/office/drawing/2014/main" xmlns="" val="20000"/>
                     </a:ext>
                   </a:extLst>
                 </a:gridCol>
                 <a:gridCol w="1042804">
                   <a:extLst>
                     <a:ext uri="{9D8B030D-6E8A-4147-A177-3AD203B41FA5}">
-                      <a16:colId xmlns="" xmlns:a16="http://schemas.microsoft.com/office/drawing/2014/main" val="20001"/>
+                      <a16:colId xmlns:a16="http://schemas.microsoft.com/office/drawing/2014/main" xmlns="" val="20001"/>
                     </a:ext>
                   </a:extLst>
                 </a:gridCol>
                 <a:gridCol w="1086929">
                   <a:extLst>
                     <a:ext uri="{9D8B030D-6E8A-4147-A177-3AD203B41FA5}">
-                      <a16:colId xmlns="" xmlns:a16="http://schemas.microsoft.com/office/drawing/2014/main" val="20002"/>
+                      <a16:colId xmlns:a16="http://schemas.microsoft.com/office/drawing/2014/main" xmlns="" val="20002"/>
                     </a:ext>
                   </a:extLst>
                 </a:gridCol>
                 <a:gridCol w="777436">
                   <a:extLst>
                     <a:ext uri="{9D8B030D-6E8A-4147-A177-3AD203B41FA5}">
-                      <a16:colId xmlns="" xmlns:a16="http://schemas.microsoft.com/office/drawing/2014/main" val="20003"/>
+                      <a16:colId xmlns:a16="http://schemas.microsoft.com/office/drawing/2014/main" xmlns="" val="20003"/>
                     </a:ext>
                   </a:extLst>
                 </a:gridCol>
                 <a:gridCol w="909275">
                   <a:extLst>
                     <a:ext uri="{9D8B030D-6E8A-4147-A177-3AD203B41FA5}">
-                      <a16:colId xmlns="" xmlns:a16="http://schemas.microsoft.com/office/drawing/2014/main" val="20004"/>
+                      <a16:colId xmlns:a16="http://schemas.microsoft.com/office/drawing/2014/main" xmlns="" val="20004"/>
                     </a:ext>
                   </a:extLst>
                 </a:gridCol>
                 <a:gridCol w="1226019">
                   <a:extLst>
                     <a:ext uri="{9D8B030D-6E8A-4147-A177-3AD203B41FA5}">
-                      <a16:colId xmlns="" xmlns:a16="http://schemas.microsoft.com/office/drawing/2014/main" val="20005"/>
+                      <a16:colId xmlns:a16="http://schemas.microsoft.com/office/drawing/2014/main" xmlns="" val="20005"/>
                     </a:ext>
                   </a:extLst>
                 </a:gridCol>
@@ -5072,7 +5072,7 @@
                 </a:tc>
                 <a:extLst>
                   <a:ext uri="{0D108BD9-81ED-4DB2-BD59-A6C34878D82A}">
-                    <a16:rowId xmlns="" xmlns:a16="http://schemas.microsoft.com/office/drawing/2014/main" val="10000"/>
+                    <a16:rowId xmlns:a16="http://schemas.microsoft.com/office/drawing/2014/main" xmlns="" val="10000"/>
                   </a:ext>
                 </a:extLst>
               </a:tr>
@@ -5169,7 +5169,7 @@
                 </a:tc>
                 <a:extLst>
                   <a:ext uri="{0D108BD9-81ED-4DB2-BD59-A6C34878D82A}">
-                    <a16:rowId xmlns="" xmlns:a16="http://schemas.microsoft.com/office/drawing/2014/main" val="10001"/>
+                    <a16:rowId xmlns:a16="http://schemas.microsoft.com/office/drawing/2014/main" xmlns="" val="10001"/>
                   </a:ext>
                 </a:extLst>
               </a:tr>
@@ -5329,7 +5329,7 @@
                 </a:tc>
                 <a:extLst>
                   <a:ext uri="{0D108BD9-81ED-4DB2-BD59-A6C34878D82A}">
-                    <a16:rowId xmlns="" xmlns:a16="http://schemas.microsoft.com/office/drawing/2014/main" val="10002"/>
+                    <a16:rowId xmlns:a16="http://schemas.microsoft.com/office/drawing/2014/main" xmlns="" val="10002"/>
                   </a:ext>
                 </a:extLst>
               </a:tr>
@@ -5489,7 +5489,7 @@
                 </a:tc>
                 <a:extLst>
                   <a:ext uri="{0D108BD9-81ED-4DB2-BD59-A6C34878D82A}">
-                    <a16:rowId xmlns="" xmlns:a16="http://schemas.microsoft.com/office/drawing/2014/main" val="10003"/>
+                    <a16:rowId xmlns:a16="http://schemas.microsoft.com/office/drawing/2014/main" xmlns="" val="10003"/>
                   </a:ext>
                 </a:extLst>
               </a:tr>
@@ -5632,7 +5632,7 @@
                 </a:tc>
                 <a:extLst>
                   <a:ext uri="{0D108BD9-81ED-4DB2-BD59-A6C34878D82A}">
-                    <a16:rowId xmlns="" xmlns:a16="http://schemas.microsoft.com/office/drawing/2014/main" val="10004"/>
+                    <a16:rowId xmlns:a16="http://schemas.microsoft.com/office/drawing/2014/main" xmlns="" val="10004"/>
                   </a:ext>
                 </a:extLst>
               </a:tr>
@@ -5733,7 +5733,7 @@
                 </a:tc>
                 <a:extLst>
                   <a:ext uri="{0D108BD9-81ED-4DB2-BD59-A6C34878D82A}">
-                    <a16:rowId xmlns="" xmlns:a16="http://schemas.microsoft.com/office/drawing/2014/main" val="10005"/>
+                    <a16:rowId xmlns:a16="http://schemas.microsoft.com/office/drawing/2014/main" xmlns="" val="10005"/>
                   </a:ext>
                 </a:extLst>
               </a:tr>
@@ -5824,42 +5824,42 @@
                 <a:gridCol w="1074501">
                   <a:extLst>
                     <a:ext uri="{9D8B030D-6E8A-4147-A177-3AD203B41FA5}">
-                      <a16:colId xmlns="" xmlns:a16="http://schemas.microsoft.com/office/drawing/2014/main" val="20000"/>
+                      <a16:colId xmlns:a16="http://schemas.microsoft.com/office/drawing/2014/main" xmlns="" val="20000"/>
                     </a:ext>
                   </a:extLst>
                 </a:gridCol>
                 <a:gridCol w="1051431">
                   <a:extLst>
                     <a:ext uri="{9D8B030D-6E8A-4147-A177-3AD203B41FA5}">
-                      <a16:colId xmlns="" xmlns:a16="http://schemas.microsoft.com/office/drawing/2014/main" val="20001"/>
+                      <a16:colId xmlns:a16="http://schemas.microsoft.com/office/drawing/2014/main" xmlns="" val="20001"/>
                     </a:ext>
                   </a:extLst>
                 </a:gridCol>
                 <a:gridCol w="1104181">
                   <a:extLst>
                     <a:ext uri="{9D8B030D-6E8A-4147-A177-3AD203B41FA5}">
-                      <a16:colId xmlns="" xmlns:a16="http://schemas.microsoft.com/office/drawing/2014/main" val="20002"/>
+                      <a16:colId xmlns:a16="http://schemas.microsoft.com/office/drawing/2014/main" xmlns="" val="20002"/>
                     </a:ext>
                   </a:extLst>
                 </a:gridCol>
                 <a:gridCol w="751557">
                   <a:extLst>
                     <a:ext uri="{9D8B030D-6E8A-4147-A177-3AD203B41FA5}">
-                      <a16:colId xmlns="" xmlns:a16="http://schemas.microsoft.com/office/drawing/2014/main" val="20003"/>
+                      <a16:colId xmlns:a16="http://schemas.microsoft.com/office/drawing/2014/main" xmlns="" val="20003"/>
                     </a:ext>
                   </a:extLst>
                 </a:gridCol>
                 <a:gridCol w="909275">
                   <a:extLst>
                     <a:ext uri="{9D8B030D-6E8A-4147-A177-3AD203B41FA5}">
-                      <a16:colId xmlns="" xmlns:a16="http://schemas.microsoft.com/office/drawing/2014/main" val="20004"/>
+                      <a16:colId xmlns:a16="http://schemas.microsoft.com/office/drawing/2014/main" xmlns="" val="20004"/>
                     </a:ext>
                   </a:extLst>
                 </a:gridCol>
                 <a:gridCol w="1226019">
                   <a:extLst>
                     <a:ext uri="{9D8B030D-6E8A-4147-A177-3AD203B41FA5}">
-                      <a16:colId xmlns="" xmlns:a16="http://schemas.microsoft.com/office/drawing/2014/main" val="20005"/>
+                      <a16:colId xmlns:a16="http://schemas.microsoft.com/office/drawing/2014/main" xmlns="" val="20005"/>
                     </a:ext>
                   </a:extLst>
                 </a:gridCol>
@@ -5951,7 +5951,7 @@
                 </a:tc>
                 <a:extLst>
                   <a:ext uri="{0D108BD9-81ED-4DB2-BD59-A6C34878D82A}">
-                    <a16:rowId xmlns="" xmlns:a16="http://schemas.microsoft.com/office/drawing/2014/main" val="10000"/>
+                    <a16:rowId xmlns:a16="http://schemas.microsoft.com/office/drawing/2014/main" xmlns="" val="10000"/>
                   </a:ext>
                 </a:extLst>
               </a:tr>
@@ -6046,7 +6046,7 @@
                 </a:tc>
                 <a:extLst>
                   <a:ext uri="{0D108BD9-81ED-4DB2-BD59-A6C34878D82A}">
-                    <a16:rowId xmlns="" xmlns:a16="http://schemas.microsoft.com/office/drawing/2014/main" val="10001"/>
+                    <a16:rowId xmlns:a16="http://schemas.microsoft.com/office/drawing/2014/main" xmlns="" val="10001"/>
                   </a:ext>
                 </a:extLst>
               </a:tr>
@@ -6202,7 +6202,7 @@
                 </a:tc>
                 <a:extLst>
                   <a:ext uri="{0D108BD9-81ED-4DB2-BD59-A6C34878D82A}">
-                    <a16:rowId xmlns="" xmlns:a16="http://schemas.microsoft.com/office/drawing/2014/main" val="10002"/>
+                    <a16:rowId xmlns:a16="http://schemas.microsoft.com/office/drawing/2014/main" xmlns="" val="10002"/>
                   </a:ext>
                 </a:extLst>
               </a:tr>
@@ -6358,7 +6358,7 @@
                 </a:tc>
                 <a:extLst>
                   <a:ext uri="{0D108BD9-81ED-4DB2-BD59-A6C34878D82A}">
-                    <a16:rowId xmlns="" xmlns:a16="http://schemas.microsoft.com/office/drawing/2014/main" val="10003"/>
+                    <a16:rowId xmlns:a16="http://schemas.microsoft.com/office/drawing/2014/main" xmlns="" val="10003"/>
                   </a:ext>
                 </a:extLst>
               </a:tr>
@@ -6491,7 +6491,7 @@
                 </a:tc>
                 <a:extLst>
                   <a:ext uri="{0D108BD9-81ED-4DB2-BD59-A6C34878D82A}">
-                    <a16:rowId xmlns="" xmlns:a16="http://schemas.microsoft.com/office/drawing/2014/main" val="10004"/>
+                    <a16:rowId xmlns:a16="http://schemas.microsoft.com/office/drawing/2014/main" xmlns="" val="10004"/>
                   </a:ext>
                 </a:extLst>
               </a:tr>
@@ -6582,7 +6582,7 @@
                 </a:tc>
                 <a:extLst>
                   <a:ext uri="{0D108BD9-81ED-4DB2-BD59-A6C34878D82A}">
-                    <a16:rowId xmlns="" xmlns:a16="http://schemas.microsoft.com/office/drawing/2014/main" val="10005"/>
+                    <a16:rowId xmlns:a16="http://schemas.microsoft.com/office/drawing/2014/main" xmlns="" val="10005"/>
                   </a:ext>
                 </a:extLst>
               </a:tr>
@@ -9110,42 +9110,42 @@
                 <a:gridCol w="1024621">
                   <a:extLst>
                     <a:ext uri="{9D8B030D-6E8A-4147-A177-3AD203B41FA5}">
-                      <a16:colId xmlns="" xmlns:a16="http://schemas.microsoft.com/office/drawing/2014/main" val="20000"/>
+                      <a16:colId xmlns:a16="http://schemas.microsoft.com/office/drawing/2014/main" xmlns="" val="20000"/>
                     </a:ext>
                   </a:extLst>
                 </a:gridCol>
                 <a:gridCol w="1232949">
                   <a:extLst>
                     <a:ext uri="{9D8B030D-6E8A-4147-A177-3AD203B41FA5}">
-                      <a16:colId xmlns="" xmlns:a16="http://schemas.microsoft.com/office/drawing/2014/main" val="20001"/>
+                      <a16:colId xmlns:a16="http://schemas.microsoft.com/office/drawing/2014/main" xmlns="" val="20001"/>
                     </a:ext>
                   </a:extLst>
                 </a:gridCol>
                 <a:gridCol w="1069375">
                   <a:extLst>
                     <a:ext uri="{9D8B030D-6E8A-4147-A177-3AD203B41FA5}">
-                      <a16:colId xmlns="" xmlns:a16="http://schemas.microsoft.com/office/drawing/2014/main" val="20002"/>
+                      <a16:colId xmlns:a16="http://schemas.microsoft.com/office/drawing/2014/main" xmlns="" val="20002"/>
                     </a:ext>
                   </a:extLst>
                 </a:gridCol>
                 <a:gridCol w="765014">
                   <a:extLst>
                     <a:ext uri="{9D8B030D-6E8A-4147-A177-3AD203B41FA5}">
-                      <a16:colId xmlns="" xmlns:a16="http://schemas.microsoft.com/office/drawing/2014/main" val="20003"/>
+                      <a16:colId xmlns:a16="http://schemas.microsoft.com/office/drawing/2014/main" xmlns="" val="20003"/>
                     </a:ext>
                   </a:extLst>
                 </a:gridCol>
                 <a:gridCol w="847274">
                   <a:extLst>
                     <a:ext uri="{9D8B030D-6E8A-4147-A177-3AD203B41FA5}">
-                      <a16:colId xmlns="" xmlns:a16="http://schemas.microsoft.com/office/drawing/2014/main" val="20004"/>
+                      <a16:colId xmlns:a16="http://schemas.microsoft.com/office/drawing/2014/main" xmlns="" val="20004"/>
                     </a:ext>
                   </a:extLst>
                 </a:gridCol>
                 <a:gridCol w="987114">
                   <a:extLst>
                     <a:ext uri="{9D8B030D-6E8A-4147-A177-3AD203B41FA5}">
-                      <a16:colId xmlns="" xmlns:a16="http://schemas.microsoft.com/office/drawing/2014/main" val="20005"/>
+                      <a16:colId xmlns:a16="http://schemas.microsoft.com/office/drawing/2014/main" xmlns="" val="20005"/>
                     </a:ext>
                   </a:extLst>
                 </a:gridCol>
@@ -9237,7 +9237,7 @@
                 </a:tc>
                 <a:extLst>
                   <a:ext uri="{0D108BD9-81ED-4DB2-BD59-A6C34878D82A}">
-                    <a16:rowId xmlns="" xmlns:a16="http://schemas.microsoft.com/office/drawing/2014/main" val="10000"/>
+                    <a16:rowId xmlns:a16="http://schemas.microsoft.com/office/drawing/2014/main" xmlns="" val="10000"/>
                   </a:ext>
                 </a:extLst>
               </a:tr>
@@ -9334,7 +9334,7 @@
                 </a:tc>
                 <a:extLst>
                   <a:ext uri="{0D108BD9-81ED-4DB2-BD59-A6C34878D82A}">
-                    <a16:rowId xmlns="" xmlns:a16="http://schemas.microsoft.com/office/drawing/2014/main" val="10001"/>
+                    <a16:rowId xmlns:a16="http://schemas.microsoft.com/office/drawing/2014/main" xmlns="" val="10001"/>
                   </a:ext>
                 </a:extLst>
               </a:tr>
@@ -9502,7 +9502,7 @@
                 </a:tc>
                 <a:extLst>
                   <a:ext uri="{0D108BD9-81ED-4DB2-BD59-A6C34878D82A}">
-                    <a16:rowId xmlns="" xmlns:a16="http://schemas.microsoft.com/office/drawing/2014/main" val="10002"/>
+                    <a16:rowId xmlns:a16="http://schemas.microsoft.com/office/drawing/2014/main" xmlns="" val="10002"/>
                   </a:ext>
                 </a:extLst>
               </a:tr>
@@ -9643,7 +9643,7 @@
                 </a:tc>
                 <a:extLst>
                   <a:ext uri="{0D108BD9-81ED-4DB2-BD59-A6C34878D82A}">
-                    <a16:rowId xmlns="" xmlns:a16="http://schemas.microsoft.com/office/drawing/2014/main" val="10003"/>
+                    <a16:rowId xmlns:a16="http://schemas.microsoft.com/office/drawing/2014/main" xmlns="" val="10003"/>
                   </a:ext>
                 </a:extLst>
               </a:tr>
@@ -9798,7 +9798,7 @@
                 </a:tc>
                 <a:extLst>
                   <a:ext uri="{0D108BD9-81ED-4DB2-BD59-A6C34878D82A}">
-                    <a16:rowId xmlns="" xmlns:a16="http://schemas.microsoft.com/office/drawing/2014/main" val="10004"/>
+                    <a16:rowId xmlns:a16="http://schemas.microsoft.com/office/drawing/2014/main" xmlns="" val="10004"/>
                   </a:ext>
                 </a:extLst>
               </a:tr>
@@ -9939,7 +9939,7 @@
                 </a:tc>
                 <a:extLst>
                   <a:ext uri="{0D108BD9-81ED-4DB2-BD59-A6C34878D82A}">
-                    <a16:rowId xmlns="" xmlns:a16="http://schemas.microsoft.com/office/drawing/2014/main" val="10005"/>
+                    <a16:rowId xmlns:a16="http://schemas.microsoft.com/office/drawing/2014/main" xmlns="" val="10005"/>
                   </a:ext>
                 </a:extLst>
               </a:tr>
@@ -10030,42 +10030,42 @@
                 <a:gridCol w="1031399">
                   <a:extLst>
                     <a:ext uri="{9D8B030D-6E8A-4147-A177-3AD203B41FA5}">
-                      <a16:colId xmlns="" xmlns:a16="http://schemas.microsoft.com/office/drawing/2014/main" val="20000"/>
+                      <a16:colId xmlns:a16="http://schemas.microsoft.com/office/drawing/2014/main" xmlns="" val="20000"/>
                     </a:ext>
                   </a:extLst>
                 </a:gridCol>
                 <a:gridCol w="1092058">
                   <a:extLst>
                     <a:ext uri="{9D8B030D-6E8A-4147-A177-3AD203B41FA5}">
-                      <a16:colId xmlns="" xmlns:a16="http://schemas.microsoft.com/office/drawing/2014/main" val="20001"/>
+                      <a16:colId xmlns:a16="http://schemas.microsoft.com/office/drawing/2014/main" xmlns="" val="20001"/>
                     </a:ext>
                   </a:extLst>
                 </a:gridCol>
                 <a:gridCol w="1043327">
                   <a:extLst>
                     <a:ext uri="{9D8B030D-6E8A-4147-A177-3AD203B41FA5}">
-                      <a16:colId xmlns="" xmlns:a16="http://schemas.microsoft.com/office/drawing/2014/main" val="20002"/>
+                      <a16:colId xmlns:a16="http://schemas.microsoft.com/office/drawing/2014/main" xmlns="" val="20002"/>
                     </a:ext>
                   </a:extLst>
                 </a:gridCol>
                 <a:gridCol w="852879">
                   <a:extLst>
                     <a:ext uri="{9D8B030D-6E8A-4147-A177-3AD203B41FA5}">
-                      <a16:colId xmlns="" xmlns:a16="http://schemas.microsoft.com/office/drawing/2014/main" val="20003"/>
+                      <a16:colId xmlns:a16="http://schemas.microsoft.com/office/drawing/2014/main" xmlns="" val="20003"/>
                     </a:ext>
                   </a:extLst>
                 </a:gridCol>
                 <a:gridCol w="778356">
                   <a:extLst>
                     <a:ext uri="{9D8B030D-6E8A-4147-A177-3AD203B41FA5}">
-                      <a16:colId xmlns="" xmlns:a16="http://schemas.microsoft.com/office/drawing/2014/main" val="20004"/>
+                      <a16:colId xmlns:a16="http://schemas.microsoft.com/office/drawing/2014/main" xmlns="" val="20004"/>
                     </a:ext>
                   </a:extLst>
                 </a:gridCol>
                 <a:gridCol w="1073572">
                   <a:extLst>
                     <a:ext uri="{9D8B030D-6E8A-4147-A177-3AD203B41FA5}">
-                      <a16:colId xmlns="" xmlns:a16="http://schemas.microsoft.com/office/drawing/2014/main" val="20005"/>
+                      <a16:colId xmlns:a16="http://schemas.microsoft.com/office/drawing/2014/main" xmlns="" val="20005"/>
                     </a:ext>
                   </a:extLst>
                 </a:gridCol>
@@ -10157,7 +10157,7 @@
                 </a:tc>
                 <a:extLst>
                   <a:ext uri="{0D108BD9-81ED-4DB2-BD59-A6C34878D82A}">
-                    <a16:rowId xmlns="" xmlns:a16="http://schemas.microsoft.com/office/drawing/2014/main" val="10000"/>
+                    <a16:rowId xmlns:a16="http://schemas.microsoft.com/office/drawing/2014/main" xmlns="" val="10000"/>
                   </a:ext>
                 </a:extLst>
               </a:tr>
@@ -10256,7 +10256,7 @@
                 </a:tc>
                 <a:extLst>
                   <a:ext uri="{0D108BD9-81ED-4DB2-BD59-A6C34878D82A}">
-                    <a16:rowId xmlns="" xmlns:a16="http://schemas.microsoft.com/office/drawing/2014/main" val="10001"/>
+                    <a16:rowId xmlns:a16="http://schemas.microsoft.com/office/drawing/2014/main" xmlns="" val="10001"/>
                   </a:ext>
                 </a:extLst>
               </a:tr>
@@ -10416,7 +10416,7 @@
                 </a:tc>
                 <a:extLst>
                   <a:ext uri="{0D108BD9-81ED-4DB2-BD59-A6C34878D82A}">
-                    <a16:rowId xmlns="" xmlns:a16="http://schemas.microsoft.com/office/drawing/2014/main" val="10002"/>
+                    <a16:rowId xmlns:a16="http://schemas.microsoft.com/office/drawing/2014/main" xmlns="" val="10002"/>
                   </a:ext>
                 </a:extLst>
               </a:tr>
@@ -10557,7 +10557,7 @@
                 </a:tc>
                 <a:extLst>
                   <a:ext uri="{0D108BD9-81ED-4DB2-BD59-A6C34878D82A}">
-                    <a16:rowId xmlns="" xmlns:a16="http://schemas.microsoft.com/office/drawing/2014/main" val="10003"/>
+                    <a16:rowId xmlns:a16="http://schemas.microsoft.com/office/drawing/2014/main" xmlns="" val="10003"/>
                   </a:ext>
                 </a:extLst>
               </a:tr>
@@ -10698,7 +10698,7 @@
                 </a:tc>
                 <a:extLst>
                   <a:ext uri="{0D108BD9-81ED-4DB2-BD59-A6C34878D82A}">
-                    <a16:rowId xmlns="" xmlns:a16="http://schemas.microsoft.com/office/drawing/2014/main" val="10004"/>
+                    <a16:rowId xmlns:a16="http://schemas.microsoft.com/office/drawing/2014/main" xmlns="" val="10004"/>
                   </a:ext>
                 </a:extLst>
               </a:tr>
@@ -10799,7 +10799,7 @@
                 </a:tc>
                 <a:extLst>
                   <a:ext uri="{0D108BD9-81ED-4DB2-BD59-A6C34878D82A}">
-                    <a16:rowId xmlns="" xmlns:a16="http://schemas.microsoft.com/office/drawing/2014/main" val="10005"/>
+                    <a16:rowId xmlns:a16="http://schemas.microsoft.com/office/drawing/2014/main" xmlns="" val="10005"/>
                   </a:ext>
                 </a:extLst>
               </a:tr>
@@ -10890,42 +10890,42 @@
                 <a:gridCol w="1074501">
                   <a:extLst>
                     <a:ext uri="{9D8B030D-6E8A-4147-A177-3AD203B41FA5}">
-                      <a16:colId xmlns="" xmlns:a16="http://schemas.microsoft.com/office/drawing/2014/main" val="20000"/>
+                      <a16:colId xmlns:a16="http://schemas.microsoft.com/office/drawing/2014/main" xmlns="" val="20000"/>
                     </a:ext>
                   </a:extLst>
                 </a:gridCol>
                 <a:gridCol w="1361982">
                   <a:extLst>
                     <a:ext uri="{9D8B030D-6E8A-4147-A177-3AD203B41FA5}">
-                      <a16:colId xmlns="" xmlns:a16="http://schemas.microsoft.com/office/drawing/2014/main" val="20001"/>
+                      <a16:colId xmlns:a16="http://schemas.microsoft.com/office/drawing/2014/main" xmlns="" val="20001"/>
                     </a:ext>
                   </a:extLst>
                 </a:gridCol>
                 <a:gridCol w="1069675">
                   <a:extLst>
                     <a:ext uri="{9D8B030D-6E8A-4147-A177-3AD203B41FA5}">
-                      <a16:colId xmlns="" xmlns:a16="http://schemas.microsoft.com/office/drawing/2014/main" val="20002"/>
+                      <a16:colId xmlns:a16="http://schemas.microsoft.com/office/drawing/2014/main" xmlns="" val="20002"/>
                     </a:ext>
                   </a:extLst>
                 </a:gridCol>
                 <a:gridCol w="776378">
                   <a:extLst>
                     <a:ext uri="{9D8B030D-6E8A-4147-A177-3AD203B41FA5}">
-                      <a16:colId xmlns="" xmlns:a16="http://schemas.microsoft.com/office/drawing/2014/main" val="20003"/>
+                      <a16:colId xmlns:a16="http://schemas.microsoft.com/office/drawing/2014/main" xmlns="" val="20003"/>
                     </a:ext>
                   </a:extLst>
                 </a:gridCol>
                 <a:gridCol w="785004">
                   <a:extLst>
                     <a:ext uri="{9D8B030D-6E8A-4147-A177-3AD203B41FA5}">
-                      <a16:colId xmlns="" xmlns:a16="http://schemas.microsoft.com/office/drawing/2014/main" val="20004"/>
+                      <a16:colId xmlns:a16="http://schemas.microsoft.com/office/drawing/2014/main" xmlns="" val="20004"/>
                     </a:ext>
                   </a:extLst>
                 </a:gridCol>
                 <a:gridCol w="1049424">
                   <a:extLst>
                     <a:ext uri="{9D8B030D-6E8A-4147-A177-3AD203B41FA5}">
-                      <a16:colId xmlns="" xmlns:a16="http://schemas.microsoft.com/office/drawing/2014/main" val="20005"/>
+                      <a16:colId xmlns:a16="http://schemas.microsoft.com/office/drawing/2014/main" xmlns="" val="20005"/>
                     </a:ext>
                   </a:extLst>
                 </a:gridCol>
@@ -11017,7 +11017,7 @@
                 </a:tc>
                 <a:extLst>
                   <a:ext uri="{0D108BD9-81ED-4DB2-BD59-A6C34878D82A}">
-                    <a16:rowId xmlns="" xmlns:a16="http://schemas.microsoft.com/office/drawing/2014/main" val="10000"/>
+                    <a16:rowId xmlns:a16="http://schemas.microsoft.com/office/drawing/2014/main" xmlns="" val="10000"/>
                   </a:ext>
                 </a:extLst>
               </a:tr>
@@ -11116,7 +11116,7 @@
                 </a:tc>
                 <a:extLst>
                   <a:ext uri="{0D108BD9-81ED-4DB2-BD59-A6C34878D82A}">
-                    <a16:rowId xmlns="" xmlns:a16="http://schemas.microsoft.com/office/drawing/2014/main" val="10001"/>
+                    <a16:rowId xmlns:a16="http://schemas.microsoft.com/office/drawing/2014/main" xmlns="" val="10001"/>
                   </a:ext>
                 </a:extLst>
               </a:tr>
@@ -11272,7 +11272,7 @@
                 </a:tc>
                 <a:extLst>
                   <a:ext uri="{0D108BD9-81ED-4DB2-BD59-A6C34878D82A}">
-                    <a16:rowId xmlns="" xmlns:a16="http://schemas.microsoft.com/office/drawing/2014/main" val="10002"/>
+                    <a16:rowId xmlns:a16="http://schemas.microsoft.com/office/drawing/2014/main" xmlns="" val="10002"/>
                   </a:ext>
                 </a:extLst>
               </a:tr>
@@ -11413,7 +11413,7 @@
                 </a:tc>
                 <a:extLst>
                   <a:ext uri="{0D108BD9-81ED-4DB2-BD59-A6C34878D82A}">
-                    <a16:rowId xmlns="" xmlns:a16="http://schemas.microsoft.com/office/drawing/2014/main" val="10003"/>
+                    <a16:rowId xmlns:a16="http://schemas.microsoft.com/office/drawing/2014/main" xmlns="" val="10003"/>
                   </a:ext>
                 </a:extLst>
               </a:tr>
@@ -11552,7 +11552,7 @@
                 </a:tc>
                 <a:extLst>
                   <a:ext uri="{0D108BD9-81ED-4DB2-BD59-A6C34878D82A}">
-                    <a16:rowId xmlns="" xmlns:a16="http://schemas.microsoft.com/office/drawing/2014/main" val="10004"/>
+                    <a16:rowId xmlns:a16="http://schemas.microsoft.com/office/drawing/2014/main" xmlns="" val="10004"/>
                   </a:ext>
                 </a:extLst>
               </a:tr>
@@ -11651,7 +11651,7 @@
                 </a:tc>
                 <a:extLst>
                   <a:ext uri="{0D108BD9-81ED-4DB2-BD59-A6C34878D82A}">
-                    <a16:rowId xmlns="" xmlns:a16="http://schemas.microsoft.com/office/drawing/2014/main" val="10005"/>
+                    <a16:rowId xmlns:a16="http://schemas.microsoft.com/office/drawing/2014/main" xmlns="" val="10005"/>
                   </a:ext>
                 </a:extLst>
               </a:tr>
@@ -11742,42 +11742,42 @@
                 <a:gridCol w="1074501">
                   <a:extLst>
                     <a:ext uri="{9D8B030D-6E8A-4147-A177-3AD203B41FA5}">
-                      <a16:colId xmlns="" xmlns:a16="http://schemas.microsoft.com/office/drawing/2014/main" val="20000"/>
+                      <a16:colId xmlns:a16="http://schemas.microsoft.com/office/drawing/2014/main" xmlns="" val="20000"/>
                     </a:ext>
                   </a:extLst>
                 </a:gridCol>
                 <a:gridCol w="1094563">
                   <a:extLst>
                     <a:ext uri="{9D8B030D-6E8A-4147-A177-3AD203B41FA5}">
-                      <a16:colId xmlns="" xmlns:a16="http://schemas.microsoft.com/office/drawing/2014/main" val="20001"/>
+                      <a16:colId xmlns:a16="http://schemas.microsoft.com/office/drawing/2014/main" xmlns="" val="20001"/>
                     </a:ext>
                   </a:extLst>
                 </a:gridCol>
                 <a:gridCol w="1112808">
                   <a:extLst>
                     <a:ext uri="{9D8B030D-6E8A-4147-A177-3AD203B41FA5}">
-                      <a16:colId xmlns="" xmlns:a16="http://schemas.microsoft.com/office/drawing/2014/main" val="20002"/>
+                      <a16:colId xmlns:a16="http://schemas.microsoft.com/office/drawing/2014/main" xmlns="" val="20002"/>
                     </a:ext>
                   </a:extLst>
                 </a:gridCol>
                 <a:gridCol w="755968">
                   <a:extLst>
                     <a:ext uri="{9D8B030D-6E8A-4147-A177-3AD203B41FA5}">
-                      <a16:colId xmlns="" xmlns:a16="http://schemas.microsoft.com/office/drawing/2014/main" val="20003"/>
+                      <a16:colId xmlns:a16="http://schemas.microsoft.com/office/drawing/2014/main" xmlns="" val="20003"/>
                     </a:ext>
                   </a:extLst>
                 </a:gridCol>
                 <a:gridCol w="909275">
                   <a:extLst>
                     <a:ext uri="{9D8B030D-6E8A-4147-A177-3AD203B41FA5}">
-                      <a16:colId xmlns="" xmlns:a16="http://schemas.microsoft.com/office/drawing/2014/main" val="20004"/>
+                      <a16:colId xmlns:a16="http://schemas.microsoft.com/office/drawing/2014/main" xmlns="" val="20004"/>
                     </a:ext>
                   </a:extLst>
                 </a:gridCol>
                 <a:gridCol w="1226019">
                   <a:extLst>
                     <a:ext uri="{9D8B030D-6E8A-4147-A177-3AD203B41FA5}">
-                      <a16:colId xmlns="" xmlns:a16="http://schemas.microsoft.com/office/drawing/2014/main" val="20005"/>
+                      <a16:colId xmlns:a16="http://schemas.microsoft.com/office/drawing/2014/main" xmlns="" val="20005"/>
                     </a:ext>
                   </a:extLst>
                 </a:gridCol>
@@ -11869,7 +11869,7 @@
                 </a:tc>
                 <a:extLst>
                   <a:ext uri="{0D108BD9-81ED-4DB2-BD59-A6C34878D82A}">
-                    <a16:rowId xmlns="" xmlns:a16="http://schemas.microsoft.com/office/drawing/2014/main" val="10000"/>
+                    <a16:rowId xmlns:a16="http://schemas.microsoft.com/office/drawing/2014/main" xmlns="" val="10000"/>
                   </a:ext>
                 </a:extLst>
               </a:tr>
@@ -11968,7 +11968,7 @@
                 </a:tc>
                 <a:extLst>
                   <a:ext uri="{0D108BD9-81ED-4DB2-BD59-A6C34878D82A}">
-                    <a16:rowId xmlns="" xmlns:a16="http://schemas.microsoft.com/office/drawing/2014/main" val="10001"/>
+                    <a16:rowId xmlns:a16="http://schemas.microsoft.com/office/drawing/2014/main" xmlns="" val="10001"/>
                   </a:ext>
                 </a:extLst>
               </a:tr>
@@ -12126,7 +12126,7 @@
                 </a:tc>
                 <a:extLst>
                   <a:ext uri="{0D108BD9-81ED-4DB2-BD59-A6C34878D82A}">
-                    <a16:rowId xmlns="" xmlns:a16="http://schemas.microsoft.com/office/drawing/2014/main" val="10002"/>
+                    <a16:rowId xmlns:a16="http://schemas.microsoft.com/office/drawing/2014/main" xmlns="" val="10002"/>
                   </a:ext>
                 </a:extLst>
               </a:tr>
@@ -12286,7 +12286,7 @@
                 </a:tc>
                 <a:extLst>
                   <a:ext uri="{0D108BD9-81ED-4DB2-BD59-A6C34878D82A}">
-                    <a16:rowId xmlns="" xmlns:a16="http://schemas.microsoft.com/office/drawing/2014/main" val="10003"/>
+                    <a16:rowId xmlns:a16="http://schemas.microsoft.com/office/drawing/2014/main" xmlns="" val="10003"/>
                   </a:ext>
                 </a:extLst>
               </a:tr>
@@ -12427,7 +12427,7 @@
                 </a:tc>
                 <a:extLst>
                   <a:ext uri="{0D108BD9-81ED-4DB2-BD59-A6C34878D82A}">
-                    <a16:rowId xmlns="" xmlns:a16="http://schemas.microsoft.com/office/drawing/2014/main" val="10004"/>
+                    <a16:rowId xmlns:a16="http://schemas.microsoft.com/office/drawing/2014/main" xmlns="" val="10004"/>
                   </a:ext>
                 </a:extLst>
               </a:tr>
@@ -12540,7 +12540,7 @@
                 </a:tc>
                 <a:extLst>
                   <a:ext uri="{0D108BD9-81ED-4DB2-BD59-A6C34878D82A}">
-                    <a16:rowId xmlns="" xmlns:a16="http://schemas.microsoft.com/office/drawing/2014/main" val="10005"/>
+                    <a16:rowId xmlns:a16="http://schemas.microsoft.com/office/drawing/2014/main" xmlns="" val="10005"/>
                   </a:ext>
                 </a:extLst>
               </a:tr>
@@ -12631,42 +12631,42 @@
                 <a:gridCol w="1108522">
                   <a:extLst>
                     <a:ext uri="{9D8B030D-6E8A-4147-A177-3AD203B41FA5}">
-                      <a16:colId xmlns="" xmlns:a16="http://schemas.microsoft.com/office/drawing/2014/main" val="20000"/>
+                      <a16:colId xmlns:a16="http://schemas.microsoft.com/office/drawing/2014/main" xmlns="" val="20000"/>
                     </a:ext>
                   </a:extLst>
                 </a:gridCol>
                 <a:gridCol w="1129219">
                   <a:extLst>
                     <a:ext uri="{9D8B030D-6E8A-4147-A177-3AD203B41FA5}">
-                      <a16:colId xmlns="" xmlns:a16="http://schemas.microsoft.com/office/drawing/2014/main" val="20001"/>
+                      <a16:colId xmlns:a16="http://schemas.microsoft.com/office/drawing/2014/main" xmlns="" val="20001"/>
                     </a:ext>
                   </a:extLst>
                 </a:gridCol>
                 <a:gridCol w="1148042">
                   <a:extLst>
                     <a:ext uri="{9D8B030D-6E8A-4147-A177-3AD203B41FA5}">
-                      <a16:colId xmlns="" xmlns:a16="http://schemas.microsoft.com/office/drawing/2014/main" val="20002"/>
+                      <a16:colId xmlns:a16="http://schemas.microsoft.com/office/drawing/2014/main" xmlns="" val="20002"/>
                     </a:ext>
                   </a:extLst>
                 </a:gridCol>
                 <a:gridCol w="802761">
                   <a:extLst>
                     <a:ext uri="{9D8B030D-6E8A-4147-A177-3AD203B41FA5}">
-                      <a16:colId xmlns="" xmlns:a16="http://schemas.microsoft.com/office/drawing/2014/main" val="20003"/>
+                      <a16:colId xmlns:a16="http://schemas.microsoft.com/office/drawing/2014/main" xmlns="" val="20003"/>
                     </a:ext>
                   </a:extLst>
                 </a:gridCol>
                 <a:gridCol w="857259">
                   <a:extLst>
                     <a:ext uri="{9D8B030D-6E8A-4147-A177-3AD203B41FA5}">
-                      <a16:colId xmlns="" xmlns:a16="http://schemas.microsoft.com/office/drawing/2014/main" val="20004"/>
+                      <a16:colId xmlns:a16="http://schemas.microsoft.com/office/drawing/2014/main" xmlns="" val="20004"/>
                     </a:ext>
                   </a:extLst>
                 </a:gridCol>
                 <a:gridCol w="1264838">
                   <a:extLst>
                     <a:ext uri="{9D8B030D-6E8A-4147-A177-3AD203B41FA5}">
-                      <a16:colId xmlns="" xmlns:a16="http://schemas.microsoft.com/office/drawing/2014/main" val="20005"/>
+                      <a16:colId xmlns:a16="http://schemas.microsoft.com/office/drawing/2014/main" xmlns="" val="20005"/>
                     </a:ext>
                   </a:extLst>
                 </a:gridCol>
@@ -12758,7 +12758,7 @@
                 </a:tc>
                 <a:extLst>
                   <a:ext uri="{0D108BD9-81ED-4DB2-BD59-A6C34878D82A}">
-                    <a16:rowId xmlns="" xmlns:a16="http://schemas.microsoft.com/office/drawing/2014/main" val="10000"/>
+                    <a16:rowId xmlns:a16="http://schemas.microsoft.com/office/drawing/2014/main" xmlns="" val="10000"/>
                   </a:ext>
                 </a:extLst>
               </a:tr>
@@ -12899,7 +12899,7 @@
                 </a:tc>
                 <a:extLst>
                   <a:ext uri="{0D108BD9-81ED-4DB2-BD59-A6C34878D82A}">
-                    <a16:rowId xmlns="" xmlns:a16="http://schemas.microsoft.com/office/drawing/2014/main" val="10001"/>
+                    <a16:rowId xmlns:a16="http://schemas.microsoft.com/office/drawing/2014/main" xmlns="" val="10001"/>
                   </a:ext>
                 </a:extLst>
               </a:tr>
@@ -13057,7 +13057,7 @@
                 </a:tc>
                 <a:extLst>
                   <a:ext uri="{0D108BD9-81ED-4DB2-BD59-A6C34878D82A}">
-                    <a16:rowId xmlns="" xmlns:a16="http://schemas.microsoft.com/office/drawing/2014/main" val="10002"/>
+                    <a16:rowId xmlns:a16="http://schemas.microsoft.com/office/drawing/2014/main" xmlns="" val="10002"/>
                   </a:ext>
                 </a:extLst>
               </a:tr>
@@ -13198,7 +13198,7 @@
                 </a:tc>
                 <a:extLst>
                   <a:ext uri="{0D108BD9-81ED-4DB2-BD59-A6C34878D82A}">
-                    <a16:rowId xmlns="" xmlns:a16="http://schemas.microsoft.com/office/drawing/2014/main" val="10003"/>
+                    <a16:rowId xmlns:a16="http://schemas.microsoft.com/office/drawing/2014/main" xmlns="" val="10003"/>
                   </a:ext>
                 </a:extLst>
               </a:tr>
@@ -13373,7 +13373,7 @@
                 </a:tc>
                 <a:extLst>
                   <a:ext uri="{0D108BD9-81ED-4DB2-BD59-A6C34878D82A}">
-                    <a16:rowId xmlns="" xmlns:a16="http://schemas.microsoft.com/office/drawing/2014/main" val="10004"/>
+                    <a16:rowId xmlns:a16="http://schemas.microsoft.com/office/drawing/2014/main" xmlns="" val="10004"/>
                   </a:ext>
                 </a:extLst>
               </a:tr>
@@ -13514,7 +13514,7 @@
                 </a:tc>
                 <a:extLst>
                   <a:ext uri="{0D108BD9-81ED-4DB2-BD59-A6C34878D82A}">
-                    <a16:rowId xmlns="" xmlns:a16="http://schemas.microsoft.com/office/drawing/2014/main" val="10005"/>
+                    <a16:rowId xmlns:a16="http://schemas.microsoft.com/office/drawing/2014/main" xmlns="" val="10005"/>
                   </a:ext>
                 </a:extLst>
               </a:tr>
@@ -13605,42 +13605,42 @@
                 <a:gridCol w="1074501">
                   <a:extLst>
                     <a:ext uri="{9D8B030D-6E8A-4147-A177-3AD203B41FA5}">
-                      <a16:colId xmlns="" xmlns:a16="http://schemas.microsoft.com/office/drawing/2014/main" val="20000"/>
+                      <a16:colId xmlns:a16="http://schemas.microsoft.com/office/drawing/2014/main" xmlns="" val="20000"/>
                     </a:ext>
                   </a:extLst>
                 </a:gridCol>
                 <a:gridCol w="1094563">
                   <a:extLst>
                     <a:ext uri="{9D8B030D-6E8A-4147-A177-3AD203B41FA5}">
-                      <a16:colId xmlns="" xmlns:a16="http://schemas.microsoft.com/office/drawing/2014/main" val="20001"/>
+                      <a16:colId xmlns:a16="http://schemas.microsoft.com/office/drawing/2014/main" xmlns="" val="20001"/>
                     </a:ext>
                   </a:extLst>
                 </a:gridCol>
                 <a:gridCol w="1112808">
                   <a:extLst>
                     <a:ext uri="{9D8B030D-6E8A-4147-A177-3AD203B41FA5}">
-                      <a16:colId xmlns="" xmlns:a16="http://schemas.microsoft.com/office/drawing/2014/main" val="20002"/>
+                      <a16:colId xmlns:a16="http://schemas.microsoft.com/office/drawing/2014/main" xmlns="" val="20002"/>
                     </a:ext>
                   </a:extLst>
                 </a:gridCol>
                 <a:gridCol w="785901">
                   <a:extLst>
                     <a:ext uri="{9D8B030D-6E8A-4147-A177-3AD203B41FA5}">
-                      <a16:colId xmlns="" xmlns:a16="http://schemas.microsoft.com/office/drawing/2014/main" val="20003"/>
+                      <a16:colId xmlns:a16="http://schemas.microsoft.com/office/drawing/2014/main" xmlns="" val="20003"/>
                     </a:ext>
                   </a:extLst>
                 </a:gridCol>
                 <a:gridCol w="823172">
                   <a:extLst>
                     <a:ext uri="{9D8B030D-6E8A-4147-A177-3AD203B41FA5}">
-                      <a16:colId xmlns="" xmlns:a16="http://schemas.microsoft.com/office/drawing/2014/main" val="20004"/>
+                      <a16:colId xmlns:a16="http://schemas.microsoft.com/office/drawing/2014/main" xmlns="" val="20004"/>
                     </a:ext>
                   </a:extLst>
                 </a:gridCol>
                 <a:gridCol w="1226019">
                   <a:extLst>
                     <a:ext uri="{9D8B030D-6E8A-4147-A177-3AD203B41FA5}">
-                      <a16:colId xmlns="" xmlns:a16="http://schemas.microsoft.com/office/drawing/2014/main" val="20005"/>
+                      <a16:colId xmlns:a16="http://schemas.microsoft.com/office/drawing/2014/main" xmlns="" val="20005"/>
                     </a:ext>
                   </a:extLst>
                 </a:gridCol>
@@ -13732,7 +13732,7 @@
                 </a:tc>
                 <a:extLst>
                   <a:ext uri="{0D108BD9-81ED-4DB2-BD59-A6C34878D82A}">
-                    <a16:rowId xmlns="" xmlns:a16="http://schemas.microsoft.com/office/drawing/2014/main" val="10000"/>
+                    <a16:rowId xmlns:a16="http://schemas.microsoft.com/office/drawing/2014/main" xmlns="" val="10000"/>
                   </a:ext>
                 </a:extLst>
               </a:tr>
@@ -13873,7 +13873,7 @@
                 </a:tc>
                 <a:extLst>
                   <a:ext uri="{0D108BD9-81ED-4DB2-BD59-A6C34878D82A}">
-                    <a16:rowId xmlns="" xmlns:a16="http://schemas.microsoft.com/office/drawing/2014/main" val="10001"/>
+                    <a16:rowId xmlns:a16="http://schemas.microsoft.com/office/drawing/2014/main" xmlns="" val="10001"/>
                   </a:ext>
                 </a:extLst>
               </a:tr>
@@ -14029,7 +14029,7 @@
                 </a:tc>
                 <a:extLst>
                   <a:ext uri="{0D108BD9-81ED-4DB2-BD59-A6C34878D82A}">
-                    <a16:rowId xmlns="" xmlns:a16="http://schemas.microsoft.com/office/drawing/2014/main" val="10002"/>
+                    <a16:rowId xmlns:a16="http://schemas.microsoft.com/office/drawing/2014/main" xmlns="" val="10002"/>
                   </a:ext>
                 </a:extLst>
               </a:tr>
@@ -14168,7 +14168,7 @@
                 </a:tc>
                 <a:extLst>
                   <a:ext uri="{0D108BD9-81ED-4DB2-BD59-A6C34878D82A}">
-                    <a16:rowId xmlns="" xmlns:a16="http://schemas.microsoft.com/office/drawing/2014/main" val="10003"/>
+                    <a16:rowId xmlns:a16="http://schemas.microsoft.com/office/drawing/2014/main" xmlns="" val="10003"/>
                   </a:ext>
                 </a:extLst>
               </a:tr>
@@ -14324,7 +14324,7 @@
                 </a:tc>
                 <a:extLst>
                   <a:ext uri="{0D108BD9-81ED-4DB2-BD59-A6C34878D82A}">
-                    <a16:rowId xmlns="" xmlns:a16="http://schemas.microsoft.com/office/drawing/2014/main" val="10004"/>
+                    <a16:rowId xmlns:a16="http://schemas.microsoft.com/office/drawing/2014/main" xmlns="" val="10004"/>
                   </a:ext>
                 </a:extLst>
               </a:tr>
@@ -14467,7 +14467,7 @@
                 </a:tc>
                 <a:extLst>
                   <a:ext uri="{0D108BD9-81ED-4DB2-BD59-A6C34878D82A}">
-                    <a16:rowId xmlns="" xmlns:a16="http://schemas.microsoft.com/office/drawing/2014/main" val="10005"/>
+                    <a16:rowId xmlns:a16="http://schemas.microsoft.com/office/drawing/2014/main" xmlns="" val="10005"/>
                   </a:ext>
                 </a:extLst>
               </a:tr>
@@ -14650,42 +14650,42 @@
                 <a:gridCol w="1074501">
                   <a:extLst>
                     <a:ext uri="{9D8B030D-6E8A-4147-A177-3AD203B41FA5}">
-                      <a16:colId xmlns="" xmlns:a16="http://schemas.microsoft.com/office/drawing/2014/main" val="20000"/>
+                      <a16:colId xmlns:a16="http://schemas.microsoft.com/office/drawing/2014/main" xmlns="" val="20000"/>
                     </a:ext>
                   </a:extLst>
                 </a:gridCol>
                 <a:gridCol w="1042804">
                   <a:extLst>
                     <a:ext uri="{9D8B030D-6E8A-4147-A177-3AD203B41FA5}">
-                      <a16:colId xmlns="" xmlns:a16="http://schemas.microsoft.com/office/drawing/2014/main" val="20001"/>
+                      <a16:colId xmlns:a16="http://schemas.microsoft.com/office/drawing/2014/main" xmlns="" val="20001"/>
                     </a:ext>
                   </a:extLst>
                 </a:gridCol>
                 <a:gridCol w="1086929">
                   <a:extLst>
                     <a:ext uri="{9D8B030D-6E8A-4147-A177-3AD203B41FA5}">
-                      <a16:colId xmlns="" xmlns:a16="http://schemas.microsoft.com/office/drawing/2014/main" val="20002"/>
+                      <a16:colId xmlns:a16="http://schemas.microsoft.com/office/drawing/2014/main" xmlns="" val="20002"/>
                     </a:ext>
                   </a:extLst>
                 </a:gridCol>
                 <a:gridCol w="777436">
                   <a:extLst>
                     <a:ext uri="{9D8B030D-6E8A-4147-A177-3AD203B41FA5}">
-                      <a16:colId xmlns="" xmlns:a16="http://schemas.microsoft.com/office/drawing/2014/main" val="20003"/>
+                      <a16:colId xmlns:a16="http://schemas.microsoft.com/office/drawing/2014/main" xmlns="" val="20003"/>
                     </a:ext>
                   </a:extLst>
                 </a:gridCol>
                 <a:gridCol w="909275">
                   <a:extLst>
                     <a:ext uri="{9D8B030D-6E8A-4147-A177-3AD203B41FA5}">
-                      <a16:colId xmlns="" xmlns:a16="http://schemas.microsoft.com/office/drawing/2014/main" val="20004"/>
+                      <a16:colId xmlns:a16="http://schemas.microsoft.com/office/drawing/2014/main" xmlns="" val="20004"/>
                     </a:ext>
                   </a:extLst>
                 </a:gridCol>
                 <a:gridCol w="1226019">
                   <a:extLst>
                     <a:ext uri="{9D8B030D-6E8A-4147-A177-3AD203B41FA5}">
-                      <a16:colId xmlns="" xmlns:a16="http://schemas.microsoft.com/office/drawing/2014/main" val="20005"/>
+                      <a16:colId xmlns:a16="http://schemas.microsoft.com/office/drawing/2014/main" xmlns="" val="20005"/>
                     </a:ext>
                   </a:extLst>
                 </a:gridCol>
@@ -14777,7 +14777,7 @@
                 </a:tc>
                 <a:extLst>
                   <a:ext uri="{0D108BD9-81ED-4DB2-BD59-A6C34878D82A}">
-                    <a16:rowId xmlns="" xmlns:a16="http://schemas.microsoft.com/office/drawing/2014/main" val="10000"/>
+                    <a16:rowId xmlns:a16="http://schemas.microsoft.com/office/drawing/2014/main" xmlns="" val="10000"/>
                   </a:ext>
                 </a:extLst>
               </a:tr>
@@ -14878,7 +14878,7 @@
                 </a:tc>
                 <a:extLst>
                   <a:ext uri="{0D108BD9-81ED-4DB2-BD59-A6C34878D82A}">
-                    <a16:rowId xmlns="" xmlns:a16="http://schemas.microsoft.com/office/drawing/2014/main" val="10001"/>
+                    <a16:rowId xmlns:a16="http://schemas.microsoft.com/office/drawing/2014/main" xmlns="" val="10001"/>
                   </a:ext>
                 </a:extLst>
               </a:tr>
@@ -15068,7 +15068,7 @@
                 </a:tc>
                 <a:extLst>
                   <a:ext uri="{0D108BD9-81ED-4DB2-BD59-A6C34878D82A}">
-                    <a16:rowId xmlns="" xmlns:a16="http://schemas.microsoft.com/office/drawing/2014/main" val="10002"/>
+                    <a16:rowId xmlns:a16="http://schemas.microsoft.com/office/drawing/2014/main" xmlns="" val="10002"/>
                   </a:ext>
                 </a:extLst>
               </a:tr>
@@ -15207,7 +15207,7 @@
                 </a:tc>
                 <a:extLst>
                   <a:ext uri="{0D108BD9-81ED-4DB2-BD59-A6C34878D82A}">
-                    <a16:rowId xmlns="" xmlns:a16="http://schemas.microsoft.com/office/drawing/2014/main" val="10003"/>
+                    <a16:rowId xmlns:a16="http://schemas.microsoft.com/office/drawing/2014/main" xmlns="" val="10003"/>
                   </a:ext>
                 </a:extLst>
               </a:tr>
@@ -15340,7 +15340,7 @@
                 </a:tc>
                 <a:extLst>
                   <a:ext uri="{0D108BD9-81ED-4DB2-BD59-A6C34878D82A}">
-                    <a16:rowId xmlns="" xmlns:a16="http://schemas.microsoft.com/office/drawing/2014/main" val="10004"/>
+                    <a16:rowId xmlns:a16="http://schemas.microsoft.com/office/drawing/2014/main" xmlns="" val="10004"/>
                   </a:ext>
                 </a:extLst>
               </a:tr>
@@ -15481,7 +15481,7 @@
                 </a:tc>
                 <a:extLst>
                   <a:ext uri="{0D108BD9-81ED-4DB2-BD59-A6C34878D82A}">
-                    <a16:rowId xmlns="" xmlns:a16="http://schemas.microsoft.com/office/drawing/2014/main" val="10005"/>
+                    <a16:rowId xmlns:a16="http://schemas.microsoft.com/office/drawing/2014/main" xmlns="" val="10005"/>
                   </a:ext>
                 </a:extLst>
               </a:tr>
@@ -15572,42 +15572,42 @@
                 <a:gridCol w="1074501">
                   <a:extLst>
                     <a:ext uri="{9D8B030D-6E8A-4147-A177-3AD203B41FA5}">
-                      <a16:colId xmlns="" xmlns:a16="http://schemas.microsoft.com/office/drawing/2014/main" val="20000"/>
+                      <a16:colId xmlns:a16="http://schemas.microsoft.com/office/drawing/2014/main" xmlns="" val="20000"/>
                     </a:ext>
                   </a:extLst>
                 </a:gridCol>
                 <a:gridCol w="1051431">
                   <a:extLst>
                     <a:ext uri="{9D8B030D-6E8A-4147-A177-3AD203B41FA5}">
-                      <a16:colId xmlns="" xmlns:a16="http://schemas.microsoft.com/office/drawing/2014/main" val="20001"/>
+                      <a16:colId xmlns:a16="http://schemas.microsoft.com/office/drawing/2014/main" xmlns="" val="20001"/>
                     </a:ext>
                   </a:extLst>
                 </a:gridCol>
                 <a:gridCol w="1104181">
                   <a:extLst>
                     <a:ext uri="{9D8B030D-6E8A-4147-A177-3AD203B41FA5}">
-                      <a16:colId xmlns="" xmlns:a16="http://schemas.microsoft.com/office/drawing/2014/main" val="20002"/>
+                      <a16:colId xmlns:a16="http://schemas.microsoft.com/office/drawing/2014/main" xmlns="" val="20002"/>
                     </a:ext>
                   </a:extLst>
                 </a:gridCol>
                 <a:gridCol w="751557">
                   <a:extLst>
                     <a:ext uri="{9D8B030D-6E8A-4147-A177-3AD203B41FA5}">
-                      <a16:colId xmlns="" xmlns:a16="http://schemas.microsoft.com/office/drawing/2014/main" val="20003"/>
+                      <a16:colId xmlns:a16="http://schemas.microsoft.com/office/drawing/2014/main" xmlns="" val="20003"/>
                     </a:ext>
                   </a:extLst>
                 </a:gridCol>
                 <a:gridCol w="909275">
                   <a:extLst>
                     <a:ext uri="{9D8B030D-6E8A-4147-A177-3AD203B41FA5}">
-                      <a16:colId xmlns="" xmlns:a16="http://schemas.microsoft.com/office/drawing/2014/main" val="20004"/>
+                      <a16:colId xmlns:a16="http://schemas.microsoft.com/office/drawing/2014/main" xmlns="" val="20004"/>
                     </a:ext>
                   </a:extLst>
                 </a:gridCol>
                 <a:gridCol w="1226019">
                   <a:extLst>
                     <a:ext uri="{9D8B030D-6E8A-4147-A177-3AD203B41FA5}">
-                      <a16:colId xmlns="" xmlns:a16="http://schemas.microsoft.com/office/drawing/2014/main" val="20005"/>
+                      <a16:colId xmlns:a16="http://schemas.microsoft.com/office/drawing/2014/main" xmlns="" val="20005"/>
                     </a:ext>
                   </a:extLst>
                 </a:gridCol>
@@ -15699,7 +15699,7 @@
                 </a:tc>
                 <a:extLst>
                   <a:ext uri="{0D108BD9-81ED-4DB2-BD59-A6C34878D82A}">
-                    <a16:rowId xmlns="" xmlns:a16="http://schemas.microsoft.com/office/drawing/2014/main" val="10000"/>
+                    <a16:rowId xmlns:a16="http://schemas.microsoft.com/office/drawing/2014/main" xmlns="" val="10000"/>
                   </a:ext>
                 </a:extLst>
               </a:tr>
@@ -15838,7 +15838,7 @@
                 </a:tc>
                 <a:extLst>
                   <a:ext uri="{0D108BD9-81ED-4DB2-BD59-A6C34878D82A}">
-                    <a16:rowId xmlns="" xmlns:a16="http://schemas.microsoft.com/office/drawing/2014/main" val="10001"/>
+                    <a16:rowId xmlns:a16="http://schemas.microsoft.com/office/drawing/2014/main" xmlns="" val="10001"/>
                   </a:ext>
                 </a:extLst>
               </a:tr>
@@ -15994,7 +15994,7 @@
                 </a:tc>
                 <a:extLst>
                   <a:ext uri="{0D108BD9-81ED-4DB2-BD59-A6C34878D82A}">
-                    <a16:rowId xmlns="" xmlns:a16="http://schemas.microsoft.com/office/drawing/2014/main" val="10002"/>
+                    <a16:rowId xmlns:a16="http://schemas.microsoft.com/office/drawing/2014/main" xmlns="" val="10002"/>
                   </a:ext>
                 </a:extLst>
               </a:tr>
@@ -16133,7 +16133,7 @@
                 </a:tc>
                 <a:extLst>
                   <a:ext uri="{0D108BD9-81ED-4DB2-BD59-A6C34878D82A}">
-                    <a16:rowId xmlns="" xmlns:a16="http://schemas.microsoft.com/office/drawing/2014/main" val="10003"/>
+                    <a16:rowId xmlns:a16="http://schemas.microsoft.com/office/drawing/2014/main" xmlns="" val="10003"/>
                   </a:ext>
                 </a:extLst>
               </a:tr>
@@ -16289,7 +16289,7 @@
                 </a:tc>
                 <a:extLst>
                   <a:ext uri="{0D108BD9-81ED-4DB2-BD59-A6C34878D82A}">
-                    <a16:rowId xmlns="" xmlns:a16="http://schemas.microsoft.com/office/drawing/2014/main" val="10004"/>
+                    <a16:rowId xmlns:a16="http://schemas.microsoft.com/office/drawing/2014/main" xmlns="" val="10004"/>
                   </a:ext>
                 </a:extLst>
               </a:tr>
@@ -16428,7 +16428,7 @@
                 </a:tc>
                 <a:extLst>
                   <a:ext uri="{0D108BD9-81ED-4DB2-BD59-A6C34878D82A}">
-                    <a16:rowId xmlns="" xmlns:a16="http://schemas.microsoft.com/office/drawing/2014/main" val="10005"/>
+                    <a16:rowId xmlns:a16="http://schemas.microsoft.com/office/drawing/2014/main" xmlns="" val="10005"/>
                   </a:ext>
                 </a:extLst>
               </a:tr>
@@ -18186,7 +18186,7 @@
           <p:nvPr>
             <p:extLst>
               <p:ext uri="{D42A27DB-BD31-4B8C-83A1-F6EECF244321}">
-                <p14:modId xmlns:p14="http://schemas.microsoft.com/office/powerpoint/2010/main" val="2673376899"/>
+                <p14:modId xmlns:p14="http://schemas.microsoft.com/office/powerpoint/2010/main" val="1249702120"/>
               </p:ext>
             </p:extLst>
           </p:nvPr>
@@ -18205,42 +18205,42 @@
                 <a:gridCol w="1024621">
                   <a:extLst>
                     <a:ext uri="{9D8B030D-6E8A-4147-A177-3AD203B41FA5}">
-                      <a16:colId xmlns="" xmlns:a16="http://schemas.microsoft.com/office/drawing/2014/main" val="20000"/>
+                      <a16:colId xmlns:a16="http://schemas.microsoft.com/office/drawing/2014/main" xmlns="" val="20000"/>
                     </a:ext>
                   </a:extLst>
                 </a:gridCol>
                 <a:gridCol w="1232949">
                   <a:extLst>
                     <a:ext uri="{9D8B030D-6E8A-4147-A177-3AD203B41FA5}">
-                      <a16:colId xmlns="" xmlns:a16="http://schemas.microsoft.com/office/drawing/2014/main" val="20001"/>
+                      <a16:colId xmlns:a16="http://schemas.microsoft.com/office/drawing/2014/main" xmlns="" val="20001"/>
                     </a:ext>
                   </a:extLst>
                 </a:gridCol>
                 <a:gridCol w="1069375">
                   <a:extLst>
                     <a:ext uri="{9D8B030D-6E8A-4147-A177-3AD203B41FA5}">
-                      <a16:colId xmlns="" xmlns:a16="http://schemas.microsoft.com/office/drawing/2014/main" val="20002"/>
+                      <a16:colId xmlns:a16="http://schemas.microsoft.com/office/drawing/2014/main" xmlns="" val="20002"/>
                     </a:ext>
                   </a:extLst>
                 </a:gridCol>
                 <a:gridCol w="765014">
                   <a:extLst>
                     <a:ext uri="{9D8B030D-6E8A-4147-A177-3AD203B41FA5}">
-                      <a16:colId xmlns="" xmlns:a16="http://schemas.microsoft.com/office/drawing/2014/main" val="20003"/>
+                      <a16:colId xmlns:a16="http://schemas.microsoft.com/office/drawing/2014/main" xmlns="" val="20003"/>
                     </a:ext>
                   </a:extLst>
                 </a:gridCol>
                 <a:gridCol w="847274">
                   <a:extLst>
                     <a:ext uri="{9D8B030D-6E8A-4147-A177-3AD203B41FA5}">
-                      <a16:colId xmlns="" xmlns:a16="http://schemas.microsoft.com/office/drawing/2014/main" val="20004"/>
+                      <a16:colId xmlns:a16="http://schemas.microsoft.com/office/drawing/2014/main" xmlns="" val="20004"/>
                     </a:ext>
                   </a:extLst>
                 </a:gridCol>
                 <a:gridCol w="987114">
                   <a:extLst>
                     <a:ext uri="{9D8B030D-6E8A-4147-A177-3AD203B41FA5}">
-                      <a16:colId xmlns="" xmlns:a16="http://schemas.microsoft.com/office/drawing/2014/main" val="20005"/>
+                      <a16:colId xmlns:a16="http://schemas.microsoft.com/office/drawing/2014/main" xmlns="" val="20005"/>
                     </a:ext>
                   </a:extLst>
                 </a:gridCol>
@@ -18332,7 +18332,7 @@
                 </a:tc>
                 <a:extLst>
                   <a:ext uri="{0D108BD9-81ED-4DB2-BD59-A6C34878D82A}">
-                    <a16:rowId xmlns="" xmlns:a16="http://schemas.microsoft.com/office/drawing/2014/main" val="10000"/>
+                    <a16:rowId xmlns:a16="http://schemas.microsoft.com/office/drawing/2014/main" xmlns="" val="10000"/>
                   </a:ext>
                 </a:extLst>
               </a:tr>
@@ -18429,7 +18429,7 @@
                 </a:tc>
                 <a:extLst>
                   <a:ext uri="{0D108BD9-81ED-4DB2-BD59-A6C34878D82A}">
-                    <a16:rowId xmlns="" xmlns:a16="http://schemas.microsoft.com/office/drawing/2014/main" val="10001"/>
+                    <a16:rowId xmlns:a16="http://schemas.microsoft.com/office/drawing/2014/main" xmlns="" val="10001"/>
                   </a:ext>
                 </a:extLst>
               </a:tr>
@@ -18587,7 +18587,7 @@
                 </a:tc>
                 <a:extLst>
                   <a:ext uri="{0D108BD9-81ED-4DB2-BD59-A6C34878D82A}">
-                    <a16:rowId xmlns="" xmlns:a16="http://schemas.microsoft.com/office/drawing/2014/main" val="10002"/>
+                    <a16:rowId xmlns:a16="http://schemas.microsoft.com/office/drawing/2014/main" xmlns="" val="10002"/>
                   </a:ext>
                 </a:extLst>
               </a:tr>
@@ -18732,7 +18732,7 @@
                 </a:tc>
                 <a:extLst>
                   <a:ext uri="{0D108BD9-81ED-4DB2-BD59-A6C34878D82A}">
-                    <a16:rowId xmlns="" xmlns:a16="http://schemas.microsoft.com/office/drawing/2014/main" val="10003"/>
+                    <a16:rowId xmlns:a16="http://schemas.microsoft.com/office/drawing/2014/main" xmlns="" val="10003"/>
                   </a:ext>
                 </a:extLst>
               </a:tr>
@@ -18785,10 +18785,10 @@
                     <a:lstStyle/>
                     <a:p>
                       <a:r>
-                        <a:rPr lang="x-none" dirty="0">
-                          <a:effectLst/>
-                        </a:rPr>
-                        <a:t>0.538</a:t>
+                        <a:rPr lang="en-GB" dirty="0" smtClean="0">
+                          <a:effectLst/>
+                        </a:rPr>
+                        <a:t>0.576</a:t>
                       </a:r>
                       <a:endParaRPr lang="en-GB" dirty="0"/>
                     </a:p>
@@ -18808,10 +18808,10 @@
                     <a:lstStyle/>
                     <a:p>
                       <a:r>
-                        <a:rPr lang="x-none" dirty="0">
-                          <a:effectLst/>
-                        </a:rPr>
-                        <a:t>0.538</a:t>
+                        <a:rPr lang="en-GB" dirty="0" smtClean="0">
+                          <a:effectLst/>
+                        </a:rPr>
+                        <a:t>0.577</a:t>
                       </a:r>
                       <a:endParaRPr lang="en-GB" dirty="0"/>
                     </a:p>
@@ -18831,10 +18831,10 @@
                     <a:lstStyle/>
                     <a:p>
                       <a:r>
-                        <a:rPr lang="x-none" dirty="0">
-                          <a:effectLst/>
-                        </a:rPr>
-                        <a:t>0.076</a:t>
+                        <a:rPr lang="en-GB" dirty="0" smtClean="0">
+                          <a:effectLst/>
+                        </a:rPr>
+                        <a:t>0.153</a:t>
                       </a:r>
                       <a:endParaRPr lang="en-GB" dirty="0"/>
                     </a:p>
@@ -18890,7 +18890,7 @@
                 </a:tc>
                 <a:extLst>
                   <a:ext uri="{0D108BD9-81ED-4DB2-BD59-A6C34878D82A}">
-                    <a16:rowId xmlns="" xmlns:a16="http://schemas.microsoft.com/office/drawing/2014/main" val="10004"/>
+                    <a16:rowId xmlns:a16="http://schemas.microsoft.com/office/drawing/2014/main" xmlns="" val="10004"/>
                   </a:ext>
                 </a:extLst>
               </a:tr>
@@ -19029,7 +19029,7 @@
                 </a:tc>
                 <a:extLst>
                   <a:ext uri="{0D108BD9-81ED-4DB2-BD59-A6C34878D82A}">
-                    <a16:rowId xmlns="" xmlns:a16="http://schemas.microsoft.com/office/drawing/2014/main" val="10005"/>
+                    <a16:rowId xmlns:a16="http://schemas.microsoft.com/office/drawing/2014/main" xmlns="" val="10005"/>
                   </a:ext>
                 </a:extLst>
               </a:tr>
@@ -19187,42 +19187,42 @@
                 <a:gridCol w="1126267">
                   <a:extLst>
                     <a:ext uri="{9D8B030D-6E8A-4147-A177-3AD203B41FA5}">
-                      <a16:colId xmlns="" xmlns:a16="http://schemas.microsoft.com/office/drawing/2014/main" val="20000"/>
+                      <a16:colId xmlns:a16="http://schemas.microsoft.com/office/drawing/2014/main" xmlns="" val="20000"/>
                     </a:ext>
                   </a:extLst>
                 </a:gridCol>
                 <a:gridCol w="1192506">
                   <a:extLst>
                     <a:ext uri="{9D8B030D-6E8A-4147-A177-3AD203B41FA5}">
-                      <a16:colId xmlns="" xmlns:a16="http://schemas.microsoft.com/office/drawing/2014/main" val="20001"/>
+                      <a16:colId xmlns:a16="http://schemas.microsoft.com/office/drawing/2014/main" xmlns="" val="20001"/>
                     </a:ext>
                   </a:extLst>
                 </a:gridCol>
                 <a:gridCol w="1139292">
                   <a:extLst>
                     <a:ext uri="{9D8B030D-6E8A-4147-A177-3AD203B41FA5}">
-                      <a16:colId xmlns="" xmlns:a16="http://schemas.microsoft.com/office/drawing/2014/main" val="20002"/>
+                      <a16:colId xmlns:a16="http://schemas.microsoft.com/office/drawing/2014/main" xmlns="" val="20002"/>
                     </a:ext>
                   </a:extLst>
                 </a:gridCol>
                 <a:gridCol w="931327">
                   <a:extLst>
                     <a:ext uri="{9D8B030D-6E8A-4147-A177-3AD203B41FA5}">
-                      <a16:colId xmlns="" xmlns:a16="http://schemas.microsoft.com/office/drawing/2014/main" val="20003"/>
+                      <a16:colId xmlns:a16="http://schemas.microsoft.com/office/drawing/2014/main" xmlns="" val="20003"/>
                     </a:ext>
                   </a:extLst>
                 </a:gridCol>
                 <a:gridCol w="849949">
                   <a:extLst>
                     <a:ext uri="{9D8B030D-6E8A-4147-A177-3AD203B41FA5}">
-                      <a16:colId xmlns="" xmlns:a16="http://schemas.microsoft.com/office/drawing/2014/main" val="20004"/>
+                      <a16:colId xmlns:a16="http://schemas.microsoft.com/office/drawing/2014/main" xmlns="" val="20004"/>
                     </a:ext>
                   </a:extLst>
                 </a:gridCol>
                 <a:gridCol w="1172319">
                   <a:extLst>
                     <a:ext uri="{9D8B030D-6E8A-4147-A177-3AD203B41FA5}">
-                      <a16:colId xmlns="" xmlns:a16="http://schemas.microsoft.com/office/drawing/2014/main" val="20005"/>
+                      <a16:colId xmlns:a16="http://schemas.microsoft.com/office/drawing/2014/main" xmlns="" val="20005"/>
                     </a:ext>
                   </a:extLst>
                 </a:gridCol>
@@ -19314,7 +19314,7 @@
                 </a:tc>
                 <a:extLst>
                   <a:ext uri="{0D108BD9-81ED-4DB2-BD59-A6C34878D82A}">
-                    <a16:rowId xmlns="" xmlns:a16="http://schemas.microsoft.com/office/drawing/2014/main" val="10000"/>
+                    <a16:rowId xmlns:a16="http://schemas.microsoft.com/office/drawing/2014/main" xmlns="" val="10000"/>
                   </a:ext>
                 </a:extLst>
               </a:tr>
@@ -19411,7 +19411,7 @@
                 </a:tc>
                 <a:extLst>
                   <a:ext uri="{0D108BD9-81ED-4DB2-BD59-A6C34878D82A}">
-                    <a16:rowId xmlns="" xmlns:a16="http://schemas.microsoft.com/office/drawing/2014/main" val="10001"/>
+                    <a16:rowId xmlns:a16="http://schemas.microsoft.com/office/drawing/2014/main" xmlns="" val="10001"/>
                   </a:ext>
                 </a:extLst>
               </a:tr>
@@ -19571,7 +19571,7 @@
                 </a:tc>
                 <a:extLst>
                   <a:ext uri="{0D108BD9-81ED-4DB2-BD59-A6C34878D82A}">
-                    <a16:rowId xmlns="" xmlns:a16="http://schemas.microsoft.com/office/drawing/2014/main" val="10002"/>
+                    <a16:rowId xmlns:a16="http://schemas.microsoft.com/office/drawing/2014/main" xmlns="" val="10002"/>
                   </a:ext>
                 </a:extLst>
               </a:tr>
@@ -19712,7 +19712,7 @@
                 </a:tc>
                 <a:extLst>
                   <a:ext uri="{0D108BD9-81ED-4DB2-BD59-A6C34878D82A}">
-                    <a16:rowId xmlns="" xmlns:a16="http://schemas.microsoft.com/office/drawing/2014/main" val="10003"/>
+                    <a16:rowId xmlns:a16="http://schemas.microsoft.com/office/drawing/2014/main" xmlns="" val="10003"/>
                   </a:ext>
                 </a:extLst>
               </a:tr>
@@ -19853,7 +19853,7 @@
                 </a:tc>
                 <a:extLst>
                   <a:ext uri="{0D108BD9-81ED-4DB2-BD59-A6C34878D82A}">
-                    <a16:rowId xmlns="" xmlns:a16="http://schemas.microsoft.com/office/drawing/2014/main" val="10004"/>
+                    <a16:rowId xmlns:a16="http://schemas.microsoft.com/office/drawing/2014/main" xmlns="" val="10004"/>
                   </a:ext>
                 </a:extLst>
               </a:tr>
@@ -19996,7 +19996,7 @@
                 </a:tc>
                 <a:extLst>
                   <a:ext uri="{0D108BD9-81ED-4DB2-BD59-A6C34878D82A}">
-                    <a16:rowId xmlns="" xmlns:a16="http://schemas.microsoft.com/office/drawing/2014/main" val="10005"/>
+                    <a16:rowId xmlns:a16="http://schemas.microsoft.com/office/drawing/2014/main" xmlns="" val="10005"/>
                   </a:ext>
                 </a:extLst>
               </a:tr>
@@ -20086,28 +20086,28 @@
                 <a:gridCol w="2628900">
                   <a:extLst>
                     <a:ext uri="{9D8B030D-6E8A-4147-A177-3AD203B41FA5}">
-                      <a16:colId xmlns="" xmlns:a16="http://schemas.microsoft.com/office/drawing/2014/main" val="20000"/>
+                      <a16:colId xmlns:a16="http://schemas.microsoft.com/office/drawing/2014/main" xmlns="" val="20000"/>
                     </a:ext>
                   </a:extLst>
                 </a:gridCol>
                 <a:gridCol w="2628900">
                   <a:extLst>
                     <a:ext uri="{9D8B030D-6E8A-4147-A177-3AD203B41FA5}">
-                      <a16:colId xmlns="" xmlns:a16="http://schemas.microsoft.com/office/drawing/2014/main" val="20001"/>
+                      <a16:colId xmlns:a16="http://schemas.microsoft.com/office/drawing/2014/main" xmlns="" val="20001"/>
                     </a:ext>
                   </a:extLst>
                 </a:gridCol>
                 <a:gridCol w="2628900">
                   <a:extLst>
                     <a:ext uri="{9D8B030D-6E8A-4147-A177-3AD203B41FA5}">
-                      <a16:colId xmlns="" xmlns:a16="http://schemas.microsoft.com/office/drawing/2014/main" val="20002"/>
+                      <a16:colId xmlns:a16="http://schemas.microsoft.com/office/drawing/2014/main" xmlns="" val="20002"/>
                     </a:ext>
                   </a:extLst>
                 </a:gridCol>
                 <a:gridCol w="2628900">
                   <a:extLst>
                     <a:ext uri="{9D8B030D-6E8A-4147-A177-3AD203B41FA5}">
-                      <a16:colId xmlns="" xmlns:a16="http://schemas.microsoft.com/office/drawing/2014/main" val="20003"/>
+                      <a16:colId xmlns:a16="http://schemas.microsoft.com/office/drawing/2014/main" xmlns="" val="20003"/>
                     </a:ext>
                   </a:extLst>
                 </a:gridCol>
@@ -20171,7 +20171,7 @@
                 </a:tc>
                 <a:extLst>
                   <a:ext uri="{0D108BD9-81ED-4DB2-BD59-A6C34878D82A}">
-                    <a16:rowId xmlns="" xmlns:a16="http://schemas.microsoft.com/office/drawing/2014/main" val="10000"/>
+                    <a16:rowId xmlns:a16="http://schemas.microsoft.com/office/drawing/2014/main" xmlns="" val="10000"/>
                   </a:ext>
                 </a:extLst>
               </a:tr>
@@ -20234,7 +20234,7 @@
                 </a:tc>
                 <a:extLst>
                   <a:ext uri="{0D108BD9-81ED-4DB2-BD59-A6C34878D82A}">
-                    <a16:rowId xmlns="" xmlns:a16="http://schemas.microsoft.com/office/drawing/2014/main" val="10001"/>
+                    <a16:rowId xmlns:a16="http://schemas.microsoft.com/office/drawing/2014/main" xmlns="" val="10001"/>
                   </a:ext>
                 </a:extLst>
               </a:tr>
@@ -20327,7 +20327,7 @@
                 </a:tc>
                 <a:extLst>
                   <a:ext uri="{0D108BD9-81ED-4DB2-BD59-A6C34878D82A}">
-                    <a16:rowId xmlns="" xmlns:a16="http://schemas.microsoft.com/office/drawing/2014/main" val="10002"/>
+                    <a16:rowId xmlns:a16="http://schemas.microsoft.com/office/drawing/2014/main" xmlns="" val="10002"/>
                   </a:ext>
                 </a:extLst>
               </a:tr>
@@ -20416,7 +20416,7 @@
                 </a:tc>
                 <a:extLst>
                   <a:ext uri="{0D108BD9-81ED-4DB2-BD59-A6C34878D82A}">
-                    <a16:rowId xmlns="" xmlns:a16="http://schemas.microsoft.com/office/drawing/2014/main" val="10003"/>
+                    <a16:rowId xmlns:a16="http://schemas.microsoft.com/office/drawing/2014/main" xmlns="" val="10003"/>
                   </a:ext>
                 </a:extLst>
               </a:tr>
@@ -20537,42 +20537,42 @@
                 <a:gridCol w="1074501">
                   <a:extLst>
                     <a:ext uri="{9D8B030D-6E8A-4147-A177-3AD203B41FA5}">
-                      <a16:colId xmlns="" xmlns:a16="http://schemas.microsoft.com/office/drawing/2014/main" val="20000"/>
+                      <a16:colId xmlns:a16="http://schemas.microsoft.com/office/drawing/2014/main" xmlns="" val="20000"/>
                     </a:ext>
                   </a:extLst>
                 </a:gridCol>
                 <a:gridCol w="1361982">
                   <a:extLst>
                     <a:ext uri="{9D8B030D-6E8A-4147-A177-3AD203B41FA5}">
-                      <a16:colId xmlns="" xmlns:a16="http://schemas.microsoft.com/office/drawing/2014/main" val="20001"/>
+                      <a16:colId xmlns:a16="http://schemas.microsoft.com/office/drawing/2014/main" xmlns="" val="20001"/>
                     </a:ext>
                   </a:extLst>
                 </a:gridCol>
                 <a:gridCol w="1069675">
                   <a:extLst>
                     <a:ext uri="{9D8B030D-6E8A-4147-A177-3AD203B41FA5}">
-                      <a16:colId xmlns="" xmlns:a16="http://schemas.microsoft.com/office/drawing/2014/main" val="20002"/>
+                      <a16:colId xmlns:a16="http://schemas.microsoft.com/office/drawing/2014/main" xmlns="" val="20002"/>
                     </a:ext>
                   </a:extLst>
                 </a:gridCol>
                 <a:gridCol w="776378">
                   <a:extLst>
                     <a:ext uri="{9D8B030D-6E8A-4147-A177-3AD203B41FA5}">
-                      <a16:colId xmlns="" xmlns:a16="http://schemas.microsoft.com/office/drawing/2014/main" val="20003"/>
+                      <a16:colId xmlns:a16="http://schemas.microsoft.com/office/drawing/2014/main" xmlns="" val="20003"/>
                     </a:ext>
                   </a:extLst>
                 </a:gridCol>
                 <a:gridCol w="785004">
                   <a:extLst>
                     <a:ext uri="{9D8B030D-6E8A-4147-A177-3AD203B41FA5}">
-                      <a16:colId xmlns="" xmlns:a16="http://schemas.microsoft.com/office/drawing/2014/main" val="20004"/>
+                      <a16:colId xmlns:a16="http://schemas.microsoft.com/office/drawing/2014/main" xmlns="" val="20004"/>
                     </a:ext>
                   </a:extLst>
                 </a:gridCol>
                 <a:gridCol w="1049424">
                   <a:extLst>
                     <a:ext uri="{9D8B030D-6E8A-4147-A177-3AD203B41FA5}">
-                      <a16:colId xmlns="" xmlns:a16="http://schemas.microsoft.com/office/drawing/2014/main" val="20005"/>
+                      <a16:colId xmlns:a16="http://schemas.microsoft.com/office/drawing/2014/main" xmlns="" val="20005"/>
                     </a:ext>
                   </a:extLst>
                 </a:gridCol>
@@ -20664,7 +20664,7 @@
                 </a:tc>
                 <a:extLst>
                   <a:ext uri="{0D108BD9-81ED-4DB2-BD59-A6C34878D82A}">
-                    <a16:rowId xmlns="" xmlns:a16="http://schemas.microsoft.com/office/drawing/2014/main" val="10000"/>
+                    <a16:rowId xmlns:a16="http://schemas.microsoft.com/office/drawing/2014/main" xmlns="" val="10000"/>
                   </a:ext>
                 </a:extLst>
               </a:tr>
@@ -20761,7 +20761,7 @@
                 </a:tc>
                 <a:extLst>
                   <a:ext uri="{0D108BD9-81ED-4DB2-BD59-A6C34878D82A}">
-                    <a16:rowId xmlns="" xmlns:a16="http://schemas.microsoft.com/office/drawing/2014/main" val="10001"/>
+                    <a16:rowId xmlns:a16="http://schemas.microsoft.com/office/drawing/2014/main" xmlns="" val="10001"/>
                   </a:ext>
                 </a:extLst>
               </a:tr>
@@ -20919,7 +20919,7 @@
                 </a:tc>
                 <a:extLst>
                   <a:ext uri="{0D108BD9-81ED-4DB2-BD59-A6C34878D82A}">
-                    <a16:rowId xmlns="" xmlns:a16="http://schemas.microsoft.com/office/drawing/2014/main" val="10002"/>
+                    <a16:rowId xmlns:a16="http://schemas.microsoft.com/office/drawing/2014/main" xmlns="" val="10002"/>
                   </a:ext>
                 </a:extLst>
               </a:tr>
@@ -21060,7 +21060,7 @@
                 </a:tc>
                 <a:extLst>
                   <a:ext uri="{0D108BD9-81ED-4DB2-BD59-A6C34878D82A}">
-                    <a16:rowId xmlns="" xmlns:a16="http://schemas.microsoft.com/office/drawing/2014/main" val="10003"/>
+                    <a16:rowId xmlns:a16="http://schemas.microsoft.com/office/drawing/2014/main" xmlns="" val="10003"/>
                   </a:ext>
                 </a:extLst>
               </a:tr>
@@ -21201,7 +21201,7 @@
                 </a:tc>
                 <a:extLst>
                   <a:ext uri="{0D108BD9-81ED-4DB2-BD59-A6C34878D82A}">
-                    <a16:rowId xmlns="" xmlns:a16="http://schemas.microsoft.com/office/drawing/2014/main" val="10004"/>
+                    <a16:rowId xmlns:a16="http://schemas.microsoft.com/office/drawing/2014/main" xmlns="" val="10004"/>
                   </a:ext>
                 </a:extLst>
               </a:tr>
@@ -21340,7 +21340,7 @@
                 </a:tc>
                 <a:extLst>
                   <a:ext uri="{0D108BD9-81ED-4DB2-BD59-A6C34878D82A}">
-                    <a16:rowId xmlns="" xmlns:a16="http://schemas.microsoft.com/office/drawing/2014/main" val="10005"/>
+                    <a16:rowId xmlns:a16="http://schemas.microsoft.com/office/drawing/2014/main" xmlns="" val="10005"/>
                   </a:ext>
                 </a:extLst>
               </a:tr>
@@ -21412,7 +21412,7 @@
           <p:nvPr>
             <p:extLst>
               <p:ext uri="{D42A27DB-BD31-4B8C-83A1-F6EECF244321}">
-                <p14:modId xmlns:p14="http://schemas.microsoft.com/office/powerpoint/2010/main" val="636495019"/>
+                <p14:modId xmlns:p14="http://schemas.microsoft.com/office/powerpoint/2010/main" val="2550764720"/>
               </p:ext>
             </p:extLst>
           </p:nvPr>
@@ -21431,42 +21431,42 @@
                 <a:gridCol w="1074501">
                   <a:extLst>
                     <a:ext uri="{9D8B030D-6E8A-4147-A177-3AD203B41FA5}">
-                      <a16:colId xmlns="" xmlns:a16="http://schemas.microsoft.com/office/drawing/2014/main" val="20000"/>
+                      <a16:colId xmlns:a16="http://schemas.microsoft.com/office/drawing/2014/main" xmlns="" val="20000"/>
                     </a:ext>
                   </a:extLst>
                 </a:gridCol>
                 <a:gridCol w="1094563">
                   <a:extLst>
                     <a:ext uri="{9D8B030D-6E8A-4147-A177-3AD203B41FA5}">
-                      <a16:colId xmlns="" xmlns:a16="http://schemas.microsoft.com/office/drawing/2014/main" val="20001"/>
+                      <a16:colId xmlns:a16="http://schemas.microsoft.com/office/drawing/2014/main" xmlns="" val="20001"/>
                     </a:ext>
                   </a:extLst>
                 </a:gridCol>
                 <a:gridCol w="1112808">
                   <a:extLst>
                     <a:ext uri="{9D8B030D-6E8A-4147-A177-3AD203B41FA5}">
-                      <a16:colId xmlns="" xmlns:a16="http://schemas.microsoft.com/office/drawing/2014/main" val="20002"/>
+                      <a16:colId xmlns:a16="http://schemas.microsoft.com/office/drawing/2014/main" xmlns="" val="20002"/>
                     </a:ext>
                   </a:extLst>
                 </a:gridCol>
                 <a:gridCol w="755968">
                   <a:extLst>
                     <a:ext uri="{9D8B030D-6E8A-4147-A177-3AD203B41FA5}">
-                      <a16:colId xmlns="" xmlns:a16="http://schemas.microsoft.com/office/drawing/2014/main" val="20003"/>
+                      <a16:colId xmlns:a16="http://schemas.microsoft.com/office/drawing/2014/main" xmlns="" val="20003"/>
                     </a:ext>
                   </a:extLst>
                 </a:gridCol>
                 <a:gridCol w="909275">
                   <a:extLst>
                     <a:ext uri="{9D8B030D-6E8A-4147-A177-3AD203B41FA5}">
-                      <a16:colId xmlns="" xmlns:a16="http://schemas.microsoft.com/office/drawing/2014/main" val="20004"/>
+                      <a16:colId xmlns:a16="http://schemas.microsoft.com/office/drawing/2014/main" xmlns="" val="20004"/>
                     </a:ext>
                   </a:extLst>
                 </a:gridCol>
                 <a:gridCol w="1226019">
                   <a:extLst>
                     <a:ext uri="{9D8B030D-6E8A-4147-A177-3AD203B41FA5}">
-                      <a16:colId xmlns="" xmlns:a16="http://schemas.microsoft.com/office/drawing/2014/main" val="20005"/>
+                      <a16:colId xmlns:a16="http://schemas.microsoft.com/office/drawing/2014/main" xmlns="" val="20005"/>
                     </a:ext>
                   </a:extLst>
                 </a:gridCol>
@@ -21558,7 +21558,7 @@
                 </a:tc>
                 <a:extLst>
                   <a:ext uri="{0D108BD9-81ED-4DB2-BD59-A6C34878D82A}">
-                    <a16:rowId xmlns="" xmlns:a16="http://schemas.microsoft.com/office/drawing/2014/main" val="10000"/>
+                    <a16:rowId xmlns:a16="http://schemas.microsoft.com/office/drawing/2014/main" xmlns="" val="10000"/>
                   </a:ext>
                 </a:extLst>
               </a:tr>
@@ -21657,7 +21657,7 @@
                 </a:tc>
                 <a:extLst>
                   <a:ext uri="{0D108BD9-81ED-4DB2-BD59-A6C34878D82A}">
-                    <a16:rowId xmlns="" xmlns:a16="http://schemas.microsoft.com/office/drawing/2014/main" val="10001"/>
+                    <a16:rowId xmlns:a16="http://schemas.microsoft.com/office/drawing/2014/main" xmlns="" val="10001"/>
                   </a:ext>
                 </a:extLst>
               </a:tr>
@@ -21685,7 +21685,7 @@
                         <a:rPr lang="en-IN" dirty="0" smtClean="0">
                           <a:effectLst/>
                         </a:rPr>
-                        <a:t>1</a:t>
+                        <a:t>2</a:t>
                       </a:r>
                       <a:endParaRPr lang="en-GB" dirty="0"/>
                     </a:p>
@@ -21718,7 +21718,7 @@
                         <a:rPr lang="en-GB" dirty="0" smtClean="0">
                           <a:effectLst/>
                         </a:rPr>
-                        <a:t>0.538</a:t>
+                        <a:t>0.461</a:t>
                       </a:r>
                       <a:endParaRPr lang="en-GB" dirty="0"/>
                     </a:p>
@@ -21734,7 +21734,7 @@
                         <a:rPr lang="en-GB" dirty="0" smtClean="0">
                           <a:effectLst/>
                         </a:rPr>
-                        <a:t>0.529</a:t>
+                        <a:t>0.550</a:t>
                       </a:r>
                       <a:endParaRPr lang="en-GB" dirty="0"/>
                     </a:p>
@@ -21750,7 +21750,7 @@
                         <a:rPr lang="en-GB" dirty="0" smtClean="0">
                           <a:effectLst/>
                         </a:rPr>
-                        <a:t>0.076</a:t>
+                        <a:t>-0.076</a:t>
                       </a:r>
                       <a:endParaRPr lang="en-GB" dirty="0"/>
                     </a:p>
@@ -21775,7 +21775,7 @@
                 </a:tc>
                 <a:extLst>
                   <a:ext uri="{0D108BD9-81ED-4DB2-BD59-A6C34878D82A}">
-                    <a16:rowId xmlns="" xmlns:a16="http://schemas.microsoft.com/office/drawing/2014/main" val="10002"/>
+                    <a16:rowId xmlns:a16="http://schemas.microsoft.com/office/drawing/2014/main" xmlns="" val="10002"/>
                   </a:ext>
                 </a:extLst>
               </a:tr>
@@ -21916,7 +21916,7 @@
                 </a:tc>
                 <a:extLst>
                   <a:ext uri="{0D108BD9-81ED-4DB2-BD59-A6C34878D82A}">
-                    <a16:rowId xmlns="" xmlns:a16="http://schemas.microsoft.com/office/drawing/2014/main" val="10003"/>
+                    <a16:rowId xmlns:a16="http://schemas.microsoft.com/office/drawing/2014/main" xmlns="" val="10003"/>
                   </a:ext>
                 </a:extLst>
               </a:tr>
@@ -22059,7 +22059,7 @@
                 </a:tc>
                 <a:extLst>
                   <a:ext uri="{0D108BD9-81ED-4DB2-BD59-A6C34878D82A}">
-                    <a16:rowId xmlns="" xmlns:a16="http://schemas.microsoft.com/office/drawing/2014/main" val="10004"/>
+                    <a16:rowId xmlns:a16="http://schemas.microsoft.com/office/drawing/2014/main" xmlns="" val="10004"/>
                   </a:ext>
                 </a:extLst>
               </a:tr>
@@ -22172,7 +22172,7 @@
                 </a:tc>
                 <a:extLst>
                   <a:ext uri="{0D108BD9-81ED-4DB2-BD59-A6C34878D82A}">
-                    <a16:rowId xmlns="" xmlns:a16="http://schemas.microsoft.com/office/drawing/2014/main" val="10005"/>
+                    <a16:rowId xmlns:a16="http://schemas.microsoft.com/office/drawing/2014/main" xmlns="" val="10005"/>
                   </a:ext>
                 </a:extLst>
               </a:tr>
@@ -22263,42 +22263,42 @@
                 <a:gridCol w="1108522">
                   <a:extLst>
                     <a:ext uri="{9D8B030D-6E8A-4147-A177-3AD203B41FA5}">
-                      <a16:colId xmlns="" xmlns:a16="http://schemas.microsoft.com/office/drawing/2014/main" val="20000"/>
+                      <a16:colId xmlns:a16="http://schemas.microsoft.com/office/drawing/2014/main" xmlns="" val="20000"/>
                     </a:ext>
                   </a:extLst>
                 </a:gridCol>
                 <a:gridCol w="1129219">
                   <a:extLst>
                     <a:ext uri="{9D8B030D-6E8A-4147-A177-3AD203B41FA5}">
-                      <a16:colId xmlns="" xmlns:a16="http://schemas.microsoft.com/office/drawing/2014/main" val="20001"/>
+                      <a16:colId xmlns:a16="http://schemas.microsoft.com/office/drawing/2014/main" xmlns="" val="20001"/>
                     </a:ext>
                   </a:extLst>
                 </a:gridCol>
                 <a:gridCol w="1148042">
                   <a:extLst>
                     <a:ext uri="{9D8B030D-6E8A-4147-A177-3AD203B41FA5}">
-                      <a16:colId xmlns="" xmlns:a16="http://schemas.microsoft.com/office/drawing/2014/main" val="20002"/>
+                      <a16:colId xmlns:a16="http://schemas.microsoft.com/office/drawing/2014/main" xmlns="" val="20002"/>
                     </a:ext>
                   </a:extLst>
                 </a:gridCol>
                 <a:gridCol w="802761">
                   <a:extLst>
                     <a:ext uri="{9D8B030D-6E8A-4147-A177-3AD203B41FA5}">
-                      <a16:colId xmlns="" xmlns:a16="http://schemas.microsoft.com/office/drawing/2014/main" val="20003"/>
+                      <a16:colId xmlns:a16="http://schemas.microsoft.com/office/drawing/2014/main" xmlns="" val="20003"/>
                     </a:ext>
                   </a:extLst>
                 </a:gridCol>
                 <a:gridCol w="857259">
                   <a:extLst>
                     <a:ext uri="{9D8B030D-6E8A-4147-A177-3AD203B41FA5}">
-                      <a16:colId xmlns="" xmlns:a16="http://schemas.microsoft.com/office/drawing/2014/main" val="20004"/>
+                      <a16:colId xmlns:a16="http://schemas.microsoft.com/office/drawing/2014/main" xmlns="" val="20004"/>
                     </a:ext>
                   </a:extLst>
                 </a:gridCol>
                 <a:gridCol w="1264838">
                   <a:extLst>
                     <a:ext uri="{9D8B030D-6E8A-4147-A177-3AD203B41FA5}">
-                      <a16:colId xmlns="" xmlns:a16="http://schemas.microsoft.com/office/drawing/2014/main" val="20005"/>
+                      <a16:colId xmlns:a16="http://schemas.microsoft.com/office/drawing/2014/main" xmlns="" val="20005"/>
                     </a:ext>
                   </a:extLst>
                 </a:gridCol>
@@ -22390,7 +22390,7 @@
                 </a:tc>
                 <a:extLst>
                   <a:ext uri="{0D108BD9-81ED-4DB2-BD59-A6C34878D82A}">
-                    <a16:rowId xmlns="" xmlns:a16="http://schemas.microsoft.com/office/drawing/2014/main" val="10000"/>
+                    <a16:rowId xmlns:a16="http://schemas.microsoft.com/office/drawing/2014/main" xmlns="" val="10000"/>
                   </a:ext>
                 </a:extLst>
               </a:tr>
@@ -22531,7 +22531,7 @@
                 </a:tc>
                 <a:extLst>
                   <a:ext uri="{0D108BD9-81ED-4DB2-BD59-A6C34878D82A}">
-                    <a16:rowId xmlns="" xmlns:a16="http://schemas.microsoft.com/office/drawing/2014/main" val="10001"/>
+                    <a16:rowId xmlns:a16="http://schemas.microsoft.com/office/drawing/2014/main" xmlns="" val="10001"/>
                   </a:ext>
                 </a:extLst>
               </a:tr>
@@ -22691,7 +22691,7 @@
                 </a:tc>
                 <a:extLst>
                   <a:ext uri="{0D108BD9-81ED-4DB2-BD59-A6C34878D82A}">
-                    <a16:rowId xmlns="" xmlns:a16="http://schemas.microsoft.com/office/drawing/2014/main" val="10002"/>
+                    <a16:rowId xmlns:a16="http://schemas.microsoft.com/office/drawing/2014/main" xmlns="" val="10002"/>
                   </a:ext>
                 </a:extLst>
               </a:tr>
@@ -22838,7 +22838,7 @@
                 </a:tc>
                 <a:extLst>
                   <a:ext uri="{0D108BD9-81ED-4DB2-BD59-A6C34878D82A}">
-                    <a16:rowId xmlns="" xmlns:a16="http://schemas.microsoft.com/office/drawing/2014/main" val="10003"/>
+                    <a16:rowId xmlns:a16="http://schemas.microsoft.com/office/drawing/2014/main" xmlns="" val="10003"/>
                   </a:ext>
                 </a:extLst>
               </a:tr>
@@ -22981,7 +22981,7 @@
                 </a:tc>
                 <a:extLst>
                   <a:ext uri="{0D108BD9-81ED-4DB2-BD59-A6C34878D82A}">
-                    <a16:rowId xmlns="" xmlns:a16="http://schemas.microsoft.com/office/drawing/2014/main" val="10004"/>
+                    <a16:rowId xmlns:a16="http://schemas.microsoft.com/office/drawing/2014/main" xmlns="" val="10004"/>
                   </a:ext>
                 </a:extLst>
               </a:tr>
@@ -23120,7 +23120,7 @@
                 </a:tc>
                 <a:extLst>
                   <a:ext uri="{0D108BD9-81ED-4DB2-BD59-A6C34878D82A}">
-                    <a16:rowId xmlns="" xmlns:a16="http://schemas.microsoft.com/office/drawing/2014/main" val="10005"/>
+                    <a16:rowId xmlns:a16="http://schemas.microsoft.com/office/drawing/2014/main" xmlns="" val="10005"/>
                   </a:ext>
                 </a:extLst>
               </a:tr>
@@ -23211,42 +23211,42 @@
                 <a:gridCol w="1074501">
                   <a:extLst>
                     <a:ext uri="{9D8B030D-6E8A-4147-A177-3AD203B41FA5}">
-                      <a16:colId xmlns="" xmlns:a16="http://schemas.microsoft.com/office/drawing/2014/main" val="20000"/>
+                      <a16:colId xmlns:a16="http://schemas.microsoft.com/office/drawing/2014/main" xmlns="" val="20000"/>
                     </a:ext>
                   </a:extLst>
                 </a:gridCol>
                 <a:gridCol w="1094563">
                   <a:extLst>
                     <a:ext uri="{9D8B030D-6E8A-4147-A177-3AD203B41FA5}">
-                      <a16:colId xmlns="" xmlns:a16="http://schemas.microsoft.com/office/drawing/2014/main" val="20001"/>
+                      <a16:colId xmlns:a16="http://schemas.microsoft.com/office/drawing/2014/main" xmlns="" val="20001"/>
                     </a:ext>
                   </a:extLst>
                 </a:gridCol>
                 <a:gridCol w="1112808">
                   <a:extLst>
                     <a:ext uri="{9D8B030D-6E8A-4147-A177-3AD203B41FA5}">
-                      <a16:colId xmlns="" xmlns:a16="http://schemas.microsoft.com/office/drawing/2014/main" val="20002"/>
+                      <a16:colId xmlns:a16="http://schemas.microsoft.com/office/drawing/2014/main" xmlns="" val="20002"/>
                     </a:ext>
                   </a:extLst>
                 </a:gridCol>
                 <a:gridCol w="785901">
                   <a:extLst>
                     <a:ext uri="{9D8B030D-6E8A-4147-A177-3AD203B41FA5}">
-                      <a16:colId xmlns="" xmlns:a16="http://schemas.microsoft.com/office/drawing/2014/main" val="20003"/>
+                      <a16:colId xmlns:a16="http://schemas.microsoft.com/office/drawing/2014/main" xmlns="" val="20003"/>
                     </a:ext>
                   </a:extLst>
                 </a:gridCol>
                 <a:gridCol w="823172">
                   <a:extLst>
                     <a:ext uri="{9D8B030D-6E8A-4147-A177-3AD203B41FA5}">
-                      <a16:colId xmlns="" xmlns:a16="http://schemas.microsoft.com/office/drawing/2014/main" val="20004"/>
+                      <a16:colId xmlns:a16="http://schemas.microsoft.com/office/drawing/2014/main" xmlns="" val="20004"/>
                     </a:ext>
                   </a:extLst>
                 </a:gridCol>
                 <a:gridCol w="1226019">
                   <a:extLst>
                     <a:ext uri="{9D8B030D-6E8A-4147-A177-3AD203B41FA5}">
-                      <a16:colId xmlns="" xmlns:a16="http://schemas.microsoft.com/office/drawing/2014/main" val="20005"/>
+                      <a16:colId xmlns:a16="http://schemas.microsoft.com/office/drawing/2014/main" xmlns="" val="20005"/>
                     </a:ext>
                   </a:extLst>
                 </a:gridCol>
@@ -23338,7 +23338,7 @@
                 </a:tc>
                 <a:extLst>
                   <a:ext uri="{0D108BD9-81ED-4DB2-BD59-A6C34878D82A}">
-                    <a16:rowId xmlns="" xmlns:a16="http://schemas.microsoft.com/office/drawing/2014/main" val="10000"/>
+                    <a16:rowId xmlns:a16="http://schemas.microsoft.com/office/drawing/2014/main" xmlns="" val="10000"/>
                   </a:ext>
                 </a:extLst>
               </a:tr>
@@ -23481,7 +23481,7 @@
                 </a:tc>
                 <a:extLst>
                   <a:ext uri="{0D108BD9-81ED-4DB2-BD59-A6C34878D82A}">
-                    <a16:rowId xmlns="" xmlns:a16="http://schemas.microsoft.com/office/drawing/2014/main" val="10001"/>
+                    <a16:rowId xmlns:a16="http://schemas.microsoft.com/office/drawing/2014/main" xmlns="" val="10001"/>
                   </a:ext>
                 </a:extLst>
               </a:tr>
@@ -23641,7 +23641,7 @@
                 </a:tc>
                 <a:extLst>
                   <a:ext uri="{0D108BD9-81ED-4DB2-BD59-A6C34878D82A}">
-                    <a16:rowId xmlns="" xmlns:a16="http://schemas.microsoft.com/office/drawing/2014/main" val="10002"/>
+                    <a16:rowId xmlns:a16="http://schemas.microsoft.com/office/drawing/2014/main" xmlns="" val="10002"/>
                   </a:ext>
                 </a:extLst>
               </a:tr>
@@ -23784,7 +23784,7 @@
                 </a:tc>
                 <a:extLst>
                   <a:ext uri="{0D108BD9-81ED-4DB2-BD59-A6C34878D82A}">
-                    <a16:rowId xmlns="" xmlns:a16="http://schemas.microsoft.com/office/drawing/2014/main" val="10003"/>
+                    <a16:rowId xmlns:a16="http://schemas.microsoft.com/office/drawing/2014/main" xmlns="" val="10003"/>
                   </a:ext>
                 </a:extLst>
               </a:tr>
@@ -23927,7 +23927,7 @@
                 </a:tc>
                 <a:extLst>
                   <a:ext uri="{0D108BD9-81ED-4DB2-BD59-A6C34878D82A}">
-                    <a16:rowId xmlns="" xmlns:a16="http://schemas.microsoft.com/office/drawing/2014/main" val="10004"/>
+                    <a16:rowId xmlns:a16="http://schemas.microsoft.com/office/drawing/2014/main" xmlns="" val="10004"/>
                   </a:ext>
                 </a:extLst>
               </a:tr>
@@ -24068,7 +24068,7 @@
                 </a:tc>
                 <a:extLst>
                   <a:ext uri="{0D108BD9-81ED-4DB2-BD59-A6C34878D82A}">
-                    <a16:rowId xmlns="" xmlns:a16="http://schemas.microsoft.com/office/drawing/2014/main" val="10005"/>
+                    <a16:rowId xmlns:a16="http://schemas.microsoft.com/office/drawing/2014/main" xmlns="" val="10005"/>
                   </a:ext>
                 </a:extLst>
               </a:tr>
@@ -24159,42 +24159,42 @@
                 <a:gridCol w="1074501">
                   <a:extLst>
                     <a:ext uri="{9D8B030D-6E8A-4147-A177-3AD203B41FA5}">
-                      <a16:colId xmlns="" xmlns:a16="http://schemas.microsoft.com/office/drawing/2014/main" val="20000"/>
+                      <a16:colId xmlns:a16="http://schemas.microsoft.com/office/drawing/2014/main" xmlns="" val="20000"/>
                     </a:ext>
                   </a:extLst>
                 </a:gridCol>
                 <a:gridCol w="1042804">
                   <a:extLst>
                     <a:ext uri="{9D8B030D-6E8A-4147-A177-3AD203B41FA5}">
-                      <a16:colId xmlns="" xmlns:a16="http://schemas.microsoft.com/office/drawing/2014/main" val="20001"/>
+                      <a16:colId xmlns:a16="http://schemas.microsoft.com/office/drawing/2014/main" xmlns="" val="20001"/>
                     </a:ext>
                   </a:extLst>
                 </a:gridCol>
                 <a:gridCol w="1086929">
                   <a:extLst>
                     <a:ext uri="{9D8B030D-6E8A-4147-A177-3AD203B41FA5}">
-                      <a16:colId xmlns="" xmlns:a16="http://schemas.microsoft.com/office/drawing/2014/main" val="20002"/>
+                      <a16:colId xmlns:a16="http://schemas.microsoft.com/office/drawing/2014/main" xmlns="" val="20002"/>
                     </a:ext>
                   </a:extLst>
                 </a:gridCol>
                 <a:gridCol w="777436">
                   <a:extLst>
                     <a:ext uri="{9D8B030D-6E8A-4147-A177-3AD203B41FA5}">
-                      <a16:colId xmlns="" xmlns:a16="http://schemas.microsoft.com/office/drawing/2014/main" val="20003"/>
+                      <a16:colId xmlns:a16="http://schemas.microsoft.com/office/drawing/2014/main" xmlns="" val="20003"/>
                     </a:ext>
                   </a:extLst>
                 </a:gridCol>
                 <a:gridCol w="909275">
                   <a:extLst>
                     <a:ext uri="{9D8B030D-6E8A-4147-A177-3AD203B41FA5}">
-                      <a16:colId xmlns="" xmlns:a16="http://schemas.microsoft.com/office/drawing/2014/main" val="20004"/>
+                      <a16:colId xmlns:a16="http://schemas.microsoft.com/office/drawing/2014/main" xmlns="" val="20004"/>
                     </a:ext>
                   </a:extLst>
                 </a:gridCol>
                 <a:gridCol w="1226019">
                   <a:extLst>
                     <a:ext uri="{9D8B030D-6E8A-4147-A177-3AD203B41FA5}">
-                      <a16:colId xmlns="" xmlns:a16="http://schemas.microsoft.com/office/drawing/2014/main" val="20005"/>
+                      <a16:colId xmlns:a16="http://schemas.microsoft.com/office/drawing/2014/main" xmlns="" val="20005"/>
                     </a:ext>
                   </a:extLst>
                 </a:gridCol>
@@ -24286,7 +24286,7 @@
                 </a:tc>
                 <a:extLst>
                   <a:ext uri="{0D108BD9-81ED-4DB2-BD59-A6C34878D82A}">
-                    <a16:rowId xmlns="" xmlns:a16="http://schemas.microsoft.com/office/drawing/2014/main" val="10000"/>
+                    <a16:rowId xmlns:a16="http://schemas.microsoft.com/office/drawing/2014/main" xmlns="" val="10000"/>
                   </a:ext>
                 </a:extLst>
               </a:tr>
@@ -24387,7 +24387,7 @@
                 </a:tc>
                 <a:extLst>
                   <a:ext uri="{0D108BD9-81ED-4DB2-BD59-A6C34878D82A}">
-                    <a16:rowId xmlns="" xmlns:a16="http://schemas.microsoft.com/office/drawing/2014/main" val="10001"/>
+                    <a16:rowId xmlns:a16="http://schemas.microsoft.com/office/drawing/2014/main" xmlns="" val="10001"/>
                   </a:ext>
                 </a:extLst>
               </a:tr>
@@ -24547,7 +24547,7 @@
                 </a:tc>
                 <a:extLst>
                   <a:ext uri="{0D108BD9-81ED-4DB2-BD59-A6C34878D82A}">
-                    <a16:rowId xmlns="" xmlns:a16="http://schemas.microsoft.com/office/drawing/2014/main" val="10002"/>
+                    <a16:rowId xmlns:a16="http://schemas.microsoft.com/office/drawing/2014/main" xmlns="" val="10002"/>
                   </a:ext>
                 </a:extLst>
               </a:tr>
@@ -24690,7 +24690,7 @@
                 </a:tc>
                 <a:extLst>
                   <a:ext uri="{0D108BD9-81ED-4DB2-BD59-A6C34878D82A}">
-                    <a16:rowId xmlns="" xmlns:a16="http://schemas.microsoft.com/office/drawing/2014/main" val="10003"/>
+                    <a16:rowId xmlns:a16="http://schemas.microsoft.com/office/drawing/2014/main" xmlns="" val="10003"/>
                   </a:ext>
                 </a:extLst>
               </a:tr>
@@ -24833,7 +24833,7 @@
                 </a:tc>
                 <a:extLst>
                   <a:ext uri="{0D108BD9-81ED-4DB2-BD59-A6C34878D82A}">
-                    <a16:rowId xmlns="" xmlns:a16="http://schemas.microsoft.com/office/drawing/2014/main" val="10004"/>
+                    <a16:rowId xmlns:a16="http://schemas.microsoft.com/office/drawing/2014/main" xmlns="" val="10004"/>
                   </a:ext>
                 </a:extLst>
               </a:tr>
@@ -24976,7 +24976,7 @@
                 </a:tc>
                 <a:extLst>
                   <a:ext uri="{0D108BD9-81ED-4DB2-BD59-A6C34878D82A}">
-                    <a16:rowId xmlns="" xmlns:a16="http://schemas.microsoft.com/office/drawing/2014/main" val="10005"/>
+                    <a16:rowId xmlns:a16="http://schemas.microsoft.com/office/drawing/2014/main" xmlns="" val="10005"/>
                   </a:ext>
                 </a:extLst>
               </a:tr>
@@ -25067,42 +25067,42 @@
                 <a:gridCol w="1074501">
                   <a:extLst>
                     <a:ext uri="{9D8B030D-6E8A-4147-A177-3AD203B41FA5}">
-                      <a16:colId xmlns="" xmlns:a16="http://schemas.microsoft.com/office/drawing/2014/main" val="20000"/>
+                      <a16:colId xmlns:a16="http://schemas.microsoft.com/office/drawing/2014/main" xmlns="" val="20000"/>
                     </a:ext>
                   </a:extLst>
                 </a:gridCol>
                 <a:gridCol w="1051431">
                   <a:extLst>
                     <a:ext uri="{9D8B030D-6E8A-4147-A177-3AD203B41FA5}">
-                      <a16:colId xmlns="" xmlns:a16="http://schemas.microsoft.com/office/drawing/2014/main" val="20001"/>
+                      <a16:colId xmlns:a16="http://schemas.microsoft.com/office/drawing/2014/main" xmlns="" val="20001"/>
                     </a:ext>
                   </a:extLst>
                 </a:gridCol>
                 <a:gridCol w="1104181">
                   <a:extLst>
                     <a:ext uri="{9D8B030D-6E8A-4147-A177-3AD203B41FA5}">
-                      <a16:colId xmlns="" xmlns:a16="http://schemas.microsoft.com/office/drawing/2014/main" val="20002"/>
+                      <a16:colId xmlns:a16="http://schemas.microsoft.com/office/drawing/2014/main" xmlns="" val="20002"/>
                     </a:ext>
                   </a:extLst>
                 </a:gridCol>
                 <a:gridCol w="751557">
                   <a:extLst>
                     <a:ext uri="{9D8B030D-6E8A-4147-A177-3AD203B41FA5}">
-                      <a16:colId xmlns="" xmlns:a16="http://schemas.microsoft.com/office/drawing/2014/main" val="20003"/>
+                      <a16:colId xmlns:a16="http://schemas.microsoft.com/office/drawing/2014/main" xmlns="" val="20003"/>
                     </a:ext>
                   </a:extLst>
                 </a:gridCol>
                 <a:gridCol w="909275">
                   <a:extLst>
                     <a:ext uri="{9D8B030D-6E8A-4147-A177-3AD203B41FA5}">
-                      <a16:colId xmlns="" xmlns:a16="http://schemas.microsoft.com/office/drawing/2014/main" val="20004"/>
+                      <a16:colId xmlns:a16="http://schemas.microsoft.com/office/drawing/2014/main" xmlns="" val="20004"/>
                     </a:ext>
                   </a:extLst>
                 </a:gridCol>
                 <a:gridCol w="1226019">
                   <a:extLst>
                     <a:ext uri="{9D8B030D-6E8A-4147-A177-3AD203B41FA5}">
-                      <a16:colId xmlns="" xmlns:a16="http://schemas.microsoft.com/office/drawing/2014/main" val="20005"/>
+                      <a16:colId xmlns:a16="http://schemas.microsoft.com/office/drawing/2014/main" xmlns="" val="20005"/>
                     </a:ext>
                   </a:extLst>
                 </a:gridCol>
@@ -25194,7 +25194,7 @@
                 </a:tc>
                 <a:extLst>
                   <a:ext uri="{0D108BD9-81ED-4DB2-BD59-A6C34878D82A}">
-                    <a16:rowId xmlns="" xmlns:a16="http://schemas.microsoft.com/office/drawing/2014/main" val="10000"/>
+                    <a16:rowId xmlns:a16="http://schemas.microsoft.com/office/drawing/2014/main" xmlns="" val="10000"/>
                   </a:ext>
                 </a:extLst>
               </a:tr>
@@ -25333,7 +25333,7 @@
                 </a:tc>
                 <a:extLst>
                   <a:ext uri="{0D108BD9-81ED-4DB2-BD59-A6C34878D82A}">
-                    <a16:rowId xmlns="" xmlns:a16="http://schemas.microsoft.com/office/drawing/2014/main" val="10001"/>
+                    <a16:rowId xmlns:a16="http://schemas.microsoft.com/office/drawing/2014/main" xmlns="" val="10001"/>
                   </a:ext>
                 </a:extLst>
               </a:tr>
@@ -25489,7 +25489,7 @@
                 </a:tc>
                 <a:extLst>
                   <a:ext uri="{0D108BD9-81ED-4DB2-BD59-A6C34878D82A}">
-                    <a16:rowId xmlns="" xmlns:a16="http://schemas.microsoft.com/office/drawing/2014/main" val="10002"/>
+                    <a16:rowId xmlns:a16="http://schemas.microsoft.com/office/drawing/2014/main" xmlns="" val="10002"/>
                   </a:ext>
                 </a:extLst>
               </a:tr>
@@ -25628,7 +25628,7 @@
                 </a:tc>
                 <a:extLst>
                   <a:ext uri="{0D108BD9-81ED-4DB2-BD59-A6C34878D82A}">
-                    <a16:rowId xmlns="" xmlns:a16="http://schemas.microsoft.com/office/drawing/2014/main" val="10003"/>
+                    <a16:rowId xmlns:a16="http://schemas.microsoft.com/office/drawing/2014/main" xmlns="" val="10003"/>
                   </a:ext>
                 </a:extLst>
               </a:tr>
@@ -25767,7 +25767,7 @@
                 </a:tc>
                 <a:extLst>
                   <a:ext uri="{0D108BD9-81ED-4DB2-BD59-A6C34878D82A}">
-                    <a16:rowId xmlns="" xmlns:a16="http://schemas.microsoft.com/office/drawing/2014/main" val="10004"/>
+                    <a16:rowId xmlns:a16="http://schemas.microsoft.com/office/drawing/2014/main" xmlns="" val="10004"/>
                   </a:ext>
                 </a:extLst>
               </a:tr>
@@ -25906,7 +25906,7 @@
                 </a:tc>
                 <a:extLst>
                   <a:ext uri="{0D108BD9-81ED-4DB2-BD59-A6C34878D82A}">
-                    <a16:rowId xmlns="" xmlns:a16="http://schemas.microsoft.com/office/drawing/2014/main" val="10005"/>
+                    <a16:rowId xmlns:a16="http://schemas.microsoft.com/office/drawing/2014/main" xmlns="" val="10005"/>
                   </a:ext>
                 </a:extLst>
               </a:tr>
@@ -26166,7 +26166,6 @@
               <a:rPr lang="en-IN" dirty="0" smtClean="0"/>
               <a:t>SVM:</a:t>
             </a:r>
-            <a:endParaRPr lang="en-IN" dirty="0" smtClean="0"/>
           </a:p>
           <a:p>
             <a:r>
@@ -27290,42 +27289,42 @@
                 <a:gridCol w="1074501">
                   <a:extLst>
                     <a:ext uri="{9D8B030D-6E8A-4147-A177-3AD203B41FA5}">
-                      <a16:colId xmlns="" xmlns:a16="http://schemas.microsoft.com/office/drawing/2014/main" val="20000"/>
+                      <a16:colId xmlns:a16="http://schemas.microsoft.com/office/drawing/2014/main" xmlns="" val="20000"/>
                     </a:ext>
                   </a:extLst>
                 </a:gridCol>
                 <a:gridCol w="1292971">
                   <a:extLst>
                     <a:ext uri="{9D8B030D-6E8A-4147-A177-3AD203B41FA5}">
-                      <a16:colId xmlns="" xmlns:a16="http://schemas.microsoft.com/office/drawing/2014/main" val="20001"/>
+                      <a16:colId xmlns:a16="http://schemas.microsoft.com/office/drawing/2014/main" xmlns="" val="20001"/>
                     </a:ext>
                   </a:extLst>
                 </a:gridCol>
                 <a:gridCol w="1121434">
                   <a:extLst>
                     <a:ext uri="{9D8B030D-6E8A-4147-A177-3AD203B41FA5}">
-                      <a16:colId xmlns="" xmlns:a16="http://schemas.microsoft.com/office/drawing/2014/main" val="20002"/>
+                      <a16:colId xmlns:a16="http://schemas.microsoft.com/office/drawing/2014/main" xmlns="" val="20002"/>
                     </a:ext>
                   </a:extLst>
                 </a:gridCol>
                 <a:gridCol w="802256">
                   <a:extLst>
                     <a:ext uri="{9D8B030D-6E8A-4147-A177-3AD203B41FA5}">
-                      <a16:colId xmlns="" xmlns:a16="http://schemas.microsoft.com/office/drawing/2014/main" val="20003"/>
+                      <a16:colId xmlns:a16="http://schemas.microsoft.com/office/drawing/2014/main" xmlns="" val="20003"/>
                     </a:ext>
                   </a:extLst>
                 </a:gridCol>
                 <a:gridCol w="888521">
                   <a:extLst>
                     <a:ext uri="{9D8B030D-6E8A-4147-A177-3AD203B41FA5}">
-                      <a16:colId xmlns="" xmlns:a16="http://schemas.microsoft.com/office/drawing/2014/main" val="20004"/>
+                      <a16:colId xmlns:a16="http://schemas.microsoft.com/office/drawing/2014/main" xmlns="" val="20004"/>
                     </a:ext>
                   </a:extLst>
                 </a:gridCol>
                 <a:gridCol w="1035170">
                   <a:extLst>
                     <a:ext uri="{9D8B030D-6E8A-4147-A177-3AD203B41FA5}">
-                      <a16:colId xmlns="" xmlns:a16="http://schemas.microsoft.com/office/drawing/2014/main" val="20005"/>
+                      <a16:colId xmlns:a16="http://schemas.microsoft.com/office/drawing/2014/main" xmlns="" val="20005"/>
                     </a:ext>
                   </a:extLst>
                 </a:gridCol>
@@ -27417,7 +27416,7 @@
                 </a:tc>
                 <a:extLst>
                   <a:ext uri="{0D108BD9-81ED-4DB2-BD59-A6C34878D82A}">
-                    <a16:rowId xmlns="" xmlns:a16="http://schemas.microsoft.com/office/drawing/2014/main" val="10000"/>
+                    <a16:rowId xmlns:a16="http://schemas.microsoft.com/office/drawing/2014/main" xmlns="" val="10000"/>
                   </a:ext>
                 </a:extLst>
               </a:tr>
@@ -27514,7 +27513,7 @@
                 </a:tc>
                 <a:extLst>
                   <a:ext uri="{0D108BD9-81ED-4DB2-BD59-A6C34878D82A}">
-                    <a16:rowId xmlns="" xmlns:a16="http://schemas.microsoft.com/office/drawing/2014/main" val="10001"/>
+                    <a16:rowId xmlns:a16="http://schemas.microsoft.com/office/drawing/2014/main" xmlns="" val="10001"/>
                   </a:ext>
                 </a:extLst>
               </a:tr>
@@ -27672,7 +27671,7 @@
                 </a:tc>
                 <a:extLst>
                   <a:ext uri="{0D108BD9-81ED-4DB2-BD59-A6C34878D82A}">
-                    <a16:rowId xmlns="" xmlns:a16="http://schemas.microsoft.com/office/drawing/2014/main" val="10002"/>
+                    <a16:rowId xmlns:a16="http://schemas.microsoft.com/office/drawing/2014/main" xmlns="" val="10002"/>
                   </a:ext>
                 </a:extLst>
               </a:tr>
@@ -27813,7 +27812,7 @@
                 </a:tc>
                 <a:extLst>
                   <a:ext uri="{0D108BD9-81ED-4DB2-BD59-A6C34878D82A}">
-                    <a16:rowId xmlns="" xmlns:a16="http://schemas.microsoft.com/office/drawing/2014/main" val="10003"/>
+                    <a16:rowId xmlns:a16="http://schemas.microsoft.com/office/drawing/2014/main" xmlns="" val="10003"/>
                   </a:ext>
                 </a:extLst>
               </a:tr>
@@ -27952,7 +27951,7 @@
                 </a:tc>
                 <a:extLst>
                   <a:ext uri="{0D108BD9-81ED-4DB2-BD59-A6C34878D82A}">
-                    <a16:rowId xmlns="" xmlns:a16="http://schemas.microsoft.com/office/drawing/2014/main" val="10004"/>
+                    <a16:rowId xmlns:a16="http://schemas.microsoft.com/office/drawing/2014/main" xmlns="" val="10004"/>
                   </a:ext>
                 </a:extLst>
               </a:tr>
@@ -28093,7 +28092,7 @@
                 </a:tc>
                 <a:extLst>
                   <a:ext uri="{0D108BD9-81ED-4DB2-BD59-A6C34878D82A}">
-                    <a16:rowId xmlns="" xmlns:a16="http://schemas.microsoft.com/office/drawing/2014/main" val="10005"/>
+                    <a16:rowId xmlns:a16="http://schemas.microsoft.com/office/drawing/2014/main" xmlns="" val="10005"/>
                   </a:ext>
                 </a:extLst>
               </a:tr>
@@ -28497,7 +28496,7 @@
           <p:nvPr>
             <p:extLst>
               <p:ext uri="{D42A27DB-BD31-4B8C-83A1-F6EECF244321}">
-                <p14:modId xmlns:p14="http://schemas.microsoft.com/office/powerpoint/2010/main" val="3457325025"/>
+                <p14:modId xmlns:p14="http://schemas.microsoft.com/office/powerpoint/2010/main" val="4262079508"/>
               </p:ext>
             </p:extLst>
           </p:nvPr>
@@ -28516,42 +28515,42 @@
                 <a:gridCol w="1074501">
                   <a:extLst>
                     <a:ext uri="{9D8B030D-6E8A-4147-A177-3AD203B41FA5}">
-                      <a16:colId xmlns="" xmlns:a16="http://schemas.microsoft.com/office/drawing/2014/main" val="20000"/>
+                      <a16:colId xmlns:a16="http://schemas.microsoft.com/office/drawing/2014/main" xmlns="" val="20000"/>
                     </a:ext>
                   </a:extLst>
                 </a:gridCol>
                 <a:gridCol w="1137695">
                   <a:extLst>
                     <a:ext uri="{9D8B030D-6E8A-4147-A177-3AD203B41FA5}">
-                      <a16:colId xmlns="" xmlns:a16="http://schemas.microsoft.com/office/drawing/2014/main" val="20001"/>
+                      <a16:colId xmlns:a16="http://schemas.microsoft.com/office/drawing/2014/main" xmlns="" val="20001"/>
                     </a:ext>
                   </a:extLst>
                 </a:gridCol>
                 <a:gridCol w="1086928">
                   <a:extLst>
                     <a:ext uri="{9D8B030D-6E8A-4147-A177-3AD203B41FA5}">
-                      <a16:colId xmlns="" xmlns:a16="http://schemas.microsoft.com/office/drawing/2014/main" val="20002"/>
+                      <a16:colId xmlns:a16="http://schemas.microsoft.com/office/drawing/2014/main" xmlns="" val="20002"/>
                     </a:ext>
                   </a:extLst>
                 </a:gridCol>
                 <a:gridCol w="888521">
                   <a:extLst>
                     <a:ext uri="{9D8B030D-6E8A-4147-A177-3AD203B41FA5}">
-                      <a16:colId xmlns="" xmlns:a16="http://schemas.microsoft.com/office/drawing/2014/main" val="20003"/>
+                      <a16:colId xmlns:a16="http://schemas.microsoft.com/office/drawing/2014/main" xmlns="" val="20003"/>
                     </a:ext>
                   </a:extLst>
                 </a:gridCol>
                 <a:gridCol w="810883">
                   <a:extLst>
                     <a:ext uri="{9D8B030D-6E8A-4147-A177-3AD203B41FA5}">
-                      <a16:colId xmlns="" xmlns:a16="http://schemas.microsoft.com/office/drawing/2014/main" val="20004"/>
+                      <a16:colId xmlns:a16="http://schemas.microsoft.com/office/drawing/2014/main" xmlns="" val="20004"/>
                     </a:ext>
                   </a:extLst>
                 </a:gridCol>
                 <a:gridCol w="1118436">
                   <a:extLst>
                     <a:ext uri="{9D8B030D-6E8A-4147-A177-3AD203B41FA5}">
-                      <a16:colId xmlns="" xmlns:a16="http://schemas.microsoft.com/office/drawing/2014/main" val="20005"/>
+                      <a16:colId xmlns:a16="http://schemas.microsoft.com/office/drawing/2014/main" xmlns="" val="20005"/>
                     </a:ext>
                   </a:extLst>
                 </a:gridCol>
@@ -28643,7 +28642,7 @@
                 </a:tc>
                 <a:extLst>
                   <a:ext uri="{0D108BD9-81ED-4DB2-BD59-A6C34878D82A}">
-                    <a16:rowId xmlns="" xmlns:a16="http://schemas.microsoft.com/office/drawing/2014/main" val="10000"/>
+                    <a16:rowId xmlns:a16="http://schemas.microsoft.com/office/drawing/2014/main" xmlns="" val="10000"/>
                   </a:ext>
                 </a:extLst>
               </a:tr>
@@ -28742,7 +28741,7 @@
                 </a:tc>
                 <a:extLst>
                   <a:ext uri="{0D108BD9-81ED-4DB2-BD59-A6C34878D82A}">
-                    <a16:rowId xmlns="" xmlns:a16="http://schemas.microsoft.com/office/drawing/2014/main" val="10001"/>
+                    <a16:rowId xmlns:a16="http://schemas.microsoft.com/office/drawing/2014/main" xmlns="" val="10001"/>
                   </a:ext>
                 </a:extLst>
               </a:tr>
@@ -28900,7 +28899,7 @@
                 </a:tc>
                 <a:extLst>
                   <a:ext uri="{0D108BD9-81ED-4DB2-BD59-A6C34878D82A}">
-                    <a16:rowId xmlns="" xmlns:a16="http://schemas.microsoft.com/office/drawing/2014/main" val="10002"/>
+                    <a16:rowId xmlns:a16="http://schemas.microsoft.com/office/drawing/2014/main" xmlns="" val="10002"/>
                   </a:ext>
                 </a:extLst>
               </a:tr>
@@ -29039,7 +29038,7 @@
                 </a:tc>
                 <a:extLst>
                   <a:ext uri="{0D108BD9-81ED-4DB2-BD59-A6C34878D82A}">
-                    <a16:rowId xmlns="" xmlns:a16="http://schemas.microsoft.com/office/drawing/2014/main" val="10003"/>
+                    <a16:rowId xmlns:a16="http://schemas.microsoft.com/office/drawing/2014/main" xmlns="" val="10003"/>
                   </a:ext>
                 </a:extLst>
               </a:tr>
@@ -29064,24 +29063,26 @@
                     <a:lstStyle/>
                     <a:p>
                       <a:r>
-                        <a:rPr lang="x-none" dirty="0">
-                          <a:effectLst/>
-                        </a:rPr>
-                        <a:t>10</a:t>
-                      </a:r>
-                      <a:endParaRPr lang="en-GB" dirty="0"/>
-                    </a:p>
-                  </a:txBody>
-                  <a:tcPr/>
-                </a:tc>
-                <a:tc>
-                  <a:txBody>
-                    <a:bodyPr/>
-                    <a:lstStyle/>
-                    <a:p>
-                      <a:r>
-                        <a:rPr lang="en-IN" dirty="0"/>
-                        <a:t>0.909</a:t>
+                        <a:rPr lang="en-IN" dirty="0" smtClean="0">
+                          <a:effectLst/>
+                        </a:rPr>
+                        <a:t>63</a:t>
+                      </a:r>
+                      <a:endParaRPr lang="en-GB" dirty="0"/>
+                    </a:p>
+                  </a:txBody>
+                  <a:tcPr/>
+                </a:tc>
+                <a:tc>
+                  <a:txBody>
+                    <a:bodyPr/>
+                    <a:lstStyle/>
+                    <a:p>
+                      <a:r>
+                        <a:rPr lang="en-GB" dirty="0" smtClean="0">
+                          <a:effectLst/>
+                        </a:rPr>
+                        <a:t>0.969</a:t>
                       </a:r>
                       <a:endParaRPr lang="en-GB" dirty="0"/>
                     </a:p>
@@ -29138,7 +29139,7 @@
                 </a:tc>
                 <a:extLst>
                   <a:ext uri="{0D108BD9-81ED-4DB2-BD59-A6C34878D82A}">
-                    <a16:rowId xmlns="" xmlns:a16="http://schemas.microsoft.com/office/drawing/2014/main" val="10004"/>
+                    <a16:rowId xmlns:a16="http://schemas.microsoft.com/office/drawing/2014/main" xmlns="" val="10004"/>
                   </a:ext>
                 </a:extLst>
               </a:tr>
@@ -29239,7 +29240,7 @@
                 </a:tc>
                 <a:extLst>
                   <a:ext uri="{0D108BD9-81ED-4DB2-BD59-A6C34878D82A}">
-                    <a16:rowId xmlns="" xmlns:a16="http://schemas.microsoft.com/office/drawing/2014/main" val="10005"/>
+                    <a16:rowId xmlns:a16="http://schemas.microsoft.com/office/drawing/2014/main" xmlns="" val="10005"/>
                   </a:ext>
                 </a:extLst>
               </a:tr>
@@ -29330,42 +29331,42 @@
                 <a:gridCol w="1074501">
                   <a:extLst>
                     <a:ext uri="{9D8B030D-6E8A-4147-A177-3AD203B41FA5}">
-                      <a16:colId xmlns="" xmlns:a16="http://schemas.microsoft.com/office/drawing/2014/main" val="20000"/>
+                      <a16:colId xmlns:a16="http://schemas.microsoft.com/office/drawing/2014/main" xmlns="" val="20000"/>
                     </a:ext>
                   </a:extLst>
                 </a:gridCol>
                 <a:gridCol w="1361982">
                   <a:extLst>
                     <a:ext uri="{9D8B030D-6E8A-4147-A177-3AD203B41FA5}">
-                      <a16:colId xmlns="" xmlns:a16="http://schemas.microsoft.com/office/drawing/2014/main" val="20001"/>
+                      <a16:colId xmlns:a16="http://schemas.microsoft.com/office/drawing/2014/main" xmlns="" val="20001"/>
                     </a:ext>
                   </a:extLst>
                 </a:gridCol>
                 <a:gridCol w="1069675">
                   <a:extLst>
                     <a:ext uri="{9D8B030D-6E8A-4147-A177-3AD203B41FA5}">
-                      <a16:colId xmlns="" xmlns:a16="http://schemas.microsoft.com/office/drawing/2014/main" val="20002"/>
+                      <a16:colId xmlns:a16="http://schemas.microsoft.com/office/drawing/2014/main" xmlns="" val="20002"/>
                     </a:ext>
                   </a:extLst>
                 </a:gridCol>
                 <a:gridCol w="776378">
                   <a:extLst>
                     <a:ext uri="{9D8B030D-6E8A-4147-A177-3AD203B41FA5}">
-                      <a16:colId xmlns="" xmlns:a16="http://schemas.microsoft.com/office/drawing/2014/main" val="20003"/>
+                      <a16:colId xmlns:a16="http://schemas.microsoft.com/office/drawing/2014/main" xmlns="" val="20003"/>
                     </a:ext>
                   </a:extLst>
                 </a:gridCol>
                 <a:gridCol w="785004">
                   <a:extLst>
                     <a:ext uri="{9D8B030D-6E8A-4147-A177-3AD203B41FA5}">
-                      <a16:colId xmlns="" xmlns:a16="http://schemas.microsoft.com/office/drawing/2014/main" val="20004"/>
+                      <a16:colId xmlns:a16="http://schemas.microsoft.com/office/drawing/2014/main" xmlns="" val="20004"/>
                     </a:ext>
                   </a:extLst>
                 </a:gridCol>
                 <a:gridCol w="1049424">
                   <a:extLst>
                     <a:ext uri="{9D8B030D-6E8A-4147-A177-3AD203B41FA5}">
-                      <a16:colId xmlns="" xmlns:a16="http://schemas.microsoft.com/office/drawing/2014/main" val="20005"/>
+                      <a16:colId xmlns:a16="http://schemas.microsoft.com/office/drawing/2014/main" xmlns="" val="20005"/>
                     </a:ext>
                   </a:extLst>
                 </a:gridCol>
@@ -29457,7 +29458,7 @@
                 </a:tc>
                 <a:extLst>
                   <a:ext uri="{0D108BD9-81ED-4DB2-BD59-A6C34878D82A}">
-                    <a16:rowId xmlns="" xmlns:a16="http://schemas.microsoft.com/office/drawing/2014/main" val="10000"/>
+                    <a16:rowId xmlns:a16="http://schemas.microsoft.com/office/drawing/2014/main" xmlns="" val="10000"/>
                   </a:ext>
                 </a:extLst>
               </a:tr>
@@ -29554,7 +29555,7 @@
                 </a:tc>
                 <a:extLst>
                   <a:ext uri="{0D108BD9-81ED-4DB2-BD59-A6C34878D82A}">
-                    <a16:rowId xmlns="" xmlns:a16="http://schemas.microsoft.com/office/drawing/2014/main" val="10001"/>
+                    <a16:rowId xmlns:a16="http://schemas.microsoft.com/office/drawing/2014/main" xmlns="" val="10001"/>
                   </a:ext>
                 </a:extLst>
               </a:tr>
@@ -29714,7 +29715,7 @@
                 </a:tc>
                 <a:extLst>
                   <a:ext uri="{0D108BD9-81ED-4DB2-BD59-A6C34878D82A}">
-                    <a16:rowId xmlns="" xmlns:a16="http://schemas.microsoft.com/office/drawing/2014/main" val="10002"/>
+                    <a16:rowId xmlns:a16="http://schemas.microsoft.com/office/drawing/2014/main" xmlns="" val="10002"/>
                   </a:ext>
                 </a:extLst>
               </a:tr>
@@ -29855,7 +29856,7 @@
                 </a:tc>
                 <a:extLst>
                   <a:ext uri="{0D108BD9-81ED-4DB2-BD59-A6C34878D82A}">
-                    <a16:rowId xmlns="" xmlns:a16="http://schemas.microsoft.com/office/drawing/2014/main" val="10003"/>
+                    <a16:rowId xmlns:a16="http://schemas.microsoft.com/office/drawing/2014/main" xmlns="" val="10003"/>
                   </a:ext>
                 </a:extLst>
               </a:tr>
@@ -29996,7 +29997,7 @@
                 </a:tc>
                 <a:extLst>
                   <a:ext uri="{0D108BD9-81ED-4DB2-BD59-A6C34878D82A}">
-                    <a16:rowId xmlns="" xmlns:a16="http://schemas.microsoft.com/office/drawing/2014/main" val="10004"/>
+                    <a16:rowId xmlns:a16="http://schemas.microsoft.com/office/drawing/2014/main" xmlns="" val="10004"/>
                   </a:ext>
                 </a:extLst>
               </a:tr>
@@ -30095,7 +30096,7 @@
                 </a:tc>
                 <a:extLst>
                   <a:ext uri="{0D108BD9-81ED-4DB2-BD59-A6C34878D82A}">
-                    <a16:rowId xmlns="" xmlns:a16="http://schemas.microsoft.com/office/drawing/2014/main" val="10005"/>
+                    <a16:rowId xmlns:a16="http://schemas.microsoft.com/office/drawing/2014/main" xmlns="" val="10005"/>
                   </a:ext>
                 </a:extLst>
               </a:tr>
@@ -30186,42 +30187,42 @@
                 <a:gridCol w="1074501">
                   <a:extLst>
                     <a:ext uri="{9D8B030D-6E8A-4147-A177-3AD203B41FA5}">
-                      <a16:colId xmlns="" xmlns:a16="http://schemas.microsoft.com/office/drawing/2014/main" val="20000"/>
+                      <a16:colId xmlns:a16="http://schemas.microsoft.com/office/drawing/2014/main" xmlns="" val="20000"/>
                     </a:ext>
                   </a:extLst>
                 </a:gridCol>
                 <a:gridCol w="1094563">
                   <a:extLst>
                     <a:ext uri="{9D8B030D-6E8A-4147-A177-3AD203B41FA5}">
-                      <a16:colId xmlns="" xmlns:a16="http://schemas.microsoft.com/office/drawing/2014/main" val="20001"/>
+                      <a16:colId xmlns:a16="http://schemas.microsoft.com/office/drawing/2014/main" xmlns="" val="20001"/>
                     </a:ext>
                   </a:extLst>
                 </a:gridCol>
                 <a:gridCol w="1112808">
                   <a:extLst>
                     <a:ext uri="{9D8B030D-6E8A-4147-A177-3AD203B41FA5}">
-                      <a16:colId xmlns="" xmlns:a16="http://schemas.microsoft.com/office/drawing/2014/main" val="20002"/>
+                      <a16:colId xmlns:a16="http://schemas.microsoft.com/office/drawing/2014/main" xmlns="" val="20002"/>
                     </a:ext>
                   </a:extLst>
                 </a:gridCol>
                 <a:gridCol w="755968">
                   <a:extLst>
                     <a:ext uri="{9D8B030D-6E8A-4147-A177-3AD203B41FA5}">
-                      <a16:colId xmlns="" xmlns:a16="http://schemas.microsoft.com/office/drawing/2014/main" val="20003"/>
+                      <a16:colId xmlns:a16="http://schemas.microsoft.com/office/drawing/2014/main" xmlns="" val="20003"/>
                     </a:ext>
                   </a:extLst>
                 </a:gridCol>
                 <a:gridCol w="909275">
                   <a:extLst>
                     <a:ext uri="{9D8B030D-6E8A-4147-A177-3AD203B41FA5}">
-                      <a16:colId xmlns="" xmlns:a16="http://schemas.microsoft.com/office/drawing/2014/main" val="20004"/>
+                      <a16:colId xmlns:a16="http://schemas.microsoft.com/office/drawing/2014/main" xmlns="" val="20004"/>
                     </a:ext>
                   </a:extLst>
                 </a:gridCol>
                 <a:gridCol w="1226019">
                   <a:extLst>
                     <a:ext uri="{9D8B030D-6E8A-4147-A177-3AD203B41FA5}">
-                      <a16:colId xmlns="" xmlns:a16="http://schemas.microsoft.com/office/drawing/2014/main" val="20005"/>
+                      <a16:colId xmlns:a16="http://schemas.microsoft.com/office/drawing/2014/main" xmlns="" val="20005"/>
                     </a:ext>
                   </a:extLst>
                 </a:gridCol>
@@ -30313,7 +30314,7 @@
                 </a:tc>
                 <a:extLst>
                   <a:ext uri="{0D108BD9-81ED-4DB2-BD59-A6C34878D82A}">
-                    <a16:rowId xmlns="" xmlns:a16="http://schemas.microsoft.com/office/drawing/2014/main" val="10000"/>
+                    <a16:rowId xmlns:a16="http://schemas.microsoft.com/office/drawing/2014/main" xmlns="" val="10000"/>
                   </a:ext>
                 </a:extLst>
               </a:tr>
@@ -30412,7 +30413,7 @@
                 </a:tc>
                 <a:extLst>
                   <a:ext uri="{0D108BD9-81ED-4DB2-BD59-A6C34878D82A}">
-                    <a16:rowId xmlns="" xmlns:a16="http://schemas.microsoft.com/office/drawing/2014/main" val="10001"/>
+                    <a16:rowId xmlns:a16="http://schemas.microsoft.com/office/drawing/2014/main" xmlns="" val="10001"/>
                   </a:ext>
                 </a:extLst>
               </a:tr>
@@ -30530,7 +30531,7 @@
                 </a:tc>
                 <a:extLst>
                   <a:ext uri="{0D108BD9-81ED-4DB2-BD59-A6C34878D82A}">
-                    <a16:rowId xmlns="" xmlns:a16="http://schemas.microsoft.com/office/drawing/2014/main" val="10002"/>
+                    <a16:rowId xmlns:a16="http://schemas.microsoft.com/office/drawing/2014/main" xmlns="" val="10002"/>
                   </a:ext>
                 </a:extLst>
               </a:tr>
@@ -30671,7 +30672,7 @@
                 </a:tc>
                 <a:extLst>
                   <a:ext uri="{0D108BD9-81ED-4DB2-BD59-A6C34878D82A}">
-                    <a16:rowId xmlns="" xmlns:a16="http://schemas.microsoft.com/office/drawing/2014/main" val="10003"/>
+                    <a16:rowId xmlns:a16="http://schemas.microsoft.com/office/drawing/2014/main" xmlns="" val="10003"/>
                   </a:ext>
                 </a:extLst>
               </a:tr>
@@ -30812,7 +30813,7 @@
                 </a:tc>
                 <a:extLst>
                   <a:ext uri="{0D108BD9-81ED-4DB2-BD59-A6C34878D82A}">
-                    <a16:rowId xmlns="" xmlns:a16="http://schemas.microsoft.com/office/drawing/2014/main" val="10004"/>
+                    <a16:rowId xmlns:a16="http://schemas.microsoft.com/office/drawing/2014/main" xmlns="" val="10004"/>
                   </a:ext>
                 </a:extLst>
               </a:tr>
@@ -30925,7 +30926,7 @@
                 </a:tc>
                 <a:extLst>
                   <a:ext uri="{0D108BD9-81ED-4DB2-BD59-A6C34878D82A}">
-                    <a16:rowId xmlns="" xmlns:a16="http://schemas.microsoft.com/office/drawing/2014/main" val="10005"/>
+                    <a16:rowId xmlns:a16="http://schemas.microsoft.com/office/drawing/2014/main" xmlns="" val="10005"/>
                   </a:ext>
                 </a:extLst>
               </a:tr>
@@ -31016,42 +31017,42 @@
                 <a:gridCol w="1108522">
                   <a:extLst>
                     <a:ext uri="{9D8B030D-6E8A-4147-A177-3AD203B41FA5}">
-                      <a16:colId xmlns="" xmlns:a16="http://schemas.microsoft.com/office/drawing/2014/main" val="20000"/>
+                      <a16:colId xmlns:a16="http://schemas.microsoft.com/office/drawing/2014/main" xmlns="" val="20000"/>
                     </a:ext>
                   </a:extLst>
                 </a:gridCol>
                 <a:gridCol w="1129219">
                   <a:extLst>
                     <a:ext uri="{9D8B030D-6E8A-4147-A177-3AD203B41FA5}">
-                      <a16:colId xmlns="" xmlns:a16="http://schemas.microsoft.com/office/drawing/2014/main" val="20001"/>
+                      <a16:colId xmlns:a16="http://schemas.microsoft.com/office/drawing/2014/main" xmlns="" val="20001"/>
                     </a:ext>
                   </a:extLst>
                 </a:gridCol>
                 <a:gridCol w="1148042">
                   <a:extLst>
                     <a:ext uri="{9D8B030D-6E8A-4147-A177-3AD203B41FA5}">
-                      <a16:colId xmlns="" xmlns:a16="http://schemas.microsoft.com/office/drawing/2014/main" val="20002"/>
+                      <a16:colId xmlns:a16="http://schemas.microsoft.com/office/drawing/2014/main" xmlns="" val="20002"/>
                     </a:ext>
                   </a:extLst>
                 </a:gridCol>
                 <a:gridCol w="802761">
                   <a:extLst>
                     <a:ext uri="{9D8B030D-6E8A-4147-A177-3AD203B41FA5}">
-                      <a16:colId xmlns="" xmlns:a16="http://schemas.microsoft.com/office/drawing/2014/main" val="20003"/>
+                      <a16:colId xmlns:a16="http://schemas.microsoft.com/office/drawing/2014/main" xmlns="" val="20003"/>
                     </a:ext>
                   </a:extLst>
                 </a:gridCol>
                 <a:gridCol w="857259">
                   <a:extLst>
                     <a:ext uri="{9D8B030D-6E8A-4147-A177-3AD203B41FA5}">
-                      <a16:colId xmlns="" xmlns:a16="http://schemas.microsoft.com/office/drawing/2014/main" val="20004"/>
+                      <a16:colId xmlns:a16="http://schemas.microsoft.com/office/drawing/2014/main" xmlns="" val="20004"/>
                     </a:ext>
                   </a:extLst>
                 </a:gridCol>
                 <a:gridCol w="1264838">
                   <a:extLst>
                     <a:ext uri="{9D8B030D-6E8A-4147-A177-3AD203B41FA5}">
-                      <a16:colId xmlns="" xmlns:a16="http://schemas.microsoft.com/office/drawing/2014/main" val="20005"/>
+                      <a16:colId xmlns:a16="http://schemas.microsoft.com/office/drawing/2014/main" xmlns="" val="20005"/>
                     </a:ext>
                   </a:extLst>
                 </a:gridCol>
@@ -31143,7 +31144,7 @@
                 </a:tc>
                 <a:extLst>
                   <a:ext uri="{0D108BD9-81ED-4DB2-BD59-A6C34878D82A}">
-                    <a16:rowId xmlns="" xmlns:a16="http://schemas.microsoft.com/office/drawing/2014/main" val="10000"/>
+                    <a16:rowId xmlns:a16="http://schemas.microsoft.com/office/drawing/2014/main" xmlns="" val="10000"/>
                   </a:ext>
                 </a:extLst>
               </a:tr>
@@ -31241,7 +31242,7 @@
                 </a:tc>
                 <a:extLst>
                   <a:ext uri="{0D108BD9-81ED-4DB2-BD59-A6C34878D82A}">
-                    <a16:rowId xmlns="" xmlns:a16="http://schemas.microsoft.com/office/drawing/2014/main" val="10001"/>
+                    <a16:rowId xmlns:a16="http://schemas.microsoft.com/office/drawing/2014/main" xmlns="" val="10001"/>
                   </a:ext>
                 </a:extLst>
               </a:tr>
@@ -31401,7 +31402,7 @@
                 </a:tc>
                 <a:extLst>
                   <a:ext uri="{0D108BD9-81ED-4DB2-BD59-A6C34878D82A}">
-                    <a16:rowId xmlns="" xmlns:a16="http://schemas.microsoft.com/office/drawing/2014/main" val="10002"/>
+                    <a16:rowId xmlns:a16="http://schemas.microsoft.com/office/drawing/2014/main" xmlns="" val="10002"/>
                   </a:ext>
                 </a:extLst>
               </a:tr>
@@ -31542,7 +31543,7 @@
                 </a:tc>
                 <a:extLst>
                   <a:ext uri="{0D108BD9-81ED-4DB2-BD59-A6C34878D82A}">
-                    <a16:rowId xmlns="" xmlns:a16="http://schemas.microsoft.com/office/drawing/2014/main" val="10003"/>
+                    <a16:rowId xmlns:a16="http://schemas.microsoft.com/office/drawing/2014/main" xmlns="" val="10003"/>
                   </a:ext>
                 </a:extLst>
               </a:tr>
@@ -31685,7 +31686,7 @@
                 </a:tc>
                 <a:extLst>
                   <a:ext uri="{0D108BD9-81ED-4DB2-BD59-A6C34878D82A}">
-                    <a16:rowId xmlns="" xmlns:a16="http://schemas.microsoft.com/office/drawing/2014/main" val="10004"/>
+                    <a16:rowId xmlns:a16="http://schemas.microsoft.com/office/drawing/2014/main" xmlns="" val="10004"/>
                   </a:ext>
                 </a:extLst>
               </a:tr>
@@ -31784,7 +31785,7 @@
                 </a:tc>
                 <a:extLst>
                   <a:ext uri="{0D108BD9-81ED-4DB2-BD59-A6C34878D82A}">
-                    <a16:rowId xmlns="" xmlns:a16="http://schemas.microsoft.com/office/drawing/2014/main" val="10005"/>
+                    <a16:rowId xmlns:a16="http://schemas.microsoft.com/office/drawing/2014/main" xmlns="" val="10005"/>
                   </a:ext>
                 </a:extLst>
               </a:tr>

--- a/Reports/Hiwi Meeting 4.pptx
+++ b/Reports/Hiwi Meeting 4.pptx
@@ -1264,7 +1264,7 @@
           <a:p>
             <a:fld id="{14B9FE85-2513-4447-ACC4-7B6DEAE6A03C}" type="datetimeFigureOut">
               <a:rPr lang="en-GB" smtClean="0"/>
-              <a:t>02/07/2020</a:t>
+              <a:t>03/07/2020</a:t>
             </a:fld>
             <a:endParaRPr lang="en-GB"/>
           </a:p>
@@ -1434,7 +1434,7 @@
           <a:p>
             <a:fld id="{14B9FE85-2513-4447-ACC4-7B6DEAE6A03C}" type="datetimeFigureOut">
               <a:rPr lang="en-GB" smtClean="0"/>
-              <a:t>02/07/2020</a:t>
+              <a:t>03/07/2020</a:t>
             </a:fld>
             <a:endParaRPr lang="en-GB"/>
           </a:p>
@@ -1614,7 +1614,7 @@
           <a:p>
             <a:fld id="{14B9FE85-2513-4447-ACC4-7B6DEAE6A03C}" type="datetimeFigureOut">
               <a:rPr lang="en-GB" smtClean="0"/>
-              <a:t>02/07/2020</a:t>
+              <a:t>03/07/2020</a:t>
             </a:fld>
             <a:endParaRPr lang="en-GB"/>
           </a:p>
@@ -1784,7 +1784,7 @@
           <a:p>
             <a:fld id="{14B9FE85-2513-4447-ACC4-7B6DEAE6A03C}" type="datetimeFigureOut">
               <a:rPr lang="en-GB" smtClean="0"/>
-              <a:t>02/07/2020</a:t>
+              <a:t>03/07/2020</a:t>
             </a:fld>
             <a:endParaRPr lang="en-GB"/>
           </a:p>
@@ -2030,7 +2030,7 @@
           <a:p>
             <a:fld id="{14B9FE85-2513-4447-ACC4-7B6DEAE6A03C}" type="datetimeFigureOut">
               <a:rPr lang="en-GB" smtClean="0"/>
-              <a:t>02/07/2020</a:t>
+              <a:t>03/07/2020</a:t>
             </a:fld>
             <a:endParaRPr lang="en-GB"/>
           </a:p>
@@ -2262,7 +2262,7 @@
           <a:p>
             <a:fld id="{14B9FE85-2513-4447-ACC4-7B6DEAE6A03C}" type="datetimeFigureOut">
               <a:rPr lang="en-GB" smtClean="0"/>
-              <a:t>02/07/2020</a:t>
+              <a:t>03/07/2020</a:t>
             </a:fld>
             <a:endParaRPr lang="en-GB"/>
           </a:p>
@@ -2629,7 +2629,7 @@
           <a:p>
             <a:fld id="{14B9FE85-2513-4447-ACC4-7B6DEAE6A03C}" type="datetimeFigureOut">
               <a:rPr lang="en-GB" smtClean="0"/>
-              <a:t>02/07/2020</a:t>
+              <a:t>03/07/2020</a:t>
             </a:fld>
             <a:endParaRPr lang="en-GB"/>
           </a:p>
@@ -2747,7 +2747,7 @@
           <a:p>
             <a:fld id="{14B9FE85-2513-4447-ACC4-7B6DEAE6A03C}" type="datetimeFigureOut">
               <a:rPr lang="en-GB" smtClean="0"/>
-              <a:t>02/07/2020</a:t>
+              <a:t>03/07/2020</a:t>
             </a:fld>
             <a:endParaRPr lang="en-GB"/>
           </a:p>
@@ -2842,7 +2842,7 @@
           <a:p>
             <a:fld id="{14B9FE85-2513-4447-ACC4-7B6DEAE6A03C}" type="datetimeFigureOut">
               <a:rPr lang="en-GB" smtClean="0"/>
-              <a:t>02/07/2020</a:t>
+              <a:t>03/07/2020</a:t>
             </a:fld>
             <a:endParaRPr lang="en-GB"/>
           </a:p>
@@ -3119,7 +3119,7 @@
           <a:p>
             <a:fld id="{14B9FE85-2513-4447-ACC4-7B6DEAE6A03C}" type="datetimeFigureOut">
               <a:rPr lang="en-GB" smtClean="0"/>
-              <a:t>02/07/2020</a:t>
+              <a:t>03/07/2020</a:t>
             </a:fld>
             <a:endParaRPr lang="en-GB"/>
           </a:p>
@@ -3372,7 +3372,7 @@
           <a:p>
             <a:fld id="{14B9FE85-2513-4447-ACC4-7B6DEAE6A03C}" type="datetimeFigureOut">
               <a:rPr lang="en-GB" smtClean="0"/>
-              <a:t>02/07/2020</a:t>
+              <a:t>03/07/2020</a:t>
             </a:fld>
             <a:endParaRPr lang="en-GB"/>
           </a:p>
@@ -3585,7 +3585,7 @@
           <a:p>
             <a:fld id="{14B9FE85-2513-4447-ACC4-7B6DEAE6A03C}" type="datetimeFigureOut">
               <a:rPr lang="en-GB" smtClean="0"/>
-              <a:t>02/07/2020</a:t>
+              <a:t>03/07/2020</a:t>
             </a:fld>
             <a:endParaRPr lang="en-GB"/>
           </a:p>
@@ -4108,7 +4108,7 @@
           <p:nvPr>
             <p:extLst>
               <p:ext uri="{D42A27DB-BD31-4B8C-83A1-F6EECF244321}">
-                <p14:modId xmlns:p14="http://schemas.microsoft.com/office/powerpoint/2010/main" val="3385750224"/>
+                <p14:modId xmlns:p14="http://schemas.microsoft.com/office/powerpoint/2010/main" val="758580583"/>
               </p:ext>
             </p:extLst>
           </p:nvPr>
@@ -4127,42 +4127,42 @@
                 <a:gridCol w="1074501">
                   <a:extLst>
                     <a:ext uri="{9D8B030D-6E8A-4147-A177-3AD203B41FA5}">
-                      <a16:colId xmlns:a16="http://schemas.microsoft.com/office/drawing/2014/main" xmlns="" val="20000"/>
+                      <a16:colId xmlns="" xmlns:a16="http://schemas.microsoft.com/office/drawing/2014/main" val="20000"/>
                     </a:ext>
                   </a:extLst>
                 </a:gridCol>
                 <a:gridCol w="1094563">
                   <a:extLst>
                     <a:ext uri="{9D8B030D-6E8A-4147-A177-3AD203B41FA5}">
-                      <a16:colId xmlns:a16="http://schemas.microsoft.com/office/drawing/2014/main" xmlns="" val="20001"/>
+                      <a16:colId xmlns="" xmlns:a16="http://schemas.microsoft.com/office/drawing/2014/main" val="20001"/>
                     </a:ext>
                   </a:extLst>
                 </a:gridCol>
                 <a:gridCol w="1112808">
                   <a:extLst>
                     <a:ext uri="{9D8B030D-6E8A-4147-A177-3AD203B41FA5}">
-                      <a16:colId xmlns:a16="http://schemas.microsoft.com/office/drawing/2014/main" xmlns="" val="20002"/>
+                      <a16:colId xmlns="" xmlns:a16="http://schemas.microsoft.com/office/drawing/2014/main" val="20002"/>
                     </a:ext>
                   </a:extLst>
                 </a:gridCol>
                 <a:gridCol w="785901">
                   <a:extLst>
                     <a:ext uri="{9D8B030D-6E8A-4147-A177-3AD203B41FA5}">
-                      <a16:colId xmlns:a16="http://schemas.microsoft.com/office/drawing/2014/main" xmlns="" val="20003"/>
+                      <a16:colId xmlns="" xmlns:a16="http://schemas.microsoft.com/office/drawing/2014/main" val="20003"/>
                     </a:ext>
                   </a:extLst>
                 </a:gridCol>
                 <a:gridCol w="823172">
                   <a:extLst>
                     <a:ext uri="{9D8B030D-6E8A-4147-A177-3AD203B41FA5}">
-                      <a16:colId xmlns:a16="http://schemas.microsoft.com/office/drawing/2014/main" xmlns="" val="20004"/>
+                      <a16:colId xmlns="" xmlns:a16="http://schemas.microsoft.com/office/drawing/2014/main" val="20004"/>
                     </a:ext>
                   </a:extLst>
                 </a:gridCol>
                 <a:gridCol w="1226019">
                   <a:extLst>
                     <a:ext uri="{9D8B030D-6E8A-4147-A177-3AD203B41FA5}">
-                      <a16:colId xmlns:a16="http://schemas.microsoft.com/office/drawing/2014/main" xmlns="" val="20005"/>
+                      <a16:colId xmlns="" xmlns:a16="http://schemas.microsoft.com/office/drawing/2014/main" val="20005"/>
                     </a:ext>
                   </a:extLst>
                 </a:gridCol>
@@ -4254,7 +4254,7 @@
                 </a:tc>
                 <a:extLst>
                   <a:ext uri="{0D108BD9-81ED-4DB2-BD59-A6C34878D82A}">
-                    <a16:rowId xmlns:a16="http://schemas.microsoft.com/office/drawing/2014/main" xmlns="" val="10000"/>
+                    <a16:rowId xmlns="" xmlns:a16="http://schemas.microsoft.com/office/drawing/2014/main" val="10000"/>
                   </a:ext>
                 </a:extLst>
               </a:tr>
@@ -4282,7 +4282,7 @@
                         <a:rPr lang="en-IN" dirty="0" smtClean="0">
                           <a:effectLst/>
                         </a:rPr>
-                        <a:t>48</a:t>
+                        <a:t>36</a:t>
                       </a:r>
                       <a:endParaRPr lang="en-GB" dirty="0"/>
                     </a:p>
@@ -4311,8 +4311,10 @@
                     <a:lstStyle/>
                     <a:p>
                       <a:r>
-                        <a:rPr lang="en-IN" dirty="0"/>
-                        <a:t>0.814</a:t>
+                        <a:rPr lang="en-GB" smtClean="0">
+                          <a:effectLst/>
+                        </a:rPr>
+                        <a:t>0.824</a:t>
                       </a:r>
                       <a:endParaRPr lang="en-GB" dirty="0"/>
                     </a:p>
@@ -4351,7 +4353,7 @@
                 </a:tc>
                 <a:extLst>
                   <a:ext uri="{0D108BD9-81ED-4DB2-BD59-A6C34878D82A}">
-                    <a16:rowId xmlns:a16="http://schemas.microsoft.com/office/drawing/2014/main" xmlns="" val="10001"/>
+                    <a16:rowId xmlns="" xmlns:a16="http://schemas.microsoft.com/office/drawing/2014/main" val="10001"/>
                   </a:ext>
                 </a:extLst>
               </a:tr>
@@ -4509,7 +4511,7 @@
                 </a:tc>
                 <a:extLst>
                   <a:ext uri="{0D108BD9-81ED-4DB2-BD59-A6C34878D82A}">
-                    <a16:rowId xmlns:a16="http://schemas.microsoft.com/office/drawing/2014/main" xmlns="" val="10002"/>
+                    <a16:rowId xmlns="" xmlns:a16="http://schemas.microsoft.com/office/drawing/2014/main" val="10002"/>
                   </a:ext>
                 </a:extLst>
               </a:tr>
@@ -4652,7 +4654,7 @@
                 </a:tc>
                 <a:extLst>
                   <a:ext uri="{0D108BD9-81ED-4DB2-BD59-A6C34878D82A}">
-                    <a16:rowId xmlns:a16="http://schemas.microsoft.com/office/drawing/2014/main" xmlns="" val="10003"/>
+                    <a16:rowId xmlns="" xmlns:a16="http://schemas.microsoft.com/office/drawing/2014/main" val="10003"/>
                   </a:ext>
                 </a:extLst>
               </a:tr>
@@ -4753,7 +4755,7 @@
                 </a:tc>
                 <a:extLst>
                   <a:ext uri="{0D108BD9-81ED-4DB2-BD59-A6C34878D82A}">
-                    <a16:rowId xmlns:a16="http://schemas.microsoft.com/office/drawing/2014/main" xmlns="" val="10004"/>
+                    <a16:rowId xmlns="" xmlns:a16="http://schemas.microsoft.com/office/drawing/2014/main" val="10004"/>
                   </a:ext>
                 </a:extLst>
               </a:tr>
@@ -4854,7 +4856,7 @@
                 </a:tc>
                 <a:extLst>
                   <a:ext uri="{0D108BD9-81ED-4DB2-BD59-A6C34878D82A}">
-                    <a16:rowId xmlns:a16="http://schemas.microsoft.com/office/drawing/2014/main" xmlns="" val="10005"/>
+                    <a16:rowId xmlns="" xmlns:a16="http://schemas.microsoft.com/office/drawing/2014/main" val="10005"/>
                   </a:ext>
                 </a:extLst>
               </a:tr>
@@ -4945,42 +4947,42 @@
                 <a:gridCol w="1074501">
                   <a:extLst>
                     <a:ext uri="{9D8B030D-6E8A-4147-A177-3AD203B41FA5}">
-                      <a16:colId xmlns:a16="http://schemas.microsoft.com/office/drawing/2014/main" xmlns="" val="20000"/>
+                      <a16:colId xmlns="" xmlns:a16="http://schemas.microsoft.com/office/drawing/2014/main" val="20000"/>
                     </a:ext>
                   </a:extLst>
                 </a:gridCol>
                 <a:gridCol w="1042804">
                   <a:extLst>
                     <a:ext uri="{9D8B030D-6E8A-4147-A177-3AD203B41FA5}">
-                      <a16:colId xmlns:a16="http://schemas.microsoft.com/office/drawing/2014/main" xmlns="" val="20001"/>
+                      <a16:colId xmlns="" xmlns:a16="http://schemas.microsoft.com/office/drawing/2014/main" val="20001"/>
                     </a:ext>
                   </a:extLst>
                 </a:gridCol>
                 <a:gridCol w="1086929">
                   <a:extLst>
                     <a:ext uri="{9D8B030D-6E8A-4147-A177-3AD203B41FA5}">
-                      <a16:colId xmlns:a16="http://schemas.microsoft.com/office/drawing/2014/main" xmlns="" val="20002"/>
+                      <a16:colId xmlns="" xmlns:a16="http://schemas.microsoft.com/office/drawing/2014/main" val="20002"/>
                     </a:ext>
                   </a:extLst>
                 </a:gridCol>
                 <a:gridCol w="777436">
                   <a:extLst>
                     <a:ext uri="{9D8B030D-6E8A-4147-A177-3AD203B41FA5}">
-                      <a16:colId xmlns:a16="http://schemas.microsoft.com/office/drawing/2014/main" xmlns="" val="20003"/>
+                      <a16:colId xmlns="" xmlns:a16="http://schemas.microsoft.com/office/drawing/2014/main" val="20003"/>
                     </a:ext>
                   </a:extLst>
                 </a:gridCol>
                 <a:gridCol w="909275">
                   <a:extLst>
                     <a:ext uri="{9D8B030D-6E8A-4147-A177-3AD203B41FA5}">
-                      <a16:colId xmlns:a16="http://schemas.microsoft.com/office/drawing/2014/main" xmlns="" val="20004"/>
+                      <a16:colId xmlns="" xmlns:a16="http://schemas.microsoft.com/office/drawing/2014/main" val="20004"/>
                     </a:ext>
                   </a:extLst>
                 </a:gridCol>
                 <a:gridCol w="1226019">
                   <a:extLst>
                     <a:ext uri="{9D8B030D-6E8A-4147-A177-3AD203B41FA5}">
-                      <a16:colId xmlns:a16="http://schemas.microsoft.com/office/drawing/2014/main" xmlns="" val="20005"/>
+                      <a16:colId xmlns="" xmlns:a16="http://schemas.microsoft.com/office/drawing/2014/main" val="20005"/>
                     </a:ext>
                   </a:extLst>
                 </a:gridCol>
@@ -5072,7 +5074,7 @@
                 </a:tc>
                 <a:extLst>
                   <a:ext uri="{0D108BD9-81ED-4DB2-BD59-A6C34878D82A}">
-                    <a16:rowId xmlns:a16="http://schemas.microsoft.com/office/drawing/2014/main" xmlns="" val="10000"/>
+                    <a16:rowId xmlns="" xmlns:a16="http://schemas.microsoft.com/office/drawing/2014/main" val="10000"/>
                   </a:ext>
                 </a:extLst>
               </a:tr>
@@ -5169,7 +5171,7 @@
                 </a:tc>
                 <a:extLst>
                   <a:ext uri="{0D108BD9-81ED-4DB2-BD59-A6C34878D82A}">
-                    <a16:rowId xmlns:a16="http://schemas.microsoft.com/office/drawing/2014/main" xmlns="" val="10001"/>
+                    <a16:rowId xmlns="" xmlns:a16="http://schemas.microsoft.com/office/drawing/2014/main" val="10001"/>
                   </a:ext>
                 </a:extLst>
               </a:tr>
@@ -5329,7 +5331,7 @@
                 </a:tc>
                 <a:extLst>
                   <a:ext uri="{0D108BD9-81ED-4DB2-BD59-A6C34878D82A}">
-                    <a16:rowId xmlns:a16="http://schemas.microsoft.com/office/drawing/2014/main" xmlns="" val="10002"/>
+                    <a16:rowId xmlns="" xmlns:a16="http://schemas.microsoft.com/office/drawing/2014/main" val="10002"/>
                   </a:ext>
                 </a:extLst>
               </a:tr>
@@ -5489,7 +5491,7 @@
                 </a:tc>
                 <a:extLst>
                   <a:ext uri="{0D108BD9-81ED-4DB2-BD59-A6C34878D82A}">
-                    <a16:rowId xmlns:a16="http://schemas.microsoft.com/office/drawing/2014/main" xmlns="" val="10003"/>
+                    <a16:rowId xmlns="" xmlns:a16="http://schemas.microsoft.com/office/drawing/2014/main" val="10003"/>
                   </a:ext>
                 </a:extLst>
               </a:tr>
@@ -5632,7 +5634,7 @@
                 </a:tc>
                 <a:extLst>
                   <a:ext uri="{0D108BD9-81ED-4DB2-BD59-A6C34878D82A}">
-                    <a16:rowId xmlns:a16="http://schemas.microsoft.com/office/drawing/2014/main" xmlns="" val="10004"/>
+                    <a16:rowId xmlns="" xmlns:a16="http://schemas.microsoft.com/office/drawing/2014/main" val="10004"/>
                   </a:ext>
                 </a:extLst>
               </a:tr>
@@ -5733,7 +5735,7 @@
                 </a:tc>
                 <a:extLst>
                   <a:ext uri="{0D108BD9-81ED-4DB2-BD59-A6C34878D82A}">
-                    <a16:rowId xmlns:a16="http://schemas.microsoft.com/office/drawing/2014/main" xmlns="" val="10005"/>
+                    <a16:rowId xmlns="" xmlns:a16="http://schemas.microsoft.com/office/drawing/2014/main" val="10005"/>
                   </a:ext>
                 </a:extLst>
               </a:tr>
@@ -5824,42 +5826,42 @@
                 <a:gridCol w="1074501">
                   <a:extLst>
                     <a:ext uri="{9D8B030D-6E8A-4147-A177-3AD203B41FA5}">
-                      <a16:colId xmlns:a16="http://schemas.microsoft.com/office/drawing/2014/main" xmlns="" val="20000"/>
+                      <a16:colId xmlns="" xmlns:a16="http://schemas.microsoft.com/office/drawing/2014/main" val="20000"/>
                     </a:ext>
                   </a:extLst>
                 </a:gridCol>
                 <a:gridCol w="1051431">
                   <a:extLst>
                     <a:ext uri="{9D8B030D-6E8A-4147-A177-3AD203B41FA5}">
-                      <a16:colId xmlns:a16="http://schemas.microsoft.com/office/drawing/2014/main" xmlns="" val="20001"/>
+                      <a16:colId xmlns="" xmlns:a16="http://schemas.microsoft.com/office/drawing/2014/main" val="20001"/>
                     </a:ext>
                   </a:extLst>
                 </a:gridCol>
                 <a:gridCol w="1104181">
                   <a:extLst>
                     <a:ext uri="{9D8B030D-6E8A-4147-A177-3AD203B41FA5}">
-                      <a16:colId xmlns:a16="http://schemas.microsoft.com/office/drawing/2014/main" xmlns="" val="20002"/>
+                      <a16:colId xmlns="" xmlns:a16="http://schemas.microsoft.com/office/drawing/2014/main" val="20002"/>
                     </a:ext>
                   </a:extLst>
                 </a:gridCol>
                 <a:gridCol w="751557">
                   <a:extLst>
                     <a:ext uri="{9D8B030D-6E8A-4147-A177-3AD203B41FA5}">
-                      <a16:colId xmlns:a16="http://schemas.microsoft.com/office/drawing/2014/main" xmlns="" val="20003"/>
+                      <a16:colId xmlns="" xmlns:a16="http://schemas.microsoft.com/office/drawing/2014/main" val="20003"/>
                     </a:ext>
                   </a:extLst>
                 </a:gridCol>
                 <a:gridCol w="909275">
                   <a:extLst>
                     <a:ext uri="{9D8B030D-6E8A-4147-A177-3AD203B41FA5}">
-                      <a16:colId xmlns:a16="http://schemas.microsoft.com/office/drawing/2014/main" xmlns="" val="20004"/>
+                      <a16:colId xmlns="" xmlns:a16="http://schemas.microsoft.com/office/drawing/2014/main" val="20004"/>
                     </a:ext>
                   </a:extLst>
                 </a:gridCol>
                 <a:gridCol w="1226019">
                   <a:extLst>
                     <a:ext uri="{9D8B030D-6E8A-4147-A177-3AD203B41FA5}">
-                      <a16:colId xmlns:a16="http://schemas.microsoft.com/office/drawing/2014/main" xmlns="" val="20005"/>
+                      <a16:colId xmlns="" xmlns:a16="http://schemas.microsoft.com/office/drawing/2014/main" val="20005"/>
                     </a:ext>
                   </a:extLst>
                 </a:gridCol>
@@ -5951,7 +5953,7 @@
                 </a:tc>
                 <a:extLst>
                   <a:ext uri="{0D108BD9-81ED-4DB2-BD59-A6C34878D82A}">
-                    <a16:rowId xmlns:a16="http://schemas.microsoft.com/office/drawing/2014/main" xmlns="" val="10000"/>
+                    <a16:rowId xmlns="" xmlns:a16="http://schemas.microsoft.com/office/drawing/2014/main" val="10000"/>
                   </a:ext>
                 </a:extLst>
               </a:tr>
@@ -6046,7 +6048,7 @@
                 </a:tc>
                 <a:extLst>
                   <a:ext uri="{0D108BD9-81ED-4DB2-BD59-A6C34878D82A}">
-                    <a16:rowId xmlns:a16="http://schemas.microsoft.com/office/drawing/2014/main" xmlns="" val="10001"/>
+                    <a16:rowId xmlns="" xmlns:a16="http://schemas.microsoft.com/office/drawing/2014/main" val="10001"/>
                   </a:ext>
                 </a:extLst>
               </a:tr>
@@ -6202,7 +6204,7 @@
                 </a:tc>
                 <a:extLst>
                   <a:ext uri="{0D108BD9-81ED-4DB2-BD59-A6C34878D82A}">
-                    <a16:rowId xmlns:a16="http://schemas.microsoft.com/office/drawing/2014/main" xmlns="" val="10002"/>
+                    <a16:rowId xmlns="" xmlns:a16="http://schemas.microsoft.com/office/drawing/2014/main" val="10002"/>
                   </a:ext>
                 </a:extLst>
               </a:tr>
@@ -6358,7 +6360,7 @@
                 </a:tc>
                 <a:extLst>
                   <a:ext uri="{0D108BD9-81ED-4DB2-BD59-A6C34878D82A}">
-                    <a16:rowId xmlns:a16="http://schemas.microsoft.com/office/drawing/2014/main" xmlns="" val="10003"/>
+                    <a16:rowId xmlns="" xmlns:a16="http://schemas.microsoft.com/office/drawing/2014/main" val="10003"/>
                   </a:ext>
                 </a:extLst>
               </a:tr>
@@ -6491,7 +6493,7 @@
                 </a:tc>
                 <a:extLst>
                   <a:ext uri="{0D108BD9-81ED-4DB2-BD59-A6C34878D82A}">
-                    <a16:rowId xmlns:a16="http://schemas.microsoft.com/office/drawing/2014/main" xmlns="" val="10004"/>
+                    <a16:rowId xmlns="" xmlns:a16="http://schemas.microsoft.com/office/drawing/2014/main" val="10004"/>
                   </a:ext>
                 </a:extLst>
               </a:tr>
@@ -6582,7 +6584,7 @@
                 </a:tc>
                 <a:extLst>
                   <a:ext uri="{0D108BD9-81ED-4DB2-BD59-A6C34878D82A}">
-                    <a16:rowId xmlns:a16="http://schemas.microsoft.com/office/drawing/2014/main" xmlns="" val="10005"/>
+                    <a16:rowId xmlns="" xmlns:a16="http://schemas.microsoft.com/office/drawing/2014/main" val="10005"/>
                   </a:ext>
                 </a:extLst>
               </a:tr>
@@ -9110,42 +9112,42 @@
                 <a:gridCol w="1024621">
                   <a:extLst>
                     <a:ext uri="{9D8B030D-6E8A-4147-A177-3AD203B41FA5}">
-                      <a16:colId xmlns:a16="http://schemas.microsoft.com/office/drawing/2014/main" xmlns="" val="20000"/>
+                      <a16:colId xmlns="" xmlns:a16="http://schemas.microsoft.com/office/drawing/2014/main" val="20000"/>
                     </a:ext>
                   </a:extLst>
                 </a:gridCol>
                 <a:gridCol w="1232949">
                   <a:extLst>
                     <a:ext uri="{9D8B030D-6E8A-4147-A177-3AD203B41FA5}">
-                      <a16:colId xmlns:a16="http://schemas.microsoft.com/office/drawing/2014/main" xmlns="" val="20001"/>
+                      <a16:colId xmlns="" xmlns:a16="http://schemas.microsoft.com/office/drawing/2014/main" val="20001"/>
                     </a:ext>
                   </a:extLst>
                 </a:gridCol>
                 <a:gridCol w="1069375">
                   <a:extLst>
                     <a:ext uri="{9D8B030D-6E8A-4147-A177-3AD203B41FA5}">
-                      <a16:colId xmlns:a16="http://schemas.microsoft.com/office/drawing/2014/main" xmlns="" val="20002"/>
+                      <a16:colId xmlns="" xmlns:a16="http://schemas.microsoft.com/office/drawing/2014/main" val="20002"/>
                     </a:ext>
                   </a:extLst>
                 </a:gridCol>
                 <a:gridCol w="765014">
                   <a:extLst>
                     <a:ext uri="{9D8B030D-6E8A-4147-A177-3AD203B41FA5}">
-                      <a16:colId xmlns:a16="http://schemas.microsoft.com/office/drawing/2014/main" xmlns="" val="20003"/>
+                      <a16:colId xmlns="" xmlns:a16="http://schemas.microsoft.com/office/drawing/2014/main" val="20003"/>
                     </a:ext>
                   </a:extLst>
                 </a:gridCol>
                 <a:gridCol w="847274">
                   <a:extLst>
                     <a:ext uri="{9D8B030D-6E8A-4147-A177-3AD203B41FA5}">
-                      <a16:colId xmlns:a16="http://schemas.microsoft.com/office/drawing/2014/main" xmlns="" val="20004"/>
+                      <a16:colId xmlns="" xmlns:a16="http://schemas.microsoft.com/office/drawing/2014/main" val="20004"/>
                     </a:ext>
                   </a:extLst>
                 </a:gridCol>
                 <a:gridCol w="987114">
                   <a:extLst>
                     <a:ext uri="{9D8B030D-6E8A-4147-A177-3AD203B41FA5}">
-                      <a16:colId xmlns:a16="http://schemas.microsoft.com/office/drawing/2014/main" xmlns="" val="20005"/>
+                      <a16:colId xmlns="" xmlns:a16="http://schemas.microsoft.com/office/drawing/2014/main" val="20005"/>
                     </a:ext>
                   </a:extLst>
                 </a:gridCol>
@@ -9237,7 +9239,7 @@
                 </a:tc>
                 <a:extLst>
                   <a:ext uri="{0D108BD9-81ED-4DB2-BD59-A6C34878D82A}">
-                    <a16:rowId xmlns:a16="http://schemas.microsoft.com/office/drawing/2014/main" xmlns="" val="10000"/>
+                    <a16:rowId xmlns="" xmlns:a16="http://schemas.microsoft.com/office/drawing/2014/main" val="10000"/>
                   </a:ext>
                 </a:extLst>
               </a:tr>
@@ -9334,7 +9336,7 @@
                 </a:tc>
                 <a:extLst>
                   <a:ext uri="{0D108BD9-81ED-4DB2-BD59-A6C34878D82A}">
-                    <a16:rowId xmlns:a16="http://schemas.microsoft.com/office/drawing/2014/main" xmlns="" val="10001"/>
+                    <a16:rowId xmlns="" xmlns:a16="http://schemas.microsoft.com/office/drawing/2014/main" val="10001"/>
                   </a:ext>
                 </a:extLst>
               </a:tr>
@@ -9502,7 +9504,7 @@
                 </a:tc>
                 <a:extLst>
                   <a:ext uri="{0D108BD9-81ED-4DB2-BD59-A6C34878D82A}">
-                    <a16:rowId xmlns:a16="http://schemas.microsoft.com/office/drawing/2014/main" xmlns="" val="10002"/>
+                    <a16:rowId xmlns="" xmlns:a16="http://schemas.microsoft.com/office/drawing/2014/main" val="10002"/>
                   </a:ext>
                 </a:extLst>
               </a:tr>
@@ -9643,7 +9645,7 @@
                 </a:tc>
                 <a:extLst>
                   <a:ext uri="{0D108BD9-81ED-4DB2-BD59-A6C34878D82A}">
-                    <a16:rowId xmlns:a16="http://schemas.microsoft.com/office/drawing/2014/main" xmlns="" val="10003"/>
+                    <a16:rowId xmlns="" xmlns:a16="http://schemas.microsoft.com/office/drawing/2014/main" val="10003"/>
                   </a:ext>
                 </a:extLst>
               </a:tr>
@@ -9798,7 +9800,7 @@
                 </a:tc>
                 <a:extLst>
                   <a:ext uri="{0D108BD9-81ED-4DB2-BD59-A6C34878D82A}">
-                    <a16:rowId xmlns:a16="http://schemas.microsoft.com/office/drawing/2014/main" xmlns="" val="10004"/>
+                    <a16:rowId xmlns="" xmlns:a16="http://schemas.microsoft.com/office/drawing/2014/main" val="10004"/>
                   </a:ext>
                 </a:extLst>
               </a:tr>
@@ -9939,7 +9941,7 @@
                 </a:tc>
                 <a:extLst>
                   <a:ext uri="{0D108BD9-81ED-4DB2-BD59-A6C34878D82A}">
-                    <a16:rowId xmlns:a16="http://schemas.microsoft.com/office/drawing/2014/main" xmlns="" val="10005"/>
+                    <a16:rowId xmlns="" xmlns:a16="http://schemas.microsoft.com/office/drawing/2014/main" val="10005"/>
                   </a:ext>
                 </a:extLst>
               </a:tr>
@@ -10030,42 +10032,42 @@
                 <a:gridCol w="1031399">
                   <a:extLst>
                     <a:ext uri="{9D8B030D-6E8A-4147-A177-3AD203B41FA5}">
-                      <a16:colId xmlns:a16="http://schemas.microsoft.com/office/drawing/2014/main" xmlns="" val="20000"/>
+                      <a16:colId xmlns="" xmlns:a16="http://schemas.microsoft.com/office/drawing/2014/main" val="20000"/>
                     </a:ext>
                   </a:extLst>
                 </a:gridCol>
                 <a:gridCol w="1092058">
                   <a:extLst>
                     <a:ext uri="{9D8B030D-6E8A-4147-A177-3AD203B41FA5}">
-                      <a16:colId xmlns:a16="http://schemas.microsoft.com/office/drawing/2014/main" xmlns="" val="20001"/>
+                      <a16:colId xmlns="" xmlns:a16="http://schemas.microsoft.com/office/drawing/2014/main" val="20001"/>
                     </a:ext>
                   </a:extLst>
                 </a:gridCol>
                 <a:gridCol w="1043327">
                   <a:extLst>
                     <a:ext uri="{9D8B030D-6E8A-4147-A177-3AD203B41FA5}">
-                      <a16:colId xmlns:a16="http://schemas.microsoft.com/office/drawing/2014/main" xmlns="" val="20002"/>
+                      <a16:colId xmlns="" xmlns:a16="http://schemas.microsoft.com/office/drawing/2014/main" val="20002"/>
                     </a:ext>
                   </a:extLst>
                 </a:gridCol>
                 <a:gridCol w="852879">
                   <a:extLst>
                     <a:ext uri="{9D8B030D-6E8A-4147-A177-3AD203B41FA5}">
-                      <a16:colId xmlns:a16="http://schemas.microsoft.com/office/drawing/2014/main" xmlns="" val="20003"/>
+                      <a16:colId xmlns="" xmlns:a16="http://schemas.microsoft.com/office/drawing/2014/main" val="20003"/>
                     </a:ext>
                   </a:extLst>
                 </a:gridCol>
                 <a:gridCol w="778356">
                   <a:extLst>
                     <a:ext uri="{9D8B030D-6E8A-4147-A177-3AD203B41FA5}">
-                      <a16:colId xmlns:a16="http://schemas.microsoft.com/office/drawing/2014/main" xmlns="" val="20004"/>
+                      <a16:colId xmlns="" xmlns:a16="http://schemas.microsoft.com/office/drawing/2014/main" val="20004"/>
                     </a:ext>
                   </a:extLst>
                 </a:gridCol>
                 <a:gridCol w="1073572">
                   <a:extLst>
                     <a:ext uri="{9D8B030D-6E8A-4147-A177-3AD203B41FA5}">
-                      <a16:colId xmlns:a16="http://schemas.microsoft.com/office/drawing/2014/main" xmlns="" val="20005"/>
+                      <a16:colId xmlns="" xmlns:a16="http://schemas.microsoft.com/office/drawing/2014/main" val="20005"/>
                     </a:ext>
                   </a:extLst>
                 </a:gridCol>
@@ -10157,7 +10159,7 @@
                 </a:tc>
                 <a:extLst>
                   <a:ext uri="{0D108BD9-81ED-4DB2-BD59-A6C34878D82A}">
-                    <a16:rowId xmlns:a16="http://schemas.microsoft.com/office/drawing/2014/main" xmlns="" val="10000"/>
+                    <a16:rowId xmlns="" xmlns:a16="http://schemas.microsoft.com/office/drawing/2014/main" val="10000"/>
                   </a:ext>
                 </a:extLst>
               </a:tr>
@@ -10256,7 +10258,7 @@
                 </a:tc>
                 <a:extLst>
                   <a:ext uri="{0D108BD9-81ED-4DB2-BD59-A6C34878D82A}">
-                    <a16:rowId xmlns:a16="http://schemas.microsoft.com/office/drawing/2014/main" xmlns="" val="10001"/>
+                    <a16:rowId xmlns="" xmlns:a16="http://schemas.microsoft.com/office/drawing/2014/main" val="10001"/>
                   </a:ext>
                 </a:extLst>
               </a:tr>
@@ -10416,7 +10418,7 @@
                 </a:tc>
                 <a:extLst>
                   <a:ext uri="{0D108BD9-81ED-4DB2-BD59-A6C34878D82A}">
-                    <a16:rowId xmlns:a16="http://schemas.microsoft.com/office/drawing/2014/main" xmlns="" val="10002"/>
+                    <a16:rowId xmlns="" xmlns:a16="http://schemas.microsoft.com/office/drawing/2014/main" val="10002"/>
                   </a:ext>
                 </a:extLst>
               </a:tr>
@@ -10557,7 +10559,7 @@
                 </a:tc>
                 <a:extLst>
                   <a:ext uri="{0D108BD9-81ED-4DB2-BD59-A6C34878D82A}">
-                    <a16:rowId xmlns:a16="http://schemas.microsoft.com/office/drawing/2014/main" xmlns="" val="10003"/>
+                    <a16:rowId xmlns="" xmlns:a16="http://schemas.microsoft.com/office/drawing/2014/main" val="10003"/>
                   </a:ext>
                 </a:extLst>
               </a:tr>
@@ -10698,7 +10700,7 @@
                 </a:tc>
                 <a:extLst>
                   <a:ext uri="{0D108BD9-81ED-4DB2-BD59-A6C34878D82A}">
-                    <a16:rowId xmlns:a16="http://schemas.microsoft.com/office/drawing/2014/main" xmlns="" val="10004"/>
+                    <a16:rowId xmlns="" xmlns:a16="http://schemas.microsoft.com/office/drawing/2014/main" val="10004"/>
                   </a:ext>
                 </a:extLst>
               </a:tr>
@@ -10799,7 +10801,7 @@
                 </a:tc>
                 <a:extLst>
                   <a:ext uri="{0D108BD9-81ED-4DB2-BD59-A6C34878D82A}">
-                    <a16:rowId xmlns:a16="http://schemas.microsoft.com/office/drawing/2014/main" xmlns="" val="10005"/>
+                    <a16:rowId xmlns="" xmlns:a16="http://schemas.microsoft.com/office/drawing/2014/main" val="10005"/>
                   </a:ext>
                 </a:extLst>
               </a:tr>
@@ -10890,42 +10892,42 @@
                 <a:gridCol w="1074501">
                   <a:extLst>
                     <a:ext uri="{9D8B030D-6E8A-4147-A177-3AD203B41FA5}">
-                      <a16:colId xmlns:a16="http://schemas.microsoft.com/office/drawing/2014/main" xmlns="" val="20000"/>
+                      <a16:colId xmlns="" xmlns:a16="http://schemas.microsoft.com/office/drawing/2014/main" val="20000"/>
                     </a:ext>
                   </a:extLst>
                 </a:gridCol>
                 <a:gridCol w="1361982">
                   <a:extLst>
                     <a:ext uri="{9D8B030D-6E8A-4147-A177-3AD203B41FA5}">
-                      <a16:colId xmlns:a16="http://schemas.microsoft.com/office/drawing/2014/main" xmlns="" val="20001"/>
+                      <a16:colId xmlns="" xmlns:a16="http://schemas.microsoft.com/office/drawing/2014/main" val="20001"/>
                     </a:ext>
                   </a:extLst>
                 </a:gridCol>
                 <a:gridCol w="1069675">
                   <a:extLst>
                     <a:ext uri="{9D8B030D-6E8A-4147-A177-3AD203B41FA5}">
-                      <a16:colId xmlns:a16="http://schemas.microsoft.com/office/drawing/2014/main" xmlns="" val="20002"/>
+                      <a16:colId xmlns="" xmlns:a16="http://schemas.microsoft.com/office/drawing/2014/main" val="20002"/>
                     </a:ext>
                   </a:extLst>
                 </a:gridCol>
                 <a:gridCol w="776378">
                   <a:extLst>
                     <a:ext uri="{9D8B030D-6E8A-4147-A177-3AD203B41FA5}">
-                      <a16:colId xmlns:a16="http://schemas.microsoft.com/office/drawing/2014/main" xmlns="" val="20003"/>
+                      <a16:colId xmlns="" xmlns:a16="http://schemas.microsoft.com/office/drawing/2014/main" val="20003"/>
                     </a:ext>
                   </a:extLst>
                 </a:gridCol>
                 <a:gridCol w="785004">
                   <a:extLst>
                     <a:ext uri="{9D8B030D-6E8A-4147-A177-3AD203B41FA5}">
-                      <a16:colId xmlns:a16="http://schemas.microsoft.com/office/drawing/2014/main" xmlns="" val="20004"/>
+                      <a16:colId xmlns="" xmlns:a16="http://schemas.microsoft.com/office/drawing/2014/main" val="20004"/>
                     </a:ext>
                   </a:extLst>
                 </a:gridCol>
                 <a:gridCol w="1049424">
                   <a:extLst>
                     <a:ext uri="{9D8B030D-6E8A-4147-A177-3AD203B41FA5}">
-                      <a16:colId xmlns:a16="http://schemas.microsoft.com/office/drawing/2014/main" xmlns="" val="20005"/>
+                      <a16:colId xmlns="" xmlns:a16="http://schemas.microsoft.com/office/drawing/2014/main" val="20005"/>
                     </a:ext>
                   </a:extLst>
                 </a:gridCol>
@@ -11017,7 +11019,7 @@
                 </a:tc>
                 <a:extLst>
                   <a:ext uri="{0D108BD9-81ED-4DB2-BD59-A6C34878D82A}">
-                    <a16:rowId xmlns:a16="http://schemas.microsoft.com/office/drawing/2014/main" xmlns="" val="10000"/>
+                    <a16:rowId xmlns="" xmlns:a16="http://schemas.microsoft.com/office/drawing/2014/main" val="10000"/>
                   </a:ext>
                 </a:extLst>
               </a:tr>
@@ -11116,7 +11118,7 @@
                 </a:tc>
                 <a:extLst>
                   <a:ext uri="{0D108BD9-81ED-4DB2-BD59-A6C34878D82A}">
-                    <a16:rowId xmlns:a16="http://schemas.microsoft.com/office/drawing/2014/main" xmlns="" val="10001"/>
+                    <a16:rowId xmlns="" xmlns:a16="http://schemas.microsoft.com/office/drawing/2014/main" val="10001"/>
                   </a:ext>
                 </a:extLst>
               </a:tr>
@@ -11272,7 +11274,7 @@
                 </a:tc>
                 <a:extLst>
                   <a:ext uri="{0D108BD9-81ED-4DB2-BD59-A6C34878D82A}">
-                    <a16:rowId xmlns:a16="http://schemas.microsoft.com/office/drawing/2014/main" xmlns="" val="10002"/>
+                    <a16:rowId xmlns="" xmlns:a16="http://schemas.microsoft.com/office/drawing/2014/main" val="10002"/>
                   </a:ext>
                 </a:extLst>
               </a:tr>
@@ -11413,7 +11415,7 @@
                 </a:tc>
                 <a:extLst>
                   <a:ext uri="{0D108BD9-81ED-4DB2-BD59-A6C34878D82A}">
-                    <a16:rowId xmlns:a16="http://schemas.microsoft.com/office/drawing/2014/main" xmlns="" val="10003"/>
+                    <a16:rowId xmlns="" xmlns:a16="http://schemas.microsoft.com/office/drawing/2014/main" val="10003"/>
                   </a:ext>
                 </a:extLst>
               </a:tr>
@@ -11552,7 +11554,7 @@
                 </a:tc>
                 <a:extLst>
                   <a:ext uri="{0D108BD9-81ED-4DB2-BD59-A6C34878D82A}">
-                    <a16:rowId xmlns:a16="http://schemas.microsoft.com/office/drawing/2014/main" xmlns="" val="10004"/>
+                    <a16:rowId xmlns="" xmlns:a16="http://schemas.microsoft.com/office/drawing/2014/main" val="10004"/>
                   </a:ext>
                 </a:extLst>
               </a:tr>
@@ -11651,7 +11653,7 @@
                 </a:tc>
                 <a:extLst>
                   <a:ext uri="{0D108BD9-81ED-4DB2-BD59-A6C34878D82A}">
-                    <a16:rowId xmlns:a16="http://schemas.microsoft.com/office/drawing/2014/main" xmlns="" val="10005"/>
+                    <a16:rowId xmlns="" xmlns:a16="http://schemas.microsoft.com/office/drawing/2014/main" val="10005"/>
                   </a:ext>
                 </a:extLst>
               </a:tr>
@@ -11742,42 +11744,42 @@
                 <a:gridCol w="1074501">
                   <a:extLst>
                     <a:ext uri="{9D8B030D-6E8A-4147-A177-3AD203B41FA5}">
-                      <a16:colId xmlns:a16="http://schemas.microsoft.com/office/drawing/2014/main" xmlns="" val="20000"/>
+                      <a16:colId xmlns="" xmlns:a16="http://schemas.microsoft.com/office/drawing/2014/main" val="20000"/>
                     </a:ext>
                   </a:extLst>
                 </a:gridCol>
                 <a:gridCol w="1094563">
                   <a:extLst>
                     <a:ext uri="{9D8B030D-6E8A-4147-A177-3AD203B41FA5}">
-                      <a16:colId xmlns:a16="http://schemas.microsoft.com/office/drawing/2014/main" xmlns="" val="20001"/>
+                      <a16:colId xmlns="" xmlns:a16="http://schemas.microsoft.com/office/drawing/2014/main" val="20001"/>
                     </a:ext>
                   </a:extLst>
                 </a:gridCol>
                 <a:gridCol w="1112808">
                   <a:extLst>
                     <a:ext uri="{9D8B030D-6E8A-4147-A177-3AD203B41FA5}">
-                      <a16:colId xmlns:a16="http://schemas.microsoft.com/office/drawing/2014/main" xmlns="" val="20002"/>
+                      <a16:colId xmlns="" xmlns:a16="http://schemas.microsoft.com/office/drawing/2014/main" val="20002"/>
                     </a:ext>
                   </a:extLst>
                 </a:gridCol>
                 <a:gridCol w="755968">
                   <a:extLst>
                     <a:ext uri="{9D8B030D-6E8A-4147-A177-3AD203B41FA5}">
-                      <a16:colId xmlns:a16="http://schemas.microsoft.com/office/drawing/2014/main" xmlns="" val="20003"/>
+                      <a16:colId xmlns="" xmlns:a16="http://schemas.microsoft.com/office/drawing/2014/main" val="20003"/>
                     </a:ext>
                   </a:extLst>
                 </a:gridCol>
                 <a:gridCol w="909275">
                   <a:extLst>
                     <a:ext uri="{9D8B030D-6E8A-4147-A177-3AD203B41FA5}">
-                      <a16:colId xmlns:a16="http://schemas.microsoft.com/office/drawing/2014/main" xmlns="" val="20004"/>
+                      <a16:colId xmlns="" xmlns:a16="http://schemas.microsoft.com/office/drawing/2014/main" val="20004"/>
                     </a:ext>
                   </a:extLst>
                 </a:gridCol>
                 <a:gridCol w="1226019">
                   <a:extLst>
                     <a:ext uri="{9D8B030D-6E8A-4147-A177-3AD203B41FA5}">
-                      <a16:colId xmlns:a16="http://schemas.microsoft.com/office/drawing/2014/main" xmlns="" val="20005"/>
+                      <a16:colId xmlns="" xmlns:a16="http://schemas.microsoft.com/office/drawing/2014/main" val="20005"/>
                     </a:ext>
                   </a:extLst>
                 </a:gridCol>
@@ -11869,7 +11871,7 @@
                 </a:tc>
                 <a:extLst>
                   <a:ext uri="{0D108BD9-81ED-4DB2-BD59-A6C34878D82A}">
-                    <a16:rowId xmlns:a16="http://schemas.microsoft.com/office/drawing/2014/main" xmlns="" val="10000"/>
+                    <a16:rowId xmlns="" xmlns:a16="http://schemas.microsoft.com/office/drawing/2014/main" val="10000"/>
                   </a:ext>
                 </a:extLst>
               </a:tr>
@@ -11968,7 +11970,7 @@
                 </a:tc>
                 <a:extLst>
                   <a:ext uri="{0D108BD9-81ED-4DB2-BD59-A6C34878D82A}">
-                    <a16:rowId xmlns:a16="http://schemas.microsoft.com/office/drawing/2014/main" xmlns="" val="10001"/>
+                    <a16:rowId xmlns="" xmlns:a16="http://schemas.microsoft.com/office/drawing/2014/main" val="10001"/>
                   </a:ext>
                 </a:extLst>
               </a:tr>
@@ -12126,7 +12128,7 @@
                 </a:tc>
                 <a:extLst>
                   <a:ext uri="{0D108BD9-81ED-4DB2-BD59-A6C34878D82A}">
-                    <a16:rowId xmlns:a16="http://schemas.microsoft.com/office/drawing/2014/main" xmlns="" val="10002"/>
+                    <a16:rowId xmlns="" xmlns:a16="http://schemas.microsoft.com/office/drawing/2014/main" val="10002"/>
                   </a:ext>
                 </a:extLst>
               </a:tr>
@@ -12286,7 +12288,7 @@
                 </a:tc>
                 <a:extLst>
                   <a:ext uri="{0D108BD9-81ED-4DB2-BD59-A6C34878D82A}">
-                    <a16:rowId xmlns:a16="http://schemas.microsoft.com/office/drawing/2014/main" xmlns="" val="10003"/>
+                    <a16:rowId xmlns="" xmlns:a16="http://schemas.microsoft.com/office/drawing/2014/main" val="10003"/>
                   </a:ext>
                 </a:extLst>
               </a:tr>
@@ -12427,7 +12429,7 @@
                 </a:tc>
                 <a:extLst>
                   <a:ext uri="{0D108BD9-81ED-4DB2-BD59-A6C34878D82A}">
-                    <a16:rowId xmlns:a16="http://schemas.microsoft.com/office/drawing/2014/main" xmlns="" val="10004"/>
+                    <a16:rowId xmlns="" xmlns:a16="http://schemas.microsoft.com/office/drawing/2014/main" val="10004"/>
                   </a:ext>
                 </a:extLst>
               </a:tr>
@@ -12540,7 +12542,7 @@
                 </a:tc>
                 <a:extLst>
                   <a:ext uri="{0D108BD9-81ED-4DB2-BD59-A6C34878D82A}">
-                    <a16:rowId xmlns:a16="http://schemas.microsoft.com/office/drawing/2014/main" xmlns="" val="10005"/>
+                    <a16:rowId xmlns="" xmlns:a16="http://schemas.microsoft.com/office/drawing/2014/main" val="10005"/>
                   </a:ext>
                 </a:extLst>
               </a:tr>
@@ -12631,42 +12633,42 @@
                 <a:gridCol w="1108522">
                   <a:extLst>
                     <a:ext uri="{9D8B030D-6E8A-4147-A177-3AD203B41FA5}">
-                      <a16:colId xmlns:a16="http://schemas.microsoft.com/office/drawing/2014/main" xmlns="" val="20000"/>
+                      <a16:colId xmlns="" xmlns:a16="http://schemas.microsoft.com/office/drawing/2014/main" val="20000"/>
                     </a:ext>
                   </a:extLst>
                 </a:gridCol>
                 <a:gridCol w="1129219">
                   <a:extLst>
                     <a:ext uri="{9D8B030D-6E8A-4147-A177-3AD203B41FA5}">
-                      <a16:colId xmlns:a16="http://schemas.microsoft.com/office/drawing/2014/main" xmlns="" val="20001"/>
+                      <a16:colId xmlns="" xmlns:a16="http://schemas.microsoft.com/office/drawing/2014/main" val="20001"/>
                     </a:ext>
                   </a:extLst>
                 </a:gridCol>
                 <a:gridCol w="1148042">
                   <a:extLst>
                     <a:ext uri="{9D8B030D-6E8A-4147-A177-3AD203B41FA5}">
-                      <a16:colId xmlns:a16="http://schemas.microsoft.com/office/drawing/2014/main" xmlns="" val="20002"/>
+                      <a16:colId xmlns="" xmlns:a16="http://schemas.microsoft.com/office/drawing/2014/main" val="20002"/>
                     </a:ext>
                   </a:extLst>
                 </a:gridCol>
                 <a:gridCol w="802761">
                   <a:extLst>
                     <a:ext uri="{9D8B030D-6E8A-4147-A177-3AD203B41FA5}">
-                      <a16:colId xmlns:a16="http://schemas.microsoft.com/office/drawing/2014/main" xmlns="" val="20003"/>
+                      <a16:colId xmlns="" xmlns:a16="http://schemas.microsoft.com/office/drawing/2014/main" val="20003"/>
                     </a:ext>
                   </a:extLst>
                 </a:gridCol>
                 <a:gridCol w="857259">
                   <a:extLst>
                     <a:ext uri="{9D8B030D-6E8A-4147-A177-3AD203B41FA5}">
-                      <a16:colId xmlns:a16="http://schemas.microsoft.com/office/drawing/2014/main" xmlns="" val="20004"/>
+                      <a16:colId xmlns="" xmlns:a16="http://schemas.microsoft.com/office/drawing/2014/main" val="20004"/>
                     </a:ext>
                   </a:extLst>
                 </a:gridCol>
                 <a:gridCol w="1264838">
                   <a:extLst>
                     <a:ext uri="{9D8B030D-6E8A-4147-A177-3AD203B41FA5}">
-                      <a16:colId xmlns:a16="http://schemas.microsoft.com/office/drawing/2014/main" xmlns="" val="20005"/>
+                      <a16:colId xmlns="" xmlns:a16="http://schemas.microsoft.com/office/drawing/2014/main" val="20005"/>
                     </a:ext>
                   </a:extLst>
                 </a:gridCol>
@@ -12758,7 +12760,7 @@
                 </a:tc>
                 <a:extLst>
                   <a:ext uri="{0D108BD9-81ED-4DB2-BD59-A6C34878D82A}">
-                    <a16:rowId xmlns:a16="http://schemas.microsoft.com/office/drawing/2014/main" xmlns="" val="10000"/>
+                    <a16:rowId xmlns="" xmlns:a16="http://schemas.microsoft.com/office/drawing/2014/main" val="10000"/>
                   </a:ext>
                 </a:extLst>
               </a:tr>
@@ -12899,7 +12901,7 @@
                 </a:tc>
                 <a:extLst>
                   <a:ext uri="{0D108BD9-81ED-4DB2-BD59-A6C34878D82A}">
-                    <a16:rowId xmlns:a16="http://schemas.microsoft.com/office/drawing/2014/main" xmlns="" val="10001"/>
+                    <a16:rowId xmlns="" xmlns:a16="http://schemas.microsoft.com/office/drawing/2014/main" val="10001"/>
                   </a:ext>
                 </a:extLst>
               </a:tr>
@@ -13057,7 +13059,7 @@
                 </a:tc>
                 <a:extLst>
                   <a:ext uri="{0D108BD9-81ED-4DB2-BD59-A6C34878D82A}">
-                    <a16:rowId xmlns:a16="http://schemas.microsoft.com/office/drawing/2014/main" xmlns="" val="10002"/>
+                    <a16:rowId xmlns="" xmlns:a16="http://schemas.microsoft.com/office/drawing/2014/main" val="10002"/>
                   </a:ext>
                 </a:extLst>
               </a:tr>
@@ -13198,7 +13200,7 @@
                 </a:tc>
                 <a:extLst>
                   <a:ext uri="{0D108BD9-81ED-4DB2-BD59-A6C34878D82A}">
-                    <a16:rowId xmlns:a16="http://schemas.microsoft.com/office/drawing/2014/main" xmlns="" val="10003"/>
+                    <a16:rowId xmlns="" xmlns:a16="http://schemas.microsoft.com/office/drawing/2014/main" val="10003"/>
                   </a:ext>
                 </a:extLst>
               </a:tr>
@@ -13373,7 +13375,7 @@
                 </a:tc>
                 <a:extLst>
                   <a:ext uri="{0D108BD9-81ED-4DB2-BD59-A6C34878D82A}">
-                    <a16:rowId xmlns:a16="http://schemas.microsoft.com/office/drawing/2014/main" xmlns="" val="10004"/>
+                    <a16:rowId xmlns="" xmlns:a16="http://schemas.microsoft.com/office/drawing/2014/main" val="10004"/>
                   </a:ext>
                 </a:extLst>
               </a:tr>
@@ -13514,7 +13516,7 @@
                 </a:tc>
                 <a:extLst>
                   <a:ext uri="{0D108BD9-81ED-4DB2-BD59-A6C34878D82A}">
-                    <a16:rowId xmlns:a16="http://schemas.microsoft.com/office/drawing/2014/main" xmlns="" val="10005"/>
+                    <a16:rowId xmlns="" xmlns:a16="http://schemas.microsoft.com/office/drawing/2014/main" val="10005"/>
                   </a:ext>
                 </a:extLst>
               </a:tr>
@@ -13605,42 +13607,42 @@
                 <a:gridCol w="1074501">
                   <a:extLst>
                     <a:ext uri="{9D8B030D-6E8A-4147-A177-3AD203B41FA5}">
-                      <a16:colId xmlns:a16="http://schemas.microsoft.com/office/drawing/2014/main" xmlns="" val="20000"/>
+                      <a16:colId xmlns="" xmlns:a16="http://schemas.microsoft.com/office/drawing/2014/main" val="20000"/>
                     </a:ext>
                   </a:extLst>
                 </a:gridCol>
                 <a:gridCol w="1094563">
                   <a:extLst>
                     <a:ext uri="{9D8B030D-6E8A-4147-A177-3AD203B41FA5}">
-                      <a16:colId xmlns:a16="http://schemas.microsoft.com/office/drawing/2014/main" xmlns="" val="20001"/>
+                      <a16:colId xmlns="" xmlns:a16="http://schemas.microsoft.com/office/drawing/2014/main" val="20001"/>
                     </a:ext>
                   </a:extLst>
                 </a:gridCol>
                 <a:gridCol w="1112808">
                   <a:extLst>
                     <a:ext uri="{9D8B030D-6E8A-4147-A177-3AD203B41FA5}">
-                      <a16:colId xmlns:a16="http://schemas.microsoft.com/office/drawing/2014/main" xmlns="" val="20002"/>
+                      <a16:colId xmlns="" xmlns:a16="http://schemas.microsoft.com/office/drawing/2014/main" val="20002"/>
                     </a:ext>
                   </a:extLst>
                 </a:gridCol>
                 <a:gridCol w="785901">
                   <a:extLst>
                     <a:ext uri="{9D8B030D-6E8A-4147-A177-3AD203B41FA5}">
-                      <a16:colId xmlns:a16="http://schemas.microsoft.com/office/drawing/2014/main" xmlns="" val="20003"/>
+                      <a16:colId xmlns="" xmlns:a16="http://schemas.microsoft.com/office/drawing/2014/main" val="20003"/>
                     </a:ext>
                   </a:extLst>
                 </a:gridCol>
                 <a:gridCol w="823172">
                   <a:extLst>
                     <a:ext uri="{9D8B030D-6E8A-4147-A177-3AD203B41FA5}">
-                      <a16:colId xmlns:a16="http://schemas.microsoft.com/office/drawing/2014/main" xmlns="" val="20004"/>
+                      <a16:colId xmlns="" xmlns:a16="http://schemas.microsoft.com/office/drawing/2014/main" val="20004"/>
                     </a:ext>
                   </a:extLst>
                 </a:gridCol>
                 <a:gridCol w="1226019">
                   <a:extLst>
                     <a:ext uri="{9D8B030D-6E8A-4147-A177-3AD203B41FA5}">
-                      <a16:colId xmlns:a16="http://schemas.microsoft.com/office/drawing/2014/main" xmlns="" val="20005"/>
+                      <a16:colId xmlns="" xmlns:a16="http://schemas.microsoft.com/office/drawing/2014/main" val="20005"/>
                     </a:ext>
                   </a:extLst>
                 </a:gridCol>
@@ -13732,7 +13734,7 @@
                 </a:tc>
                 <a:extLst>
                   <a:ext uri="{0D108BD9-81ED-4DB2-BD59-A6C34878D82A}">
-                    <a16:rowId xmlns:a16="http://schemas.microsoft.com/office/drawing/2014/main" xmlns="" val="10000"/>
+                    <a16:rowId xmlns="" xmlns:a16="http://schemas.microsoft.com/office/drawing/2014/main" val="10000"/>
                   </a:ext>
                 </a:extLst>
               </a:tr>
@@ -13873,7 +13875,7 @@
                 </a:tc>
                 <a:extLst>
                   <a:ext uri="{0D108BD9-81ED-4DB2-BD59-A6C34878D82A}">
-                    <a16:rowId xmlns:a16="http://schemas.microsoft.com/office/drawing/2014/main" xmlns="" val="10001"/>
+                    <a16:rowId xmlns="" xmlns:a16="http://schemas.microsoft.com/office/drawing/2014/main" val="10001"/>
                   </a:ext>
                 </a:extLst>
               </a:tr>
@@ -14029,7 +14031,7 @@
                 </a:tc>
                 <a:extLst>
                   <a:ext uri="{0D108BD9-81ED-4DB2-BD59-A6C34878D82A}">
-                    <a16:rowId xmlns:a16="http://schemas.microsoft.com/office/drawing/2014/main" xmlns="" val="10002"/>
+                    <a16:rowId xmlns="" xmlns:a16="http://schemas.microsoft.com/office/drawing/2014/main" val="10002"/>
                   </a:ext>
                 </a:extLst>
               </a:tr>
@@ -14168,7 +14170,7 @@
                 </a:tc>
                 <a:extLst>
                   <a:ext uri="{0D108BD9-81ED-4DB2-BD59-A6C34878D82A}">
-                    <a16:rowId xmlns:a16="http://schemas.microsoft.com/office/drawing/2014/main" xmlns="" val="10003"/>
+                    <a16:rowId xmlns="" xmlns:a16="http://schemas.microsoft.com/office/drawing/2014/main" val="10003"/>
                   </a:ext>
                 </a:extLst>
               </a:tr>
@@ -14324,7 +14326,7 @@
                 </a:tc>
                 <a:extLst>
                   <a:ext uri="{0D108BD9-81ED-4DB2-BD59-A6C34878D82A}">
-                    <a16:rowId xmlns:a16="http://schemas.microsoft.com/office/drawing/2014/main" xmlns="" val="10004"/>
+                    <a16:rowId xmlns="" xmlns:a16="http://schemas.microsoft.com/office/drawing/2014/main" val="10004"/>
                   </a:ext>
                 </a:extLst>
               </a:tr>
@@ -14467,7 +14469,7 @@
                 </a:tc>
                 <a:extLst>
                   <a:ext uri="{0D108BD9-81ED-4DB2-BD59-A6C34878D82A}">
-                    <a16:rowId xmlns:a16="http://schemas.microsoft.com/office/drawing/2014/main" xmlns="" val="10005"/>
+                    <a16:rowId xmlns="" xmlns:a16="http://schemas.microsoft.com/office/drawing/2014/main" val="10005"/>
                   </a:ext>
                 </a:extLst>
               </a:tr>
@@ -14650,42 +14652,42 @@
                 <a:gridCol w="1074501">
                   <a:extLst>
                     <a:ext uri="{9D8B030D-6E8A-4147-A177-3AD203B41FA5}">
-                      <a16:colId xmlns:a16="http://schemas.microsoft.com/office/drawing/2014/main" xmlns="" val="20000"/>
+                      <a16:colId xmlns="" xmlns:a16="http://schemas.microsoft.com/office/drawing/2014/main" val="20000"/>
                     </a:ext>
                   </a:extLst>
                 </a:gridCol>
                 <a:gridCol w="1042804">
                   <a:extLst>
                     <a:ext uri="{9D8B030D-6E8A-4147-A177-3AD203B41FA5}">
-                      <a16:colId xmlns:a16="http://schemas.microsoft.com/office/drawing/2014/main" xmlns="" val="20001"/>
+                      <a16:colId xmlns="" xmlns:a16="http://schemas.microsoft.com/office/drawing/2014/main" val="20001"/>
                     </a:ext>
                   </a:extLst>
                 </a:gridCol>
                 <a:gridCol w="1086929">
                   <a:extLst>
                     <a:ext uri="{9D8B030D-6E8A-4147-A177-3AD203B41FA5}">
-                      <a16:colId xmlns:a16="http://schemas.microsoft.com/office/drawing/2014/main" xmlns="" val="20002"/>
+                      <a16:colId xmlns="" xmlns:a16="http://schemas.microsoft.com/office/drawing/2014/main" val="20002"/>
                     </a:ext>
                   </a:extLst>
                 </a:gridCol>
                 <a:gridCol w="777436">
                   <a:extLst>
                     <a:ext uri="{9D8B030D-6E8A-4147-A177-3AD203B41FA5}">
-                      <a16:colId xmlns:a16="http://schemas.microsoft.com/office/drawing/2014/main" xmlns="" val="20003"/>
+                      <a16:colId xmlns="" xmlns:a16="http://schemas.microsoft.com/office/drawing/2014/main" val="20003"/>
                     </a:ext>
                   </a:extLst>
                 </a:gridCol>
                 <a:gridCol w="909275">
                   <a:extLst>
                     <a:ext uri="{9D8B030D-6E8A-4147-A177-3AD203B41FA5}">
-                      <a16:colId xmlns:a16="http://schemas.microsoft.com/office/drawing/2014/main" xmlns="" val="20004"/>
+                      <a16:colId xmlns="" xmlns:a16="http://schemas.microsoft.com/office/drawing/2014/main" val="20004"/>
                     </a:ext>
                   </a:extLst>
                 </a:gridCol>
                 <a:gridCol w="1226019">
                   <a:extLst>
                     <a:ext uri="{9D8B030D-6E8A-4147-A177-3AD203B41FA5}">
-                      <a16:colId xmlns:a16="http://schemas.microsoft.com/office/drawing/2014/main" xmlns="" val="20005"/>
+                      <a16:colId xmlns="" xmlns:a16="http://schemas.microsoft.com/office/drawing/2014/main" val="20005"/>
                     </a:ext>
                   </a:extLst>
                 </a:gridCol>
@@ -14777,7 +14779,7 @@
                 </a:tc>
                 <a:extLst>
                   <a:ext uri="{0D108BD9-81ED-4DB2-BD59-A6C34878D82A}">
-                    <a16:rowId xmlns:a16="http://schemas.microsoft.com/office/drawing/2014/main" xmlns="" val="10000"/>
+                    <a16:rowId xmlns="" xmlns:a16="http://schemas.microsoft.com/office/drawing/2014/main" val="10000"/>
                   </a:ext>
                 </a:extLst>
               </a:tr>
@@ -14878,7 +14880,7 @@
                 </a:tc>
                 <a:extLst>
                   <a:ext uri="{0D108BD9-81ED-4DB2-BD59-A6C34878D82A}">
-                    <a16:rowId xmlns:a16="http://schemas.microsoft.com/office/drawing/2014/main" xmlns="" val="10001"/>
+                    <a16:rowId xmlns="" xmlns:a16="http://schemas.microsoft.com/office/drawing/2014/main" val="10001"/>
                   </a:ext>
                 </a:extLst>
               </a:tr>
@@ -15068,7 +15070,7 @@
                 </a:tc>
                 <a:extLst>
                   <a:ext uri="{0D108BD9-81ED-4DB2-BD59-A6C34878D82A}">
-                    <a16:rowId xmlns:a16="http://schemas.microsoft.com/office/drawing/2014/main" xmlns="" val="10002"/>
+                    <a16:rowId xmlns="" xmlns:a16="http://schemas.microsoft.com/office/drawing/2014/main" val="10002"/>
                   </a:ext>
                 </a:extLst>
               </a:tr>
@@ -15207,7 +15209,7 @@
                 </a:tc>
                 <a:extLst>
                   <a:ext uri="{0D108BD9-81ED-4DB2-BD59-A6C34878D82A}">
-                    <a16:rowId xmlns:a16="http://schemas.microsoft.com/office/drawing/2014/main" xmlns="" val="10003"/>
+                    <a16:rowId xmlns="" xmlns:a16="http://schemas.microsoft.com/office/drawing/2014/main" val="10003"/>
                   </a:ext>
                 </a:extLst>
               </a:tr>
@@ -15340,7 +15342,7 @@
                 </a:tc>
                 <a:extLst>
                   <a:ext uri="{0D108BD9-81ED-4DB2-BD59-A6C34878D82A}">
-                    <a16:rowId xmlns:a16="http://schemas.microsoft.com/office/drawing/2014/main" xmlns="" val="10004"/>
+                    <a16:rowId xmlns="" xmlns:a16="http://schemas.microsoft.com/office/drawing/2014/main" val="10004"/>
                   </a:ext>
                 </a:extLst>
               </a:tr>
@@ -15481,7 +15483,7 @@
                 </a:tc>
                 <a:extLst>
                   <a:ext uri="{0D108BD9-81ED-4DB2-BD59-A6C34878D82A}">
-                    <a16:rowId xmlns:a16="http://schemas.microsoft.com/office/drawing/2014/main" xmlns="" val="10005"/>
+                    <a16:rowId xmlns="" xmlns:a16="http://schemas.microsoft.com/office/drawing/2014/main" val="10005"/>
                   </a:ext>
                 </a:extLst>
               </a:tr>
@@ -15572,42 +15574,42 @@
                 <a:gridCol w="1074501">
                   <a:extLst>
                     <a:ext uri="{9D8B030D-6E8A-4147-A177-3AD203B41FA5}">
-                      <a16:colId xmlns:a16="http://schemas.microsoft.com/office/drawing/2014/main" xmlns="" val="20000"/>
+                      <a16:colId xmlns="" xmlns:a16="http://schemas.microsoft.com/office/drawing/2014/main" val="20000"/>
                     </a:ext>
                   </a:extLst>
                 </a:gridCol>
                 <a:gridCol w="1051431">
                   <a:extLst>
                     <a:ext uri="{9D8B030D-6E8A-4147-A177-3AD203B41FA5}">
-                      <a16:colId xmlns:a16="http://schemas.microsoft.com/office/drawing/2014/main" xmlns="" val="20001"/>
+                      <a16:colId xmlns="" xmlns:a16="http://schemas.microsoft.com/office/drawing/2014/main" val="20001"/>
                     </a:ext>
                   </a:extLst>
                 </a:gridCol>
                 <a:gridCol w="1104181">
                   <a:extLst>
                     <a:ext uri="{9D8B030D-6E8A-4147-A177-3AD203B41FA5}">
-                      <a16:colId xmlns:a16="http://schemas.microsoft.com/office/drawing/2014/main" xmlns="" val="20002"/>
+                      <a16:colId xmlns="" xmlns:a16="http://schemas.microsoft.com/office/drawing/2014/main" val="20002"/>
                     </a:ext>
                   </a:extLst>
                 </a:gridCol>
                 <a:gridCol w="751557">
                   <a:extLst>
                     <a:ext uri="{9D8B030D-6E8A-4147-A177-3AD203B41FA5}">
-                      <a16:colId xmlns:a16="http://schemas.microsoft.com/office/drawing/2014/main" xmlns="" val="20003"/>
+                      <a16:colId xmlns="" xmlns:a16="http://schemas.microsoft.com/office/drawing/2014/main" val="20003"/>
                     </a:ext>
                   </a:extLst>
                 </a:gridCol>
                 <a:gridCol w="909275">
                   <a:extLst>
                     <a:ext uri="{9D8B030D-6E8A-4147-A177-3AD203B41FA5}">
-                      <a16:colId xmlns:a16="http://schemas.microsoft.com/office/drawing/2014/main" xmlns="" val="20004"/>
+                      <a16:colId xmlns="" xmlns:a16="http://schemas.microsoft.com/office/drawing/2014/main" val="20004"/>
                     </a:ext>
                   </a:extLst>
                 </a:gridCol>
                 <a:gridCol w="1226019">
                   <a:extLst>
                     <a:ext uri="{9D8B030D-6E8A-4147-A177-3AD203B41FA5}">
-                      <a16:colId xmlns:a16="http://schemas.microsoft.com/office/drawing/2014/main" xmlns="" val="20005"/>
+                      <a16:colId xmlns="" xmlns:a16="http://schemas.microsoft.com/office/drawing/2014/main" val="20005"/>
                     </a:ext>
                   </a:extLst>
                 </a:gridCol>
@@ -15699,7 +15701,7 @@
                 </a:tc>
                 <a:extLst>
                   <a:ext uri="{0D108BD9-81ED-4DB2-BD59-A6C34878D82A}">
-                    <a16:rowId xmlns:a16="http://schemas.microsoft.com/office/drawing/2014/main" xmlns="" val="10000"/>
+                    <a16:rowId xmlns="" xmlns:a16="http://schemas.microsoft.com/office/drawing/2014/main" val="10000"/>
                   </a:ext>
                 </a:extLst>
               </a:tr>
@@ -15838,7 +15840,7 @@
                 </a:tc>
                 <a:extLst>
                   <a:ext uri="{0D108BD9-81ED-4DB2-BD59-A6C34878D82A}">
-                    <a16:rowId xmlns:a16="http://schemas.microsoft.com/office/drawing/2014/main" xmlns="" val="10001"/>
+                    <a16:rowId xmlns="" xmlns:a16="http://schemas.microsoft.com/office/drawing/2014/main" val="10001"/>
                   </a:ext>
                 </a:extLst>
               </a:tr>
@@ -15994,7 +15996,7 @@
                 </a:tc>
                 <a:extLst>
                   <a:ext uri="{0D108BD9-81ED-4DB2-BD59-A6C34878D82A}">
-                    <a16:rowId xmlns:a16="http://schemas.microsoft.com/office/drawing/2014/main" xmlns="" val="10002"/>
+                    <a16:rowId xmlns="" xmlns:a16="http://schemas.microsoft.com/office/drawing/2014/main" val="10002"/>
                   </a:ext>
                 </a:extLst>
               </a:tr>
@@ -16133,7 +16135,7 @@
                 </a:tc>
                 <a:extLst>
                   <a:ext uri="{0D108BD9-81ED-4DB2-BD59-A6C34878D82A}">
-                    <a16:rowId xmlns:a16="http://schemas.microsoft.com/office/drawing/2014/main" xmlns="" val="10003"/>
+                    <a16:rowId xmlns="" xmlns:a16="http://schemas.microsoft.com/office/drawing/2014/main" val="10003"/>
                   </a:ext>
                 </a:extLst>
               </a:tr>
@@ -16289,7 +16291,7 @@
                 </a:tc>
                 <a:extLst>
                   <a:ext uri="{0D108BD9-81ED-4DB2-BD59-A6C34878D82A}">
-                    <a16:rowId xmlns:a16="http://schemas.microsoft.com/office/drawing/2014/main" xmlns="" val="10004"/>
+                    <a16:rowId xmlns="" xmlns:a16="http://schemas.microsoft.com/office/drawing/2014/main" val="10004"/>
                   </a:ext>
                 </a:extLst>
               </a:tr>
@@ -16428,7 +16430,7 @@
                 </a:tc>
                 <a:extLst>
                   <a:ext uri="{0D108BD9-81ED-4DB2-BD59-A6C34878D82A}">
-                    <a16:rowId xmlns:a16="http://schemas.microsoft.com/office/drawing/2014/main" xmlns="" val="10005"/>
+                    <a16:rowId xmlns="" xmlns:a16="http://schemas.microsoft.com/office/drawing/2014/main" val="10005"/>
                   </a:ext>
                 </a:extLst>
               </a:tr>
@@ -18205,42 +18207,42 @@
                 <a:gridCol w="1024621">
                   <a:extLst>
                     <a:ext uri="{9D8B030D-6E8A-4147-A177-3AD203B41FA5}">
-                      <a16:colId xmlns:a16="http://schemas.microsoft.com/office/drawing/2014/main" xmlns="" val="20000"/>
+                      <a16:colId xmlns="" xmlns:a16="http://schemas.microsoft.com/office/drawing/2014/main" val="20000"/>
                     </a:ext>
                   </a:extLst>
                 </a:gridCol>
                 <a:gridCol w="1232949">
                   <a:extLst>
                     <a:ext uri="{9D8B030D-6E8A-4147-A177-3AD203B41FA5}">
-                      <a16:colId xmlns:a16="http://schemas.microsoft.com/office/drawing/2014/main" xmlns="" val="20001"/>
+                      <a16:colId xmlns="" xmlns:a16="http://schemas.microsoft.com/office/drawing/2014/main" val="20001"/>
                     </a:ext>
                   </a:extLst>
                 </a:gridCol>
                 <a:gridCol w="1069375">
                   <a:extLst>
                     <a:ext uri="{9D8B030D-6E8A-4147-A177-3AD203B41FA5}">
-                      <a16:colId xmlns:a16="http://schemas.microsoft.com/office/drawing/2014/main" xmlns="" val="20002"/>
+                      <a16:colId xmlns="" xmlns:a16="http://schemas.microsoft.com/office/drawing/2014/main" val="20002"/>
                     </a:ext>
                   </a:extLst>
                 </a:gridCol>
                 <a:gridCol w="765014">
                   <a:extLst>
                     <a:ext uri="{9D8B030D-6E8A-4147-A177-3AD203B41FA5}">
-                      <a16:colId xmlns:a16="http://schemas.microsoft.com/office/drawing/2014/main" xmlns="" val="20003"/>
+                      <a16:colId xmlns="" xmlns:a16="http://schemas.microsoft.com/office/drawing/2014/main" val="20003"/>
                     </a:ext>
                   </a:extLst>
                 </a:gridCol>
                 <a:gridCol w="847274">
                   <a:extLst>
                     <a:ext uri="{9D8B030D-6E8A-4147-A177-3AD203B41FA5}">
-                      <a16:colId xmlns:a16="http://schemas.microsoft.com/office/drawing/2014/main" xmlns="" val="20004"/>
+                      <a16:colId xmlns="" xmlns:a16="http://schemas.microsoft.com/office/drawing/2014/main" val="20004"/>
                     </a:ext>
                   </a:extLst>
                 </a:gridCol>
                 <a:gridCol w="987114">
                   <a:extLst>
                     <a:ext uri="{9D8B030D-6E8A-4147-A177-3AD203B41FA5}">
-                      <a16:colId xmlns:a16="http://schemas.microsoft.com/office/drawing/2014/main" xmlns="" val="20005"/>
+                      <a16:colId xmlns="" xmlns:a16="http://schemas.microsoft.com/office/drawing/2014/main" val="20005"/>
                     </a:ext>
                   </a:extLst>
                 </a:gridCol>
@@ -18332,7 +18334,7 @@
                 </a:tc>
                 <a:extLst>
                   <a:ext uri="{0D108BD9-81ED-4DB2-BD59-A6C34878D82A}">
-                    <a16:rowId xmlns:a16="http://schemas.microsoft.com/office/drawing/2014/main" xmlns="" val="10000"/>
+                    <a16:rowId xmlns="" xmlns:a16="http://schemas.microsoft.com/office/drawing/2014/main" val="10000"/>
                   </a:ext>
                 </a:extLst>
               </a:tr>
@@ -18429,7 +18431,7 @@
                 </a:tc>
                 <a:extLst>
                   <a:ext uri="{0D108BD9-81ED-4DB2-BD59-A6C34878D82A}">
-                    <a16:rowId xmlns:a16="http://schemas.microsoft.com/office/drawing/2014/main" xmlns="" val="10001"/>
+                    <a16:rowId xmlns="" xmlns:a16="http://schemas.microsoft.com/office/drawing/2014/main" val="10001"/>
                   </a:ext>
                 </a:extLst>
               </a:tr>
@@ -18587,7 +18589,7 @@
                 </a:tc>
                 <a:extLst>
                   <a:ext uri="{0D108BD9-81ED-4DB2-BD59-A6C34878D82A}">
-                    <a16:rowId xmlns:a16="http://schemas.microsoft.com/office/drawing/2014/main" xmlns="" val="10002"/>
+                    <a16:rowId xmlns="" xmlns:a16="http://schemas.microsoft.com/office/drawing/2014/main" val="10002"/>
                   </a:ext>
                 </a:extLst>
               </a:tr>
@@ -18732,7 +18734,7 @@
                 </a:tc>
                 <a:extLst>
                   <a:ext uri="{0D108BD9-81ED-4DB2-BD59-A6C34878D82A}">
-                    <a16:rowId xmlns:a16="http://schemas.microsoft.com/office/drawing/2014/main" xmlns="" val="10003"/>
+                    <a16:rowId xmlns="" xmlns:a16="http://schemas.microsoft.com/office/drawing/2014/main" val="10003"/>
                   </a:ext>
                 </a:extLst>
               </a:tr>
@@ -18890,7 +18892,7 @@
                 </a:tc>
                 <a:extLst>
                   <a:ext uri="{0D108BD9-81ED-4DB2-BD59-A6C34878D82A}">
-                    <a16:rowId xmlns:a16="http://schemas.microsoft.com/office/drawing/2014/main" xmlns="" val="10004"/>
+                    <a16:rowId xmlns="" xmlns:a16="http://schemas.microsoft.com/office/drawing/2014/main" val="10004"/>
                   </a:ext>
                 </a:extLst>
               </a:tr>
@@ -19029,7 +19031,7 @@
                 </a:tc>
                 <a:extLst>
                   <a:ext uri="{0D108BD9-81ED-4DB2-BD59-A6C34878D82A}">
-                    <a16:rowId xmlns:a16="http://schemas.microsoft.com/office/drawing/2014/main" xmlns="" val="10005"/>
+                    <a16:rowId xmlns="" xmlns:a16="http://schemas.microsoft.com/office/drawing/2014/main" val="10005"/>
                   </a:ext>
                 </a:extLst>
               </a:tr>
@@ -19187,42 +19189,42 @@
                 <a:gridCol w="1126267">
                   <a:extLst>
                     <a:ext uri="{9D8B030D-6E8A-4147-A177-3AD203B41FA5}">
-                      <a16:colId xmlns:a16="http://schemas.microsoft.com/office/drawing/2014/main" xmlns="" val="20000"/>
+                      <a16:colId xmlns="" xmlns:a16="http://schemas.microsoft.com/office/drawing/2014/main" val="20000"/>
                     </a:ext>
                   </a:extLst>
                 </a:gridCol>
                 <a:gridCol w="1192506">
                   <a:extLst>
                     <a:ext uri="{9D8B030D-6E8A-4147-A177-3AD203B41FA5}">
-                      <a16:colId xmlns:a16="http://schemas.microsoft.com/office/drawing/2014/main" xmlns="" val="20001"/>
+                      <a16:colId xmlns="" xmlns:a16="http://schemas.microsoft.com/office/drawing/2014/main" val="20001"/>
                     </a:ext>
                   </a:extLst>
                 </a:gridCol>
                 <a:gridCol w="1139292">
                   <a:extLst>
                     <a:ext uri="{9D8B030D-6E8A-4147-A177-3AD203B41FA5}">
-                      <a16:colId xmlns:a16="http://schemas.microsoft.com/office/drawing/2014/main" xmlns="" val="20002"/>
+                      <a16:colId xmlns="" xmlns:a16="http://schemas.microsoft.com/office/drawing/2014/main" val="20002"/>
                     </a:ext>
                   </a:extLst>
                 </a:gridCol>
                 <a:gridCol w="931327">
                   <a:extLst>
                     <a:ext uri="{9D8B030D-6E8A-4147-A177-3AD203B41FA5}">
-                      <a16:colId xmlns:a16="http://schemas.microsoft.com/office/drawing/2014/main" xmlns="" val="20003"/>
+                      <a16:colId xmlns="" xmlns:a16="http://schemas.microsoft.com/office/drawing/2014/main" val="20003"/>
                     </a:ext>
                   </a:extLst>
                 </a:gridCol>
                 <a:gridCol w="849949">
                   <a:extLst>
                     <a:ext uri="{9D8B030D-6E8A-4147-A177-3AD203B41FA5}">
-                      <a16:colId xmlns:a16="http://schemas.microsoft.com/office/drawing/2014/main" xmlns="" val="20004"/>
+                      <a16:colId xmlns="" xmlns:a16="http://schemas.microsoft.com/office/drawing/2014/main" val="20004"/>
                     </a:ext>
                   </a:extLst>
                 </a:gridCol>
                 <a:gridCol w="1172319">
                   <a:extLst>
                     <a:ext uri="{9D8B030D-6E8A-4147-A177-3AD203B41FA5}">
-                      <a16:colId xmlns:a16="http://schemas.microsoft.com/office/drawing/2014/main" xmlns="" val="20005"/>
+                      <a16:colId xmlns="" xmlns:a16="http://schemas.microsoft.com/office/drawing/2014/main" val="20005"/>
                     </a:ext>
                   </a:extLst>
                 </a:gridCol>
@@ -19314,7 +19316,7 @@
                 </a:tc>
                 <a:extLst>
                   <a:ext uri="{0D108BD9-81ED-4DB2-BD59-A6C34878D82A}">
-                    <a16:rowId xmlns:a16="http://schemas.microsoft.com/office/drawing/2014/main" xmlns="" val="10000"/>
+                    <a16:rowId xmlns="" xmlns:a16="http://schemas.microsoft.com/office/drawing/2014/main" val="10000"/>
                   </a:ext>
                 </a:extLst>
               </a:tr>
@@ -19411,7 +19413,7 @@
                 </a:tc>
                 <a:extLst>
                   <a:ext uri="{0D108BD9-81ED-4DB2-BD59-A6C34878D82A}">
-                    <a16:rowId xmlns:a16="http://schemas.microsoft.com/office/drawing/2014/main" xmlns="" val="10001"/>
+                    <a16:rowId xmlns="" xmlns:a16="http://schemas.microsoft.com/office/drawing/2014/main" val="10001"/>
                   </a:ext>
                 </a:extLst>
               </a:tr>
@@ -19571,7 +19573,7 @@
                 </a:tc>
                 <a:extLst>
                   <a:ext uri="{0D108BD9-81ED-4DB2-BD59-A6C34878D82A}">
-                    <a16:rowId xmlns:a16="http://schemas.microsoft.com/office/drawing/2014/main" xmlns="" val="10002"/>
+                    <a16:rowId xmlns="" xmlns:a16="http://schemas.microsoft.com/office/drawing/2014/main" val="10002"/>
                   </a:ext>
                 </a:extLst>
               </a:tr>
@@ -19712,7 +19714,7 @@
                 </a:tc>
                 <a:extLst>
                   <a:ext uri="{0D108BD9-81ED-4DB2-BD59-A6C34878D82A}">
-                    <a16:rowId xmlns:a16="http://schemas.microsoft.com/office/drawing/2014/main" xmlns="" val="10003"/>
+                    <a16:rowId xmlns="" xmlns:a16="http://schemas.microsoft.com/office/drawing/2014/main" val="10003"/>
                   </a:ext>
                 </a:extLst>
               </a:tr>
@@ -19853,7 +19855,7 @@
                 </a:tc>
                 <a:extLst>
                   <a:ext uri="{0D108BD9-81ED-4DB2-BD59-A6C34878D82A}">
-                    <a16:rowId xmlns:a16="http://schemas.microsoft.com/office/drawing/2014/main" xmlns="" val="10004"/>
+                    <a16:rowId xmlns="" xmlns:a16="http://schemas.microsoft.com/office/drawing/2014/main" val="10004"/>
                   </a:ext>
                 </a:extLst>
               </a:tr>
@@ -19996,7 +19998,7 @@
                 </a:tc>
                 <a:extLst>
                   <a:ext uri="{0D108BD9-81ED-4DB2-BD59-A6C34878D82A}">
-                    <a16:rowId xmlns:a16="http://schemas.microsoft.com/office/drawing/2014/main" xmlns="" val="10005"/>
+                    <a16:rowId xmlns="" xmlns:a16="http://schemas.microsoft.com/office/drawing/2014/main" val="10005"/>
                   </a:ext>
                 </a:extLst>
               </a:tr>
@@ -20086,28 +20088,28 @@
                 <a:gridCol w="2628900">
                   <a:extLst>
                     <a:ext uri="{9D8B030D-6E8A-4147-A177-3AD203B41FA5}">
-                      <a16:colId xmlns:a16="http://schemas.microsoft.com/office/drawing/2014/main" xmlns="" val="20000"/>
+                      <a16:colId xmlns="" xmlns:a16="http://schemas.microsoft.com/office/drawing/2014/main" val="20000"/>
                     </a:ext>
                   </a:extLst>
                 </a:gridCol>
                 <a:gridCol w="2628900">
                   <a:extLst>
                     <a:ext uri="{9D8B030D-6E8A-4147-A177-3AD203B41FA5}">
-                      <a16:colId xmlns:a16="http://schemas.microsoft.com/office/drawing/2014/main" xmlns="" val="20001"/>
+                      <a16:colId xmlns="" xmlns:a16="http://schemas.microsoft.com/office/drawing/2014/main" val="20001"/>
                     </a:ext>
                   </a:extLst>
                 </a:gridCol>
                 <a:gridCol w="2628900">
                   <a:extLst>
                     <a:ext uri="{9D8B030D-6E8A-4147-A177-3AD203B41FA5}">
-                      <a16:colId xmlns:a16="http://schemas.microsoft.com/office/drawing/2014/main" xmlns="" val="20002"/>
+                      <a16:colId xmlns="" xmlns:a16="http://schemas.microsoft.com/office/drawing/2014/main" val="20002"/>
                     </a:ext>
                   </a:extLst>
                 </a:gridCol>
                 <a:gridCol w="2628900">
                   <a:extLst>
                     <a:ext uri="{9D8B030D-6E8A-4147-A177-3AD203B41FA5}">
-                      <a16:colId xmlns:a16="http://schemas.microsoft.com/office/drawing/2014/main" xmlns="" val="20003"/>
+                      <a16:colId xmlns="" xmlns:a16="http://schemas.microsoft.com/office/drawing/2014/main" val="20003"/>
                     </a:ext>
                   </a:extLst>
                 </a:gridCol>
@@ -20171,7 +20173,7 @@
                 </a:tc>
                 <a:extLst>
                   <a:ext uri="{0D108BD9-81ED-4DB2-BD59-A6C34878D82A}">
-                    <a16:rowId xmlns:a16="http://schemas.microsoft.com/office/drawing/2014/main" xmlns="" val="10000"/>
+                    <a16:rowId xmlns="" xmlns:a16="http://schemas.microsoft.com/office/drawing/2014/main" val="10000"/>
                   </a:ext>
                 </a:extLst>
               </a:tr>
@@ -20234,7 +20236,7 @@
                 </a:tc>
                 <a:extLst>
                   <a:ext uri="{0D108BD9-81ED-4DB2-BD59-A6C34878D82A}">
-                    <a16:rowId xmlns:a16="http://schemas.microsoft.com/office/drawing/2014/main" xmlns="" val="10001"/>
+                    <a16:rowId xmlns="" xmlns:a16="http://schemas.microsoft.com/office/drawing/2014/main" val="10001"/>
                   </a:ext>
                 </a:extLst>
               </a:tr>
@@ -20327,7 +20329,7 @@
                 </a:tc>
                 <a:extLst>
                   <a:ext uri="{0D108BD9-81ED-4DB2-BD59-A6C34878D82A}">
-                    <a16:rowId xmlns:a16="http://schemas.microsoft.com/office/drawing/2014/main" xmlns="" val="10002"/>
+                    <a16:rowId xmlns="" xmlns:a16="http://schemas.microsoft.com/office/drawing/2014/main" val="10002"/>
                   </a:ext>
                 </a:extLst>
               </a:tr>
@@ -20416,7 +20418,7 @@
                 </a:tc>
                 <a:extLst>
                   <a:ext uri="{0D108BD9-81ED-4DB2-BD59-A6C34878D82A}">
-                    <a16:rowId xmlns:a16="http://schemas.microsoft.com/office/drawing/2014/main" xmlns="" val="10003"/>
+                    <a16:rowId xmlns="" xmlns:a16="http://schemas.microsoft.com/office/drawing/2014/main" val="10003"/>
                   </a:ext>
                 </a:extLst>
               </a:tr>
@@ -20537,42 +20539,42 @@
                 <a:gridCol w="1074501">
                   <a:extLst>
                     <a:ext uri="{9D8B030D-6E8A-4147-A177-3AD203B41FA5}">
-                      <a16:colId xmlns:a16="http://schemas.microsoft.com/office/drawing/2014/main" xmlns="" val="20000"/>
+                      <a16:colId xmlns="" xmlns:a16="http://schemas.microsoft.com/office/drawing/2014/main" val="20000"/>
                     </a:ext>
                   </a:extLst>
                 </a:gridCol>
                 <a:gridCol w="1361982">
                   <a:extLst>
                     <a:ext uri="{9D8B030D-6E8A-4147-A177-3AD203B41FA5}">
-                      <a16:colId xmlns:a16="http://schemas.microsoft.com/office/drawing/2014/main" xmlns="" val="20001"/>
+                      <a16:colId xmlns="" xmlns:a16="http://schemas.microsoft.com/office/drawing/2014/main" val="20001"/>
                     </a:ext>
                   </a:extLst>
                 </a:gridCol>
                 <a:gridCol w="1069675">
                   <a:extLst>
                     <a:ext uri="{9D8B030D-6E8A-4147-A177-3AD203B41FA5}">
-                      <a16:colId xmlns:a16="http://schemas.microsoft.com/office/drawing/2014/main" xmlns="" val="20002"/>
+                      <a16:colId xmlns="" xmlns:a16="http://schemas.microsoft.com/office/drawing/2014/main" val="20002"/>
                     </a:ext>
                   </a:extLst>
                 </a:gridCol>
                 <a:gridCol w="776378">
                   <a:extLst>
                     <a:ext uri="{9D8B030D-6E8A-4147-A177-3AD203B41FA5}">
-                      <a16:colId xmlns:a16="http://schemas.microsoft.com/office/drawing/2014/main" xmlns="" val="20003"/>
+                      <a16:colId xmlns="" xmlns:a16="http://schemas.microsoft.com/office/drawing/2014/main" val="20003"/>
                     </a:ext>
                   </a:extLst>
                 </a:gridCol>
                 <a:gridCol w="785004">
                   <a:extLst>
                     <a:ext uri="{9D8B030D-6E8A-4147-A177-3AD203B41FA5}">
-                      <a16:colId xmlns:a16="http://schemas.microsoft.com/office/drawing/2014/main" xmlns="" val="20004"/>
+                      <a16:colId xmlns="" xmlns:a16="http://schemas.microsoft.com/office/drawing/2014/main" val="20004"/>
                     </a:ext>
                   </a:extLst>
                 </a:gridCol>
                 <a:gridCol w="1049424">
                   <a:extLst>
                     <a:ext uri="{9D8B030D-6E8A-4147-A177-3AD203B41FA5}">
-                      <a16:colId xmlns:a16="http://schemas.microsoft.com/office/drawing/2014/main" xmlns="" val="20005"/>
+                      <a16:colId xmlns="" xmlns:a16="http://schemas.microsoft.com/office/drawing/2014/main" val="20005"/>
                     </a:ext>
                   </a:extLst>
                 </a:gridCol>
@@ -20664,7 +20666,7 @@
                 </a:tc>
                 <a:extLst>
                   <a:ext uri="{0D108BD9-81ED-4DB2-BD59-A6C34878D82A}">
-                    <a16:rowId xmlns:a16="http://schemas.microsoft.com/office/drawing/2014/main" xmlns="" val="10000"/>
+                    <a16:rowId xmlns="" xmlns:a16="http://schemas.microsoft.com/office/drawing/2014/main" val="10000"/>
                   </a:ext>
                 </a:extLst>
               </a:tr>
@@ -20761,7 +20763,7 @@
                 </a:tc>
                 <a:extLst>
                   <a:ext uri="{0D108BD9-81ED-4DB2-BD59-A6C34878D82A}">
-                    <a16:rowId xmlns:a16="http://schemas.microsoft.com/office/drawing/2014/main" xmlns="" val="10001"/>
+                    <a16:rowId xmlns="" xmlns:a16="http://schemas.microsoft.com/office/drawing/2014/main" val="10001"/>
                   </a:ext>
                 </a:extLst>
               </a:tr>
@@ -20919,7 +20921,7 @@
                 </a:tc>
                 <a:extLst>
                   <a:ext uri="{0D108BD9-81ED-4DB2-BD59-A6C34878D82A}">
-                    <a16:rowId xmlns:a16="http://schemas.microsoft.com/office/drawing/2014/main" xmlns="" val="10002"/>
+                    <a16:rowId xmlns="" xmlns:a16="http://schemas.microsoft.com/office/drawing/2014/main" val="10002"/>
                   </a:ext>
                 </a:extLst>
               </a:tr>
@@ -21060,7 +21062,7 @@
                 </a:tc>
                 <a:extLst>
                   <a:ext uri="{0D108BD9-81ED-4DB2-BD59-A6C34878D82A}">
-                    <a16:rowId xmlns:a16="http://schemas.microsoft.com/office/drawing/2014/main" xmlns="" val="10003"/>
+                    <a16:rowId xmlns="" xmlns:a16="http://schemas.microsoft.com/office/drawing/2014/main" val="10003"/>
                   </a:ext>
                 </a:extLst>
               </a:tr>
@@ -21201,7 +21203,7 @@
                 </a:tc>
                 <a:extLst>
                   <a:ext uri="{0D108BD9-81ED-4DB2-BD59-A6C34878D82A}">
-                    <a16:rowId xmlns:a16="http://schemas.microsoft.com/office/drawing/2014/main" xmlns="" val="10004"/>
+                    <a16:rowId xmlns="" xmlns:a16="http://schemas.microsoft.com/office/drawing/2014/main" val="10004"/>
                   </a:ext>
                 </a:extLst>
               </a:tr>
@@ -21340,7 +21342,7 @@
                 </a:tc>
                 <a:extLst>
                   <a:ext uri="{0D108BD9-81ED-4DB2-BD59-A6C34878D82A}">
-                    <a16:rowId xmlns:a16="http://schemas.microsoft.com/office/drawing/2014/main" xmlns="" val="10005"/>
+                    <a16:rowId xmlns="" xmlns:a16="http://schemas.microsoft.com/office/drawing/2014/main" val="10005"/>
                   </a:ext>
                 </a:extLst>
               </a:tr>
@@ -21431,42 +21433,42 @@
                 <a:gridCol w="1074501">
                   <a:extLst>
                     <a:ext uri="{9D8B030D-6E8A-4147-A177-3AD203B41FA5}">
-                      <a16:colId xmlns:a16="http://schemas.microsoft.com/office/drawing/2014/main" xmlns="" val="20000"/>
+                      <a16:colId xmlns="" xmlns:a16="http://schemas.microsoft.com/office/drawing/2014/main" val="20000"/>
                     </a:ext>
                   </a:extLst>
                 </a:gridCol>
                 <a:gridCol w="1094563">
                   <a:extLst>
                     <a:ext uri="{9D8B030D-6E8A-4147-A177-3AD203B41FA5}">
-                      <a16:colId xmlns:a16="http://schemas.microsoft.com/office/drawing/2014/main" xmlns="" val="20001"/>
+                      <a16:colId xmlns="" xmlns:a16="http://schemas.microsoft.com/office/drawing/2014/main" val="20001"/>
                     </a:ext>
                   </a:extLst>
                 </a:gridCol>
                 <a:gridCol w="1112808">
                   <a:extLst>
                     <a:ext uri="{9D8B030D-6E8A-4147-A177-3AD203B41FA5}">
-                      <a16:colId xmlns:a16="http://schemas.microsoft.com/office/drawing/2014/main" xmlns="" val="20002"/>
+                      <a16:colId xmlns="" xmlns:a16="http://schemas.microsoft.com/office/drawing/2014/main" val="20002"/>
                     </a:ext>
                   </a:extLst>
                 </a:gridCol>
                 <a:gridCol w="755968">
                   <a:extLst>
                     <a:ext uri="{9D8B030D-6E8A-4147-A177-3AD203B41FA5}">
-                      <a16:colId xmlns:a16="http://schemas.microsoft.com/office/drawing/2014/main" xmlns="" val="20003"/>
+                      <a16:colId xmlns="" xmlns:a16="http://schemas.microsoft.com/office/drawing/2014/main" val="20003"/>
                     </a:ext>
                   </a:extLst>
                 </a:gridCol>
                 <a:gridCol w="909275">
                   <a:extLst>
                     <a:ext uri="{9D8B030D-6E8A-4147-A177-3AD203B41FA5}">
-                      <a16:colId xmlns:a16="http://schemas.microsoft.com/office/drawing/2014/main" xmlns="" val="20004"/>
+                      <a16:colId xmlns="" xmlns:a16="http://schemas.microsoft.com/office/drawing/2014/main" val="20004"/>
                     </a:ext>
                   </a:extLst>
                 </a:gridCol>
                 <a:gridCol w="1226019">
                   <a:extLst>
                     <a:ext uri="{9D8B030D-6E8A-4147-A177-3AD203B41FA5}">
-                      <a16:colId xmlns:a16="http://schemas.microsoft.com/office/drawing/2014/main" xmlns="" val="20005"/>
+                      <a16:colId xmlns="" xmlns:a16="http://schemas.microsoft.com/office/drawing/2014/main" val="20005"/>
                     </a:ext>
                   </a:extLst>
                 </a:gridCol>
@@ -21558,7 +21560,7 @@
                 </a:tc>
                 <a:extLst>
                   <a:ext uri="{0D108BD9-81ED-4DB2-BD59-A6C34878D82A}">
-                    <a16:rowId xmlns:a16="http://schemas.microsoft.com/office/drawing/2014/main" xmlns="" val="10000"/>
+                    <a16:rowId xmlns="" xmlns:a16="http://schemas.microsoft.com/office/drawing/2014/main" val="10000"/>
                   </a:ext>
                 </a:extLst>
               </a:tr>
@@ -21657,7 +21659,7 @@
                 </a:tc>
                 <a:extLst>
                   <a:ext uri="{0D108BD9-81ED-4DB2-BD59-A6C34878D82A}">
-                    <a16:rowId xmlns:a16="http://schemas.microsoft.com/office/drawing/2014/main" xmlns="" val="10001"/>
+                    <a16:rowId xmlns="" xmlns:a16="http://schemas.microsoft.com/office/drawing/2014/main" val="10001"/>
                   </a:ext>
                 </a:extLst>
               </a:tr>
@@ -21775,7 +21777,7 @@
                 </a:tc>
                 <a:extLst>
                   <a:ext uri="{0D108BD9-81ED-4DB2-BD59-A6C34878D82A}">
-                    <a16:rowId xmlns:a16="http://schemas.microsoft.com/office/drawing/2014/main" xmlns="" val="10002"/>
+                    <a16:rowId xmlns="" xmlns:a16="http://schemas.microsoft.com/office/drawing/2014/main" val="10002"/>
                   </a:ext>
                 </a:extLst>
               </a:tr>
@@ -21916,7 +21918,7 @@
                 </a:tc>
                 <a:extLst>
                   <a:ext uri="{0D108BD9-81ED-4DB2-BD59-A6C34878D82A}">
-                    <a16:rowId xmlns:a16="http://schemas.microsoft.com/office/drawing/2014/main" xmlns="" val="10003"/>
+                    <a16:rowId xmlns="" xmlns:a16="http://schemas.microsoft.com/office/drawing/2014/main" val="10003"/>
                   </a:ext>
                 </a:extLst>
               </a:tr>
@@ -22059,7 +22061,7 @@
                 </a:tc>
                 <a:extLst>
                   <a:ext uri="{0D108BD9-81ED-4DB2-BD59-A6C34878D82A}">
-                    <a16:rowId xmlns:a16="http://schemas.microsoft.com/office/drawing/2014/main" xmlns="" val="10004"/>
+                    <a16:rowId xmlns="" xmlns:a16="http://schemas.microsoft.com/office/drawing/2014/main" val="10004"/>
                   </a:ext>
                 </a:extLst>
               </a:tr>
@@ -22172,7 +22174,7 @@
                 </a:tc>
                 <a:extLst>
                   <a:ext uri="{0D108BD9-81ED-4DB2-BD59-A6C34878D82A}">
-                    <a16:rowId xmlns:a16="http://schemas.microsoft.com/office/drawing/2014/main" xmlns="" val="10005"/>
+                    <a16:rowId xmlns="" xmlns:a16="http://schemas.microsoft.com/office/drawing/2014/main" val="10005"/>
                   </a:ext>
                 </a:extLst>
               </a:tr>
@@ -22263,42 +22265,42 @@
                 <a:gridCol w="1108522">
                   <a:extLst>
                     <a:ext uri="{9D8B030D-6E8A-4147-A177-3AD203B41FA5}">
-                      <a16:colId xmlns:a16="http://schemas.microsoft.com/office/drawing/2014/main" xmlns="" val="20000"/>
+                      <a16:colId xmlns="" xmlns:a16="http://schemas.microsoft.com/office/drawing/2014/main" val="20000"/>
                     </a:ext>
                   </a:extLst>
                 </a:gridCol>
                 <a:gridCol w="1129219">
                   <a:extLst>
                     <a:ext uri="{9D8B030D-6E8A-4147-A177-3AD203B41FA5}">
-                      <a16:colId xmlns:a16="http://schemas.microsoft.com/office/drawing/2014/main" xmlns="" val="20001"/>
+                      <a16:colId xmlns="" xmlns:a16="http://schemas.microsoft.com/office/drawing/2014/main" val="20001"/>
                     </a:ext>
                   </a:extLst>
                 </a:gridCol>
                 <a:gridCol w="1148042">
                   <a:extLst>
                     <a:ext uri="{9D8B030D-6E8A-4147-A177-3AD203B41FA5}">
-                      <a16:colId xmlns:a16="http://schemas.microsoft.com/office/drawing/2014/main" xmlns="" val="20002"/>
+                      <a16:colId xmlns="" xmlns:a16="http://schemas.microsoft.com/office/drawing/2014/main" val="20002"/>
                     </a:ext>
                   </a:extLst>
                 </a:gridCol>
                 <a:gridCol w="802761">
                   <a:extLst>
                     <a:ext uri="{9D8B030D-6E8A-4147-A177-3AD203B41FA5}">
-                      <a16:colId xmlns:a16="http://schemas.microsoft.com/office/drawing/2014/main" xmlns="" val="20003"/>
+                      <a16:colId xmlns="" xmlns:a16="http://schemas.microsoft.com/office/drawing/2014/main" val="20003"/>
                     </a:ext>
                   </a:extLst>
                 </a:gridCol>
                 <a:gridCol w="857259">
                   <a:extLst>
                     <a:ext uri="{9D8B030D-6E8A-4147-A177-3AD203B41FA5}">
-                      <a16:colId xmlns:a16="http://schemas.microsoft.com/office/drawing/2014/main" xmlns="" val="20004"/>
+                      <a16:colId xmlns="" xmlns:a16="http://schemas.microsoft.com/office/drawing/2014/main" val="20004"/>
                     </a:ext>
                   </a:extLst>
                 </a:gridCol>
                 <a:gridCol w="1264838">
                   <a:extLst>
                     <a:ext uri="{9D8B030D-6E8A-4147-A177-3AD203B41FA5}">
-                      <a16:colId xmlns:a16="http://schemas.microsoft.com/office/drawing/2014/main" xmlns="" val="20005"/>
+                      <a16:colId xmlns="" xmlns:a16="http://schemas.microsoft.com/office/drawing/2014/main" val="20005"/>
                     </a:ext>
                   </a:extLst>
                 </a:gridCol>
@@ -22390,7 +22392,7 @@
                 </a:tc>
                 <a:extLst>
                   <a:ext uri="{0D108BD9-81ED-4DB2-BD59-A6C34878D82A}">
-                    <a16:rowId xmlns:a16="http://schemas.microsoft.com/office/drawing/2014/main" xmlns="" val="10000"/>
+                    <a16:rowId xmlns="" xmlns:a16="http://schemas.microsoft.com/office/drawing/2014/main" val="10000"/>
                   </a:ext>
                 </a:extLst>
               </a:tr>
@@ -22531,7 +22533,7 @@
                 </a:tc>
                 <a:extLst>
                   <a:ext uri="{0D108BD9-81ED-4DB2-BD59-A6C34878D82A}">
-                    <a16:rowId xmlns:a16="http://schemas.microsoft.com/office/drawing/2014/main" xmlns="" val="10001"/>
+                    <a16:rowId xmlns="" xmlns:a16="http://schemas.microsoft.com/office/drawing/2014/main" val="10001"/>
                   </a:ext>
                 </a:extLst>
               </a:tr>
@@ -22691,7 +22693,7 @@
                 </a:tc>
                 <a:extLst>
                   <a:ext uri="{0D108BD9-81ED-4DB2-BD59-A6C34878D82A}">
-                    <a16:rowId xmlns:a16="http://schemas.microsoft.com/office/drawing/2014/main" xmlns="" val="10002"/>
+                    <a16:rowId xmlns="" xmlns:a16="http://schemas.microsoft.com/office/drawing/2014/main" val="10002"/>
                   </a:ext>
                 </a:extLst>
               </a:tr>
@@ -22838,7 +22840,7 @@
                 </a:tc>
                 <a:extLst>
                   <a:ext uri="{0D108BD9-81ED-4DB2-BD59-A6C34878D82A}">
-                    <a16:rowId xmlns:a16="http://schemas.microsoft.com/office/drawing/2014/main" xmlns="" val="10003"/>
+                    <a16:rowId xmlns="" xmlns:a16="http://schemas.microsoft.com/office/drawing/2014/main" val="10003"/>
                   </a:ext>
                 </a:extLst>
               </a:tr>
@@ -22981,7 +22983,7 @@
                 </a:tc>
                 <a:extLst>
                   <a:ext uri="{0D108BD9-81ED-4DB2-BD59-A6C34878D82A}">
-                    <a16:rowId xmlns:a16="http://schemas.microsoft.com/office/drawing/2014/main" xmlns="" val="10004"/>
+                    <a16:rowId xmlns="" xmlns:a16="http://schemas.microsoft.com/office/drawing/2014/main" val="10004"/>
                   </a:ext>
                 </a:extLst>
               </a:tr>
@@ -23120,7 +23122,7 @@
                 </a:tc>
                 <a:extLst>
                   <a:ext uri="{0D108BD9-81ED-4DB2-BD59-A6C34878D82A}">
-                    <a16:rowId xmlns:a16="http://schemas.microsoft.com/office/drawing/2014/main" xmlns="" val="10005"/>
+                    <a16:rowId xmlns="" xmlns:a16="http://schemas.microsoft.com/office/drawing/2014/main" val="10005"/>
                   </a:ext>
                 </a:extLst>
               </a:tr>
@@ -23211,42 +23213,42 @@
                 <a:gridCol w="1074501">
                   <a:extLst>
                     <a:ext uri="{9D8B030D-6E8A-4147-A177-3AD203B41FA5}">
-                      <a16:colId xmlns:a16="http://schemas.microsoft.com/office/drawing/2014/main" xmlns="" val="20000"/>
+                      <a16:colId xmlns="" xmlns:a16="http://schemas.microsoft.com/office/drawing/2014/main" val="20000"/>
                     </a:ext>
                   </a:extLst>
                 </a:gridCol>
                 <a:gridCol w="1094563">
                   <a:extLst>
                     <a:ext uri="{9D8B030D-6E8A-4147-A177-3AD203B41FA5}">
-                      <a16:colId xmlns:a16="http://schemas.microsoft.com/office/drawing/2014/main" xmlns="" val="20001"/>
+                      <a16:colId xmlns="" xmlns:a16="http://schemas.microsoft.com/office/drawing/2014/main" val="20001"/>
                     </a:ext>
                   </a:extLst>
                 </a:gridCol>
                 <a:gridCol w="1112808">
                   <a:extLst>
                     <a:ext uri="{9D8B030D-6E8A-4147-A177-3AD203B41FA5}">
-                      <a16:colId xmlns:a16="http://schemas.microsoft.com/office/drawing/2014/main" xmlns="" val="20002"/>
+                      <a16:colId xmlns="" xmlns:a16="http://schemas.microsoft.com/office/drawing/2014/main" val="20002"/>
                     </a:ext>
                   </a:extLst>
                 </a:gridCol>
                 <a:gridCol w="785901">
                   <a:extLst>
                     <a:ext uri="{9D8B030D-6E8A-4147-A177-3AD203B41FA5}">
-                      <a16:colId xmlns:a16="http://schemas.microsoft.com/office/drawing/2014/main" xmlns="" val="20003"/>
+                      <a16:colId xmlns="" xmlns:a16="http://schemas.microsoft.com/office/drawing/2014/main" val="20003"/>
                     </a:ext>
                   </a:extLst>
                 </a:gridCol>
                 <a:gridCol w="823172">
                   <a:extLst>
                     <a:ext uri="{9D8B030D-6E8A-4147-A177-3AD203B41FA5}">
-                      <a16:colId xmlns:a16="http://schemas.microsoft.com/office/drawing/2014/main" xmlns="" val="20004"/>
+                      <a16:colId xmlns="" xmlns:a16="http://schemas.microsoft.com/office/drawing/2014/main" val="20004"/>
                     </a:ext>
                   </a:extLst>
                 </a:gridCol>
                 <a:gridCol w="1226019">
                   <a:extLst>
                     <a:ext uri="{9D8B030D-6E8A-4147-A177-3AD203B41FA5}">
-                      <a16:colId xmlns:a16="http://schemas.microsoft.com/office/drawing/2014/main" xmlns="" val="20005"/>
+                      <a16:colId xmlns="" xmlns:a16="http://schemas.microsoft.com/office/drawing/2014/main" val="20005"/>
                     </a:ext>
                   </a:extLst>
                 </a:gridCol>
@@ -23338,7 +23340,7 @@
                 </a:tc>
                 <a:extLst>
                   <a:ext uri="{0D108BD9-81ED-4DB2-BD59-A6C34878D82A}">
-                    <a16:rowId xmlns:a16="http://schemas.microsoft.com/office/drawing/2014/main" xmlns="" val="10000"/>
+                    <a16:rowId xmlns="" xmlns:a16="http://schemas.microsoft.com/office/drawing/2014/main" val="10000"/>
                   </a:ext>
                 </a:extLst>
               </a:tr>
@@ -23481,7 +23483,7 @@
                 </a:tc>
                 <a:extLst>
                   <a:ext uri="{0D108BD9-81ED-4DB2-BD59-A6C34878D82A}">
-                    <a16:rowId xmlns:a16="http://schemas.microsoft.com/office/drawing/2014/main" xmlns="" val="10001"/>
+                    <a16:rowId xmlns="" xmlns:a16="http://schemas.microsoft.com/office/drawing/2014/main" val="10001"/>
                   </a:ext>
                 </a:extLst>
               </a:tr>
@@ -23641,7 +23643,7 @@
                 </a:tc>
                 <a:extLst>
                   <a:ext uri="{0D108BD9-81ED-4DB2-BD59-A6C34878D82A}">
-                    <a16:rowId xmlns:a16="http://schemas.microsoft.com/office/drawing/2014/main" xmlns="" val="10002"/>
+                    <a16:rowId xmlns="" xmlns:a16="http://schemas.microsoft.com/office/drawing/2014/main" val="10002"/>
                   </a:ext>
                 </a:extLst>
               </a:tr>
@@ -23784,7 +23786,7 @@
                 </a:tc>
                 <a:extLst>
                   <a:ext uri="{0D108BD9-81ED-4DB2-BD59-A6C34878D82A}">
-                    <a16:rowId xmlns:a16="http://schemas.microsoft.com/office/drawing/2014/main" xmlns="" val="10003"/>
+                    <a16:rowId xmlns="" xmlns:a16="http://schemas.microsoft.com/office/drawing/2014/main" val="10003"/>
                   </a:ext>
                 </a:extLst>
               </a:tr>
@@ -23927,7 +23929,7 @@
                 </a:tc>
                 <a:extLst>
                   <a:ext uri="{0D108BD9-81ED-4DB2-BD59-A6C34878D82A}">
-                    <a16:rowId xmlns:a16="http://schemas.microsoft.com/office/drawing/2014/main" xmlns="" val="10004"/>
+                    <a16:rowId xmlns="" xmlns:a16="http://schemas.microsoft.com/office/drawing/2014/main" val="10004"/>
                   </a:ext>
                 </a:extLst>
               </a:tr>
@@ -24068,7 +24070,7 @@
                 </a:tc>
                 <a:extLst>
                   <a:ext uri="{0D108BD9-81ED-4DB2-BD59-A6C34878D82A}">
-                    <a16:rowId xmlns:a16="http://schemas.microsoft.com/office/drawing/2014/main" xmlns="" val="10005"/>
+                    <a16:rowId xmlns="" xmlns:a16="http://schemas.microsoft.com/office/drawing/2014/main" val="10005"/>
                   </a:ext>
                 </a:extLst>
               </a:tr>
@@ -24159,42 +24161,42 @@
                 <a:gridCol w="1074501">
                   <a:extLst>
                     <a:ext uri="{9D8B030D-6E8A-4147-A177-3AD203B41FA5}">
-                      <a16:colId xmlns:a16="http://schemas.microsoft.com/office/drawing/2014/main" xmlns="" val="20000"/>
+                      <a16:colId xmlns="" xmlns:a16="http://schemas.microsoft.com/office/drawing/2014/main" val="20000"/>
                     </a:ext>
                   </a:extLst>
                 </a:gridCol>
                 <a:gridCol w="1042804">
                   <a:extLst>
                     <a:ext uri="{9D8B030D-6E8A-4147-A177-3AD203B41FA5}">
-                      <a16:colId xmlns:a16="http://schemas.microsoft.com/office/drawing/2014/main" xmlns="" val="20001"/>
+                      <a16:colId xmlns="" xmlns:a16="http://schemas.microsoft.com/office/drawing/2014/main" val="20001"/>
                     </a:ext>
                   </a:extLst>
                 </a:gridCol>
                 <a:gridCol w="1086929">
                   <a:extLst>
                     <a:ext uri="{9D8B030D-6E8A-4147-A177-3AD203B41FA5}">
-                      <a16:colId xmlns:a16="http://schemas.microsoft.com/office/drawing/2014/main" xmlns="" val="20002"/>
+                      <a16:colId xmlns="" xmlns:a16="http://schemas.microsoft.com/office/drawing/2014/main" val="20002"/>
                     </a:ext>
                   </a:extLst>
                 </a:gridCol>
                 <a:gridCol w="777436">
                   <a:extLst>
                     <a:ext uri="{9D8B030D-6E8A-4147-A177-3AD203B41FA5}">
-                      <a16:colId xmlns:a16="http://schemas.microsoft.com/office/drawing/2014/main" xmlns="" val="20003"/>
+                      <a16:colId xmlns="" xmlns:a16="http://schemas.microsoft.com/office/drawing/2014/main" val="20003"/>
                     </a:ext>
                   </a:extLst>
                 </a:gridCol>
                 <a:gridCol w="909275">
                   <a:extLst>
                     <a:ext uri="{9D8B030D-6E8A-4147-A177-3AD203B41FA5}">
-                      <a16:colId xmlns:a16="http://schemas.microsoft.com/office/drawing/2014/main" xmlns="" val="20004"/>
+                      <a16:colId xmlns="" xmlns:a16="http://schemas.microsoft.com/office/drawing/2014/main" val="20004"/>
                     </a:ext>
                   </a:extLst>
                 </a:gridCol>
                 <a:gridCol w="1226019">
                   <a:extLst>
                     <a:ext uri="{9D8B030D-6E8A-4147-A177-3AD203B41FA5}">
-                      <a16:colId xmlns:a16="http://schemas.microsoft.com/office/drawing/2014/main" xmlns="" val="20005"/>
+                      <a16:colId xmlns="" xmlns:a16="http://schemas.microsoft.com/office/drawing/2014/main" val="20005"/>
                     </a:ext>
                   </a:extLst>
                 </a:gridCol>
@@ -24286,7 +24288,7 @@
                 </a:tc>
                 <a:extLst>
                   <a:ext uri="{0D108BD9-81ED-4DB2-BD59-A6C34878D82A}">
-                    <a16:rowId xmlns:a16="http://schemas.microsoft.com/office/drawing/2014/main" xmlns="" val="10000"/>
+                    <a16:rowId xmlns="" xmlns:a16="http://schemas.microsoft.com/office/drawing/2014/main" val="10000"/>
                   </a:ext>
                 </a:extLst>
               </a:tr>
@@ -24387,7 +24389,7 @@
                 </a:tc>
                 <a:extLst>
                   <a:ext uri="{0D108BD9-81ED-4DB2-BD59-A6C34878D82A}">
-                    <a16:rowId xmlns:a16="http://schemas.microsoft.com/office/drawing/2014/main" xmlns="" val="10001"/>
+                    <a16:rowId xmlns="" xmlns:a16="http://schemas.microsoft.com/office/drawing/2014/main" val="10001"/>
                   </a:ext>
                 </a:extLst>
               </a:tr>
@@ -24547,7 +24549,7 @@
                 </a:tc>
                 <a:extLst>
                   <a:ext uri="{0D108BD9-81ED-4DB2-BD59-A6C34878D82A}">
-                    <a16:rowId xmlns:a16="http://schemas.microsoft.com/office/drawing/2014/main" xmlns="" val="10002"/>
+                    <a16:rowId xmlns="" xmlns:a16="http://schemas.microsoft.com/office/drawing/2014/main" val="10002"/>
                   </a:ext>
                 </a:extLst>
               </a:tr>
@@ -24690,7 +24692,7 @@
                 </a:tc>
                 <a:extLst>
                   <a:ext uri="{0D108BD9-81ED-4DB2-BD59-A6C34878D82A}">
-                    <a16:rowId xmlns:a16="http://schemas.microsoft.com/office/drawing/2014/main" xmlns="" val="10003"/>
+                    <a16:rowId xmlns="" xmlns:a16="http://schemas.microsoft.com/office/drawing/2014/main" val="10003"/>
                   </a:ext>
                 </a:extLst>
               </a:tr>
@@ -24833,7 +24835,7 @@
                 </a:tc>
                 <a:extLst>
                   <a:ext uri="{0D108BD9-81ED-4DB2-BD59-A6C34878D82A}">
-                    <a16:rowId xmlns:a16="http://schemas.microsoft.com/office/drawing/2014/main" xmlns="" val="10004"/>
+                    <a16:rowId xmlns="" xmlns:a16="http://schemas.microsoft.com/office/drawing/2014/main" val="10004"/>
                   </a:ext>
                 </a:extLst>
               </a:tr>
@@ -24976,7 +24978,7 @@
                 </a:tc>
                 <a:extLst>
                   <a:ext uri="{0D108BD9-81ED-4DB2-BD59-A6C34878D82A}">
-                    <a16:rowId xmlns:a16="http://schemas.microsoft.com/office/drawing/2014/main" xmlns="" val="10005"/>
+                    <a16:rowId xmlns="" xmlns:a16="http://schemas.microsoft.com/office/drawing/2014/main" val="10005"/>
                   </a:ext>
                 </a:extLst>
               </a:tr>
@@ -25067,42 +25069,42 @@
                 <a:gridCol w="1074501">
                   <a:extLst>
                     <a:ext uri="{9D8B030D-6E8A-4147-A177-3AD203B41FA5}">
-                      <a16:colId xmlns:a16="http://schemas.microsoft.com/office/drawing/2014/main" xmlns="" val="20000"/>
+                      <a16:colId xmlns="" xmlns:a16="http://schemas.microsoft.com/office/drawing/2014/main" val="20000"/>
                     </a:ext>
                   </a:extLst>
                 </a:gridCol>
                 <a:gridCol w="1051431">
                   <a:extLst>
                     <a:ext uri="{9D8B030D-6E8A-4147-A177-3AD203B41FA5}">
-                      <a16:colId xmlns:a16="http://schemas.microsoft.com/office/drawing/2014/main" xmlns="" val="20001"/>
+                      <a16:colId xmlns="" xmlns:a16="http://schemas.microsoft.com/office/drawing/2014/main" val="20001"/>
                     </a:ext>
                   </a:extLst>
                 </a:gridCol>
                 <a:gridCol w="1104181">
                   <a:extLst>
                     <a:ext uri="{9D8B030D-6E8A-4147-A177-3AD203B41FA5}">
-                      <a16:colId xmlns:a16="http://schemas.microsoft.com/office/drawing/2014/main" xmlns="" val="20002"/>
+                      <a16:colId xmlns="" xmlns:a16="http://schemas.microsoft.com/office/drawing/2014/main" val="20002"/>
                     </a:ext>
                   </a:extLst>
                 </a:gridCol>
                 <a:gridCol w="751557">
                   <a:extLst>
                     <a:ext uri="{9D8B030D-6E8A-4147-A177-3AD203B41FA5}">
-                      <a16:colId xmlns:a16="http://schemas.microsoft.com/office/drawing/2014/main" xmlns="" val="20003"/>
+                      <a16:colId xmlns="" xmlns:a16="http://schemas.microsoft.com/office/drawing/2014/main" val="20003"/>
                     </a:ext>
                   </a:extLst>
                 </a:gridCol>
                 <a:gridCol w="909275">
                   <a:extLst>
                     <a:ext uri="{9D8B030D-6E8A-4147-A177-3AD203B41FA5}">
-                      <a16:colId xmlns:a16="http://schemas.microsoft.com/office/drawing/2014/main" xmlns="" val="20004"/>
+                      <a16:colId xmlns="" xmlns:a16="http://schemas.microsoft.com/office/drawing/2014/main" val="20004"/>
                     </a:ext>
                   </a:extLst>
                 </a:gridCol>
                 <a:gridCol w="1226019">
                   <a:extLst>
                     <a:ext uri="{9D8B030D-6E8A-4147-A177-3AD203B41FA5}">
-                      <a16:colId xmlns:a16="http://schemas.microsoft.com/office/drawing/2014/main" xmlns="" val="20005"/>
+                      <a16:colId xmlns="" xmlns:a16="http://schemas.microsoft.com/office/drawing/2014/main" val="20005"/>
                     </a:ext>
                   </a:extLst>
                 </a:gridCol>
@@ -25194,7 +25196,7 @@
                 </a:tc>
                 <a:extLst>
                   <a:ext uri="{0D108BD9-81ED-4DB2-BD59-A6C34878D82A}">
-                    <a16:rowId xmlns:a16="http://schemas.microsoft.com/office/drawing/2014/main" xmlns="" val="10000"/>
+                    <a16:rowId xmlns="" xmlns:a16="http://schemas.microsoft.com/office/drawing/2014/main" val="10000"/>
                   </a:ext>
                 </a:extLst>
               </a:tr>
@@ -25333,7 +25335,7 @@
                 </a:tc>
                 <a:extLst>
                   <a:ext uri="{0D108BD9-81ED-4DB2-BD59-A6C34878D82A}">
-                    <a16:rowId xmlns:a16="http://schemas.microsoft.com/office/drawing/2014/main" xmlns="" val="10001"/>
+                    <a16:rowId xmlns="" xmlns:a16="http://schemas.microsoft.com/office/drawing/2014/main" val="10001"/>
                   </a:ext>
                 </a:extLst>
               </a:tr>
@@ -25489,7 +25491,7 @@
                 </a:tc>
                 <a:extLst>
                   <a:ext uri="{0D108BD9-81ED-4DB2-BD59-A6C34878D82A}">
-                    <a16:rowId xmlns:a16="http://schemas.microsoft.com/office/drawing/2014/main" xmlns="" val="10002"/>
+                    <a16:rowId xmlns="" xmlns:a16="http://schemas.microsoft.com/office/drawing/2014/main" val="10002"/>
                   </a:ext>
                 </a:extLst>
               </a:tr>
@@ -25628,7 +25630,7 @@
                 </a:tc>
                 <a:extLst>
                   <a:ext uri="{0D108BD9-81ED-4DB2-BD59-A6C34878D82A}">
-                    <a16:rowId xmlns:a16="http://schemas.microsoft.com/office/drawing/2014/main" xmlns="" val="10003"/>
+                    <a16:rowId xmlns="" xmlns:a16="http://schemas.microsoft.com/office/drawing/2014/main" val="10003"/>
                   </a:ext>
                 </a:extLst>
               </a:tr>
@@ -25767,7 +25769,7 @@
                 </a:tc>
                 <a:extLst>
                   <a:ext uri="{0D108BD9-81ED-4DB2-BD59-A6C34878D82A}">
-                    <a16:rowId xmlns:a16="http://schemas.microsoft.com/office/drawing/2014/main" xmlns="" val="10004"/>
+                    <a16:rowId xmlns="" xmlns:a16="http://schemas.microsoft.com/office/drawing/2014/main" val="10004"/>
                   </a:ext>
                 </a:extLst>
               </a:tr>
@@ -25906,7 +25908,7 @@
                 </a:tc>
                 <a:extLst>
                   <a:ext uri="{0D108BD9-81ED-4DB2-BD59-A6C34878D82A}">
-                    <a16:rowId xmlns:a16="http://schemas.microsoft.com/office/drawing/2014/main" xmlns="" val="10005"/>
+                    <a16:rowId xmlns="" xmlns:a16="http://schemas.microsoft.com/office/drawing/2014/main" val="10005"/>
                   </a:ext>
                 </a:extLst>
               </a:tr>
@@ -27289,42 +27291,42 @@
                 <a:gridCol w="1074501">
                   <a:extLst>
                     <a:ext uri="{9D8B030D-6E8A-4147-A177-3AD203B41FA5}">
-                      <a16:colId xmlns:a16="http://schemas.microsoft.com/office/drawing/2014/main" xmlns="" val="20000"/>
+                      <a16:colId xmlns="" xmlns:a16="http://schemas.microsoft.com/office/drawing/2014/main" val="20000"/>
                     </a:ext>
                   </a:extLst>
                 </a:gridCol>
                 <a:gridCol w="1292971">
                   <a:extLst>
                     <a:ext uri="{9D8B030D-6E8A-4147-A177-3AD203B41FA5}">
-                      <a16:colId xmlns:a16="http://schemas.microsoft.com/office/drawing/2014/main" xmlns="" val="20001"/>
+                      <a16:colId xmlns="" xmlns:a16="http://schemas.microsoft.com/office/drawing/2014/main" val="20001"/>
                     </a:ext>
                   </a:extLst>
                 </a:gridCol>
                 <a:gridCol w="1121434">
                   <a:extLst>
                     <a:ext uri="{9D8B030D-6E8A-4147-A177-3AD203B41FA5}">
-                      <a16:colId xmlns:a16="http://schemas.microsoft.com/office/drawing/2014/main" xmlns="" val="20002"/>
+                      <a16:colId xmlns="" xmlns:a16="http://schemas.microsoft.com/office/drawing/2014/main" val="20002"/>
                     </a:ext>
                   </a:extLst>
                 </a:gridCol>
                 <a:gridCol w="802256">
                   <a:extLst>
                     <a:ext uri="{9D8B030D-6E8A-4147-A177-3AD203B41FA5}">
-                      <a16:colId xmlns:a16="http://schemas.microsoft.com/office/drawing/2014/main" xmlns="" val="20003"/>
+                      <a16:colId xmlns="" xmlns:a16="http://schemas.microsoft.com/office/drawing/2014/main" val="20003"/>
                     </a:ext>
                   </a:extLst>
                 </a:gridCol>
                 <a:gridCol w="888521">
                   <a:extLst>
                     <a:ext uri="{9D8B030D-6E8A-4147-A177-3AD203B41FA5}">
-                      <a16:colId xmlns:a16="http://schemas.microsoft.com/office/drawing/2014/main" xmlns="" val="20004"/>
+                      <a16:colId xmlns="" xmlns:a16="http://schemas.microsoft.com/office/drawing/2014/main" val="20004"/>
                     </a:ext>
                   </a:extLst>
                 </a:gridCol>
                 <a:gridCol w="1035170">
                   <a:extLst>
                     <a:ext uri="{9D8B030D-6E8A-4147-A177-3AD203B41FA5}">
-                      <a16:colId xmlns:a16="http://schemas.microsoft.com/office/drawing/2014/main" xmlns="" val="20005"/>
+                      <a16:colId xmlns="" xmlns:a16="http://schemas.microsoft.com/office/drawing/2014/main" val="20005"/>
                     </a:ext>
                   </a:extLst>
                 </a:gridCol>
@@ -27416,7 +27418,7 @@
                 </a:tc>
                 <a:extLst>
                   <a:ext uri="{0D108BD9-81ED-4DB2-BD59-A6C34878D82A}">
-                    <a16:rowId xmlns:a16="http://schemas.microsoft.com/office/drawing/2014/main" xmlns="" val="10000"/>
+                    <a16:rowId xmlns="" xmlns:a16="http://schemas.microsoft.com/office/drawing/2014/main" val="10000"/>
                   </a:ext>
                 </a:extLst>
               </a:tr>
@@ -27513,7 +27515,7 @@
                 </a:tc>
                 <a:extLst>
                   <a:ext uri="{0D108BD9-81ED-4DB2-BD59-A6C34878D82A}">
-                    <a16:rowId xmlns:a16="http://schemas.microsoft.com/office/drawing/2014/main" xmlns="" val="10001"/>
+                    <a16:rowId xmlns="" xmlns:a16="http://schemas.microsoft.com/office/drawing/2014/main" val="10001"/>
                   </a:ext>
                 </a:extLst>
               </a:tr>
@@ -27671,7 +27673,7 @@
                 </a:tc>
                 <a:extLst>
                   <a:ext uri="{0D108BD9-81ED-4DB2-BD59-A6C34878D82A}">
-                    <a16:rowId xmlns:a16="http://schemas.microsoft.com/office/drawing/2014/main" xmlns="" val="10002"/>
+                    <a16:rowId xmlns="" xmlns:a16="http://schemas.microsoft.com/office/drawing/2014/main" val="10002"/>
                   </a:ext>
                 </a:extLst>
               </a:tr>
@@ -27812,7 +27814,7 @@
                 </a:tc>
                 <a:extLst>
                   <a:ext uri="{0D108BD9-81ED-4DB2-BD59-A6C34878D82A}">
-                    <a16:rowId xmlns:a16="http://schemas.microsoft.com/office/drawing/2014/main" xmlns="" val="10003"/>
+                    <a16:rowId xmlns="" xmlns:a16="http://schemas.microsoft.com/office/drawing/2014/main" val="10003"/>
                   </a:ext>
                 </a:extLst>
               </a:tr>
@@ -27951,7 +27953,7 @@
                 </a:tc>
                 <a:extLst>
                   <a:ext uri="{0D108BD9-81ED-4DB2-BD59-A6C34878D82A}">
-                    <a16:rowId xmlns:a16="http://schemas.microsoft.com/office/drawing/2014/main" xmlns="" val="10004"/>
+                    <a16:rowId xmlns="" xmlns:a16="http://schemas.microsoft.com/office/drawing/2014/main" val="10004"/>
                   </a:ext>
                 </a:extLst>
               </a:tr>
@@ -28092,7 +28094,7 @@
                 </a:tc>
                 <a:extLst>
                   <a:ext uri="{0D108BD9-81ED-4DB2-BD59-A6C34878D82A}">
-                    <a16:rowId xmlns:a16="http://schemas.microsoft.com/office/drawing/2014/main" xmlns="" val="10005"/>
+                    <a16:rowId xmlns="" xmlns:a16="http://schemas.microsoft.com/office/drawing/2014/main" val="10005"/>
                   </a:ext>
                 </a:extLst>
               </a:tr>
@@ -28515,42 +28517,42 @@
                 <a:gridCol w="1074501">
                   <a:extLst>
                     <a:ext uri="{9D8B030D-6E8A-4147-A177-3AD203B41FA5}">
-                      <a16:colId xmlns:a16="http://schemas.microsoft.com/office/drawing/2014/main" xmlns="" val="20000"/>
+                      <a16:colId xmlns="" xmlns:a16="http://schemas.microsoft.com/office/drawing/2014/main" val="20000"/>
                     </a:ext>
                   </a:extLst>
                 </a:gridCol>
                 <a:gridCol w="1137695">
                   <a:extLst>
                     <a:ext uri="{9D8B030D-6E8A-4147-A177-3AD203B41FA5}">
-                      <a16:colId xmlns:a16="http://schemas.microsoft.com/office/drawing/2014/main" xmlns="" val="20001"/>
+                      <a16:colId xmlns="" xmlns:a16="http://schemas.microsoft.com/office/drawing/2014/main" val="20001"/>
                     </a:ext>
                   </a:extLst>
                 </a:gridCol>
                 <a:gridCol w="1086928">
                   <a:extLst>
                     <a:ext uri="{9D8B030D-6E8A-4147-A177-3AD203B41FA5}">
-                      <a16:colId xmlns:a16="http://schemas.microsoft.com/office/drawing/2014/main" xmlns="" val="20002"/>
+                      <a16:colId xmlns="" xmlns:a16="http://schemas.microsoft.com/office/drawing/2014/main" val="20002"/>
                     </a:ext>
                   </a:extLst>
                 </a:gridCol>
                 <a:gridCol w="888521">
                   <a:extLst>
                     <a:ext uri="{9D8B030D-6E8A-4147-A177-3AD203B41FA5}">
-                      <a16:colId xmlns:a16="http://schemas.microsoft.com/office/drawing/2014/main" xmlns="" val="20003"/>
+                      <a16:colId xmlns="" xmlns:a16="http://schemas.microsoft.com/office/drawing/2014/main" val="20003"/>
                     </a:ext>
                   </a:extLst>
                 </a:gridCol>
                 <a:gridCol w="810883">
                   <a:extLst>
                     <a:ext uri="{9D8B030D-6E8A-4147-A177-3AD203B41FA5}">
-                      <a16:colId xmlns:a16="http://schemas.microsoft.com/office/drawing/2014/main" xmlns="" val="20004"/>
+                      <a16:colId xmlns="" xmlns:a16="http://schemas.microsoft.com/office/drawing/2014/main" val="20004"/>
                     </a:ext>
                   </a:extLst>
                 </a:gridCol>
                 <a:gridCol w="1118436">
                   <a:extLst>
                     <a:ext uri="{9D8B030D-6E8A-4147-A177-3AD203B41FA5}">
-                      <a16:colId xmlns:a16="http://schemas.microsoft.com/office/drawing/2014/main" xmlns="" val="20005"/>
+                      <a16:colId xmlns="" xmlns:a16="http://schemas.microsoft.com/office/drawing/2014/main" val="20005"/>
                     </a:ext>
                   </a:extLst>
                 </a:gridCol>
@@ -28642,7 +28644,7 @@
                 </a:tc>
                 <a:extLst>
                   <a:ext uri="{0D108BD9-81ED-4DB2-BD59-A6C34878D82A}">
-                    <a16:rowId xmlns:a16="http://schemas.microsoft.com/office/drawing/2014/main" xmlns="" val="10000"/>
+                    <a16:rowId xmlns="" xmlns:a16="http://schemas.microsoft.com/office/drawing/2014/main" val="10000"/>
                   </a:ext>
                 </a:extLst>
               </a:tr>
@@ -28741,7 +28743,7 @@
                 </a:tc>
                 <a:extLst>
                   <a:ext uri="{0D108BD9-81ED-4DB2-BD59-A6C34878D82A}">
-                    <a16:rowId xmlns:a16="http://schemas.microsoft.com/office/drawing/2014/main" xmlns="" val="10001"/>
+                    <a16:rowId xmlns="" xmlns:a16="http://schemas.microsoft.com/office/drawing/2014/main" val="10001"/>
                   </a:ext>
                 </a:extLst>
               </a:tr>
@@ -28899,7 +28901,7 @@
                 </a:tc>
                 <a:extLst>
                   <a:ext uri="{0D108BD9-81ED-4DB2-BD59-A6C34878D82A}">
-                    <a16:rowId xmlns:a16="http://schemas.microsoft.com/office/drawing/2014/main" xmlns="" val="10002"/>
+                    <a16:rowId xmlns="" xmlns:a16="http://schemas.microsoft.com/office/drawing/2014/main" val="10002"/>
                   </a:ext>
                 </a:extLst>
               </a:tr>
@@ -29038,7 +29040,7 @@
                 </a:tc>
                 <a:extLst>
                   <a:ext uri="{0D108BD9-81ED-4DB2-BD59-A6C34878D82A}">
-                    <a16:rowId xmlns:a16="http://schemas.microsoft.com/office/drawing/2014/main" xmlns="" val="10003"/>
+                    <a16:rowId xmlns="" xmlns:a16="http://schemas.microsoft.com/office/drawing/2014/main" val="10003"/>
                   </a:ext>
                 </a:extLst>
               </a:tr>
@@ -29139,7 +29141,7 @@
                 </a:tc>
                 <a:extLst>
                   <a:ext uri="{0D108BD9-81ED-4DB2-BD59-A6C34878D82A}">
-                    <a16:rowId xmlns:a16="http://schemas.microsoft.com/office/drawing/2014/main" xmlns="" val="10004"/>
+                    <a16:rowId xmlns="" xmlns:a16="http://schemas.microsoft.com/office/drawing/2014/main" val="10004"/>
                   </a:ext>
                 </a:extLst>
               </a:tr>
@@ -29240,7 +29242,7 @@
                 </a:tc>
                 <a:extLst>
                   <a:ext uri="{0D108BD9-81ED-4DB2-BD59-A6C34878D82A}">
-                    <a16:rowId xmlns:a16="http://schemas.microsoft.com/office/drawing/2014/main" xmlns="" val="10005"/>
+                    <a16:rowId xmlns="" xmlns:a16="http://schemas.microsoft.com/office/drawing/2014/main" val="10005"/>
                   </a:ext>
                 </a:extLst>
               </a:tr>
@@ -29331,42 +29333,42 @@
                 <a:gridCol w="1074501">
                   <a:extLst>
                     <a:ext uri="{9D8B030D-6E8A-4147-A177-3AD203B41FA5}">
-                      <a16:colId xmlns:a16="http://schemas.microsoft.com/office/drawing/2014/main" xmlns="" val="20000"/>
+                      <a16:colId xmlns="" xmlns:a16="http://schemas.microsoft.com/office/drawing/2014/main" val="20000"/>
                     </a:ext>
                   </a:extLst>
                 </a:gridCol>
                 <a:gridCol w="1361982">
                   <a:extLst>
                     <a:ext uri="{9D8B030D-6E8A-4147-A177-3AD203B41FA5}">
-                      <a16:colId xmlns:a16="http://schemas.microsoft.com/office/drawing/2014/main" xmlns="" val="20001"/>
+                      <a16:colId xmlns="" xmlns:a16="http://schemas.microsoft.com/office/drawing/2014/main" val="20001"/>
                     </a:ext>
                   </a:extLst>
                 </a:gridCol>
                 <a:gridCol w="1069675">
                   <a:extLst>
                     <a:ext uri="{9D8B030D-6E8A-4147-A177-3AD203B41FA5}">
-                      <a16:colId xmlns:a16="http://schemas.microsoft.com/office/drawing/2014/main" xmlns="" val="20002"/>
+                      <a16:colId xmlns="" xmlns:a16="http://schemas.microsoft.com/office/drawing/2014/main" val="20002"/>
                     </a:ext>
                   </a:extLst>
                 </a:gridCol>
                 <a:gridCol w="776378">
                   <a:extLst>
                     <a:ext uri="{9D8B030D-6E8A-4147-A177-3AD203B41FA5}">
-                      <a16:colId xmlns:a16="http://schemas.microsoft.com/office/drawing/2014/main" xmlns="" val="20003"/>
+                      <a16:colId xmlns="" xmlns:a16="http://schemas.microsoft.com/office/drawing/2014/main" val="20003"/>
                     </a:ext>
                   </a:extLst>
                 </a:gridCol>
                 <a:gridCol w="785004">
                   <a:extLst>
                     <a:ext uri="{9D8B030D-6E8A-4147-A177-3AD203B41FA5}">
-                      <a16:colId xmlns:a16="http://schemas.microsoft.com/office/drawing/2014/main" xmlns="" val="20004"/>
+                      <a16:colId xmlns="" xmlns:a16="http://schemas.microsoft.com/office/drawing/2014/main" val="20004"/>
                     </a:ext>
                   </a:extLst>
                 </a:gridCol>
                 <a:gridCol w="1049424">
                   <a:extLst>
                     <a:ext uri="{9D8B030D-6E8A-4147-A177-3AD203B41FA5}">
-                      <a16:colId xmlns:a16="http://schemas.microsoft.com/office/drawing/2014/main" xmlns="" val="20005"/>
+                      <a16:colId xmlns="" xmlns:a16="http://schemas.microsoft.com/office/drawing/2014/main" val="20005"/>
                     </a:ext>
                   </a:extLst>
                 </a:gridCol>
@@ -29458,7 +29460,7 @@
                 </a:tc>
                 <a:extLst>
                   <a:ext uri="{0D108BD9-81ED-4DB2-BD59-A6C34878D82A}">
-                    <a16:rowId xmlns:a16="http://schemas.microsoft.com/office/drawing/2014/main" xmlns="" val="10000"/>
+                    <a16:rowId xmlns="" xmlns:a16="http://schemas.microsoft.com/office/drawing/2014/main" val="10000"/>
                   </a:ext>
                 </a:extLst>
               </a:tr>
@@ -29555,7 +29557,7 @@
                 </a:tc>
                 <a:extLst>
                   <a:ext uri="{0D108BD9-81ED-4DB2-BD59-A6C34878D82A}">
-                    <a16:rowId xmlns:a16="http://schemas.microsoft.com/office/drawing/2014/main" xmlns="" val="10001"/>
+                    <a16:rowId xmlns="" xmlns:a16="http://schemas.microsoft.com/office/drawing/2014/main" val="10001"/>
                   </a:ext>
                 </a:extLst>
               </a:tr>
@@ -29715,7 +29717,7 @@
                 </a:tc>
                 <a:extLst>
                   <a:ext uri="{0D108BD9-81ED-4DB2-BD59-A6C34878D82A}">
-                    <a16:rowId xmlns:a16="http://schemas.microsoft.com/office/drawing/2014/main" xmlns="" val="10002"/>
+                    <a16:rowId xmlns="" xmlns:a16="http://schemas.microsoft.com/office/drawing/2014/main" val="10002"/>
                   </a:ext>
                 </a:extLst>
               </a:tr>
@@ -29856,7 +29858,7 @@
                 </a:tc>
                 <a:extLst>
                   <a:ext uri="{0D108BD9-81ED-4DB2-BD59-A6C34878D82A}">
-                    <a16:rowId xmlns:a16="http://schemas.microsoft.com/office/drawing/2014/main" xmlns="" val="10003"/>
+                    <a16:rowId xmlns="" xmlns:a16="http://schemas.microsoft.com/office/drawing/2014/main" val="10003"/>
                   </a:ext>
                 </a:extLst>
               </a:tr>
@@ -29997,7 +29999,7 @@
                 </a:tc>
                 <a:extLst>
                   <a:ext uri="{0D108BD9-81ED-4DB2-BD59-A6C34878D82A}">
-                    <a16:rowId xmlns:a16="http://schemas.microsoft.com/office/drawing/2014/main" xmlns="" val="10004"/>
+                    <a16:rowId xmlns="" xmlns:a16="http://schemas.microsoft.com/office/drawing/2014/main" val="10004"/>
                   </a:ext>
                 </a:extLst>
               </a:tr>
@@ -30096,7 +30098,7 @@
                 </a:tc>
                 <a:extLst>
                   <a:ext uri="{0D108BD9-81ED-4DB2-BD59-A6C34878D82A}">
-                    <a16:rowId xmlns:a16="http://schemas.microsoft.com/office/drawing/2014/main" xmlns="" val="10005"/>
+                    <a16:rowId xmlns="" xmlns:a16="http://schemas.microsoft.com/office/drawing/2014/main" val="10005"/>
                   </a:ext>
                 </a:extLst>
               </a:tr>
@@ -30187,42 +30189,42 @@
                 <a:gridCol w="1074501">
                   <a:extLst>
                     <a:ext uri="{9D8B030D-6E8A-4147-A177-3AD203B41FA5}">
-                      <a16:colId xmlns:a16="http://schemas.microsoft.com/office/drawing/2014/main" xmlns="" val="20000"/>
+                      <a16:colId xmlns="" xmlns:a16="http://schemas.microsoft.com/office/drawing/2014/main" val="20000"/>
                     </a:ext>
                   </a:extLst>
                 </a:gridCol>
                 <a:gridCol w="1094563">
                   <a:extLst>
                     <a:ext uri="{9D8B030D-6E8A-4147-A177-3AD203B41FA5}">
-                      <a16:colId xmlns:a16="http://schemas.microsoft.com/office/drawing/2014/main" xmlns="" val="20001"/>
+                      <a16:colId xmlns="" xmlns:a16="http://schemas.microsoft.com/office/drawing/2014/main" val="20001"/>
                     </a:ext>
                   </a:extLst>
                 </a:gridCol>
                 <a:gridCol w="1112808">
                   <a:extLst>
                     <a:ext uri="{9D8B030D-6E8A-4147-A177-3AD203B41FA5}">
-                      <a16:colId xmlns:a16="http://schemas.microsoft.com/office/drawing/2014/main" xmlns="" val="20002"/>
+                      <a16:colId xmlns="" xmlns:a16="http://schemas.microsoft.com/office/drawing/2014/main" val="20002"/>
                     </a:ext>
                   </a:extLst>
                 </a:gridCol>
                 <a:gridCol w="755968">
                   <a:extLst>
                     <a:ext uri="{9D8B030D-6E8A-4147-A177-3AD203B41FA5}">
-                      <a16:colId xmlns:a16="http://schemas.microsoft.com/office/drawing/2014/main" xmlns="" val="20003"/>
+                      <a16:colId xmlns="" xmlns:a16="http://schemas.microsoft.com/office/drawing/2014/main" val="20003"/>
                     </a:ext>
                   </a:extLst>
                 </a:gridCol>
                 <a:gridCol w="909275">
                   <a:extLst>
                     <a:ext uri="{9D8B030D-6E8A-4147-A177-3AD203B41FA5}">
-                      <a16:colId xmlns:a16="http://schemas.microsoft.com/office/drawing/2014/main" xmlns="" val="20004"/>
+                      <a16:colId xmlns="" xmlns:a16="http://schemas.microsoft.com/office/drawing/2014/main" val="20004"/>
                     </a:ext>
                   </a:extLst>
                 </a:gridCol>
                 <a:gridCol w="1226019">
                   <a:extLst>
                     <a:ext uri="{9D8B030D-6E8A-4147-A177-3AD203B41FA5}">
-                      <a16:colId xmlns:a16="http://schemas.microsoft.com/office/drawing/2014/main" xmlns="" val="20005"/>
+                      <a16:colId xmlns="" xmlns:a16="http://schemas.microsoft.com/office/drawing/2014/main" val="20005"/>
                     </a:ext>
                   </a:extLst>
                 </a:gridCol>
@@ -30314,7 +30316,7 @@
                 </a:tc>
                 <a:extLst>
                   <a:ext uri="{0D108BD9-81ED-4DB2-BD59-A6C34878D82A}">
-                    <a16:rowId xmlns:a16="http://schemas.microsoft.com/office/drawing/2014/main" xmlns="" val="10000"/>
+                    <a16:rowId xmlns="" xmlns:a16="http://schemas.microsoft.com/office/drawing/2014/main" val="10000"/>
                   </a:ext>
                 </a:extLst>
               </a:tr>
@@ -30413,7 +30415,7 @@
                 </a:tc>
                 <a:extLst>
                   <a:ext uri="{0D108BD9-81ED-4DB2-BD59-A6C34878D82A}">
-                    <a16:rowId xmlns:a16="http://schemas.microsoft.com/office/drawing/2014/main" xmlns="" val="10001"/>
+                    <a16:rowId xmlns="" xmlns:a16="http://schemas.microsoft.com/office/drawing/2014/main" val="10001"/>
                   </a:ext>
                 </a:extLst>
               </a:tr>
@@ -30531,7 +30533,7 @@
                 </a:tc>
                 <a:extLst>
                   <a:ext uri="{0D108BD9-81ED-4DB2-BD59-A6C34878D82A}">
-                    <a16:rowId xmlns:a16="http://schemas.microsoft.com/office/drawing/2014/main" xmlns="" val="10002"/>
+                    <a16:rowId xmlns="" xmlns:a16="http://schemas.microsoft.com/office/drawing/2014/main" val="10002"/>
                   </a:ext>
                 </a:extLst>
               </a:tr>
@@ -30672,7 +30674,7 @@
                 </a:tc>
                 <a:extLst>
                   <a:ext uri="{0D108BD9-81ED-4DB2-BD59-A6C34878D82A}">
-                    <a16:rowId xmlns:a16="http://schemas.microsoft.com/office/drawing/2014/main" xmlns="" val="10003"/>
+                    <a16:rowId xmlns="" xmlns:a16="http://schemas.microsoft.com/office/drawing/2014/main" val="10003"/>
                   </a:ext>
                 </a:extLst>
               </a:tr>
@@ -30813,7 +30815,7 @@
                 </a:tc>
                 <a:extLst>
                   <a:ext uri="{0D108BD9-81ED-4DB2-BD59-A6C34878D82A}">
-                    <a16:rowId xmlns:a16="http://schemas.microsoft.com/office/drawing/2014/main" xmlns="" val="10004"/>
+                    <a16:rowId xmlns="" xmlns:a16="http://schemas.microsoft.com/office/drawing/2014/main" val="10004"/>
                   </a:ext>
                 </a:extLst>
               </a:tr>
@@ -30926,7 +30928,7 @@
                 </a:tc>
                 <a:extLst>
                   <a:ext uri="{0D108BD9-81ED-4DB2-BD59-A6C34878D82A}">
-                    <a16:rowId xmlns:a16="http://schemas.microsoft.com/office/drawing/2014/main" xmlns="" val="10005"/>
+                    <a16:rowId xmlns="" xmlns:a16="http://schemas.microsoft.com/office/drawing/2014/main" val="10005"/>
                   </a:ext>
                 </a:extLst>
               </a:tr>
@@ -31017,42 +31019,42 @@
                 <a:gridCol w="1108522">
                   <a:extLst>
                     <a:ext uri="{9D8B030D-6E8A-4147-A177-3AD203B41FA5}">
-                      <a16:colId xmlns:a16="http://schemas.microsoft.com/office/drawing/2014/main" xmlns="" val="20000"/>
+                      <a16:colId xmlns="" xmlns:a16="http://schemas.microsoft.com/office/drawing/2014/main" val="20000"/>
                     </a:ext>
                   </a:extLst>
                 </a:gridCol>
                 <a:gridCol w="1129219">
                   <a:extLst>
                     <a:ext uri="{9D8B030D-6E8A-4147-A177-3AD203B41FA5}">
-                      <a16:colId xmlns:a16="http://schemas.microsoft.com/office/drawing/2014/main" xmlns="" val="20001"/>
+                      <a16:colId xmlns="" xmlns:a16="http://schemas.microsoft.com/office/drawing/2014/main" val="20001"/>
                     </a:ext>
                   </a:extLst>
                 </a:gridCol>
                 <a:gridCol w="1148042">
                   <a:extLst>
                     <a:ext uri="{9D8B030D-6E8A-4147-A177-3AD203B41FA5}">
-                      <a16:colId xmlns:a16="http://schemas.microsoft.com/office/drawing/2014/main" xmlns="" val="20002"/>
+                      <a16:colId xmlns="" xmlns:a16="http://schemas.microsoft.com/office/drawing/2014/main" val="20002"/>
                     </a:ext>
                   </a:extLst>
                 </a:gridCol>
                 <a:gridCol w="802761">
                   <a:extLst>
                     <a:ext uri="{9D8B030D-6E8A-4147-A177-3AD203B41FA5}">
-                      <a16:colId xmlns:a16="http://schemas.microsoft.com/office/drawing/2014/main" xmlns="" val="20003"/>
+                      <a16:colId xmlns="" xmlns:a16="http://schemas.microsoft.com/office/drawing/2014/main" val="20003"/>
                     </a:ext>
                   </a:extLst>
                 </a:gridCol>
                 <a:gridCol w="857259">
                   <a:extLst>
                     <a:ext uri="{9D8B030D-6E8A-4147-A177-3AD203B41FA5}">
-                      <a16:colId xmlns:a16="http://schemas.microsoft.com/office/drawing/2014/main" xmlns="" val="20004"/>
+                      <a16:colId xmlns="" xmlns:a16="http://schemas.microsoft.com/office/drawing/2014/main" val="20004"/>
                     </a:ext>
                   </a:extLst>
                 </a:gridCol>
                 <a:gridCol w="1264838">
                   <a:extLst>
                     <a:ext uri="{9D8B030D-6E8A-4147-A177-3AD203B41FA5}">
-                      <a16:colId xmlns:a16="http://schemas.microsoft.com/office/drawing/2014/main" xmlns="" val="20005"/>
+                      <a16:colId xmlns="" xmlns:a16="http://schemas.microsoft.com/office/drawing/2014/main" val="20005"/>
                     </a:ext>
                   </a:extLst>
                 </a:gridCol>
@@ -31144,7 +31146,7 @@
                 </a:tc>
                 <a:extLst>
                   <a:ext uri="{0D108BD9-81ED-4DB2-BD59-A6C34878D82A}">
-                    <a16:rowId xmlns:a16="http://schemas.microsoft.com/office/drawing/2014/main" xmlns="" val="10000"/>
+                    <a16:rowId xmlns="" xmlns:a16="http://schemas.microsoft.com/office/drawing/2014/main" val="10000"/>
                   </a:ext>
                 </a:extLst>
               </a:tr>
@@ -31242,7 +31244,7 @@
                 </a:tc>
                 <a:extLst>
                   <a:ext uri="{0D108BD9-81ED-4DB2-BD59-A6C34878D82A}">
-                    <a16:rowId xmlns:a16="http://schemas.microsoft.com/office/drawing/2014/main" xmlns="" val="10001"/>
+                    <a16:rowId xmlns="" xmlns:a16="http://schemas.microsoft.com/office/drawing/2014/main" val="10001"/>
                   </a:ext>
                 </a:extLst>
               </a:tr>
@@ -31402,7 +31404,7 @@
                 </a:tc>
                 <a:extLst>
                   <a:ext uri="{0D108BD9-81ED-4DB2-BD59-A6C34878D82A}">
-                    <a16:rowId xmlns:a16="http://schemas.microsoft.com/office/drawing/2014/main" xmlns="" val="10002"/>
+                    <a16:rowId xmlns="" xmlns:a16="http://schemas.microsoft.com/office/drawing/2014/main" val="10002"/>
                   </a:ext>
                 </a:extLst>
               </a:tr>
@@ -31543,7 +31545,7 @@
                 </a:tc>
                 <a:extLst>
                   <a:ext uri="{0D108BD9-81ED-4DB2-BD59-A6C34878D82A}">
-                    <a16:rowId xmlns:a16="http://schemas.microsoft.com/office/drawing/2014/main" xmlns="" val="10003"/>
+                    <a16:rowId xmlns="" xmlns:a16="http://schemas.microsoft.com/office/drawing/2014/main" val="10003"/>
                   </a:ext>
                 </a:extLst>
               </a:tr>
@@ -31686,7 +31688,7 @@
                 </a:tc>
                 <a:extLst>
                   <a:ext uri="{0D108BD9-81ED-4DB2-BD59-A6C34878D82A}">
-                    <a16:rowId xmlns:a16="http://schemas.microsoft.com/office/drawing/2014/main" xmlns="" val="10004"/>
+                    <a16:rowId xmlns="" xmlns:a16="http://schemas.microsoft.com/office/drawing/2014/main" val="10004"/>
                   </a:ext>
                 </a:extLst>
               </a:tr>
@@ -31785,7 +31787,7 @@
                 </a:tc>
                 <a:extLst>
                   <a:ext uri="{0D108BD9-81ED-4DB2-BD59-A6C34878D82A}">
-                    <a16:rowId xmlns:a16="http://schemas.microsoft.com/office/drawing/2014/main" xmlns="" val="10005"/>
+                    <a16:rowId xmlns="" xmlns:a16="http://schemas.microsoft.com/office/drawing/2014/main" val="10005"/>
                   </a:ext>
                 </a:extLst>
               </a:tr>

--- a/Reports/Hiwi Meeting 4.pptx
+++ b/Reports/Hiwi Meeting 4.pptx
@@ -4127,42 +4127,42 @@
                 <a:gridCol w="1074501">
                   <a:extLst>
                     <a:ext uri="{9D8B030D-6E8A-4147-A177-3AD203B41FA5}">
-                      <a16:colId xmlns="" xmlns:a16="http://schemas.microsoft.com/office/drawing/2014/main" val="20000"/>
+                      <a16:colId xmlns:a16="http://schemas.microsoft.com/office/drawing/2014/main" xmlns="" val="20000"/>
                     </a:ext>
                   </a:extLst>
                 </a:gridCol>
                 <a:gridCol w="1094563">
                   <a:extLst>
                     <a:ext uri="{9D8B030D-6E8A-4147-A177-3AD203B41FA5}">
-                      <a16:colId xmlns="" xmlns:a16="http://schemas.microsoft.com/office/drawing/2014/main" val="20001"/>
+                      <a16:colId xmlns:a16="http://schemas.microsoft.com/office/drawing/2014/main" xmlns="" val="20001"/>
                     </a:ext>
                   </a:extLst>
                 </a:gridCol>
                 <a:gridCol w="1112808">
                   <a:extLst>
                     <a:ext uri="{9D8B030D-6E8A-4147-A177-3AD203B41FA5}">
-                      <a16:colId xmlns="" xmlns:a16="http://schemas.microsoft.com/office/drawing/2014/main" val="20002"/>
+                      <a16:colId xmlns:a16="http://schemas.microsoft.com/office/drawing/2014/main" xmlns="" val="20002"/>
                     </a:ext>
                   </a:extLst>
                 </a:gridCol>
                 <a:gridCol w="785901">
                   <a:extLst>
                     <a:ext uri="{9D8B030D-6E8A-4147-A177-3AD203B41FA5}">
-                      <a16:colId xmlns="" xmlns:a16="http://schemas.microsoft.com/office/drawing/2014/main" val="20003"/>
+                      <a16:colId xmlns:a16="http://schemas.microsoft.com/office/drawing/2014/main" xmlns="" val="20003"/>
                     </a:ext>
                   </a:extLst>
                 </a:gridCol>
                 <a:gridCol w="823172">
                   <a:extLst>
                     <a:ext uri="{9D8B030D-6E8A-4147-A177-3AD203B41FA5}">
-                      <a16:colId xmlns="" xmlns:a16="http://schemas.microsoft.com/office/drawing/2014/main" val="20004"/>
+                      <a16:colId xmlns:a16="http://schemas.microsoft.com/office/drawing/2014/main" xmlns="" val="20004"/>
                     </a:ext>
                   </a:extLst>
                 </a:gridCol>
                 <a:gridCol w="1226019">
                   <a:extLst>
                     <a:ext uri="{9D8B030D-6E8A-4147-A177-3AD203B41FA5}">
-                      <a16:colId xmlns="" xmlns:a16="http://schemas.microsoft.com/office/drawing/2014/main" val="20005"/>
+                      <a16:colId xmlns:a16="http://schemas.microsoft.com/office/drawing/2014/main" xmlns="" val="20005"/>
                     </a:ext>
                   </a:extLst>
                 </a:gridCol>
@@ -4254,7 +4254,7 @@
                 </a:tc>
                 <a:extLst>
                   <a:ext uri="{0D108BD9-81ED-4DB2-BD59-A6C34878D82A}">
-                    <a16:rowId xmlns="" xmlns:a16="http://schemas.microsoft.com/office/drawing/2014/main" val="10000"/>
+                    <a16:rowId xmlns:a16="http://schemas.microsoft.com/office/drawing/2014/main" xmlns="" val="10000"/>
                   </a:ext>
                 </a:extLst>
               </a:tr>
@@ -4353,7 +4353,7 @@
                 </a:tc>
                 <a:extLst>
                   <a:ext uri="{0D108BD9-81ED-4DB2-BD59-A6C34878D82A}">
-                    <a16:rowId xmlns="" xmlns:a16="http://schemas.microsoft.com/office/drawing/2014/main" val="10001"/>
+                    <a16:rowId xmlns:a16="http://schemas.microsoft.com/office/drawing/2014/main" xmlns="" val="10001"/>
                   </a:ext>
                 </a:extLst>
               </a:tr>
@@ -4511,7 +4511,7 @@
                 </a:tc>
                 <a:extLst>
                   <a:ext uri="{0D108BD9-81ED-4DB2-BD59-A6C34878D82A}">
-                    <a16:rowId xmlns="" xmlns:a16="http://schemas.microsoft.com/office/drawing/2014/main" val="10002"/>
+                    <a16:rowId xmlns:a16="http://schemas.microsoft.com/office/drawing/2014/main" xmlns="" val="10002"/>
                   </a:ext>
                 </a:extLst>
               </a:tr>
@@ -4654,7 +4654,7 @@
                 </a:tc>
                 <a:extLst>
                   <a:ext uri="{0D108BD9-81ED-4DB2-BD59-A6C34878D82A}">
-                    <a16:rowId xmlns="" xmlns:a16="http://schemas.microsoft.com/office/drawing/2014/main" val="10003"/>
+                    <a16:rowId xmlns:a16="http://schemas.microsoft.com/office/drawing/2014/main" xmlns="" val="10003"/>
                   </a:ext>
                 </a:extLst>
               </a:tr>
@@ -4755,7 +4755,7 @@
                 </a:tc>
                 <a:extLst>
                   <a:ext uri="{0D108BD9-81ED-4DB2-BD59-A6C34878D82A}">
-                    <a16:rowId xmlns="" xmlns:a16="http://schemas.microsoft.com/office/drawing/2014/main" val="10004"/>
+                    <a16:rowId xmlns:a16="http://schemas.microsoft.com/office/drawing/2014/main" xmlns="" val="10004"/>
                   </a:ext>
                 </a:extLst>
               </a:tr>
@@ -4856,7 +4856,7 @@
                 </a:tc>
                 <a:extLst>
                   <a:ext uri="{0D108BD9-81ED-4DB2-BD59-A6C34878D82A}">
-                    <a16:rowId xmlns="" xmlns:a16="http://schemas.microsoft.com/office/drawing/2014/main" val="10005"/>
+                    <a16:rowId xmlns:a16="http://schemas.microsoft.com/office/drawing/2014/main" xmlns="" val="10005"/>
                   </a:ext>
                 </a:extLst>
               </a:tr>
@@ -4947,42 +4947,42 @@
                 <a:gridCol w="1074501">
                   <a:extLst>
                     <a:ext uri="{9D8B030D-6E8A-4147-A177-3AD203B41FA5}">
-                      <a16:colId xmlns="" xmlns:a16="http://schemas.microsoft.com/office/drawing/2014/main" val="20000"/>
+                      <a16:colId xmlns:a16="http://schemas.microsoft.com/office/drawing/2014/main" xmlns="" val="20000"/>
                     </a:ext>
                   </a:extLst>
                 </a:gridCol>
                 <a:gridCol w="1042804">
                   <a:extLst>
                     <a:ext uri="{9D8B030D-6E8A-4147-A177-3AD203B41FA5}">
-                      <a16:colId xmlns="" xmlns:a16="http://schemas.microsoft.com/office/drawing/2014/main" val="20001"/>
+                      <a16:colId xmlns:a16="http://schemas.microsoft.com/office/drawing/2014/main" xmlns="" val="20001"/>
                     </a:ext>
                   </a:extLst>
                 </a:gridCol>
                 <a:gridCol w="1086929">
                   <a:extLst>
                     <a:ext uri="{9D8B030D-6E8A-4147-A177-3AD203B41FA5}">
-                      <a16:colId xmlns="" xmlns:a16="http://schemas.microsoft.com/office/drawing/2014/main" val="20002"/>
+                      <a16:colId xmlns:a16="http://schemas.microsoft.com/office/drawing/2014/main" xmlns="" val="20002"/>
                     </a:ext>
                   </a:extLst>
                 </a:gridCol>
                 <a:gridCol w="777436">
                   <a:extLst>
                     <a:ext uri="{9D8B030D-6E8A-4147-A177-3AD203B41FA5}">
-                      <a16:colId xmlns="" xmlns:a16="http://schemas.microsoft.com/office/drawing/2014/main" val="20003"/>
+                      <a16:colId xmlns:a16="http://schemas.microsoft.com/office/drawing/2014/main" xmlns="" val="20003"/>
                     </a:ext>
                   </a:extLst>
                 </a:gridCol>
                 <a:gridCol w="909275">
                   <a:extLst>
                     <a:ext uri="{9D8B030D-6E8A-4147-A177-3AD203B41FA5}">
-                      <a16:colId xmlns="" xmlns:a16="http://schemas.microsoft.com/office/drawing/2014/main" val="20004"/>
+                      <a16:colId xmlns:a16="http://schemas.microsoft.com/office/drawing/2014/main" xmlns="" val="20004"/>
                     </a:ext>
                   </a:extLst>
                 </a:gridCol>
                 <a:gridCol w="1226019">
                   <a:extLst>
                     <a:ext uri="{9D8B030D-6E8A-4147-A177-3AD203B41FA5}">
-                      <a16:colId xmlns="" xmlns:a16="http://schemas.microsoft.com/office/drawing/2014/main" val="20005"/>
+                      <a16:colId xmlns:a16="http://schemas.microsoft.com/office/drawing/2014/main" xmlns="" val="20005"/>
                     </a:ext>
                   </a:extLst>
                 </a:gridCol>
@@ -5074,7 +5074,7 @@
                 </a:tc>
                 <a:extLst>
                   <a:ext uri="{0D108BD9-81ED-4DB2-BD59-A6C34878D82A}">
-                    <a16:rowId xmlns="" xmlns:a16="http://schemas.microsoft.com/office/drawing/2014/main" val="10000"/>
+                    <a16:rowId xmlns:a16="http://schemas.microsoft.com/office/drawing/2014/main" xmlns="" val="10000"/>
                   </a:ext>
                 </a:extLst>
               </a:tr>
@@ -5171,7 +5171,7 @@
                 </a:tc>
                 <a:extLst>
                   <a:ext uri="{0D108BD9-81ED-4DB2-BD59-A6C34878D82A}">
-                    <a16:rowId xmlns="" xmlns:a16="http://schemas.microsoft.com/office/drawing/2014/main" val="10001"/>
+                    <a16:rowId xmlns:a16="http://schemas.microsoft.com/office/drawing/2014/main" xmlns="" val="10001"/>
                   </a:ext>
                 </a:extLst>
               </a:tr>
@@ -5331,7 +5331,7 @@
                 </a:tc>
                 <a:extLst>
                   <a:ext uri="{0D108BD9-81ED-4DB2-BD59-A6C34878D82A}">
-                    <a16:rowId xmlns="" xmlns:a16="http://schemas.microsoft.com/office/drawing/2014/main" val="10002"/>
+                    <a16:rowId xmlns:a16="http://schemas.microsoft.com/office/drawing/2014/main" xmlns="" val="10002"/>
                   </a:ext>
                 </a:extLst>
               </a:tr>
@@ -5491,7 +5491,7 @@
                 </a:tc>
                 <a:extLst>
                   <a:ext uri="{0D108BD9-81ED-4DB2-BD59-A6C34878D82A}">
-                    <a16:rowId xmlns="" xmlns:a16="http://schemas.microsoft.com/office/drawing/2014/main" val="10003"/>
+                    <a16:rowId xmlns:a16="http://schemas.microsoft.com/office/drawing/2014/main" xmlns="" val="10003"/>
                   </a:ext>
                 </a:extLst>
               </a:tr>
@@ -5634,7 +5634,7 @@
                 </a:tc>
                 <a:extLst>
                   <a:ext uri="{0D108BD9-81ED-4DB2-BD59-A6C34878D82A}">
-                    <a16:rowId xmlns="" xmlns:a16="http://schemas.microsoft.com/office/drawing/2014/main" val="10004"/>
+                    <a16:rowId xmlns:a16="http://schemas.microsoft.com/office/drawing/2014/main" xmlns="" val="10004"/>
                   </a:ext>
                 </a:extLst>
               </a:tr>
@@ -5735,7 +5735,7 @@
                 </a:tc>
                 <a:extLst>
                   <a:ext uri="{0D108BD9-81ED-4DB2-BD59-A6C34878D82A}">
-                    <a16:rowId xmlns="" xmlns:a16="http://schemas.microsoft.com/office/drawing/2014/main" val="10005"/>
+                    <a16:rowId xmlns:a16="http://schemas.microsoft.com/office/drawing/2014/main" xmlns="" val="10005"/>
                   </a:ext>
                 </a:extLst>
               </a:tr>
@@ -5826,42 +5826,42 @@
                 <a:gridCol w="1074501">
                   <a:extLst>
                     <a:ext uri="{9D8B030D-6E8A-4147-A177-3AD203B41FA5}">
-                      <a16:colId xmlns="" xmlns:a16="http://schemas.microsoft.com/office/drawing/2014/main" val="20000"/>
+                      <a16:colId xmlns:a16="http://schemas.microsoft.com/office/drawing/2014/main" xmlns="" val="20000"/>
                     </a:ext>
                   </a:extLst>
                 </a:gridCol>
                 <a:gridCol w="1051431">
                   <a:extLst>
                     <a:ext uri="{9D8B030D-6E8A-4147-A177-3AD203B41FA5}">
-                      <a16:colId xmlns="" xmlns:a16="http://schemas.microsoft.com/office/drawing/2014/main" val="20001"/>
+                      <a16:colId xmlns:a16="http://schemas.microsoft.com/office/drawing/2014/main" xmlns="" val="20001"/>
                     </a:ext>
                   </a:extLst>
                 </a:gridCol>
                 <a:gridCol w="1104181">
                   <a:extLst>
                     <a:ext uri="{9D8B030D-6E8A-4147-A177-3AD203B41FA5}">
-                      <a16:colId xmlns="" xmlns:a16="http://schemas.microsoft.com/office/drawing/2014/main" val="20002"/>
+                      <a16:colId xmlns:a16="http://schemas.microsoft.com/office/drawing/2014/main" xmlns="" val="20002"/>
                     </a:ext>
                   </a:extLst>
                 </a:gridCol>
                 <a:gridCol w="751557">
                   <a:extLst>
                     <a:ext uri="{9D8B030D-6E8A-4147-A177-3AD203B41FA5}">
-                      <a16:colId xmlns="" xmlns:a16="http://schemas.microsoft.com/office/drawing/2014/main" val="20003"/>
+                      <a16:colId xmlns:a16="http://schemas.microsoft.com/office/drawing/2014/main" xmlns="" val="20003"/>
                     </a:ext>
                   </a:extLst>
                 </a:gridCol>
                 <a:gridCol w="909275">
                   <a:extLst>
                     <a:ext uri="{9D8B030D-6E8A-4147-A177-3AD203B41FA5}">
-                      <a16:colId xmlns="" xmlns:a16="http://schemas.microsoft.com/office/drawing/2014/main" val="20004"/>
+                      <a16:colId xmlns:a16="http://schemas.microsoft.com/office/drawing/2014/main" xmlns="" val="20004"/>
                     </a:ext>
                   </a:extLst>
                 </a:gridCol>
                 <a:gridCol w="1226019">
                   <a:extLst>
                     <a:ext uri="{9D8B030D-6E8A-4147-A177-3AD203B41FA5}">
-                      <a16:colId xmlns="" xmlns:a16="http://schemas.microsoft.com/office/drawing/2014/main" val="20005"/>
+                      <a16:colId xmlns:a16="http://schemas.microsoft.com/office/drawing/2014/main" xmlns="" val="20005"/>
                     </a:ext>
                   </a:extLst>
                 </a:gridCol>
@@ -5953,7 +5953,7 @@
                 </a:tc>
                 <a:extLst>
                   <a:ext uri="{0D108BD9-81ED-4DB2-BD59-A6C34878D82A}">
-                    <a16:rowId xmlns="" xmlns:a16="http://schemas.microsoft.com/office/drawing/2014/main" val="10000"/>
+                    <a16:rowId xmlns:a16="http://schemas.microsoft.com/office/drawing/2014/main" xmlns="" val="10000"/>
                   </a:ext>
                 </a:extLst>
               </a:tr>
@@ -6048,7 +6048,7 @@
                 </a:tc>
                 <a:extLst>
                   <a:ext uri="{0D108BD9-81ED-4DB2-BD59-A6C34878D82A}">
-                    <a16:rowId xmlns="" xmlns:a16="http://schemas.microsoft.com/office/drawing/2014/main" val="10001"/>
+                    <a16:rowId xmlns:a16="http://schemas.microsoft.com/office/drawing/2014/main" xmlns="" val="10001"/>
                   </a:ext>
                 </a:extLst>
               </a:tr>
@@ -6204,7 +6204,7 @@
                 </a:tc>
                 <a:extLst>
                   <a:ext uri="{0D108BD9-81ED-4DB2-BD59-A6C34878D82A}">
-                    <a16:rowId xmlns="" xmlns:a16="http://schemas.microsoft.com/office/drawing/2014/main" val="10002"/>
+                    <a16:rowId xmlns:a16="http://schemas.microsoft.com/office/drawing/2014/main" xmlns="" val="10002"/>
                   </a:ext>
                 </a:extLst>
               </a:tr>
@@ -6360,7 +6360,7 @@
                 </a:tc>
                 <a:extLst>
                   <a:ext uri="{0D108BD9-81ED-4DB2-BD59-A6C34878D82A}">
-                    <a16:rowId xmlns="" xmlns:a16="http://schemas.microsoft.com/office/drawing/2014/main" val="10003"/>
+                    <a16:rowId xmlns:a16="http://schemas.microsoft.com/office/drawing/2014/main" xmlns="" val="10003"/>
                   </a:ext>
                 </a:extLst>
               </a:tr>
@@ -6493,7 +6493,7 @@
                 </a:tc>
                 <a:extLst>
                   <a:ext uri="{0D108BD9-81ED-4DB2-BD59-A6C34878D82A}">
-                    <a16:rowId xmlns="" xmlns:a16="http://schemas.microsoft.com/office/drawing/2014/main" val="10004"/>
+                    <a16:rowId xmlns:a16="http://schemas.microsoft.com/office/drawing/2014/main" xmlns="" val="10004"/>
                   </a:ext>
                 </a:extLst>
               </a:tr>
@@ -6584,7 +6584,7 @@
                 </a:tc>
                 <a:extLst>
                   <a:ext uri="{0D108BD9-81ED-4DB2-BD59-A6C34878D82A}">
-                    <a16:rowId xmlns="" xmlns:a16="http://schemas.microsoft.com/office/drawing/2014/main" val="10005"/>
+                    <a16:rowId xmlns:a16="http://schemas.microsoft.com/office/drawing/2014/main" xmlns="" val="10005"/>
                   </a:ext>
                 </a:extLst>
               </a:tr>
@@ -9112,42 +9112,42 @@
                 <a:gridCol w="1024621">
                   <a:extLst>
                     <a:ext uri="{9D8B030D-6E8A-4147-A177-3AD203B41FA5}">
-                      <a16:colId xmlns="" xmlns:a16="http://schemas.microsoft.com/office/drawing/2014/main" val="20000"/>
+                      <a16:colId xmlns:a16="http://schemas.microsoft.com/office/drawing/2014/main" xmlns="" val="20000"/>
                     </a:ext>
                   </a:extLst>
                 </a:gridCol>
                 <a:gridCol w="1232949">
                   <a:extLst>
                     <a:ext uri="{9D8B030D-6E8A-4147-A177-3AD203B41FA5}">
-                      <a16:colId xmlns="" xmlns:a16="http://schemas.microsoft.com/office/drawing/2014/main" val="20001"/>
+                      <a16:colId xmlns:a16="http://schemas.microsoft.com/office/drawing/2014/main" xmlns="" val="20001"/>
                     </a:ext>
                   </a:extLst>
                 </a:gridCol>
                 <a:gridCol w="1069375">
                   <a:extLst>
                     <a:ext uri="{9D8B030D-6E8A-4147-A177-3AD203B41FA5}">
-                      <a16:colId xmlns="" xmlns:a16="http://schemas.microsoft.com/office/drawing/2014/main" val="20002"/>
+                      <a16:colId xmlns:a16="http://schemas.microsoft.com/office/drawing/2014/main" xmlns="" val="20002"/>
                     </a:ext>
                   </a:extLst>
                 </a:gridCol>
                 <a:gridCol w="765014">
                   <a:extLst>
                     <a:ext uri="{9D8B030D-6E8A-4147-A177-3AD203B41FA5}">
-                      <a16:colId xmlns="" xmlns:a16="http://schemas.microsoft.com/office/drawing/2014/main" val="20003"/>
+                      <a16:colId xmlns:a16="http://schemas.microsoft.com/office/drawing/2014/main" xmlns="" val="20003"/>
                     </a:ext>
                   </a:extLst>
                 </a:gridCol>
                 <a:gridCol w="847274">
                   <a:extLst>
                     <a:ext uri="{9D8B030D-6E8A-4147-A177-3AD203B41FA5}">
-                      <a16:colId xmlns="" xmlns:a16="http://schemas.microsoft.com/office/drawing/2014/main" val="20004"/>
+                      <a16:colId xmlns:a16="http://schemas.microsoft.com/office/drawing/2014/main" xmlns="" val="20004"/>
                     </a:ext>
                   </a:extLst>
                 </a:gridCol>
                 <a:gridCol w="987114">
                   <a:extLst>
                     <a:ext uri="{9D8B030D-6E8A-4147-A177-3AD203B41FA5}">
-                      <a16:colId xmlns="" xmlns:a16="http://schemas.microsoft.com/office/drawing/2014/main" val="20005"/>
+                      <a16:colId xmlns:a16="http://schemas.microsoft.com/office/drawing/2014/main" xmlns="" val="20005"/>
                     </a:ext>
                   </a:extLst>
                 </a:gridCol>
@@ -9239,7 +9239,7 @@
                 </a:tc>
                 <a:extLst>
                   <a:ext uri="{0D108BD9-81ED-4DB2-BD59-A6C34878D82A}">
-                    <a16:rowId xmlns="" xmlns:a16="http://schemas.microsoft.com/office/drawing/2014/main" val="10000"/>
+                    <a16:rowId xmlns:a16="http://schemas.microsoft.com/office/drawing/2014/main" xmlns="" val="10000"/>
                   </a:ext>
                 </a:extLst>
               </a:tr>
@@ -9336,7 +9336,7 @@
                 </a:tc>
                 <a:extLst>
                   <a:ext uri="{0D108BD9-81ED-4DB2-BD59-A6C34878D82A}">
-                    <a16:rowId xmlns="" xmlns:a16="http://schemas.microsoft.com/office/drawing/2014/main" val="10001"/>
+                    <a16:rowId xmlns:a16="http://schemas.microsoft.com/office/drawing/2014/main" xmlns="" val="10001"/>
                   </a:ext>
                 </a:extLst>
               </a:tr>
@@ -9504,7 +9504,7 @@
                 </a:tc>
                 <a:extLst>
                   <a:ext uri="{0D108BD9-81ED-4DB2-BD59-A6C34878D82A}">
-                    <a16:rowId xmlns="" xmlns:a16="http://schemas.microsoft.com/office/drawing/2014/main" val="10002"/>
+                    <a16:rowId xmlns:a16="http://schemas.microsoft.com/office/drawing/2014/main" xmlns="" val="10002"/>
                   </a:ext>
                 </a:extLst>
               </a:tr>
@@ -9645,7 +9645,7 @@
                 </a:tc>
                 <a:extLst>
                   <a:ext uri="{0D108BD9-81ED-4DB2-BD59-A6C34878D82A}">
-                    <a16:rowId xmlns="" xmlns:a16="http://schemas.microsoft.com/office/drawing/2014/main" val="10003"/>
+                    <a16:rowId xmlns:a16="http://schemas.microsoft.com/office/drawing/2014/main" xmlns="" val="10003"/>
                   </a:ext>
                 </a:extLst>
               </a:tr>
@@ -9800,7 +9800,7 @@
                 </a:tc>
                 <a:extLst>
                   <a:ext uri="{0D108BD9-81ED-4DB2-BD59-A6C34878D82A}">
-                    <a16:rowId xmlns="" xmlns:a16="http://schemas.microsoft.com/office/drawing/2014/main" val="10004"/>
+                    <a16:rowId xmlns:a16="http://schemas.microsoft.com/office/drawing/2014/main" xmlns="" val="10004"/>
                   </a:ext>
                 </a:extLst>
               </a:tr>
@@ -9941,7 +9941,7 @@
                 </a:tc>
                 <a:extLst>
                   <a:ext uri="{0D108BD9-81ED-4DB2-BD59-A6C34878D82A}">
-                    <a16:rowId xmlns="" xmlns:a16="http://schemas.microsoft.com/office/drawing/2014/main" val="10005"/>
+                    <a16:rowId xmlns:a16="http://schemas.microsoft.com/office/drawing/2014/main" xmlns="" val="10005"/>
                   </a:ext>
                 </a:extLst>
               </a:tr>
@@ -10032,42 +10032,42 @@
                 <a:gridCol w="1031399">
                   <a:extLst>
                     <a:ext uri="{9D8B030D-6E8A-4147-A177-3AD203B41FA5}">
-                      <a16:colId xmlns="" xmlns:a16="http://schemas.microsoft.com/office/drawing/2014/main" val="20000"/>
+                      <a16:colId xmlns:a16="http://schemas.microsoft.com/office/drawing/2014/main" xmlns="" val="20000"/>
                     </a:ext>
                   </a:extLst>
                 </a:gridCol>
                 <a:gridCol w="1092058">
                   <a:extLst>
                     <a:ext uri="{9D8B030D-6E8A-4147-A177-3AD203B41FA5}">
-                      <a16:colId xmlns="" xmlns:a16="http://schemas.microsoft.com/office/drawing/2014/main" val="20001"/>
+                      <a16:colId xmlns:a16="http://schemas.microsoft.com/office/drawing/2014/main" xmlns="" val="20001"/>
                     </a:ext>
                   </a:extLst>
                 </a:gridCol>
                 <a:gridCol w="1043327">
                   <a:extLst>
                     <a:ext uri="{9D8B030D-6E8A-4147-A177-3AD203B41FA5}">
-                      <a16:colId xmlns="" xmlns:a16="http://schemas.microsoft.com/office/drawing/2014/main" val="20002"/>
+                      <a16:colId xmlns:a16="http://schemas.microsoft.com/office/drawing/2014/main" xmlns="" val="20002"/>
                     </a:ext>
                   </a:extLst>
                 </a:gridCol>
                 <a:gridCol w="852879">
                   <a:extLst>
                     <a:ext uri="{9D8B030D-6E8A-4147-A177-3AD203B41FA5}">
-                      <a16:colId xmlns="" xmlns:a16="http://schemas.microsoft.com/office/drawing/2014/main" val="20003"/>
+                      <a16:colId xmlns:a16="http://schemas.microsoft.com/office/drawing/2014/main" xmlns="" val="20003"/>
                     </a:ext>
                   </a:extLst>
                 </a:gridCol>
                 <a:gridCol w="778356">
                   <a:extLst>
                     <a:ext uri="{9D8B030D-6E8A-4147-A177-3AD203B41FA5}">
-                      <a16:colId xmlns="" xmlns:a16="http://schemas.microsoft.com/office/drawing/2014/main" val="20004"/>
+                      <a16:colId xmlns:a16="http://schemas.microsoft.com/office/drawing/2014/main" xmlns="" val="20004"/>
                     </a:ext>
                   </a:extLst>
                 </a:gridCol>
                 <a:gridCol w="1073572">
                   <a:extLst>
                     <a:ext uri="{9D8B030D-6E8A-4147-A177-3AD203B41FA5}">
-                      <a16:colId xmlns="" xmlns:a16="http://schemas.microsoft.com/office/drawing/2014/main" val="20005"/>
+                      <a16:colId xmlns:a16="http://schemas.microsoft.com/office/drawing/2014/main" xmlns="" val="20005"/>
                     </a:ext>
                   </a:extLst>
                 </a:gridCol>
@@ -10159,7 +10159,7 @@
                 </a:tc>
                 <a:extLst>
                   <a:ext uri="{0D108BD9-81ED-4DB2-BD59-A6C34878D82A}">
-                    <a16:rowId xmlns="" xmlns:a16="http://schemas.microsoft.com/office/drawing/2014/main" val="10000"/>
+                    <a16:rowId xmlns:a16="http://schemas.microsoft.com/office/drawing/2014/main" xmlns="" val="10000"/>
                   </a:ext>
                 </a:extLst>
               </a:tr>
@@ -10258,7 +10258,7 @@
                 </a:tc>
                 <a:extLst>
                   <a:ext uri="{0D108BD9-81ED-4DB2-BD59-A6C34878D82A}">
-                    <a16:rowId xmlns="" xmlns:a16="http://schemas.microsoft.com/office/drawing/2014/main" val="10001"/>
+                    <a16:rowId xmlns:a16="http://schemas.microsoft.com/office/drawing/2014/main" xmlns="" val="10001"/>
                   </a:ext>
                 </a:extLst>
               </a:tr>
@@ -10418,7 +10418,7 @@
                 </a:tc>
                 <a:extLst>
                   <a:ext uri="{0D108BD9-81ED-4DB2-BD59-A6C34878D82A}">
-                    <a16:rowId xmlns="" xmlns:a16="http://schemas.microsoft.com/office/drawing/2014/main" val="10002"/>
+                    <a16:rowId xmlns:a16="http://schemas.microsoft.com/office/drawing/2014/main" xmlns="" val="10002"/>
                   </a:ext>
                 </a:extLst>
               </a:tr>
@@ -10559,7 +10559,7 @@
                 </a:tc>
                 <a:extLst>
                   <a:ext uri="{0D108BD9-81ED-4DB2-BD59-A6C34878D82A}">
-                    <a16:rowId xmlns="" xmlns:a16="http://schemas.microsoft.com/office/drawing/2014/main" val="10003"/>
+                    <a16:rowId xmlns:a16="http://schemas.microsoft.com/office/drawing/2014/main" xmlns="" val="10003"/>
                   </a:ext>
                 </a:extLst>
               </a:tr>
@@ -10700,7 +10700,7 @@
                 </a:tc>
                 <a:extLst>
                   <a:ext uri="{0D108BD9-81ED-4DB2-BD59-A6C34878D82A}">
-                    <a16:rowId xmlns="" xmlns:a16="http://schemas.microsoft.com/office/drawing/2014/main" val="10004"/>
+                    <a16:rowId xmlns:a16="http://schemas.microsoft.com/office/drawing/2014/main" xmlns="" val="10004"/>
                   </a:ext>
                 </a:extLst>
               </a:tr>
@@ -10801,7 +10801,7 @@
                 </a:tc>
                 <a:extLst>
                   <a:ext uri="{0D108BD9-81ED-4DB2-BD59-A6C34878D82A}">
-                    <a16:rowId xmlns="" xmlns:a16="http://schemas.microsoft.com/office/drawing/2014/main" val="10005"/>
+                    <a16:rowId xmlns:a16="http://schemas.microsoft.com/office/drawing/2014/main" xmlns="" val="10005"/>
                   </a:ext>
                 </a:extLst>
               </a:tr>
@@ -10892,42 +10892,42 @@
                 <a:gridCol w="1074501">
                   <a:extLst>
                     <a:ext uri="{9D8B030D-6E8A-4147-A177-3AD203B41FA5}">
-                      <a16:colId xmlns="" xmlns:a16="http://schemas.microsoft.com/office/drawing/2014/main" val="20000"/>
+                      <a16:colId xmlns:a16="http://schemas.microsoft.com/office/drawing/2014/main" xmlns="" val="20000"/>
                     </a:ext>
                   </a:extLst>
                 </a:gridCol>
                 <a:gridCol w="1361982">
                   <a:extLst>
                     <a:ext uri="{9D8B030D-6E8A-4147-A177-3AD203B41FA5}">
-                      <a16:colId xmlns="" xmlns:a16="http://schemas.microsoft.com/office/drawing/2014/main" val="20001"/>
+                      <a16:colId xmlns:a16="http://schemas.microsoft.com/office/drawing/2014/main" xmlns="" val="20001"/>
                     </a:ext>
                   </a:extLst>
                 </a:gridCol>
                 <a:gridCol w="1069675">
                   <a:extLst>
                     <a:ext uri="{9D8B030D-6E8A-4147-A177-3AD203B41FA5}">
-                      <a16:colId xmlns="" xmlns:a16="http://schemas.microsoft.com/office/drawing/2014/main" val="20002"/>
+                      <a16:colId xmlns:a16="http://schemas.microsoft.com/office/drawing/2014/main" xmlns="" val="20002"/>
                     </a:ext>
                   </a:extLst>
                 </a:gridCol>
                 <a:gridCol w="776378">
                   <a:extLst>
                     <a:ext uri="{9D8B030D-6E8A-4147-A177-3AD203B41FA5}">
-                      <a16:colId xmlns="" xmlns:a16="http://schemas.microsoft.com/office/drawing/2014/main" val="20003"/>
+                      <a16:colId xmlns:a16="http://schemas.microsoft.com/office/drawing/2014/main" xmlns="" val="20003"/>
                     </a:ext>
                   </a:extLst>
                 </a:gridCol>
                 <a:gridCol w="785004">
                   <a:extLst>
                     <a:ext uri="{9D8B030D-6E8A-4147-A177-3AD203B41FA5}">
-                      <a16:colId xmlns="" xmlns:a16="http://schemas.microsoft.com/office/drawing/2014/main" val="20004"/>
+                      <a16:colId xmlns:a16="http://schemas.microsoft.com/office/drawing/2014/main" xmlns="" val="20004"/>
                     </a:ext>
                   </a:extLst>
                 </a:gridCol>
                 <a:gridCol w="1049424">
                   <a:extLst>
                     <a:ext uri="{9D8B030D-6E8A-4147-A177-3AD203B41FA5}">
-                      <a16:colId xmlns="" xmlns:a16="http://schemas.microsoft.com/office/drawing/2014/main" val="20005"/>
+                      <a16:colId xmlns:a16="http://schemas.microsoft.com/office/drawing/2014/main" xmlns="" val="20005"/>
                     </a:ext>
                   </a:extLst>
                 </a:gridCol>
@@ -11019,7 +11019,7 @@
                 </a:tc>
                 <a:extLst>
                   <a:ext uri="{0D108BD9-81ED-4DB2-BD59-A6C34878D82A}">
-                    <a16:rowId xmlns="" xmlns:a16="http://schemas.microsoft.com/office/drawing/2014/main" val="10000"/>
+                    <a16:rowId xmlns:a16="http://schemas.microsoft.com/office/drawing/2014/main" xmlns="" val="10000"/>
                   </a:ext>
                 </a:extLst>
               </a:tr>
@@ -11118,7 +11118,7 @@
                 </a:tc>
                 <a:extLst>
                   <a:ext uri="{0D108BD9-81ED-4DB2-BD59-A6C34878D82A}">
-                    <a16:rowId xmlns="" xmlns:a16="http://schemas.microsoft.com/office/drawing/2014/main" val="10001"/>
+                    <a16:rowId xmlns:a16="http://schemas.microsoft.com/office/drawing/2014/main" xmlns="" val="10001"/>
                   </a:ext>
                 </a:extLst>
               </a:tr>
@@ -11274,7 +11274,7 @@
                 </a:tc>
                 <a:extLst>
                   <a:ext uri="{0D108BD9-81ED-4DB2-BD59-A6C34878D82A}">
-                    <a16:rowId xmlns="" xmlns:a16="http://schemas.microsoft.com/office/drawing/2014/main" val="10002"/>
+                    <a16:rowId xmlns:a16="http://schemas.microsoft.com/office/drawing/2014/main" xmlns="" val="10002"/>
                   </a:ext>
                 </a:extLst>
               </a:tr>
@@ -11415,7 +11415,7 @@
                 </a:tc>
                 <a:extLst>
                   <a:ext uri="{0D108BD9-81ED-4DB2-BD59-A6C34878D82A}">
-                    <a16:rowId xmlns="" xmlns:a16="http://schemas.microsoft.com/office/drawing/2014/main" val="10003"/>
+                    <a16:rowId xmlns:a16="http://schemas.microsoft.com/office/drawing/2014/main" xmlns="" val="10003"/>
                   </a:ext>
                 </a:extLst>
               </a:tr>
@@ -11554,7 +11554,7 @@
                 </a:tc>
                 <a:extLst>
                   <a:ext uri="{0D108BD9-81ED-4DB2-BD59-A6C34878D82A}">
-                    <a16:rowId xmlns="" xmlns:a16="http://schemas.microsoft.com/office/drawing/2014/main" val="10004"/>
+                    <a16:rowId xmlns:a16="http://schemas.microsoft.com/office/drawing/2014/main" xmlns="" val="10004"/>
                   </a:ext>
                 </a:extLst>
               </a:tr>
@@ -11653,7 +11653,7 @@
                 </a:tc>
                 <a:extLst>
                   <a:ext uri="{0D108BD9-81ED-4DB2-BD59-A6C34878D82A}">
-                    <a16:rowId xmlns="" xmlns:a16="http://schemas.microsoft.com/office/drawing/2014/main" val="10005"/>
+                    <a16:rowId xmlns:a16="http://schemas.microsoft.com/office/drawing/2014/main" xmlns="" val="10005"/>
                   </a:ext>
                 </a:extLst>
               </a:tr>
@@ -11744,42 +11744,42 @@
                 <a:gridCol w="1074501">
                   <a:extLst>
                     <a:ext uri="{9D8B030D-6E8A-4147-A177-3AD203B41FA5}">
-                      <a16:colId xmlns="" xmlns:a16="http://schemas.microsoft.com/office/drawing/2014/main" val="20000"/>
+                      <a16:colId xmlns:a16="http://schemas.microsoft.com/office/drawing/2014/main" xmlns="" val="20000"/>
                     </a:ext>
                   </a:extLst>
                 </a:gridCol>
                 <a:gridCol w="1094563">
                   <a:extLst>
                     <a:ext uri="{9D8B030D-6E8A-4147-A177-3AD203B41FA5}">
-                      <a16:colId xmlns="" xmlns:a16="http://schemas.microsoft.com/office/drawing/2014/main" val="20001"/>
+                      <a16:colId xmlns:a16="http://schemas.microsoft.com/office/drawing/2014/main" xmlns="" val="20001"/>
                     </a:ext>
                   </a:extLst>
                 </a:gridCol>
                 <a:gridCol w="1112808">
                   <a:extLst>
                     <a:ext uri="{9D8B030D-6E8A-4147-A177-3AD203B41FA5}">
-                      <a16:colId xmlns="" xmlns:a16="http://schemas.microsoft.com/office/drawing/2014/main" val="20002"/>
+                      <a16:colId xmlns:a16="http://schemas.microsoft.com/office/drawing/2014/main" xmlns="" val="20002"/>
                     </a:ext>
                   </a:extLst>
                 </a:gridCol>
                 <a:gridCol w="755968">
                   <a:extLst>
                     <a:ext uri="{9D8B030D-6E8A-4147-A177-3AD203B41FA5}">
-                      <a16:colId xmlns="" xmlns:a16="http://schemas.microsoft.com/office/drawing/2014/main" val="20003"/>
+                      <a16:colId xmlns:a16="http://schemas.microsoft.com/office/drawing/2014/main" xmlns="" val="20003"/>
                     </a:ext>
                   </a:extLst>
                 </a:gridCol>
                 <a:gridCol w="909275">
                   <a:extLst>
                     <a:ext uri="{9D8B030D-6E8A-4147-A177-3AD203B41FA5}">
-                      <a16:colId xmlns="" xmlns:a16="http://schemas.microsoft.com/office/drawing/2014/main" val="20004"/>
+                      <a16:colId xmlns:a16="http://schemas.microsoft.com/office/drawing/2014/main" xmlns="" val="20004"/>
                     </a:ext>
                   </a:extLst>
                 </a:gridCol>
                 <a:gridCol w="1226019">
                   <a:extLst>
                     <a:ext uri="{9D8B030D-6E8A-4147-A177-3AD203B41FA5}">
-                      <a16:colId xmlns="" xmlns:a16="http://schemas.microsoft.com/office/drawing/2014/main" val="20005"/>
+                      <a16:colId xmlns:a16="http://schemas.microsoft.com/office/drawing/2014/main" xmlns="" val="20005"/>
                     </a:ext>
                   </a:extLst>
                 </a:gridCol>
@@ -11871,7 +11871,7 @@
                 </a:tc>
                 <a:extLst>
                   <a:ext uri="{0D108BD9-81ED-4DB2-BD59-A6C34878D82A}">
-                    <a16:rowId xmlns="" xmlns:a16="http://schemas.microsoft.com/office/drawing/2014/main" val="10000"/>
+                    <a16:rowId xmlns:a16="http://schemas.microsoft.com/office/drawing/2014/main" xmlns="" val="10000"/>
                   </a:ext>
                 </a:extLst>
               </a:tr>
@@ -11970,7 +11970,7 @@
                 </a:tc>
                 <a:extLst>
                   <a:ext uri="{0D108BD9-81ED-4DB2-BD59-A6C34878D82A}">
-                    <a16:rowId xmlns="" xmlns:a16="http://schemas.microsoft.com/office/drawing/2014/main" val="10001"/>
+                    <a16:rowId xmlns:a16="http://schemas.microsoft.com/office/drawing/2014/main" xmlns="" val="10001"/>
                   </a:ext>
                 </a:extLst>
               </a:tr>
@@ -12128,7 +12128,7 @@
                 </a:tc>
                 <a:extLst>
                   <a:ext uri="{0D108BD9-81ED-4DB2-BD59-A6C34878D82A}">
-                    <a16:rowId xmlns="" xmlns:a16="http://schemas.microsoft.com/office/drawing/2014/main" val="10002"/>
+                    <a16:rowId xmlns:a16="http://schemas.microsoft.com/office/drawing/2014/main" xmlns="" val="10002"/>
                   </a:ext>
                 </a:extLst>
               </a:tr>
@@ -12288,7 +12288,7 @@
                 </a:tc>
                 <a:extLst>
                   <a:ext uri="{0D108BD9-81ED-4DB2-BD59-A6C34878D82A}">
-                    <a16:rowId xmlns="" xmlns:a16="http://schemas.microsoft.com/office/drawing/2014/main" val="10003"/>
+                    <a16:rowId xmlns:a16="http://schemas.microsoft.com/office/drawing/2014/main" xmlns="" val="10003"/>
                   </a:ext>
                 </a:extLst>
               </a:tr>
@@ -12429,7 +12429,7 @@
                 </a:tc>
                 <a:extLst>
                   <a:ext uri="{0D108BD9-81ED-4DB2-BD59-A6C34878D82A}">
-                    <a16:rowId xmlns="" xmlns:a16="http://schemas.microsoft.com/office/drawing/2014/main" val="10004"/>
+                    <a16:rowId xmlns:a16="http://schemas.microsoft.com/office/drawing/2014/main" xmlns="" val="10004"/>
                   </a:ext>
                 </a:extLst>
               </a:tr>
@@ -12542,7 +12542,7 @@
                 </a:tc>
                 <a:extLst>
                   <a:ext uri="{0D108BD9-81ED-4DB2-BD59-A6C34878D82A}">
-                    <a16:rowId xmlns="" xmlns:a16="http://schemas.microsoft.com/office/drawing/2014/main" val="10005"/>
+                    <a16:rowId xmlns:a16="http://schemas.microsoft.com/office/drawing/2014/main" xmlns="" val="10005"/>
                   </a:ext>
                 </a:extLst>
               </a:tr>
@@ -12633,42 +12633,42 @@
                 <a:gridCol w="1108522">
                   <a:extLst>
                     <a:ext uri="{9D8B030D-6E8A-4147-A177-3AD203B41FA5}">
-                      <a16:colId xmlns="" xmlns:a16="http://schemas.microsoft.com/office/drawing/2014/main" val="20000"/>
+                      <a16:colId xmlns:a16="http://schemas.microsoft.com/office/drawing/2014/main" xmlns="" val="20000"/>
                     </a:ext>
                   </a:extLst>
                 </a:gridCol>
                 <a:gridCol w="1129219">
                   <a:extLst>
                     <a:ext uri="{9D8B030D-6E8A-4147-A177-3AD203B41FA5}">
-                      <a16:colId xmlns="" xmlns:a16="http://schemas.microsoft.com/office/drawing/2014/main" val="20001"/>
+                      <a16:colId xmlns:a16="http://schemas.microsoft.com/office/drawing/2014/main" xmlns="" val="20001"/>
                     </a:ext>
                   </a:extLst>
                 </a:gridCol>
                 <a:gridCol w="1148042">
                   <a:extLst>
                     <a:ext uri="{9D8B030D-6E8A-4147-A177-3AD203B41FA5}">
-                      <a16:colId xmlns="" xmlns:a16="http://schemas.microsoft.com/office/drawing/2014/main" val="20002"/>
+                      <a16:colId xmlns:a16="http://schemas.microsoft.com/office/drawing/2014/main" xmlns="" val="20002"/>
                     </a:ext>
                   </a:extLst>
                 </a:gridCol>
                 <a:gridCol w="802761">
                   <a:extLst>
                     <a:ext uri="{9D8B030D-6E8A-4147-A177-3AD203B41FA5}">
-                      <a16:colId xmlns="" xmlns:a16="http://schemas.microsoft.com/office/drawing/2014/main" val="20003"/>
+                      <a16:colId xmlns:a16="http://schemas.microsoft.com/office/drawing/2014/main" xmlns="" val="20003"/>
                     </a:ext>
                   </a:extLst>
                 </a:gridCol>
                 <a:gridCol w="857259">
                   <a:extLst>
                     <a:ext uri="{9D8B030D-6E8A-4147-A177-3AD203B41FA5}">
-                      <a16:colId xmlns="" xmlns:a16="http://schemas.microsoft.com/office/drawing/2014/main" val="20004"/>
+                      <a16:colId xmlns:a16="http://schemas.microsoft.com/office/drawing/2014/main" xmlns="" val="20004"/>
                     </a:ext>
                   </a:extLst>
                 </a:gridCol>
                 <a:gridCol w="1264838">
                   <a:extLst>
                     <a:ext uri="{9D8B030D-6E8A-4147-A177-3AD203B41FA5}">
-                      <a16:colId xmlns="" xmlns:a16="http://schemas.microsoft.com/office/drawing/2014/main" val="20005"/>
+                      <a16:colId xmlns:a16="http://schemas.microsoft.com/office/drawing/2014/main" xmlns="" val="20005"/>
                     </a:ext>
                   </a:extLst>
                 </a:gridCol>
@@ -12760,7 +12760,7 @@
                 </a:tc>
                 <a:extLst>
                   <a:ext uri="{0D108BD9-81ED-4DB2-BD59-A6C34878D82A}">
-                    <a16:rowId xmlns="" xmlns:a16="http://schemas.microsoft.com/office/drawing/2014/main" val="10000"/>
+                    <a16:rowId xmlns:a16="http://schemas.microsoft.com/office/drawing/2014/main" xmlns="" val="10000"/>
                   </a:ext>
                 </a:extLst>
               </a:tr>
@@ -12901,7 +12901,7 @@
                 </a:tc>
                 <a:extLst>
                   <a:ext uri="{0D108BD9-81ED-4DB2-BD59-A6C34878D82A}">
-                    <a16:rowId xmlns="" xmlns:a16="http://schemas.microsoft.com/office/drawing/2014/main" val="10001"/>
+                    <a16:rowId xmlns:a16="http://schemas.microsoft.com/office/drawing/2014/main" xmlns="" val="10001"/>
                   </a:ext>
                 </a:extLst>
               </a:tr>
@@ -13059,7 +13059,7 @@
                 </a:tc>
                 <a:extLst>
                   <a:ext uri="{0D108BD9-81ED-4DB2-BD59-A6C34878D82A}">
-                    <a16:rowId xmlns="" xmlns:a16="http://schemas.microsoft.com/office/drawing/2014/main" val="10002"/>
+                    <a16:rowId xmlns:a16="http://schemas.microsoft.com/office/drawing/2014/main" xmlns="" val="10002"/>
                   </a:ext>
                 </a:extLst>
               </a:tr>
@@ -13200,7 +13200,7 @@
                 </a:tc>
                 <a:extLst>
                   <a:ext uri="{0D108BD9-81ED-4DB2-BD59-A6C34878D82A}">
-                    <a16:rowId xmlns="" xmlns:a16="http://schemas.microsoft.com/office/drawing/2014/main" val="10003"/>
+                    <a16:rowId xmlns:a16="http://schemas.microsoft.com/office/drawing/2014/main" xmlns="" val="10003"/>
                   </a:ext>
                 </a:extLst>
               </a:tr>
@@ -13375,7 +13375,7 @@
                 </a:tc>
                 <a:extLst>
                   <a:ext uri="{0D108BD9-81ED-4DB2-BD59-A6C34878D82A}">
-                    <a16:rowId xmlns="" xmlns:a16="http://schemas.microsoft.com/office/drawing/2014/main" val="10004"/>
+                    <a16:rowId xmlns:a16="http://schemas.microsoft.com/office/drawing/2014/main" xmlns="" val="10004"/>
                   </a:ext>
                 </a:extLst>
               </a:tr>
@@ -13516,7 +13516,7 @@
                 </a:tc>
                 <a:extLst>
                   <a:ext uri="{0D108BD9-81ED-4DB2-BD59-A6C34878D82A}">
-                    <a16:rowId xmlns="" xmlns:a16="http://schemas.microsoft.com/office/drawing/2014/main" val="10005"/>
+                    <a16:rowId xmlns:a16="http://schemas.microsoft.com/office/drawing/2014/main" xmlns="" val="10005"/>
                   </a:ext>
                 </a:extLst>
               </a:tr>
@@ -13607,42 +13607,42 @@
                 <a:gridCol w="1074501">
                   <a:extLst>
                     <a:ext uri="{9D8B030D-6E8A-4147-A177-3AD203B41FA5}">
-                      <a16:colId xmlns="" xmlns:a16="http://schemas.microsoft.com/office/drawing/2014/main" val="20000"/>
+                      <a16:colId xmlns:a16="http://schemas.microsoft.com/office/drawing/2014/main" xmlns="" val="20000"/>
                     </a:ext>
                   </a:extLst>
                 </a:gridCol>
                 <a:gridCol w="1094563">
                   <a:extLst>
                     <a:ext uri="{9D8B030D-6E8A-4147-A177-3AD203B41FA5}">
-                      <a16:colId xmlns="" xmlns:a16="http://schemas.microsoft.com/office/drawing/2014/main" val="20001"/>
+                      <a16:colId xmlns:a16="http://schemas.microsoft.com/office/drawing/2014/main" xmlns="" val="20001"/>
                     </a:ext>
                   </a:extLst>
                 </a:gridCol>
                 <a:gridCol w="1112808">
                   <a:extLst>
                     <a:ext uri="{9D8B030D-6E8A-4147-A177-3AD203B41FA5}">
-                      <a16:colId xmlns="" xmlns:a16="http://schemas.microsoft.com/office/drawing/2014/main" val="20002"/>
+                      <a16:colId xmlns:a16="http://schemas.microsoft.com/office/drawing/2014/main" xmlns="" val="20002"/>
                     </a:ext>
                   </a:extLst>
                 </a:gridCol>
                 <a:gridCol w="785901">
                   <a:extLst>
                     <a:ext uri="{9D8B030D-6E8A-4147-A177-3AD203B41FA5}">
-                      <a16:colId xmlns="" xmlns:a16="http://schemas.microsoft.com/office/drawing/2014/main" val="20003"/>
+                      <a16:colId xmlns:a16="http://schemas.microsoft.com/office/drawing/2014/main" xmlns="" val="20003"/>
                     </a:ext>
                   </a:extLst>
                 </a:gridCol>
                 <a:gridCol w="823172">
                   <a:extLst>
                     <a:ext uri="{9D8B030D-6E8A-4147-A177-3AD203B41FA5}">
-                      <a16:colId xmlns="" xmlns:a16="http://schemas.microsoft.com/office/drawing/2014/main" val="20004"/>
+                      <a16:colId xmlns:a16="http://schemas.microsoft.com/office/drawing/2014/main" xmlns="" val="20004"/>
                     </a:ext>
                   </a:extLst>
                 </a:gridCol>
                 <a:gridCol w="1226019">
                   <a:extLst>
                     <a:ext uri="{9D8B030D-6E8A-4147-A177-3AD203B41FA5}">
-                      <a16:colId xmlns="" xmlns:a16="http://schemas.microsoft.com/office/drawing/2014/main" val="20005"/>
+                      <a16:colId xmlns:a16="http://schemas.microsoft.com/office/drawing/2014/main" xmlns="" val="20005"/>
                     </a:ext>
                   </a:extLst>
                 </a:gridCol>
@@ -13734,7 +13734,7 @@
                 </a:tc>
                 <a:extLst>
                   <a:ext uri="{0D108BD9-81ED-4DB2-BD59-A6C34878D82A}">
-                    <a16:rowId xmlns="" xmlns:a16="http://schemas.microsoft.com/office/drawing/2014/main" val="10000"/>
+                    <a16:rowId xmlns:a16="http://schemas.microsoft.com/office/drawing/2014/main" xmlns="" val="10000"/>
                   </a:ext>
                 </a:extLst>
               </a:tr>
@@ -13875,7 +13875,7 @@
                 </a:tc>
                 <a:extLst>
                   <a:ext uri="{0D108BD9-81ED-4DB2-BD59-A6C34878D82A}">
-                    <a16:rowId xmlns="" xmlns:a16="http://schemas.microsoft.com/office/drawing/2014/main" val="10001"/>
+                    <a16:rowId xmlns:a16="http://schemas.microsoft.com/office/drawing/2014/main" xmlns="" val="10001"/>
                   </a:ext>
                 </a:extLst>
               </a:tr>
@@ -14031,7 +14031,7 @@
                 </a:tc>
                 <a:extLst>
                   <a:ext uri="{0D108BD9-81ED-4DB2-BD59-A6C34878D82A}">
-                    <a16:rowId xmlns="" xmlns:a16="http://schemas.microsoft.com/office/drawing/2014/main" val="10002"/>
+                    <a16:rowId xmlns:a16="http://schemas.microsoft.com/office/drawing/2014/main" xmlns="" val="10002"/>
                   </a:ext>
                 </a:extLst>
               </a:tr>
@@ -14170,7 +14170,7 @@
                 </a:tc>
                 <a:extLst>
                   <a:ext uri="{0D108BD9-81ED-4DB2-BD59-A6C34878D82A}">
-                    <a16:rowId xmlns="" xmlns:a16="http://schemas.microsoft.com/office/drawing/2014/main" val="10003"/>
+                    <a16:rowId xmlns:a16="http://schemas.microsoft.com/office/drawing/2014/main" xmlns="" val="10003"/>
                   </a:ext>
                 </a:extLst>
               </a:tr>
@@ -14326,7 +14326,7 @@
                 </a:tc>
                 <a:extLst>
                   <a:ext uri="{0D108BD9-81ED-4DB2-BD59-A6C34878D82A}">
-                    <a16:rowId xmlns="" xmlns:a16="http://schemas.microsoft.com/office/drawing/2014/main" val="10004"/>
+                    <a16:rowId xmlns:a16="http://schemas.microsoft.com/office/drawing/2014/main" xmlns="" val="10004"/>
                   </a:ext>
                 </a:extLst>
               </a:tr>
@@ -14469,7 +14469,7 @@
                 </a:tc>
                 <a:extLst>
                   <a:ext uri="{0D108BD9-81ED-4DB2-BD59-A6C34878D82A}">
-                    <a16:rowId xmlns="" xmlns:a16="http://schemas.microsoft.com/office/drawing/2014/main" val="10005"/>
+                    <a16:rowId xmlns:a16="http://schemas.microsoft.com/office/drawing/2014/main" xmlns="" val="10005"/>
                   </a:ext>
                 </a:extLst>
               </a:tr>
@@ -14652,42 +14652,42 @@
                 <a:gridCol w="1074501">
                   <a:extLst>
                     <a:ext uri="{9D8B030D-6E8A-4147-A177-3AD203B41FA5}">
-                      <a16:colId xmlns="" xmlns:a16="http://schemas.microsoft.com/office/drawing/2014/main" val="20000"/>
+                      <a16:colId xmlns:a16="http://schemas.microsoft.com/office/drawing/2014/main" xmlns="" val="20000"/>
                     </a:ext>
                   </a:extLst>
                 </a:gridCol>
                 <a:gridCol w="1042804">
                   <a:extLst>
                     <a:ext uri="{9D8B030D-6E8A-4147-A177-3AD203B41FA5}">
-                      <a16:colId xmlns="" xmlns:a16="http://schemas.microsoft.com/office/drawing/2014/main" val="20001"/>
+                      <a16:colId xmlns:a16="http://schemas.microsoft.com/office/drawing/2014/main" xmlns="" val="20001"/>
                     </a:ext>
                   </a:extLst>
                 </a:gridCol>
                 <a:gridCol w="1086929">
                   <a:extLst>
                     <a:ext uri="{9D8B030D-6E8A-4147-A177-3AD203B41FA5}">
-                      <a16:colId xmlns="" xmlns:a16="http://schemas.microsoft.com/office/drawing/2014/main" val="20002"/>
+                      <a16:colId xmlns:a16="http://schemas.microsoft.com/office/drawing/2014/main" xmlns="" val="20002"/>
                     </a:ext>
                   </a:extLst>
                 </a:gridCol>
                 <a:gridCol w="777436">
                   <a:extLst>
                     <a:ext uri="{9D8B030D-6E8A-4147-A177-3AD203B41FA5}">
-                      <a16:colId xmlns="" xmlns:a16="http://schemas.microsoft.com/office/drawing/2014/main" val="20003"/>
+                      <a16:colId xmlns:a16="http://schemas.microsoft.com/office/drawing/2014/main" xmlns="" val="20003"/>
                     </a:ext>
                   </a:extLst>
                 </a:gridCol>
                 <a:gridCol w="909275">
                   <a:extLst>
                     <a:ext uri="{9D8B030D-6E8A-4147-A177-3AD203B41FA5}">
-                      <a16:colId xmlns="" xmlns:a16="http://schemas.microsoft.com/office/drawing/2014/main" val="20004"/>
+                      <a16:colId xmlns:a16="http://schemas.microsoft.com/office/drawing/2014/main" xmlns="" val="20004"/>
                     </a:ext>
                   </a:extLst>
                 </a:gridCol>
                 <a:gridCol w="1226019">
                   <a:extLst>
                     <a:ext uri="{9D8B030D-6E8A-4147-A177-3AD203B41FA5}">
-                      <a16:colId xmlns="" xmlns:a16="http://schemas.microsoft.com/office/drawing/2014/main" val="20005"/>
+                      <a16:colId xmlns:a16="http://schemas.microsoft.com/office/drawing/2014/main" xmlns="" val="20005"/>
                     </a:ext>
                   </a:extLst>
                 </a:gridCol>
@@ -14779,7 +14779,7 @@
                 </a:tc>
                 <a:extLst>
                   <a:ext uri="{0D108BD9-81ED-4DB2-BD59-A6C34878D82A}">
-                    <a16:rowId xmlns="" xmlns:a16="http://schemas.microsoft.com/office/drawing/2014/main" val="10000"/>
+                    <a16:rowId xmlns:a16="http://schemas.microsoft.com/office/drawing/2014/main" xmlns="" val="10000"/>
                   </a:ext>
                 </a:extLst>
               </a:tr>
@@ -14880,7 +14880,7 @@
                 </a:tc>
                 <a:extLst>
                   <a:ext uri="{0D108BD9-81ED-4DB2-BD59-A6C34878D82A}">
-                    <a16:rowId xmlns="" xmlns:a16="http://schemas.microsoft.com/office/drawing/2014/main" val="10001"/>
+                    <a16:rowId xmlns:a16="http://schemas.microsoft.com/office/drawing/2014/main" xmlns="" val="10001"/>
                   </a:ext>
                 </a:extLst>
               </a:tr>
@@ -15070,7 +15070,7 @@
                 </a:tc>
                 <a:extLst>
                   <a:ext uri="{0D108BD9-81ED-4DB2-BD59-A6C34878D82A}">
-                    <a16:rowId xmlns="" xmlns:a16="http://schemas.microsoft.com/office/drawing/2014/main" val="10002"/>
+                    <a16:rowId xmlns:a16="http://schemas.microsoft.com/office/drawing/2014/main" xmlns="" val="10002"/>
                   </a:ext>
                 </a:extLst>
               </a:tr>
@@ -15209,7 +15209,7 @@
                 </a:tc>
                 <a:extLst>
                   <a:ext uri="{0D108BD9-81ED-4DB2-BD59-A6C34878D82A}">
-                    <a16:rowId xmlns="" xmlns:a16="http://schemas.microsoft.com/office/drawing/2014/main" val="10003"/>
+                    <a16:rowId xmlns:a16="http://schemas.microsoft.com/office/drawing/2014/main" xmlns="" val="10003"/>
                   </a:ext>
                 </a:extLst>
               </a:tr>
@@ -15342,7 +15342,7 @@
                 </a:tc>
                 <a:extLst>
                   <a:ext uri="{0D108BD9-81ED-4DB2-BD59-A6C34878D82A}">
-                    <a16:rowId xmlns="" xmlns:a16="http://schemas.microsoft.com/office/drawing/2014/main" val="10004"/>
+                    <a16:rowId xmlns:a16="http://schemas.microsoft.com/office/drawing/2014/main" xmlns="" val="10004"/>
                   </a:ext>
                 </a:extLst>
               </a:tr>
@@ -15483,7 +15483,7 @@
                 </a:tc>
                 <a:extLst>
                   <a:ext uri="{0D108BD9-81ED-4DB2-BD59-A6C34878D82A}">
-                    <a16:rowId xmlns="" xmlns:a16="http://schemas.microsoft.com/office/drawing/2014/main" val="10005"/>
+                    <a16:rowId xmlns:a16="http://schemas.microsoft.com/office/drawing/2014/main" xmlns="" val="10005"/>
                   </a:ext>
                 </a:extLst>
               </a:tr>
@@ -15574,42 +15574,42 @@
                 <a:gridCol w="1074501">
                   <a:extLst>
                     <a:ext uri="{9D8B030D-6E8A-4147-A177-3AD203B41FA5}">
-                      <a16:colId xmlns="" xmlns:a16="http://schemas.microsoft.com/office/drawing/2014/main" val="20000"/>
+                      <a16:colId xmlns:a16="http://schemas.microsoft.com/office/drawing/2014/main" xmlns="" val="20000"/>
                     </a:ext>
                   </a:extLst>
                 </a:gridCol>
                 <a:gridCol w="1051431">
                   <a:extLst>
                     <a:ext uri="{9D8B030D-6E8A-4147-A177-3AD203B41FA5}">
-                      <a16:colId xmlns="" xmlns:a16="http://schemas.microsoft.com/office/drawing/2014/main" val="20001"/>
+                      <a16:colId xmlns:a16="http://schemas.microsoft.com/office/drawing/2014/main" xmlns="" val="20001"/>
                     </a:ext>
                   </a:extLst>
                 </a:gridCol>
                 <a:gridCol w="1104181">
                   <a:extLst>
                     <a:ext uri="{9D8B030D-6E8A-4147-A177-3AD203B41FA5}">
-                      <a16:colId xmlns="" xmlns:a16="http://schemas.microsoft.com/office/drawing/2014/main" val="20002"/>
+                      <a16:colId xmlns:a16="http://schemas.microsoft.com/office/drawing/2014/main" xmlns="" val="20002"/>
                     </a:ext>
                   </a:extLst>
                 </a:gridCol>
                 <a:gridCol w="751557">
                   <a:extLst>
                     <a:ext uri="{9D8B030D-6E8A-4147-A177-3AD203B41FA5}">
-                      <a16:colId xmlns="" xmlns:a16="http://schemas.microsoft.com/office/drawing/2014/main" val="20003"/>
+                      <a16:colId xmlns:a16="http://schemas.microsoft.com/office/drawing/2014/main" xmlns="" val="20003"/>
                     </a:ext>
                   </a:extLst>
                 </a:gridCol>
                 <a:gridCol w="909275">
                   <a:extLst>
                     <a:ext uri="{9D8B030D-6E8A-4147-A177-3AD203B41FA5}">
-                      <a16:colId xmlns="" xmlns:a16="http://schemas.microsoft.com/office/drawing/2014/main" val="20004"/>
+                      <a16:colId xmlns:a16="http://schemas.microsoft.com/office/drawing/2014/main" xmlns="" val="20004"/>
                     </a:ext>
                   </a:extLst>
                 </a:gridCol>
                 <a:gridCol w="1226019">
                   <a:extLst>
                     <a:ext uri="{9D8B030D-6E8A-4147-A177-3AD203B41FA5}">
-                      <a16:colId xmlns="" xmlns:a16="http://schemas.microsoft.com/office/drawing/2014/main" val="20005"/>
+                      <a16:colId xmlns:a16="http://schemas.microsoft.com/office/drawing/2014/main" xmlns="" val="20005"/>
                     </a:ext>
                   </a:extLst>
                 </a:gridCol>
@@ -15701,7 +15701,7 @@
                 </a:tc>
                 <a:extLst>
                   <a:ext uri="{0D108BD9-81ED-4DB2-BD59-A6C34878D82A}">
-                    <a16:rowId xmlns="" xmlns:a16="http://schemas.microsoft.com/office/drawing/2014/main" val="10000"/>
+                    <a16:rowId xmlns:a16="http://schemas.microsoft.com/office/drawing/2014/main" xmlns="" val="10000"/>
                   </a:ext>
                 </a:extLst>
               </a:tr>
@@ -15840,7 +15840,7 @@
                 </a:tc>
                 <a:extLst>
                   <a:ext uri="{0D108BD9-81ED-4DB2-BD59-A6C34878D82A}">
-                    <a16:rowId xmlns="" xmlns:a16="http://schemas.microsoft.com/office/drawing/2014/main" val="10001"/>
+                    <a16:rowId xmlns:a16="http://schemas.microsoft.com/office/drawing/2014/main" xmlns="" val="10001"/>
                   </a:ext>
                 </a:extLst>
               </a:tr>
@@ -15996,7 +15996,7 @@
                 </a:tc>
                 <a:extLst>
                   <a:ext uri="{0D108BD9-81ED-4DB2-BD59-A6C34878D82A}">
-                    <a16:rowId xmlns="" xmlns:a16="http://schemas.microsoft.com/office/drawing/2014/main" val="10002"/>
+                    <a16:rowId xmlns:a16="http://schemas.microsoft.com/office/drawing/2014/main" xmlns="" val="10002"/>
                   </a:ext>
                 </a:extLst>
               </a:tr>
@@ -16135,7 +16135,7 @@
                 </a:tc>
                 <a:extLst>
                   <a:ext uri="{0D108BD9-81ED-4DB2-BD59-A6C34878D82A}">
-                    <a16:rowId xmlns="" xmlns:a16="http://schemas.microsoft.com/office/drawing/2014/main" val="10003"/>
+                    <a16:rowId xmlns:a16="http://schemas.microsoft.com/office/drawing/2014/main" xmlns="" val="10003"/>
                   </a:ext>
                 </a:extLst>
               </a:tr>
@@ -16291,7 +16291,7 @@
                 </a:tc>
                 <a:extLst>
                   <a:ext uri="{0D108BD9-81ED-4DB2-BD59-A6C34878D82A}">
-                    <a16:rowId xmlns="" xmlns:a16="http://schemas.microsoft.com/office/drawing/2014/main" val="10004"/>
+                    <a16:rowId xmlns:a16="http://schemas.microsoft.com/office/drawing/2014/main" xmlns="" val="10004"/>
                   </a:ext>
                 </a:extLst>
               </a:tr>
@@ -16430,7 +16430,7 @@
                 </a:tc>
                 <a:extLst>
                   <a:ext uri="{0D108BD9-81ED-4DB2-BD59-A6C34878D82A}">
-                    <a16:rowId xmlns="" xmlns:a16="http://schemas.microsoft.com/office/drawing/2014/main" val="10005"/>
+                    <a16:rowId xmlns:a16="http://schemas.microsoft.com/office/drawing/2014/main" xmlns="" val="10005"/>
                   </a:ext>
                 </a:extLst>
               </a:tr>
@@ -18207,42 +18207,42 @@
                 <a:gridCol w="1024621">
                   <a:extLst>
                     <a:ext uri="{9D8B030D-6E8A-4147-A177-3AD203B41FA5}">
-                      <a16:colId xmlns="" xmlns:a16="http://schemas.microsoft.com/office/drawing/2014/main" val="20000"/>
+                      <a16:colId xmlns:a16="http://schemas.microsoft.com/office/drawing/2014/main" xmlns="" val="20000"/>
                     </a:ext>
                   </a:extLst>
                 </a:gridCol>
                 <a:gridCol w="1232949">
                   <a:extLst>
                     <a:ext uri="{9D8B030D-6E8A-4147-A177-3AD203B41FA5}">
-                      <a16:colId xmlns="" xmlns:a16="http://schemas.microsoft.com/office/drawing/2014/main" val="20001"/>
+                      <a16:colId xmlns:a16="http://schemas.microsoft.com/office/drawing/2014/main" xmlns="" val="20001"/>
                     </a:ext>
                   </a:extLst>
                 </a:gridCol>
                 <a:gridCol w="1069375">
                   <a:extLst>
                     <a:ext uri="{9D8B030D-6E8A-4147-A177-3AD203B41FA5}">
-                      <a16:colId xmlns="" xmlns:a16="http://schemas.microsoft.com/office/drawing/2014/main" val="20002"/>
+                      <a16:colId xmlns:a16="http://schemas.microsoft.com/office/drawing/2014/main" xmlns="" val="20002"/>
                     </a:ext>
                   </a:extLst>
                 </a:gridCol>
                 <a:gridCol w="765014">
                   <a:extLst>
                     <a:ext uri="{9D8B030D-6E8A-4147-A177-3AD203B41FA5}">
-                      <a16:colId xmlns="" xmlns:a16="http://schemas.microsoft.com/office/drawing/2014/main" val="20003"/>
+                      <a16:colId xmlns:a16="http://schemas.microsoft.com/office/drawing/2014/main" xmlns="" val="20003"/>
                     </a:ext>
                   </a:extLst>
                 </a:gridCol>
                 <a:gridCol w="847274">
                   <a:extLst>
                     <a:ext uri="{9D8B030D-6E8A-4147-A177-3AD203B41FA5}">
-                      <a16:colId xmlns="" xmlns:a16="http://schemas.microsoft.com/office/drawing/2014/main" val="20004"/>
+                      <a16:colId xmlns:a16="http://schemas.microsoft.com/office/drawing/2014/main" xmlns="" val="20004"/>
                     </a:ext>
                   </a:extLst>
                 </a:gridCol>
                 <a:gridCol w="987114">
                   <a:extLst>
                     <a:ext uri="{9D8B030D-6E8A-4147-A177-3AD203B41FA5}">
-                      <a16:colId xmlns="" xmlns:a16="http://schemas.microsoft.com/office/drawing/2014/main" val="20005"/>
+                      <a16:colId xmlns:a16="http://schemas.microsoft.com/office/drawing/2014/main" xmlns="" val="20005"/>
                     </a:ext>
                   </a:extLst>
                 </a:gridCol>
@@ -18334,7 +18334,7 @@
                 </a:tc>
                 <a:extLst>
                   <a:ext uri="{0D108BD9-81ED-4DB2-BD59-A6C34878D82A}">
-                    <a16:rowId xmlns="" xmlns:a16="http://schemas.microsoft.com/office/drawing/2014/main" val="10000"/>
+                    <a16:rowId xmlns:a16="http://schemas.microsoft.com/office/drawing/2014/main" xmlns="" val="10000"/>
                   </a:ext>
                 </a:extLst>
               </a:tr>
@@ -18431,7 +18431,7 @@
                 </a:tc>
                 <a:extLst>
                   <a:ext uri="{0D108BD9-81ED-4DB2-BD59-A6C34878D82A}">
-                    <a16:rowId xmlns="" xmlns:a16="http://schemas.microsoft.com/office/drawing/2014/main" val="10001"/>
+                    <a16:rowId xmlns:a16="http://schemas.microsoft.com/office/drawing/2014/main" xmlns="" val="10001"/>
                   </a:ext>
                 </a:extLst>
               </a:tr>
@@ -18589,7 +18589,7 @@
                 </a:tc>
                 <a:extLst>
                   <a:ext uri="{0D108BD9-81ED-4DB2-BD59-A6C34878D82A}">
-                    <a16:rowId xmlns="" xmlns:a16="http://schemas.microsoft.com/office/drawing/2014/main" val="10002"/>
+                    <a16:rowId xmlns:a16="http://schemas.microsoft.com/office/drawing/2014/main" xmlns="" val="10002"/>
                   </a:ext>
                 </a:extLst>
               </a:tr>
@@ -18734,7 +18734,7 @@
                 </a:tc>
                 <a:extLst>
                   <a:ext uri="{0D108BD9-81ED-4DB2-BD59-A6C34878D82A}">
-                    <a16:rowId xmlns="" xmlns:a16="http://schemas.microsoft.com/office/drawing/2014/main" val="10003"/>
+                    <a16:rowId xmlns:a16="http://schemas.microsoft.com/office/drawing/2014/main" xmlns="" val="10003"/>
                   </a:ext>
                 </a:extLst>
               </a:tr>
@@ -18892,7 +18892,7 @@
                 </a:tc>
                 <a:extLst>
                   <a:ext uri="{0D108BD9-81ED-4DB2-BD59-A6C34878D82A}">
-                    <a16:rowId xmlns="" xmlns:a16="http://schemas.microsoft.com/office/drawing/2014/main" val="10004"/>
+                    <a16:rowId xmlns:a16="http://schemas.microsoft.com/office/drawing/2014/main" xmlns="" val="10004"/>
                   </a:ext>
                 </a:extLst>
               </a:tr>
@@ -19031,7 +19031,7 @@
                 </a:tc>
                 <a:extLst>
                   <a:ext uri="{0D108BD9-81ED-4DB2-BD59-A6C34878D82A}">
-                    <a16:rowId xmlns="" xmlns:a16="http://schemas.microsoft.com/office/drawing/2014/main" val="10005"/>
+                    <a16:rowId xmlns:a16="http://schemas.microsoft.com/office/drawing/2014/main" xmlns="" val="10005"/>
                   </a:ext>
                 </a:extLst>
               </a:tr>
@@ -19189,42 +19189,42 @@
                 <a:gridCol w="1126267">
                   <a:extLst>
                     <a:ext uri="{9D8B030D-6E8A-4147-A177-3AD203B41FA5}">
-                      <a16:colId xmlns="" xmlns:a16="http://schemas.microsoft.com/office/drawing/2014/main" val="20000"/>
+                      <a16:colId xmlns:a16="http://schemas.microsoft.com/office/drawing/2014/main" xmlns="" val="20000"/>
                     </a:ext>
                   </a:extLst>
                 </a:gridCol>
                 <a:gridCol w="1192506">
                   <a:extLst>
                     <a:ext uri="{9D8B030D-6E8A-4147-A177-3AD203B41FA5}">
-                      <a16:colId xmlns="" xmlns:a16="http://schemas.microsoft.com/office/drawing/2014/main" val="20001"/>
+                      <a16:colId xmlns:a16="http://schemas.microsoft.com/office/drawing/2014/main" xmlns="" val="20001"/>
                     </a:ext>
                   </a:extLst>
                 </a:gridCol>
                 <a:gridCol w="1139292">
                   <a:extLst>
                     <a:ext uri="{9D8B030D-6E8A-4147-A177-3AD203B41FA5}">
-                      <a16:colId xmlns="" xmlns:a16="http://schemas.microsoft.com/office/drawing/2014/main" val="20002"/>
+                      <a16:colId xmlns:a16="http://schemas.microsoft.com/office/drawing/2014/main" xmlns="" val="20002"/>
                     </a:ext>
                   </a:extLst>
                 </a:gridCol>
                 <a:gridCol w="931327">
                   <a:extLst>
                     <a:ext uri="{9D8B030D-6E8A-4147-A177-3AD203B41FA5}">
-                      <a16:colId xmlns="" xmlns:a16="http://schemas.microsoft.com/office/drawing/2014/main" val="20003"/>
+                      <a16:colId xmlns:a16="http://schemas.microsoft.com/office/drawing/2014/main" xmlns="" val="20003"/>
                     </a:ext>
                   </a:extLst>
                 </a:gridCol>
                 <a:gridCol w="849949">
                   <a:extLst>
                     <a:ext uri="{9D8B030D-6E8A-4147-A177-3AD203B41FA5}">
-                      <a16:colId xmlns="" xmlns:a16="http://schemas.microsoft.com/office/drawing/2014/main" val="20004"/>
+                      <a16:colId xmlns:a16="http://schemas.microsoft.com/office/drawing/2014/main" xmlns="" val="20004"/>
                     </a:ext>
                   </a:extLst>
                 </a:gridCol>
                 <a:gridCol w="1172319">
                   <a:extLst>
                     <a:ext uri="{9D8B030D-6E8A-4147-A177-3AD203B41FA5}">
-                      <a16:colId xmlns="" xmlns:a16="http://schemas.microsoft.com/office/drawing/2014/main" val="20005"/>
+                      <a16:colId xmlns:a16="http://schemas.microsoft.com/office/drawing/2014/main" xmlns="" val="20005"/>
                     </a:ext>
                   </a:extLst>
                 </a:gridCol>
@@ -19316,7 +19316,7 @@
                 </a:tc>
                 <a:extLst>
                   <a:ext uri="{0D108BD9-81ED-4DB2-BD59-A6C34878D82A}">
-                    <a16:rowId xmlns="" xmlns:a16="http://schemas.microsoft.com/office/drawing/2014/main" val="10000"/>
+                    <a16:rowId xmlns:a16="http://schemas.microsoft.com/office/drawing/2014/main" xmlns="" val="10000"/>
                   </a:ext>
                 </a:extLst>
               </a:tr>
@@ -19413,7 +19413,7 @@
                 </a:tc>
                 <a:extLst>
                   <a:ext uri="{0D108BD9-81ED-4DB2-BD59-A6C34878D82A}">
-                    <a16:rowId xmlns="" xmlns:a16="http://schemas.microsoft.com/office/drawing/2014/main" val="10001"/>
+                    <a16:rowId xmlns:a16="http://schemas.microsoft.com/office/drawing/2014/main" xmlns="" val="10001"/>
                   </a:ext>
                 </a:extLst>
               </a:tr>
@@ -19573,7 +19573,7 @@
                 </a:tc>
                 <a:extLst>
                   <a:ext uri="{0D108BD9-81ED-4DB2-BD59-A6C34878D82A}">
-                    <a16:rowId xmlns="" xmlns:a16="http://schemas.microsoft.com/office/drawing/2014/main" val="10002"/>
+                    <a16:rowId xmlns:a16="http://schemas.microsoft.com/office/drawing/2014/main" xmlns="" val="10002"/>
                   </a:ext>
                 </a:extLst>
               </a:tr>
@@ -19714,7 +19714,7 @@
                 </a:tc>
                 <a:extLst>
                   <a:ext uri="{0D108BD9-81ED-4DB2-BD59-A6C34878D82A}">
-                    <a16:rowId xmlns="" xmlns:a16="http://schemas.microsoft.com/office/drawing/2014/main" val="10003"/>
+                    <a16:rowId xmlns:a16="http://schemas.microsoft.com/office/drawing/2014/main" xmlns="" val="10003"/>
                   </a:ext>
                 </a:extLst>
               </a:tr>
@@ -19855,7 +19855,7 @@
                 </a:tc>
                 <a:extLst>
                   <a:ext uri="{0D108BD9-81ED-4DB2-BD59-A6C34878D82A}">
-                    <a16:rowId xmlns="" xmlns:a16="http://schemas.microsoft.com/office/drawing/2014/main" val="10004"/>
+                    <a16:rowId xmlns:a16="http://schemas.microsoft.com/office/drawing/2014/main" xmlns="" val="10004"/>
                   </a:ext>
                 </a:extLst>
               </a:tr>
@@ -19998,7 +19998,7 @@
                 </a:tc>
                 <a:extLst>
                   <a:ext uri="{0D108BD9-81ED-4DB2-BD59-A6C34878D82A}">
-                    <a16:rowId xmlns="" xmlns:a16="http://schemas.microsoft.com/office/drawing/2014/main" val="10005"/>
+                    <a16:rowId xmlns:a16="http://schemas.microsoft.com/office/drawing/2014/main" xmlns="" val="10005"/>
                   </a:ext>
                 </a:extLst>
               </a:tr>
@@ -20088,28 +20088,28 @@
                 <a:gridCol w="2628900">
                   <a:extLst>
                     <a:ext uri="{9D8B030D-6E8A-4147-A177-3AD203B41FA5}">
-                      <a16:colId xmlns="" xmlns:a16="http://schemas.microsoft.com/office/drawing/2014/main" val="20000"/>
+                      <a16:colId xmlns:a16="http://schemas.microsoft.com/office/drawing/2014/main" xmlns="" val="20000"/>
                     </a:ext>
                   </a:extLst>
                 </a:gridCol>
                 <a:gridCol w="2628900">
                   <a:extLst>
                     <a:ext uri="{9D8B030D-6E8A-4147-A177-3AD203B41FA5}">
-                      <a16:colId xmlns="" xmlns:a16="http://schemas.microsoft.com/office/drawing/2014/main" val="20001"/>
+                      <a16:colId xmlns:a16="http://schemas.microsoft.com/office/drawing/2014/main" xmlns="" val="20001"/>
                     </a:ext>
                   </a:extLst>
                 </a:gridCol>
                 <a:gridCol w="2628900">
                   <a:extLst>
                     <a:ext uri="{9D8B030D-6E8A-4147-A177-3AD203B41FA5}">
-                      <a16:colId xmlns="" xmlns:a16="http://schemas.microsoft.com/office/drawing/2014/main" val="20002"/>
+                      <a16:colId xmlns:a16="http://schemas.microsoft.com/office/drawing/2014/main" xmlns="" val="20002"/>
                     </a:ext>
                   </a:extLst>
                 </a:gridCol>
                 <a:gridCol w="2628900">
                   <a:extLst>
                     <a:ext uri="{9D8B030D-6E8A-4147-A177-3AD203B41FA5}">
-                      <a16:colId xmlns="" xmlns:a16="http://schemas.microsoft.com/office/drawing/2014/main" val="20003"/>
+                      <a16:colId xmlns:a16="http://schemas.microsoft.com/office/drawing/2014/main" xmlns="" val="20003"/>
                     </a:ext>
                   </a:extLst>
                 </a:gridCol>
@@ -20173,7 +20173,7 @@
                 </a:tc>
                 <a:extLst>
                   <a:ext uri="{0D108BD9-81ED-4DB2-BD59-A6C34878D82A}">
-                    <a16:rowId xmlns="" xmlns:a16="http://schemas.microsoft.com/office/drawing/2014/main" val="10000"/>
+                    <a16:rowId xmlns:a16="http://schemas.microsoft.com/office/drawing/2014/main" xmlns="" val="10000"/>
                   </a:ext>
                 </a:extLst>
               </a:tr>
@@ -20236,7 +20236,7 @@
                 </a:tc>
                 <a:extLst>
                   <a:ext uri="{0D108BD9-81ED-4DB2-BD59-A6C34878D82A}">
-                    <a16:rowId xmlns="" xmlns:a16="http://schemas.microsoft.com/office/drawing/2014/main" val="10001"/>
+                    <a16:rowId xmlns:a16="http://schemas.microsoft.com/office/drawing/2014/main" xmlns="" val="10001"/>
                   </a:ext>
                 </a:extLst>
               </a:tr>
@@ -20329,7 +20329,7 @@
                 </a:tc>
                 <a:extLst>
                   <a:ext uri="{0D108BD9-81ED-4DB2-BD59-A6C34878D82A}">
-                    <a16:rowId xmlns="" xmlns:a16="http://schemas.microsoft.com/office/drawing/2014/main" val="10002"/>
+                    <a16:rowId xmlns:a16="http://schemas.microsoft.com/office/drawing/2014/main" xmlns="" val="10002"/>
                   </a:ext>
                 </a:extLst>
               </a:tr>
@@ -20418,7 +20418,7 @@
                 </a:tc>
                 <a:extLst>
                   <a:ext uri="{0D108BD9-81ED-4DB2-BD59-A6C34878D82A}">
-                    <a16:rowId xmlns="" xmlns:a16="http://schemas.microsoft.com/office/drawing/2014/main" val="10003"/>
+                    <a16:rowId xmlns:a16="http://schemas.microsoft.com/office/drawing/2014/main" xmlns="" val="10003"/>
                   </a:ext>
                 </a:extLst>
               </a:tr>
@@ -20539,42 +20539,42 @@
                 <a:gridCol w="1074501">
                   <a:extLst>
                     <a:ext uri="{9D8B030D-6E8A-4147-A177-3AD203B41FA5}">
-                      <a16:colId xmlns="" xmlns:a16="http://schemas.microsoft.com/office/drawing/2014/main" val="20000"/>
+                      <a16:colId xmlns:a16="http://schemas.microsoft.com/office/drawing/2014/main" xmlns="" val="20000"/>
                     </a:ext>
                   </a:extLst>
                 </a:gridCol>
                 <a:gridCol w="1361982">
                   <a:extLst>
                     <a:ext uri="{9D8B030D-6E8A-4147-A177-3AD203B41FA5}">
-                      <a16:colId xmlns="" xmlns:a16="http://schemas.microsoft.com/office/drawing/2014/main" val="20001"/>
+                      <a16:colId xmlns:a16="http://schemas.microsoft.com/office/drawing/2014/main" xmlns="" val="20001"/>
                     </a:ext>
                   </a:extLst>
                 </a:gridCol>
                 <a:gridCol w="1069675">
                   <a:extLst>
                     <a:ext uri="{9D8B030D-6E8A-4147-A177-3AD203B41FA5}">
-                      <a16:colId xmlns="" xmlns:a16="http://schemas.microsoft.com/office/drawing/2014/main" val="20002"/>
+                      <a16:colId xmlns:a16="http://schemas.microsoft.com/office/drawing/2014/main" xmlns="" val="20002"/>
                     </a:ext>
                   </a:extLst>
                 </a:gridCol>
                 <a:gridCol w="776378">
                   <a:extLst>
                     <a:ext uri="{9D8B030D-6E8A-4147-A177-3AD203B41FA5}">
-                      <a16:colId xmlns="" xmlns:a16="http://schemas.microsoft.com/office/drawing/2014/main" val="20003"/>
+                      <a16:colId xmlns:a16="http://schemas.microsoft.com/office/drawing/2014/main" xmlns="" val="20003"/>
                     </a:ext>
                   </a:extLst>
                 </a:gridCol>
                 <a:gridCol w="785004">
                   <a:extLst>
                     <a:ext uri="{9D8B030D-6E8A-4147-A177-3AD203B41FA5}">
-                      <a16:colId xmlns="" xmlns:a16="http://schemas.microsoft.com/office/drawing/2014/main" val="20004"/>
+                      <a16:colId xmlns:a16="http://schemas.microsoft.com/office/drawing/2014/main" xmlns="" val="20004"/>
                     </a:ext>
                   </a:extLst>
                 </a:gridCol>
                 <a:gridCol w="1049424">
                   <a:extLst>
                     <a:ext uri="{9D8B030D-6E8A-4147-A177-3AD203B41FA5}">
-                      <a16:colId xmlns="" xmlns:a16="http://schemas.microsoft.com/office/drawing/2014/main" val="20005"/>
+                      <a16:colId xmlns:a16="http://schemas.microsoft.com/office/drawing/2014/main" xmlns="" val="20005"/>
                     </a:ext>
                   </a:extLst>
                 </a:gridCol>
@@ -20666,7 +20666,7 @@
                 </a:tc>
                 <a:extLst>
                   <a:ext uri="{0D108BD9-81ED-4DB2-BD59-A6C34878D82A}">
-                    <a16:rowId xmlns="" xmlns:a16="http://schemas.microsoft.com/office/drawing/2014/main" val="10000"/>
+                    <a16:rowId xmlns:a16="http://schemas.microsoft.com/office/drawing/2014/main" xmlns="" val="10000"/>
                   </a:ext>
                 </a:extLst>
               </a:tr>
@@ -20763,7 +20763,7 @@
                 </a:tc>
                 <a:extLst>
                   <a:ext uri="{0D108BD9-81ED-4DB2-BD59-A6C34878D82A}">
-                    <a16:rowId xmlns="" xmlns:a16="http://schemas.microsoft.com/office/drawing/2014/main" val="10001"/>
+                    <a16:rowId xmlns:a16="http://schemas.microsoft.com/office/drawing/2014/main" xmlns="" val="10001"/>
                   </a:ext>
                 </a:extLst>
               </a:tr>
@@ -20921,7 +20921,7 @@
                 </a:tc>
                 <a:extLst>
                   <a:ext uri="{0D108BD9-81ED-4DB2-BD59-A6C34878D82A}">
-                    <a16:rowId xmlns="" xmlns:a16="http://schemas.microsoft.com/office/drawing/2014/main" val="10002"/>
+                    <a16:rowId xmlns:a16="http://schemas.microsoft.com/office/drawing/2014/main" xmlns="" val="10002"/>
                   </a:ext>
                 </a:extLst>
               </a:tr>
@@ -21062,7 +21062,7 @@
                 </a:tc>
                 <a:extLst>
                   <a:ext uri="{0D108BD9-81ED-4DB2-BD59-A6C34878D82A}">
-                    <a16:rowId xmlns="" xmlns:a16="http://schemas.microsoft.com/office/drawing/2014/main" val="10003"/>
+                    <a16:rowId xmlns:a16="http://schemas.microsoft.com/office/drawing/2014/main" xmlns="" val="10003"/>
                   </a:ext>
                 </a:extLst>
               </a:tr>
@@ -21203,7 +21203,7 @@
                 </a:tc>
                 <a:extLst>
                   <a:ext uri="{0D108BD9-81ED-4DB2-BD59-A6C34878D82A}">
-                    <a16:rowId xmlns="" xmlns:a16="http://schemas.microsoft.com/office/drawing/2014/main" val="10004"/>
+                    <a16:rowId xmlns:a16="http://schemas.microsoft.com/office/drawing/2014/main" xmlns="" val="10004"/>
                   </a:ext>
                 </a:extLst>
               </a:tr>
@@ -21342,7 +21342,7 @@
                 </a:tc>
                 <a:extLst>
                   <a:ext uri="{0D108BD9-81ED-4DB2-BD59-A6C34878D82A}">
-                    <a16:rowId xmlns="" xmlns:a16="http://schemas.microsoft.com/office/drawing/2014/main" val="10005"/>
+                    <a16:rowId xmlns:a16="http://schemas.microsoft.com/office/drawing/2014/main" xmlns="" val="10005"/>
                   </a:ext>
                 </a:extLst>
               </a:tr>
@@ -21433,42 +21433,42 @@
                 <a:gridCol w="1074501">
                   <a:extLst>
                     <a:ext uri="{9D8B030D-6E8A-4147-A177-3AD203B41FA5}">
-                      <a16:colId xmlns="" xmlns:a16="http://schemas.microsoft.com/office/drawing/2014/main" val="20000"/>
+                      <a16:colId xmlns:a16="http://schemas.microsoft.com/office/drawing/2014/main" xmlns="" val="20000"/>
                     </a:ext>
                   </a:extLst>
                 </a:gridCol>
                 <a:gridCol w="1094563">
                   <a:extLst>
                     <a:ext uri="{9D8B030D-6E8A-4147-A177-3AD203B41FA5}">
-                      <a16:colId xmlns="" xmlns:a16="http://schemas.microsoft.com/office/drawing/2014/main" val="20001"/>
+                      <a16:colId xmlns:a16="http://schemas.microsoft.com/office/drawing/2014/main" xmlns="" val="20001"/>
                     </a:ext>
                   </a:extLst>
                 </a:gridCol>
                 <a:gridCol w="1112808">
                   <a:extLst>
                     <a:ext uri="{9D8B030D-6E8A-4147-A177-3AD203B41FA5}">
-                      <a16:colId xmlns="" xmlns:a16="http://schemas.microsoft.com/office/drawing/2014/main" val="20002"/>
+                      <a16:colId xmlns:a16="http://schemas.microsoft.com/office/drawing/2014/main" xmlns="" val="20002"/>
                     </a:ext>
                   </a:extLst>
                 </a:gridCol>
                 <a:gridCol w="755968">
                   <a:extLst>
                     <a:ext uri="{9D8B030D-6E8A-4147-A177-3AD203B41FA5}">
-                      <a16:colId xmlns="" xmlns:a16="http://schemas.microsoft.com/office/drawing/2014/main" val="20003"/>
+                      <a16:colId xmlns:a16="http://schemas.microsoft.com/office/drawing/2014/main" xmlns="" val="20003"/>
                     </a:ext>
                   </a:extLst>
                 </a:gridCol>
                 <a:gridCol w="909275">
                   <a:extLst>
                     <a:ext uri="{9D8B030D-6E8A-4147-A177-3AD203B41FA5}">
-                      <a16:colId xmlns="" xmlns:a16="http://schemas.microsoft.com/office/drawing/2014/main" val="20004"/>
+                      <a16:colId xmlns:a16="http://schemas.microsoft.com/office/drawing/2014/main" xmlns="" val="20004"/>
                     </a:ext>
                   </a:extLst>
                 </a:gridCol>
                 <a:gridCol w="1226019">
                   <a:extLst>
                     <a:ext uri="{9D8B030D-6E8A-4147-A177-3AD203B41FA5}">
-                      <a16:colId xmlns="" xmlns:a16="http://schemas.microsoft.com/office/drawing/2014/main" val="20005"/>
+                      <a16:colId xmlns:a16="http://schemas.microsoft.com/office/drawing/2014/main" xmlns="" val="20005"/>
                     </a:ext>
                   </a:extLst>
                 </a:gridCol>
@@ -21560,7 +21560,7 @@
                 </a:tc>
                 <a:extLst>
                   <a:ext uri="{0D108BD9-81ED-4DB2-BD59-A6C34878D82A}">
-                    <a16:rowId xmlns="" xmlns:a16="http://schemas.microsoft.com/office/drawing/2014/main" val="10000"/>
+                    <a16:rowId xmlns:a16="http://schemas.microsoft.com/office/drawing/2014/main" xmlns="" val="10000"/>
                   </a:ext>
                 </a:extLst>
               </a:tr>
@@ -21659,7 +21659,7 @@
                 </a:tc>
                 <a:extLst>
                   <a:ext uri="{0D108BD9-81ED-4DB2-BD59-A6C34878D82A}">
-                    <a16:rowId xmlns="" xmlns:a16="http://schemas.microsoft.com/office/drawing/2014/main" val="10001"/>
+                    <a16:rowId xmlns:a16="http://schemas.microsoft.com/office/drawing/2014/main" xmlns="" val="10001"/>
                   </a:ext>
                 </a:extLst>
               </a:tr>
@@ -21777,7 +21777,7 @@
                 </a:tc>
                 <a:extLst>
                   <a:ext uri="{0D108BD9-81ED-4DB2-BD59-A6C34878D82A}">
-                    <a16:rowId xmlns="" xmlns:a16="http://schemas.microsoft.com/office/drawing/2014/main" val="10002"/>
+                    <a16:rowId xmlns:a16="http://schemas.microsoft.com/office/drawing/2014/main" xmlns="" val="10002"/>
                   </a:ext>
                 </a:extLst>
               </a:tr>
@@ -21918,7 +21918,7 @@
                 </a:tc>
                 <a:extLst>
                   <a:ext uri="{0D108BD9-81ED-4DB2-BD59-A6C34878D82A}">
-                    <a16:rowId xmlns="" xmlns:a16="http://schemas.microsoft.com/office/drawing/2014/main" val="10003"/>
+                    <a16:rowId xmlns:a16="http://schemas.microsoft.com/office/drawing/2014/main" xmlns="" val="10003"/>
                   </a:ext>
                 </a:extLst>
               </a:tr>
@@ -22061,7 +22061,7 @@
                 </a:tc>
                 <a:extLst>
                   <a:ext uri="{0D108BD9-81ED-4DB2-BD59-A6C34878D82A}">
-                    <a16:rowId xmlns="" xmlns:a16="http://schemas.microsoft.com/office/drawing/2014/main" val="10004"/>
+                    <a16:rowId xmlns:a16="http://schemas.microsoft.com/office/drawing/2014/main" xmlns="" val="10004"/>
                   </a:ext>
                 </a:extLst>
               </a:tr>
@@ -22174,7 +22174,7 @@
                 </a:tc>
                 <a:extLst>
                   <a:ext uri="{0D108BD9-81ED-4DB2-BD59-A6C34878D82A}">
-                    <a16:rowId xmlns="" xmlns:a16="http://schemas.microsoft.com/office/drawing/2014/main" val="10005"/>
+                    <a16:rowId xmlns:a16="http://schemas.microsoft.com/office/drawing/2014/main" xmlns="" val="10005"/>
                   </a:ext>
                 </a:extLst>
               </a:tr>
@@ -22265,42 +22265,42 @@
                 <a:gridCol w="1108522">
                   <a:extLst>
                     <a:ext uri="{9D8B030D-6E8A-4147-A177-3AD203B41FA5}">
-                      <a16:colId xmlns="" xmlns:a16="http://schemas.microsoft.com/office/drawing/2014/main" val="20000"/>
+                      <a16:colId xmlns:a16="http://schemas.microsoft.com/office/drawing/2014/main" xmlns="" val="20000"/>
                     </a:ext>
                   </a:extLst>
                 </a:gridCol>
                 <a:gridCol w="1129219">
                   <a:extLst>
                     <a:ext uri="{9D8B030D-6E8A-4147-A177-3AD203B41FA5}">
-                      <a16:colId xmlns="" xmlns:a16="http://schemas.microsoft.com/office/drawing/2014/main" val="20001"/>
+                      <a16:colId xmlns:a16="http://schemas.microsoft.com/office/drawing/2014/main" xmlns="" val="20001"/>
                     </a:ext>
                   </a:extLst>
                 </a:gridCol>
                 <a:gridCol w="1148042">
                   <a:extLst>
                     <a:ext uri="{9D8B030D-6E8A-4147-A177-3AD203B41FA5}">
-                      <a16:colId xmlns="" xmlns:a16="http://schemas.microsoft.com/office/drawing/2014/main" val="20002"/>
+                      <a16:colId xmlns:a16="http://schemas.microsoft.com/office/drawing/2014/main" xmlns="" val="20002"/>
                     </a:ext>
                   </a:extLst>
                 </a:gridCol>
                 <a:gridCol w="802761">
                   <a:extLst>
                     <a:ext uri="{9D8B030D-6E8A-4147-A177-3AD203B41FA5}">
-                      <a16:colId xmlns="" xmlns:a16="http://schemas.microsoft.com/office/drawing/2014/main" val="20003"/>
+                      <a16:colId xmlns:a16="http://schemas.microsoft.com/office/drawing/2014/main" xmlns="" val="20003"/>
                     </a:ext>
                   </a:extLst>
                 </a:gridCol>
                 <a:gridCol w="857259">
                   <a:extLst>
                     <a:ext uri="{9D8B030D-6E8A-4147-A177-3AD203B41FA5}">
-                      <a16:colId xmlns="" xmlns:a16="http://schemas.microsoft.com/office/drawing/2014/main" val="20004"/>
+                      <a16:colId xmlns:a16="http://schemas.microsoft.com/office/drawing/2014/main" xmlns="" val="20004"/>
                     </a:ext>
                   </a:extLst>
                 </a:gridCol>
                 <a:gridCol w="1264838">
                   <a:extLst>
                     <a:ext uri="{9D8B030D-6E8A-4147-A177-3AD203B41FA5}">
-                      <a16:colId xmlns="" xmlns:a16="http://schemas.microsoft.com/office/drawing/2014/main" val="20005"/>
+                      <a16:colId xmlns:a16="http://schemas.microsoft.com/office/drawing/2014/main" xmlns="" val="20005"/>
                     </a:ext>
                   </a:extLst>
                 </a:gridCol>
@@ -22392,7 +22392,7 @@
                 </a:tc>
                 <a:extLst>
                   <a:ext uri="{0D108BD9-81ED-4DB2-BD59-A6C34878D82A}">
-                    <a16:rowId xmlns="" xmlns:a16="http://schemas.microsoft.com/office/drawing/2014/main" val="10000"/>
+                    <a16:rowId xmlns:a16="http://schemas.microsoft.com/office/drawing/2014/main" xmlns="" val="10000"/>
                   </a:ext>
                 </a:extLst>
               </a:tr>
@@ -22533,7 +22533,7 @@
                 </a:tc>
                 <a:extLst>
                   <a:ext uri="{0D108BD9-81ED-4DB2-BD59-A6C34878D82A}">
-                    <a16:rowId xmlns="" xmlns:a16="http://schemas.microsoft.com/office/drawing/2014/main" val="10001"/>
+                    <a16:rowId xmlns:a16="http://schemas.microsoft.com/office/drawing/2014/main" xmlns="" val="10001"/>
                   </a:ext>
                 </a:extLst>
               </a:tr>
@@ -22693,7 +22693,7 @@
                 </a:tc>
                 <a:extLst>
                   <a:ext uri="{0D108BD9-81ED-4DB2-BD59-A6C34878D82A}">
-                    <a16:rowId xmlns="" xmlns:a16="http://schemas.microsoft.com/office/drawing/2014/main" val="10002"/>
+                    <a16:rowId xmlns:a16="http://schemas.microsoft.com/office/drawing/2014/main" xmlns="" val="10002"/>
                   </a:ext>
                 </a:extLst>
               </a:tr>
@@ -22840,7 +22840,7 @@
                 </a:tc>
                 <a:extLst>
                   <a:ext uri="{0D108BD9-81ED-4DB2-BD59-A6C34878D82A}">
-                    <a16:rowId xmlns="" xmlns:a16="http://schemas.microsoft.com/office/drawing/2014/main" val="10003"/>
+                    <a16:rowId xmlns:a16="http://schemas.microsoft.com/office/drawing/2014/main" xmlns="" val="10003"/>
                   </a:ext>
                 </a:extLst>
               </a:tr>
@@ -22983,7 +22983,7 @@
                 </a:tc>
                 <a:extLst>
                   <a:ext uri="{0D108BD9-81ED-4DB2-BD59-A6C34878D82A}">
-                    <a16:rowId xmlns="" xmlns:a16="http://schemas.microsoft.com/office/drawing/2014/main" val="10004"/>
+                    <a16:rowId xmlns:a16="http://schemas.microsoft.com/office/drawing/2014/main" xmlns="" val="10004"/>
                   </a:ext>
                 </a:extLst>
               </a:tr>
@@ -23122,7 +23122,7 @@
                 </a:tc>
                 <a:extLst>
                   <a:ext uri="{0D108BD9-81ED-4DB2-BD59-A6C34878D82A}">
-                    <a16:rowId xmlns="" xmlns:a16="http://schemas.microsoft.com/office/drawing/2014/main" val="10005"/>
+                    <a16:rowId xmlns:a16="http://schemas.microsoft.com/office/drawing/2014/main" xmlns="" val="10005"/>
                   </a:ext>
                 </a:extLst>
               </a:tr>
@@ -23213,42 +23213,42 @@
                 <a:gridCol w="1074501">
                   <a:extLst>
                     <a:ext uri="{9D8B030D-6E8A-4147-A177-3AD203B41FA5}">
-                      <a16:colId xmlns="" xmlns:a16="http://schemas.microsoft.com/office/drawing/2014/main" val="20000"/>
+                      <a16:colId xmlns:a16="http://schemas.microsoft.com/office/drawing/2014/main" xmlns="" val="20000"/>
                     </a:ext>
                   </a:extLst>
                 </a:gridCol>
                 <a:gridCol w="1094563">
                   <a:extLst>
                     <a:ext uri="{9D8B030D-6E8A-4147-A177-3AD203B41FA5}">
-                      <a16:colId xmlns="" xmlns:a16="http://schemas.microsoft.com/office/drawing/2014/main" val="20001"/>
+                      <a16:colId xmlns:a16="http://schemas.microsoft.com/office/drawing/2014/main" xmlns="" val="20001"/>
                     </a:ext>
                   </a:extLst>
                 </a:gridCol>
                 <a:gridCol w="1112808">
                   <a:extLst>
                     <a:ext uri="{9D8B030D-6E8A-4147-A177-3AD203B41FA5}">
-                      <a16:colId xmlns="" xmlns:a16="http://schemas.microsoft.com/office/drawing/2014/main" val="20002"/>
+                      <a16:colId xmlns:a16="http://schemas.microsoft.com/office/drawing/2014/main" xmlns="" val="20002"/>
                     </a:ext>
                   </a:extLst>
                 </a:gridCol>
                 <a:gridCol w="785901">
                   <a:extLst>
                     <a:ext uri="{9D8B030D-6E8A-4147-A177-3AD203B41FA5}">
-                      <a16:colId xmlns="" xmlns:a16="http://schemas.microsoft.com/office/drawing/2014/main" val="20003"/>
+                      <a16:colId xmlns:a16="http://schemas.microsoft.com/office/drawing/2014/main" xmlns="" val="20003"/>
                     </a:ext>
                   </a:extLst>
                 </a:gridCol>
                 <a:gridCol w="823172">
                   <a:extLst>
                     <a:ext uri="{9D8B030D-6E8A-4147-A177-3AD203B41FA5}">
-                      <a16:colId xmlns="" xmlns:a16="http://schemas.microsoft.com/office/drawing/2014/main" val="20004"/>
+                      <a16:colId xmlns:a16="http://schemas.microsoft.com/office/drawing/2014/main" xmlns="" val="20004"/>
                     </a:ext>
                   </a:extLst>
                 </a:gridCol>
                 <a:gridCol w="1226019">
                   <a:extLst>
                     <a:ext uri="{9D8B030D-6E8A-4147-A177-3AD203B41FA5}">
-                      <a16:colId xmlns="" xmlns:a16="http://schemas.microsoft.com/office/drawing/2014/main" val="20005"/>
+                      <a16:colId xmlns:a16="http://schemas.microsoft.com/office/drawing/2014/main" xmlns="" val="20005"/>
                     </a:ext>
                   </a:extLst>
                 </a:gridCol>
@@ -23340,7 +23340,7 @@
                 </a:tc>
                 <a:extLst>
                   <a:ext uri="{0D108BD9-81ED-4DB2-BD59-A6C34878D82A}">
-                    <a16:rowId xmlns="" xmlns:a16="http://schemas.microsoft.com/office/drawing/2014/main" val="10000"/>
+                    <a16:rowId xmlns:a16="http://schemas.microsoft.com/office/drawing/2014/main" xmlns="" val="10000"/>
                   </a:ext>
                 </a:extLst>
               </a:tr>
@@ -23483,7 +23483,7 @@
                 </a:tc>
                 <a:extLst>
                   <a:ext uri="{0D108BD9-81ED-4DB2-BD59-A6C34878D82A}">
-                    <a16:rowId xmlns="" xmlns:a16="http://schemas.microsoft.com/office/drawing/2014/main" val="10001"/>
+                    <a16:rowId xmlns:a16="http://schemas.microsoft.com/office/drawing/2014/main" xmlns="" val="10001"/>
                   </a:ext>
                 </a:extLst>
               </a:tr>
@@ -23643,7 +23643,7 @@
                 </a:tc>
                 <a:extLst>
                   <a:ext uri="{0D108BD9-81ED-4DB2-BD59-A6C34878D82A}">
-                    <a16:rowId xmlns="" xmlns:a16="http://schemas.microsoft.com/office/drawing/2014/main" val="10002"/>
+                    <a16:rowId xmlns:a16="http://schemas.microsoft.com/office/drawing/2014/main" xmlns="" val="10002"/>
                   </a:ext>
                 </a:extLst>
               </a:tr>
@@ -23786,7 +23786,7 @@
                 </a:tc>
                 <a:extLst>
                   <a:ext uri="{0D108BD9-81ED-4DB2-BD59-A6C34878D82A}">
-                    <a16:rowId xmlns="" xmlns:a16="http://schemas.microsoft.com/office/drawing/2014/main" val="10003"/>
+                    <a16:rowId xmlns:a16="http://schemas.microsoft.com/office/drawing/2014/main" xmlns="" val="10003"/>
                   </a:ext>
                 </a:extLst>
               </a:tr>
@@ -23929,7 +23929,7 @@
                 </a:tc>
                 <a:extLst>
                   <a:ext uri="{0D108BD9-81ED-4DB2-BD59-A6C34878D82A}">
-                    <a16:rowId xmlns="" xmlns:a16="http://schemas.microsoft.com/office/drawing/2014/main" val="10004"/>
+                    <a16:rowId xmlns:a16="http://schemas.microsoft.com/office/drawing/2014/main" xmlns="" val="10004"/>
                   </a:ext>
                 </a:extLst>
               </a:tr>
@@ -24070,7 +24070,7 @@
                 </a:tc>
                 <a:extLst>
                   <a:ext uri="{0D108BD9-81ED-4DB2-BD59-A6C34878D82A}">
-                    <a16:rowId xmlns="" xmlns:a16="http://schemas.microsoft.com/office/drawing/2014/main" val="10005"/>
+                    <a16:rowId xmlns:a16="http://schemas.microsoft.com/office/drawing/2014/main" xmlns="" val="10005"/>
                   </a:ext>
                 </a:extLst>
               </a:tr>
@@ -24161,42 +24161,42 @@
                 <a:gridCol w="1074501">
                   <a:extLst>
                     <a:ext uri="{9D8B030D-6E8A-4147-A177-3AD203B41FA5}">
-                      <a16:colId xmlns="" xmlns:a16="http://schemas.microsoft.com/office/drawing/2014/main" val="20000"/>
+                      <a16:colId xmlns:a16="http://schemas.microsoft.com/office/drawing/2014/main" xmlns="" val="20000"/>
                     </a:ext>
                   </a:extLst>
                 </a:gridCol>
                 <a:gridCol w="1042804">
                   <a:extLst>
                     <a:ext uri="{9D8B030D-6E8A-4147-A177-3AD203B41FA5}">
-                      <a16:colId xmlns="" xmlns:a16="http://schemas.microsoft.com/office/drawing/2014/main" val="20001"/>
+                      <a16:colId xmlns:a16="http://schemas.microsoft.com/office/drawing/2014/main" xmlns="" val="20001"/>
                     </a:ext>
                   </a:extLst>
                 </a:gridCol>
                 <a:gridCol w="1086929">
                   <a:extLst>
                     <a:ext uri="{9D8B030D-6E8A-4147-A177-3AD203B41FA5}">
-                      <a16:colId xmlns="" xmlns:a16="http://schemas.microsoft.com/office/drawing/2014/main" val="20002"/>
+                      <a16:colId xmlns:a16="http://schemas.microsoft.com/office/drawing/2014/main" xmlns="" val="20002"/>
                     </a:ext>
                   </a:extLst>
                 </a:gridCol>
                 <a:gridCol w="777436">
                   <a:extLst>
                     <a:ext uri="{9D8B030D-6E8A-4147-A177-3AD203B41FA5}">
-                      <a16:colId xmlns="" xmlns:a16="http://schemas.microsoft.com/office/drawing/2014/main" val="20003"/>
+                      <a16:colId xmlns:a16="http://schemas.microsoft.com/office/drawing/2014/main" xmlns="" val="20003"/>
                     </a:ext>
                   </a:extLst>
                 </a:gridCol>
                 <a:gridCol w="909275">
                   <a:extLst>
                     <a:ext uri="{9D8B030D-6E8A-4147-A177-3AD203B41FA5}">
-                      <a16:colId xmlns="" xmlns:a16="http://schemas.microsoft.com/office/drawing/2014/main" val="20004"/>
+                      <a16:colId xmlns:a16="http://schemas.microsoft.com/office/drawing/2014/main" xmlns="" val="20004"/>
                     </a:ext>
                   </a:extLst>
                 </a:gridCol>
                 <a:gridCol w="1226019">
                   <a:extLst>
                     <a:ext uri="{9D8B030D-6E8A-4147-A177-3AD203B41FA5}">
-                      <a16:colId xmlns="" xmlns:a16="http://schemas.microsoft.com/office/drawing/2014/main" val="20005"/>
+                      <a16:colId xmlns:a16="http://schemas.microsoft.com/office/drawing/2014/main" xmlns="" val="20005"/>
                     </a:ext>
                   </a:extLst>
                 </a:gridCol>
@@ -24288,7 +24288,7 @@
                 </a:tc>
                 <a:extLst>
                   <a:ext uri="{0D108BD9-81ED-4DB2-BD59-A6C34878D82A}">
-                    <a16:rowId xmlns="" xmlns:a16="http://schemas.microsoft.com/office/drawing/2014/main" val="10000"/>
+                    <a16:rowId xmlns:a16="http://schemas.microsoft.com/office/drawing/2014/main" xmlns="" val="10000"/>
                   </a:ext>
                 </a:extLst>
               </a:tr>
@@ -24389,7 +24389,7 @@
                 </a:tc>
                 <a:extLst>
                   <a:ext uri="{0D108BD9-81ED-4DB2-BD59-A6C34878D82A}">
-                    <a16:rowId xmlns="" xmlns:a16="http://schemas.microsoft.com/office/drawing/2014/main" val="10001"/>
+                    <a16:rowId xmlns:a16="http://schemas.microsoft.com/office/drawing/2014/main" xmlns="" val="10001"/>
                   </a:ext>
                 </a:extLst>
               </a:tr>
@@ -24549,7 +24549,7 @@
                 </a:tc>
                 <a:extLst>
                   <a:ext uri="{0D108BD9-81ED-4DB2-BD59-A6C34878D82A}">
-                    <a16:rowId xmlns="" xmlns:a16="http://schemas.microsoft.com/office/drawing/2014/main" val="10002"/>
+                    <a16:rowId xmlns:a16="http://schemas.microsoft.com/office/drawing/2014/main" xmlns="" val="10002"/>
                   </a:ext>
                 </a:extLst>
               </a:tr>
@@ -24692,7 +24692,7 @@
                 </a:tc>
                 <a:extLst>
                   <a:ext uri="{0D108BD9-81ED-4DB2-BD59-A6C34878D82A}">
-                    <a16:rowId xmlns="" xmlns:a16="http://schemas.microsoft.com/office/drawing/2014/main" val="10003"/>
+                    <a16:rowId xmlns:a16="http://schemas.microsoft.com/office/drawing/2014/main" xmlns="" val="10003"/>
                   </a:ext>
                 </a:extLst>
               </a:tr>
@@ -24835,7 +24835,7 @@
                 </a:tc>
                 <a:extLst>
                   <a:ext uri="{0D108BD9-81ED-4DB2-BD59-A6C34878D82A}">
-                    <a16:rowId xmlns="" xmlns:a16="http://schemas.microsoft.com/office/drawing/2014/main" val="10004"/>
+                    <a16:rowId xmlns:a16="http://schemas.microsoft.com/office/drawing/2014/main" xmlns="" val="10004"/>
                   </a:ext>
                 </a:extLst>
               </a:tr>
@@ -24978,7 +24978,7 @@
                 </a:tc>
                 <a:extLst>
                   <a:ext uri="{0D108BD9-81ED-4DB2-BD59-A6C34878D82A}">
-                    <a16:rowId xmlns="" xmlns:a16="http://schemas.microsoft.com/office/drawing/2014/main" val="10005"/>
+                    <a16:rowId xmlns:a16="http://schemas.microsoft.com/office/drawing/2014/main" xmlns="" val="10005"/>
                   </a:ext>
                 </a:extLst>
               </a:tr>
@@ -25069,42 +25069,42 @@
                 <a:gridCol w="1074501">
                   <a:extLst>
                     <a:ext uri="{9D8B030D-6E8A-4147-A177-3AD203B41FA5}">
-                      <a16:colId xmlns="" xmlns:a16="http://schemas.microsoft.com/office/drawing/2014/main" val="20000"/>
+                      <a16:colId xmlns:a16="http://schemas.microsoft.com/office/drawing/2014/main" xmlns="" val="20000"/>
                     </a:ext>
                   </a:extLst>
                 </a:gridCol>
                 <a:gridCol w="1051431">
                   <a:extLst>
                     <a:ext uri="{9D8B030D-6E8A-4147-A177-3AD203B41FA5}">
-                      <a16:colId xmlns="" xmlns:a16="http://schemas.microsoft.com/office/drawing/2014/main" val="20001"/>
+                      <a16:colId xmlns:a16="http://schemas.microsoft.com/office/drawing/2014/main" xmlns="" val="20001"/>
                     </a:ext>
                   </a:extLst>
                 </a:gridCol>
                 <a:gridCol w="1104181">
                   <a:extLst>
                     <a:ext uri="{9D8B030D-6E8A-4147-A177-3AD203B41FA5}">
-                      <a16:colId xmlns="" xmlns:a16="http://schemas.microsoft.com/office/drawing/2014/main" val="20002"/>
+                      <a16:colId xmlns:a16="http://schemas.microsoft.com/office/drawing/2014/main" xmlns="" val="20002"/>
                     </a:ext>
                   </a:extLst>
                 </a:gridCol>
                 <a:gridCol w="751557">
                   <a:extLst>
                     <a:ext uri="{9D8B030D-6E8A-4147-A177-3AD203B41FA5}">
-                      <a16:colId xmlns="" xmlns:a16="http://schemas.microsoft.com/office/drawing/2014/main" val="20003"/>
+                      <a16:colId xmlns:a16="http://schemas.microsoft.com/office/drawing/2014/main" xmlns="" val="20003"/>
                     </a:ext>
                   </a:extLst>
                 </a:gridCol>
                 <a:gridCol w="909275">
                   <a:extLst>
                     <a:ext uri="{9D8B030D-6E8A-4147-A177-3AD203B41FA5}">
-                      <a16:colId xmlns="" xmlns:a16="http://schemas.microsoft.com/office/drawing/2014/main" val="20004"/>
+                      <a16:colId xmlns:a16="http://schemas.microsoft.com/office/drawing/2014/main" xmlns="" val="20004"/>
                     </a:ext>
                   </a:extLst>
                 </a:gridCol>
                 <a:gridCol w="1226019">
                   <a:extLst>
                     <a:ext uri="{9D8B030D-6E8A-4147-A177-3AD203B41FA5}">
-                      <a16:colId xmlns="" xmlns:a16="http://schemas.microsoft.com/office/drawing/2014/main" val="20005"/>
+                      <a16:colId xmlns:a16="http://schemas.microsoft.com/office/drawing/2014/main" xmlns="" val="20005"/>
                     </a:ext>
                   </a:extLst>
                 </a:gridCol>
@@ -25196,7 +25196,7 @@
                 </a:tc>
                 <a:extLst>
                   <a:ext uri="{0D108BD9-81ED-4DB2-BD59-A6C34878D82A}">
-                    <a16:rowId xmlns="" xmlns:a16="http://schemas.microsoft.com/office/drawing/2014/main" val="10000"/>
+                    <a16:rowId xmlns:a16="http://schemas.microsoft.com/office/drawing/2014/main" xmlns="" val="10000"/>
                   </a:ext>
                 </a:extLst>
               </a:tr>
@@ -25335,7 +25335,7 @@
                 </a:tc>
                 <a:extLst>
                   <a:ext uri="{0D108BD9-81ED-4DB2-BD59-A6C34878D82A}">
-                    <a16:rowId xmlns="" xmlns:a16="http://schemas.microsoft.com/office/drawing/2014/main" val="10001"/>
+                    <a16:rowId xmlns:a16="http://schemas.microsoft.com/office/drawing/2014/main" xmlns="" val="10001"/>
                   </a:ext>
                 </a:extLst>
               </a:tr>
@@ -25491,7 +25491,7 @@
                 </a:tc>
                 <a:extLst>
                   <a:ext uri="{0D108BD9-81ED-4DB2-BD59-A6C34878D82A}">
-                    <a16:rowId xmlns="" xmlns:a16="http://schemas.microsoft.com/office/drawing/2014/main" val="10002"/>
+                    <a16:rowId xmlns:a16="http://schemas.microsoft.com/office/drawing/2014/main" xmlns="" val="10002"/>
                   </a:ext>
                 </a:extLst>
               </a:tr>
@@ -25630,7 +25630,7 @@
                 </a:tc>
                 <a:extLst>
                   <a:ext uri="{0D108BD9-81ED-4DB2-BD59-A6C34878D82A}">
-                    <a16:rowId xmlns="" xmlns:a16="http://schemas.microsoft.com/office/drawing/2014/main" val="10003"/>
+                    <a16:rowId xmlns:a16="http://schemas.microsoft.com/office/drawing/2014/main" xmlns="" val="10003"/>
                   </a:ext>
                 </a:extLst>
               </a:tr>
@@ -25769,7 +25769,7 @@
                 </a:tc>
                 <a:extLst>
                   <a:ext uri="{0D108BD9-81ED-4DB2-BD59-A6C34878D82A}">
-                    <a16:rowId xmlns="" xmlns:a16="http://schemas.microsoft.com/office/drawing/2014/main" val="10004"/>
+                    <a16:rowId xmlns:a16="http://schemas.microsoft.com/office/drawing/2014/main" xmlns="" val="10004"/>
                   </a:ext>
                 </a:extLst>
               </a:tr>
@@ -25908,7 +25908,7 @@
                 </a:tc>
                 <a:extLst>
                   <a:ext uri="{0D108BD9-81ED-4DB2-BD59-A6C34878D82A}">
-                    <a16:rowId xmlns="" xmlns:a16="http://schemas.microsoft.com/office/drawing/2014/main" val="10005"/>
+                    <a16:rowId xmlns:a16="http://schemas.microsoft.com/office/drawing/2014/main" xmlns="" val="10005"/>
                   </a:ext>
                 </a:extLst>
               </a:tr>
@@ -27291,42 +27291,42 @@
                 <a:gridCol w="1074501">
                   <a:extLst>
                     <a:ext uri="{9D8B030D-6E8A-4147-A177-3AD203B41FA5}">
-                      <a16:colId xmlns="" xmlns:a16="http://schemas.microsoft.com/office/drawing/2014/main" val="20000"/>
+                      <a16:colId xmlns:a16="http://schemas.microsoft.com/office/drawing/2014/main" xmlns="" val="20000"/>
                     </a:ext>
                   </a:extLst>
                 </a:gridCol>
                 <a:gridCol w="1292971">
                   <a:extLst>
                     <a:ext uri="{9D8B030D-6E8A-4147-A177-3AD203B41FA5}">
-                      <a16:colId xmlns="" xmlns:a16="http://schemas.microsoft.com/office/drawing/2014/main" val="20001"/>
+                      <a16:colId xmlns:a16="http://schemas.microsoft.com/office/drawing/2014/main" xmlns="" val="20001"/>
                     </a:ext>
                   </a:extLst>
                 </a:gridCol>
                 <a:gridCol w="1121434">
                   <a:extLst>
                     <a:ext uri="{9D8B030D-6E8A-4147-A177-3AD203B41FA5}">
-                      <a16:colId xmlns="" xmlns:a16="http://schemas.microsoft.com/office/drawing/2014/main" val="20002"/>
+                      <a16:colId xmlns:a16="http://schemas.microsoft.com/office/drawing/2014/main" xmlns="" val="20002"/>
                     </a:ext>
                   </a:extLst>
                 </a:gridCol>
                 <a:gridCol w="802256">
                   <a:extLst>
                     <a:ext uri="{9D8B030D-6E8A-4147-A177-3AD203B41FA5}">
-                      <a16:colId xmlns="" xmlns:a16="http://schemas.microsoft.com/office/drawing/2014/main" val="20003"/>
+                      <a16:colId xmlns:a16="http://schemas.microsoft.com/office/drawing/2014/main" xmlns="" val="20003"/>
                     </a:ext>
                   </a:extLst>
                 </a:gridCol>
                 <a:gridCol w="888521">
                   <a:extLst>
                     <a:ext uri="{9D8B030D-6E8A-4147-A177-3AD203B41FA5}">
-                      <a16:colId xmlns="" xmlns:a16="http://schemas.microsoft.com/office/drawing/2014/main" val="20004"/>
+                      <a16:colId xmlns:a16="http://schemas.microsoft.com/office/drawing/2014/main" xmlns="" val="20004"/>
                     </a:ext>
                   </a:extLst>
                 </a:gridCol>
                 <a:gridCol w="1035170">
                   <a:extLst>
                     <a:ext uri="{9D8B030D-6E8A-4147-A177-3AD203B41FA5}">
-                      <a16:colId xmlns="" xmlns:a16="http://schemas.microsoft.com/office/drawing/2014/main" val="20005"/>
+                      <a16:colId xmlns:a16="http://schemas.microsoft.com/office/drawing/2014/main" xmlns="" val="20005"/>
                     </a:ext>
                   </a:extLst>
                 </a:gridCol>
@@ -27418,7 +27418,7 @@
                 </a:tc>
                 <a:extLst>
                   <a:ext uri="{0D108BD9-81ED-4DB2-BD59-A6C34878D82A}">
-                    <a16:rowId xmlns="" xmlns:a16="http://schemas.microsoft.com/office/drawing/2014/main" val="10000"/>
+                    <a16:rowId xmlns:a16="http://schemas.microsoft.com/office/drawing/2014/main" xmlns="" val="10000"/>
                   </a:ext>
                 </a:extLst>
               </a:tr>
@@ -27515,7 +27515,7 @@
                 </a:tc>
                 <a:extLst>
                   <a:ext uri="{0D108BD9-81ED-4DB2-BD59-A6C34878D82A}">
-                    <a16:rowId xmlns="" xmlns:a16="http://schemas.microsoft.com/office/drawing/2014/main" val="10001"/>
+                    <a16:rowId xmlns:a16="http://schemas.microsoft.com/office/drawing/2014/main" xmlns="" val="10001"/>
                   </a:ext>
                 </a:extLst>
               </a:tr>
@@ -27673,7 +27673,7 @@
                 </a:tc>
                 <a:extLst>
                   <a:ext uri="{0D108BD9-81ED-4DB2-BD59-A6C34878D82A}">
-                    <a16:rowId xmlns="" xmlns:a16="http://schemas.microsoft.com/office/drawing/2014/main" val="10002"/>
+                    <a16:rowId xmlns:a16="http://schemas.microsoft.com/office/drawing/2014/main" xmlns="" val="10002"/>
                   </a:ext>
                 </a:extLst>
               </a:tr>
@@ -27814,7 +27814,7 @@
                 </a:tc>
                 <a:extLst>
                   <a:ext uri="{0D108BD9-81ED-4DB2-BD59-A6C34878D82A}">
-                    <a16:rowId xmlns="" xmlns:a16="http://schemas.microsoft.com/office/drawing/2014/main" val="10003"/>
+                    <a16:rowId xmlns:a16="http://schemas.microsoft.com/office/drawing/2014/main" xmlns="" val="10003"/>
                   </a:ext>
                 </a:extLst>
               </a:tr>
@@ -27953,7 +27953,7 @@
                 </a:tc>
                 <a:extLst>
                   <a:ext uri="{0D108BD9-81ED-4DB2-BD59-A6C34878D82A}">
-                    <a16:rowId xmlns="" xmlns:a16="http://schemas.microsoft.com/office/drawing/2014/main" val="10004"/>
+                    <a16:rowId xmlns:a16="http://schemas.microsoft.com/office/drawing/2014/main" xmlns="" val="10004"/>
                   </a:ext>
                 </a:extLst>
               </a:tr>
@@ -28094,7 +28094,7 @@
                 </a:tc>
                 <a:extLst>
                   <a:ext uri="{0D108BD9-81ED-4DB2-BD59-A6C34878D82A}">
-                    <a16:rowId xmlns="" xmlns:a16="http://schemas.microsoft.com/office/drawing/2014/main" val="10005"/>
+                    <a16:rowId xmlns:a16="http://schemas.microsoft.com/office/drawing/2014/main" xmlns="" val="10005"/>
                   </a:ext>
                 </a:extLst>
               </a:tr>
@@ -28517,42 +28517,42 @@
                 <a:gridCol w="1074501">
                   <a:extLst>
                     <a:ext uri="{9D8B030D-6E8A-4147-A177-3AD203B41FA5}">
-                      <a16:colId xmlns="" xmlns:a16="http://schemas.microsoft.com/office/drawing/2014/main" val="20000"/>
+                      <a16:colId xmlns:a16="http://schemas.microsoft.com/office/drawing/2014/main" xmlns="" val="20000"/>
                     </a:ext>
                   </a:extLst>
                 </a:gridCol>
                 <a:gridCol w="1137695">
                   <a:extLst>
                     <a:ext uri="{9D8B030D-6E8A-4147-A177-3AD203B41FA5}">
-                      <a16:colId xmlns="" xmlns:a16="http://schemas.microsoft.com/office/drawing/2014/main" val="20001"/>
+                      <a16:colId xmlns:a16="http://schemas.microsoft.com/office/drawing/2014/main" xmlns="" val="20001"/>
                     </a:ext>
                   </a:extLst>
                 </a:gridCol>
                 <a:gridCol w="1086928">
                   <a:extLst>
                     <a:ext uri="{9D8B030D-6E8A-4147-A177-3AD203B41FA5}">
-                      <a16:colId xmlns="" xmlns:a16="http://schemas.microsoft.com/office/drawing/2014/main" val="20002"/>
+                      <a16:colId xmlns:a16="http://schemas.microsoft.com/office/drawing/2014/main" xmlns="" val="20002"/>
                     </a:ext>
                   </a:extLst>
                 </a:gridCol>
                 <a:gridCol w="888521">
                   <a:extLst>
                     <a:ext uri="{9D8B030D-6E8A-4147-A177-3AD203B41FA5}">
-                      <a16:colId xmlns="" xmlns:a16="http://schemas.microsoft.com/office/drawing/2014/main" val="20003"/>
+                      <a16:colId xmlns:a16="http://schemas.microsoft.com/office/drawing/2014/main" xmlns="" val="20003"/>
                     </a:ext>
                   </a:extLst>
                 </a:gridCol>
                 <a:gridCol w="810883">
                   <a:extLst>
                     <a:ext uri="{9D8B030D-6E8A-4147-A177-3AD203B41FA5}">
-                      <a16:colId xmlns="" xmlns:a16="http://schemas.microsoft.com/office/drawing/2014/main" val="20004"/>
+                      <a16:colId xmlns:a16="http://schemas.microsoft.com/office/drawing/2014/main" xmlns="" val="20004"/>
                     </a:ext>
                   </a:extLst>
                 </a:gridCol>
                 <a:gridCol w="1118436">
                   <a:extLst>
                     <a:ext uri="{9D8B030D-6E8A-4147-A177-3AD203B41FA5}">
-                      <a16:colId xmlns="" xmlns:a16="http://schemas.microsoft.com/office/drawing/2014/main" val="20005"/>
+                      <a16:colId xmlns:a16="http://schemas.microsoft.com/office/drawing/2014/main" xmlns="" val="20005"/>
                     </a:ext>
                   </a:extLst>
                 </a:gridCol>
@@ -28644,7 +28644,7 @@
                 </a:tc>
                 <a:extLst>
                   <a:ext uri="{0D108BD9-81ED-4DB2-BD59-A6C34878D82A}">
-                    <a16:rowId xmlns="" xmlns:a16="http://schemas.microsoft.com/office/drawing/2014/main" val="10000"/>
+                    <a16:rowId xmlns:a16="http://schemas.microsoft.com/office/drawing/2014/main" xmlns="" val="10000"/>
                   </a:ext>
                 </a:extLst>
               </a:tr>
@@ -28743,7 +28743,7 @@
                 </a:tc>
                 <a:extLst>
                   <a:ext uri="{0D108BD9-81ED-4DB2-BD59-A6C34878D82A}">
-                    <a16:rowId xmlns="" xmlns:a16="http://schemas.microsoft.com/office/drawing/2014/main" val="10001"/>
+                    <a16:rowId xmlns:a16="http://schemas.microsoft.com/office/drawing/2014/main" xmlns="" val="10001"/>
                   </a:ext>
                 </a:extLst>
               </a:tr>
@@ -28901,7 +28901,7 @@
                 </a:tc>
                 <a:extLst>
                   <a:ext uri="{0D108BD9-81ED-4DB2-BD59-A6C34878D82A}">
-                    <a16:rowId xmlns="" xmlns:a16="http://schemas.microsoft.com/office/drawing/2014/main" val="10002"/>
+                    <a16:rowId xmlns:a16="http://schemas.microsoft.com/office/drawing/2014/main" xmlns="" val="10002"/>
                   </a:ext>
                 </a:extLst>
               </a:tr>
@@ -29040,7 +29040,7 @@
                 </a:tc>
                 <a:extLst>
                   <a:ext uri="{0D108BD9-81ED-4DB2-BD59-A6C34878D82A}">
-                    <a16:rowId xmlns="" xmlns:a16="http://schemas.microsoft.com/office/drawing/2014/main" val="10003"/>
+                    <a16:rowId xmlns:a16="http://schemas.microsoft.com/office/drawing/2014/main" xmlns="" val="10003"/>
                   </a:ext>
                 </a:extLst>
               </a:tr>
@@ -29141,7 +29141,7 @@
                 </a:tc>
                 <a:extLst>
                   <a:ext uri="{0D108BD9-81ED-4DB2-BD59-A6C34878D82A}">
-                    <a16:rowId xmlns="" xmlns:a16="http://schemas.microsoft.com/office/drawing/2014/main" val="10004"/>
+                    <a16:rowId xmlns:a16="http://schemas.microsoft.com/office/drawing/2014/main" xmlns="" val="10004"/>
                   </a:ext>
                 </a:extLst>
               </a:tr>
@@ -29242,7 +29242,7 @@
                 </a:tc>
                 <a:extLst>
                   <a:ext uri="{0D108BD9-81ED-4DB2-BD59-A6C34878D82A}">
-                    <a16:rowId xmlns="" xmlns:a16="http://schemas.microsoft.com/office/drawing/2014/main" val="10005"/>
+                    <a16:rowId xmlns:a16="http://schemas.microsoft.com/office/drawing/2014/main" xmlns="" val="10005"/>
                   </a:ext>
                 </a:extLst>
               </a:tr>
@@ -29333,42 +29333,42 @@
                 <a:gridCol w="1074501">
                   <a:extLst>
                     <a:ext uri="{9D8B030D-6E8A-4147-A177-3AD203B41FA5}">
-                      <a16:colId xmlns="" xmlns:a16="http://schemas.microsoft.com/office/drawing/2014/main" val="20000"/>
+                      <a16:colId xmlns:a16="http://schemas.microsoft.com/office/drawing/2014/main" xmlns="" val="20000"/>
                     </a:ext>
                   </a:extLst>
                 </a:gridCol>
                 <a:gridCol w="1361982">
                   <a:extLst>
                     <a:ext uri="{9D8B030D-6E8A-4147-A177-3AD203B41FA5}">
-                      <a16:colId xmlns="" xmlns:a16="http://schemas.microsoft.com/office/drawing/2014/main" val="20001"/>
+                      <a16:colId xmlns:a16="http://schemas.microsoft.com/office/drawing/2014/main" xmlns="" val="20001"/>
                     </a:ext>
                   </a:extLst>
                 </a:gridCol>
                 <a:gridCol w="1069675">
                   <a:extLst>
                     <a:ext uri="{9D8B030D-6E8A-4147-A177-3AD203B41FA5}">
-                      <a16:colId xmlns="" xmlns:a16="http://schemas.microsoft.com/office/drawing/2014/main" val="20002"/>
+                      <a16:colId xmlns:a16="http://schemas.microsoft.com/office/drawing/2014/main" xmlns="" val="20002"/>
                     </a:ext>
                   </a:extLst>
                 </a:gridCol>
                 <a:gridCol w="776378">
                   <a:extLst>
                     <a:ext uri="{9D8B030D-6E8A-4147-A177-3AD203B41FA5}">
-                      <a16:colId xmlns="" xmlns:a16="http://schemas.microsoft.com/office/drawing/2014/main" val="20003"/>
+                      <a16:colId xmlns:a16="http://schemas.microsoft.com/office/drawing/2014/main" xmlns="" val="20003"/>
                     </a:ext>
                   </a:extLst>
                 </a:gridCol>
                 <a:gridCol w="785004">
                   <a:extLst>
                     <a:ext uri="{9D8B030D-6E8A-4147-A177-3AD203B41FA5}">
-                      <a16:colId xmlns="" xmlns:a16="http://schemas.microsoft.com/office/drawing/2014/main" val="20004"/>
+                      <a16:colId xmlns:a16="http://schemas.microsoft.com/office/drawing/2014/main" xmlns="" val="20004"/>
                     </a:ext>
                   </a:extLst>
                 </a:gridCol>
                 <a:gridCol w="1049424">
                   <a:extLst>
                     <a:ext uri="{9D8B030D-6E8A-4147-A177-3AD203B41FA5}">
-                      <a16:colId xmlns="" xmlns:a16="http://schemas.microsoft.com/office/drawing/2014/main" val="20005"/>
+                      <a16:colId xmlns:a16="http://schemas.microsoft.com/office/drawing/2014/main" xmlns="" val="20005"/>
                     </a:ext>
                   </a:extLst>
                 </a:gridCol>
@@ -29460,7 +29460,7 @@
                 </a:tc>
                 <a:extLst>
                   <a:ext uri="{0D108BD9-81ED-4DB2-BD59-A6C34878D82A}">
-                    <a16:rowId xmlns="" xmlns:a16="http://schemas.microsoft.com/office/drawing/2014/main" val="10000"/>
+                    <a16:rowId xmlns:a16="http://schemas.microsoft.com/office/drawing/2014/main" xmlns="" val="10000"/>
                   </a:ext>
                 </a:extLst>
               </a:tr>
@@ -29557,7 +29557,7 @@
                 </a:tc>
                 <a:extLst>
                   <a:ext uri="{0D108BD9-81ED-4DB2-BD59-A6C34878D82A}">
-                    <a16:rowId xmlns="" xmlns:a16="http://schemas.microsoft.com/office/drawing/2014/main" val="10001"/>
+                    <a16:rowId xmlns:a16="http://schemas.microsoft.com/office/drawing/2014/main" xmlns="" val="10001"/>
                   </a:ext>
                 </a:extLst>
               </a:tr>
@@ -29717,7 +29717,7 @@
                 </a:tc>
                 <a:extLst>
                   <a:ext uri="{0D108BD9-81ED-4DB2-BD59-A6C34878D82A}">
-                    <a16:rowId xmlns="" xmlns:a16="http://schemas.microsoft.com/office/drawing/2014/main" val="10002"/>
+                    <a16:rowId xmlns:a16="http://schemas.microsoft.com/office/drawing/2014/main" xmlns="" val="10002"/>
                   </a:ext>
                 </a:extLst>
               </a:tr>
@@ -29858,7 +29858,7 @@
                 </a:tc>
                 <a:extLst>
                   <a:ext uri="{0D108BD9-81ED-4DB2-BD59-A6C34878D82A}">
-                    <a16:rowId xmlns="" xmlns:a16="http://schemas.microsoft.com/office/drawing/2014/main" val="10003"/>
+                    <a16:rowId xmlns:a16="http://schemas.microsoft.com/office/drawing/2014/main" xmlns="" val="10003"/>
                   </a:ext>
                 </a:extLst>
               </a:tr>
@@ -29999,7 +29999,7 @@
                 </a:tc>
                 <a:extLst>
                   <a:ext uri="{0D108BD9-81ED-4DB2-BD59-A6C34878D82A}">
-                    <a16:rowId xmlns="" xmlns:a16="http://schemas.microsoft.com/office/drawing/2014/main" val="10004"/>
+                    <a16:rowId xmlns:a16="http://schemas.microsoft.com/office/drawing/2014/main" xmlns="" val="10004"/>
                   </a:ext>
                 </a:extLst>
               </a:tr>
@@ -30098,7 +30098,7 @@
                 </a:tc>
                 <a:extLst>
                   <a:ext uri="{0D108BD9-81ED-4DB2-BD59-A6C34878D82A}">
-                    <a16:rowId xmlns="" xmlns:a16="http://schemas.microsoft.com/office/drawing/2014/main" val="10005"/>
+                    <a16:rowId xmlns:a16="http://schemas.microsoft.com/office/drawing/2014/main" xmlns="" val="10005"/>
                   </a:ext>
                 </a:extLst>
               </a:tr>
@@ -30189,42 +30189,42 @@
                 <a:gridCol w="1074501">
                   <a:extLst>
                     <a:ext uri="{9D8B030D-6E8A-4147-A177-3AD203B41FA5}">
-                      <a16:colId xmlns="" xmlns:a16="http://schemas.microsoft.com/office/drawing/2014/main" val="20000"/>
+                      <a16:colId xmlns:a16="http://schemas.microsoft.com/office/drawing/2014/main" xmlns="" val="20000"/>
                     </a:ext>
                   </a:extLst>
                 </a:gridCol>
                 <a:gridCol w="1094563">
                   <a:extLst>
                     <a:ext uri="{9D8B030D-6E8A-4147-A177-3AD203B41FA5}">
-                      <a16:colId xmlns="" xmlns:a16="http://schemas.microsoft.com/office/drawing/2014/main" val="20001"/>
+                      <a16:colId xmlns:a16="http://schemas.microsoft.com/office/drawing/2014/main" xmlns="" val="20001"/>
                     </a:ext>
                   </a:extLst>
                 </a:gridCol>
                 <a:gridCol w="1112808">
                   <a:extLst>
                     <a:ext uri="{9D8B030D-6E8A-4147-A177-3AD203B41FA5}">
-                      <a16:colId xmlns="" xmlns:a16="http://schemas.microsoft.com/office/drawing/2014/main" val="20002"/>
+                      <a16:colId xmlns:a16="http://schemas.microsoft.com/office/drawing/2014/main" xmlns="" val="20002"/>
                     </a:ext>
                   </a:extLst>
                 </a:gridCol>
                 <a:gridCol w="755968">
                   <a:extLst>
                     <a:ext uri="{9D8B030D-6E8A-4147-A177-3AD203B41FA5}">
-                      <a16:colId xmlns="" xmlns:a16="http://schemas.microsoft.com/office/drawing/2014/main" val="20003"/>
+                      <a16:colId xmlns:a16="http://schemas.microsoft.com/office/drawing/2014/main" xmlns="" val="20003"/>
                     </a:ext>
                   </a:extLst>
                 </a:gridCol>
                 <a:gridCol w="909275">
                   <a:extLst>
                     <a:ext uri="{9D8B030D-6E8A-4147-A177-3AD203B41FA5}">
-                      <a16:colId xmlns="" xmlns:a16="http://schemas.microsoft.com/office/drawing/2014/main" val="20004"/>
+                      <a16:colId xmlns:a16="http://schemas.microsoft.com/office/drawing/2014/main" xmlns="" val="20004"/>
                     </a:ext>
                   </a:extLst>
                 </a:gridCol>
                 <a:gridCol w="1226019">
                   <a:extLst>
                     <a:ext uri="{9D8B030D-6E8A-4147-A177-3AD203B41FA5}">
-                      <a16:colId xmlns="" xmlns:a16="http://schemas.microsoft.com/office/drawing/2014/main" val="20005"/>
+                      <a16:colId xmlns:a16="http://schemas.microsoft.com/office/drawing/2014/main" xmlns="" val="20005"/>
                     </a:ext>
                   </a:extLst>
                 </a:gridCol>
@@ -30316,7 +30316,7 @@
                 </a:tc>
                 <a:extLst>
                   <a:ext uri="{0D108BD9-81ED-4DB2-BD59-A6C34878D82A}">
-                    <a16:rowId xmlns="" xmlns:a16="http://schemas.microsoft.com/office/drawing/2014/main" val="10000"/>
+                    <a16:rowId xmlns:a16="http://schemas.microsoft.com/office/drawing/2014/main" xmlns="" val="10000"/>
                   </a:ext>
                 </a:extLst>
               </a:tr>
@@ -30415,7 +30415,7 @@
                 </a:tc>
                 <a:extLst>
                   <a:ext uri="{0D108BD9-81ED-4DB2-BD59-A6C34878D82A}">
-                    <a16:rowId xmlns="" xmlns:a16="http://schemas.microsoft.com/office/drawing/2014/main" val="10001"/>
+                    <a16:rowId xmlns:a16="http://schemas.microsoft.com/office/drawing/2014/main" xmlns="" val="10001"/>
                   </a:ext>
                 </a:extLst>
               </a:tr>
@@ -30533,7 +30533,7 @@
                 </a:tc>
                 <a:extLst>
                   <a:ext uri="{0D108BD9-81ED-4DB2-BD59-A6C34878D82A}">
-                    <a16:rowId xmlns="" xmlns:a16="http://schemas.microsoft.com/office/drawing/2014/main" val="10002"/>
+                    <a16:rowId xmlns:a16="http://schemas.microsoft.com/office/drawing/2014/main" xmlns="" val="10002"/>
                   </a:ext>
                 </a:extLst>
               </a:tr>
@@ -30674,7 +30674,7 @@
                 </a:tc>
                 <a:extLst>
                   <a:ext uri="{0D108BD9-81ED-4DB2-BD59-A6C34878D82A}">
-                    <a16:rowId xmlns="" xmlns:a16="http://schemas.microsoft.com/office/drawing/2014/main" val="10003"/>
+                    <a16:rowId xmlns:a16="http://schemas.microsoft.com/office/drawing/2014/main" xmlns="" val="10003"/>
                   </a:ext>
                 </a:extLst>
               </a:tr>
@@ -30815,7 +30815,7 @@
                 </a:tc>
                 <a:extLst>
                   <a:ext uri="{0D108BD9-81ED-4DB2-BD59-A6C34878D82A}">
-                    <a16:rowId xmlns="" xmlns:a16="http://schemas.microsoft.com/office/drawing/2014/main" val="10004"/>
+                    <a16:rowId xmlns:a16="http://schemas.microsoft.com/office/drawing/2014/main" xmlns="" val="10004"/>
                   </a:ext>
                 </a:extLst>
               </a:tr>
@@ -30928,7 +30928,7 @@
                 </a:tc>
                 <a:extLst>
                   <a:ext uri="{0D108BD9-81ED-4DB2-BD59-A6C34878D82A}">
-                    <a16:rowId xmlns="" xmlns:a16="http://schemas.microsoft.com/office/drawing/2014/main" val="10005"/>
+                    <a16:rowId xmlns:a16="http://schemas.microsoft.com/office/drawing/2014/main" xmlns="" val="10005"/>
                   </a:ext>
                 </a:extLst>
               </a:tr>
@@ -31000,7 +31000,7 @@
           <p:nvPr>
             <p:extLst>
               <p:ext uri="{D42A27DB-BD31-4B8C-83A1-F6EECF244321}">
-                <p14:modId xmlns:p14="http://schemas.microsoft.com/office/powerpoint/2010/main" val="1982201283"/>
+                <p14:modId xmlns:p14="http://schemas.microsoft.com/office/powerpoint/2010/main" val="2668295042"/>
               </p:ext>
             </p:extLst>
           </p:nvPr>
@@ -31019,42 +31019,42 @@
                 <a:gridCol w="1108522">
                   <a:extLst>
                     <a:ext uri="{9D8B030D-6E8A-4147-A177-3AD203B41FA5}">
-                      <a16:colId xmlns="" xmlns:a16="http://schemas.microsoft.com/office/drawing/2014/main" val="20000"/>
+                      <a16:colId xmlns:a16="http://schemas.microsoft.com/office/drawing/2014/main" xmlns="" val="20000"/>
                     </a:ext>
                   </a:extLst>
                 </a:gridCol>
                 <a:gridCol w="1129219">
                   <a:extLst>
                     <a:ext uri="{9D8B030D-6E8A-4147-A177-3AD203B41FA5}">
-                      <a16:colId xmlns="" xmlns:a16="http://schemas.microsoft.com/office/drawing/2014/main" val="20001"/>
+                      <a16:colId xmlns:a16="http://schemas.microsoft.com/office/drawing/2014/main" xmlns="" val="20001"/>
                     </a:ext>
                   </a:extLst>
                 </a:gridCol>
                 <a:gridCol w="1148042">
                   <a:extLst>
                     <a:ext uri="{9D8B030D-6E8A-4147-A177-3AD203B41FA5}">
-                      <a16:colId xmlns="" xmlns:a16="http://schemas.microsoft.com/office/drawing/2014/main" val="20002"/>
+                      <a16:colId xmlns:a16="http://schemas.microsoft.com/office/drawing/2014/main" xmlns="" val="20002"/>
                     </a:ext>
                   </a:extLst>
                 </a:gridCol>
                 <a:gridCol w="802761">
                   <a:extLst>
                     <a:ext uri="{9D8B030D-6E8A-4147-A177-3AD203B41FA5}">
-                      <a16:colId xmlns="" xmlns:a16="http://schemas.microsoft.com/office/drawing/2014/main" val="20003"/>
+                      <a16:colId xmlns:a16="http://schemas.microsoft.com/office/drawing/2014/main" xmlns="" val="20003"/>
                     </a:ext>
                   </a:extLst>
                 </a:gridCol>
                 <a:gridCol w="857259">
                   <a:extLst>
                     <a:ext uri="{9D8B030D-6E8A-4147-A177-3AD203B41FA5}">
-                      <a16:colId xmlns="" xmlns:a16="http://schemas.microsoft.com/office/drawing/2014/main" val="20004"/>
+                      <a16:colId xmlns:a16="http://schemas.microsoft.com/office/drawing/2014/main" xmlns="" val="20004"/>
                     </a:ext>
                   </a:extLst>
                 </a:gridCol>
                 <a:gridCol w="1264838">
                   <a:extLst>
                     <a:ext uri="{9D8B030D-6E8A-4147-A177-3AD203B41FA5}">
-                      <a16:colId xmlns="" xmlns:a16="http://schemas.microsoft.com/office/drawing/2014/main" val="20005"/>
+                      <a16:colId xmlns:a16="http://schemas.microsoft.com/office/drawing/2014/main" xmlns="" val="20005"/>
                     </a:ext>
                   </a:extLst>
                 </a:gridCol>
@@ -31146,7 +31146,7 @@
                 </a:tc>
                 <a:extLst>
                   <a:ext uri="{0D108BD9-81ED-4DB2-BD59-A6C34878D82A}">
-                    <a16:rowId xmlns="" xmlns:a16="http://schemas.microsoft.com/office/drawing/2014/main" val="10000"/>
+                    <a16:rowId xmlns:a16="http://schemas.microsoft.com/office/drawing/2014/main" xmlns="" val="10000"/>
                   </a:ext>
                 </a:extLst>
               </a:tr>
@@ -31171,9 +31171,10 @@
                     <a:lstStyle/>
                     <a:p>
                       <a:r>
-                        <a:rPr lang="en-GB" dirty="0"/>
-                        <a:t>1</a:t>
-                      </a:r>
+                        <a:rPr lang="en-GB" dirty="0" smtClean="0"/>
+                        <a:t>2</a:t>
+                      </a:r>
+                      <a:endParaRPr lang="en-GB" dirty="0"/>
                     </a:p>
                   </a:txBody>
                   <a:tcPr/>
@@ -31244,7 +31245,7 @@
                 </a:tc>
                 <a:extLst>
                   <a:ext uri="{0D108BD9-81ED-4DB2-BD59-A6C34878D82A}">
-                    <a16:rowId xmlns="" xmlns:a16="http://schemas.microsoft.com/office/drawing/2014/main" val="10001"/>
+                    <a16:rowId xmlns:a16="http://schemas.microsoft.com/office/drawing/2014/main" xmlns="" val="10001"/>
                   </a:ext>
                 </a:extLst>
               </a:tr>
@@ -31276,10 +31277,10 @@
                     <a:lstStyle/>
                     <a:p>
                       <a:r>
-                        <a:rPr lang="x-none" dirty="0">
-                          <a:effectLst/>
-                        </a:rPr>
-                        <a:t>77</a:t>
+                        <a:rPr lang="en-IN" dirty="0" smtClean="0">
+                          <a:effectLst/>
+                        </a:rPr>
+                        <a:t>91</a:t>
                       </a:r>
                       <a:endParaRPr lang="en-GB" dirty="0"/>
                     </a:p>
@@ -31404,7 +31405,7 @@
                 </a:tc>
                 <a:extLst>
                   <a:ext uri="{0D108BD9-81ED-4DB2-BD59-A6C34878D82A}">
-                    <a16:rowId xmlns="" xmlns:a16="http://schemas.microsoft.com/office/drawing/2014/main" val="10002"/>
+                    <a16:rowId xmlns:a16="http://schemas.microsoft.com/office/drawing/2014/main" xmlns="" val="10002"/>
                   </a:ext>
                 </a:extLst>
               </a:tr>
@@ -31436,8 +31437,8 @@
                     <a:lstStyle/>
                     <a:p>
                       <a:r>
-                        <a:rPr lang="en-IN" dirty="0"/>
-                        <a:t>91</a:t>
+                        <a:rPr lang="en-IN" dirty="0" smtClean="0"/>
+                        <a:t>93</a:t>
                       </a:r>
                       <a:endParaRPr lang="en-GB" dirty="0"/>
                     </a:p>
@@ -31545,7 +31546,7 @@
                 </a:tc>
                 <a:extLst>
                   <a:ext uri="{0D108BD9-81ED-4DB2-BD59-A6C34878D82A}">
-                    <a16:rowId xmlns="" xmlns:a16="http://schemas.microsoft.com/office/drawing/2014/main" val="10003"/>
+                    <a16:rowId xmlns:a16="http://schemas.microsoft.com/office/drawing/2014/main" xmlns="" val="10003"/>
                   </a:ext>
                 </a:extLst>
               </a:tr>
@@ -31577,10 +31578,10 @@
                     <a:lstStyle/>
                     <a:p>
                       <a:r>
-                        <a:rPr lang="x-none" dirty="0">
-                          <a:effectLst/>
-                        </a:rPr>
-                        <a:t>91</a:t>
+                        <a:rPr lang="en-IN" smtClean="0">
+                          <a:effectLst/>
+                        </a:rPr>
+                        <a:t>93</a:t>
                       </a:r>
                       <a:endParaRPr lang="en-GB" dirty="0"/>
                     </a:p>
@@ -31688,7 +31689,7 @@
                 </a:tc>
                 <a:extLst>
                   <a:ext uri="{0D108BD9-81ED-4DB2-BD59-A6C34878D82A}">
-                    <a16:rowId xmlns="" xmlns:a16="http://schemas.microsoft.com/office/drawing/2014/main" val="10004"/>
+                    <a16:rowId xmlns:a16="http://schemas.microsoft.com/office/drawing/2014/main" xmlns="" val="10004"/>
                   </a:ext>
                 </a:extLst>
               </a:tr>
@@ -31787,7 +31788,7 @@
                 </a:tc>
                 <a:extLst>
                   <a:ext uri="{0D108BD9-81ED-4DB2-BD59-A6C34878D82A}">
-                    <a16:rowId xmlns="" xmlns:a16="http://schemas.microsoft.com/office/drawing/2014/main" val="10005"/>
+                    <a16:rowId xmlns:a16="http://schemas.microsoft.com/office/drawing/2014/main" xmlns="" val="10005"/>
                   </a:ext>
                 </a:extLst>
               </a:tr>
